--- a/Slides/Soutenance_Final.pptx
+++ b/Slides/Soutenance_Final.pptx
@@ -14,11 +14,11 @@
     <p:sldId id="274" r:id="rId2"/>
     <p:sldId id="269" r:id="rId3"/>
     <p:sldId id="270" r:id="rId4"/>
-    <p:sldId id="276" r:id="rId5"/>
-    <p:sldId id="287" r:id="rId6"/>
-    <p:sldId id="271" r:id="rId7"/>
-    <p:sldId id="288" r:id="rId8"/>
-    <p:sldId id="273" r:id="rId9"/>
+    <p:sldId id="289" r:id="rId5"/>
+    <p:sldId id="276" r:id="rId6"/>
+    <p:sldId id="287" r:id="rId7"/>
+    <p:sldId id="271" r:id="rId8"/>
+    <p:sldId id="288" r:id="rId9"/>
     <p:sldId id="278" r:id="rId10"/>
     <p:sldId id="279" r:id="rId11"/>
     <p:sldId id="280" r:id="rId12"/>
@@ -1972,18 +1972,30 @@
 </file>
 
 <file path=ppt/diagrams/colors3.xml><?xml version="1.0" encoding="utf-8"?>
-<dgm:colorsDef xmlns:dgm="http://schemas.openxmlformats.org/drawingml/2006/diagram" xmlns:a="http://schemas.openxmlformats.org/drawingml/2006/main" uniqueId="urn:microsoft.com/office/officeart/2005/8/colors/colorful4">
+<dgm:colorsDef xmlns:dgm="http://schemas.openxmlformats.org/drawingml/2006/diagram" xmlns:a="http://schemas.openxmlformats.org/drawingml/2006/main" uniqueId="urn:microsoft.com/office/officeart/2005/8/colors/accent0_3">
   <dgm:title val=""/>
   <dgm:desc val=""/>
   <dgm:catLst>
-    <dgm:cat type="colorful" pri="10400"/>
+    <dgm:cat type="mainScheme" pri="10300"/>
   </dgm:catLst>
   <dgm:styleLbl name="node0">
     <dgm:fillClrLst meth="repeat">
-      <a:schemeClr val="accent3"/>
+      <a:schemeClr val="dk2"/>
     </dgm:fillClrLst>
     <dgm:linClrLst meth="repeat">
-      <a:schemeClr val="lt1"/>
+      <a:schemeClr val="lt2"/>
+    </dgm:linClrLst>
+    <dgm:effectClrLst/>
+    <dgm:txLinClrLst/>
+    <dgm:txFillClrLst/>
+    <dgm:txEffectClrLst/>
+  </dgm:styleLbl>
+  <dgm:styleLbl name="alignNode1">
+    <dgm:fillClrLst meth="repeat">
+      <a:schemeClr val="dk2"/>
+    </dgm:fillClrLst>
+    <dgm:linClrLst meth="repeat">
+      <a:schemeClr val="dk2"/>
     </dgm:linClrLst>
     <dgm:effectClrLst/>
     <dgm:txLinClrLst/>
@@ -1991,26 +2003,11 @@
     <dgm:txEffectClrLst/>
   </dgm:styleLbl>
   <dgm:styleLbl name="node1">
-    <dgm:fillClrLst>
-      <a:schemeClr val="accent4"/>
-      <a:schemeClr val="accent5"/>
+    <dgm:fillClrLst meth="repeat">
+      <a:schemeClr val="dk2"/>
     </dgm:fillClrLst>
     <dgm:linClrLst meth="repeat">
-      <a:schemeClr val="lt1"/>
-    </dgm:linClrLst>
-    <dgm:effectClrLst/>
-    <dgm:txLinClrLst/>
-    <dgm:txFillClrLst/>
-    <dgm:txEffectClrLst/>
-  </dgm:styleLbl>
-  <dgm:styleLbl name="alignNode1">
-    <dgm:fillClrLst>
-      <a:schemeClr val="accent4"/>
-      <a:schemeClr val="accent5"/>
-    </dgm:fillClrLst>
-    <dgm:linClrLst>
-      <a:schemeClr val="accent4"/>
-      <a:schemeClr val="accent5"/>
+      <a:schemeClr val="lt2"/>
     </dgm:linClrLst>
     <dgm:effectClrLst/>
     <dgm:txLinClrLst/>
@@ -2018,12 +2015,11 @@
     <dgm:txEffectClrLst/>
   </dgm:styleLbl>
   <dgm:styleLbl name="lnNode1">
-    <dgm:fillClrLst>
-      <a:schemeClr val="accent4"/>
-      <a:schemeClr val="accent5"/>
+    <dgm:fillClrLst meth="repeat">
+      <a:schemeClr val="dk2"/>
     </dgm:fillClrLst>
     <dgm:linClrLst meth="repeat">
-      <a:schemeClr val="lt1"/>
+      <a:schemeClr val="lt2"/>
     </dgm:linClrLst>
     <dgm:effectClrLst/>
     <dgm:txLinClrLst/>
@@ -2031,16 +2027,13 @@
     <dgm:txEffectClrLst/>
   </dgm:styleLbl>
   <dgm:styleLbl name="vennNode1">
-    <dgm:fillClrLst>
-      <a:schemeClr val="accent4">
-        <a:alpha val="50000"/>
-      </a:schemeClr>
-      <a:schemeClr val="accent5">
+    <dgm:fillClrLst meth="repeat">
+      <a:schemeClr val="dk2">
         <a:alpha val="50000"/>
       </a:schemeClr>
     </dgm:fillClrLst>
     <dgm:linClrLst meth="repeat">
-      <a:schemeClr val="lt1"/>
+      <a:schemeClr val="lt2"/>
     </dgm:linClrLst>
     <dgm:effectClrLst/>
     <dgm:txLinClrLst/>
@@ -2048,11 +2041,11 @@
     <dgm:txEffectClrLst/>
   </dgm:styleLbl>
   <dgm:styleLbl name="node2">
-    <dgm:fillClrLst>
-      <a:schemeClr val="accent5"/>
+    <dgm:fillClrLst meth="repeat">
+      <a:schemeClr val="dk2"/>
     </dgm:fillClrLst>
     <dgm:linClrLst meth="repeat">
-      <a:schemeClr val="lt1"/>
+      <a:schemeClr val="lt2"/>
     </dgm:linClrLst>
     <dgm:effectClrLst/>
     <dgm:txLinClrLst/>
@@ -2060,11 +2053,11 @@
     <dgm:txEffectClrLst/>
   </dgm:styleLbl>
   <dgm:styleLbl name="node3">
-    <dgm:fillClrLst>
-      <a:schemeClr val="accent6"/>
+    <dgm:fillClrLst meth="repeat">
+      <a:schemeClr val="dk2"/>
     </dgm:fillClrLst>
     <dgm:linClrLst meth="repeat">
-      <a:schemeClr val="lt1"/>
+      <a:schemeClr val="lt2"/>
     </dgm:linClrLst>
     <dgm:effectClrLst/>
     <dgm:txLinClrLst/>
@@ -2072,11 +2065,11 @@
     <dgm:txEffectClrLst/>
   </dgm:styleLbl>
   <dgm:styleLbl name="node4">
-    <dgm:fillClrLst>
-      <a:schemeClr val="accent1"/>
+    <dgm:fillClrLst meth="repeat">
+      <a:schemeClr val="dk2"/>
     </dgm:fillClrLst>
     <dgm:linClrLst meth="repeat">
-      <a:schemeClr val="lt1"/>
+      <a:schemeClr val="lt2"/>
     </dgm:linClrLst>
     <dgm:effectClrLst/>
     <dgm:txLinClrLst/>
@@ -2084,69 +2077,67 @@
     <dgm:txEffectClrLst/>
   </dgm:styleLbl>
   <dgm:styleLbl name="fgImgPlace1">
-    <dgm:fillClrLst>
-      <a:schemeClr val="accent4">
-        <a:tint val="50000"/>
-      </a:schemeClr>
-      <a:schemeClr val="accent5">
+    <dgm:fillClrLst meth="repeat">
+      <a:schemeClr val="dk2">
         <a:tint val="50000"/>
       </a:schemeClr>
     </dgm:fillClrLst>
     <dgm:linClrLst meth="repeat">
-      <a:schemeClr val="lt1"/>
+      <a:schemeClr val="lt2"/>
     </dgm:linClrLst>
     <dgm:effectClrLst/>
     <dgm:txLinClrLst/>
     <dgm:txFillClrLst meth="repeat">
-      <a:schemeClr val="lt1"/>
+      <a:schemeClr val="lt2"/>
     </dgm:txFillClrLst>
     <dgm:txEffectClrLst/>
   </dgm:styleLbl>
   <dgm:styleLbl name="alignImgPlace1">
-    <dgm:fillClrLst>
-      <a:schemeClr val="accent4">
+    <dgm:fillClrLst meth="repeat">
+      <a:schemeClr val="dk2">
         <a:tint val="50000"/>
-      </a:schemeClr>
-      <a:schemeClr val="accent5">
-        <a:tint val="20000"/>
       </a:schemeClr>
     </dgm:fillClrLst>
     <dgm:linClrLst meth="repeat">
-      <a:schemeClr val="lt1"/>
+      <a:schemeClr val="dk2">
+        <a:shade val="80000"/>
+      </a:schemeClr>
     </dgm:linClrLst>
     <dgm:effectClrLst/>
     <dgm:txLinClrLst/>
     <dgm:txFillClrLst meth="repeat">
-      <a:schemeClr val="lt1"/>
+      <a:schemeClr val="lt2"/>
     </dgm:txFillClrLst>
     <dgm:txEffectClrLst/>
   </dgm:styleLbl>
   <dgm:styleLbl name="bgImgPlace1">
-    <dgm:fillClrLst>
-      <a:schemeClr val="accent4">
+    <dgm:fillClrLst meth="repeat">
+      <a:schemeClr val="dk2">
         <a:tint val="50000"/>
-      </a:schemeClr>
-      <a:schemeClr val="accent5">
-        <a:tint val="20000"/>
       </a:schemeClr>
     </dgm:fillClrLst>
     <dgm:linClrLst meth="repeat">
-      <a:schemeClr val="lt1"/>
+      <a:schemeClr val="dk2">
+        <a:shade val="80000"/>
+      </a:schemeClr>
     </dgm:linClrLst>
     <dgm:effectClrLst/>
     <dgm:txLinClrLst/>
     <dgm:txFillClrLst meth="repeat">
-      <a:schemeClr val="lt1"/>
+      <a:schemeClr val="lt2"/>
     </dgm:txFillClrLst>
     <dgm:txEffectClrLst/>
   </dgm:styleLbl>
   <dgm:styleLbl name="sibTrans2D1">
-    <dgm:fillClrLst>
-      <a:schemeClr val="accent4"/>
-      <a:schemeClr val="accent5"/>
+    <dgm:fillClrLst meth="repeat">
+      <a:schemeClr val="dk2">
+        <a:tint val="60000"/>
+      </a:schemeClr>
     </dgm:fillClrLst>
     <dgm:linClrLst meth="repeat">
-      <a:schemeClr val="lt1"/>
+      <a:schemeClr val="dk2">
+        <a:tint val="60000"/>
+      </a:schemeClr>
     </dgm:linClrLst>
     <dgm:effectClrLst/>
     <dgm:txLinClrLst/>
@@ -2154,72 +2145,73 @@
     <dgm:txEffectClrLst/>
   </dgm:styleLbl>
   <dgm:styleLbl name="fgSibTrans2D1">
-    <dgm:fillClrLst>
-      <a:schemeClr val="accent4"/>
-      <a:schemeClr val="accent5"/>
+    <dgm:fillClrLst meth="repeat">
+      <a:schemeClr val="dk2">
+        <a:tint val="60000"/>
+      </a:schemeClr>
     </dgm:fillClrLst>
     <dgm:linClrLst meth="repeat">
-      <a:schemeClr val="lt1"/>
+      <a:schemeClr val="dk2">
+        <a:tint val="60000"/>
+      </a:schemeClr>
+    </dgm:linClrLst>
+    <dgm:effectClrLst/>
+    <dgm:txLinClrLst/>
+    <dgm:txFillClrLst/>
+    <dgm:txEffectClrLst/>
+  </dgm:styleLbl>
+  <dgm:styleLbl name="bgSibTrans2D1">
+    <dgm:fillClrLst meth="repeat">
+      <a:schemeClr val="dk2">
+        <a:tint val="60000"/>
+      </a:schemeClr>
+    </dgm:fillClrLst>
+    <dgm:linClrLst meth="repeat">
+      <a:schemeClr val="dk2">
+        <a:tint val="60000"/>
+      </a:schemeClr>
+    </dgm:linClrLst>
+    <dgm:effectClrLst/>
+    <dgm:txLinClrLst/>
+    <dgm:txFillClrLst/>
+    <dgm:txEffectClrLst/>
+  </dgm:styleLbl>
+  <dgm:styleLbl name="sibTrans1D1">
+    <dgm:fillClrLst meth="repeat">
+      <a:schemeClr val="dk2"/>
+    </dgm:fillClrLst>
+    <dgm:linClrLst meth="repeat">
+      <a:schemeClr val="dk2"/>
     </dgm:linClrLst>
     <dgm:effectClrLst/>
     <dgm:txLinClrLst/>
     <dgm:txFillClrLst meth="repeat">
-      <a:schemeClr val="lt1"/>
-    </dgm:txFillClrLst>
-    <dgm:txEffectClrLst/>
-  </dgm:styleLbl>
-  <dgm:styleLbl name="bgSibTrans2D1">
-    <dgm:fillClrLst>
-      <a:schemeClr val="accent4"/>
-      <a:schemeClr val="accent5"/>
-    </dgm:fillClrLst>
-    <dgm:linClrLst meth="repeat">
-      <a:schemeClr val="lt1"/>
-    </dgm:linClrLst>
-    <dgm:effectClrLst/>
-    <dgm:txLinClrLst/>
-    <dgm:txFillClrLst meth="repeat">
-      <a:schemeClr val="lt1"/>
-    </dgm:txFillClrLst>
-    <dgm:txEffectClrLst/>
-  </dgm:styleLbl>
-  <dgm:styleLbl name="sibTrans1D1">
-    <dgm:fillClrLst/>
-    <dgm:linClrLst>
-      <a:schemeClr val="accent4"/>
-      <a:schemeClr val="accent5"/>
-    </dgm:linClrLst>
-    <dgm:effectClrLst/>
-    <dgm:txLinClrLst/>
-    <dgm:txFillClrLst meth="repeat">
-      <a:schemeClr val="tx1"/>
+      <a:schemeClr val="lt2"/>
     </dgm:txFillClrLst>
     <dgm:txEffectClrLst/>
   </dgm:styleLbl>
   <dgm:styleLbl name="callout">
     <dgm:fillClrLst meth="repeat">
-      <a:schemeClr val="accent4"/>
+      <a:schemeClr val="dk2"/>
     </dgm:fillClrLst>
     <dgm:linClrLst meth="repeat">
-      <a:schemeClr val="accent4">
+      <a:schemeClr val="dk2">
         <a:tint val="50000"/>
       </a:schemeClr>
     </dgm:linClrLst>
     <dgm:effectClrLst/>
     <dgm:txLinClrLst/>
     <dgm:txFillClrLst meth="repeat">
-      <a:schemeClr val="tx1"/>
+      <a:schemeClr val="lt2"/>
     </dgm:txFillClrLst>
     <dgm:txEffectClrLst/>
   </dgm:styleLbl>
   <dgm:styleLbl name="asst0">
     <dgm:fillClrLst meth="repeat">
-      <a:schemeClr val="accent4"/>
+      <a:schemeClr val="dk2"/>
     </dgm:fillClrLst>
     <dgm:linClrLst meth="repeat">
-      <a:schemeClr val="lt1">
-        <a:shade val="80000"/>
-      </a:schemeClr>
+      <a:schemeClr val="lt2"/>
     </dgm:linClrLst>
     <dgm:effectClrLst/>
     <dgm:txLinClrLst/>
@@ -2228,12 +2220,10 @@
   </dgm:styleLbl>
   <dgm:styleLbl name="asst1">
     <dgm:fillClrLst meth="repeat">
-      <a:schemeClr val="accent5"/>
+      <a:schemeClr val="dk2"/>
     </dgm:fillClrLst>
     <dgm:linClrLst meth="repeat">
-      <a:schemeClr val="lt1">
-        <a:shade val="80000"/>
-      </a:schemeClr>
+      <a:schemeClr val="lt2"/>
     </dgm:linClrLst>
     <dgm:effectClrLst/>
     <dgm:txLinClrLst/>
@@ -2241,11 +2231,11 @@
     <dgm:txEffectClrLst/>
   </dgm:styleLbl>
   <dgm:styleLbl name="asst2">
-    <dgm:fillClrLst>
-      <a:schemeClr val="accent6"/>
+    <dgm:fillClrLst meth="repeat">
+      <a:schemeClr val="dk2"/>
     </dgm:fillClrLst>
     <dgm:linClrLst meth="repeat">
-      <a:schemeClr val="lt1"/>
+      <a:schemeClr val="lt2"/>
     </dgm:linClrLst>
     <dgm:effectClrLst/>
     <dgm:txLinClrLst/>
@@ -2253,11 +2243,11 @@
     <dgm:txEffectClrLst/>
   </dgm:styleLbl>
   <dgm:styleLbl name="asst3">
-    <dgm:fillClrLst>
-      <a:schemeClr val="accent1"/>
+    <dgm:fillClrLst meth="repeat">
+      <a:schemeClr val="dk2"/>
     </dgm:fillClrLst>
     <dgm:linClrLst meth="repeat">
-      <a:schemeClr val="lt1"/>
+      <a:schemeClr val="lt2"/>
     </dgm:linClrLst>
     <dgm:effectClrLst/>
     <dgm:txLinClrLst/>
@@ -2265,11 +2255,11 @@
     <dgm:txEffectClrLst/>
   </dgm:styleLbl>
   <dgm:styleLbl name="asst4">
-    <dgm:fillClrLst>
-      <a:schemeClr val="accent2"/>
+    <dgm:fillClrLst meth="repeat">
+      <a:schemeClr val="dk2"/>
     </dgm:fillClrLst>
     <dgm:linClrLst meth="repeat">
-      <a:schemeClr val="lt1"/>
+      <a:schemeClr val="lt2"/>
     </dgm:linClrLst>
     <dgm:effectClrLst/>
     <dgm:txLinClrLst/>
@@ -2278,62 +2268,72 @@
   </dgm:styleLbl>
   <dgm:styleLbl name="parChTrans2D1">
     <dgm:fillClrLst meth="repeat">
-      <a:schemeClr val="accent4"/>
+      <a:schemeClr val="dk2">
+        <a:tint val="60000"/>
+      </a:schemeClr>
     </dgm:fillClrLst>
     <dgm:linClrLst meth="repeat">
-      <a:schemeClr val="lt1"/>
+      <a:schemeClr val="dk2">
+        <a:tint val="60000"/>
+      </a:schemeClr>
     </dgm:linClrLst>
     <dgm:effectClrLst/>
     <dgm:txLinClrLst/>
     <dgm:txFillClrLst meth="repeat">
-      <a:schemeClr val="lt1"/>
+      <a:schemeClr val="lt2"/>
     </dgm:txFillClrLst>
     <dgm:txEffectClrLst/>
   </dgm:styleLbl>
   <dgm:styleLbl name="parChTrans2D2">
     <dgm:fillClrLst meth="repeat">
-      <a:schemeClr val="accent5"/>
+      <a:schemeClr val="dk2"/>
     </dgm:fillClrLst>
     <dgm:linClrLst meth="repeat">
-      <a:schemeClr val="lt1"/>
+      <a:schemeClr val="dk2"/>
     </dgm:linClrLst>
     <dgm:effectClrLst/>
     <dgm:txLinClrLst/>
-    <dgm:txFillClrLst/>
+    <dgm:txFillClrLst meth="repeat">
+      <a:schemeClr val="lt2"/>
+    </dgm:txFillClrLst>
     <dgm:txEffectClrLst/>
   </dgm:styleLbl>
   <dgm:styleLbl name="parChTrans2D3">
     <dgm:fillClrLst meth="repeat">
-      <a:schemeClr val="accent5"/>
+      <a:schemeClr val="dk2"/>
     </dgm:fillClrLst>
     <dgm:linClrLst meth="repeat">
-      <a:schemeClr val="lt1"/>
+      <a:schemeClr val="dk2"/>
     </dgm:linClrLst>
     <dgm:effectClrLst/>
     <dgm:txLinClrLst/>
-    <dgm:txFillClrLst/>
+    <dgm:txFillClrLst meth="repeat">
+      <a:schemeClr val="lt2"/>
+    </dgm:txFillClrLst>
     <dgm:txEffectClrLst/>
   </dgm:styleLbl>
   <dgm:styleLbl name="parChTrans2D4">
     <dgm:fillClrLst meth="repeat">
-      <a:schemeClr val="accent6"/>
+      <a:schemeClr val="dk2"/>
     </dgm:fillClrLst>
     <dgm:linClrLst meth="repeat">
-      <a:schemeClr val="lt1"/>
+      <a:schemeClr val="dk2"/>
     </dgm:linClrLst>
     <dgm:effectClrLst/>
     <dgm:txLinClrLst/>
     <dgm:txFillClrLst meth="repeat">
-      <a:schemeClr val="lt1"/>
+      <a:schemeClr val="lt2"/>
     </dgm:txFillClrLst>
     <dgm:txEffectClrLst/>
   </dgm:styleLbl>
   <dgm:styleLbl name="parChTrans1D1">
     <dgm:fillClrLst meth="repeat">
-      <a:schemeClr val="accent4"/>
+      <a:schemeClr val="dk2"/>
     </dgm:fillClrLst>
     <dgm:linClrLst meth="repeat">
-      <a:schemeClr val="accent4"/>
+      <a:schemeClr val="dk2">
+        <a:shade val="60000"/>
+      </a:schemeClr>
     </dgm:linClrLst>
     <dgm:effectClrLst/>
     <dgm:txLinClrLst/>
@@ -2344,12 +2344,12 @@
   </dgm:styleLbl>
   <dgm:styleLbl name="parChTrans1D2">
     <dgm:fillClrLst meth="repeat">
-      <a:schemeClr val="accent4">
-        <a:tint val="90000"/>
-      </a:schemeClr>
+      <a:schemeClr val="dk2"/>
     </dgm:fillClrLst>
     <dgm:linClrLst meth="repeat">
-      <a:schemeClr val="accent5"/>
+      <a:schemeClr val="dk2">
+        <a:shade val="60000"/>
+      </a:schemeClr>
     </dgm:linClrLst>
     <dgm:effectClrLst/>
     <dgm:txLinClrLst/>
@@ -2360,12 +2360,12 @@
   </dgm:styleLbl>
   <dgm:styleLbl name="parChTrans1D3">
     <dgm:fillClrLst meth="repeat">
-      <a:schemeClr val="accent4">
-        <a:tint val="70000"/>
-      </a:schemeClr>
+      <a:schemeClr val="dk2"/>
     </dgm:fillClrLst>
     <dgm:linClrLst meth="repeat">
-      <a:schemeClr val="accent6"/>
+      <a:schemeClr val="dk2">
+        <a:shade val="80000"/>
+      </a:schemeClr>
     </dgm:linClrLst>
     <dgm:effectClrLst/>
     <dgm:txLinClrLst/>
@@ -2376,12 +2376,12 @@
   </dgm:styleLbl>
   <dgm:styleLbl name="parChTrans1D4">
     <dgm:fillClrLst meth="repeat">
-      <a:schemeClr val="accent4">
-        <a:tint val="50000"/>
-      </a:schemeClr>
+      <a:schemeClr val="dk2"/>
     </dgm:fillClrLst>
     <dgm:linClrLst meth="repeat">
-      <a:schemeClr val="accent1"/>
+      <a:schemeClr val="dk2">
+        <a:shade val="80000"/>
+      </a:schemeClr>
     </dgm:linClrLst>
     <dgm:effectClrLst/>
     <dgm:txLinClrLst/>
@@ -2392,13 +2392,12 @@
   </dgm:styleLbl>
   <dgm:styleLbl name="fgAcc1">
     <dgm:fillClrLst meth="repeat">
-      <a:schemeClr val="lt1">
+      <a:schemeClr val="lt2">
         <a:alpha val="90000"/>
       </a:schemeClr>
     </dgm:fillClrLst>
-    <dgm:linClrLst>
-      <a:schemeClr val="accent4"/>
-      <a:schemeClr val="accent5"/>
+    <dgm:linClrLst meth="repeat">
+      <a:schemeClr val="dk2"/>
     </dgm:linClrLst>
     <dgm:effectClrLst/>
     <dgm:txLinClrLst/>
@@ -2409,13 +2408,12 @@
   </dgm:styleLbl>
   <dgm:styleLbl name="conFgAcc1">
     <dgm:fillClrLst meth="repeat">
-      <a:schemeClr val="lt1">
+      <a:schemeClr val="lt2">
         <a:alpha val="90000"/>
       </a:schemeClr>
     </dgm:fillClrLst>
-    <dgm:linClrLst>
-      <a:schemeClr val="accent4"/>
-      <a:schemeClr val="accent5"/>
+    <dgm:linClrLst meth="repeat">
+      <a:schemeClr val="dk2"/>
     </dgm:linClrLst>
     <dgm:effectClrLst/>
     <dgm:txLinClrLst/>
@@ -2426,13 +2424,12 @@
   </dgm:styleLbl>
   <dgm:styleLbl name="alignAcc1">
     <dgm:fillClrLst meth="repeat">
-      <a:schemeClr val="lt1">
+      <a:schemeClr val="lt2">
         <a:alpha val="90000"/>
       </a:schemeClr>
     </dgm:fillClrLst>
-    <dgm:linClrLst>
-      <a:schemeClr val="accent4"/>
-      <a:schemeClr val="accent5"/>
+    <dgm:linClrLst meth="repeat">
+      <a:schemeClr val="dk2"/>
     </dgm:linClrLst>
     <dgm:effectClrLst/>
     <dgm:txLinClrLst/>
@@ -2443,12 +2440,12 @@
   </dgm:styleLbl>
   <dgm:styleLbl name="trAlignAcc1">
     <dgm:fillClrLst meth="repeat">
-      <a:schemeClr val="lt1">
+      <a:schemeClr val="lt2">
         <a:alpha val="40000"/>
       </a:schemeClr>
     </dgm:fillClrLst>
     <dgm:linClrLst meth="repeat">
-      <a:schemeClr val="accent4"/>
+      <a:schemeClr val="dk2"/>
     </dgm:linClrLst>
     <dgm:effectClrLst/>
     <dgm:txLinClrLst/>
@@ -2459,13 +2456,12 @@
   </dgm:styleLbl>
   <dgm:styleLbl name="bgAcc1">
     <dgm:fillClrLst meth="repeat">
-      <a:schemeClr val="lt1">
+      <a:schemeClr val="lt2">
         <a:alpha val="90000"/>
       </a:schemeClr>
     </dgm:fillClrLst>
-    <dgm:linClrLst>
-      <a:schemeClr val="accent4"/>
-      <a:schemeClr val="accent5"/>
+    <dgm:linClrLst meth="repeat">
+      <a:schemeClr val="dk2"/>
     </dgm:linClrLst>
     <dgm:effectClrLst/>
     <dgm:txLinClrLst/>
@@ -2476,11 +2472,10 @@
   </dgm:styleLbl>
   <dgm:styleLbl name="solidFgAcc1">
     <dgm:fillClrLst meth="repeat">
-      <a:schemeClr val="lt1"/>
+      <a:schemeClr val="lt2"/>
     </dgm:fillClrLst>
-    <dgm:linClrLst>
-      <a:schemeClr val="accent4"/>
-      <a:schemeClr val="accent5"/>
+    <dgm:linClrLst meth="repeat">
+      <a:schemeClr val="dk2"/>
     </dgm:linClrLst>
     <dgm:effectClrLst/>
     <dgm:txLinClrLst/>
@@ -2491,11 +2486,10 @@
   </dgm:styleLbl>
   <dgm:styleLbl name="solidAlignAcc1">
     <dgm:fillClrLst meth="repeat">
-      <a:schemeClr val="lt1"/>
+      <a:schemeClr val="lt2"/>
     </dgm:fillClrLst>
-    <dgm:linClrLst>
-      <a:schemeClr val="accent4"/>
-      <a:schemeClr val="accent5"/>
+    <dgm:linClrLst meth="repeat">
+      <a:schemeClr val="dk2"/>
     </dgm:linClrLst>
     <dgm:effectClrLst/>
     <dgm:txLinClrLst/>
@@ -2506,11 +2500,10 @@
   </dgm:styleLbl>
   <dgm:styleLbl name="solidBgAcc1">
     <dgm:fillClrLst meth="repeat">
-      <a:schemeClr val="lt1"/>
+      <a:schemeClr val="lt2"/>
     </dgm:fillClrLst>
-    <dgm:linClrLst>
-      <a:schemeClr val="accent4"/>
-      <a:schemeClr val="accent5"/>
+    <dgm:linClrLst meth="repeat">
+      <a:schemeClr val="dk2"/>
     </dgm:linClrLst>
     <dgm:effectClrLst/>
     <dgm:txLinClrLst/>
@@ -2520,24 +2513,16 @@
     <dgm:txEffectClrLst/>
   </dgm:styleLbl>
   <dgm:styleLbl name="fgAccFollowNode1">
-    <dgm:fillClrLst>
-      <a:schemeClr val="accent4">
+    <dgm:fillClrLst meth="repeat">
+      <a:schemeClr val="dk2">
+        <a:alpha val="90000"/>
         <a:tint val="40000"/>
-        <a:alpha val="90000"/>
-      </a:schemeClr>
-      <a:schemeClr val="accent5">
-        <a:tint val="40000"/>
-        <a:alpha val="90000"/>
       </a:schemeClr>
     </dgm:fillClrLst>
-    <dgm:linClrLst>
-      <a:schemeClr val="accent4">
+    <dgm:linClrLst meth="repeat">
+      <a:schemeClr val="dk2">
+        <a:alpha val="90000"/>
         <a:tint val="40000"/>
-        <a:alpha val="90000"/>
-      </a:schemeClr>
-      <a:schemeClr val="accent5">
-        <a:tint val="40000"/>
-        <a:alpha val="90000"/>
       </a:schemeClr>
     </dgm:linClrLst>
     <dgm:effectClrLst/>
@@ -2548,24 +2533,16 @@
     <dgm:txEffectClrLst/>
   </dgm:styleLbl>
   <dgm:styleLbl name="alignAccFollowNode1">
-    <dgm:fillClrLst>
-      <a:schemeClr val="accent4">
+    <dgm:fillClrLst meth="repeat">
+      <a:schemeClr val="dk2">
+        <a:alpha val="90000"/>
         <a:tint val="40000"/>
-        <a:alpha val="90000"/>
-      </a:schemeClr>
-      <a:schemeClr val="accent5">
-        <a:tint val="40000"/>
-        <a:alpha val="90000"/>
       </a:schemeClr>
     </dgm:fillClrLst>
-    <dgm:linClrLst>
-      <a:schemeClr val="accent4">
+    <dgm:linClrLst meth="repeat">
+      <a:schemeClr val="dk2">
+        <a:alpha val="90000"/>
         <a:tint val="40000"/>
-        <a:alpha val="90000"/>
-      </a:schemeClr>
-      <a:schemeClr val="accent5">
-        <a:tint val="40000"/>
-        <a:alpha val="90000"/>
       </a:schemeClr>
     </dgm:linClrLst>
     <dgm:effectClrLst/>
@@ -2576,24 +2553,16 @@
     <dgm:txEffectClrLst/>
   </dgm:styleLbl>
   <dgm:styleLbl name="bgAccFollowNode1">
-    <dgm:fillClrLst>
-      <a:schemeClr val="accent4">
+    <dgm:fillClrLst meth="repeat">
+      <a:schemeClr val="dk2">
+        <a:alpha val="90000"/>
         <a:tint val="40000"/>
-        <a:alpha val="90000"/>
-      </a:schemeClr>
-      <a:schemeClr val="accent5">
-        <a:tint val="40000"/>
-        <a:alpha val="90000"/>
       </a:schemeClr>
     </dgm:fillClrLst>
-    <dgm:linClrLst>
-      <a:schemeClr val="accent4">
+    <dgm:linClrLst meth="repeat">
+      <a:schemeClr val="dk2">
+        <a:alpha val="90000"/>
         <a:tint val="40000"/>
-        <a:alpha val="90000"/>
-      </a:schemeClr>
-      <a:schemeClr val="accent5">
-        <a:tint val="40000"/>
-        <a:alpha val="90000"/>
       </a:schemeClr>
     </dgm:linClrLst>
     <dgm:effectClrLst/>
@@ -2605,12 +2574,12 @@
   </dgm:styleLbl>
   <dgm:styleLbl name="fgAcc0">
     <dgm:fillClrLst meth="repeat">
-      <a:schemeClr val="lt1">
+      <a:schemeClr val="lt2">
         <a:alpha val="90000"/>
       </a:schemeClr>
     </dgm:fillClrLst>
-    <dgm:linClrLst>
-      <a:schemeClr val="accent3"/>
+    <dgm:linClrLst meth="repeat">
+      <a:schemeClr val="dk2"/>
     </dgm:linClrLst>
     <dgm:effectClrLst/>
     <dgm:txLinClrLst/>
@@ -2621,12 +2590,12 @@
   </dgm:styleLbl>
   <dgm:styleLbl name="fgAcc2">
     <dgm:fillClrLst meth="repeat">
-      <a:schemeClr val="lt1">
+      <a:schemeClr val="lt2">
         <a:alpha val="90000"/>
       </a:schemeClr>
     </dgm:fillClrLst>
-    <dgm:linClrLst>
-      <a:schemeClr val="accent5"/>
+    <dgm:linClrLst meth="repeat">
+      <a:schemeClr val="dk2"/>
     </dgm:linClrLst>
     <dgm:effectClrLst/>
     <dgm:txLinClrLst/>
@@ -2637,12 +2606,12 @@
   </dgm:styleLbl>
   <dgm:styleLbl name="fgAcc3">
     <dgm:fillClrLst meth="repeat">
-      <a:schemeClr val="lt1">
+      <a:schemeClr val="lt2">
         <a:alpha val="90000"/>
       </a:schemeClr>
     </dgm:fillClrLst>
-    <dgm:linClrLst>
-      <a:schemeClr val="accent6"/>
+    <dgm:linClrLst meth="repeat">
+      <a:schemeClr val="dk2"/>
     </dgm:linClrLst>
     <dgm:effectClrLst/>
     <dgm:txLinClrLst/>
@@ -2653,12 +2622,12 @@
   </dgm:styleLbl>
   <dgm:styleLbl name="fgAcc4">
     <dgm:fillClrLst meth="repeat">
-      <a:schemeClr val="lt1">
+      <a:schemeClr val="lt2">
         <a:alpha val="90000"/>
       </a:schemeClr>
     </dgm:fillClrLst>
-    <dgm:linClrLst>
-      <a:schemeClr val="accent1"/>
+    <dgm:linClrLst meth="repeat">
+      <a:schemeClr val="dk2"/>
     </dgm:linClrLst>
     <dgm:effectClrLst/>
     <dgm:txLinClrLst/>
@@ -2669,12 +2638,12 @@
   </dgm:styleLbl>
   <dgm:styleLbl name="bgShp">
     <dgm:fillClrLst meth="repeat">
-      <a:schemeClr val="accent4">
+      <a:schemeClr val="dk2">
         <a:tint val="40000"/>
       </a:schemeClr>
     </dgm:fillClrLst>
     <dgm:linClrLst meth="repeat">
-      <a:schemeClr val="dk1"/>
+      <a:schemeClr val="dk2"/>
     </dgm:linClrLst>
     <dgm:effectClrLst/>
     <dgm:txLinClrLst/>
@@ -2685,12 +2654,12 @@
   </dgm:styleLbl>
   <dgm:styleLbl name="dkBgShp">
     <dgm:fillClrLst meth="repeat">
-      <a:schemeClr val="accent4">
-        <a:shade val="90000"/>
+      <a:schemeClr val="dk2">
+        <a:shade val="80000"/>
       </a:schemeClr>
     </dgm:fillClrLst>
     <dgm:linClrLst meth="repeat">
-      <a:schemeClr val="dk1"/>
+      <a:schemeClr val="dk2"/>
     </dgm:linClrLst>
     <dgm:effectClrLst/>
     <dgm:txLinClrLst/>
@@ -2701,13 +2670,13 @@
   </dgm:styleLbl>
   <dgm:styleLbl name="trBgShp">
     <dgm:fillClrLst meth="repeat">
-      <a:schemeClr val="accent4">
+      <a:schemeClr val="dk2">
         <a:tint val="50000"/>
         <a:alpha val="40000"/>
       </a:schemeClr>
     </dgm:fillClrLst>
     <dgm:linClrLst meth="repeat">
-      <a:schemeClr val="accent4"/>
+      <a:schemeClr val="dk2"/>
     </dgm:linClrLst>
     <dgm:effectClrLst/>
     <dgm:txLinClrLst/>
@@ -2718,12 +2687,12 @@
   </dgm:styleLbl>
   <dgm:styleLbl name="fgShp">
     <dgm:fillClrLst meth="repeat">
-      <a:schemeClr val="accent4">
-        <a:tint val="40000"/>
+      <a:schemeClr val="dk2">
+        <a:tint val="60000"/>
       </a:schemeClr>
     </dgm:fillClrLst>
     <dgm:linClrLst meth="repeat">
-      <a:schemeClr val="lt1"/>
+      <a:schemeClr val="lt2"/>
     </dgm:linClrLst>
     <dgm:effectClrLst/>
     <dgm:txLinClrLst/>
@@ -2734,7 +2703,7 @@
   </dgm:styleLbl>
   <dgm:styleLbl name="revTx">
     <dgm:fillClrLst meth="repeat">
-      <a:schemeClr val="lt1">
+      <a:schemeClr val="lt2">
         <a:alpha val="0"/>
       </a:schemeClr>
     </dgm:fillClrLst>
@@ -3166,8 +3135,21 @@
         <a:p>
           <a:r>
             <a:rPr lang="fr-FR" dirty="0"/>
-            <a:t>Open source packages</a:t>
+            <a:t>Open source </a:t>
           </a:r>
+          <a:r>
+            <a:rPr lang="fr-FR" dirty="0" smtClean="0"/>
+            <a:t>packages (no budget </a:t>
+          </a:r>
+          <a:r>
+            <a:rPr lang="fr-FR" dirty="0" err="1" smtClean="0"/>
+            <a:t>needed</a:t>
+          </a:r>
+          <a:r>
+            <a:rPr lang="fr-FR" dirty="0" smtClean="0"/>
+            <a:t>)</a:t>
+          </a:r>
+          <a:endParaRPr lang="fr-FR" dirty="0"/>
         </a:p>
       </dgm:t>
     </dgm:pt>
@@ -3322,6 +3304,96 @@
       </dgm:t>
     </dgm:pt>
     <dgm:pt modelId="{0D1774AF-0E34-4AE0-B5A3-8DBDBFA17414}" type="sibTrans" cxnId="{873A3803-B8DA-4FC5-BC33-F8C410A4D637}">
+      <dgm:prSet/>
+      <dgm:spPr/>
+      <dgm:t>
+        <a:bodyPr/>
+        <a:lstStyle/>
+        <a:p>
+          <a:endParaRPr lang="en-CA"/>
+        </a:p>
+      </dgm:t>
+    </dgm:pt>
+    <dgm:pt modelId="{6446DC96-6D1C-4742-A646-C454D61C5C9D}">
+      <dgm:prSet phldrT="[Text]"/>
+      <dgm:spPr/>
+      <dgm:t>
+        <a:bodyPr/>
+        <a:lstStyle/>
+        <a:p>
+          <a:r>
+            <a:rPr lang="fr-FR" dirty="0" smtClean="0"/>
+            <a:t>Client </a:t>
+          </a:r>
+          <a:r>
+            <a:rPr lang="fr-FR" dirty="0" err="1" smtClean="0"/>
+            <a:t>infrequently</a:t>
+          </a:r>
+          <a:r>
+            <a:rPr lang="fr-FR" dirty="0" smtClean="0"/>
+            <a:t> </a:t>
+          </a:r>
+          <a:r>
+            <a:rPr lang="fr-FR" dirty="0" err="1" smtClean="0"/>
+            <a:t>available</a:t>
+          </a:r>
+          <a:endParaRPr lang="fr-FR" dirty="0"/>
+        </a:p>
+      </dgm:t>
+    </dgm:pt>
+    <dgm:pt modelId="{F1EB376B-DD8F-4D0A-B475-0137A25A9B1D}" type="parTrans" cxnId="{F7CBC7F7-FBF9-4329-A3B5-F8A568558D6C}">
+      <dgm:prSet/>
+      <dgm:spPr/>
+      <dgm:t>
+        <a:bodyPr/>
+        <a:lstStyle/>
+        <a:p>
+          <a:endParaRPr lang="en-CA"/>
+        </a:p>
+      </dgm:t>
+    </dgm:pt>
+    <dgm:pt modelId="{2E4D0765-7F9C-4470-8414-926AC02E2CE2}" type="sibTrans" cxnId="{F7CBC7F7-FBF9-4329-A3B5-F8A568558D6C}">
+      <dgm:prSet/>
+      <dgm:spPr/>
+      <dgm:t>
+        <a:bodyPr/>
+        <a:lstStyle/>
+        <a:p>
+          <a:endParaRPr lang="en-CA"/>
+        </a:p>
+      </dgm:t>
+    </dgm:pt>
+    <dgm:pt modelId="{5A50A77D-7959-4302-B136-B1316B3CEC1D}">
+      <dgm:prSet phldrT="[Text]"/>
+      <dgm:spPr/>
+      <dgm:t>
+        <a:bodyPr/>
+        <a:lstStyle/>
+        <a:p>
+          <a:r>
+            <a:rPr lang="fr-FR" dirty="0" err="1" smtClean="0"/>
+            <a:t>Easy</a:t>
+          </a:r>
+          <a:r>
+            <a:rPr lang="fr-FR" dirty="0" smtClean="0"/>
+            <a:t> to use</a:t>
+          </a:r>
+          <a:endParaRPr lang="fr-FR" dirty="0"/>
+        </a:p>
+      </dgm:t>
+    </dgm:pt>
+    <dgm:pt modelId="{D56876BE-429C-478F-B26B-EE6C114C7CCE}" type="parTrans" cxnId="{A075CE85-5595-4859-A6BA-53D921007C6A}">
+      <dgm:prSet/>
+      <dgm:spPr/>
+      <dgm:t>
+        <a:bodyPr/>
+        <a:lstStyle/>
+        <a:p>
+          <a:endParaRPr lang="en-CA"/>
+        </a:p>
+      </dgm:t>
+    </dgm:pt>
+    <dgm:pt modelId="{5909CF64-4028-4CB9-9607-23629C5D37FB}" type="sibTrans" cxnId="{A075CE85-5595-4859-A6BA-53D921007C6A}">
       <dgm:prSet/>
       <dgm:spPr/>
       <dgm:t>
@@ -3650,45 +3722,51 @@
     </dgm:pt>
   </dgm:ptLst>
   <dgm:cxnLst>
+    <dgm:cxn modelId="{898C4037-8D15-4C0F-8980-D1750E585943}" type="presOf" srcId="{6446DC96-6D1C-4742-A646-C454D61C5C9D}" destId="{FFCC9154-8E22-496A-ADF8-EA81D4AB5D77}" srcOrd="1" destOrd="2" presId="urn:microsoft.com/office/officeart/2005/8/layout/cycle4"/>
+    <dgm:cxn modelId="{2F545677-CE33-4761-99ED-0F7D3431F1B7}" srcId="{DCE41F30-8A4B-4090-95D5-6CBD1CFA1EEC}" destId="{1981BF8C-ABB4-462F-BD54-45D3229B3478}" srcOrd="0" destOrd="0" parTransId="{420AF548-7339-428B-B062-F64CBEBA21A3}" sibTransId="{314ADFC2-8DB9-4517-A22A-D1F9C188BEE4}"/>
+    <dgm:cxn modelId="{04014129-0AF6-4B87-A743-1D62BE88DB5B}" type="presOf" srcId="{B8F4B4B5-48BB-4436-A4C8-0772D59377AC}" destId="{60120B91-D76F-4101-857D-B9B656863593}" srcOrd="1" destOrd="2" presId="urn:microsoft.com/office/officeart/2005/8/layout/cycle4"/>
+    <dgm:cxn modelId="{CC5BD163-CC32-4579-AE33-313BE818EF22}" type="presOf" srcId="{2B6A55A5-45D3-4E17-9C60-8FB16C933545}" destId="{FFCC9154-8E22-496A-ADF8-EA81D4AB5D77}" srcOrd="1" destOrd="1" presId="urn:microsoft.com/office/officeart/2005/8/layout/cycle4"/>
+    <dgm:cxn modelId="{6484E426-69AA-42DF-977B-A67A73203BD9}" srcId="{8BEA78FF-204F-4428-9092-659961DC247C}" destId="{49454F30-2B75-445A-845F-7473D893477D}" srcOrd="0" destOrd="0" parTransId="{347F498C-146E-4A53-8576-856FB00E3649}" sibTransId="{FAF60BDA-D885-4200-9740-D21B994BE362}"/>
+    <dgm:cxn modelId="{F9F99A89-5C91-4531-84CA-6F19594E744A}" type="presOf" srcId="{9B35DA45-8824-4EE3-89F0-3F4E07F980E3}" destId="{60120B91-D76F-4101-857D-B9B656863593}" srcOrd="1" destOrd="0" presId="urn:microsoft.com/office/officeart/2005/8/layout/cycle4"/>
+    <dgm:cxn modelId="{F3DC86B6-474F-4BE6-A324-3FE9F9B8844A}" srcId="{CC293B1C-4CF8-4FF0-BBC7-4942ED2D7F88}" destId="{8FEE133A-1A79-4187-9AFD-4F06B42A70BC}" srcOrd="0" destOrd="0" parTransId="{7D947A46-F0B2-4D95-921D-7768A2A81535}" sibTransId="{A16446F1-3DF9-49B1-92C9-2E546FABE218}"/>
+    <dgm:cxn modelId="{457E1C46-C110-4646-BA7F-FD7DB5F5C6EF}" type="presOf" srcId="{8BEA78FF-204F-4428-9092-659961DC247C}" destId="{C0852406-3DC0-4222-A1F8-184593FC4596}" srcOrd="0" destOrd="0" presId="urn:microsoft.com/office/officeart/2005/8/layout/cycle4"/>
+    <dgm:cxn modelId="{930F1B63-AA36-4E17-A5FE-F2AB0A6DC221}" type="presOf" srcId="{1981BF8C-ABB4-462F-BD54-45D3229B3478}" destId="{05478942-E273-4856-8553-F0FD8F015AA2}" srcOrd="0" destOrd="0" presId="urn:microsoft.com/office/officeart/2005/8/layout/cycle4"/>
     <dgm:cxn modelId="{5DC2DB55-F097-4294-8B9E-72B598743DA3}" srcId="{8BEA78FF-204F-4428-9092-659961DC247C}" destId="{850DD825-7D08-4BBC-94B9-7E217910F9A2}" srcOrd="1" destOrd="0" parTransId="{D847AE72-61FF-43C4-BFB0-3E6EC0A79B26}" sibTransId="{DD66B6EB-9ADC-44F2-A7C2-DA4869ECDFFE}"/>
-    <dgm:cxn modelId="{8FDDA428-0D6A-4010-8A54-C0B0EB6C77E4}" type="presOf" srcId="{0916D3E2-7950-4B1E-A80A-B1A0DFE4D7BE}" destId="{CF4FC7F6-A89C-4633-A10E-BFE92B369DCD}" srcOrd="0" destOrd="0" presId="urn:microsoft.com/office/officeart/2005/8/layout/cycle4"/>
-    <dgm:cxn modelId="{CE2AF7AB-2949-4DCD-9C29-6B60E91D8468}" srcId="{0916D3E2-7950-4B1E-A80A-B1A0DFE4D7BE}" destId="{B8F4B4B5-48BB-4436-A4C8-0772D59377AC}" srcOrd="2" destOrd="0" parTransId="{EEB7DF95-B1E1-4355-BDED-67254F3A40BF}" sibTransId="{07F8EC93-687D-4C25-BBFA-77894EDF7DA2}"/>
-    <dgm:cxn modelId="{E37A2B1F-3837-42DC-8FC2-44F2A90B56EC}" type="presOf" srcId="{CC293B1C-4CF8-4FF0-BBC7-4942ED2D7F88}" destId="{39401A14-B365-4553-9A3D-A401D3183747}" srcOrd="0" destOrd="0" presId="urn:microsoft.com/office/officeart/2005/8/layout/cycle4"/>
-    <dgm:cxn modelId="{ABC80A87-3620-4E91-942F-287CDBCD7966}" type="presOf" srcId="{35F1F2D2-FC47-4990-98DB-731AFE036343}" destId="{8128ED5B-798D-45C7-BB11-A0996A8BF223}" srcOrd="1" destOrd="0" presId="urn:microsoft.com/office/officeart/2005/8/layout/cycle4"/>
-    <dgm:cxn modelId="{F9F99A89-5C91-4531-84CA-6F19594E744A}" type="presOf" srcId="{9B35DA45-8824-4EE3-89F0-3F4E07F980E3}" destId="{60120B91-D76F-4101-857D-B9B656863593}" srcOrd="1" destOrd="0" presId="urn:microsoft.com/office/officeart/2005/8/layout/cycle4"/>
-    <dgm:cxn modelId="{5F7AD9D5-E7E6-4F46-A4C5-3A0CE6F62C8E}" srcId="{8FEE133A-1A79-4187-9AFD-4F06B42A70BC}" destId="{35F1F2D2-FC47-4990-98DB-731AFE036343}" srcOrd="0" destOrd="0" parTransId="{D8C3661F-62F4-45E8-BB01-35BAAF924AEB}" sibTransId="{4EFE689A-014D-4F95-82DA-3254DF013F6C}"/>
-    <dgm:cxn modelId="{6BA51816-52FF-48EC-8AF8-4AF508AD4737}" type="presOf" srcId="{7F397B27-ED42-4C0B-84EB-F42483A443DB}" destId="{60120B91-D76F-4101-857D-B9B656863593}" srcOrd="1" destOrd="1" presId="urn:microsoft.com/office/officeart/2005/8/layout/cycle4"/>
-    <dgm:cxn modelId="{04014129-0AF6-4B87-A743-1D62BE88DB5B}" type="presOf" srcId="{B8F4B4B5-48BB-4436-A4C8-0772D59377AC}" destId="{60120B91-D76F-4101-857D-B9B656863593}" srcOrd="1" destOrd="2" presId="urn:microsoft.com/office/officeart/2005/8/layout/cycle4"/>
-    <dgm:cxn modelId="{8ED94E85-F410-451E-A2E3-BA17E7876BEE}" type="presOf" srcId="{7F397B27-ED42-4C0B-84EB-F42483A443DB}" destId="{68AC0C8C-6683-4490-8F38-983C8CB47C3F}" srcOrd="0" destOrd="1" presId="urn:microsoft.com/office/officeart/2005/8/layout/cycle4"/>
-    <dgm:cxn modelId="{61A431AF-CFC9-490E-98CF-F6488F3C6D9C}" type="presOf" srcId="{2B6A55A5-45D3-4E17-9C60-8FB16C933545}" destId="{05478942-E273-4856-8553-F0FD8F015AA2}" srcOrd="0" destOrd="1" presId="urn:microsoft.com/office/officeart/2005/8/layout/cycle4"/>
-    <dgm:cxn modelId="{08978BA1-AE5A-4DFF-A0C3-92D4A0078A98}" srcId="{0916D3E2-7950-4B1E-A80A-B1A0DFE4D7BE}" destId="{9B35DA45-8824-4EE3-89F0-3F4E07F980E3}" srcOrd="0" destOrd="0" parTransId="{F26E0BCB-616E-4F5C-9212-B89461307743}" sibTransId="{6FFF208B-A136-4388-9736-DE2BA4AFD5AF}"/>
-    <dgm:cxn modelId="{2D7DE33D-C3DB-49E5-ADF6-52C214CF1C59}" srcId="{0916D3E2-7950-4B1E-A80A-B1A0DFE4D7BE}" destId="{7F397B27-ED42-4C0B-84EB-F42483A443DB}" srcOrd="1" destOrd="0" parTransId="{DD81B84C-4525-4615-9233-87E402AFBABC}" sibTransId="{97EBF3C2-DAC2-40A4-AE80-264E3F21FCCC}"/>
     <dgm:cxn modelId="{5E45B507-1330-428C-A195-37581AAE5A63}" srcId="{8FEE133A-1A79-4187-9AFD-4F06B42A70BC}" destId="{21C7A246-DDB5-40DD-9118-CC4963BF878A}" srcOrd="1" destOrd="0" parTransId="{CD9E23AD-A863-49AB-83BE-431D89C28AF8}" sibTransId="{9EFEBC15-1E66-4CAC-95AE-73B08C514600}"/>
-    <dgm:cxn modelId="{930F1B63-AA36-4E17-A5FE-F2AB0A6DC221}" type="presOf" srcId="{1981BF8C-ABB4-462F-BD54-45D3229B3478}" destId="{05478942-E273-4856-8553-F0FD8F015AA2}" srcOrd="0" destOrd="0" presId="urn:microsoft.com/office/officeart/2005/8/layout/cycle4"/>
-    <dgm:cxn modelId="{CC5BD163-CC32-4579-AE33-313BE818EF22}" type="presOf" srcId="{2B6A55A5-45D3-4E17-9C60-8FB16C933545}" destId="{FFCC9154-8E22-496A-ADF8-EA81D4AB5D77}" srcOrd="1" destOrd="1" presId="urn:microsoft.com/office/officeart/2005/8/layout/cycle4"/>
-    <dgm:cxn modelId="{061DA901-6AB9-43FE-A11B-A7F3BBF2B2DF}" type="presOf" srcId="{49454F30-2B75-445A-845F-7473D893477D}" destId="{53088BBF-CDFB-43AD-88FA-A16B4FDD4AEA}" srcOrd="1" destOrd="0" presId="urn:microsoft.com/office/officeart/2005/8/layout/cycle4"/>
-    <dgm:cxn modelId="{F3DC86B6-474F-4BE6-A324-3FE9F9B8844A}" srcId="{CC293B1C-4CF8-4FF0-BBC7-4942ED2D7F88}" destId="{8FEE133A-1A79-4187-9AFD-4F06B42A70BC}" srcOrd="0" destOrd="0" parTransId="{7D947A46-F0B2-4D95-921D-7768A2A81535}" sibTransId="{A16446F1-3DF9-49B1-92C9-2E546FABE218}"/>
-    <dgm:cxn modelId="{9E1359C4-3028-4094-9E24-9652C5C56552}" type="presOf" srcId="{8FEE133A-1A79-4187-9AFD-4F06B42A70BC}" destId="{E72BDFA6-376E-4614-9D7C-A68241E884D9}" srcOrd="0" destOrd="0" presId="urn:microsoft.com/office/officeart/2005/8/layout/cycle4"/>
-    <dgm:cxn modelId="{E05818A8-BE3A-4136-9B61-768FB33C0CED}" type="presOf" srcId="{9B35DA45-8824-4EE3-89F0-3F4E07F980E3}" destId="{68AC0C8C-6683-4490-8F38-983C8CB47C3F}" srcOrd="0" destOrd="0" presId="urn:microsoft.com/office/officeart/2005/8/layout/cycle4"/>
-    <dgm:cxn modelId="{457E1C46-C110-4646-BA7F-FD7DB5F5C6EF}" type="presOf" srcId="{8BEA78FF-204F-4428-9092-659961DC247C}" destId="{C0852406-3DC0-4222-A1F8-184593FC4596}" srcOrd="0" destOrd="0" presId="urn:microsoft.com/office/officeart/2005/8/layout/cycle4"/>
-    <dgm:cxn modelId="{97B8E8D6-6FCE-438F-84D7-14FD178A9EF3}" type="presOf" srcId="{850DD825-7D08-4BBC-94B9-7E217910F9A2}" destId="{53088BBF-CDFB-43AD-88FA-A16B4FDD4AEA}" srcOrd="1" destOrd="1" presId="urn:microsoft.com/office/officeart/2005/8/layout/cycle4"/>
-    <dgm:cxn modelId="{566F2C05-C614-467E-BF41-9EC9D316C5BC}" type="presOf" srcId="{21C7A246-DDB5-40DD-9118-CC4963BF878A}" destId="{BC6F0824-1351-49BA-BADB-F02B71A91728}" srcOrd="0" destOrd="1" presId="urn:microsoft.com/office/officeart/2005/8/layout/cycle4"/>
-    <dgm:cxn modelId="{1468CFFF-FBB7-45F2-916E-B340F25DE96A}" type="presOf" srcId="{62885FA7-E7FB-4933-9935-6A8AA90289B4}" destId="{8128ED5B-798D-45C7-BB11-A0996A8BF223}" srcOrd="1" destOrd="2" presId="urn:microsoft.com/office/officeart/2005/8/layout/cycle4"/>
-    <dgm:cxn modelId="{873A3803-B8DA-4FC5-BC33-F8C410A4D637}" srcId="{DCE41F30-8A4B-4090-95D5-6CBD1CFA1EEC}" destId="{2B6A55A5-45D3-4E17-9C60-8FB16C933545}" srcOrd="1" destOrd="0" parTransId="{39E63537-B578-4C3D-8704-A072006EF998}" sibTransId="{0D1774AF-0E34-4AE0-B5A3-8DBDBFA17414}"/>
-    <dgm:cxn modelId="{2F545677-CE33-4761-99ED-0F7D3431F1B7}" srcId="{DCE41F30-8A4B-4090-95D5-6CBD1CFA1EEC}" destId="{1981BF8C-ABB4-462F-BD54-45D3229B3478}" srcOrd="0" destOrd="0" parTransId="{420AF548-7339-428B-B062-F64CBEBA21A3}" sibTransId="{314ADFC2-8DB9-4517-A22A-D1F9C188BEE4}"/>
     <dgm:cxn modelId="{FAF752F4-9430-4CD1-99E0-745C623B88AB}" type="presOf" srcId="{35F1F2D2-FC47-4990-98DB-731AFE036343}" destId="{BC6F0824-1351-49BA-BADB-F02B71A91728}" srcOrd="0" destOrd="0" presId="urn:microsoft.com/office/officeart/2005/8/layout/cycle4"/>
-    <dgm:cxn modelId="{58755D72-6A8A-4181-8EB5-41F1412B480B}" srcId="{8FEE133A-1A79-4187-9AFD-4F06B42A70BC}" destId="{62885FA7-E7FB-4933-9935-6A8AA90289B4}" srcOrd="2" destOrd="0" parTransId="{9870B421-E3D6-4556-A843-2F0EDB4F207B}" sibTransId="{EB0831C9-645B-4C0B-8FAE-4F47D0F4E0C7}"/>
-    <dgm:cxn modelId="{9ACD57B9-40A8-4D83-8F17-C0C9FD7A26B5}" type="presOf" srcId="{1981BF8C-ABB4-462F-BD54-45D3229B3478}" destId="{FFCC9154-8E22-496A-ADF8-EA81D4AB5D77}" srcOrd="1" destOrd="0" presId="urn:microsoft.com/office/officeart/2005/8/layout/cycle4"/>
     <dgm:cxn modelId="{C03E18C4-3C03-4704-AACE-449870A9B529}" type="presOf" srcId="{B8F4B4B5-48BB-4436-A4C8-0772D59377AC}" destId="{68AC0C8C-6683-4490-8F38-983C8CB47C3F}" srcOrd="0" destOrd="2" presId="urn:microsoft.com/office/officeart/2005/8/layout/cycle4"/>
     <dgm:cxn modelId="{A9B36F8A-C74B-47A9-B539-806F6BB77A1A}" srcId="{CC293B1C-4CF8-4FF0-BBC7-4942ED2D7F88}" destId="{0916D3E2-7950-4B1E-A80A-B1A0DFE4D7BE}" srcOrd="2" destOrd="0" parTransId="{78ED7DF1-7D14-4D64-A8E3-CBD6C30B03FB}" sibTransId="{402F8436-663D-4DB8-A22F-0A8F501EB425}"/>
+    <dgm:cxn modelId="{1087E4B8-30CD-44EE-B46E-B6A48C50B7D2}" type="presOf" srcId="{6446DC96-6D1C-4742-A646-C454D61C5C9D}" destId="{05478942-E273-4856-8553-F0FD8F015AA2}" srcOrd="0" destOrd="2" presId="urn:microsoft.com/office/officeart/2005/8/layout/cycle4"/>
+    <dgm:cxn modelId="{1468CFFF-FBB7-45F2-916E-B340F25DE96A}" type="presOf" srcId="{62885FA7-E7FB-4933-9935-6A8AA90289B4}" destId="{8128ED5B-798D-45C7-BB11-A0996A8BF223}" srcOrd="1" destOrd="2" presId="urn:microsoft.com/office/officeart/2005/8/layout/cycle4"/>
     <dgm:cxn modelId="{6168F4F0-48DB-4619-B96E-621CC5E0B43B}" type="presOf" srcId="{49454F30-2B75-445A-845F-7473D893477D}" destId="{431C4C2F-7F42-4D62-8EEF-918E7AD22EA0}" srcOrd="0" destOrd="0" presId="urn:microsoft.com/office/officeart/2005/8/layout/cycle4"/>
+    <dgm:cxn modelId="{61A431AF-CFC9-490E-98CF-F6488F3C6D9C}" type="presOf" srcId="{2B6A55A5-45D3-4E17-9C60-8FB16C933545}" destId="{05478942-E273-4856-8553-F0FD8F015AA2}" srcOrd="0" destOrd="1" presId="urn:microsoft.com/office/officeart/2005/8/layout/cycle4"/>
+    <dgm:cxn modelId="{5F7AD9D5-E7E6-4F46-A4C5-3A0CE6F62C8E}" srcId="{8FEE133A-1A79-4187-9AFD-4F06B42A70BC}" destId="{35F1F2D2-FC47-4990-98DB-731AFE036343}" srcOrd="0" destOrd="0" parTransId="{D8C3661F-62F4-45E8-BB01-35BAAF924AEB}" sibTransId="{4EFE689A-014D-4F95-82DA-3254DF013F6C}"/>
+    <dgm:cxn modelId="{97B8E8D6-6FCE-438F-84D7-14FD178A9EF3}" type="presOf" srcId="{850DD825-7D08-4BBC-94B9-7E217910F9A2}" destId="{53088BBF-CDFB-43AD-88FA-A16B4FDD4AEA}" srcOrd="1" destOrd="1" presId="urn:microsoft.com/office/officeart/2005/8/layout/cycle4"/>
+    <dgm:cxn modelId="{A2830668-E8D8-479D-BDD1-DDDBB0D25879}" type="presOf" srcId="{DCE41F30-8A4B-4090-95D5-6CBD1CFA1EEC}" destId="{A67A60E5-5291-49E4-B3E5-53A58B528285}" srcOrd="0" destOrd="0" presId="urn:microsoft.com/office/officeart/2005/8/layout/cycle4"/>
+    <dgm:cxn modelId="{1C137277-FCCE-4E78-A791-2ADCE3EDEAE7}" type="presOf" srcId="{5A50A77D-7959-4302-B136-B1316B3CEC1D}" destId="{431C4C2F-7F42-4D62-8EEF-918E7AD22EA0}" srcOrd="0" destOrd="2" presId="urn:microsoft.com/office/officeart/2005/8/layout/cycle4"/>
+    <dgm:cxn modelId="{58755D72-6A8A-4181-8EB5-41F1412B480B}" srcId="{8FEE133A-1A79-4187-9AFD-4F06B42A70BC}" destId="{62885FA7-E7FB-4933-9935-6A8AA90289B4}" srcOrd="2" destOrd="0" parTransId="{9870B421-E3D6-4556-A843-2F0EDB4F207B}" sibTransId="{EB0831C9-645B-4C0B-8FAE-4F47D0F4E0C7}"/>
+    <dgm:cxn modelId="{558EB1E9-7D3B-4CFB-91ED-0AE5FFB267A1}" type="presOf" srcId="{850DD825-7D08-4BBC-94B9-7E217910F9A2}" destId="{431C4C2F-7F42-4D62-8EEF-918E7AD22EA0}" srcOrd="0" destOrd="1" presId="urn:microsoft.com/office/officeart/2005/8/layout/cycle4"/>
+    <dgm:cxn modelId="{566F2C05-C614-467E-BF41-9EC9D316C5BC}" type="presOf" srcId="{21C7A246-DDB5-40DD-9118-CC4963BF878A}" destId="{BC6F0824-1351-49BA-BADB-F02B71A91728}" srcOrd="0" destOrd="1" presId="urn:microsoft.com/office/officeart/2005/8/layout/cycle4"/>
+    <dgm:cxn modelId="{F7CBC7F7-FBF9-4329-A3B5-F8A568558D6C}" srcId="{DCE41F30-8A4B-4090-95D5-6CBD1CFA1EEC}" destId="{6446DC96-6D1C-4742-A646-C454D61C5C9D}" srcOrd="2" destOrd="0" parTransId="{F1EB376B-DD8F-4D0A-B475-0137A25A9B1D}" sibTransId="{2E4D0765-7F9C-4470-8414-926AC02E2CE2}"/>
+    <dgm:cxn modelId="{CE2AF7AB-2949-4DCD-9C29-6B60E91D8468}" srcId="{0916D3E2-7950-4B1E-A80A-B1A0DFE4D7BE}" destId="{B8F4B4B5-48BB-4436-A4C8-0772D59377AC}" srcOrd="2" destOrd="0" parTransId="{EEB7DF95-B1E1-4355-BDED-67254F3A40BF}" sibTransId="{07F8EC93-687D-4C25-BBFA-77894EDF7DA2}"/>
+    <dgm:cxn modelId="{856CCC98-4D42-4940-9913-BB20C5217489}" srcId="{CC293B1C-4CF8-4FF0-BBC7-4942ED2D7F88}" destId="{DCE41F30-8A4B-4090-95D5-6CBD1CFA1EEC}" srcOrd="1" destOrd="0" parTransId="{480265E7-8542-40B5-95A1-EC04B55B8C68}" sibTransId="{005E5E72-5BE1-4DC4-AD1C-48C242521B93}"/>
+    <dgm:cxn modelId="{ABC80A87-3620-4E91-942F-287CDBCD7966}" type="presOf" srcId="{35F1F2D2-FC47-4990-98DB-731AFE036343}" destId="{8128ED5B-798D-45C7-BB11-A0996A8BF223}" srcOrd="1" destOrd="0" presId="urn:microsoft.com/office/officeart/2005/8/layout/cycle4"/>
+    <dgm:cxn modelId="{C17E819D-AB35-4745-A166-24A1657E9A62}" type="presOf" srcId="{5A50A77D-7959-4302-B136-B1316B3CEC1D}" destId="{53088BBF-CDFB-43AD-88FA-A16B4FDD4AEA}" srcOrd="1" destOrd="2" presId="urn:microsoft.com/office/officeart/2005/8/layout/cycle4"/>
+    <dgm:cxn modelId="{8ED94E85-F410-451E-A2E3-BA17E7876BEE}" type="presOf" srcId="{7F397B27-ED42-4C0B-84EB-F42483A443DB}" destId="{68AC0C8C-6683-4490-8F38-983C8CB47C3F}" srcOrd="0" destOrd="1" presId="urn:microsoft.com/office/officeart/2005/8/layout/cycle4"/>
+    <dgm:cxn modelId="{873A3803-B8DA-4FC5-BC33-F8C410A4D637}" srcId="{DCE41F30-8A4B-4090-95D5-6CBD1CFA1EEC}" destId="{2B6A55A5-45D3-4E17-9C60-8FB16C933545}" srcOrd="1" destOrd="0" parTransId="{39E63537-B578-4C3D-8704-A072006EF998}" sibTransId="{0D1774AF-0E34-4AE0-B5A3-8DBDBFA17414}"/>
+    <dgm:cxn modelId="{E10831DF-BE5F-4779-B0A8-5C9716C52F17}" type="presOf" srcId="{21C7A246-DDB5-40DD-9118-CC4963BF878A}" destId="{8128ED5B-798D-45C7-BB11-A0996A8BF223}" srcOrd="1" destOrd="1" presId="urn:microsoft.com/office/officeart/2005/8/layout/cycle4"/>
+    <dgm:cxn modelId="{08978BA1-AE5A-4DFF-A0C3-92D4A0078A98}" srcId="{0916D3E2-7950-4B1E-A80A-B1A0DFE4D7BE}" destId="{9B35DA45-8824-4EE3-89F0-3F4E07F980E3}" srcOrd="0" destOrd="0" parTransId="{F26E0BCB-616E-4F5C-9212-B89461307743}" sibTransId="{6FFF208B-A136-4388-9736-DE2BA4AFD5AF}"/>
+    <dgm:cxn modelId="{A075CE85-5595-4859-A6BA-53D921007C6A}" srcId="{8BEA78FF-204F-4428-9092-659961DC247C}" destId="{5A50A77D-7959-4302-B136-B1316B3CEC1D}" srcOrd="2" destOrd="0" parTransId="{D56876BE-429C-478F-B26B-EE6C114C7CCE}" sibTransId="{5909CF64-4028-4CB9-9607-23629C5D37FB}"/>
+    <dgm:cxn modelId="{E37A2B1F-3837-42DC-8FC2-44F2A90B56EC}" type="presOf" srcId="{CC293B1C-4CF8-4FF0-BBC7-4942ED2D7F88}" destId="{39401A14-B365-4553-9A3D-A401D3183747}" srcOrd="0" destOrd="0" presId="urn:microsoft.com/office/officeart/2005/8/layout/cycle4"/>
+    <dgm:cxn modelId="{6BA51816-52FF-48EC-8AF8-4AF508AD4737}" type="presOf" srcId="{7F397B27-ED42-4C0B-84EB-F42483A443DB}" destId="{60120B91-D76F-4101-857D-B9B656863593}" srcOrd="1" destOrd="1" presId="urn:microsoft.com/office/officeart/2005/8/layout/cycle4"/>
+    <dgm:cxn modelId="{A5D3F3DB-629E-46CD-AA76-C52C0C251A66}" srcId="{CC293B1C-4CF8-4FF0-BBC7-4942ED2D7F88}" destId="{8BEA78FF-204F-4428-9092-659961DC247C}" srcOrd="3" destOrd="0" parTransId="{41090789-956B-42C9-B909-44B2D62666F5}" sibTransId="{F0DB2DD3-51DB-4551-8E87-8440876EF808}"/>
+    <dgm:cxn modelId="{9ACD57B9-40A8-4D83-8F17-C0C9FD7A26B5}" type="presOf" srcId="{1981BF8C-ABB4-462F-BD54-45D3229B3478}" destId="{FFCC9154-8E22-496A-ADF8-EA81D4AB5D77}" srcOrd="1" destOrd="0" presId="urn:microsoft.com/office/officeart/2005/8/layout/cycle4"/>
+    <dgm:cxn modelId="{E05818A8-BE3A-4136-9B61-768FB33C0CED}" type="presOf" srcId="{9B35DA45-8824-4EE3-89F0-3F4E07F980E3}" destId="{68AC0C8C-6683-4490-8F38-983C8CB47C3F}" srcOrd="0" destOrd="0" presId="urn:microsoft.com/office/officeart/2005/8/layout/cycle4"/>
+    <dgm:cxn modelId="{061DA901-6AB9-43FE-A11B-A7F3BBF2B2DF}" type="presOf" srcId="{49454F30-2B75-445A-845F-7473D893477D}" destId="{53088BBF-CDFB-43AD-88FA-A16B4FDD4AEA}" srcOrd="1" destOrd="0" presId="urn:microsoft.com/office/officeart/2005/8/layout/cycle4"/>
+    <dgm:cxn modelId="{2D7DE33D-C3DB-49E5-ADF6-52C214CF1C59}" srcId="{0916D3E2-7950-4B1E-A80A-B1A0DFE4D7BE}" destId="{7F397B27-ED42-4C0B-84EB-F42483A443DB}" srcOrd="1" destOrd="0" parTransId="{DD81B84C-4525-4615-9233-87E402AFBABC}" sibTransId="{97EBF3C2-DAC2-40A4-AE80-264E3F21FCCC}"/>
     <dgm:cxn modelId="{FEABB5F9-7EAA-49A3-B760-2F60AD748862}" type="presOf" srcId="{62885FA7-E7FB-4933-9935-6A8AA90289B4}" destId="{BC6F0824-1351-49BA-BADB-F02B71A91728}" srcOrd="0" destOrd="2" presId="urn:microsoft.com/office/officeart/2005/8/layout/cycle4"/>
-    <dgm:cxn modelId="{6484E426-69AA-42DF-977B-A67A73203BD9}" srcId="{8BEA78FF-204F-4428-9092-659961DC247C}" destId="{49454F30-2B75-445A-845F-7473D893477D}" srcOrd="0" destOrd="0" parTransId="{347F498C-146E-4A53-8576-856FB00E3649}" sibTransId="{FAF60BDA-D885-4200-9740-D21B994BE362}"/>
-    <dgm:cxn modelId="{856CCC98-4D42-4940-9913-BB20C5217489}" srcId="{CC293B1C-4CF8-4FF0-BBC7-4942ED2D7F88}" destId="{DCE41F30-8A4B-4090-95D5-6CBD1CFA1EEC}" srcOrd="1" destOrd="0" parTransId="{480265E7-8542-40B5-95A1-EC04B55B8C68}" sibTransId="{005E5E72-5BE1-4DC4-AD1C-48C242521B93}"/>
-    <dgm:cxn modelId="{558EB1E9-7D3B-4CFB-91ED-0AE5FFB267A1}" type="presOf" srcId="{850DD825-7D08-4BBC-94B9-7E217910F9A2}" destId="{431C4C2F-7F42-4D62-8EEF-918E7AD22EA0}" srcOrd="0" destOrd="1" presId="urn:microsoft.com/office/officeart/2005/8/layout/cycle4"/>
-    <dgm:cxn modelId="{A5D3F3DB-629E-46CD-AA76-C52C0C251A66}" srcId="{CC293B1C-4CF8-4FF0-BBC7-4942ED2D7F88}" destId="{8BEA78FF-204F-4428-9092-659961DC247C}" srcOrd="3" destOrd="0" parTransId="{41090789-956B-42C9-B909-44B2D62666F5}" sibTransId="{F0DB2DD3-51DB-4551-8E87-8440876EF808}"/>
-    <dgm:cxn modelId="{E10831DF-BE5F-4779-B0A8-5C9716C52F17}" type="presOf" srcId="{21C7A246-DDB5-40DD-9118-CC4963BF878A}" destId="{8128ED5B-798D-45C7-BB11-A0996A8BF223}" srcOrd="1" destOrd="1" presId="urn:microsoft.com/office/officeart/2005/8/layout/cycle4"/>
-    <dgm:cxn modelId="{A2830668-E8D8-479D-BDD1-DDDBB0D25879}" type="presOf" srcId="{DCE41F30-8A4B-4090-95D5-6CBD1CFA1EEC}" destId="{A67A60E5-5291-49E4-B3E5-53A58B528285}" srcOrd="0" destOrd="0" presId="urn:microsoft.com/office/officeart/2005/8/layout/cycle4"/>
+    <dgm:cxn modelId="{8FDDA428-0D6A-4010-8A54-C0B0EB6C77E4}" type="presOf" srcId="{0916D3E2-7950-4B1E-A80A-B1A0DFE4D7BE}" destId="{CF4FC7F6-A89C-4633-A10E-BFE92B369DCD}" srcOrd="0" destOrd="0" presId="urn:microsoft.com/office/officeart/2005/8/layout/cycle4"/>
+    <dgm:cxn modelId="{9E1359C4-3028-4094-9E24-9652C5C56552}" type="presOf" srcId="{8FEE133A-1A79-4187-9AFD-4F06B42A70BC}" destId="{E72BDFA6-376E-4614-9D7C-A68241E884D9}" srcOrd="0" destOrd="0" presId="urn:microsoft.com/office/officeart/2005/8/layout/cycle4"/>
     <dgm:cxn modelId="{822B2CC5-3F61-47E6-A8CF-F020DE610282}" type="presParOf" srcId="{39401A14-B365-4553-9A3D-A401D3183747}" destId="{D7E58549-68A7-4F21-BF0D-84F7636DCD92}" srcOrd="0" destOrd="0" presId="urn:microsoft.com/office/officeart/2005/8/layout/cycle4"/>
     <dgm:cxn modelId="{36CA4649-6ADC-4F65-B2F0-0B78942CAAD0}" type="presParOf" srcId="{D7E58549-68A7-4F21-BF0D-84F7636DCD92}" destId="{5D458377-8CFE-43EB-BDF2-7CB3F0D876C1}" srcOrd="0" destOrd="0" presId="urn:microsoft.com/office/officeart/2005/8/layout/cycle4"/>
     <dgm:cxn modelId="{A88339D0-150F-4C00-AF89-E2C0BC06E74A}" type="presParOf" srcId="{5D458377-8CFE-43EB-BDF2-7CB3F0D876C1}" destId="{BC6F0824-1351-49BA-BADB-F02B71A91728}" srcOrd="0" destOrd="0" presId="urn:microsoft.com/office/officeart/2005/8/layout/cycle4"/>
@@ -4064,21 +4142,21 @@
     </dgm:pt>
   </dgm:ptLst>
   <dgm:cxnLst>
+    <dgm:cxn modelId="{CE2AF7AB-2949-4DCD-9C29-6B60E91D8468}" srcId="{0916D3E2-7950-4B1E-A80A-B1A0DFE4D7BE}" destId="{B8F4B4B5-48BB-4436-A4C8-0772D59377AC}" srcOrd="2" destOrd="0" parTransId="{EEB7DF95-B1E1-4355-BDED-67254F3A40BF}" sibTransId="{07F8EC93-687D-4C25-BBFA-77894EDF7DA2}"/>
+    <dgm:cxn modelId="{D7CE5B38-4681-488A-875C-5BC6D4608B17}" type="presOf" srcId="{B8F4B4B5-48BB-4436-A4C8-0772D59377AC}" destId="{B8775ABA-3037-409F-B1F5-5479D38AC897}" srcOrd="0" destOrd="0" presId="urn:microsoft.com/office/officeart/2005/8/layout/radial1"/>
+    <dgm:cxn modelId="{08978BA1-AE5A-4DFF-A0C3-92D4A0078A98}" srcId="{0916D3E2-7950-4B1E-A80A-B1A0DFE4D7BE}" destId="{9B35DA45-8824-4EE3-89F0-3F4E07F980E3}" srcOrd="0" destOrd="0" parTransId="{F26E0BCB-616E-4F5C-9212-B89461307743}" sibTransId="{6FFF208B-A136-4388-9736-DE2BA4AFD5AF}"/>
+    <dgm:cxn modelId="{8C318C29-2BA6-4073-9DC3-993B41DBBD97}" type="presOf" srcId="{F26E0BCB-616E-4F5C-9212-B89461307743}" destId="{B26CA117-7877-4BBB-8697-7BAA6B4D1769}" srcOrd="1" destOrd="0" presId="urn:microsoft.com/office/officeart/2005/8/layout/radial1"/>
     <dgm:cxn modelId="{BFE5F03E-99EE-488D-A25F-FA4A305398F3}" type="presOf" srcId="{EEB7DF95-B1E1-4355-BDED-67254F3A40BF}" destId="{156A4B50-5EBB-4BD2-8AF0-C722439DBC8D}" srcOrd="0" destOrd="0" presId="urn:microsoft.com/office/officeart/2005/8/layout/radial1"/>
-    <dgm:cxn modelId="{CE2AF7AB-2949-4DCD-9C29-6B60E91D8468}" srcId="{0916D3E2-7950-4B1E-A80A-B1A0DFE4D7BE}" destId="{B8F4B4B5-48BB-4436-A4C8-0772D59377AC}" srcOrd="2" destOrd="0" parTransId="{EEB7DF95-B1E1-4355-BDED-67254F3A40BF}" sibTransId="{07F8EC93-687D-4C25-BBFA-77894EDF7DA2}"/>
+    <dgm:cxn modelId="{4F76CFC7-AC86-4FD6-BD3B-3B31C6A8EDDA}" type="presOf" srcId="{F26E0BCB-616E-4F5C-9212-B89461307743}" destId="{FB6E935B-AB56-4686-BAF4-89171D311D48}" srcOrd="0" destOrd="0" presId="urn:microsoft.com/office/officeart/2005/8/layout/radial1"/>
+    <dgm:cxn modelId="{7470EB8E-365B-4C7B-B345-F3A82F2BDE86}" type="presOf" srcId="{EEB7DF95-B1E1-4355-BDED-67254F3A40BF}" destId="{0FA48441-B5ED-464B-AB5B-44DAB679EE64}" srcOrd="1" destOrd="0" presId="urn:microsoft.com/office/officeart/2005/8/layout/radial1"/>
+    <dgm:cxn modelId="{2E6F4476-BF79-4C90-823B-71099E5FD8D3}" type="presOf" srcId="{DD81B84C-4525-4615-9233-87E402AFBABC}" destId="{9CD455AE-EC69-44E0-B929-B59BCD7E9894}" srcOrd="1" destOrd="0" presId="urn:microsoft.com/office/officeart/2005/8/layout/radial1"/>
     <dgm:cxn modelId="{2D7DE33D-C3DB-49E5-ADF6-52C214CF1C59}" srcId="{0916D3E2-7950-4B1E-A80A-B1A0DFE4D7BE}" destId="{7F397B27-ED42-4C0B-84EB-F42483A443DB}" srcOrd="1" destOrd="0" parTransId="{DD81B84C-4525-4615-9233-87E402AFBABC}" sibTransId="{97EBF3C2-DAC2-40A4-AE80-264E3F21FCCC}"/>
-    <dgm:cxn modelId="{7470EB8E-365B-4C7B-B345-F3A82F2BDE86}" type="presOf" srcId="{EEB7DF95-B1E1-4355-BDED-67254F3A40BF}" destId="{0FA48441-B5ED-464B-AB5B-44DAB679EE64}" srcOrd="1" destOrd="0" presId="urn:microsoft.com/office/officeart/2005/8/layout/radial1"/>
-    <dgm:cxn modelId="{D7CE5B38-4681-488A-875C-5BC6D4608B17}" type="presOf" srcId="{B8F4B4B5-48BB-4436-A4C8-0772D59377AC}" destId="{B8775ABA-3037-409F-B1F5-5479D38AC897}" srcOrd="0" destOrd="0" presId="urn:microsoft.com/office/officeart/2005/8/layout/radial1"/>
     <dgm:cxn modelId="{A9B36F8A-C74B-47A9-B539-806F6BB77A1A}" srcId="{CC293B1C-4CF8-4FF0-BBC7-4942ED2D7F88}" destId="{0916D3E2-7950-4B1E-A80A-B1A0DFE4D7BE}" srcOrd="0" destOrd="0" parTransId="{78ED7DF1-7D14-4D64-A8E3-CBD6C30B03FB}" sibTransId="{402F8436-663D-4DB8-A22F-0A8F501EB425}"/>
-    <dgm:cxn modelId="{4F76CFC7-AC86-4FD6-BD3B-3B31C6A8EDDA}" type="presOf" srcId="{F26E0BCB-616E-4F5C-9212-B89461307743}" destId="{FB6E935B-AB56-4686-BAF4-89171D311D48}" srcOrd="0" destOrd="0" presId="urn:microsoft.com/office/officeart/2005/8/layout/radial1"/>
+    <dgm:cxn modelId="{4E83842D-6898-45A2-8C76-AC263926CE66}" type="presOf" srcId="{CC293B1C-4CF8-4FF0-BBC7-4942ED2D7F88}" destId="{05AAFE4B-4748-4F9C-AA5B-DEC71FC73E20}" srcOrd="0" destOrd="0" presId="urn:microsoft.com/office/officeart/2005/8/layout/radial1"/>
     <dgm:cxn modelId="{53089D63-12EB-40F9-92A2-F39B07E20E6B}" type="presOf" srcId="{0916D3E2-7950-4B1E-A80A-B1A0DFE4D7BE}" destId="{334F0DA9-4D69-40E7-AE37-8BB2E71C3ACD}" srcOrd="0" destOrd="0" presId="urn:microsoft.com/office/officeart/2005/8/layout/radial1"/>
-    <dgm:cxn modelId="{2E6F4476-BF79-4C90-823B-71099E5FD8D3}" type="presOf" srcId="{DD81B84C-4525-4615-9233-87E402AFBABC}" destId="{9CD455AE-EC69-44E0-B929-B59BCD7E9894}" srcOrd="1" destOrd="0" presId="urn:microsoft.com/office/officeart/2005/8/layout/radial1"/>
+    <dgm:cxn modelId="{EE79DC2E-EE32-4B0A-ADFD-E11D61A99647}" type="presOf" srcId="{DD81B84C-4525-4615-9233-87E402AFBABC}" destId="{3134C74D-D45F-4D44-8DA9-5DD9ACC7028A}" srcOrd="0" destOrd="0" presId="urn:microsoft.com/office/officeart/2005/8/layout/radial1"/>
+    <dgm:cxn modelId="{1173F0C1-237A-44C5-81A9-6289AFEB7E80}" type="presOf" srcId="{7F397B27-ED42-4C0B-84EB-F42483A443DB}" destId="{FC75532D-1A75-4D81-A458-80C91B398F9D}" srcOrd="0" destOrd="0" presId="urn:microsoft.com/office/officeart/2005/8/layout/radial1"/>
     <dgm:cxn modelId="{6037BACF-1495-4D63-973A-E9906686C9EC}" type="presOf" srcId="{9B35DA45-8824-4EE3-89F0-3F4E07F980E3}" destId="{51D4E2D9-6364-4FE7-BE7F-89898165258A}" srcOrd="0" destOrd="0" presId="urn:microsoft.com/office/officeart/2005/8/layout/radial1"/>
-    <dgm:cxn modelId="{4E83842D-6898-45A2-8C76-AC263926CE66}" type="presOf" srcId="{CC293B1C-4CF8-4FF0-BBC7-4942ED2D7F88}" destId="{05AAFE4B-4748-4F9C-AA5B-DEC71FC73E20}" srcOrd="0" destOrd="0" presId="urn:microsoft.com/office/officeart/2005/8/layout/radial1"/>
-    <dgm:cxn modelId="{EE79DC2E-EE32-4B0A-ADFD-E11D61A99647}" type="presOf" srcId="{DD81B84C-4525-4615-9233-87E402AFBABC}" destId="{3134C74D-D45F-4D44-8DA9-5DD9ACC7028A}" srcOrd="0" destOrd="0" presId="urn:microsoft.com/office/officeart/2005/8/layout/radial1"/>
-    <dgm:cxn modelId="{08978BA1-AE5A-4DFF-A0C3-92D4A0078A98}" srcId="{0916D3E2-7950-4B1E-A80A-B1A0DFE4D7BE}" destId="{9B35DA45-8824-4EE3-89F0-3F4E07F980E3}" srcOrd="0" destOrd="0" parTransId="{F26E0BCB-616E-4F5C-9212-B89461307743}" sibTransId="{6FFF208B-A136-4388-9736-DE2BA4AFD5AF}"/>
-    <dgm:cxn modelId="{1173F0C1-237A-44C5-81A9-6289AFEB7E80}" type="presOf" srcId="{7F397B27-ED42-4C0B-84EB-F42483A443DB}" destId="{FC75532D-1A75-4D81-A458-80C91B398F9D}" srcOrd="0" destOrd="0" presId="urn:microsoft.com/office/officeart/2005/8/layout/radial1"/>
-    <dgm:cxn modelId="{8C318C29-2BA6-4073-9DC3-993B41DBBD97}" type="presOf" srcId="{F26E0BCB-616E-4F5C-9212-B89461307743}" destId="{B26CA117-7877-4BBB-8697-7BAA6B4D1769}" srcOrd="1" destOrd="0" presId="urn:microsoft.com/office/officeart/2005/8/layout/radial1"/>
     <dgm:cxn modelId="{772C3BB5-DF35-42DE-A439-0DCB31D63FB8}" type="presParOf" srcId="{05AAFE4B-4748-4F9C-AA5B-DEC71FC73E20}" destId="{334F0DA9-4D69-40E7-AE37-8BB2E71C3ACD}" srcOrd="0" destOrd="0" presId="urn:microsoft.com/office/officeart/2005/8/layout/radial1"/>
     <dgm:cxn modelId="{20FC6565-C496-4E94-8CCE-904149940058}" type="presParOf" srcId="{05AAFE4B-4748-4F9C-AA5B-DEC71FC73E20}" destId="{FB6E935B-AB56-4686-BAF4-89171D311D48}" srcOrd="1" destOrd="0" presId="urn:microsoft.com/office/officeart/2005/8/layout/radial1"/>
     <dgm:cxn modelId="{1BDA0C39-DB3E-4726-AC03-ECA79335B44E}" type="presParOf" srcId="{FB6E935B-AB56-4686-BAF4-89171D311D48}" destId="{B26CA117-7877-4BBB-8697-7BAA6B4D1769}" srcOrd="0" destOrd="0" presId="urn:microsoft.com/office/officeart/2005/8/layout/radial1"/>
@@ -4104,77 +4182,11 @@
 <dgm:dataModel xmlns:dgm="http://schemas.openxmlformats.org/drawingml/2006/diagram" xmlns:a="http://schemas.openxmlformats.org/drawingml/2006/main">
   <dgm:ptLst>
     <dgm:pt modelId="{95C89F30-E4C0-41F0-9F78-CFBA2BC6B6E7}" type="doc">
-      <dgm:prSet loTypeId="urn:microsoft.com/office/officeart/2005/8/layout/hList7" loCatId="list" qsTypeId="urn:microsoft.com/office/officeart/2005/8/quickstyle/simple2" qsCatId="simple" csTypeId="urn:microsoft.com/office/officeart/2005/8/colors/colorful4" csCatId="colorful" phldr="1"/>
+      <dgm:prSet loTypeId="urn:microsoft.com/office/officeart/2005/8/layout/hList7" loCatId="list" qsTypeId="urn:microsoft.com/office/officeart/2005/8/quickstyle/simple2" qsCatId="simple" csTypeId="urn:microsoft.com/office/officeart/2005/8/colors/accent0_3" csCatId="mainScheme" phldr="1"/>
       <dgm:spPr/>
     </dgm:pt>
-    <dgm:pt modelId="{5EE301F9-AA62-4FDD-BBD4-EB5F68D85FEC}">
-      <dgm:prSet phldrT="[Text]" phldr="1"/>
-      <dgm:spPr/>
-      <dgm:t>
-        <a:bodyPr/>
-        <a:lstStyle/>
-        <a:p>
-          <a:endParaRPr lang="en-CA"/>
-        </a:p>
-      </dgm:t>
-    </dgm:pt>
-    <dgm:pt modelId="{752A3FC9-4F42-4B45-864D-D48201C144BC}" type="parTrans" cxnId="{E53B2165-E749-413E-9F1A-C9CC76DA6A5C}">
-      <dgm:prSet/>
-      <dgm:spPr/>
-      <dgm:t>
-        <a:bodyPr/>
-        <a:lstStyle/>
-        <a:p>
-          <a:endParaRPr lang="en-CA"/>
-        </a:p>
-      </dgm:t>
-    </dgm:pt>
-    <dgm:pt modelId="{7A2D0BBB-4796-4683-A258-869CCE2EFDEE}" type="sibTrans" cxnId="{E53B2165-E749-413E-9F1A-C9CC76DA6A5C}">
-      <dgm:prSet/>
-      <dgm:spPr/>
-      <dgm:t>
-        <a:bodyPr/>
-        <a:lstStyle/>
-        <a:p>
-          <a:endParaRPr lang="en-CA"/>
-        </a:p>
-      </dgm:t>
-    </dgm:pt>
-    <dgm:pt modelId="{81607F9D-ACA8-4EBC-97F3-AE620D537126}">
-      <dgm:prSet phldrT="[Text]" phldr="1"/>
-      <dgm:spPr/>
-      <dgm:t>
-        <a:bodyPr/>
-        <a:lstStyle/>
-        <a:p>
-          <a:endParaRPr lang="en-CA" dirty="0"/>
-        </a:p>
-      </dgm:t>
-    </dgm:pt>
-    <dgm:pt modelId="{5614C387-4578-47E1-B8ED-4C19C139B6D6}" type="parTrans" cxnId="{C503CDFC-F7CF-4B5B-9CB9-D0B888450B80}">
-      <dgm:prSet/>
-      <dgm:spPr/>
-      <dgm:t>
-        <a:bodyPr/>
-        <a:lstStyle/>
-        <a:p>
-          <a:endParaRPr lang="en-CA"/>
-        </a:p>
-      </dgm:t>
-    </dgm:pt>
-    <dgm:pt modelId="{94CA40FB-60B0-465C-89DE-37B57251E362}" type="sibTrans" cxnId="{C503CDFC-F7CF-4B5B-9CB9-D0B888450B80}">
-      <dgm:prSet/>
-      <dgm:spPr/>
-      <dgm:t>
-        <a:bodyPr/>
-        <a:lstStyle/>
-        <a:p>
-          <a:endParaRPr lang="en-CA"/>
-        </a:p>
-      </dgm:t>
-    </dgm:pt>
     <dgm:pt modelId="{47253CFC-4569-4709-81D3-DEEB42841B34}">
-      <dgm:prSet phldrT="[Text]" phldr="1"/>
+      <dgm:prSet phldrT="[Text]"/>
       <dgm:spPr/>
       <dgm:t>
         <a:bodyPr/>
@@ -4206,7 +4218,7 @@
         </a:p>
       </dgm:t>
     </dgm:pt>
-    <dgm:pt modelId="{2AB14181-4A64-4BB9-9776-424952C38D0A}">
+    <dgm:pt modelId="{5EE301F9-AA62-4FDD-BBD4-EB5F68D85FEC}">
       <dgm:prSet phldrT="[Text]"/>
       <dgm:spPr/>
       <dgm:t>
@@ -4217,7 +4229,7 @@
         </a:p>
       </dgm:t>
     </dgm:pt>
-    <dgm:pt modelId="{F1251F10-A236-45B0-B56B-8BB2CD1CF3A7}" type="parTrans" cxnId="{50BC709C-09BD-400B-8455-5FEBEF473C5E}">
+    <dgm:pt modelId="{7A2D0BBB-4796-4683-A258-869CCE2EFDEE}" type="sibTrans" cxnId="{E53B2165-E749-413E-9F1A-C9CC76DA6A5C}">
       <dgm:prSet/>
       <dgm:spPr/>
       <dgm:t>
@@ -4228,7 +4240,73 @@
         </a:p>
       </dgm:t>
     </dgm:pt>
-    <dgm:pt modelId="{B48CF7F5-F604-499C-A5F0-CCFB2B21EDCB}" type="sibTrans" cxnId="{50BC709C-09BD-400B-8455-5FEBEF473C5E}">
+    <dgm:pt modelId="{752A3FC9-4F42-4B45-864D-D48201C144BC}" type="parTrans" cxnId="{E53B2165-E749-413E-9F1A-C9CC76DA6A5C}">
+      <dgm:prSet/>
+      <dgm:spPr/>
+      <dgm:t>
+        <a:bodyPr/>
+        <a:lstStyle/>
+        <a:p>
+          <a:endParaRPr lang="en-CA"/>
+        </a:p>
+      </dgm:t>
+    </dgm:pt>
+    <dgm:pt modelId="{81607F9D-ACA8-4EBC-97F3-AE620D537126}">
+      <dgm:prSet phldrT="[Text]"/>
+      <dgm:spPr/>
+      <dgm:t>
+        <a:bodyPr/>
+        <a:lstStyle/>
+        <a:p>
+          <a:endParaRPr lang="en-CA" dirty="0"/>
+        </a:p>
+      </dgm:t>
+    </dgm:pt>
+    <dgm:pt modelId="{94CA40FB-60B0-465C-89DE-37B57251E362}" type="sibTrans" cxnId="{C503CDFC-F7CF-4B5B-9CB9-D0B888450B80}">
+      <dgm:prSet/>
+      <dgm:spPr/>
+      <dgm:t>
+        <a:bodyPr/>
+        <a:lstStyle/>
+        <a:p>
+          <a:endParaRPr lang="en-CA"/>
+        </a:p>
+      </dgm:t>
+    </dgm:pt>
+    <dgm:pt modelId="{5614C387-4578-47E1-B8ED-4C19C139B6D6}" type="parTrans" cxnId="{C503CDFC-F7CF-4B5B-9CB9-D0B888450B80}">
+      <dgm:prSet/>
+      <dgm:spPr/>
+      <dgm:t>
+        <a:bodyPr/>
+        <a:lstStyle/>
+        <a:p>
+          <a:endParaRPr lang="en-CA"/>
+        </a:p>
+      </dgm:t>
+    </dgm:pt>
+    <dgm:pt modelId="{BA786E09-868C-446C-BCAD-1B9A337A2314}">
+      <dgm:prSet phldrT="[Text]"/>
+      <dgm:spPr/>
+      <dgm:t>
+        <a:bodyPr/>
+        <a:lstStyle/>
+        <a:p>
+          <a:endParaRPr lang="en-CA" dirty="0"/>
+        </a:p>
+      </dgm:t>
+    </dgm:pt>
+    <dgm:pt modelId="{59BE49D1-A09D-46A0-A218-5983A849445B}" type="parTrans" cxnId="{4E004507-C92D-4D0B-9DBB-DB4591A9B903}">
+      <dgm:prSet/>
+      <dgm:spPr/>
+      <dgm:t>
+        <a:bodyPr/>
+        <a:lstStyle/>
+        <a:p>
+          <a:endParaRPr lang="en-CA"/>
+        </a:p>
+      </dgm:t>
+    </dgm:pt>
+    <dgm:pt modelId="{870FB8E6-A3E1-4439-9131-142A0512FE32}" type="sibTrans" cxnId="{4E004507-C92D-4D0B-9DBB-DB4591A9B903}">
       <dgm:prSet/>
       <dgm:spPr/>
       <dgm:t>
@@ -4249,8 +4327,13 @@
       <dgm:spPr/>
     </dgm:pt>
     <dgm:pt modelId="{5C007895-D27B-4555-8633-C9BBD58A106D}" type="pres">
-      <dgm:prSet presAssocID="{95C89F30-E4C0-41F0-9F78-CFBA2BC6B6E7}" presName="fgShape" presStyleLbl="fgShp" presStyleIdx="0" presStyleCnt="1"/>
-      <dgm:spPr/>
+      <dgm:prSet presAssocID="{95C89F30-E4C0-41F0-9F78-CFBA2BC6B6E7}" presName="fgShape" presStyleLbl="fgShp" presStyleIdx="0" presStyleCnt="1" custFlipHor="1" custScaleX="20190" custScaleY="72015" custLinFactNeighborX="14341" custLinFactNeighborY="-15970"/>
+      <dgm:spPr>
+        <a:noFill/>
+        <a:ln>
+          <a:noFill/>
+        </a:ln>
+      </dgm:spPr>
     </dgm:pt>
     <dgm:pt modelId="{851E5CC9-679F-4CF6-B00F-A025B4DEF2B3}" type="pres">
       <dgm:prSet presAssocID="{95C89F30-E4C0-41F0-9F78-CFBA2BC6B6E7}" presName="linComp" presStyleCnt="0"/>
@@ -4263,6 +4346,13 @@
     <dgm:pt modelId="{90FFEDE6-D24B-46AA-AC61-5A2CA3E513CC}" type="pres">
       <dgm:prSet presAssocID="{5EE301F9-AA62-4FDD-BBD4-EB5F68D85FEC}" presName="bkgdShape" presStyleLbl="node1" presStyleIdx="0" presStyleCnt="4"/>
       <dgm:spPr/>
+      <dgm:t>
+        <a:bodyPr/>
+        <a:lstStyle/>
+        <a:p>
+          <a:endParaRPr lang="en-CA"/>
+        </a:p>
+      </dgm:t>
     </dgm:pt>
     <dgm:pt modelId="{6B2B5E85-AAEA-413B-89EF-96FC0B61D0DB}" type="pres">
       <dgm:prSet presAssocID="{5EE301F9-AA62-4FDD-BBD4-EB5F68D85FEC}" presName="nodeTx" presStyleLbl="node1" presStyleIdx="0" presStyleCnt="4">
@@ -4271,6 +4361,13 @@
         </dgm:presLayoutVars>
       </dgm:prSet>
       <dgm:spPr/>
+      <dgm:t>
+        <a:bodyPr/>
+        <a:lstStyle/>
+        <a:p>
+          <a:endParaRPr lang="en-CA"/>
+        </a:p>
+      </dgm:t>
     </dgm:pt>
     <dgm:pt modelId="{1A17D808-B82E-464B-B310-203813114F77}" type="pres">
       <dgm:prSet presAssocID="{5EE301F9-AA62-4FDD-BBD4-EB5F68D85FEC}" presName="invisiNode" presStyleLbl="node1" presStyleIdx="0" presStyleCnt="4"/>
@@ -4290,6 +4387,13 @@
     <dgm:pt modelId="{46B8E31D-92A9-4F7C-AC64-291B22E56C19}" type="pres">
       <dgm:prSet presAssocID="{7A2D0BBB-4796-4683-A258-869CCE2EFDEE}" presName="sibTrans" presStyleLbl="sibTrans2D1" presStyleIdx="0" presStyleCnt="0"/>
       <dgm:spPr/>
+      <dgm:t>
+        <a:bodyPr/>
+        <a:lstStyle/>
+        <a:p>
+          <a:endParaRPr lang="en-CA"/>
+        </a:p>
+      </dgm:t>
     </dgm:pt>
     <dgm:pt modelId="{F6BAADEA-493B-4EE4-AE53-A0D19801A5FF}" type="pres">
       <dgm:prSet presAssocID="{81607F9D-ACA8-4EBC-97F3-AE620D537126}" presName="compNode" presStyleCnt="0"/>
@@ -4298,6 +4402,13 @@
     <dgm:pt modelId="{AECDF339-533B-4319-9DD1-FE0312AA5FE7}" type="pres">
       <dgm:prSet presAssocID="{81607F9D-ACA8-4EBC-97F3-AE620D537126}" presName="bkgdShape" presStyleLbl="node1" presStyleIdx="1" presStyleCnt="4"/>
       <dgm:spPr/>
+      <dgm:t>
+        <a:bodyPr/>
+        <a:lstStyle/>
+        <a:p>
+          <a:endParaRPr lang="en-CA"/>
+        </a:p>
+      </dgm:t>
     </dgm:pt>
     <dgm:pt modelId="{FCBD48AD-6356-4016-B622-1476036943D2}" type="pres">
       <dgm:prSet presAssocID="{81607F9D-ACA8-4EBC-97F3-AE620D537126}" presName="nodeTx" presStyleLbl="node1" presStyleIdx="1" presStyleCnt="4">
@@ -4306,6 +4417,13 @@
         </dgm:presLayoutVars>
       </dgm:prSet>
       <dgm:spPr/>
+      <dgm:t>
+        <a:bodyPr/>
+        <a:lstStyle/>
+        <a:p>
+          <a:endParaRPr lang="en-CA"/>
+        </a:p>
+      </dgm:t>
     </dgm:pt>
     <dgm:pt modelId="{55F313B5-1C13-438A-8D2E-76E44D379C51}" type="pres">
       <dgm:prSet presAssocID="{81607F9D-ACA8-4EBC-97F3-AE620D537126}" presName="invisiNode" presStyleLbl="node1" presStyleIdx="1" presStyleCnt="4"/>
@@ -4325,6 +4443,13 @@
     <dgm:pt modelId="{6A4D6A8E-A18C-499A-84BC-74FED5388C93}" type="pres">
       <dgm:prSet presAssocID="{94CA40FB-60B0-465C-89DE-37B57251E362}" presName="sibTrans" presStyleLbl="sibTrans2D1" presStyleIdx="0" presStyleCnt="0"/>
       <dgm:spPr/>
+      <dgm:t>
+        <a:bodyPr/>
+        <a:lstStyle/>
+        <a:p>
+          <a:endParaRPr lang="en-CA"/>
+        </a:p>
+      </dgm:t>
     </dgm:pt>
     <dgm:pt modelId="{2FB6D45F-392C-4BF4-A210-495F746B00A0}" type="pres">
       <dgm:prSet presAssocID="{47253CFC-4569-4709-81D3-DEEB42841B34}" presName="compNode" presStyleCnt="0"/>
@@ -4333,6 +4458,13 @@
     <dgm:pt modelId="{18E220CA-4E07-4273-9F20-D66E44D1CC15}" type="pres">
       <dgm:prSet presAssocID="{47253CFC-4569-4709-81D3-DEEB42841B34}" presName="bkgdShape" presStyleLbl="node1" presStyleIdx="2" presStyleCnt="4"/>
       <dgm:spPr/>
+      <dgm:t>
+        <a:bodyPr/>
+        <a:lstStyle/>
+        <a:p>
+          <a:endParaRPr lang="en-CA"/>
+        </a:p>
+      </dgm:t>
     </dgm:pt>
     <dgm:pt modelId="{65C1CC62-47DD-4AE0-BB4E-E1AA4210EAD1}" type="pres">
       <dgm:prSet presAssocID="{47253CFC-4569-4709-81D3-DEEB42841B34}" presName="nodeTx" presStyleLbl="node1" presStyleIdx="2" presStyleCnt="4">
@@ -4341,6 +4473,13 @@
         </dgm:presLayoutVars>
       </dgm:prSet>
       <dgm:spPr/>
+      <dgm:t>
+        <a:bodyPr/>
+        <a:lstStyle/>
+        <a:p>
+          <a:endParaRPr lang="en-CA"/>
+        </a:p>
+      </dgm:t>
     </dgm:pt>
     <dgm:pt modelId="{4B410C47-050F-4A04-B28A-4915525EEFC9}" type="pres">
       <dgm:prSet presAssocID="{47253CFC-4569-4709-81D3-DEEB42841B34}" presName="invisiNode" presStyleLbl="node1" presStyleIdx="2" presStyleCnt="4"/>
@@ -4356,33 +4495,61 @@
           </a:stretch>
         </a:blipFill>
       </dgm:spPr>
+      <dgm:t>
+        <a:bodyPr/>
+        <a:lstStyle/>
+        <a:p>
+          <a:endParaRPr lang="en-CA"/>
+        </a:p>
+      </dgm:t>
     </dgm:pt>
     <dgm:pt modelId="{2845AC54-25A9-480C-BA9C-51BB56258253}" type="pres">
       <dgm:prSet presAssocID="{2F25E3F7-E9EB-4C08-9116-69D5C4FD6E2A}" presName="sibTrans" presStyleLbl="sibTrans2D1" presStyleIdx="0" presStyleCnt="0"/>
       <dgm:spPr/>
+      <dgm:t>
+        <a:bodyPr/>
+        <a:lstStyle/>
+        <a:p>
+          <a:endParaRPr lang="en-CA"/>
+        </a:p>
+      </dgm:t>
     </dgm:pt>
-    <dgm:pt modelId="{A0F9587D-ABCB-432A-96CC-F5DD55802FAC}" type="pres">
-      <dgm:prSet presAssocID="{2AB14181-4A64-4BB9-9776-424952C38D0A}" presName="compNode" presStyleCnt="0"/>
+    <dgm:pt modelId="{D1EC1FEF-15C3-4F9A-9D53-270133EEC1D0}" type="pres">
+      <dgm:prSet presAssocID="{BA786E09-868C-446C-BCAD-1B9A337A2314}" presName="compNode" presStyleCnt="0"/>
       <dgm:spPr/>
     </dgm:pt>
-    <dgm:pt modelId="{18ED0F76-F5DF-491D-9CFB-8F6AD380878B}" type="pres">
-      <dgm:prSet presAssocID="{2AB14181-4A64-4BB9-9776-424952C38D0A}" presName="bkgdShape" presStyleLbl="node1" presStyleIdx="3" presStyleCnt="4"/>
+    <dgm:pt modelId="{9B6DBF9B-EFA6-45E8-AAE9-1FBCC2922B5E}" type="pres">
+      <dgm:prSet presAssocID="{BA786E09-868C-446C-BCAD-1B9A337A2314}" presName="bkgdShape" presStyleLbl="node1" presStyleIdx="3" presStyleCnt="4"/>
       <dgm:spPr/>
+      <dgm:t>
+        <a:bodyPr/>
+        <a:lstStyle/>
+        <a:p>
+          <a:endParaRPr lang="en-CA"/>
+        </a:p>
+      </dgm:t>
     </dgm:pt>
-    <dgm:pt modelId="{D2B5ABF2-62A0-4C98-A8B2-876D6D32EED4}" type="pres">
-      <dgm:prSet presAssocID="{2AB14181-4A64-4BB9-9776-424952C38D0A}" presName="nodeTx" presStyleLbl="node1" presStyleIdx="3" presStyleCnt="4">
+    <dgm:pt modelId="{31F77346-6636-44FE-8237-42E5F75F0855}" type="pres">
+      <dgm:prSet presAssocID="{BA786E09-868C-446C-BCAD-1B9A337A2314}" presName="nodeTx" presStyleLbl="node1" presStyleIdx="3" presStyleCnt="4">
         <dgm:presLayoutVars>
           <dgm:bulletEnabled val="1"/>
         </dgm:presLayoutVars>
       </dgm:prSet>
       <dgm:spPr/>
+      <dgm:t>
+        <a:bodyPr/>
+        <a:lstStyle/>
+        <a:p>
+          <a:endParaRPr lang="en-CA"/>
+        </a:p>
+      </dgm:t>
     </dgm:pt>
-    <dgm:pt modelId="{E6D3883D-F386-4816-ADFE-CC51982F6734}" type="pres">
-      <dgm:prSet presAssocID="{2AB14181-4A64-4BB9-9776-424952C38D0A}" presName="invisiNode" presStyleLbl="node1" presStyleIdx="3" presStyleCnt="4"/>
+    <dgm:pt modelId="{4E622C03-85B3-4DA6-8471-5CC42DD79CA7}" type="pres">
+      <dgm:prSet presAssocID="{BA786E09-868C-446C-BCAD-1B9A337A2314}" presName="invisiNode" presStyleLbl="node1" presStyleIdx="3" presStyleCnt="4"/>
       <dgm:spPr/>
     </dgm:pt>
-    <dgm:pt modelId="{ACE5E6C6-31E7-452F-B70B-4EEB64C97234}" type="pres">
-      <dgm:prSet presAssocID="{2AB14181-4A64-4BB9-9776-424952C38D0A}" presName="imagNode" presStyleLbl="fgImgPlace1" presStyleIdx="3" presStyleCnt="4"/>
+    <dgm:pt modelId="{E493E5FB-AA9A-42DE-9CCE-474EDF63F26C}" type="pres">
+      <dgm:prSet presAssocID="{BA786E09-868C-446C-BCAD-1B9A337A2314}" presName="imagNode" presStyleLbl="fgImgPlace1" presStyleIdx="3" presStyleCnt="4"/>
       <dgm:spPr>
         <a:blipFill rotWithShape="1">
           <a:blip xmlns:r="http://schemas.openxmlformats.org/officeDocument/2006/relationships" r:embed="rId4"/>
@@ -4391,25 +4558,32 @@
           </a:stretch>
         </a:blipFill>
       </dgm:spPr>
+      <dgm:t>
+        <a:bodyPr/>
+        <a:lstStyle/>
+        <a:p>
+          <a:endParaRPr lang="en-CA"/>
+        </a:p>
+      </dgm:t>
     </dgm:pt>
   </dgm:ptLst>
   <dgm:cxnLst>
-    <dgm:cxn modelId="{50BC709C-09BD-400B-8455-5FEBEF473C5E}" srcId="{95C89F30-E4C0-41F0-9F78-CFBA2BC6B6E7}" destId="{2AB14181-4A64-4BB9-9776-424952C38D0A}" srcOrd="3" destOrd="0" parTransId="{F1251F10-A236-45B0-B56B-8BB2CD1CF3A7}" sibTransId="{B48CF7F5-F604-499C-A5F0-CCFB2B21EDCB}"/>
+    <dgm:cxn modelId="{1AE06204-B328-4A88-90DE-47487907D919}" type="presOf" srcId="{47253CFC-4569-4709-81D3-DEEB42841B34}" destId="{65C1CC62-47DD-4AE0-BB4E-E1AA4210EAD1}" srcOrd="1" destOrd="0" presId="urn:microsoft.com/office/officeart/2005/8/layout/hList7"/>
+    <dgm:cxn modelId="{57921F95-0423-45E7-AE0D-672371E39D53}" type="presOf" srcId="{5EE301F9-AA62-4FDD-BBD4-EB5F68D85FEC}" destId="{6B2B5E85-AAEA-413B-89EF-96FC0B61D0DB}" srcOrd="1" destOrd="0" presId="urn:microsoft.com/office/officeart/2005/8/layout/hList7"/>
+    <dgm:cxn modelId="{2E016A71-4A74-45F5-AD15-07D3B1D0466D}" srcId="{95C89F30-E4C0-41F0-9F78-CFBA2BC6B6E7}" destId="{47253CFC-4569-4709-81D3-DEEB42841B34}" srcOrd="2" destOrd="0" parTransId="{790D9CA9-D5EB-4ABB-B3FF-C076CA534420}" sibTransId="{2F25E3F7-E9EB-4C08-9116-69D5C4FD6E2A}"/>
+    <dgm:cxn modelId="{CF0035A1-5E18-4F9A-AAAD-C4F8302A689F}" type="presOf" srcId="{81607F9D-ACA8-4EBC-97F3-AE620D537126}" destId="{FCBD48AD-6356-4016-B622-1476036943D2}" srcOrd="1" destOrd="0" presId="urn:microsoft.com/office/officeart/2005/8/layout/hList7"/>
     <dgm:cxn modelId="{AFAAAFAD-A0DE-47C1-9249-77B5BDE05E36}" type="presOf" srcId="{81607F9D-ACA8-4EBC-97F3-AE620D537126}" destId="{AECDF339-533B-4319-9DD1-FE0312AA5FE7}" srcOrd="0" destOrd="0" presId="urn:microsoft.com/office/officeart/2005/8/layout/hList7"/>
-    <dgm:cxn modelId="{2E016A71-4A74-45F5-AD15-07D3B1D0466D}" srcId="{95C89F30-E4C0-41F0-9F78-CFBA2BC6B6E7}" destId="{47253CFC-4569-4709-81D3-DEEB42841B34}" srcOrd="2" destOrd="0" parTransId="{790D9CA9-D5EB-4ABB-B3FF-C076CA534420}" sibTransId="{2F25E3F7-E9EB-4C08-9116-69D5C4FD6E2A}"/>
+    <dgm:cxn modelId="{38CD83C8-6796-4198-B7C8-EFF34EC9AA55}" type="presOf" srcId="{BA786E09-868C-446C-BCAD-1B9A337A2314}" destId="{9B6DBF9B-EFA6-45E8-AAE9-1FBCC2922B5E}" srcOrd="0" destOrd="0" presId="urn:microsoft.com/office/officeart/2005/8/layout/hList7"/>
+    <dgm:cxn modelId="{4E004507-C92D-4D0B-9DBB-DB4591A9B903}" srcId="{95C89F30-E4C0-41F0-9F78-CFBA2BC6B6E7}" destId="{BA786E09-868C-446C-BCAD-1B9A337A2314}" srcOrd="3" destOrd="0" parTransId="{59BE49D1-A09D-46A0-A218-5983A849445B}" sibTransId="{870FB8E6-A3E1-4439-9131-142A0512FE32}"/>
     <dgm:cxn modelId="{F6F9661A-BC21-475D-819D-50626DE6BCFB}" type="presOf" srcId="{2F25E3F7-E9EB-4C08-9116-69D5C4FD6E2A}" destId="{2845AC54-25A9-480C-BA9C-51BB56258253}" srcOrd="0" destOrd="0" presId="urn:microsoft.com/office/officeart/2005/8/layout/hList7"/>
-    <dgm:cxn modelId="{194860A3-1900-4650-B671-CEC4587BA924}" type="presOf" srcId="{94CA40FB-60B0-465C-89DE-37B57251E362}" destId="{6A4D6A8E-A18C-499A-84BC-74FED5388C93}" srcOrd="0" destOrd="0" presId="urn:microsoft.com/office/officeart/2005/8/layout/hList7"/>
-    <dgm:cxn modelId="{57921F95-0423-45E7-AE0D-672371E39D53}" type="presOf" srcId="{5EE301F9-AA62-4FDD-BBD4-EB5F68D85FEC}" destId="{6B2B5E85-AAEA-413B-89EF-96FC0B61D0DB}" srcOrd="1" destOrd="0" presId="urn:microsoft.com/office/officeart/2005/8/layout/hList7"/>
-    <dgm:cxn modelId="{0D050011-AFC5-43D1-BF98-2C65C7D37DAA}" type="presOf" srcId="{2AB14181-4A64-4BB9-9776-424952C38D0A}" destId="{D2B5ABF2-62A0-4C98-A8B2-876D6D32EED4}" srcOrd="1" destOrd="0" presId="urn:microsoft.com/office/officeart/2005/8/layout/hList7"/>
-    <dgm:cxn modelId="{1AE06204-B328-4A88-90DE-47487907D919}" type="presOf" srcId="{47253CFC-4569-4709-81D3-DEEB42841B34}" destId="{65C1CC62-47DD-4AE0-BB4E-E1AA4210EAD1}" srcOrd="1" destOrd="0" presId="urn:microsoft.com/office/officeart/2005/8/layout/hList7"/>
-    <dgm:cxn modelId="{F309A241-CAAA-4CAA-89A7-3EF413DFED5F}" type="presOf" srcId="{47253CFC-4569-4709-81D3-DEEB42841B34}" destId="{18E220CA-4E07-4273-9F20-D66E44D1CC15}" srcOrd="0" destOrd="0" presId="urn:microsoft.com/office/officeart/2005/8/layout/hList7"/>
-    <dgm:cxn modelId="{E53B2165-E749-413E-9F1A-C9CC76DA6A5C}" srcId="{95C89F30-E4C0-41F0-9F78-CFBA2BC6B6E7}" destId="{5EE301F9-AA62-4FDD-BBD4-EB5F68D85FEC}" srcOrd="0" destOrd="0" parTransId="{752A3FC9-4F42-4B45-864D-D48201C144BC}" sibTransId="{7A2D0BBB-4796-4683-A258-869CCE2EFDEE}"/>
-    <dgm:cxn modelId="{CF0035A1-5E18-4F9A-AAAD-C4F8302A689F}" type="presOf" srcId="{81607F9D-ACA8-4EBC-97F3-AE620D537126}" destId="{FCBD48AD-6356-4016-B622-1476036943D2}" srcOrd="1" destOrd="0" presId="urn:microsoft.com/office/officeart/2005/8/layout/hList7"/>
+    <dgm:cxn modelId="{C645A4BB-EDB6-4E76-AB82-9AD72E6BF557}" type="presOf" srcId="{BA786E09-868C-446C-BCAD-1B9A337A2314}" destId="{31F77346-6636-44FE-8237-42E5F75F0855}" srcOrd="1" destOrd="0" presId="urn:microsoft.com/office/officeart/2005/8/layout/hList7"/>
     <dgm:cxn modelId="{BDD1CA52-8007-48A8-B091-1E74889DEE99}" type="presOf" srcId="{95C89F30-E4C0-41F0-9F78-CFBA2BC6B6E7}" destId="{68497B09-3716-4EBD-AC6B-8AE2BDCC8972}" srcOrd="0" destOrd="0" presId="urn:microsoft.com/office/officeart/2005/8/layout/hList7"/>
-    <dgm:cxn modelId="{D6F74855-293E-4CF7-A10C-B9D9AACFDBA9}" type="presOf" srcId="{2AB14181-4A64-4BB9-9776-424952C38D0A}" destId="{18ED0F76-F5DF-491D-9CFB-8F6AD380878B}" srcOrd="0" destOrd="0" presId="urn:microsoft.com/office/officeart/2005/8/layout/hList7"/>
-    <dgm:cxn modelId="{B6D21F72-7318-4B23-BC86-23B4E85AD610}" type="presOf" srcId="{5EE301F9-AA62-4FDD-BBD4-EB5F68D85FEC}" destId="{90FFEDE6-D24B-46AA-AC61-5A2CA3E513CC}" srcOrd="0" destOrd="0" presId="urn:microsoft.com/office/officeart/2005/8/layout/hList7"/>
     <dgm:cxn modelId="{C503CDFC-F7CF-4B5B-9CB9-D0B888450B80}" srcId="{95C89F30-E4C0-41F0-9F78-CFBA2BC6B6E7}" destId="{81607F9D-ACA8-4EBC-97F3-AE620D537126}" srcOrd="1" destOrd="0" parTransId="{5614C387-4578-47E1-B8ED-4C19C139B6D6}" sibTransId="{94CA40FB-60B0-465C-89DE-37B57251E362}"/>
     <dgm:cxn modelId="{2EC55B3D-BFE3-4C06-B5CF-4DA8F00E7DD6}" type="presOf" srcId="{7A2D0BBB-4796-4683-A258-869CCE2EFDEE}" destId="{46B8E31D-92A9-4F7C-AC64-291B22E56C19}" srcOrd="0" destOrd="0" presId="urn:microsoft.com/office/officeart/2005/8/layout/hList7"/>
+    <dgm:cxn modelId="{194860A3-1900-4650-B671-CEC4587BA924}" type="presOf" srcId="{94CA40FB-60B0-465C-89DE-37B57251E362}" destId="{6A4D6A8E-A18C-499A-84BC-74FED5388C93}" srcOrd="0" destOrd="0" presId="urn:microsoft.com/office/officeart/2005/8/layout/hList7"/>
+    <dgm:cxn modelId="{F309A241-CAAA-4CAA-89A7-3EF413DFED5F}" type="presOf" srcId="{47253CFC-4569-4709-81D3-DEEB42841B34}" destId="{18E220CA-4E07-4273-9F20-D66E44D1CC15}" srcOrd="0" destOrd="0" presId="urn:microsoft.com/office/officeart/2005/8/layout/hList7"/>
+    <dgm:cxn modelId="{B6D21F72-7318-4B23-BC86-23B4E85AD610}" type="presOf" srcId="{5EE301F9-AA62-4FDD-BBD4-EB5F68D85FEC}" destId="{90FFEDE6-D24B-46AA-AC61-5A2CA3E513CC}" srcOrd="0" destOrd="0" presId="urn:microsoft.com/office/officeart/2005/8/layout/hList7"/>
+    <dgm:cxn modelId="{E53B2165-E749-413E-9F1A-C9CC76DA6A5C}" srcId="{95C89F30-E4C0-41F0-9F78-CFBA2BC6B6E7}" destId="{5EE301F9-AA62-4FDD-BBD4-EB5F68D85FEC}" srcOrd="0" destOrd="0" parTransId="{752A3FC9-4F42-4B45-864D-D48201C144BC}" sibTransId="{7A2D0BBB-4796-4683-A258-869CCE2EFDEE}"/>
     <dgm:cxn modelId="{4D0448AB-072A-4D18-810D-2383F44A3112}" type="presParOf" srcId="{68497B09-3716-4EBD-AC6B-8AE2BDCC8972}" destId="{5C007895-D27B-4555-8633-C9BBD58A106D}" srcOrd="0" destOrd="0" presId="urn:microsoft.com/office/officeart/2005/8/layout/hList7"/>
     <dgm:cxn modelId="{EB40CABA-D7D8-449B-A3EF-706C96A2B35D}" type="presParOf" srcId="{68497B09-3716-4EBD-AC6B-8AE2BDCC8972}" destId="{851E5CC9-679F-4CF6-B00F-A025B4DEF2B3}" srcOrd="1" destOrd="0" presId="urn:microsoft.com/office/officeart/2005/8/layout/hList7"/>
     <dgm:cxn modelId="{E6D0BBE2-1389-41E3-A561-EB44452418BA}" type="presParOf" srcId="{851E5CC9-679F-4CF6-B00F-A025B4DEF2B3}" destId="{02F5FF00-4C9F-4B29-8EE7-22E5EFD6E9BE}" srcOrd="0" destOrd="0" presId="urn:microsoft.com/office/officeart/2005/8/layout/hList7"/>
@@ -4430,17 +4604,17 @@
     <dgm:cxn modelId="{3B59B6BE-ACD4-4967-BB5D-FF55B4D2DA66}" type="presParOf" srcId="{2FB6D45F-392C-4BF4-A210-495F746B00A0}" destId="{4B410C47-050F-4A04-B28A-4915525EEFC9}" srcOrd="2" destOrd="0" presId="urn:microsoft.com/office/officeart/2005/8/layout/hList7"/>
     <dgm:cxn modelId="{91AD0488-DF28-484D-BBBC-9C3DDE89D73A}" type="presParOf" srcId="{2FB6D45F-392C-4BF4-A210-495F746B00A0}" destId="{EF6C3C73-EE47-41C6-84F9-732FE297AA13}" srcOrd="3" destOrd="0" presId="urn:microsoft.com/office/officeart/2005/8/layout/hList7"/>
     <dgm:cxn modelId="{EBA71251-B9EE-476A-A66B-32F844F1ADF3}" type="presParOf" srcId="{851E5CC9-679F-4CF6-B00F-A025B4DEF2B3}" destId="{2845AC54-25A9-480C-BA9C-51BB56258253}" srcOrd="5" destOrd="0" presId="urn:microsoft.com/office/officeart/2005/8/layout/hList7"/>
-    <dgm:cxn modelId="{03D60AAF-1BEC-4137-BDC3-378217D95B22}" type="presParOf" srcId="{851E5CC9-679F-4CF6-B00F-A025B4DEF2B3}" destId="{A0F9587D-ABCB-432A-96CC-F5DD55802FAC}" srcOrd="6" destOrd="0" presId="urn:microsoft.com/office/officeart/2005/8/layout/hList7"/>
-    <dgm:cxn modelId="{37DC2280-82A1-4382-9A89-5DEECEAF87BB}" type="presParOf" srcId="{A0F9587D-ABCB-432A-96CC-F5DD55802FAC}" destId="{18ED0F76-F5DF-491D-9CFB-8F6AD380878B}" srcOrd="0" destOrd="0" presId="urn:microsoft.com/office/officeart/2005/8/layout/hList7"/>
-    <dgm:cxn modelId="{1A732227-2A2A-4050-A008-9F3110FEBFEA}" type="presParOf" srcId="{A0F9587D-ABCB-432A-96CC-F5DD55802FAC}" destId="{D2B5ABF2-62A0-4C98-A8B2-876D6D32EED4}" srcOrd="1" destOrd="0" presId="urn:microsoft.com/office/officeart/2005/8/layout/hList7"/>
-    <dgm:cxn modelId="{521D2A53-7E85-4EC4-8CF9-7358158A2152}" type="presParOf" srcId="{A0F9587D-ABCB-432A-96CC-F5DD55802FAC}" destId="{E6D3883D-F386-4816-ADFE-CC51982F6734}" srcOrd="2" destOrd="0" presId="urn:microsoft.com/office/officeart/2005/8/layout/hList7"/>
-    <dgm:cxn modelId="{4AFE2913-71CC-41C0-936B-BEFBED3E5189}" type="presParOf" srcId="{A0F9587D-ABCB-432A-96CC-F5DD55802FAC}" destId="{ACE5E6C6-31E7-452F-B70B-4EEB64C97234}" srcOrd="3" destOrd="0" presId="urn:microsoft.com/office/officeart/2005/8/layout/hList7"/>
+    <dgm:cxn modelId="{8080C9F8-DCBF-4BC5-A966-C4A8D698C521}" type="presParOf" srcId="{851E5CC9-679F-4CF6-B00F-A025B4DEF2B3}" destId="{D1EC1FEF-15C3-4F9A-9D53-270133EEC1D0}" srcOrd="6" destOrd="0" presId="urn:microsoft.com/office/officeart/2005/8/layout/hList7"/>
+    <dgm:cxn modelId="{51CD592D-607A-4D91-89B2-A148D42D8582}" type="presParOf" srcId="{D1EC1FEF-15C3-4F9A-9D53-270133EEC1D0}" destId="{9B6DBF9B-EFA6-45E8-AAE9-1FBCC2922B5E}" srcOrd="0" destOrd="0" presId="urn:microsoft.com/office/officeart/2005/8/layout/hList7"/>
+    <dgm:cxn modelId="{A12468B8-FCF9-4350-B9EA-E3173F0A3C31}" type="presParOf" srcId="{D1EC1FEF-15C3-4F9A-9D53-270133EEC1D0}" destId="{31F77346-6636-44FE-8237-42E5F75F0855}" srcOrd="1" destOrd="0" presId="urn:microsoft.com/office/officeart/2005/8/layout/hList7"/>
+    <dgm:cxn modelId="{B97A218B-B398-403F-82AF-6D145B917713}" type="presParOf" srcId="{D1EC1FEF-15C3-4F9A-9D53-270133EEC1D0}" destId="{4E622C03-85B3-4DA6-8471-5CC42DD79CA7}" srcOrd="2" destOrd="0" presId="urn:microsoft.com/office/officeart/2005/8/layout/hList7"/>
+    <dgm:cxn modelId="{5FB15F85-6121-4E75-927D-FFAF6BD0ABF6}" type="presParOf" srcId="{D1EC1FEF-15C3-4F9A-9D53-270133EEC1D0}" destId="{E493E5FB-AA9A-42DE-9CCE-474EDF63F26C}" srcOrd="3" destOrd="0" presId="urn:microsoft.com/office/officeart/2005/8/layout/hList7"/>
   </dgm:cxnLst>
   <dgm:bg/>
   <dgm:whole/>
   <dgm:extLst>
     <a:ext uri="http://schemas.microsoft.com/office/drawing/2008/diagram">
-      <dsp:dataModelExt xmlns:dsp="http://schemas.microsoft.com/office/drawing/2008/diagram" relId="rId9" minVer="http://schemas.openxmlformats.org/drawingml/2006/diagram"/>
+      <dsp:dataModelExt xmlns:dsp="http://schemas.microsoft.com/office/drawing/2008/diagram" relId="rId6" minVer="http://schemas.openxmlformats.org/drawingml/2006/diagram"/>
     </a:ext>
   </dgm:extLst>
 </dgm:dataModel>
@@ -4705,6 +4879,29 @@
             <a:t>High utility</a:t>
           </a:r>
         </a:p>
+        <a:p>
+          <a:pPr marL="57150" lvl="1" indent="-57150" algn="l" defTabSz="488950">
+            <a:lnSpc>
+              <a:spcPct val="90000"/>
+            </a:lnSpc>
+            <a:spcBef>
+              <a:spcPct val="0"/>
+            </a:spcBef>
+            <a:spcAft>
+              <a:spcPct val="15000"/>
+            </a:spcAft>
+            <a:buChar char="••"/>
+          </a:pPr>
+          <a:r>
+            <a:rPr lang="fr-FR" sz="1100" kern="1200" dirty="0" err="1" smtClean="0"/>
+            <a:t>Easy</a:t>
+          </a:r>
+          <a:r>
+            <a:rPr lang="fr-FR" sz="1100" kern="1200" dirty="0" smtClean="0"/>
+            <a:t> to use</a:t>
+          </a:r>
+          <a:endParaRPr lang="fr-FR" sz="1100" kern="1200" dirty="0"/>
+        </a:p>
       </dsp:txBody>
       <dsp:txXfrm>
         <a:off x="593263" y="3354248"/>
@@ -4823,6 +5020,37 @@
           <a:r>
             <a:rPr lang="fr-FR" sz="1100" kern="1200" dirty="0" err="1" smtClean="0"/>
             <a:t>field</a:t>
+          </a:r>
+          <a:endParaRPr lang="fr-FR" sz="1100" kern="1200" dirty="0"/>
+        </a:p>
+        <a:p>
+          <a:pPr marL="57150" lvl="1" indent="-57150" algn="l" defTabSz="488950">
+            <a:lnSpc>
+              <a:spcPct val="90000"/>
+            </a:lnSpc>
+            <a:spcBef>
+              <a:spcPct val="0"/>
+            </a:spcBef>
+            <a:spcAft>
+              <a:spcPct val="15000"/>
+            </a:spcAft>
+            <a:buChar char="••"/>
+          </a:pPr>
+          <a:r>
+            <a:rPr lang="fr-FR" sz="1100" kern="1200" dirty="0" smtClean="0"/>
+            <a:t>Client </a:t>
+          </a:r>
+          <a:r>
+            <a:rPr lang="fr-FR" sz="1100" kern="1200" dirty="0" err="1" smtClean="0"/>
+            <a:t>infrequently</a:t>
+          </a:r>
+          <a:r>
+            <a:rPr lang="fr-FR" sz="1100" kern="1200" dirty="0" smtClean="0"/>
+            <a:t> </a:t>
+          </a:r>
+          <a:r>
+            <a:rPr lang="fr-FR" sz="1100" kern="1200" dirty="0" err="1" smtClean="0"/>
+            <a:t>available</a:t>
           </a:r>
           <a:endParaRPr lang="fr-FR" sz="1100" kern="1200" dirty="0"/>
         </a:p>
@@ -4958,8 +5186,21 @@
           </a:pPr>
           <a:r>
             <a:rPr lang="fr-FR" sz="1100" kern="1200" dirty="0"/>
-            <a:t>Open source packages</a:t>
+            <a:t>Open source </a:t>
           </a:r>
+          <a:r>
+            <a:rPr lang="fr-FR" sz="1100" kern="1200" dirty="0" smtClean="0"/>
+            <a:t>packages (no budget </a:t>
+          </a:r>
+          <a:r>
+            <a:rPr lang="fr-FR" sz="1100" kern="1200" dirty="0" err="1" smtClean="0"/>
+            <a:t>needed</a:t>
+          </a:r>
+          <a:r>
+            <a:rPr lang="fr-FR" sz="1100" kern="1200" dirty="0" smtClean="0"/>
+            <a:t>)</a:t>
+          </a:r>
+          <a:endParaRPr lang="fr-FR" sz="1100" kern="1200" dirty="0"/>
         </a:p>
       </dsp:txBody>
       <dsp:txXfrm>
@@ -6096,8 +6337,8 @@
       </dsp:nvSpPr>
       <dsp:spPr>
         <a:xfrm>
-          <a:off x="1895" y="0"/>
-          <a:ext cx="1986359" cy="5418667"/>
+          <a:off x="1949" y="0"/>
+          <a:ext cx="2043917" cy="4863689"/>
         </a:xfrm>
         <a:prstGeom prst="roundRect">
           <a:avLst>
@@ -6105,7 +6346,7 @@
           </a:avLst>
         </a:prstGeom>
         <a:solidFill>
-          <a:schemeClr val="accent4">
+          <a:schemeClr val="dk2">
             <a:hueOff val="0"/>
             <a:satOff val="0"/>
             <a:lumOff val="0"/>
@@ -6114,373 +6355,7 @@
         </a:solidFill>
         <a:ln w="19050" cap="flat" cmpd="sng" algn="ctr">
           <a:solidFill>
-            <a:schemeClr val="lt1">
-              <a:hueOff val="0"/>
-              <a:satOff val="0"/>
-              <a:lumOff val="0"/>
-              <a:alphaOff val="0"/>
-            </a:schemeClr>
-          </a:solidFill>
-          <a:prstDash val="solid"/>
-          <a:miter lim="800000"/>
-        </a:ln>
-        <a:effectLst/>
-      </dsp:spPr>
-      <dsp:style>
-        <a:lnRef idx="3">
-          <a:scrgbClr r="0" g="0" b="0"/>
-        </a:lnRef>
-        <a:fillRef idx="1">
-          <a:scrgbClr r="0" g="0" b="0"/>
-        </a:fillRef>
-        <a:effectRef idx="1">
-          <a:scrgbClr r="0" g="0" b="0"/>
-        </a:effectRef>
-        <a:fontRef idx="minor">
-          <a:schemeClr val="lt1"/>
-        </a:fontRef>
-      </dsp:style>
-      <dsp:txBody>
-        <a:bodyPr spcFirstLastPara="0" vert="horz" wrap="square" lIns="327152" tIns="327152" rIns="327152" bIns="327152" numCol="1" spcCol="1270" anchor="ctr" anchorCtr="0">
-          <a:noAutofit/>
-        </a:bodyPr>
-        <a:lstStyle/>
-        <a:p>
-          <a:pPr lvl="0" algn="ctr" defTabSz="2044700">
-            <a:lnSpc>
-              <a:spcPct val="90000"/>
-            </a:lnSpc>
-            <a:spcBef>
-              <a:spcPct val="0"/>
-            </a:spcBef>
-            <a:spcAft>
-              <a:spcPct val="35000"/>
-            </a:spcAft>
-          </a:pPr>
-          <a:endParaRPr lang="en-CA" sz="4600" kern="1200"/>
-        </a:p>
-      </dsp:txBody>
-      <dsp:txXfrm>
-        <a:off x="1895" y="2167466"/>
-        <a:ext cx="1986359" cy="2167466"/>
-      </dsp:txXfrm>
-    </dsp:sp>
-    <dsp:sp modelId="{BC5035FA-FF8E-421C-9C1A-CC3F16C8A221}">
-      <dsp:nvSpPr>
-        <dsp:cNvPr id="0" name=""/>
-        <dsp:cNvSpPr/>
-      </dsp:nvSpPr>
-      <dsp:spPr>
-        <a:xfrm>
-          <a:off x="92866" y="325120"/>
-          <a:ext cx="1804416" cy="1804416"/>
-        </a:xfrm>
-        <a:prstGeom prst="ellipse">
-          <a:avLst/>
-        </a:prstGeom>
-        <a:blipFill rotWithShape="1">
-          <a:blip xmlns:r="http://schemas.openxmlformats.org/officeDocument/2006/relationships" r:embed="rId1"/>
-          <a:stretch>
-            <a:fillRect/>
-          </a:stretch>
-        </a:blipFill>
-        <a:ln w="19050" cap="flat" cmpd="sng" algn="ctr">
-          <a:solidFill>
-            <a:schemeClr val="lt1">
-              <a:hueOff val="0"/>
-              <a:satOff val="0"/>
-              <a:lumOff val="0"/>
-              <a:alphaOff val="0"/>
-            </a:schemeClr>
-          </a:solidFill>
-          <a:prstDash val="solid"/>
-          <a:miter lim="800000"/>
-        </a:ln>
-        <a:effectLst/>
-      </dsp:spPr>
-      <dsp:style>
-        <a:lnRef idx="3">
-          <a:scrgbClr r="0" g="0" b="0"/>
-        </a:lnRef>
-        <a:fillRef idx="1">
-          <a:scrgbClr r="0" g="0" b="0"/>
-        </a:fillRef>
-        <a:effectRef idx="1">
-          <a:scrgbClr r="0" g="0" b="0"/>
-        </a:effectRef>
-        <a:fontRef idx="minor"/>
-      </dsp:style>
-    </dsp:sp>
-    <dsp:sp modelId="{AECDF339-533B-4319-9DD1-FE0312AA5FE7}">
-      <dsp:nvSpPr>
-        <dsp:cNvPr id="0" name=""/>
-        <dsp:cNvSpPr/>
-      </dsp:nvSpPr>
-      <dsp:spPr>
-        <a:xfrm>
-          <a:off x="2047845" y="0"/>
-          <a:ext cx="1986359" cy="5418667"/>
-        </a:xfrm>
-        <a:prstGeom prst="roundRect">
-          <a:avLst>
-            <a:gd name="adj" fmla="val 10000"/>
-          </a:avLst>
-        </a:prstGeom>
-        <a:solidFill>
-          <a:schemeClr val="accent4">
-            <a:hueOff val="3465231"/>
-            <a:satOff val="-15989"/>
-            <a:lumOff val="588"/>
-            <a:alphaOff val="0"/>
-          </a:schemeClr>
-        </a:solidFill>
-        <a:ln w="19050" cap="flat" cmpd="sng" algn="ctr">
-          <a:solidFill>
-            <a:schemeClr val="lt1">
-              <a:hueOff val="0"/>
-              <a:satOff val="0"/>
-              <a:lumOff val="0"/>
-              <a:alphaOff val="0"/>
-            </a:schemeClr>
-          </a:solidFill>
-          <a:prstDash val="solid"/>
-          <a:miter lim="800000"/>
-        </a:ln>
-        <a:effectLst/>
-      </dsp:spPr>
-      <dsp:style>
-        <a:lnRef idx="3">
-          <a:scrgbClr r="0" g="0" b="0"/>
-        </a:lnRef>
-        <a:fillRef idx="1">
-          <a:scrgbClr r="0" g="0" b="0"/>
-        </a:fillRef>
-        <a:effectRef idx="1">
-          <a:scrgbClr r="0" g="0" b="0"/>
-        </a:effectRef>
-        <a:fontRef idx="minor">
-          <a:schemeClr val="lt1"/>
-        </a:fontRef>
-      </dsp:style>
-      <dsp:txBody>
-        <a:bodyPr spcFirstLastPara="0" vert="horz" wrap="square" lIns="327152" tIns="327152" rIns="327152" bIns="327152" numCol="1" spcCol="1270" anchor="ctr" anchorCtr="0">
-          <a:noAutofit/>
-        </a:bodyPr>
-        <a:lstStyle/>
-        <a:p>
-          <a:pPr lvl="0" algn="ctr" defTabSz="2044700">
-            <a:lnSpc>
-              <a:spcPct val="90000"/>
-            </a:lnSpc>
-            <a:spcBef>
-              <a:spcPct val="0"/>
-            </a:spcBef>
-            <a:spcAft>
-              <a:spcPct val="35000"/>
-            </a:spcAft>
-          </a:pPr>
-          <a:endParaRPr lang="en-CA" sz="4600" kern="1200" dirty="0"/>
-        </a:p>
-      </dsp:txBody>
-      <dsp:txXfrm>
-        <a:off x="2047845" y="2167466"/>
-        <a:ext cx="1986359" cy="2167466"/>
-      </dsp:txXfrm>
-    </dsp:sp>
-    <dsp:sp modelId="{78D9365F-3E8A-4A62-874D-E842D8E395C6}">
-      <dsp:nvSpPr>
-        <dsp:cNvPr id="0" name=""/>
-        <dsp:cNvSpPr/>
-      </dsp:nvSpPr>
-      <dsp:spPr>
-        <a:xfrm>
-          <a:off x="2138816" y="325120"/>
-          <a:ext cx="1804416" cy="1804416"/>
-        </a:xfrm>
-        <a:prstGeom prst="ellipse">
-          <a:avLst/>
-        </a:prstGeom>
-        <a:blipFill rotWithShape="1">
-          <a:blip xmlns:r="http://schemas.openxmlformats.org/officeDocument/2006/relationships" r:embed="rId2"/>
-          <a:stretch>
-            <a:fillRect/>
-          </a:stretch>
-        </a:blipFill>
-        <a:ln w="19050" cap="flat" cmpd="sng" algn="ctr">
-          <a:solidFill>
-            <a:schemeClr val="lt1">
-              <a:hueOff val="0"/>
-              <a:satOff val="0"/>
-              <a:lumOff val="0"/>
-              <a:alphaOff val="0"/>
-            </a:schemeClr>
-          </a:solidFill>
-          <a:prstDash val="solid"/>
-          <a:miter lim="800000"/>
-        </a:ln>
-        <a:effectLst/>
-      </dsp:spPr>
-      <dsp:style>
-        <a:lnRef idx="3">
-          <a:scrgbClr r="0" g="0" b="0"/>
-        </a:lnRef>
-        <a:fillRef idx="1">
-          <a:scrgbClr r="0" g="0" b="0"/>
-        </a:fillRef>
-        <a:effectRef idx="1">
-          <a:scrgbClr r="0" g="0" b="0"/>
-        </a:effectRef>
-        <a:fontRef idx="minor"/>
-      </dsp:style>
-    </dsp:sp>
-    <dsp:sp modelId="{18E220CA-4E07-4273-9F20-D66E44D1CC15}">
-      <dsp:nvSpPr>
-        <dsp:cNvPr id="0" name=""/>
-        <dsp:cNvSpPr/>
-      </dsp:nvSpPr>
-      <dsp:spPr>
-        <a:xfrm>
-          <a:off x="4093795" y="0"/>
-          <a:ext cx="1986359" cy="5418667"/>
-        </a:xfrm>
-        <a:prstGeom prst="roundRect">
-          <a:avLst>
-            <a:gd name="adj" fmla="val 10000"/>
-          </a:avLst>
-        </a:prstGeom>
-        <a:solidFill>
-          <a:schemeClr val="accent4">
-            <a:hueOff val="6930461"/>
-            <a:satOff val="-31979"/>
-            <a:lumOff val="1177"/>
-            <a:alphaOff val="0"/>
-          </a:schemeClr>
-        </a:solidFill>
-        <a:ln w="19050" cap="flat" cmpd="sng" algn="ctr">
-          <a:solidFill>
-            <a:schemeClr val="lt1">
-              <a:hueOff val="0"/>
-              <a:satOff val="0"/>
-              <a:lumOff val="0"/>
-              <a:alphaOff val="0"/>
-            </a:schemeClr>
-          </a:solidFill>
-          <a:prstDash val="solid"/>
-          <a:miter lim="800000"/>
-        </a:ln>
-        <a:effectLst/>
-      </dsp:spPr>
-      <dsp:style>
-        <a:lnRef idx="3">
-          <a:scrgbClr r="0" g="0" b="0"/>
-        </a:lnRef>
-        <a:fillRef idx="1">
-          <a:scrgbClr r="0" g="0" b="0"/>
-        </a:fillRef>
-        <a:effectRef idx="1">
-          <a:scrgbClr r="0" g="0" b="0"/>
-        </a:effectRef>
-        <a:fontRef idx="minor">
-          <a:schemeClr val="lt1"/>
-        </a:fontRef>
-      </dsp:style>
-      <dsp:txBody>
-        <a:bodyPr spcFirstLastPara="0" vert="horz" wrap="square" lIns="327152" tIns="327152" rIns="327152" bIns="327152" numCol="1" spcCol="1270" anchor="ctr" anchorCtr="0">
-          <a:noAutofit/>
-        </a:bodyPr>
-        <a:lstStyle/>
-        <a:p>
-          <a:pPr lvl="0" algn="ctr" defTabSz="2044700">
-            <a:lnSpc>
-              <a:spcPct val="90000"/>
-            </a:lnSpc>
-            <a:spcBef>
-              <a:spcPct val="0"/>
-            </a:spcBef>
-            <a:spcAft>
-              <a:spcPct val="35000"/>
-            </a:spcAft>
-          </a:pPr>
-          <a:endParaRPr lang="en-CA" sz="4600" kern="1200" dirty="0"/>
-        </a:p>
-      </dsp:txBody>
-      <dsp:txXfrm>
-        <a:off x="4093795" y="2167466"/>
-        <a:ext cx="1986359" cy="2167466"/>
-      </dsp:txXfrm>
-    </dsp:sp>
-    <dsp:sp modelId="{EF6C3C73-EE47-41C6-84F9-732FE297AA13}">
-      <dsp:nvSpPr>
-        <dsp:cNvPr id="0" name=""/>
-        <dsp:cNvSpPr/>
-      </dsp:nvSpPr>
-      <dsp:spPr>
-        <a:xfrm>
-          <a:off x="4184767" y="325120"/>
-          <a:ext cx="1804416" cy="1804416"/>
-        </a:xfrm>
-        <a:prstGeom prst="ellipse">
-          <a:avLst/>
-        </a:prstGeom>
-        <a:blipFill rotWithShape="1">
-          <a:blip xmlns:r="http://schemas.openxmlformats.org/officeDocument/2006/relationships" r:embed="rId3"/>
-          <a:stretch>
-            <a:fillRect/>
-          </a:stretch>
-        </a:blipFill>
-        <a:ln w="19050" cap="flat" cmpd="sng" algn="ctr">
-          <a:solidFill>
-            <a:schemeClr val="lt1">
-              <a:hueOff val="0"/>
-              <a:satOff val="0"/>
-              <a:lumOff val="0"/>
-              <a:alphaOff val="0"/>
-            </a:schemeClr>
-          </a:solidFill>
-          <a:prstDash val="solid"/>
-          <a:miter lim="800000"/>
-        </a:ln>
-        <a:effectLst/>
-      </dsp:spPr>
-      <dsp:style>
-        <a:lnRef idx="3">
-          <a:scrgbClr r="0" g="0" b="0"/>
-        </a:lnRef>
-        <a:fillRef idx="1">
-          <a:scrgbClr r="0" g="0" b="0"/>
-        </a:fillRef>
-        <a:effectRef idx="1">
-          <a:scrgbClr r="0" g="0" b="0"/>
-        </a:effectRef>
-        <a:fontRef idx="minor"/>
-      </dsp:style>
-    </dsp:sp>
-    <dsp:sp modelId="{18ED0F76-F5DF-491D-9CFB-8F6AD380878B}">
-      <dsp:nvSpPr>
-        <dsp:cNvPr id="0" name=""/>
-        <dsp:cNvSpPr/>
-      </dsp:nvSpPr>
-      <dsp:spPr>
-        <a:xfrm>
-          <a:off x="6139745" y="0"/>
-          <a:ext cx="1986359" cy="5418667"/>
-        </a:xfrm>
-        <a:prstGeom prst="roundRect">
-          <a:avLst>
-            <a:gd name="adj" fmla="val 10000"/>
-          </a:avLst>
-        </a:prstGeom>
-        <a:solidFill>
-          <a:schemeClr val="accent4">
-            <a:hueOff val="10395692"/>
-            <a:satOff val="-47968"/>
-            <a:lumOff val="1765"/>
-            <a:alphaOff val="0"/>
-          </a:schemeClr>
-        </a:solidFill>
-        <a:ln w="19050" cap="flat" cmpd="sng" algn="ctr">
-          <a:solidFill>
-            <a:schemeClr val="lt1">
+            <a:schemeClr val="lt2">
               <a:hueOff val="0"/>
               <a:satOff val="0"/>
               <a:lumOff val="0"/>
@@ -6527,19 +6402,385 @@
         </a:p>
       </dsp:txBody>
       <dsp:txXfrm>
-        <a:off x="6139745" y="2167466"/>
-        <a:ext cx="1986359" cy="2167466"/>
+        <a:off x="1949" y="1945475"/>
+        <a:ext cx="2043917" cy="1945475"/>
       </dsp:txXfrm>
     </dsp:sp>
-    <dsp:sp modelId="{ACE5E6C6-31E7-452F-B70B-4EEB64C97234}">
+    <dsp:sp modelId="{BC5035FA-FF8E-421C-9C1A-CC3F16C8A221}">
       <dsp:nvSpPr>
         <dsp:cNvPr id="0" name=""/>
         <dsp:cNvSpPr/>
       </dsp:nvSpPr>
       <dsp:spPr>
         <a:xfrm>
-          <a:off x="6230717" y="325120"/>
-          <a:ext cx="1804416" cy="1804416"/>
+          <a:off x="214104" y="291821"/>
+          <a:ext cx="1619608" cy="1619608"/>
+        </a:xfrm>
+        <a:prstGeom prst="ellipse">
+          <a:avLst/>
+        </a:prstGeom>
+        <a:blipFill rotWithShape="1">
+          <a:blip xmlns:r="http://schemas.openxmlformats.org/officeDocument/2006/relationships" r:embed="rId1"/>
+          <a:stretch>
+            <a:fillRect/>
+          </a:stretch>
+        </a:blipFill>
+        <a:ln w="19050" cap="flat" cmpd="sng" algn="ctr">
+          <a:solidFill>
+            <a:schemeClr val="lt2">
+              <a:hueOff val="0"/>
+              <a:satOff val="0"/>
+              <a:lumOff val="0"/>
+              <a:alphaOff val="0"/>
+            </a:schemeClr>
+          </a:solidFill>
+          <a:prstDash val="solid"/>
+          <a:miter lim="800000"/>
+        </a:ln>
+        <a:effectLst/>
+      </dsp:spPr>
+      <dsp:style>
+        <a:lnRef idx="3">
+          <a:scrgbClr r="0" g="0" b="0"/>
+        </a:lnRef>
+        <a:fillRef idx="1">
+          <a:scrgbClr r="0" g="0" b="0"/>
+        </a:fillRef>
+        <a:effectRef idx="1">
+          <a:scrgbClr r="0" g="0" b="0"/>
+        </a:effectRef>
+        <a:fontRef idx="minor"/>
+      </dsp:style>
+    </dsp:sp>
+    <dsp:sp modelId="{AECDF339-533B-4319-9DD1-FE0312AA5FE7}">
+      <dsp:nvSpPr>
+        <dsp:cNvPr id="0" name=""/>
+        <dsp:cNvSpPr/>
+      </dsp:nvSpPr>
+      <dsp:spPr>
+        <a:xfrm>
+          <a:off x="2107184" y="0"/>
+          <a:ext cx="2043917" cy="4863689"/>
+        </a:xfrm>
+        <a:prstGeom prst="roundRect">
+          <a:avLst>
+            <a:gd name="adj" fmla="val 10000"/>
+          </a:avLst>
+        </a:prstGeom>
+        <a:solidFill>
+          <a:schemeClr val="dk2">
+            <a:hueOff val="0"/>
+            <a:satOff val="0"/>
+            <a:lumOff val="0"/>
+            <a:alphaOff val="0"/>
+          </a:schemeClr>
+        </a:solidFill>
+        <a:ln w="19050" cap="flat" cmpd="sng" algn="ctr">
+          <a:solidFill>
+            <a:schemeClr val="lt2">
+              <a:hueOff val="0"/>
+              <a:satOff val="0"/>
+              <a:lumOff val="0"/>
+              <a:alphaOff val="0"/>
+            </a:schemeClr>
+          </a:solidFill>
+          <a:prstDash val="solid"/>
+          <a:miter lim="800000"/>
+        </a:ln>
+        <a:effectLst/>
+      </dsp:spPr>
+      <dsp:style>
+        <a:lnRef idx="3">
+          <a:scrgbClr r="0" g="0" b="0"/>
+        </a:lnRef>
+        <a:fillRef idx="1">
+          <a:scrgbClr r="0" g="0" b="0"/>
+        </a:fillRef>
+        <a:effectRef idx="1">
+          <a:scrgbClr r="0" g="0" b="0"/>
+        </a:effectRef>
+        <a:fontRef idx="minor">
+          <a:schemeClr val="lt1"/>
+        </a:fontRef>
+      </dsp:style>
+      <dsp:txBody>
+        <a:bodyPr spcFirstLastPara="0" vert="horz" wrap="square" lIns="462280" tIns="462280" rIns="462280" bIns="462280" numCol="1" spcCol="1270" anchor="ctr" anchorCtr="0">
+          <a:noAutofit/>
+        </a:bodyPr>
+        <a:lstStyle/>
+        <a:p>
+          <a:pPr lvl="0" algn="ctr" defTabSz="2889250">
+            <a:lnSpc>
+              <a:spcPct val="90000"/>
+            </a:lnSpc>
+            <a:spcBef>
+              <a:spcPct val="0"/>
+            </a:spcBef>
+            <a:spcAft>
+              <a:spcPct val="35000"/>
+            </a:spcAft>
+          </a:pPr>
+          <a:endParaRPr lang="en-CA" sz="6500" kern="1200" dirty="0"/>
+        </a:p>
+      </dsp:txBody>
+      <dsp:txXfrm>
+        <a:off x="2107184" y="1945475"/>
+        <a:ext cx="2043917" cy="1945475"/>
+      </dsp:txXfrm>
+    </dsp:sp>
+    <dsp:sp modelId="{78D9365F-3E8A-4A62-874D-E842D8E395C6}">
+      <dsp:nvSpPr>
+        <dsp:cNvPr id="0" name=""/>
+        <dsp:cNvSpPr/>
+      </dsp:nvSpPr>
+      <dsp:spPr>
+        <a:xfrm>
+          <a:off x="2319339" y="291821"/>
+          <a:ext cx="1619608" cy="1619608"/>
+        </a:xfrm>
+        <a:prstGeom prst="ellipse">
+          <a:avLst/>
+        </a:prstGeom>
+        <a:blipFill rotWithShape="1">
+          <a:blip xmlns:r="http://schemas.openxmlformats.org/officeDocument/2006/relationships" r:embed="rId2"/>
+          <a:stretch>
+            <a:fillRect/>
+          </a:stretch>
+        </a:blipFill>
+        <a:ln w="19050" cap="flat" cmpd="sng" algn="ctr">
+          <a:solidFill>
+            <a:schemeClr val="lt2">
+              <a:hueOff val="0"/>
+              <a:satOff val="0"/>
+              <a:lumOff val="0"/>
+              <a:alphaOff val="0"/>
+            </a:schemeClr>
+          </a:solidFill>
+          <a:prstDash val="solid"/>
+          <a:miter lim="800000"/>
+        </a:ln>
+        <a:effectLst/>
+      </dsp:spPr>
+      <dsp:style>
+        <a:lnRef idx="3">
+          <a:scrgbClr r="0" g="0" b="0"/>
+        </a:lnRef>
+        <a:fillRef idx="1">
+          <a:scrgbClr r="0" g="0" b="0"/>
+        </a:fillRef>
+        <a:effectRef idx="1">
+          <a:scrgbClr r="0" g="0" b="0"/>
+        </a:effectRef>
+        <a:fontRef idx="minor"/>
+      </dsp:style>
+    </dsp:sp>
+    <dsp:sp modelId="{18E220CA-4E07-4273-9F20-D66E44D1CC15}">
+      <dsp:nvSpPr>
+        <dsp:cNvPr id="0" name=""/>
+        <dsp:cNvSpPr/>
+      </dsp:nvSpPr>
+      <dsp:spPr>
+        <a:xfrm>
+          <a:off x="4212419" y="0"/>
+          <a:ext cx="2043917" cy="4863689"/>
+        </a:xfrm>
+        <a:prstGeom prst="roundRect">
+          <a:avLst>
+            <a:gd name="adj" fmla="val 10000"/>
+          </a:avLst>
+        </a:prstGeom>
+        <a:solidFill>
+          <a:schemeClr val="dk2">
+            <a:hueOff val="0"/>
+            <a:satOff val="0"/>
+            <a:lumOff val="0"/>
+            <a:alphaOff val="0"/>
+          </a:schemeClr>
+        </a:solidFill>
+        <a:ln w="19050" cap="flat" cmpd="sng" algn="ctr">
+          <a:solidFill>
+            <a:schemeClr val="lt2">
+              <a:hueOff val="0"/>
+              <a:satOff val="0"/>
+              <a:lumOff val="0"/>
+              <a:alphaOff val="0"/>
+            </a:schemeClr>
+          </a:solidFill>
+          <a:prstDash val="solid"/>
+          <a:miter lim="800000"/>
+        </a:ln>
+        <a:effectLst/>
+      </dsp:spPr>
+      <dsp:style>
+        <a:lnRef idx="3">
+          <a:scrgbClr r="0" g="0" b="0"/>
+        </a:lnRef>
+        <a:fillRef idx="1">
+          <a:scrgbClr r="0" g="0" b="0"/>
+        </a:fillRef>
+        <a:effectRef idx="1">
+          <a:scrgbClr r="0" g="0" b="0"/>
+        </a:effectRef>
+        <a:fontRef idx="minor">
+          <a:schemeClr val="lt1"/>
+        </a:fontRef>
+      </dsp:style>
+      <dsp:txBody>
+        <a:bodyPr spcFirstLastPara="0" vert="horz" wrap="square" lIns="462280" tIns="462280" rIns="462280" bIns="462280" numCol="1" spcCol="1270" anchor="ctr" anchorCtr="0">
+          <a:noAutofit/>
+        </a:bodyPr>
+        <a:lstStyle/>
+        <a:p>
+          <a:pPr lvl="0" algn="ctr" defTabSz="2889250">
+            <a:lnSpc>
+              <a:spcPct val="90000"/>
+            </a:lnSpc>
+            <a:spcBef>
+              <a:spcPct val="0"/>
+            </a:spcBef>
+            <a:spcAft>
+              <a:spcPct val="35000"/>
+            </a:spcAft>
+          </a:pPr>
+          <a:endParaRPr lang="en-CA" sz="6500" kern="1200" dirty="0"/>
+        </a:p>
+      </dsp:txBody>
+      <dsp:txXfrm>
+        <a:off x="4212419" y="1945475"/>
+        <a:ext cx="2043917" cy="1945475"/>
+      </dsp:txXfrm>
+    </dsp:sp>
+    <dsp:sp modelId="{EF6C3C73-EE47-41C6-84F9-732FE297AA13}">
+      <dsp:nvSpPr>
+        <dsp:cNvPr id="0" name=""/>
+        <dsp:cNvSpPr/>
+      </dsp:nvSpPr>
+      <dsp:spPr>
+        <a:xfrm>
+          <a:off x="4424574" y="291821"/>
+          <a:ext cx="1619608" cy="1619608"/>
+        </a:xfrm>
+        <a:prstGeom prst="ellipse">
+          <a:avLst/>
+        </a:prstGeom>
+        <a:blipFill rotWithShape="1">
+          <a:blip xmlns:r="http://schemas.openxmlformats.org/officeDocument/2006/relationships" r:embed="rId3"/>
+          <a:stretch>
+            <a:fillRect/>
+          </a:stretch>
+        </a:blipFill>
+        <a:ln w="19050" cap="flat" cmpd="sng" algn="ctr">
+          <a:solidFill>
+            <a:schemeClr val="lt2">
+              <a:hueOff val="0"/>
+              <a:satOff val="0"/>
+              <a:lumOff val="0"/>
+              <a:alphaOff val="0"/>
+            </a:schemeClr>
+          </a:solidFill>
+          <a:prstDash val="solid"/>
+          <a:miter lim="800000"/>
+        </a:ln>
+        <a:effectLst/>
+      </dsp:spPr>
+      <dsp:style>
+        <a:lnRef idx="3">
+          <a:scrgbClr r="0" g="0" b="0"/>
+        </a:lnRef>
+        <a:fillRef idx="1">
+          <a:scrgbClr r="0" g="0" b="0"/>
+        </a:fillRef>
+        <a:effectRef idx="1">
+          <a:scrgbClr r="0" g="0" b="0"/>
+        </a:effectRef>
+        <a:fontRef idx="minor"/>
+      </dsp:style>
+    </dsp:sp>
+    <dsp:sp modelId="{9B6DBF9B-EFA6-45E8-AAE9-1FBCC2922B5E}">
+      <dsp:nvSpPr>
+        <dsp:cNvPr id="0" name=""/>
+        <dsp:cNvSpPr/>
+      </dsp:nvSpPr>
+      <dsp:spPr>
+        <a:xfrm>
+          <a:off x="6317654" y="0"/>
+          <a:ext cx="2043917" cy="4863689"/>
+        </a:xfrm>
+        <a:prstGeom prst="roundRect">
+          <a:avLst>
+            <a:gd name="adj" fmla="val 10000"/>
+          </a:avLst>
+        </a:prstGeom>
+        <a:solidFill>
+          <a:schemeClr val="dk2">
+            <a:hueOff val="0"/>
+            <a:satOff val="0"/>
+            <a:lumOff val="0"/>
+            <a:alphaOff val="0"/>
+          </a:schemeClr>
+        </a:solidFill>
+        <a:ln w="19050" cap="flat" cmpd="sng" algn="ctr">
+          <a:solidFill>
+            <a:schemeClr val="lt2">
+              <a:hueOff val="0"/>
+              <a:satOff val="0"/>
+              <a:lumOff val="0"/>
+              <a:alphaOff val="0"/>
+            </a:schemeClr>
+          </a:solidFill>
+          <a:prstDash val="solid"/>
+          <a:miter lim="800000"/>
+        </a:ln>
+        <a:effectLst/>
+      </dsp:spPr>
+      <dsp:style>
+        <a:lnRef idx="3">
+          <a:scrgbClr r="0" g="0" b="0"/>
+        </a:lnRef>
+        <a:fillRef idx="1">
+          <a:scrgbClr r="0" g="0" b="0"/>
+        </a:fillRef>
+        <a:effectRef idx="1">
+          <a:scrgbClr r="0" g="0" b="0"/>
+        </a:effectRef>
+        <a:fontRef idx="minor">
+          <a:schemeClr val="lt1"/>
+        </a:fontRef>
+      </dsp:style>
+      <dsp:txBody>
+        <a:bodyPr spcFirstLastPara="0" vert="horz" wrap="square" lIns="462280" tIns="462280" rIns="462280" bIns="462280" numCol="1" spcCol="1270" anchor="ctr" anchorCtr="0">
+          <a:noAutofit/>
+        </a:bodyPr>
+        <a:lstStyle/>
+        <a:p>
+          <a:pPr lvl="0" algn="ctr" defTabSz="2889250">
+            <a:lnSpc>
+              <a:spcPct val="90000"/>
+            </a:lnSpc>
+            <a:spcBef>
+              <a:spcPct val="0"/>
+            </a:spcBef>
+            <a:spcAft>
+              <a:spcPct val="35000"/>
+            </a:spcAft>
+          </a:pPr>
+          <a:endParaRPr lang="en-CA" sz="6500" kern="1200" dirty="0"/>
+        </a:p>
+      </dsp:txBody>
+      <dsp:txXfrm>
+        <a:off x="6317654" y="1945475"/>
+        <a:ext cx="2043917" cy="1945475"/>
+      </dsp:txXfrm>
+    </dsp:sp>
+    <dsp:sp modelId="{E493E5FB-AA9A-42DE-9CCE-474EDF63F26C}">
+      <dsp:nvSpPr>
+        <dsp:cNvPr id="0" name=""/>
+        <dsp:cNvSpPr/>
+      </dsp:nvSpPr>
+      <dsp:spPr>
+        <a:xfrm>
+          <a:off x="6529809" y="291821"/>
+          <a:ext cx="1619608" cy="1619608"/>
         </a:xfrm>
         <a:prstGeom prst="ellipse">
           <a:avLst/>
@@ -6552,7 +6793,7 @@
         </a:blipFill>
         <a:ln w="19050" cap="flat" cmpd="sng" algn="ctr">
           <a:solidFill>
-            <a:schemeClr val="lt1">
+            <a:schemeClr val="lt2">
               <a:hueOff val="0"/>
               <a:satOff val="0"/>
               <a:lumOff val="0"/>
@@ -6583,31 +6824,16 @@
         <dsp:cNvSpPr/>
       </dsp:nvSpPr>
       <dsp:spPr>
-        <a:xfrm>
-          <a:off x="325119" y="4334933"/>
-          <a:ext cx="7477760" cy="812800"/>
+        <a:xfrm flipH="1">
+          <a:off x="4508466" y="3876524"/>
+          <a:ext cx="1553507" cy="525387"/>
         </a:xfrm>
         <a:prstGeom prst="leftRightArrow">
           <a:avLst/>
         </a:prstGeom>
-        <a:solidFill>
-          <a:schemeClr val="accent4">
-            <a:tint val="40000"/>
-            <a:hueOff val="0"/>
-            <a:satOff val="0"/>
-            <a:lumOff val="0"/>
-            <a:alphaOff val="0"/>
-          </a:schemeClr>
-        </a:solidFill>
+        <a:noFill/>
         <a:ln w="19050" cap="flat" cmpd="sng" algn="ctr">
-          <a:solidFill>
-            <a:schemeClr val="lt1">
-              <a:hueOff val="0"/>
-              <a:satOff val="0"/>
-              <a:lumOff val="0"/>
-              <a:alphaOff val="0"/>
-            </a:schemeClr>
-          </a:solidFill>
+          <a:noFill/>
           <a:prstDash val="solid"/>
           <a:miter lim="800000"/>
         </a:ln>
@@ -12133,8 +12359,8 @@
         </p:nvSpPr>
         <p:spPr>
           <a:xfrm>
-            <a:off x="3251762" y="545149"/>
-            <a:ext cx="5688477" cy="646331"/>
+            <a:off x="3251762" y="314317"/>
+            <a:ext cx="5688477" cy="1107996"/>
           </a:xfrm>
           <a:prstGeom prst="rect">
             <a:avLst/>
@@ -12149,14 +12375,14 @@
           <a:p>
             <a:pPr algn="ctr"/>
             <a:r>
-              <a:rPr lang="fr-FR" sz="3600" dirty="0" err="1" smtClean="0">
+              <a:rPr lang="fr-FR" sz="6600" dirty="0" err="1" smtClean="0">
                 <a:solidFill>
                   <a:schemeClr val="bg1"/>
                 </a:solidFill>
               </a:rPr>
               <a:t>CelloMap</a:t>
             </a:r>
-            <a:endParaRPr lang="fr-FR" sz="3600" dirty="0">
+            <a:endParaRPr lang="fr-FR" sz="6600" dirty="0">
               <a:solidFill>
                 <a:schemeClr val="bg1"/>
               </a:solidFill>
@@ -20663,8 +20889,8 @@
               <a:t>Identification of non-canonical </a:t>
             </a:r>
             <a:r>
-              <a:rPr lang="fr-FR" sz="2000" dirty="0" err="1"/>
-              <a:t>genes</a:t>
+              <a:rPr lang="fr-FR" sz="2000" dirty="0" err="1" smtClean="0"/>
+              <a:t>pathways</a:t>
             </a:r>
             <a:endParaRPr lang="fr-FR" sz="2000" dirty="0"/>
           </a:p>
@@ -20818,6 +21044,2811 @@
           </a:p>
         </p:txBody>
       </p:sp>
+      <p:sp>
+        <p:nvSpPr>
+          <p:cNvPr id="3" name="Title 1"/>
+          <p:cNvSpPr txBox="1">
+            <a:spLocks/>
+          </p:cNvSpPr>
+          <p:nvPr/>
+        </p:nvSpPr>
+        <p:spPr>
+          <a:xfrm>
+            <a:off x="648393" y="2101646"/>
+            <a:ext cx="8095558" cy="733833"/>
+          </a:xfrm>
+          <a:prstGeom prst="rect">
+            <a:avLst/>
+          </a:prstGeom>
+        </p:spPr>
+        <p:txBody>
+          <a:bodyPr/>
+          <a:lstStyle>
+            <a:lvl1pPr algn="l" defTabSz="914400" rtl="0" eaLnBrk="1" latinLnBrk="0" hangingPunct="1">
+              <a:lnSpc>
+                <a:spcPct val="90000"/>
+              </a:lnSpc>
+              <a:spcBef>
+                <a:spcPct val="0"/>
+              </a:spcBef>
+              <a:buNone/>
+              <a:defRPr sz="4400" kern="1200">
+                <a:solidFill>
+                  <a:schemeClr val="tx1"/>
+                </a:solidFill>
+                <a:latin typeface="+mj-lt"/>
+                <a:ea typeface="+mj-ea"/>
+                <a:cs typeface="+mj-cs"/>
+              </a:defRPr>
+            </a:lvl1pPr>
+          </a:lstStyle>
+          <a:p>
+            <a:r>
+              <a:rPr lang="fr-FR" dirty="0" err="1" smtClean="0"/>
+              <a:t>What</a:t>
+            </a:r>
+            <a:r>
+              <a:rPr lang="fr-FR" dirty="0" smtClean="0"/>
+              <a:t> are non-canonical </a:t>
+            </a:r>
+            <a:r>
+              <a:rPr lang="fr-FR" dirty="0" err="1" smtClean="0"/>
+              <a:t>pathways</a:t>
+            </a:r>
+            <a:r>
+              <a:rPr lang="fr-FR" dirty="0" smtClean="0"/>
+              <a:t>?</a:t>
+            </a:r>
+            <a:endParaRPr lang="fr-FR" dirty="0"/>
+          </a:p>
+        </p:txBody>
+      </p:sp>
+      <p:grpSp>
+        <p:nvGrpSpPr>
+          <p:cNvPr id="66" name="Group 65"/>
+          <p:cNvGrpSpPr/>
+          <p:nvPr/>
+        </p:nvGrpSpPr>
+        <p:grpSpPr>
+          <a:xfrm>
+            <a:off x="1542722" y="2782093"/>
+            <a:ext cx="1658766" cy="3712005"/>
+            <a:chOff x="1542722" y="2782093"/>
+            <a:chExt cx="1658766" cy="3712005"/>
+          </a:xfrm>
+        </p:grpSpPr>
+        <p:sp>
+          <p:nvSpPr>
+            <p:cNvPr id="25" name="Flèche droite 3"/>
+            <p:cNvSpPr/>
+            <p:nvPr/>
+          </p:nvSpPr>
+          <p:spPr>
+            <a:xfrm rot="16200000">
+              <a:off x="1967968" y="5538015"/>
+              <a:ext cx="800291" cy="373210"/>
+            </a:xfrm>
+            <a:prstGeom prst="rightArrow">
+              <a:avLst/>
+            </a:prstGeom>
+            <a:solidFill>
+              <a:schemeClr val="accent4">
+                <a:lumMod val="60000"/>
+                <a:lumOff val="40000"/>
+              </a:schemeClr>
+            </a:solidFill>
+            <a:ln>
+              <a:solidFill>
+                <a:schemeClr val="tx1"/>
+              </a:solidFill>
+            </a:ln>
+          </p:spPr>
+          <p:style>
+            <a:lnRef idx="2">
+              <a:schemeClr val="accent1">
+                <a:shade val="50000"/>
+              </a:schemeClr>
+            </a:lnRef>
+            <a:fillRef idx="1">
+              <a:schemeClr val="accent1"/>
+            </a:fillRef>
+            <a:effectRef idx="0">
+              <a:schemeClr val="accent1"/>
+            </a:effectRef>
+            <a:fontRef idx="minor">
+              <a:schemeClr val="lt1"/>
+            </a:fontRef>
+          </p:style>
+          <p:txBody>
+            <a:bodyPr rtlCol="0" anchor="ctr"/>
+            <a:lstStyle/>
+            <a:p>
+              <a:pPr algn="ctr"/>
+              <a:endParaRPr lang="fr-FR"/>
+            </a:p>
+          </p:txBody>
+        </p:sp>
+        <p:sp>
+          <p:nvSpPr>
+            <p:cNvPr id="14" name="ZoneTexte 1"/>
+            <p:cNvSpPr txBox="1"/>
+            <p:nvPr/>
+          </p:nvSpPr>
+          <p:spPr>
+            <a:xfrm>
+              <a:off x="1729622" y="3871913"/>
+              <a:ext cx="1280479" cy="369332"/>
+            </a:xfrm>
+            <a:prstGeom prst="rect">
+              <a:avLst/>
+            </a:prstGeom>
+            <a:noFill/>
+          </p:spPr>
+          <p:txBody>
+            <a:bodyPr wrap="none" rtlCol="0">
+              <a:spAutoFit/>
+            </a:bodyPr>
+            <a:lstStyle/>
+            <a:p>
+              <a:r>
+                <a:rPr lang="fr-FR" dirty="0" smtClean="0"/>
+                <a:t>Fructose 6P</a:t>
+              </a:r>
+              <a:endParaRPr lang="fr-FR" dirty="0"/>
+            </a:p>
+          </p:txBody>
+        </p:sp>
+        <p:sp>
+          <p:nvSpPr>
+            <p:cNvPr id="15" name="ZoneTexte 5"/>
+            <p:cNvSpPr txBox="1"/>
+            <p:nvPr/>
+          </p:nvSpPr>
+          <p:spPr>
+            <a:xfrm>
+              <a:off x="1865962" y="6124766"/>
+              <a:ext cx="1009956" cy="369332"/>
+            </a:xfrm>
+            <a:prstGeom prst="rect">
+              <a:avLst/>
+            </a:prstGeom>
+            <a:noFill/>
+          </p:spPr>
+          <p:txBody>
+            <a:bodyPr wrap="none" rtlCol="0">
+              <a:spAutoFit/>
+            </a:bodyPr>
+            <a:lstStyle/>
+            <a:p>
+              <a:r>
+                <a:rPr lang="fr-FR" dirty="0" smtClean="0"/>
+                <a:t>Pyruvate</a:t>
+              </a:r>
+              <a:endParaRPr lang="fr-FR" dirty="0"/>
+            </a:p>
+          </p:txBody>
+        </p:sp>
+        <p:sp>
+          <p:nvSpPr>
+            <p:cNvPr id="19" name="Flèche droite 3"/>
+            <p:cNvSpPr/>
+            <p:nvPr/>
+          </p:nvSpPr>
+          <p:spPr>
+            <a:xfrm rot="16200000">
+              <a:off x="2009535" y="4454584"/>
+              <a:ext cx="717147" cy="373210"/>
+            </a:xfrm>
+            <a:prstGeom prst="rightArrow">
+              <a:avLst/>
+            </a:prstGeom>
+            <a:solidFill>
+              <a:schemeClr val="accent4">
+                <a:lumMod val="60000"/>
+                <a:lumOff val="40000"/>
+              </a:schemeClr>
+            </a:solidFill>
+            <a:ln>
+              <a:solidFill>
+                <a:schemeClr val="tx1"/>
+              </a:solidFill>
+            </a:ln>
+          </p:spPr>
+          <p:style>
+            <a:lnRef idx="2">
+              <a:schemeClr val="accent1">
+                <a:shade val="50000"/>
+              </a:schemeClr>
+            </a:lnRef>
+            <a:fillRef idx="1">
+              <a:schemeClr val="accent1"/>
+            </a:fillRef>
+            <a:effectRef idx="0">
+              <a:schemeClr val="accent1"/>
+            </a:effectRef>
+            <a:fontRef idx="minor">
+              <a:schemeClr val="lt1"/>
+            </a:fontRef>
+          </p:style>
+          <p:txBody>
+            <a:bodyPr rtlCol="0" anchor="ctr"/>
+            <a:lstStyle/>
+            <a:p>
+              <a:pPr algn="ctr"/>
+              <a:endParaRPr lang="fr-FR"/>
+            </a:p>
+          </p:txBody>
+        </p:sp>
+        <p:sp>
+          <p:nvSpPr>
+            <p:cNvPr id="27" name="ZoneTexte 1"/>
+            <p:cNvSpPr txBox="1"/>
+            <p:nvPr/>
+          </p:nvSpPr>
+          <p:spPr>
+            <a:xfrm>
+              <a:off x="1542722" y="4955142"/>
+              <a:ext cx="1650773" cy="369332"/>
+            </a:xfrm>
+            <a:prstGeom prst="rect">
+              <a:avLst/>
+            </a:prstGeom>
+            <a:noFill/>
+          </p:spPr>
+          <p:txBody>
+            <a:bodyPr wrap="none" rtlCol="0">
+              <a:spAutoFit/>
+            </a:bodyPr>
+            <a:lstStyle/>
+            <a:p>
+              <a:r>
+                <a:rPr lang="fr-FR" dirty="0" smtClean="0"/>
+                <a:t>Fructose -1,6BP</a:t>
+              </a:r>
+              <a:endParaRPr lang="fr-FR" dirty="0"/>
+            </a:p>
+          </p:txBody>
+        </p:sp>
+        <p:sp>
+          <p:nvSpPr>
+            <p:cNvPr id="28" name="Rectangle 27"/>
+            <p:cNvSpPr/>
+            <p:nvPr/>
+          </p:nvSpPr>
+          <p:spPr>
+            <a:xfrm>
+              <a:off x="2283618" y="5941132"/>
+              <a:ext cx="171451" cy="100893"/>
+            </a:xfrm>
+            <a:prstGeom prst="rect">
+              <a:avLst/>
+            </a:prstGeom>
+            <a:solidFill>
+              <a:schemeClr val="bg1"/>
+            </a:solidFill>
+            <a:ln>
+              <a:noFill/>
+            </a:ln>
+          </p:spPr>
+          <p:style>
+            <a:lnRef idx="2">
+              <a:schemeClr val="accent1">
+                <a:shade val="50000"/>
+              </a:schemeClr>
+            </a:lnRef>
+            <a:fillRef idx="1">
+              <a:schemeClr val="accent1"/>
+            </a:fillRef>
+            <a:effectRef idx="0">
+              <a:schemeClr val="accent1"/>
+            </a:effectRef>
+            <a:fontRef idx="minor">
+              <a:schemeClr val="lt1"/>
+            </a:fontRef>
+          </p:style>
+          <p:txBody>
+            <a:bodyPr rtlCol="0" anchor="ctr"/>
+            <a:lstStyle/>
+            <a:p>
+              <a:pPr algn="ctr"/>
+              <a:endParaRPr lang="en-CA"/>
+            </a:p>
+          </p:txBody>
+        </p:sp>
+        <p:sp>
+          <p:nvSpPr>
+            <p:cNvPr id="30" name="Rectangle 29"/>
+            <p:cNvSpPr/>
+            <p:nvPr/>
+          </p:nvSpPr>
+          <p:spPr>
+            <a:xfrm>
+              <a:off x="2283618" y="5772515"/>
+              <a:ext cx="171451" cy="100893"/>
+            </a:xfrm>
+            <a:prstGeom prst="rect">
+              <a:avLst/>
+            </a:prstGeom>
+            <a:solidFill>
+              <a:schemeClr val="bg1"/>
+            </a:solidFill>
+            <a:ln>
+              <a:noFill/>
+            </a:ln>
+          </p:spPr>
+          <p:style>
+            <a:lnRef idx="2">
+              <a:schemeClr val="accent1">
+                <a:shade val="50000"/>
+              </a:schemeClr>
+            </a:lnRef>
+            <a:fillRef idx="1">
+              <a:schemeClr val="accent1"/>
+            </a:fillRef>
+            <a:effectRef idx="0">
+              <a:schemeClr val="accent1"/>
+            </a:effectRef>
+            <a:fontRef idx="minor">
+              <a:schemeClr val="lt1"/>
+            </a:fontRef>
+          </p:style>
+          <p:txBody>
+            <a:bodyPr rtlCol="0" anchor="ctr"/>
+            <a:lstStyle/>
+            <a:p>
+              <a:pPr algn="ctr"/>
+              <a:endParaRPr lang="en-CA"/>
+            </a:p>
+          </p:txBody>
+        </p:sp>
+        <p:sp>
+          <p:nvSpPr>
+            <p:cNvPr id="31" name="Rectangle 30"/>
+            <p:cNvSpPr/>
+            <p:nvPr/>
+          </p:nvSpPr>
+          <p:spPr>
+            <a:xfrm>
+              <a:off x="2283618" y="5600811"/>
+              <a:ext cx="171451" cy="100893"/>
+            </a:xfrm>
+            <a:prstGeom prst="rect">
+              <a:avLst/>
+            </a:prstGeom>
+            <a:solidFill>
+              <a:schemeClr val="bg1"/>
+            </a:solidFill>
+            <a:ln>
+              <a:noFill/>
+            </a:ln>
+          </p:spPr>
+          <p:style>
+            <a:lnRef idx="2">
+              <a:schemeClr val="accent1">
+                <a:shade val="50000"/>
+              </a:schemeClr>
+            </a:lnRef>
+            <a:fillRef idx="1">
+              <a:schemeClr val="accent1"/>
+            </a:fillRef>
+            <a:effectRef idx="0">
+              <a:schemeClr val="accent1"/>
+            </a:effectRef>
+            <a:fontRef idx="minor">
+              <a:schemeClr val="lt1"/>
+            </a:fontRef>
+          </p:style>
+          <p:txBody>
+            <a:bodyPr rtlCol="0" anchor="ctr"/>
+            <a:lstStyle/>
+            <a:p>
+              <a:pPr algn="ctr"/>
+              <a:endParaRPr lang="en-CA"/>
+            </a:p>
+          </p:txBody>
+        </p:sp>
+        <p:sp>
+          <p:nvSpPr>
+            <p:cNvPr id="33" name="ZoneTexte 1"/>
+            <p:cNvSpPr txBox="1"/>
+            <p:nvPr/>
+          </p:nvSpPr>
+          <p:spPr>
+            <a:xfrm>
+              <a:off x="2550348" y="4264213"/>
+              <a:ext cx="651140" cy="369332"/>
+            </a:xfrm>
+            <a:prstGeom prst="rect">
+              <a:avLst/>
+            </a:prstGeom>
+            <a:noFill/>
+          </p:spPr>
+          <p:txBody>
+            <a:bodyPr wrap="none" rtlCol="0">
+              <a:spAutoFit/>
+            </a:bodyPr>
+            <a:lstStyle/>
+            <a:p>
+              <a:r>
+                <a:rPr lang="fr-FR" dirty="0" smtClean="0">
+                  <a:solidFill>
+                    <a:srgbClr val="FF0000"/>
+                  </a:solidFill>
+                </a:rPr>
+                <a:t>FBP1</a:t>
+              </a:r>
+              <a:endParaRPr lang="fr-FR" dirty="0">
+                <a:solidFill>
+                  <a:srgbClr val="FF0000"/>
+                </a:solidFill>
+              </a:endParaRPr>
+            </a:p>
+          </p:txBody>
+        </p:sp>
+        <p:sp>
+          <p:nvSpPr>
+            <p:cNvPr id="34" name="ZoneTexte 1"/>
+            <p:cNvSpPr txBox="1"/>
+            <p:nvPr/>
+          </p:nvSpPr>
+          <p:spPr>
+            <a:xfrm>
+              <a:off x="2550348" y="4544440"/>
+              <a:ext cx="651140" cy="369332"/>
+            </a:xfrm>
+            <a:prstGeom prst="rect">
+              <a:avLst/>
+            </a:prstGeom>
+            <a:noFill/>
+          </p:spPr>
+          <p:txBody>
+            <a:bodyPr wrap="none" rtlCol="0">
+              <a:spAutoFit/>
+            </a:bodyPr>
+            <a:lstStyle/>
+            <a:p>
+              <a:r>
+                <a:rPr lang="fr-FR" dirty="0" smtClean="0"/>
+                <a:t>FBP2</a:t>
+              </a:r>
+              <a:endParaRPr lang="fr-FR" dirty="0"/>
+            </a:p>
+          </p:txBody>
+        </p:sp>
+        <p:sp>
+          <p:nvSpPr>
+            <p:cNvPr id="35" name="Flèche droite 3"/>
+            <p:cNvSpPr/>
+            <p:nvPr/>
+          </p:nvSpPr>
+          <p:spPr>
+            <a:xfrm rot="16200000">
+              <a:off x="1967963" y="3368856"/>
+              <a:ext cx="800291" cy="373210"/>
+            </a:xfrm>
+            <a:prstGeom prst="rightArrow">
+              <a:avLst/>
+            </a:prstGeom>
+            <a:solidFill>
+              <a:schemeClr val="accent4">
+                <a:lumMod val="60000"/>
+                <a:lumOff val="40000"/>
+              </a:schemeClr>
+            </a:solidFill>
+            <a:ln>
+              <a:solidFill>
+                <a:schemeClr val="tx1"/>
+              </a:solidFill>
+            </a:ln>
+          </p:spPr>
+          <p:style>
+            <a:lnRef idx="2">
+              <a:schemeClr val="accent1">
+                <a:shade val="50000"/>
+              </a:schemeClr>
+            </a:lnRef>
+            <a:fillRef idx="1">
+              <a:schemeClr val="accent1"/>
+            </a:fillRef>
+            <a:effectRef idx="0">
+              <a:schemeClr val="accent1"/>
+            </a:effectRef>
+            <a:fontRef idx="minor">
+              <a:schemeClr val="lt1"/>
+            </a:fontRef>
+          </p:style>
+          <p:txBody>
+            <a:bodyPr rtlCol="0" anchor="ctr"/>
+            <a:lstStyle/>
+            <a:p>
+              <a:pPr algn="ctr"/>
+              <a:endParaRPr lang="fr-FR"/>
+            </a:p>
+          </p:txBody>
+        </p:sp>
+        <p:sp>
+          <p:nvSpPr>
+            <p:cNvPr id="36" name="Rectangle 35"/>
+            <p:cNvSpPr/>
+            <p:nvPr/>
+          </p:nvSpPr>
+          <p:spPr>
+            <a:xfrm>
+              <a:off x="2283613" y="3771973"/>
+              <a:ext cx="171451" cy="100893"/>
+            </a:xfrm>
+            <a:prstGeom prst="rect">
+              <a:avLst/>
+            </a:prstGeom>
+            <a:solidFill>
+              <a:schemeClr val="bg1"/>
+            </a:solidFill>
+            <a:ln>
+              <a:noFill/>
+            </a:ln>
+          </p:spPr>
+          <p:style>
+            <a:lnRef idx="2">
+              <a:schemeClr val="accent1">
+                <a:shade val="50000"/>
+              </a:schemeClr>
+            </a:lnRef>
+            <a:fillRef idx="1">
+              <a:schemeClr val="accent1"/>
+            </a:fillRef>
+            <a:effectRef idx="0">
+              <a:schemeClr val="accent1"/>
+            </a:effectRef>
+            <a:fontRef idx="minor">
+              <a:schemeClr val="lt1"/>
+            </a:fontRef>
+          </p:style>
+          <p:txBody>
+            <a:bodyPr rtlCol="0" anchor="ctr"/>
+            <a:lstStyle/>
+            <a:p>
+              <a:pPr algn="ctr"/>
+              <a:endParaRPr lang="en-CA"/>
+            </a:p>
+          </p:txBody>
+        </p:sp>
+        <p:sp>
+          <p:nvSpPr>
+            <p:cNvPr id="37" name="Rectangle 36"/>
+            <p:cNvSpPr/>
+            <p:nvPr/>
+          </p:nvSpPr>
+          <p:spPr>
+            <a:xfrm>
+              <a:off x="2283613" y="3603356"/>
+              <a:ext cx="171451" cy="100893"/>
+            </a:xfrm>
+            <a:prstGeom prst="rect">
+              <a:avLst/>
+            </a:prstGeom>
+            <a:solidFill>
+              <a:schemeClr val="bg1"/>
+            </a:solidFill>
+            <a:ln>
+              <a:noFill/>
+            </a:ln>
+          </p:spPr>
+          <p:style>
+            <a:lnRef idx="2">
+              <a:schemeClr val="accent1">
+                <a:shade val="50000"/>
+              </a:schemeClr>
+            </a:lnRef>
+            <a:fillRef idx="1">
+              <a:schemeClr val="accent1"/>
+            </a:fillRef>
+            <a:effectRef idx="0">
+              <a:schemeClr val="accent1"/>
+            </a:effectRef>
+            <a:fontRef idx="minor">
+              <a:schemeClr val="lt1"/>
+            </a:fontRef>
+          </p:style>
+          <p:txBody>
+            <a:bodyPr rtlCol="0" anchor="ctr"/>
+            <a:lstStyle/>
+            <a:p>
+              <a:pPr algn="ctr"/>
+              <a:endParaRPr lang="en-CA"/>
+            </a:p>
+          </p:txBody>
+        </p:sp>
+        <p:sp>
+          <p:nvSpPr>
+            <p:cNvPr id="38" name="Rectangle 37"/>
+            <p:cNvSpPr/>
+            <p:nvPr/>
+          </p:nvSpPr>
+          <p:spPr>
+            <a:xfrm>
+              <a:off x="2283613" y="3431652"/>
+              <a:ext cx="171451" cy="100893"/>
+            </a:xfrm>
+            <a:prstGeom prst="rect">
+              <a:avLst/>
+            </a:prstGeom>
+            <a:solidFill>
+              <a:schemeClr val="bg1"/>
+            </a:solidFill>
+            <a:ln>
+              <a:noFill/>
+            </a:ln>
+          </p:spPr>
+          <p:style>
+            <a:lnRef idx="2">
+              <a:schemeClr val="accent1">
+                <a:shade val="50000"/>
+              </a:schemeClr>
+            </a:lnRef>
+            <a:fillRef idx="1">
+              <a:schemeClr val="accent1"/>
+            </a:fillRef>
+            <a:effectRef idx="0">
+              <a:schemeClr val="accent1"/>
+            </a:effectRef>
+            <a:fontRef idx="minor">
+              <a:schemeClr val="lt1"/>
+            </a:fontRef>
+          </p:style>
+          <p:txBody>
+            <a:bodyPr rtlCol="0" anchor="ctr"/>
+            <a:lstStyle/>
+            <a:p>
+              <a:pPr algn="ctr"/>
+              <a:endParaRPr lang="en-CA"/>
+            </a:p>
+          </p:txBody>
+        </p:sp>
+        <p:sp>
+          <p:nvSpPr>
+            <p:cNvPr id="39" name="ZoneTexte 1"/>
+            <p:cNvSpPr txBox="1"/>
+            <p:nvPr/>
+          </p:nvSpPr>
+          <p:spPr>
+            <a:xfrm>
+              <a:off x="1904038" y="2782093"/>
+              <a:ext cx="928139" cy="369332"/>
+            </a:xfrm>
+            <a:prstGeom prst="rect">
+              <a:avLst/>
+            </a:prstGeom>
+            <a:noFill/>
+          </p:spPr>
+          <p:txBody>
+            <a:bodyPr wrap="none" rtlCol="0">
+              <a:spAutoFit/>
+            </a:bodyPr>
+            <a:lstStyle/>
+            <a:p>
+              <a:r>
+                <a:rPr lang="fr-FR" dirty="0" smtClean="0"/>
+                <a:t>Glucose</a:t>
+              </a:r>
+              <a:endParaRPr lang="fr-FR" dirty="0"/>
+            </a:p>
+          </p:txBody>
+        </p:sp>
+      </p:grpSp>
+      <p:grpSp>
+        <p:nvGrpSpPr>
+          <p:cNvPr id="62" name="Group 61"/>
+          <p:cNvGrpSpPr/>
+          <p:nvPr/>
+        </p:nvGrpSpPr>
+        <p:grpSpPr>
+          <a:xfrm>
+            <a:off x="2986670" y="3588462"/>
+            <a:ext cx="2556555" cy="757719"/>
+            <a:chOff x="2986671" y="3588462"/>
+            <a:chExt cx="1379588" cy="757719"/>
+          </a:xfrm>
+        </p:grpSpPr>
+        <p:sp>
+          <p:nvSpPr>
+            <p:cNvPr id="22" name="Virage 12"/>
+            <p:cNvSpPr/>
+            <p:nvPr/>
+          </p:nvSpPr>
+          <p:spPr>
+            <a:xfrm rot="10800000" flipH="1" flipV="1">
+              <a:off x="2986671" y="3816172"/>
+              <a:ext cx="1379588" cy="530009"/>
+            </a:xfrm>
+            <a:prstGeom prst="bentArrow">
+              <a:avLst/>
+            </a:prstGeom>
+            <a:solidFill>
+              <a:schemeClr val="accent4">
+                <a:lumMod val="60000"/>
+                <a:lumOff val="40000"/>
+              </a:schemeClr>
+            </a:solidFill>
+            <a:ln>
+              <a:solidFill>
+                <a:schemeClr val="tx1"/>
+              </a:solidFill>
+            </a:ln>
+          </p:spPr>
+          <p:style>
+            <a:lnRef idx="2">
+              <a:schemeClr val="accent1">
+                <a:shade val="50000"/>
+              </a:schemeClr>
+            </a:lnRef>
+            <a:fillRef idx="1">
+              <a:schemeClr val="accent1"/>
+            </a:fillRef>
+            <a:effectRef idx="0">
+              <a:schemeClr val="accent1"/>
+            </a:effectRef>
+            <a:fontRef idx="minor">
+              <a:schemeClr val="lt1"/>
+            </a:fontRef>
+          </p:style>
+          <p:txBody>
+            <a:bodyPr rtlCol="0" anchor="ctr"/>
+            <a:lstStyle/>
+            <a:p>
+              <a:pPr algn="ctr"/>
+              <a:endParaRPr lang="fr-FR">
+                <a:solidFill>
+                  <a:schemeClr val="tx1"/>
+                </a:solidFill>
+              </a:endParaRPr>
+            </a:p>
+          </p:txBody>
+        </p:sp>
+        <p:sp>
+          <p:nvSpPr>
+            <p:cNvPr id="41" name="ZoneTexte 1"/>
+            <p:cNvSpPr txBox="1"/>
+            <p:nvPr/>
+          </p:nvSpPr>
+          <p:spPr>
+            <a:xfrm>
+              <a:off x="3358005" y="3588462"/>
+              <a:ext cx="926856" cy="307777"/>
+            </a:xfrm>
+            <a:prstGeom prst="rect">
+              <a:avLst/>
+            </a:prstGeom>
+            <a:noFill/>
+          </p:spPr>
+          <p:txBody>
+            <a:bodyPr wrap="none" rtlCol="0">
+              <a:spAutoFit/>
+            </a:bodyPr>
+            <a:lstStyle/>
+            <a:p>
+              <a:r>
+                <a:rPr lang="fr-FR" sz="1400" dirty="0" err="1" smtClean="0"/>
+                <a:t>Binds</a:t>
+              </a:r>
+              <a:r>
+                <a:rPr lang="fr-FR" sz="1400" dirty="0" smtClean="0"/>
+                <a:t> to and </a:t>
+              </a:r>
+              <a:r>
+                <a:rPr lang="fr-FR" sz="1400" dirty="0" err="1" smtClean="0"/>
+                <a:t>inhibits</a:t>
+              </a:r>
+              <a:endParaRPr lang="fr-FR" sz="1400" dirty="0"/>
+            </a:p>
+          </p:txBody>
+        </p:sp>
+      </p:grpSp>
+      <p:grpSp>
+        <p:nvGrpSpPr>
+          <p:cNvPr id="83" name="Group 82"/>
+          <p:cNvGrpSpPr/>
+          <p:nvPr/>
+        </p:nvGrpSpPr>
+        <p:grpSpPr>
+          <a:xfrm>
+            <a:off x="5359097" y="2755546"/>
+            <a:ext cx="5817364" cy="3546194"/>
+            <a:chOff x="5359097" y="2755546"/>
+            <a:chExt cx="5817364" cy="3546194"/>
+          </a:xfrm>
+        </p:grpSpPr>
+        <p:sp>
+          <p:nvSpPr>
+            <p:cNvPr id="63" name="Rectangle 62"/>
+            <p:cNvSpPr/>
+            <p:nvPr/>
+          </p:nvSpPr>
+          <p:spPr>
+            <a:xfrm>
+              <a:off x="5359097" y="2755546"/>
+              <a:ext cx="5769243" cy="3546194"/>
+            </a:xfrm>
+            <a:prstGeom prst="rect">
+              <a:avLst/>
+            </a:prstGeom>
+            <a:solidFill>
+              <a:schemeClr val="tx2">
+                <a:lumMod val="40000"/>
+                <a:lumOff val="60000"/>
+                <a:alpha val="41000"/>
+              </a:schemeClr>
+            </a:solidFill>
+          </p:spPr>
+          <p:style>
+            <a:lnRef idx="2">
+              <a:schemeClr val="accent1">
+                <a:shade val="50000"/>
+              </a:schemeClr>
+            </a:lnRef>
+            <a:fillRef idx="1">
+              <a:schemeClr val="accent1"/>
+            </a:fillRef>
+            <a:effectRef idx="0">
+              <a:schemeClr val="accent1"/>
+            </a:effectRef>
+            <a:fontRef idx="minor">
+              <a:schemeClr val="lt1"/>
+            </a:fontRef>
+          </p:style>
+          <p:txBody>
+            <a:bodyPr rtlCol="0" anchor="ctr"/>
+            <a:lstStyle/>
+            <a:p>
+              <a:pPr algn="ctr"/>
+              <a:endParaRPr lang="en-CA" dirty="0"/>
+            </a:p>
+          </p:txBody>
+        </p:sp>
+        <p:sp>
+          <p:nvSpPr>
+            <p:cNvPr id="32" name="Flèche droite 3"/>
+            <p:cNvSpPr/>
+            <p:nvPr/>
+          </p:nvSpPr>
+          <p:spPr>
+            <a:xfrm rot="19736792">
+              <a:off x="6052512" y="3565333"/>
+              <a:ext cx="761769" cy="143808"/>
+            </a:xfrm>
+            <a:prstGeom prst="rightArrow">
+              <a:avLst/>
+            </a:prstGeom>
+            <a:solidFill>
+              <a:schemeClr val="accent4">
+                <a:lumMod val="60000"/>
+                <a:lumOff val="40000"/>
+              </a:schemeClr>
+            </a:solidFill>
+            <a:ln>
+              <a:solidFill>
+                <a:schemeClr val="tx1"/>
+              </a:solidFill>
+            </a:ln>
+          </p:spPr>
+          <p:style>
+            <a:lnRef idx="2">
+              <a:schemeClr val="accent1">
+                <a:shade val="50000"/>
+              </a:schemeClr>
+            </a:lnRef>
+            <a:fillRef idx="1">
+              <a:schemeClr val="accent1"/>
+            </a:fillRef>
+            <a:effectRef idx="0">
+              <a:schemeClr val="accent1"/>
+            </a:effectRef>
+            <a:fontRef idx="minor">
+              <a:schemeClr val="lt1"/>
+            </a:fontRef>
+          </p:style>
+          <p:txBody>
+            <a:bodyPr rtlCol="0" anchor="ctr"/>
+            <a:lstStyle/>
+            <a:p>
+              <a:pPr algn="ctr"/>
+              <a:endParaRPr lang="fr-FR"/>
+            </a:p>
+          </p:txBody>
+        </p:sp>
+        <p:sp>
+          <p:nvSpPr>
+            <p:cNvPr id="40" name="ZoneTexte 1"/>
+            <p:cNvSpPr txBox="1"/>
+            <p:nvPr/>
+          </p:nvSpPr>
+          <p:spPr>
+            <a:xfrm>
+              <a:off x="5620224" y="3771973"/>
+              <a:ext cx="498855" cy="369332"/>
+            </a:xfrm>
+            <a:prstGeom prst="rect">
+              <a:avLst/>
+            </a:prstGeom>
+            <a:noFill/>
+          </p:spPr>
+          <p:txBody>
+            <a:bodyPr wrap="none" rtlCol="0">
+              <a:spAutoFit/>
+            </a:bodyPr>
+            <a:lstStyle/>
+            <a:p>
+              <a:r>
+                <a:rPr lang="fr-FR" dirty="0" smtClean="0"/>
+                <a:t>HIT</a:t>
+              </a:r>
+              <a:endParaRPr lang="fr-FR" dirty="0"/>
+            </a:p>
+          </p:txBody>
+        </p:sp>
+        <p:sp>
+          <p:nvSpPr>
+            <p:cNvPr id="44" name="Flèche droite 3"/>
+            <p:cNvSpPr/>
+            <p:nvPr/>
+          </p:nvSpPr>
+          <p:spPr>
+            <a:xfrm>
+              <a:off x="6117883" y="3937368"/>
+              <a:ext cx="761769" cy="143808"/>
+            </a:xfrm>
+            <a:prstGeom prst="rightArrow">
+              <a:avLst/>
+            </a:prstGeom>
+            <a:solidFill>
+              <a:schemeClr val="accent4">
+                <a:lumMod val="60000"/>
+                <a:lumOff val="40000"/>
+              </a:schemeClr>
+            </a:solidFill>
+            <a:ln>
+              <a:solidFill>
+                <a:schemeClr val="tx1"/>
+              </a:solidFill>
+            </a:ln>
+          </p:spPr>
+          <p:style>
+            <a:lnRef idx="2">
+              <a:schemeClr val="accent1">
+                <a:shade val="50000"/>
+              </a:schemeClr>
+            </a:lnRef>
+            <a:fillRef idx="1">
+              <a:schemeClr val="accent1"/>
+            </a:fillRef>
+            <a:effectRef idx="0">
+              <a:schemeClr val="accent1"/>
+            </a:effectRef>
+            <a:fontRef idx="minor">
+              <a:schemeClr val="lt1"/>
+            </a:fontRef>
+          </p:style>
+          <p:txBody>
+            <a:bodyPr rtlCol="0" anchor="ctr"/>
+            <a:lstStyle/>
+            <a:p>
+              <a:pPr algn="ctr"/>
+              <a:endParaRPr lang="fr-FR"/>
+            </a:p>
+          </p:txBody>
+        </p:sp>
+        <p:sp>
+          <p:nvSpPr>
+            <p:cNvPr id="46" name="Flèche droite 3"/>
+            <p:cNvSpPr/>
+            <p:nvPr/>
+          </p:nvSpPr>
+          <p:spPr>
+            <a:xfrm rot="1863208" flipV="1">
+              <a:off x="6054629" y="4311211"/>
+              <a:ext cx="761769" cy="143808"/>
+            </a:xfrm>
+            <a:prstGeom prst="rightArrow">
+              <a:avLst/>
+            </a:prstGeom>
+            <a:solidFill>
+              <a:schemeClr val="accent4">
+                <a:lumMod val="60000"/>
+                <a:lumOff val="40000"/>
+              </a:schemeClr>
+            </a:solidFill>
+            <a:ln>
+              <a:solidFill>
+                <a:schemeClr val="tx1"/>
+              </a:solidFill>
+            </a:ln>
+          </p:spPr>
+          <p:style>
+            <a:lnRef idx="2">
+              <a:schemeClr val="accent1">
+                <a:shade val="50000"/>
+              </a:schemeClr>
+            </a:lnRef>
+            <a:fillRef idx="1">
+              <a:schemeClr val="accent1"/>
+            </a:fillRef>
+            <a:effectRef idx="0">
+              <a:schemeClr val="accent1"/>
+            </a:effectRef>
+            <a:fontRef idx="minor">
+              <a:schemeClr val="lt1"/>
+            </a:fontRef>
+          </p:style>
+          <p:txBody>
+            <a:bodyPr rtlCol="0" anchor="ctr"/>
+            <a:lstStyle/>
+            <a:p>
+              <a:pPr algn="ctr"/>
+              <a:endParaRPr lang="fr-FR"/>
+            </a:p>
+          </p:txBody>
+        </p:sp>
+        <p:sp>
+          <p:nvSpPr>
+            <p:cNvPr id="47" name="ZoneTexte 1"/>
+            <p:cNvSpPr txBox="1"/>
+            <p:nvPr/>
+          </p:nvSpPr>
+          <p:spPr>
+            <a:xfrm>
+              <a:off x="6796786" y="3234024"/>
+              <a:ext cx="2016065" cy="369332"/>
+            </a:xfrm>
+            <a:prstGeom prst="rect">
+              <a:avLst/>
+            </a:prstGeom>
+            <a:noFill/>
+          </p:spPr>
+          <p:txBody>
+            <a:bodyPr wrap="none" rtlCol="0">
+              <a:spAutoFit/>
+            </a:bodyPr>
+            <a:lstStyle/>
+            <a:p>
+              <a:r>
+                <a:rPr lang="fr-FR" dirty="0" smtClean="0"/>
+                <a:t>Glucose production</a:t>
+              </a:r>
+              <a:endParaRPr lang="fr-FR" dirty="0"/>
+            </a:p>
+          </p:txBody>
+        </p:sp>
+        <p:sp>
+          <p:nvSpPr>
+            <p:cNvPr id="48" name="ZoneTexte 1"/>
+            <p:cNvSpPr txBox="1"/>
+            <p:nvPr/>
+          </p:nvSpPr>
+          <p:spPr>
+            <a:xfrm>
+              <a:off x="6887201" y="3824606"/>
+              <a:ext cx="540533" cy="369332"/>
+            </a:xfrm>
+            <a:prstGeom prst="rect">
+              <a:avLst/>
+            </a:prstGeom>
+            <a:noFill/>
+          </p:spPr>
+          <p:txBody>
+            <a:bodyPr wrap="none" rtlCol="0">
+              <a:spAutoFit/>
+            </a:bodyPr>
+            <a:lstStyle/>
+            <a:p>
+              <a:r>
+                <a:rPr lang="fr-FR" dirty="0" smtClean="0"/>
+                <a:t>PPP</a:t>
+              </a:r>
+              <a:endParaRPr lang="fr-FR" dirty="0"/>
+            </a:p>
+          </p:txBody>
+        </p:sp>
+        <p:sp>
+          <p:nvSpPr>
+            <p:cNvPr id="49" name="ZoneTexte 1"/>
+            <p:cNvSpPr txBox="1"/>
+            <p:nvPr/>
+          </p:nvSpPr>
+          <p:spPr>
+            <a:xfrm>
+              <a:off x="6796786" y="4426194"/>
+              <a:ext cx="2206438" cy="369332"/>
+            </a:xfrm>
+            <a:prstGeom prst="rect">
+              <a:avLst/>
+            </a:prstGeom>
+            <a:noFill/>
+          </p:spPr>
+          <p:txBody>
+            <a:bodyPr wrap="none" rtlCol="0">
+              <a:spAutoFit/>
+            </a:bodyPr>
+            <a:lstStyle/>
+            <a:p>
+              <a:r>
+                <a:rPr lang="fr-FR" dirty="0" err="1" smtClean="0"/>
+                <a:t>Glycogen</a:t>
+              </a:r>
+              <a:r>
+                <a:rPr lang="fr-FR" dirty="0" smtClean="0"/>
+                <a:t> </a:t>
+              </a:r>
+              <a:r>
+                <a:rPr lang="fr-FR" dirty="0" err="1" smtClean="0"/>
+                <a:t>metabolism</a:t>
+              </a:r>
+              <a:endParaRPr lang="fr-FR" dirty="0"/>
+            </a:p>
+          </p:txBody>
+        </p:sp>
+        <p:sp>
+          <p:nvSpPr>
+            <p:cNvPr id="50" name="Right Brace 49"/>
+            <p:cNvSpPr/>
+            <p:nvPr/>
+          </p:nvSpPr>
+          <p:spPr>
+            <a:xfrm>
+              <a:off x="9011706" y="3151425"/>
+              <a:ext cx="293176" cy="1803717"/>
+            </a:xfrm>
+            <a:prstGeom prst="rightBrace">
+              <a:avLst/>
+            </a:prstGeom>
+            <a:ln/>
+          </p:spPr>
+          <p:style>
+            <a:lnRef idx="3">
+              <a:schemeClr val="accent4"/>
+            </a:lnRef>
+            <a:fillRef idx="0">
+              <a:schemeClr val="accent4"/>
+            </a:fillRef>
+            <a:effectRef idx="2">
+              <a:schemeClr val="accent4"/>
+            </a:effectRef>
+            <a:fontRef idx="minor">
+              <a:schemeClr val="tx1"/>
+            </a:fontRef>
+          </p:style>
+          <p:txBody>
+            <a:bodyPr rtlCol="0" anchor="ctr"/>
+            <a:lstStyle/>
+            <a:p>
+              <a:pPr algn="ctr"/>
+              <a:endParaRPr lang="en-CA"/>
+            </a:p>
+          </p:txBody>
+        </p:sp>
+        <p:pic>
+          <p:nvPicPr>
+            <p:cNvPr id="52" name="Picture 51"/>
+            <p:cNvPicPr>
+              <a:picLocks noChangeAspect="1"/>
+            </p:cNvPicPr>
+            <p:nvPr/>
+          </p:nvPicPr>
+          <p:blipFill>
+            <a:blip r:embed="rId2" cstate="print">
+              <a:extLst>
+                <a:ext uri="{28A0092B-C50C-407E-A947-70E740481C1C}">
+                  <a14:useLocalDpi xmlns:a14="http://schemas.microsoft.com/office/drawing/2010/main" val="0"/>
+                </a:ext>
+              </a:extLst>
+            </a:blip>
+            <a:stretch>
+              <a:fillRect/>
+            </a:stretch>
+          </p:blipFill>
+          <p:spPr>
+            <a:xfrm>
+              <a:off x="9223777" y="3411144"/>
+              <a:ext cx="837980" cy="484166"/>
+            </a:xfrm>
+            <a:prstGeom prst="rect">
+              <a:avLst/>
+            </a:prstGeom>
+          </p:spPr>
+        </p:pic>
+        <p:pic>
+          <p:nvPicPr>
+            <p:cNvPr id="53" name="Picture 52"/>
+            <p:cNvPicPr>
+              <a:picLocks noChangeAspect="1"/>
+            </p:cNvPicPr>
+            <p:nvPr/>
+          </p:nvPicPr>
+          <p:blipFill>
+            <a:blip r:embed="rId2" cstate="print">
+              <a:extLst>
+                <a:ext uri="{28A0092B-C50C-407E-A947-70E740481C1C}">
+                  <a14:useLocalDpi xmlns:a14="http://schemas.microsoft.com/office/drawing/2010/main" val="0"/>
+                </a:ext>
+              </a:extLst>
+            </a:blip>
+            <a:stretch>
+              <a:fillRect/>
+            </a:stretch>
+          </p:blipFill>
+          <p:spPr>
+            <a:xfrm>
+              <a:off x="10338481" y="3908256"/>
+              <a:ext cx="837980" cy="484166"/>
+            </a:xfrm>
+            <a:prstGeom prst="rect">
+              <a:avLst/>
+            </a:prstGeom>
+          </p:spPr>
+        </p:pic>
+        <p:pic>
+          <p:nvPicPr>
+            <p:cNvPr id="54" name="Picture 53"/>
+            <p:cNvPicPr>
+              <a:picLocks noChangeAspect="1"/>
+            </p:cNvPicPr>
+            <p:nvPr/>
+          </p:nvPicPr>
+          <p:blipFill>
+            <a:blip r:embed="rId2" cstate="print">
+              <a:extLst>
+                <a:ext uri="{28A0092B-C50C-407E-A947-70E740481C1C}">
+                  <a14:useLocalDpi xmlns:a14="http://schemas.microsoft.com/office/drawing/2010/main" val="0"/>
+                </a:ext>
+              </a:extLst>
+            </a:blip>
+            <a:stretch>
+              <a:fillRect/>
+            </a:stretch>
+          </p:blipFill>
+          <p:spPr>
+            <a:xfrm>
+              <a:off x="9079451" y="4283804"/>
+              <a:ext cx="837980" cy="484166"/>
+            </a:xfrm>
+            <a:prstGeom prst="rect">
+              <a:avLst/>
+            </a:prstGeom>
+          </p:spPr>
+        </p:pic>
+        <p:pic>
+          <p:nvPicPr>
+            <p:cNvPr id="55" name="Picture 54"/>
+            <p:cNvPicPr>
+              <a:picLocks noChangeAspect="1"/>
+            </p:cNvPicPr>
+            <p:nvPr/>
+          </p:nvPicPr>
+          <p:blipFill>
+            <a:blip r:embed="rId2" cstate="print">
+              <a:extLst>
+                <a:ext uri="{28A0092B-C50C-407E-A947-70E740481C1C}">
+                  <a14:useLocalDpi xmlns:a14="http://schemas.microsoft.com/office/drawing/2010/main" val="0"/>
+                </a:ext>
+              </a:extLst>
+            </a:blip>
+            <a:stretch>
+              <a:fillRect/>
+            </a:stretch>
+          </p:blipFill>
+          <p:spPr>
+            <a:xfrm>
+              <a:off x="9624154" y="3986809"/>
+              <a:ext cx="837980" cy="484166"/>
+            </a:xfrm>
+            <a:prstGeom prst="rect">
+              <a:avLst/>
+            </a:prstGeom>
+          </p:spPr>
+        </p:pic>
+        <p:pic>
+          <p:nvPicPr>
+            <p:cNvPr id="56" name="Picture 55"/>
+            <p:cNvPicPr>
+              <a:picLocks noChangeAspect="1"/>
+            </p:cNvPicPr>
+            <p:nvPr/>
+          </p:nvPicPr>
+          <p:blipFill>
+            <a:blip r:embed="rId2" cstate="print">
+              <a:extLst>
+                <a:ext uri="{28A0092B-C50C-407E-A947-70E740481C1C}">
+                  <a14:useLocalDpi xmlns:a14="http://schemas.microsoft.com/office/drawing/2010/main" val="0"/>
+                </a:ext>
+              </a:extLst>
+            </a:blip>
+            <a:stretch>
+              <a:fillRect/>
+            </a:stretch>
+          </p:blipFill>
+          <p:spPr>
+            <a:xfrm>
+              <a:off x="9993658" y="4573814"/>
+              <a:ext cx="837980" cy="484166"/>
+            </a:xfrm>
+            <a:prstGeom prst="rect">
+              <a:avLst/>
+            </a:prstGeom>
+          </p:spPr>
+        </p:pic>
+        <p:pic>
+          <p:nvPicPr>
+            <p:cNvPr id="57" name="Picture 56"/>
+            <p:cNvPicPr>
+              <a:picLocks noChangeAspect="1"/>
+            </p:cNvPicPr>
+            <p:nvPr/>
+          </p:nvPicPr>
+          <p:blipFill>
+            <a:blip r:embed="rId2" cstate="print">
+              <a:extLst>
+                <a:ext uri="{28A0092B-C50C-407E-A947-70E740481C1C}">
+                  <a14:useLocalDpi xmlns:a14="http://schemas.microsoft.com/office/drawing/2010/main" val="0"/>
+                </a:ext>
+              </a:extLst>
+            </a:blip>
+            <a:stretch>
+              <a:fillRect/>
+            </a:stretch>
+          </p:blipFill>
+          <p:spPr>
+            <a:xfrm>
+              <a:off x="10194012" y="3321251"/>
+              <a:ext cx="837980" cy="484166"/>
+            </a:xfrm>
+            <a:prstGeom prst="rect">
+              <a:avLst/>
+            </a:prstGeom>
+          </p:spPr>
+        </p:pic>
+        <p:sp>
+          <p:nvSpPr>
+            <p:cNvPr id="58" name="Flèche droite 3"/>
+            <p:cNvSpPr/>
+            <p:nvPr/>
+          </p:nvSpPr>
+          <p:spPr>
+            <a:xfrm rot="16200000">
+              <a:off x="8636353" y="3312031"/>
+              <a:ext cx="340409" cy="198225"/>
+            </a:xfrm>
+            <a:prstGeom prst="rightArrow">
+              <a:avLst/>
+            </a:prstGeom>
+            <a:solidFill>
+              <a:srgbClr val="00B050"/>
+            </a:solidFill>
+            <a:ln>
+              <a:solidFill>
+                <a:schemeClr val="tx1"/>
+              </a:solidFill>
+            </a:ln>
+          </p:spPr>
+          <p:style>
+            <a:lnRef idx="2">
+              <a:schemeClr val="accent1">
+                <a:shade val="50000"/>
+              </a:schemeClr>
+            </a:lnRef>
+            <a:fillRef idx="1">
+              <a:schemeClr val="accent1"/>
+            </a:fillRef>
+            <a:effectRef idx="0">
+              <a:schemeClr val="accent1"/>
+            </a:effectRef>
+            <a:fontRef idx="minor">
+              <a:schemeClr val="lt1"/>
+            </a:fontRef>
+          </p:style>
+          <p:txBody>
+            <a:bodyPr rtlCol="0" anchor="ctr"/>
+            <a:lstStyle/>
+            <a:p>
+              <a:pPr algn="ctr"/>
+              <a:endParaRPr lang="fr-FR"/>
+            </a:p>
+          </p:txBody>
+        </p:sp>
+        <p:sp>
+          <p:nvSpPr>
+            <p:cNvPr id="59" name="Flèche droite 3"/>
+            <p:cNvSpPr/>
+            <p:nvPr/>
+          </p:nvSpPr>
+          <p:spPr>
+            <a:xfrm rot="16200000">
+              <a:off x="7295591" y="3910159"/>
+              <a:ext cx="340409" cy="198225"/>
+            </a:xfrm>
+            <a:prstGeom prst="rightArrow">
+              <a:avLst/>
+            </a:prstGeom>
+            <a:solidFill>
+              <a:srgbClr val="00B050"/>
+            </a:solidFill>
+            <a:ln>
+              <a:solidFill>
+                <a:schemeClr val="tx1"/>
+              </a:solidFill>
+            </a:ln>
+          </p:spPr>
+          <p:style>
+            <a:lnRef idx="2">
+              <a:schemeClr val="accent1">
+                <a:shade val="50000"/>
+              </a:schemeClr>
+            </a:lnRef>
+            <a:fillRef idx="1">
+              <a:schemeClr val="accent1"/>
+            </a:fillRef>
+            <a:effectRef idx="0">
+              <a:schemeClr val="accent1"/>
+            </a:effectRef>
+            <a:fontRef idx="minor">
+              <a:schemeClr val="lt1"/>
+            </a:fontRef>
+          </p:style>
+          <p:txBody>
+            <a:bodyPr rtlCol="0" anchor="ctr"/>
+            <a:lstStyle/>
+            <a:p>
+              <a:pPr algn="ctr"/>
+              <a:endParaRPr lang="fr-FR"/>
+            </a:p>
+          </p:txBody>
+        </p:sp>
+        <p:sp>
+          <p:nvSpPr>
+            <p:cNvPr id="60" name="Flèche droite 3"/>
+            <p:cNvSpPr/>
+            <p:nvPr/>
+          </p:nvSpPr>
+          <p:spPr>
+            <a:xfrm rot="16200000">
+              <a:off x="8807428" y="4498653"/>
+              <a:ext cx="340409" cy="198225"/>
+            </a:xfrm>
+            <a:prstGeom prst="rightArrow">
+              <a:avLst/>
+            </a:prstGeom>
+            <a:solidFill>
+              <a:srgbClr val="00B050"/>
+            </a:solidFill>
+            <a:ln>
+              <a:solidFill>
+                <a:schemeClr val="tx1"/>
+              </a:solidFill>
+            </a:ln>
+          </p:spPr>
+          <p:style>
+            <a:lnRef idx="2">
+              <a:schemeClr val="accent1">
+                <a:shade val="50000"/>
+              </a:schemeClr>
+            </a:lnRef>
+            <a:fillRef idx="1">
+              <a:schemeClr val="accent1"/>
+            </a:fillRef>
+            <a:effectRef idx="0">
+              <a:schemeClr val="accent1"/>
+            </a:effectRef>
+            <a:fontRef idx="minor">
+              <a:schemeClr val="lt1"/>
+            </a:fontRef>
+          </p:style>
+          <p:txBody>
+            <a:bodyPr rtlCol="0" anchor="ctr"/>
+            <a:lstStyle/>
+            <a:p>
+              <a:pPr algn="ctr"/>
+              <a:endParaRPr lang="fr-FR"/>
+            </a:p>
+          </p:txBody>
+        </p:sp>
+        <p:sp>
+          <p:nvSpPr>
+            <p:cNvPr id="61" name="Flèche droite 3"/>
+            <p:cNvSpPr/>
+            <p:nvPr/>
+          </p:nvSpPr>
+          <p:spPr>
+            <a:xfrm rot="16200000">
+              <a:off x="5387039" y="3761884"/>
+              <a:ext cx="489659" cy="292742"/>
+            </a:xfrm>
+            <a:prstGeom prst="rightArrow">
+              <a:avLst/>
+            </a:prstGeom>
+            <a:solidFill>
+              <a:srgbClr val="00B050"/>
+            </a:solidFill>
+            <a:ln>
+              <a:solidFill>
+                <a:schemeClr val="tx1"/>
+              </a:solidFill>
+            </a:ln>
+          </p:spPr>
+          <p:style>
+            <a:lnRef idx="2">
+              <a:schemeClr val="accent1">
+                <a:shade val="50000"/>
+              </a:schemeClr>
+            </a:lnRef>
+            <a:fillRef idx="1">
+              <a:schemeClr val="accent1"/>
+            </a:fillRef>
+            <a:effectRef idx="0">
+              <a:schemeClr val="accent1"/>
+            </a:effectRef>
+            <a:fontRef idx="minor">
+              <a:schemeClr val="lt1"/>
+            </a:fontRef>
+          </p:style>
+          <p:txBody>
+            <a:bodyPr rtlCol="0" anchor="ctr"/>
+            <a:lstStyle/>
+            <a:p>
+              <a:pPr algn="ctr"/>
+              <a:endParaRPr lang="fr-FR"/>
+            </a:p>
+          </p:txBody>
+        </p:sp>
+        <p:sp>
+          <p:nvSpPr>
+            <p:cNvPr id="64" name="TextBox 63"/>
+            <p:cNvSpPr txBox="1"/>
+            <p:nvPr/>
+          </p:nvSpPr>
+          <p:spPr>
+            <a:xfrm>
+              <a:off x="6219579" y="5302411"/>
+              <a:ext cx="4375429" cy="492443"/>
+            </a:xfrm>
+            <a:prstGeom prst="rect">
+              <a:avLst/>
+            </a:prstGeom>
+            <a:noFill/>
+          </p:spPr>
+          <p:txBody>
+            <a:bodyPr wrap="none" rtlCol="0">
+              <a:spAutoFit/>
+            </a:bodyPr>
+            <a:lstStyle/>
+            <a:p>
+              <a:r>
+                <a:rPr lang="en-CA" sz="2600" dirty="0" smtClean="0"/>
+                <a:t>Clear Cell Renal Cell Carcinoma</a:t>
+              </a:r>
+              <a:endParaRPr lang="en-CA" sz="2600" dirty="0"/>
+            </a:p>
+          </p:txBody>
+        </p:sp>
+        <p:sp>
+          <p:nvSpPr>
+            <p:cNvPr id="65" name="TextBox 64"/>
+            <p:cNvSpPr txBox="1"/>
+            <p:nvPr/>
+          </p:nvSpPr>
+          <p:spPr>
+            <a:xfrm>
+              <a:off x="7358416" y="5683801"/>
+              <a:ext cx="2097754" cy="307777"/>
+            </a:xfrm>
+            <a:prstGeom prst="rect">
+              <a:avLst/>
+            </a:prstGeom>
+            <a:noFill/>
+          </p:spPr>
+          <p:txBody>
+            <a:bodyPr wrap="none" rtlCol="0">
+              <a:spAutoFit/>
+            </a:bodyPr>
+            <a:lstStyle/>
+            <a:p>
+              <a:r>
+                <a:rPr lang="en-CA" sz="1400" dirty="0" smtClean="0"/>
+                <a:t>~85% of all kidney cancers</a:t>
+              </a:r>
+              <a:endParaRPr lang="en-CA" sz="1400" dirty="0"/>
+            </a:p>
+          </p:txBody>
+        </p:sp>
+      </p:grpSp>
+      <p:sp>
+        <p:nvSpPr>
+          <p:cNvPr id="68" name="Multiply 67"/>
+          <p:cNvSpPr/>
+          <p:nvPr/>
+        </p:nvSpPr>
+        <p:spPr>
+          <a:xfrm flipH="1">
+            <a:off x="5436805" y="3593291"/>
+            <a:ext cx="796373" cy="724632"/>
+          </a:xfrm>
+          <a:prstGeom prst="mathMultiply">
+            <a:avLst>
+              <a:gd name="adj1" fmla="val 5668"/>
+            </a:avLst>
+          </a:prstGeom>
+          <a:solidFill>
+            <a:srgbClr val="FF0000"/>
+          </a:solidFill>
+          <a:ln>
+            <a:solidFill>
+              <a:srgbClr val="FF0000"/>
+            </a:solidFill>
+          </a:ln>
+        </p:spPr>
+        <p:style>
+          <a:lnRef idx="2">
+            <a:schemeClr val="accent1">
+              <a:shade val="50000"/>
+            </a:schemeClr>
+          </a:lnRef>
+          <a:fillRef idx="1">
+            <a:schemeClr val="accent1"/>
+          </a:fillRef>
+          <a:effectRef idx="0">
+            <a:schemeClr val="accent1"/>
+          </a:effectRef>
+          <a:fontRef idx="minor">
+            <a:schemeClr val="lt1"/>
+          </a:fontRef>
+        </p:style>
+        <p:txBody>
+          <a:bodyPr rtlCol="0" anchor="ctr"/>
+          <a:lstStyle/>
+          <a:p>
+            <a:pPr algn="ctr"/>
+            <a:endParaRPr lang="en-CA"/>
+          </a:p>
+        </p:txBody>
+      </p:sp>
+      <p:sp>
+        <p:nvSpPr>
+          <p:cNvPr id="70" name="Multiply 69"/>
+          <p:cNvSpPr/>
+          <p:nvPr/>
+        </p:nvSpPr>
+        <p:spPr>
+          <a:xfrm flipH="1">
+            <a:off x="1969920" y="2640827"/>
+            <a:ext cx="796373" cy="724632"/>
+          </a:xfrm>
+          <a:prstGeom prst="mathMultiply">
+            <a:avLst>
+              <a:gd name="adj1" fmla="val 5668"/>
+            </a:avLst>
+          </a:prstGeom>
+          <a:solidFill>
+            <a:srgbClr val="FF0000"/>
+          </a:solidFill>
+          <a:ln>
+            <a:solidFill>
+              <a:srgbClr val="FF0000"/>
+            </a:solidFill>
+          </a:ln>
+        </p:spPr>
+        <p:style>
+          <a:lnRef idx="2">
+            <a:schemeClr val="accent1">
+              <a:shade val="50000"/>
+            </a:schemeClr>
+          </a:lnRef>
+          <a:fillRef idx="1">
+            <a:schemeClr val="accent1"/>
+          </a:fillRef>
+          <a:effectRef idx="0">
+            <a:schemeClr val="accent1"/>
+          </a:effectRef>
+          <a:fontRef idx="minor">
+            <a:schemeClr val="lt1"/>
+          </a:fontRef>
+        </p:style>
+        <p:txBody>
+          <a:bodyPr rtlCol="0" anchor="ctr"/>
+          <a:lstStyle/>
+          <a:p>
+            <a:pPr algn="ctr"/>
+            <a:endParaRPr lang="en-CA"/>
+          </a:p>
+        </p:txBody>
+      </p:sp>
+      <p:sp>
+        <p:nvSpPr>
+          <p:cNvPr id="71" name="Multiply 70"/>
+          <p:cNvSpPr/>
+          <p:nvPr/>
+        </p:nvSpPr>
+        <p:spPr>
+          <a:xfrm flipH="1">
+            <a:off x="9246771" y="3284639"/>
+            <a:ext cx="796373" cy="724632"/>
+          </a:xfrm>
+          <a:prstGeom prst="mathMultiply">
+            <a:avLst>
+              <a:gd name="adj1" fmla="val 5668"/>
+            </a:avLst>
+          </a:prstGeom>
+          <a:solidFill>
+            <a:srgbClr val="FF0000"/>
+          </a:solidFill>
+          <a:ln>
+            <a:solidFill>
+              <a:srgbClr val="FF0000"/>
+            </a:solidFill>
+          </a:ln>
+        </p:spPr>
+        <p:style>
+          <a:lnRef idx="2">
+            <a:schemeClr val="accent1">
+              <a:shade val="50000"/>
+            </a:schemeClr>
+          </a:lnRef>
+          <a:fillRef idx="1">
+            <a:schemeClr val="accent1"/>
+          </a:fillRef>
+          <a:effectRef idx="0">
+            <a:schemeClr val="accent1"/>
+          </a:effectRef>
+          <a:fontRef idx="minor">
+            <a:schemeClr val="lt1"/>
+          </a:fontRef>
+        </p:style>
+        <p:txBody>
+          <a:bodyPr rtlCol="0" anchor="ctr"/>
+          <a:lstStyle/>
+          <a:p>
+            <a:pPr algn="ctr"/>
+            <a:endParaRPr lang="en-CA"/>
+          </a:p>
+        </p:txBody>
+      </p:sp>
+      <p:sp>
+        <p:nvSpPr>
+          <p:cNvPr id="72" name="Multiply 71"/>
+          <p:cNvSpPr/>
+          <p:nvPr/>
+        </p:nvSpPr>
+        <p:spPr>
+          <a:xfrm flipH="1">
+            <a:off x="6257722" y="3433190"/>
+            <a:ext cx="348598" cy="408094"/>
+          </a:xfrm>
+          <a:prstGeom prst="mathMultiply">
+            <a:avLst>
+              <a:gd name="adj1" fmla="val 5668"/>
+            </a:avLst>
+          </a:prstGeom>
+          <a:solidFill>
+            <a:srgbClr val="FF0000"/>
+          </a:solidFill>
+          <a:ln>
+            <a:solidFill>
+              <a:srgbClr val="FF0000"/>
+            </a:solidFill>
+          </a:ln>
+        </p:spPr>
+        <p:style>
+          <a:lnRef idx="2">
+            <a:schemeClr val="accent1">
+              <a:shade val="50000"/>
+            </a:schemeClr>
+          </a:lnRef>
+          <a:fillRef idx="1">
+            <a:schemeClr val="accent1"/>
+          </a:fillRef>
+          <a:effectRef idx="0">
+            <a:schemeClr val="accent1"/>
+          </a:effectRef>
+          <a:fontRef idx="minor">
+            <a:schemeClr val="lt1"/>
+          </a:fontRef>
+        </p:style>
+        <p:txBody>
+          <a:bodyPr rtlCol="0" anchor="ctr"/>
+          <a:lstStyle/>
+          <a:p>
+            <a:pPr algn="ctr"/>
+            <a:endParaRPr lang="en-CA"/>
+          </a:p>
+        </p:txBody>
+      </p:sp>
+      <p:sp>
+        <p:nvSpPr>
+          <p:cNvPr id="73" name="Multiply 72"/>
+          <p:cNvSpPr/>
+          <p:nvPr/>
+        </p:nvSpPr>
+        <p:spPr>
+          <a:xfrm flipH="1">
+            <a:off x="6349725" y="3786805"/>
+            <a:ext cx="348598" cy="408094"/>
+          </a:xfrm>
+          <a:prstGeom prst="mathMultiply">
+            <a:avLst>
+              <a:gd name="adj1" fmla="val 5668"/>
+            </a:avLst>
+          </a:prstGeom>
+          <a:solidFill>
+            <a:srgbClr val="FF0000"/>
+          </a:solidFill>
+          <a:ln>
+            <a:solidFill>
+              <a:srgbClr val="FF0000"/>
+            </a:solidFill>
+          </a:ln>
+        </p:spPr>
+        <p:style>
+          <a:lnRef idx="2">
+            <a:schemeClr val="accent1">
+              <a:shade val="50000"/>
+            </a:schemeClr>
+          </a:lnRef>
+          <a:fillRef idx="1">
+            <a:schemeClr val="accent1"/>
+          </a:fillRef>
+          <a:effectRef idx="0">
+            <a:schemeClr val="accent1"/>
+          </a:effectRef>
+          <a:fontRef idx="minor">
+            <a:schemeClr val="lt1"/>
+          </a:fontRef>
+        </p:style>
+        <p:txBody>
+          <a:bodyPr rtlCol="0" anchor="ctr"/>
+          <a:lstStyle/>
+          <a:p>
+            <a:pPr algn="ctr"/>
+            <a:endParaRPr lang="en-CA"/>
+          </a:p>
+        </p:txBody>
+      </p:sp>
+      <p:sp>
+        <p:nvSpPr>
+          <p:cNvPr id="74" name="Multiply 73"/>
+          <p:cNvSpPr/>
+          <p:nvPr/>
+        </p:nvSpPr>
+        <p:spPr>
+          <a:xfrm flipH="1">
+            <a:off x="6280247" y="4179967"/>
+            <a:ext cx="348598" cy="408094"/>
+          </a:xfrm>
+          <a:prstGeom prst="mathMultiply">
+            <a:avLst>
+              <a:gd name="adj1" fmla="val 5668"/>
+            </a:avLst>
+          </a:prstGeom>
+          <a:solidFill>
+            <a:srgbClr val="FF0000"/>
+          </a:solidFill>
+          <a:ln>
+            <a:solidFill>
+              <a:srgbClr val="FF0000"/>
+            </a:solidFill>
+          </a:ln>
+        </p:spPr>
+        <p:style>
+          <a:lnRef idx="2">
+            <a:schemeClr val="accent1">
+              <a:shade val="50000"/>
+            </a:schemeClr>
+          </a:lnRef>
+          <a:fillRef idx="1">
+            <a:schemeClr val="accent1"/>
+          </a:fillRef>
+          <a:effectRef idx="0">
+            <a:schemeClr val="accent1"/>
+          </a:effectRef>
+          <a:fontRef idx="minor">
+            <a:schemeClr val="lt1"/>
+          </a:fontRef>
+        </p:style>
+        <p:txBody>
+          <a:bodyPr rtlCol="0" anchor="ctr"/>
+          <a:lstStyle/>
+          <a:p>
+            <a:pPr algn="ctr"/>
+            <a:endParaRPr lang="en-CA"/>
+          </a:p>
+        </p:txBody>
+      </p:sp>
+      <p:sp>
+        <p:nvSpPr>
+          <p:cNvPr id="78" name="Multiply 77"/>
+          <p:cNvSpPr/>
+          <p:nvPr/>
+        </p:nvSpPr>
+        <p:spPr>
+          <a:xfrm flipH="1">
+            <a:off x="10216924" y="3201018"/>
+            <a:ext cx="796373" cy="724632"/>
+          </a:xfrm>
+          <a:prstGeom prst="mathMultiply">
+            <a:avLst>
+              <a:gd name="adj1" fmla="val 5668"/>
+            </a:avLst>
+          </a:prstGeom>
+          <a:solidFill>
+            <a:srgbClr val="FF0000"/>
+          </a:solidFill>
+          <a:ln>
+            <a:solidFill>
+              <a:srgbClr val="FF0000"/>
+            </a:solidFill>
+          </a:ln>
+        </p:spPr>
+        <p:style>
+          <a:lnRef idx="2">
+            <a:schemeClr val="accent1">
+              <a:shade val="50000"/>
+            </a:schemeClr>
+          </a:lnRef>
+          <a:fillRef idx="1">
+            <a:schemeClr val="accent1"/>
+          </a:fillRef>
+          <a:effectRef idx="0">
+            <a:schemeClr val="accent1"/>
+          </a:effectRef>
+          <a:fontRef idx="minor">
+            <a:schemeClr val="lt1"/>
+          </a:fontRef>
+        </p:style>
+        <p:txBody>
+          <a:bodyPr rtlCol="0" anchor="ctr"/>
+          <a:lstStyle/>
+          <a:p>
+            <a:pPr algn="ctr"/>
+            <a:endParaRPr lang="en-CA"/>
+          </a:p>
+        </p:txBody>
+      </p:sp>
+      <p:sp>
+        <p:nvSpPr>
+          <p:cNvPr id="79" name="Multiply 78"/>
+          <p:cNvSpPr/>
+          <p:nvPr/>
+        </p:nvSpPr>
+        <p:spPr>
+          <a:xfrm flipH="1">
+            <a:off x="9649900" y="3870069"/>
+            <a:ext cx="796373" cy="724632"/>
+          </a:xfrm>
+          <a:prstGeom prst="mathMultiply">
+            <a:avLst>
+              <a:gd name="adj1" fmla="val 5668"/>
+            </a:avLst>
+          </a:prstGeom>
+          <a:solidFill>
+            <a:srgbClr val="FF0000"/>
+          </a:solidFill>
+          <a:ln>
+            <a:solidFill>
+              <a:srgbClr val="FF0000"/>
+            </a:solidFill>
+          </a:ln>
+        </p:spPr>
+        <p:style>
+          <a:lnRef idx="2">
+            <a:schemeClr val="accent1">
+              <a:shade val="50000"/>
+            </a:schemeClr>
+          </a:lnRef>
+          <a:fillRef idx="1">
+            <a:schemeClr val="accent1"/>
+          </a:fillRef>
+          <a:effectRef idx="0">
+            <a:schemeClr val="accent1"/>
+          </a:effectRef>
+          <a:fontRef idx="minor">
+            <a:schemeClr val="lt1"/>
+          </a:fontRef>
+        </p:style>
+        <p:txBody>
+          <a:bodyPr rtlCol="0" anchor="ctr"/>
+          <a:lstStyle/>
+          <a:p>
+            <a:pPr algn="ctr"/>
+            <a:endParaRPr lang="en-CA"/>
+          </a:p>
+        </p:txBody>
+      </p:sp>
+      <p:sp>
+        <p:nvSpPr>
+          <p:cNvPr id="80" name="Multiply 79"/>
+          <p:cNvSpPr/>
+          <p:nvPr/>
+        </p:nvSpPr>
+        <p:spPr>
+          <a:xfrm flipH="1">
+            <a:off x="9109260" y="4153840"/>
+            <a:ext cx="796373" cy="724632"/>
+          </a:xfrm>
+          <a:prstGeom prst="mathMultiply">
+            <a:avLst>
+              <a:gd name="adj1" fmla="val 5668"/>
+            </a:avLst>
+          </a:prstGeom>
+          <a:solidFill>
+            <a:srgbClr val="FF0000"/>
+          </a:solidFill>
+          <a:ln>
+            <a:solidFill>
+              <a:srgbClr val="FF0000"/>
+            </a:solidFill>
+          </a:ln>
+        </p:spPr>
+        <p:style>
+          <a:lnRef idx="2">
+            <a:schemeClr val="accent1">
+              <a:shade val="50000"/>
+            </a:schemeClr>
+          </a:lnRef>
+          <a:fillRef idx="1">
+            <a:schemeClr val="accent1"/>
+          </a:fillRef>
+          <a:effectRef idx="0">
+            <a:schemeClr val="accent1"/>
+          </a:effectRef>
+          <a:fontRef idx="minor">
+            <a:schemeClr val="lt1"/>
+          </a:fontRef>
+        </p:style>
+        <p:txBody>
+          <a:bodyPr rtlCol="0" anchor="ctr"/>
+          <a:lstStyle/>
+          <a:p>
+            <a:pPr algn="ctr"/>
+            <a:endParaRPr lang="en-CA"/>
+          </a:p>
+        </p:txBody>
+      </p:sp>
+      <p:sp>
+        <p:nvSpPr>
+          <p:cNvPr id="81" name="Multiply 80"/>
+          <p:cNvSpPr/>
+          <p:nvPr/>
+        </p:nvSpPr>
+        <p:spPr>
+          <a:xfrm flipH="1">
+            <a:off x="10366706" y="3802499"/>
+            <a:ext cx="796373" cy="724632"/>
+          </a:xfrm>
+          <a:prstGeom prst="mathMultiply">
+            <a:avLst>
+              <a:gd name="adj1" fmla="val 5668"/>
+            </a:avLst>
+          </a:prstGeom>
+          <a:solidFill>
+            <a:srgbClr val="FF0000"/>
+          </a:solidFill>
+          <a:ln>
+            <a:solidFill>
+              <a:srgbClr val="FF0000"/>
+            </a:solidFill>
+          </a:ln>
+        </p:spPr>
+        <p:style>
+          <a:lnRef idx="2">
+            <a:schemeClr val="accent1">
+              <a:shade val="50000"/>
+            </a:schemeClr>
+          </a:lnRef>
+          <a:fillRef idx="1">
+            <a:schemeClr val="accent1"/>
+          </a:fillRef>
+          <a:effectRef idx="0">
+            <a:schemeClr val="accent1"/>
+          </a:effectRef>
+          <a:fontRef idx="minor">
+            <a:schemeClr val="lt1"/>
+          </a:fontRef>
+        </p:style>
+        <p:txBody>
+          <a:bodyPr rtlCol="0" anchor="ctr"/>
+          <a:lstStyle/>
+          <a:p>
+            <a:pPr algn="ctr"/>
+            <a:endParaRPr lang="en-CA"/>
+          </a:p>
+        </p:txBody>
+      </p:sp>
+      <p:sp>
+        <p:nvSpPr>
+          <p:cNvPr id="82" name="Multiply 81"/>
+          <p:cNvSpPr/>
+          <p:nvPr/>
+        </p:nvSpPr>
+        <p:spPr>
+          <a:xfrm flipH="1">
+            <a:off x="10017632" y="4445586"/>
+            <a:ext cx="796373" cy="724632"/>
+          </a:xfrm>
+          <a:prstGeom prst="mathMultiply">
+            <a:avLst>
+              <a:gd name="adj1" fmla="val 5668"/>
+            </a:avLst>
+          </a:prstGeom>
+          <a:solidFill>
+            <a:srgbClr val="FF0000"/>
+          </a:solidFill>
+          <a:ln>
+            <a:solidFill>
+              <a:srgbClr val="FF0000"/>
+            </a:solidFill>
+          </a:ln>
+        </p:spPr>
+        <p:style>
+          <a:lnRef idx="2">
+            <a:schemeClr val="accent1">
+              <a:shade val="50000"/>
+            </a:schemeClr>
+          </a:lnRef>
+          <a:fillRef idx="1">
+            <a:schemeClr val="accent1"/>
+          </a:fillRef>
+          <a:effectRef idx="0">
+            <a:schemeClr val="accent1"/>
+          </a:effectRef>
+          <a:fontRef idx="minor">
+            <a:schemeClr val="lt1"/>
+          </a:fontRef>
+        </p:style>
+        <p:txBody>
+          <a:bodyPr rtlCol="0" anchor="ctr"/>
+          <a:lstStyle/>
+          <a:p>
+            <a:pPr algn="ctr"/>
+            <a:endParaRPr lang="en-CA"/>
+          </a:p>
+        </p:txBody>
+      </p:sp>
+    </p:spTree>
+    <p:extLst>
+      <p:ext uri="{BB962C8B-B14F-4D97-AF65-F5344CB8AC3E}">
+        <p14:creationId xmlns:p14="http://schemas.microsoft.com/office/powerpoint/2010/main" val="154865815"/>
+      </p:ext>
+    </p:extLst>
+  </p:cSld>
+  <p:clrMapOvr>
+    <a:masterClrMapping/>
+  </p:clrMapOvr>
+  <p:timing>
+    <p:tnLst>
+      <p:par>
+        <p:cTn id="1" dur="indefinite" restart="never" nodeType="tmRoot">
+          <p:childTnLst>
+            <p:seq concurrent="1" nextAc="seek">
+              <p:cTn id="2" dur="indefinite" nodeType="mainSeq">
+                <p:childTnLst>
+                  <p:par>
+                    <p:cTn id="3" fill="hold">
+                      <p:stCondLst>
+                        <p:cond delay="indefinite"/>
+                      </p:stCondLst>
+                      <p:childTnLst>
+                        <p:par>
+                          <p:cTn id="4" fill="hold">
+                            <p:stCondLst>
+                              <p:cond delay="0"/>
+                            </p:stCondLst>
+                            <p:childTnLst>
+                              <p:par>
+                                <p:cTn id="5" presetID="10" presetClass="entr" presetSubtype="0" fill="hold" nodeType="clickEffect">
+                                  <p:stCondLst>
+                                    <p:cond delay="0"/>
+                                  </p:stCondLst>
+                                  <p:childTnLst>
+                                    <p:set>
+                                      <p:cBhvr>
+                                        <p:cTn id="6" dur="1" fill="hold">
+                                          <p:stCondLst>
+                                            <p:cond delay="0"/>
+                                          </p:stCondLst>
+                                        </p:cTn>
+                                        <p:tgtEl>
+                                          <p:spTgt spid="83"/>
+                                        </p:tgtEl>
+                                        <p:attrNameLst>
+                                          <p:attrName>style.visibility</p:attrName>
+                                        </p:attrNameLst>
+                                      </p:cBhvr>
+                                      <p:to>
+                                        <p:strVal val="visible"/>
+                                      </p:to>
+                                    </p:set>
+                                    <p:animEffect transition="in" filter="fade">
+                                      <p:cBhvr>
+                                        <p:cTn id="7" dur="500"/>
+                                        <p:tgtEl>
+                                          <p:spTgt spid="83"/>
+                                        </p:tgtEl>
+                                      </p:cBhvr>
+                                    </p:animEffect>
+                                  </p:childTnLst>
+                                </p:cTn>
+                              </p:par>
+                            </p:childTnLst>
+                          </p:cTn>
+                        </p:par>
+                      </p:childTnLst>
+                    </p:cTn>
+                  </p:par>
+                  <p:par>
+                    <p:cTn id="8" fill="hold">
+                      <p:stCondLst>
+                        <p:cond delay="indefinite"/>
+                      </p:stCondLst>
+                      <p:childTnLst>
+                        <p:par>
+                          <p:cTn id="9" fill="hold">
+                            <p:stCondLst>
+                              <p:cond delay="0"/>
+                            </p:stCondLst>
+                            <p:childTnLst>
+                              <p:par>
+                                <p:cTn id="10" presetID="10" presetClass="entr" presetSubtype="0" fill="hold" nodeType="clickEffect">
+                                  <p:stCondLst>
+                                    <p:cond delay="0"/>
+                                  </p:stCondLst>
+                                  <p:childTnLst>
+                                    <p:set>
+                                      <p:cBhvr>
+                                        <p:cTn id="11" dur="1" fill="hold">
+                                          <p:stCondLst>
+                                            <p:cond delay="0"/>
+                                          </p:stCondLst>
+                                        </p:cTn>
+                                        <p:tgtEl>
+                                          <p:spTgt spid="62"/>
+                                        </p:tgtEl>
+                                        <p:attrNameLst>
+                                          <p:attrName>style.visibility</p:attrName>
+                                        </p:attrNameLst>
+                                      </p:cBhvr>
+                                      <p:to>
+                                        <p:strVal val="visible"/>
+                                      </p:to>
+                                    </p:set>
+                                    <p:animEffect transition="in" filter="fade">
+                                      <p:cBhvr>
+                                        <p:cTn id="12" dur="500"/>
+                                        <p:tgtEl>
+                                          <p:spTgt spid="62"/>
+                                        </p:tgtEl>
+                                      </p:cBhvr>
+                                    </p:animEffect>
+                                  </p:childTnLst>
+                                </p:cTn>
+                              </p:par>
+                              <p:par>
+                                <p:cTn id="13" presetID="10" presetClass="entr" presetSubtype="0" fill="hold" grpId="0" nodeType="withEffect">
+                                  <p:stCondLst>
+                                    <p:cond delay="0"/>
+                                  </p:stCondLst>
+                                  <p:childTnLst>
+                                    <p:set>
+                                      <p:cBhvr>
+                                        <p:cTn id="14" dur="1" fill="hold">
+                                          <p:stCondLst>
+                                            <p:cond delay="0"/>
+                                          </p:stCondLst>
+                                        </p:cTn>
+                                        <p:tgtEl>
+                                          <p:spTgt spid="68"/>
+                                        </p:tgtEl>
+                                        <p:attrNameLst>
+                                          <p:attrName>style.visibility</p:attrName>
+                                        </p:attrNameLst>
+                                      </p:cBhvr>
+                                      <p:to>
+                                        <p:strVal val="visible"/>
+                                      </p:to>
+                                    </p:set>
+                                    <p:animEffect transition="in" filter="fade">
+                                      <p:cBhvr>
+                                        <p:cTn id="15" dur="500"/>
+                                        <p:tgtEl>
+                                          <p:spTgt spid="68"/>
+                                        </p:tgtEl>
+                                      </p:cBhvr>
+                                    </p:animEffect>
+                                  </p:childTnLst>
+                                </p:cTn>
+                              </p:par>
+                            </p:childTnLst>
+                          </p:cTn>
+                        </p:par>
+                      </p:childTnLst>
+                    </p:cTn>
+                  </p:par>
+                  <p:par>
+                    <p:cTn id="16" fill="hold">
+                      <p:stCondLst>
+                        <p:cond delay="indefinite"/>
+                      </p:stCondLst>
+                      <p:childTnLst>
+                        <p:par>
+                          <p:cTn id="17" fill="hold">
+                            <p:stCondLst>
+                              <p:cond delay="0"/>
+                            </p:stCondLst>
+                            <p:childTnLst>
+                              <p:par>
+                                <p:cTn id="18" presetID="10" presetClass="entr" presetSubtype="0" fill="hold" grpId="0" nodeType="clickEffect">
+                                  <p:stCondLst>
+                                    <p:cond delay="0"/>
+                                  </p:stCondLst>
+                                  <p:childTnLst>
+                                    <p:set>
+                                      <p:cBhvr>
+                                        <p:cTn id="19" dur="1" fill="hold">
+                                          <p:stCondLst>
+                                            <p:cond delay="0"/>
+                                          </p:stCondLst>
+                                        </p:cTn>
+                                        <p:tgtEl>
+                                          <p:spTgt spid="72"/>
+                                        </p:tgtEl>
+                                        <p:attrNameLst>
+                                          <p:attrName>style.visibility</p:attrName>
+                                        </p:attrNameLst>
+                                      </p:cBhvr>
+                                      <p:to>
+                                        <p:strVal val="visible"/>
+                                      </p:to>
+                                    </p:set>
+                                    <p:animEffect transition="in" filter="fade">
+                                      <p:cBhvr>
+                                        <p:cTn id="20" dur="500"/>
+                                        <p:tgtEl>
+                                          <p:spTgt spid="72"/>
+                                        </p:tgtEl>
+                                      </p:cBhvr>
+                                    </p:animEffect>
+                                  </p:childTnLst>
+                                </p:cTn>
+                              </p:par>
+                              <p:par>
+                                <p:cTn id="21" presetID="10" presetClass="entr" presetSubtype="0" fill="hold" grpId="0" nodeType="withEffect">
+                                  <p:stCondLst>
+                                    <p:cond delay="0"/>
+                                  </p:stCondLst>
+                                  <p:childTnLst>
+                                    <p:set>
+                                      <p:cBhvr>
+                                        <p:cTn id="22" dur="1" fill="hold">
+                                          <p:stCondLst>
+                                            <p:cond delay="0"/>
+                                          </p:stCondLst>
+                                        </p:cTn>
+                                        <p:tgtEl>
+                                          <p:spTgt spid="73"/>
+                                        </p:tgtEl>
+                                        <p:attrNameLst>
+                                          <p:attrName>style.visibility</p:attrName>
+                                        </p:attrNameLst>
+                                      </p:cBhvr>
+                                      <p:to>
+                                        <p:strVal val="visible"/>
+                                      </p:to>
+                                    </p:set>
+                                    <p:animEffect transition="in" filter="fade">
+                                      <p:cBhvr>
+                                        <p:cTn id="23" dur="500"/>
+                                        <p:tgtEl>
+                                          <p:spTgt spid="73"/>
+                                        </p:tgtEl>
+                                      </p:cBhvr>
+                                    </p:animEffect>
+                                  </p:childTnLst>
+                                </p:cTn>
+                              </p:par>
+                              <p:par>
+                                <p:cTn id="24" presetID="10" presetClass="entr" presetSubtype="0" fill="hold" grpId="0" nodeType="withEffect">
+                                  <p:stCondLst>
+                                    <p:cond delay="0"/>
+                                  </p:stCondLst>
+                                  <p:childTnLst>
+                                    <p:set>
+                                      <p:cBhvr>
+                                        <p:cTn id="25" dur="1" fill="hold">
+                                          <p:stCondLst>
+                                            <p:cond delay="0"/>
+                                          </p:stCondLst>
+                                        </p:cTn>
+                                        <p:tgtEl>
+                                          <p:spTgt spid="74"/>
+                                        </p:tgtEl>
+                                        <p:attrNameLst>
+                                          <p:attrName>style.visibility</p:attrName>
+                                        </p:attrNameLst>
+                                      </p:cBhvr>
+                                      <p:to>
+                                        <p:strVal val="visible"/>
+                                      </p:to>
+                                    </p:set>
+                                    <p:animEffect transition="in" filter="fade">
+                                      <p:cBhvr>
+                                        <p:cTn id="26" dur="500"/>
+                                        <p:tgtEl>
+                                          <p:spTgt spid="74"/>
+                                        </p:tgtEl>
+                                      </p:cBhvr>
+                                    </p:animEffect>
+                                  </p:childTnLst>
+                                </p:cTn>
+                              </p:par>
+                            </p:childTnLst>
+                          </p:cTn>
+                        </p:par>
+                      </p:childTnLst>
+                    </p:cTn>
+                  </p:par>
+                  <p:par>
+                    <p:cTn id="27" fill="hold">
+                      <p:stCondLst>
+                        <p:cond delay="indefinite"/>
+                      </p:stCondLst>
+                      <p:childTnLst>
+                        <p:par>
+                          <p:cTn id="28" fill="hold">
+                            <p:stCondLst>
+                              <p:cond delay="0"/>
+                            </p:stCondLst>
+                            <p:childTnLst>
+                              <p:par>
+                                <p:cTn id="29" presetID="10" presetClass="entr" presetSubtype="0" fill="hold" grpId="0" nodeType="clickEffect">
+                                  <p:stCondLst>
+                                    <p:cond delay="0"/>
+                                  </p:stCondLst>
+                                  <p:childTnLst>
+                                    <p:set>
+                                      <p:cBhvr>
+                                        <p:cTn id="30" dur="1" fill="hold">
+                                          <p:stCondLst>
+                                            <p:cond delay="0"/>
+                                          </p:stCondLst>
+                                        </p:cTn>
+                                        <p:tgtEl>
+                                          <p:spTgt spid="71"/>
+                                        </p:tgtEl>
+                                        <p:attrNameLst>
+                                          <p:attrName>style.visibility</p:attrName>
+                                        </p:attrNameLst>
+                                      </p:cBhvr>
+                                      <p:to>
+                                        <p:strVal val="visible"/>
+                                      </p:to>
+                                    </p:set>
+                                    <p:animEffect transition="in" filter="fade">
+                                      <p:cBhvr>
+                                        <p:cTn id="31" dur="500"/>
+                                        <p:tgtEl>
+                                          <p:spTgt spid="71"/>
+                                        </p:tgtEl>
+                                      </p:cBhvr>
+                                    </p:animEffect>
+                                  </p:childTnLst>
+                                </p:cTn>
+                              </p:par>
+                              <p:par>
+                                <p:cTn id="32" presetID="10" presetClass="entr" presetSubtype="0" fill="hold" grpId="0" nodeType="withEffect">
+                                  <p:stCondLst>
+                                    <p:cond delay="0"/>
+                                  </p:stCondLst>
+                                  <p:childTnLst>
+                                    <p:set>
+                                      <p:cBhvr>
+                                        <p:cTn id="33" dur="1" fill="hold">
+                                          <p:stCondLst>
+                                            <p:cond delay="0"/>
+                                          </p:stCondLst>
+                                        </p:cTn>
+                                        <p:tgtEl>
+                                          <p:spTgt spid="80"/>
+                                        </p:tgtEl>
+                                        <p:attrNameLst>
+                                          <p:attrName>style.visibility</p:attrName>
+                                        </p:attrNameLst>
+                                      </p:cBhvr>
+                                      <p:to>
+                                        <p:strVal val="visible"/>
+                                      </p:to>
+                                    </p:set>
+                                    <p:animEffect transition="in" filter="fade">
+                                      <p:cBhvr>
+                                        <p:cTn id="34" dur="500"/>
+                                        <p:tgtEl>
+                                          <p:spTgt spid="80"/>
+                                        </p:tgtEl>
+                                      </p:cBhvr>
+                                    </p:animEffect>
+                                  </p:childTnLst>
+                                </p:cTn>
+                              </p:par>
+                              <p:par>
+                                <p:cTn id="35" presetID="10" presetClass="entr" presetSubtype="0" fill="hold" grpId="0" nodeType="withEffect">
+                                  <p:stCondLst>
+                                    <p:cond delay="0"/>
+                                  </p:stCondLst>
+                                  <p:childTnLst>
+                                    <p:set>
+                                      <p:cBhvr>
+                                        <p:cTn id="36" dur="1" fill="hold">
+                                          <p:stCondLst>
+                                            <p:cond delay="0"/>
+                                          </p:stCondLst>
+                                        </p:cTn>
+                                        <p:tgtEl>
+                                          <p:spTgt spid="79"/>
+                                        </p:tgtEl>
+                                        <p:attrNameLst>
+                                          <p:attrName>style.visibility</p:attrName>
+                                        </p:attrNameLst>
+                                      </p:cBhvr>
+                                      <p:to>
+                                        <p:strVal val="visible"/>
+                                      </p:to>
+                                    </p:set>
+                                    <p:animEffect transition="in" filter="fade">
+                                      <p:cBhvr>
+                                        <p:cTn id="37" dur="500"/>
+                                        <p:tgtEl>
+                                          <p:spTgt spid="79"/>
+                                        </p:tgtEl>
+                                      </p:cBhvr>
+                                    </p:animEffect>
+                                  </p:childTnLst>
+                                </p:cTn>
+                              </p:par>
+                              <p:par>
+                                <p:cTn id="38" presetID="10" presetClass="entr" presetSubtype="0" fill="hold" grpId="0" nodeType="withEffect">
+                                  <p:stCondLst>
+                                    <p:cond delay="0"/>
+                                  </p:stCondLst>
+                                  <p:childTnLst>
+                                    <p:set>
+                                      <p:cBhvr>
+                                        <p:cTn id="39" dur="1" fill="hold">
+                                          <p:stCondLst>
+                                            <p:cond delay="0"/>
+                                          </p:stCondLst>
+                                        </p:cTn>
+                                        <p:tgtEl>
+                                          <p:spTgt spid="78"/>
+                                        </p:tgtEl>
+                                        <p:attrNameLst>
+                                          <p:attrName>style.visibility</p:attrName>
+                                        </p:attrNameLst>
+                                      </p:cBhvr>
+                                      <p:to>
+                                        <p:strVal val="visible"/>
+                                      </p:to>
+                                    </p:set>
+                                    <p:animEffect transition="in" filter="fade">
+                                      <p:cBhvr>
+                                        <p:cTn id="40" dur="500"/>
+                                        <p:tgtEl>
+                                          <p:spTgt spid="78"/>
+                                        </p:tgtEl>
+                                      </p:cBhvr>
+                                    </p:animEffect>
+                                  </p:childTnLst>
+                                </p:cTn>
+                              </p:par>
+                              <p:par>
+                                <p:cTn id="41" presetID="10" presetClass="entr" presetSubtype="0" fill="hold" grpId="0" nodeType="withEffect">
+                                  <p:stCondLst>
+                                    <p:cond delay="0"/>
+                                  </p:stCondLst>
+                                  <p:childTnLst>
+                                    <p:set>
+                                      <p:cBhvr>
+                                        <p:cTn id="42" dur="1" fill="hold">
+                                          <p:stCondLst>
+                                            <p:cond delay="0"/>
+                                          </p:stCondLst>
+                                        </p:cTn>
+                                        <p:tgtEl>
+                                          <p:spTgt spid="81"/>
+                                        </p:tgtEl>
+                                        <p:attrNameLst>
+                                          <p:attrName>style.visibility</p:attrName>
+                                        </p:attrNameLst>
+                                      </p:cBhvr>
+                                      <p:to>
+                                        <p:strVal val="visible"/>
+                                      </p:to>
+                                    </p:set>
+                                    <p:animEffect transition="in" filter="fade">
+                                      <p:cBhvr>
+                                        <p:cTn id="43" dur="500"/>
+                                        <p:tgtEl>
+                                          <p:spTgt spid="81"/>
+                                        </p:tgtEl>
+                                      </p:cBhvr>
+                                    </p:animEffect>
+                                  </p:childTnLst>
+                                </p:cTn>
+                              </p:par>
+                              <p:par>
+                                <p:cTn id="44" presetID="10" presetClass="entr" presetSubtype="0" fill="hold" grpId="0" nodeType="withEffect">
+                                  <p:stCondLst>
+                                    <p:cond delay="0"/>
+                                  </p:stCondLst>
+                                  <p:childTnLst>
+                                    <p:set>
+                                      <p:cBhvr>
+                                        <p:cTn id="45" dur="1" fill="hold">
+                                          <p:stCondLst>
+                                            <p:cond delay="0"/>
+                                          </p:stCondLst>
+                                        </p:cTn>
+                                        <p:tgtEl>
+                                          <p:spTgt spid="82"/>
+                                        </p:tgtEl>
+                                        <p:attrNameLst>
+                                          <p:attrName>style.visibility</p:attrName>
+                                        </p:attrNameLst>
+                                      </p:cBhvr>
+                                      <p:to>
+                                        <p:strVal val="visible"/>
+                                      </p:to>
+                                    </p:set>
+                                    <p:animEffect transition="in" filter="fade">
+                                      <p:cBhvr>
+                                        <p:cTn id="46" dur="500"/>
+                                        <p:tgtEl>
+                                          <p:spTgt spid="82"/>
+                                        </p:tgtEl>
+                                      </p:cBhvr>
+                                    </p:animEffect>
+                                  </p:childTnLst>
+                                </p:cTn>
+                              </p:par>
+                            </p:childTnLst>
+                          </p:cTn>
+                        </p:par>
+                      </p:childTnLst>
+                    </p:cTn>
+                  </p:par>
+                  <p:par>
+                    <p:cTn id="47" fill="hold">
+                      <p:stCondLst>
+                        <p:cond delay="indefinite"/>
+                      </p:stCondLst>
+                      <p:childTnLst>
+                        <p:par>
+                          <p:cTn id="48" fill="hold">
+                            <p:stCondLst>
+                              <p:cond delay="0"/>
+                            </p:stCondLst>
+                            <p:childTnLst>
+                              <p:par>
+                                <p:cTn id="49" presetID="10" presetClass="entr" presetSubtype="0" fill="hold" grpId="0" nodeType="clickEffect">
+                                  <p:stCondLst>
+                                    <p:cond delay="0"/>
+                                  </p:stCondLst>
+                                  <p:childTnLst>
+                                    <p:set>
+                                      <p:cBhvr>
+                                        <p:cTn id="50" dur="1" fill="hold">
+                                          <p:stCondLst>
+                                            <p:cond delay="0"/>
+                                          </p:stCondLst>
+                                        </p:cTn>
+                                        <p:tgtEl>
+                                          <p:spTgt spid="70"/>
+                                        </p:tgtEl>
+                                        <p:attrNameLst>
+                                          <p:attrName>style.visibility</p:attrName>
+                                        </p:attrNameLst>
+                                      </p:cBhvr>
+                                      <p:to>
+                                        <p:strVal val="visible"/>
+                                      </p:to>
+                                    </p:set>
+                                    <p:animEffect transition="in" filter="fade">
+                                      <p:cBhvr>
+                                        <p:cTn id="51" dur="500"/>
+                                        <p:tgtEl>
+                                          <p:spTgt spid="70"/>
+                                        </p:tgtEl>
+                                      </p:cBhvr>
+                                    </p:animEffect>
+                                  </p:childTnLst>
+                                </p:cTn>
+                              </p:par>
+                            </p:childTnLst>
+                          </p:cTn>
+                        </p:par>
+                      </p:childTnLst>
+                    </p:cTn>
+                  </p:par>
+                </p:childTnLst>
+              </p:cTn>
+              <p:prevCondLst>
+                <p:cond evt="onPrev" delay="0">
+                  <p:tgtEl>
+                    <p:sldTgt/>
+                  </p:tgtEl>
+                </p:cond>
+              </p:prevCondLst>
+              <p:nextCondLst>
+                <p:cond evt="onNext" delay="0">
+                  <p:tgtEl>
+                    <p:sldTgt/>
+                  </p:tgtEl>
+                </p:cond>
+              </p:nextCondLst>
+            </p:seq>
+          </p:childTnLst>
+        </p:cTn>
+      </p:par>
+    </p:tnLst>
+    <p:bldLst>
+      <p:bldP spid="68" grpId="0" animBg="1"/>
+      <p:bldP spid="70" grpId="0" animBg="1"/>
+      <p:bldP spid="71" grpId="0" animBg="1"/>
+      <p:bldP spid="72" grpId="0" animBg="1"/>
+      <p:bldP spid="73" grpId="0" animBg="1"/>
+      <p:bldP spid="74" grpId="0" animBg="1"/>
+      <p:bldP spid="78" grpId="0" animBg="1"/>
+      <p:bldP spid="79" grpId="0" animBg="1"/>
+      <p:bldP spid="80" grpId="0" animBg="1"/>
+      <p:bldP spid="81" grpId="0" animBg="1"/>
+      <p:bldP spid="82" grpId="0" animBg="1"/>
+    </p:bldLst>
+  </p:timing>
+</p:sld>
+</file>
+
+<file path=ppt/slides/slide5.xml><?xml version="1.0" encoding="utf-8"?>
+<p:sld xmlns:a="http://schemas.openxmlformats.org/drawingml/2006/main" xmlns:r="http://schemas.openxmlformats.org/officeDocument/2006/relationships" xmlns:p="http://schemas.openxmlformats.org/presentationml/2006/main">
+  <p:cSld>
+    <p:spTree>
+      <p:nvGrpSpPr>
+        <p:cNvPr id="1" name=""/>
+        <p:cNvGrpSpPr/>
+        <p:nvPr/>
+      </p:nvGrpSpPr>
+      <p:grpSpPr>
+        <a:xfrm>
+          <a:off x="0" y="0"/>
+          <a:ext cx="0" cy="0"/>
+          <a:chOff x="0" y="0"/>
+          <a:chExt cx="0" cy="0"/>
+        </a:xfrm>
+      </p:grpSpPr>
+      <p:sp>
+        <p:nvSpPr>
+          <p:cNvPr id="2" name="Slide Number Placeholder 1"/>
+          <p:cNvSpPr>
+            <a:spLocks noGrp="1"/>
+          </p:cNvSpPr>
+          <p:nvPr>
+            <p:ph type="sldNum" sz="quarter" idx="4"/>
+          </p:nvPr>
+        </p:nvSpPr>
+        <p:spPr/>
+        <p:txBody>
+          <a:bodyPr/>
+          <a:lstStyle/>
+          <a:p>
+            <a:fld id="{813506F1-DB5F-4FC9-88BA-B486F30FE4BF}" type="slidenum">
+              <a:rPr lang="fr-FR" smtClean="0"/>
+              <a:pPr/>
+              <a:t>4</a:t>
+            </a:fld>
+            <a:endParaRPr lang="fr-FR" dirty="0"/>
+          </a:p>
+        </p:txBody>
+      </p:sp>
       <p:graphicFrame>
         <p:nvGraphicFramePr>
           <p:cNvPr id="6" name="Diagram 5"/>
@@ -20825,7 +23856,7 @@
           <p:nvPr>
             <p:extLst>
               <p:ext uri="{D42A27DB-BD31-4B8C-83A1-F6EECF244321}">
-                <p14:modId xmlns:p14="http://schemas.microsoft.com/office/powerpoint/2010/main" val="4085581944"/>
+                <p14:modId xmlns:p14="http://schemas.microsoft.com/office/powerpoint/2010/main" val="487932682"/>
               </p:ext>
             </p:extLst>
           </p:nvPr>
@@ -21672,7 +24703,7 @@
 </p:sld>
 </file>
 
-<file path=ppt/slides/slide5.xml><?xml version="1.0" encoding="utf-8"?>
+<file path=ppt/slides/slide6.xml><?xml version="1.0" encoding="utf-8"?>
 <p:sld xmlns:a="http://schemas.openxmlformats.org/drawingml/2006/main" xmlns:r="http://schemas.openxmlformats.org/officeDocument/2006/relationships" xmlns:p="http://schemas.openxmlformats.org/presentationml/2006/main">
   <p:cSld>
     <p:spTree>
@@ -21707,7 +24738,7 @@
             <a:fld id="{813506F1-DB5F-4FC9-88BA-B486F30FE4BF}" type="slidenum">
               <a:rPr lang="fr-FR" smtClean="0"/>
               <a:pPr/>
-              <a:t>4</a:t>
+              <a:t>5</a:t>
             </a:fld>
             <a:endParaRPr lang="fr-FR" dirty="0"/>
           </a:p>
@@ -26539,10 +29570,17 @@
   <p:clrMapOvr>
     <a:masterClrMapping/>
   </p:clrMapOvr>
+  <p:timing>
+    <p:tnLst>
+      <p:par>
+        <p:cTn id="1" dur="indefinite" restart="never" nodeType="tmRoot"/>
+      </p:par>
+    </p:tnLst>
+  </p:timing>
 </p:sld>
 </file>
 
-<file path=ppt/slides/slide6.xml><?xml version="1.0" encoding="utf-8"?>
+<file path=ppt/slides/slide7.xml><?xml version="1.0" encoding="utf-8"?>
 <p:sld xmlns:a="http://schemas.openxmlformats.org/drawingml/2006/main" xmlns:r="http://schemas.openxmlformats.org/officeDocument/2006/relationships" xmlns:p="http://schemas.openxmlformats.org/presentationml/2006/main">
   <p:cSld>
     <p:spTree>
@@ -26577,7 +29615,7 @@
             <a:fld id="{813506F1-DB5F-4FC9-88BA-B486F30FE4BF}" type="slidenum">
               <a:rPr lang="fr-FR" smtClean="0"/>
               <a:pPr/>
-              <a:t>5</a:t>
+              <a:t>6</a:t>
             </a:fld>
             <a:endParaRPr lang="fr-FR" dirty="0"/>
           </a:p>
@@ -26594,7 +29632,7 @@
         <p:spPr>
           <a:xfrm>
             <a:off x="648394" y="2101646"/>
-            <a:ext cx="4460502" cy="733833"/>
+            <a:ext cx="1524535" cy="733833"/>
           </a:xfrm>
           <a:prstGeom prst="rect">
             <a:avLst/>
@@ -26631,638 +29669,36 @@
       </p:sp>
       <p:graphicFrame>
         <p:nvGraphicFramePr>
-          <p:cNvPr id="14" name="Object 13"/>
-          <p:cNvGraphicFramePr>
-            <a:graphicFrameLocks noChangeAspect="1"/>
-          </p:cNvGraphicFramePr>
+          <p:cNvPr id="17" name="Diagram 16"/>
+          <p:cNvGraphicFramePr/>
           <p:nvPr>
             <p:extLst>
               <p:ext uri="{D42A27DB-BD31-4B8C-83A1-F6EECF244321}">
-                <p14:modId xmlns:p14="http://schemas.microsoft.com/office/powerpoint/2010/main" val="150684797"/>
+                <p14:modId xmlns:p14="http://schemas.microsoft.com/office/powerpoint/2010/main" val="1044012481"/>
               </p:ext>
             </p:extLst>
           </p:nvPr>
         </p:nvGraphicFramePr>
         <p:xfrm>
-          <a:off x="92075" y="92075"/>
-          <a:ext cx="431800" cy="349250"/>
+          <a:off x="2265149" y="1829006"/>
+          <a:ext cx="8363522" cy="4863689"/>
         </p:xfrm>
         <a:graphic>
-          <a:graphicData uri="http://schemas.openxmlformats.org/presentationml/2006/ole">
-            <mc:AlternateContent xmlns:mc="http://schemas.openxmlformats.org/markup-compatibility/2006">
-              <mc:Choice xmlns:v="urn:schemas-microsoft-com:vml" Requires="v">
-                <p:oleObj spid="_x0000_s1028" name="Objet d’environnement du Gestionnaire de liaisons" showAsIcon="1" r:id="rId3" imgW="432000" imgH="349200" progId="Package">
-                  <p:embed/>
-                </p:oleObj>
-              </mc:Choice>
-              <mc:Fallback>
-                <p:oleObj name="Objet d’environnement du Gestionnaire de liaisons" showAsIcon="1" r:id="rId3" imgW="432000" imgH="349200" progId="Package">
-                  <p:embed/>
-                  <p:pic>
-                    <p:nvPicPr>
-                      <p:cNvPr id="0" name=""/>
-                      <p:cNvPicPr/>
-                      <p:nvPr/>
-                    </p:nvPicPr>
-                    <p:blipFill>
-                      <a:blip r:embed="rId4"/>
-                      <a:stretch>
-                        <a:fillRect/>
-                      </a:stretch>
-                    </p:blipFill>
-                    <p:spPr>
-                      <a:xfrm>
-                        <a:off x="92075" y="92075"/>
-                        <a:ext cx="431800" cy="349250"/>
-                      </a:xfrm>
-                      <a:prstGeom prst="rect">
-                        <a:avLst/>
-                      </a:prstGeom>
-                    </p:spPr>
-                  </p:pic>
-                </p:oleObj>
-              </mc:Fallback>
-            </mc:AlternateContent>
+          <a:graphicData uri="http://schemas.openxmlformats.org/drawingml/2006/diagram">
+            <dgm:relIds xmlns:dgm="http://schemas.openxmlformats.org/drawingml/2006/diagram" xmlns:r="http://schemas.openxmlformats.org/officeDocument/2006/relationships" r:dm="rId2" r:lo="rId3" r:qs="rId4" r:cs="rId5"/>
           </a:graphicData>
         </a:graphic>
       </p:graphicFrame>
-      <p:graphicFrame>
-        <p:nvGraphicFramePr>
-          <p:cNvPr id="17" name="Diagram 16"/>
-          <p:cNvGraphicFramePr/>
-          <p:nvPr>
-            <p:extLst>
-              <p:ext uri="{D42A27DB-BD31-4B8C-83A1-F6EECF244321}">
-                <p14:modId xmlns:p14="http://schemas.microsoft.com/office/powerpoint/2010/main" val="404861904"/>
-              </p:ext>
-            </p:extLst>
-          </p:nvPr>
-        </p:nvGraphicFramePr>
-        <p:xfrm>
-          <a:off x="2294646" y="1684595"/>
-          <a:ext cx="8128000" cy="5418667"/>
-        </p:xfrm>
-        <a:graphic>
-          <a:graphicData uri="http://schemas.openxmlformats.org/drawingml/2006/diagram">
-            <dgm:relIds xmlns:dgm="http://schemas.openxmlformats.org/drawingml/2006/diagram" xmlns:r="http://schemas.openxmlformats.org/officeDocument/2006/relationships" r:dm="rId5" r:lo="rId6" r:qs="rId7" r:cs="rId8"/>
-          </a:graphicData>
-        </a:graphic>
-      </p:graphicFrame>
-    </p:spTree>
-    <p:extLst>
-      <p:ext uri="{BB962C8B-B14F-4D97-AF65-F5344CB8AC3E}">
-        <p14:creationId xmlns:p14="http://schemas.microsoft.com/office/powerpoint/2010/main" val="2585248314"/>
-      </p:ext>
-    </p:extLst>
-  </p:cSld>
-  <p:clrMapOvr>
-    <a:masterClrMapping/>
-  </p:clrMapOvr>
-  <p:timing>
-    <p:tnLst>
-      <p:par>
-        <p:cTn id="1" dur="indefinite" restart="never" nodeType="tmRoot"/>
-      </p:par>
-    </p:tnLst>
-  </p:timing>
-</p:sld>
-</file>
-
-<file path=ppt/slides/slide7.xml><?xml version="1.0" encoding="utf-8"?>
-<p:sld xmlns:a="http://schemas.openxmlformats.org/drawingml/2006/main" xmlns:r="http://schemas.openxmlformats.org/officeDocument/2006/relationships" xmlns:p="http://schemas.openxmlformats.org/presentationml/2006/main">
-  <p:cSld>
-    <p:spTree>
-      <p:nvGrpSpPr>
-        <p:cNvPr id="1" name=""/>
-        <p:cNvGrpSpPr/>
-        <p:nvPr/>
-      </p:nvGrpSpPr>
-      <p:grpSpPr>
-        <a:xfrm>
-          <a:off x="0" y="0"/>
-          <a:ext cx="0" cy="0"/>
-          <a:chOff x="0" y="0"/>
-          <a:chExt cx="0" cy="0"/>
-        </a:xfrm>
-      </p:grpSpPr>
-      <p:grpSp>
-        <p:nvGrpSpPr>
-          <p:cNvPr id="24" name="Group 23"/>
-          <p:cNvGrpSpPr/>
-          <p:nvPr/>
-        </p:nvGrpSpPr>
-        <p:grpSpPr>
-          <a:xfrm>
-            <a:off x="9794193" y="2687164"/>
-            <a:ext cx="1342562" cy="1493901"/>
-            <a:chOff x="9794193" y="2687164"/>
-            <a:chExt cx="1342562" cy="1493901"/>
-          </a:xfrm>
-        </p:grpSpPr>
-        <p:sp>
-          <p:nvSpPr>
-            <p:cNvPr id="22" name="Rectangle 21"/>
-            <p:cNvSpPr/>
-            <p:nvPr/>
-          </p:nvSpPr>
-          <p:spPr>
-            <a:xfrm>
-              <a:off x="9794193" y="2687164"/>
-              <a:ext cx="1342562" cy="1493901"/>
-            </a:xfrm>
-            <a:prstGeom prst="rect">
-              <a:avLst/>
-            </a:prstGeom>
-            <a:solidFill>
-              <a:schemeClr val="bg1"/>
-            </a:solidFill>
-            <a:ln>
-              <a:solidFill>
-                <a:schemeClr val="bg1"/>
-              </a:solidFill>
-            </a:ln>
-          </p:spPr>
-          <p:style>
-            <a:lnRef idx="2">
-              <a:schemeClr val="accent1">
-                <a:shade val="50000"/>
-              </a:schemeClr>
-            </a:lnRef>
-            <a:fillRef idx="1">
-              <a:schemeClr val="accent1"/>
-            </a:fillRef>
-            <a:effectRef idx="0">
-              <a:schemeClr val="accent1"/>
-            </a:effectRef>
-            <a:fontRef idx="minor">
-              <a:schemeClr val="lt1"/>
-            </a:fontRef>
-          </p:style>
-          <p:txBody>
-            <a:bodyPr rtlCol="0" anchor="ctr"/>
-            <a:lstStyle/>
-            <a:p>
-              <a:pPr algn="ctr"/>
-              <a:endParaRPr lang="en-CA"/>
-            </a:p>
-          </p:txBody>
-        </p:sp>
-        <p:pic>
-          <p:nvPicPr>
-            <p:cNvPr id="1030" name="Picture 6" descr="Résultat de recherche d'images pour &quot;logo html5 js php&quot;&quot;"/>
-            <p:cNvPicPr>
-              <a:picLocks noChangeAspect="1" noChangeArrowheads="1"/>
-            </p:cNvPicPr>
-            <p:nvPr/>
-          </p:nvPicPr>
-          <p:blipFill rotWithShape="1">
-            <a:blip r:embed="rId3" cstate="print">
-              <a:extLst>
-                <a:ext uri="{28A0092B-C50C-407E-A947-70E740481C1C}">
-                  <a14:useLocalDpi xmlns:a14="http://schemas.microsoft.com/office/drawing/2010/main" val="0"/>
-                </a:ext>
-              </a:extLst>
-            </a:blip>
-            <a:srcRect l="27264" r="50406" b="33495"/>
-            <a:stretch/>
-          </p:blipFill>
-          <p:spPr bwMode="auto">
-            <a:xfrm>
-              <a:off x="10617531" y="3069888"/>
-              <a:ext cx="519223" cy="645860"/>
-            </a:xfrm>
-            <a:prstGeom prst="rect">
-              <a:avLst/>
-            </a:prstGeom>
-            <a:noFill/>
-            <a:extLst>
-              <a:ext uri="{909E8E84-426E-40DD-AFC4-6F175D3DCCD1}">
-                <a14:hiddenFill xmlns:a14="http://schemas.microsoft.com/office/drawing/2010/main">
-                  <a:solidFill>
-                    <a:srgbClr val="FFFFFF"/>
-                  </a:solidFill>
-                </a14:hiddenFill>
-              </a:ext>
-            </a:extLst>
-          </p:spPr>
-        </p:pic>
-        <p:pic>
-          <p:nvPicPr>
-            <p:cNvPr id="18" name="Picture 6" descr="Résultat de recherche d'images pour &quot;logo html5 js php&quot;&quot;"/>
-            <p:cNvPicPr>
-              <a:picLocks noChangeAspect="1" noChangeArrowheads="1"/>
-            </p:cNvPicPr>
-            <p:nvPr/>
-          </p:nvPicPr>
-          <p:blipFill rotWithShape="1">
-            <a:blip r:embed="rId3" cstate="print">
-              <a:extLst>
-                <a:ext uri="{28A0092B-C50C-407E-A947-70E740481C1C}">
-                  <a14:useLocalDpi xmlns:a14="http://schemas.microsoft.com/office/drawing/2010/main" val="0"/>
-                </a:ext>
-              </a:extLst>
-            </a:blip>
-            <a:srcRect l="5828" r="70354" b="33495"/>
-            <a:stretch/>
-          </p:blipFill>
-          <p:spPr bwMode="auto">
-            <a:xfrm>
-              <a:off x="10208732" y="2687165"/>
-              <a:ext cx="553838" cy="645860"/>
-            </a:xfrm>
-            <a:prstGeom prst="rect">
-              <a:avLst/>
-            </a:prstGeom>
-            <a:noFill/>
-            <a:extLst>
-              <a:ext uri="{909E8E84-426E-40DD-AFC4-6F175D3DCCD1}">
-                <a14:hiddenFill xmlns:a14="http://schemas.microsoft.com/office/drawing/2010/main">
-                  <a:solidFill>
-                    <a:srgbClr val="FFFFFF"/>
-                  </a:solidFill>
-                </a14:hiddenFill>
-              </a:ext>
-            </a:extLst>
-          </p:spPr>
-        </p:pic>
-        <p:pic>
-          <p:nvPicPr>
-            <p:cNvPr id="19" name="Picture 6" descr="Résultat de recherche d'images pour &quot;logo html5 js php&quot;&quot;"/>
-            <p:cNvPicPr>
-              <a:picLocks noChangeAspect="1" noChangeArrowheads="1"/>
-            </p:cNvPicPr>
-            <p:nvPr/>
-          </p:nvPicPr>
-          <p:blipFill rotWithShape="1">
-            <a:blip r:embed="rId3" cstate="print">
-              <a:extLst>
-                <a:ext uri="{28A0092B-C50C-407E-A947-70E740481C1C}">
-                  <a14:useLocalDpi xmlns:a14="http://schemas.microsoft.com/office/drawing/2010/main" val="0"/>
-                </a:ext>
-              </a:extLst>
-            </a:blip>
-            <a:srcRect l="49792" r="27580" b="33495"/>
-            <a:stretch/>
-          </p:blipFill>
-          <p:spPr bwMode="auto">
-            <a:xfrm>
-              <a:off x="10208732" y="3518442"/>
-              <a:ext cx="526146" cy="645860"/>
-            </a:xfrm>
-            <a:prstGeom prst="rect">
-              <a:avLst/>
-            </a:prstGeom>
-            <a:noFill/>
-            <a:extLst>
-              <a:ext uri="{909E8E84-426E-40DD-AFC4-6F175D3DCCD1}">
-                <a14:hiddenFill xmlns:a14="http://schemas.microsoft.com/office/drawing/2010/main">
-                  <a:solidFill>
-                    <a:srgbClr val="FFFFFF"/>
-                  </a:solidFill>
-                </a14:hiddenFill>
-              </a:ext>
-            </a:extLst>
-          </p:spPr>
-        </p:pic>
-        <p:pic>
-          <p:nvPicPr>
-            <p:cNvPr id="20" name="Picture 6" descr="Résultat de recherche d'images pour &quot;logo html5 js php&quot;&quot;"/>
-            <p:cNvPicPr>
-              <a:picLocks noChangeAspect="1" noChangeArrowheads="1"/>
-            </p:cNvPicPr>
-            <p:nvPr/>
-          </p:nvPicPr>
-          <p:blipFill rotWithShape="1">
-            <a:blip r:embed="rId3" cstate="print">
-              <a:extLst>
-                <a:ext uri="{28A0092B-C50C-407E-A947-70E740481C1C}">
-                  <a14:useLocalDpi xmlns:a14="http://schemas.microsoft.com/office/drawing/2010/main" val="0"/>
-                </a:ext>
-              </a:extLst>
-            </a:blip>
-            <a:srcRect l="71625" r="6939" b="33495"/>
-            <a:stretch/>
-          </p:blipFill>
-          <p:spPr bwMode="auto">
-            <a:xfrm>
-              <a:off x="9794193" y="3074940"/>
-              <a:ext cx="498454" cy="645860"/>
-            </a:xfrm>
-            <a:prstGeom prst="rect">
-              <a:avLst/>
-            </a:prstGeom>
-            <a:noFill/>
-            <a:extLst>
-              <a:ext uri="{909E8E84-426E-40DD-AFC4-6F175D3DCCD1}">
-                <a14:hiddenFill xmlns:a14="http://schemas.microsoft.com/office/drawing/2010/main">
-                  <a:solidFill>
-                    <a:srgbClr val="FFFFFF"/>
-                  </a:solidFill>
-                </a14:hiddenFill>
-              </a:ext>
-            </a:extLst>
-          </p:spPr>
-        </p:pic>
-      </p:grpSp>
-      <p:sp>
-        <p:nvSpPr>
-          <p:cNvPr id="6" name="Slide Number Placeholder 5"/>
-          <p:cNvSpPr>
-            <a:spLocks noGrp="1"/>
-          </p:cNvSpPr>
-          <p:nvPr>
-            <p:ph type="sldNum" sz="quarter" idx="4"/>
-          </p:nvPr>
-        </p:nvSpPr>
-        <p:spPr/>
-        <p:txBody>
-          <a:bodyPr/>
-          <a:lstStyle/>
-          <a:p>
-            <a:fld id="{813506F1-DB5F-4FC9-88BA-B486F30FE4BF}" type="slidenum">
-              <a:rPr lang="fr-FR" smtClean="0"/>
-              <a:pPr/>
-              <a:t>6</a:t>
-            </a:fld>
-            <a:endParaRPr lang="fr-FR" dirty="0"/>
-          </a:p>
-        </p:txBody>
-      </p:sp>
-      <p:sp>
-        <p:nvSpPr>
-          <p:cNvPr id="7" name="Title 1"/>
-          <p:cNvSpPr txBox="1">
-            <a:spLocks/>
-          </p:cNvSpPr>
-          <p:nvPr/>
-        </p:nvSpPr>
-        <p:spPr>
-          <a:xfrm>
-            <a:off x="648394" y="2101646"/>
-            <a:ext cx="4460502" cy="733833"/>
-          </a:xfrm>
-          <a:prstGeom prst="rect">
-            <a:avLst/>
-          </a:prstGeom>
-        </p:spPr>
-        <p:txBody>
-          <a:bodyPr/>
-          <a:lstStyle>
-            <a:lvl1pPr algn="l" defTabSz="914400" rtl="0" eaLnBrk="1" latinLnBrk="0" hangingPunct="1">
-              <a:lnSpc>
-                <a:spcPct val="90000"/>
-              </a:lnSpc>
-              <a:spcBef>
-                <a:spcPct val="0"/>
-              </a:spcBef>
-              <a:buNone/>
-              <a:defRPr sz="4400" kern="1200">
-                <a:solidFill>
-                  <a:schemeClr val="tx1"/>
-                </a:solidFill>
-                <a:latin typeface="+mj-lt"/>
-                <a:ea typeface="+mj-ea"/>
-                <a:cs typeface="+mj-cs"/>
-              </a:defRPr>
-            </a:lvl1pPr>
-          </a:lstStyle>
-          <a:p>
-            <a:r>
-              <a:rPr lang="fr-FR" dirty="0"/>
-              <a:t>Tools</a:t>
-            </a:r>
-          </a:p>
-        </p:txBody>
-      </p:sp>
-      <p:grpSp>
-        <p:nvGrpSpPr>
-          <p:cNvPr id="21" name="Group 20"/>
-          <p:cNvGrpSpPr/>
-          <p:nvPr/>
-        </p:nvGrpSpPr>
-        <p:grpSpPr>
-          <a:xfrm>
-            <a:off x="3793788" y="2732349"/>
-            <a:ext cx="1616612" cy="1528366"/>
-            <a:chOff x="3793788" y="2732349"/>
-            <a:chExt cx="1616612" cy="1528366"/>
-          </a:xfrm>
-        </p:grpSpPr>
-        <p:sp>
-          <p:nvSpPr>
-            <p:cNvPr id="11" name="Rectangle 10"/>
-            <p:cNvSpPr/>
-            <p:nvPr/>
-          </p:nvSpPr>
-          <p:spPr>
-            <a:xfrm>
-              <a:off x="3793788" y="2732349"/>
-              <a:ext cx="1616612" cy="1528366"/>
-            </a:xfrm>
-            <a:prstGeom prst="rect">
-              <a:avLst/>
-            </a:prstGeom>
-            <a:solidFill>
-              <a:schemeClr val="bg1"/>
-            </a:solidFill>
-            <a:ln>
-              <a:solidFill>
-                <a:schemeClr val="bg1"/>
-              </a:solidFill>
-            </a:ln>
-          </p:spPr>
-          <p:style>
-            <a:lnRef idx="2">
-              <a:schemeClr val="accent1">
-                <a:shade val="50000"/>
-              </a:schemeClr>
-            </a:lnRef>
-            <a:fillRef idx="1">
-              <a:schemeClr val="accent1"/>
-            </a:fillRef>
-            <a:effectRef idx="0">
-              <a:schemeClr val="accent1"/>
-            </a:effectRef>
-            <a:fontRef idx="minor">
-              <a:schemeClr val="lt1"/>
-            </a:fontRef>
-          </p:style>
-          <p:txBody>
-            <a:bodyPr rtlCol="0" anchor="ctr"/>
-            <a:lstStyle/>
-            <a:p>
-              <a:pPr algn="ctr"/>
-              <a:endParaRPr lang="en-CA">
-                <a:solidFill>
-                  <a:schemeClr val="bg1"/>
-                </a:solidFill>
-              </a:endParaRPr>
-            </a:p>
-          </p:txBody>
-        </p:sp>
-        <p:pic>
-          <p:nvPicPr>
-            <p:cNvPr id="2" name="Image 1"/>
-            <p:cNvPicPr>
-              <a:picLocks noChangeAspect="1"/>
-            </p:cNvPicPr>
-            <p:nvPr/>
-          </p:nvPicPr>
-          <p:blipFill rotWithShape="1">
-            <a:blip r:embed="rId4" cstate="print">
-              <a:extLst>
-                <a:ext uri="{28A0092B-C50C-407E-A947-70E740481C1C}">
-                  <a14:useLocalDpi xmlns:a14="http://schemas.microsoft.com/office/drawing/2010/main" val="0"/>
-                </a:ext>
-              </a:extLst>
-            </a:blip>
-            <a:srcRect l="12516" t="5535" r="12151" b="26387"/>
-            <a:stretch/>
-          </p:blipFill>
-          <p:spPr>
-            <a:xfrm>
-              <a:off x="3845479" y="2818523"/>
-              <a:ext cx="1507787" cy="1362543"/>
-            </a:xfrm>
-            <a:prstGeom prst="rect">
-              <a:avLst/>
-            </a:prstGeom>
-          </p:spPr>
-        </p:pic>
-      </p:grpSp>
       <p:pic>
         <p:nvPicPr>
-          <p:cNvPr id="1032" name="Picture 8" descr="Résultat de recherche d'images pour &quot;odoo&quot;&quot;"/>
-          <p:cNvPicPr>
-            <a:picLocks noChangeAspect="1" noChangeArrowheads="1"/>
-          </p:cNvPicPr>
-          <p:nvPr/>
-        </p:nvPicPr>
-        <p:blipFill>
-          <a:blip r:embed="rId5" cstate="print">
-            <a:extLst>
-              <a:ext uri="{28A0092B-C50C-407E-A947-70E740481C1C}">
-                <a14:useLocalDpi xmlns:a14="http://schemas.microsoft.com/office/drawing/2010/main" val="0"/>
-              </a:ext>
-            </a:extLst>
-          </a:blip>
-          <a:srcRect/>
-          <a:stretch>
-            <a:fillRect/>
-          </a:stretch>
-        </p:blipFill>
-        <p:spPr bwMode="auto">
-          <a:xfrm>
-            <a:off x="7608280" y="5339998"/>
-            <a:ext cx="2594644" cy="1427054"/>
-          </a:xfrm>
-          <a:prstGeom prst="rect">
-            <a:avLst/>
-          </a:prstGeom>
-          <a:noFill/>
-          <a:extLst>
-            <a:ext uri="{909E8E84-426E-40DD-AFC4-6F175D3DCCD1}">
-              <a14:hiddenFill xmlns:a14="http://schemas.microsoft.com/office/drawing/2010/main">
-                <a:solidFill>
-                  <a:srgbClr val="FFFFFF"/>
-                </a:solidFill>
-              </a14:hiddenFill>
-            </a:ext>
-          </a:extLst>
-        </p:spPr>
-      </p:pic>
-      <p:pic>
-        <p:nvPicPr>
-          <p:cNvPr id="1034" name="Picture 10" descr="Résultat de recherche d'images pour &quot;google scholar logo&quot;&quot;"/>
-          <p:cNvPicPr>
-            <a:picLocks noChangeAspect="1" noChangeArrowheads="1"/>
-          </p:cNvPicPr>
-          <p:nvPr/>
-        </p:nvPicPr>
-        <p:blipFill>
-          <a:blip r:embed="rId6">
-            <a:extLst>
-              <a:ext uri="{28A0092B-C50C-407E-A947-70E740481C1C}">
-                <a14:useLocalDpi xmlns:a14="http://schemas.microsoft.com/office/drawing/2010/main" val="0"/>
-              </a:ext>
-            </a:extLst>
-          </a:blip>
-          <a:srcRect/>
-          <a:stretch>
-            <a:fillRect/>
-          </a:stretch>
-        </p:blipFill>
-        <p:spPr bwMode="auto">
-          <a:xfrm>
-            <a:off x="5767651" y="5442057"/>
-            <a:ext cx="2406980" cy="921997"/>
-          </a:xfrm>
-          <a:prstGeom prst="rect">
-            <a:avLst/>
-          </a:prstGeom>
-          <a:noFill/>
-          <a:extLst>
-            <a:ext uri="{909E8E84-426E-40DD-AFC4-6F175D3DCCD1}">
-              <a14:hiddenFill xmlns:a14="http://schemas.microsoft.com/office/drawing/2010/main">
-                <a:solidFill>
-                  <a:srgbClr val="FFFFFF"/>
-                </a:solidFill>
-              </a14:hiddenFill>
-            </a:ext>
-          </a:extLst>
-        </p:spPr>
-      </p:pic>
-      <p:pic>
-        <p:nvPicPr>
-          <p:cNvPr id="3" name="Picture 2" descr="Résultat de recherche d'images pour &quot;bioconductor logo&quot;&quot;"/>
-          <p:cNvPicPr>
-            <a:picLocks noChangeAspect="1" noChangeArrowheads="1"/>
-          </p:cNvPicPr>
-          <p:nvPr/>
-        </p:nvPicPr>
-        <p:blipFill>
-          <a:blip r:embed="rId7" cstate="print">
-            <a:extLst>
-              <a:ext uri="{28A0092B-C50C-407E-A947-70E740481C1C}">
-                <a14:useLocalDpi xmlns:a14="http://schemas.microsoft.com/office/drawing/2010/main" val="0"/>
-              </a:ext>
-            </a:extLst>
-          </a:blip>
-          <a:srcRect/>
-          <a:stretch>
-            <a:fillRect/>
-          </a:stretch>
-        </p:blipFill>
-        <p:spPr bwMode="auto">
-          <a:xfrm>
-            <a:off x="5328676" y="3795536"/>
-            <a:ext cx="1240996" cy="1226104"/>
-          </a:xfrm>
-          <a:prstGeom prst="rect">
-            <a:avLst/>
-          </a:prstGeom>
-          <a:noFill/>
-          <a:extLst>
-            <a:ext uri="{909E8E84-426E-40DD-AFC4-6F175D3DCCD1}">
-              <a14:hiddenFill xmlns:a14="http://schemas.microsoft.com/office/drawing/2010/main">
-                <a:solidFill>
-                  <a:srgbClr val="FFFFFF"/>
-                </a:solidFill>
-              </a14:hiddenFill>
-            </a:ext>
-          </a:extLst>
-        </p:spPr>
-      </p:pic>
-      <p:pic>
-        <p:nvPicPr>
-          <p:cNvPr id="9" name="Picture 8"/>
+          <p:cNvPr id="8" name="Picture 7"/>
           <p:cNvPicPr>
             <a:picLocks noChangeAspect="1"/>
           </p:cNvPicPr>
           <p:nvPr/>
         </p:nvPicPr>
         <p:blipFill>
-          <a:blip r:embed="rId8">
+          <a:blip r:embed="rId7" cstate="print">
             <a:extLst>
               <a:ext uri="{28A0092B-C50C-407E-A947-70E740481C1C}">
                 <a14:useLocalDpi xmlns:a14="http://schemas.microsoft.com/office/drawing/2010/main" val="0"/>
@@ -27275,8 +29711,8 @@
         </p:blipFill>
         <p:spPr>
           <a:xfrm>
-            <a:off x="3704338" y="4864892"/>
-            <a:ext cx="1254939" cy="1455729"/>
+            <a:off x="4974212" y="3868863"/>
+            <a:ext cx="818055" cy="948943"/>
           </a:xfrm>
           <a:prstGeom prst="rect">
             <a:avLst/>
@@ -27285,7 +29721,37 @@
       </p:pic>
       <p:pic>
         <p:nvPicPr>
-          <p:cNvPr id="12" name="Picture 11"/>
+          <p:cNvPr id="3" name="Picture 2"/>
+          <p:cNvPicPr>
+            <a:picLocks noChangeAspect="1"/>
+          </p:cNvPicPr>
+          <p:nvPr/>
+        </p:nvPicPr>
+        <p:blipFill>
+          <a:blip r:embed="rId8" cstate="print">
+            <a:extLst>
+              <a:ext uri="{28A0092B-C50C-407E-A947-70E740481C1C}">
+                <a14:useLocalDpi xmlns:a14="http://schemas.microsoft.com/office/drawing/2010/main" val="0"/>
+              </a:ext>
+            </a:extLst>
+          </a:blip>
+          <a:stretch>
+            <a:fillRect/>
+          </a:stretch>
+        </p:blipFill>
+        <p:spPr>
+          <a:xfrm>
+            <a:off x="4961408" y="4956862"/>
+            <a:ext cx="843661" cy="977214"/>
+          </a:xfrm>
+          <a:prstGeom prst="rect">
+            <a:avLst/>
+          </a:prstGeom>
+        </p:spPr>
+      </p:pic>
+      <p:pic>
+        <p:nvPicPr>
+          <p:cNvPr id="11" name="Picture 10"/>
           <p:cNvPicPr>
             <a:picLocks noChangeAspect="1"/>
           </p:cNvPicPr>
@@ -27305,8 +29771,8 @@
         </p:blipFill>
         <p:spPr>
           <a:xfrm>
-            <a:off x="388255" y="3973153"/>
-            <a:ext cx="1295400" cy="1295400"/>
+            <a:off x="2779030" y="3868863"/>
+            <a:ext cx="970817" cy="970817"/>
           </a:xfrm>
           <a:prstGeom prst="rect">
             <a:avLst/>
@@ -27315,7 +29781,7 @@
       </p:pic>
       <p:pic>
         <p:nvPicPr>
-          <p:cNvPr id="13" name="Picture 12"/>
+          <p:cNvPr id="12" name="Picture 11"/>
           <p:cNvPicPr>
             <a:picLocks noChangeAspect="1"/>
           </p:cNvPicPr>
@@ -27335,7 +29801,7 @@
         </p:blipFill>
         <p:spPr>
           <a:xfrm>
-            <a:off x="1864955" y="4029092"/>
+            <a:off x="2597688" y="4956862"/>
             <a:ext cx="1333500" cy="1333500"/>
           </a:xfrm>
           <a:prstGeom prst="rect">
@@ -27343,60 +29809,69 @@
           </a:prstGeom>
         </p:spPr>
       </p:pic>
-      <p:graphicFrame>
-        <p:nvGraphicFramePr>
-          <p:cNvPr id="14" name="Object 13"/>
-          <p:cNvGraphicFramePr>
-            <a:graphicFrameLocks noChangeAspect="1"/>
-          </p:cNvGraphicFramePr>
-          <p:nvPr/>
-        </p:nvGraphicFramePr>
-        <p:xfrm>
-          <a:off x="92075" y="92075"/>
-          <a:ext cx="431800" cy="349250"/>
-        </p:xfrm>
-        <a:graphic>
-          <a:graphicData uri="http://schemas.openxmlformats.org/presentationml/2006/ole">
-            <mc:AlternateContent xmlns:mc="http://schemas.openxmlformats.org/markup-compatibility/2006">
-              <mc:Choice xmlns:v="urn:schemas-microsoft-com:vml" Requires="v">
-                <p:oleObj spid="_x0000_s2051" name="Objet d’environnement du Gestionnaire de liaisons" showAsIcon="1" r:id="rId11" imgW="432000" imgH="349200" progId="Package">
-                  <p:embed/>
-                </p:oleObj>
-              </mc:Choice>
-              <mc:Fallback>
-                <p:oleObj name="Objet d’environnement du Gestionnaire de liaisons" showAsIcon="1" r:id="rId11" imgW="432000" imgH="349200" progId="Package">
-                  <p:embed/>
-                  <p:pic>
-                    <p:nvPicPr>
-                      <p:cNvPr id="0" name=""/>
-                      <p:cNvPicPr/>
-                      <p:nvPr/>
-                    </p:nvPicPr>
-                    <p:blipFill>
-                      <a:blip r:embed="rId12"/>
-                      <a:stretch>
-                        <a:fillRect/>
-                      </a:stretch>
-                    </p:blipFill>
-                    <p:spPr>
-                      <a:xfrm>
-                        <a:off x="92075" y="92075"/>
-                        <a:ext cx="431800" cy="349250"/>
-                      </a:xfrm>
-                      <a:prstGeom prst="rect">
-                        <a:avLst/>
-                      </a:prstGeom>
-                    </p:spPr>
-                  </p:pic>
-                </p:oleObj>
-              </mc:Fallback>
-            </mc:AlternateContent>
-          </a:graphicData>
-        </a:graphic>
-      </p:graphicFrame>
       <p:pic>
         <p:nvPicPr>
-          <p:cNvPr id="15" name="Picture 14"/>
+          <p:cNvPr id="5" name="Picture 4"/>
+          <p:cNvPicPr>
+            <a:picLocks noChangeAspect="1"/>
+          </p:cNvPicPr>
+          <p:nvPr/>
+        </p:nvPicPr>
+        <p:blipFill>
+          <a:blip r:embed="rId11" cstate="print">
+            <a:extLst>
+              <a:ext uri="{28A0092B-C50C-407E-A947-70E740481C1C}">
+                <a14:useLocalDpi xmlns:a14="http://schemas.microsoft.com/office/drawing/2010/main" val="0"/>
+              </a:ext>
+            </a:extLst>
+          </a:blip>
+          <a:stretch>
+            <a:fillRect/>
+          </a:stretch>
+        </p:blipFill>
+        <p:spPr>
+          <a:xfrm>
+            <a:off x="9122502" y="3881525"/>
+            <a:ext cx="916402" cy="923618"/>
+          </a:xfrm>
+          <a:prstGeom prst="rect">
+            <a:avLst/>
+          </a:prstGeom>
+        </p:spPr>
+      </p:pic>
+      <p:pic>
+        <p:nvPicPr>
+          <p:cNvPr id="16" name="Picture 15"/>
+          <p:cNvPicPr>
+            <a:picLocks noChangeAspect="1"/>
+          </p:cNvPicPr>
+          <p:nvPr/>
+        </p:nvPicPr>
+        <p:blipFill>
+          <a:blip r:embed="rId12" cstate="print">
+            <a:extLst>
+              <a:ext uri="{28A0092B-C50C-407E-A947-70E740481C1C}">
+                <a14:useLocalDpi xmlns:a14="http://schemas.microsoft.com/office/drawing/2010/main" val="0"/>
+              </a:ext>
+            </a:extLst>
+          </a:blip>
+          <a:stretch>
+            <a:fillRect/>
+          </a:stretch>
+        </p:blipFill>
+        <p:spPr>
+          <a:xfrm>
+            <a:off x="8986608" y="4894048"/>
+            <a:ext cx="1195326" cy="1195326"/>
+          </a:xfrm>
+          <a:prstGeom prst="rect">
+            <a:avLst/>
+          </a:prstGeom>
+        </p:spPr>
+      </p:pic>
+      <p:pic>
+        <p:nvPicPr>
+          <p:cNvPr id="19" name="Picture 18"/>
           <p:cNvPicPr>
             <a:picLocks noChangeAspect="1"/>
           </p:cNvPicPr>
@@ -27416,144 +29891,18 @@
         </p:blipFill>
         <p:spPr>
           <a:xfrm>
-            <a:off x="4853559" y="4662015"/>
-            <a:ext cx="2031830" cy="1050837"/>
+            <a:off x="6756519" y="3968875"/>
+            <a:ext cx="1490778" cy="1469899"/>
           </a:xfrm>
           <a:prstGeom prst="rect">
             <a:avLst/>
           </a:prstGeom>
         </p:spPr>
       </p:pic>
-      <p:pic>
-        <p:nvPicPr>
-          <p:cNvPr id="10" name="Picture 9"/>
-          <p:cNvPicPr>
-            <a:picLocks noChangeAspect="1"/>
-          </p:cNvPicPr>
-          <p:nvPr/>
-        </p:nvPicPr>
-        <p:blipFill rotWithShape="1">
-          <a:blip r:embed="rId14">
-            <a:extLst>
-              <a:ext uri="{28A0092B-C50C-407E-A947-70E740481C1C}">
-                <a14:useLocalDpi xmlns:a14="http://schemas.microsoft.com/office/drawing/2010/main" val="0"/>
-              </a:ext>
-            </a:extLst>
-          </a:blip>
-          <a:srcRect l="24958" t="19670" r="24137" b="23726"/>
-          <a:stretch/>
-        </p:blipFill>
-        <p:spPr>
-          <a:xfrm>
-            <a:off x="5174018" y="1971424"/>
-            <a:ext cx="1663429" cy="1235414"/>
-          </a:xfrm>
-          <a:prstGeom prst="rect">
-            <a:avLst/>
-          </a:prstGeom>
-        </p:spPr>
-      </p:pic>
-      <p:grpSp>
-        <p:nvGrpSpPr>
-          <p:cNvPr id="30" name="Group 29"/>
-          <p:cNvGrpSpPr/>
-          <p:nvPr/>
-        </p:nvGrpSpPr>
-        <p:grpSpPr>
-          <a:xfrm>
-            <a:off x="7216406" y="1971423"/>
-            <a:ext cx="1899159" cy="1472167"/>
-            <a:chOff x="7216406" y="1971423"/>
-            <a:chExt cx="1899159" cy="1472167"/>
-          </a:xfrm>
-        </p:grpSpPr>
-        <p:sp>
-          <p:nvSpPr>
-            <p:cNvPr id="26" name="Rectangle 25"/>
-            <p:cNvSpPr/>
-            <p:nvPr/>
-          </p:nvSpPr>
-          <p:spPr>
-            <a:xfrm>
-              <a:off x="7216406" y="1971423"/>
-              <a:ext cx="1899159" cy="1472167"/>
-            </a:xfrm>
-            <a:prstGeom prst="rect">
-              <a:avLst/>
-            </a:prstGeom>
-            <a:solidFill>
-              <a:schemeClr val="bg1"/>
-            </a:solidFill>
-            <a:ln>
-              <a:solidFill>
-                <a:schemeClr val="bg1"/>
-              </a:solidFill>
-            </a:ln>
-          </p:spPr>
-          <p:style>
-            <a:lnRef idx="2">
-              <a:schemeClr val="accent1">
-                <a:shade val="50000"/>
-              </a:schemeClr>
-            </a:lnRef>
-            <a:fillRef idx="1">
-              <a:schemeClr val="accent1"/>
-            </a:fillRef>
-            <a:effectRef idx="0">
-              <a:schemeClr val="accent1"/>
-            </a:effectRef>
-            <a:fontRef idx="minor">
-              <a:schemeClr val="lt1"/>
-            </a:fontRef>
-          </p:style>
-          <p:txBody>
-            <a:bodyPr rtlCol="0" anchor="ctr"/>
-            <a:lstStyle/>
-            <a:p>
-              <a:pPr algn="ctr"/>
-              <a:endParaRPr lang="en-CA"/>
-            </a:p>
-          </p:txBody>
-        </p:sp>
-        <p:pic>
-          <p:nvPicPr>
-            <p:cNvPr id="29" name="Picture 28"/>
-            <p:cNvPicPr>
-              <a:picLocks noChangeAspect="1"/>
-            </p:cNvPicPr>
-            <p:nvPr/>
-          </p:nvPicPr>
-          <p:blipFill rotWithShape="1">
-            <a:blip r:embed="rId15">
-              <a:extLst>
-                <a:ext uri="{28A0092B-C50C-407E-A947-70E740481C1C}">
-                  <a14:useLocalDpi xmlns:a14="http://schemas.microsoft.com/office/drawing/2010/main" val="0"/>
-                </a:ext>
-              </a:extLst>
-            </a:blip>
-            <a:srcRect l="3126" t="11178" r="63708" b="6334"/>
-            <a:stretch/>
-          </p:blipFill>
-          <p:spPr>
-            <a:xfrm>
-              <a:off x="7384265" y="2221646"/>
-              <a:ext cx="1595336" cy="1021406"/>
-            </a:xfrm>
-            <a:prstGeom prst="rect">
-              <a:avLst/>
-            </a:prstGeom>
-            <a:ln>
-              <a:solidFill>
-                <a:schemeClr val="bg1"/>
-              </a:solidFill>
-            </a:ln>
-          </p:spPr>
-        </p:pic>
-      </p:grpSp>
     </p:spTree>
     <p:extLst>
       <p:ext uri="{BB962C8B-B14F-4D97-AF65-F5344CB8AC3E}">
-        <p14:creationId xmlns:p14="http://schemas.microsoft.com/office/powerpoint/2010/main" val="1703856845"/>
+        <p14:creationId xmlns:p14="http://schemas.microsoft.com/office/powerpoint/2010/main" val="2585248314"/>
       </p:ext>
     </p:extLst>
   </p:cSld>
@@ -27651,27 +30000,16 @@
           </a:lstStyle>
           <a:p>
             <a:r>
-              <a:rPr lang="fr-FR" dirty="0" err="1"/>
-              <a:t>Where</a:t>
+              <a:rPr lang="fr-FR" dirty="0" smtClean="0"/>
+              <a:t>Project management</a:t>
             </a:r>
-            <a:r>
-              <a:rPr lang="fr-FR" dirty="0"/>
-              <a:t> are </a:t>
-            </a:r>
-            <a:r>
-              <a:rPr lang="fr-FR" dirty="0" err="1"/>
-              <a:t>we</a:t>
-            </a:r>
-            <a:r>
-              <a:rPr lang="fr-FR" dirty="0"/>
-              <a:t> ?</a:t>
-            </a:r>
+            <a:endParaRPr lang="fr-FR" dirty="0"/>
           </a:p>
         </p:txBody>
       </p:sp>
       <p:sp>
         <p:nvSpPr>
-          <p:cNvPr id="4" name="Content Placeholder 2"/>
+          <p:cNvPr id="12" name="Content Placeholder 2"/>
           <p:cNvSpPr txBox="1">
             <a:spLocks/>
           </p:cNvSpPr>
@@ -27679,8 +30017,8 @@
         </p:nvSpPr>
         <p:spPr>
           <a:xfrm>
-            <a:off x="1236684" y="2835479"/>
-            <a:ext cx="5935903" cy="3842158"/>
+            <a:off x="1236683" y="2835479"/>
+            <a:ext cx="4669167" cy="3842158"/>
           </a:xfrm>
           <a:prstGeom prst="rect">
             <a:avLst/>
@@ -27688,7 +30026,7 @@
         </p:spPr>
         <p:txBody>
           <a:bodyPr>
-            <a:normAutofit fontScale="70000" lnSpcReduction="20000"/>
+            <a:normAutofit/>
           </a:bodyPr>
           <a:lstStyle>
             <a:lvl1pPr marL="228600" indent="-228600" algn="l" defTabSz="914400" rtl="0" eaLnBrk="1" latinLnBrk="0" hangingPunct="1">
@@ -27857,189 +30195,50 @@
           <a:p>
             <a:pPr algn="just"/>
             <a:r>
-              <a:rPr lang="fr-FR" sz="2000" dirty="0" err="1"/>
-              <a:t>GitKraken</a:t>
+              <a:rPr lang="fr-FR" sz="2000" dirty="0" err="1" smtClean="0"/>
+              <a:t>Strong</a:t>
             </a:r>
             <a:r>
-              <a:rPr lang="fr-FR" sz="2000" dirty="0"/>
+              <a:rPr lang="fr-FR" sz="2000" dirty="0" smtClean="0"/>
+              <a:t> use of </a:t>
+            </a:r>
+            <a:r>
+              <a:rPr lang="fr-FR" sz="2000" dirty="0" err="1" smtClean="0"/>
+              <a:t>gitKraken’s</a:t>
+            </a:r>
+            <a:r>
+              <a:rPr lang="fr-FR" sz="2000" dirty="0" smtClean="0"/>
               <a:t> </a:t>
             </a:r>
             <a:r>
-              <a:rPr lang="fr-FR" sz="2000" dirty="0" err="1"/>
-              <a:t>was</a:t>
+              <a:rPr lang="fr-FR" sz="2000" dirty="0" err="1" smtClean="0"/>
+              <a:t>KanBan</a:t>
             </a:r>
-            <a:r>
-              <a:rPr lang="fr-FR" sz="2000" dirty="0"/>
-              <a:t> set up and </a:t>
-            </a:r>
-            <a:r>
-              <a:rPr lang="fr-FR" sz="2000" dirty="0" err="1"/>
-              <a:t>is</a:t>
-            </a:r>
-            <a:r>
-              <a:rPr lang="fr-FR" sz="2000" dirty="0"/>
-              <a:t> </a:t>
-            </a:r>
-            <a:r>
-              <a:rPr lang="fr-FR" sz="2000" dirty="0" err="1"/>
-              <a:t>functional</a:t>
-            </a:r>
+            <a:endParaRPr lang="fr-FR" sz="2000" dirty="0"/>
+          </a:p>
+          <a:p>
+            <a:pPr marL="0" indent="0" algn="just">
+              <a:buNone/>
+            </a:pPr>
             <a:endParaRPr lang="fr-FR" sz="2000" dirty="0"/>
           </a:p>
           <a:p>
             <a:pPr algn="just"/>
             <a:r>
-              <a:rPr lang="fr-FR" sz="2000" dirty="0"/>
-              <a:t>4 R scripts </a:t>
+              <a:rPr lang="fr-FR" sz="2000" dirty="0" smtClean="0"/>
+              <a:t>Meeting </a:t>
             </a:r>
             <a:r>
-              <a:rPr lang="fr-FR" sz="2000" dirty="0" err="1"/>
-              <a:t>functional</a:t>
+              <a:rPr lang="fr-FR" sz="2000" dirty="0" err="1" smtClean="0"/>
+              <a:t>every</a:t>
             </a:r>
             <a:r>
-              <a:rPr lang="fr-FR" sz="2000" dirty="0"/>
-              <a:t> and </a:t>
-            </a:r>
-            <a:r>
-              <a:rPr lang="fr-FR" sz="2000" dirty="0" err="1"/>
-              <a:t>tested</a:t>
-            </a:r>
-            <a:endParaRPr lang="fr-FR" sz="2000" dirty="0"/>
-          </a:p>
-          <a:p>
-            <a:pPr algn="just"/>
-            <a:r>
-              <a:rPr lang="fr-FR" sz="2000" dirty="0" err="1"/>
-              <a:t>Started</a:t>
-            </a:r>
-            <a:r>
-              <a:rPr lang="fr-FR" sz="2000" dirty="0"/>
+              <a:rPr lang="fr-FR" sz="2000" dirty="0" smtClean="0"/>
               <a:t> </a:t>
             </a:r>
             <a:r>
-              <a:rPr lang="fr-FR" sz="2000" dirty="0" err="1"/>
-              <a:t>designing</a:t>
-            </a:r>
-            <a:r>
-              <a:rPr lang="fr-FR" sz="2000" dirty="0"/>
-              <a:t> web interface</a:t>
-            </a:r>
-          </a:p>
-          <a:p>
-            <a:pPr algn="just"/>
-            <a:r>
-              <a:rPr lang="fr-FR" sz="2000" dirty="0" err="1"/>
-              <a:t>Convert</a:t>
-            </a:r>
-            <a:r>
-              <a:rPr lang="fr-FR" sz="2000" dirty="0"/>
-              <a:t> 4 R scripts in one script and test </a:t>
-            </a:r>
-            <a:r>
-              <a:rPr lang="fr-FR" sz="2000" dirty="0" err="1"/>
-              <a:t>it</a:t>
-            </a:r>
-            <a:endParaRPr lang="fr-FR" sz="2000" dirty="0"/>
-          </a:p>
-          <a:p>
-            <a:pPr algn="just"/>
-            <a:r>
-              <a:rPr lang="fr-FR" sz="2000" dirty="0"/>
-              <a:t>Local </a:t>
-            </a:r>
-            <a:r>
-              <a:rPr lang="fr-FR" sz="2000" dirty="0" err="1"/>
-              <a:t>database</a:t>
-            </a:r>
-            <a:endParaRPr lang="fr-FR" sz="2000" dirty="0"/>
-          </a:p>
-          <a:p>
-            <a:pPr algn="just"/>
-            <a:r>
-              <a:rPr lang="fr-FR" sz="2000" dirty="0"/>
-              <a:t>Complete the </a:t>
-            </a:r>
-            <a:r>
-              <a:rPr lang="fr-FR" sz="2000" dirty="0" err="1"/>
-              <a:t>Rshiny</a:t>
-            </a:r>
-            <a:r>
-              <a:rPr lang="fr-FR" sz="2000" dirty="0"/>
-              <a:t> interface</a:t>
-            </a:r>
-          </a:p>
-          <a:p>
-            <a:pPr algn="just"/>
-            <a:r>
-              <a:rPr lang="fr-FR" sz="2000" dirty="0"/>
-              <a:t>Strategic </a:t>
-            </a:r>
-            <a:r>
-              <a:rPr lang="fr-FR" sz="2000" dirty="0" err="1"/>
-              <a:t>reorientation</a:t>
-            </a:r>
-            <a:endParaRPr lang="fr-FR" sz="2000" dirty="0"/>
-          </a:p>
-          <a:p>
-            <a:pPr algn="just"/>
-            <a:r>
-              <a:rPr lang="fr-FR" sz="2000" dirty="0" err="1"/>
-              <a:t>Add</a:t>
-            </a:r>
-            <a:r>
-              <a:rPr lang="fr-FR" sz="2000" dirty="0"/>
-              <a:t> the </a:t>
-            </a:r>
-            <a:r>
-              <a:rPr lang="fr-FR" sz="2000" dirty="0" err="1"/>
-              <a:t>Database</a:t>
-            </a:r>
-            <a:r>
-              <a:rPr lang="fr-FR" sz="2000" dirty="0"/>
-              <a:t> on </a:t>
-            </a:r>
-            <a:r>
-              <a:rPr lang="fr-FR" sz="2000" dirty="0" err="1"/>
-              <a:t>client’s</a:t>
-            </a:r>
-            <a:r>
-              <a:rPr lang="fr-FR" sz="2000" dirty="0"/>
-              <a:t> </a:t>
-            </a:r>
-            <a:r>
-              <a:rPr lang="fr-FR" sz="2000" dirty="0" smtClean="0"/>
-              <a:t>server</a:t>
-            </a:r>
-          </a:p>
-          <a:p>
-            <a:pPr algn="just"/>
-            <a:r>
               <a:rPr lang="fr-FR" sz="2000" dirty="0" err="1" smtClean="0"/>
-              <a:t>Executable</a:t>
-            </a:r>
-            <a:r>
-              <a:rPr lang="fr-FR" sz="2000" dirty="0" smtClean="0"/>
-              <a:t> file for </a:t>
-            </a:r>
-            <a:r>
-              <a:rPr lang="fr-FR" sz="2000" dirty="0" err="1" smtClean="0"/>
-              <a:t>windows</a:t>
-            </a:r>
-            <a:endParaRPr lang="fr-FR" sz="2000" dirty="0" smtClean="0"/>
-          </a:p>
-          <a:p>
-            <a:pPr algn="just"/>
-            <a:r>
-              <a:rPr lang="fr-FR" sz="2000" dirty="0" smtClean="0"/>
-              <a:t>Application to </a:t>
-            </a:r>
-            <a:r>
-              <a:rPr lang="fr-FR" sz="2000" dirty="0" err="1" smtClean="0"/>
-              <a:t>database</a:t>
-            </a:r>
-            <a:r>
-              <a:rPr lang="fr-FR" sz="2000" dirty="0" smtClean="0"/>
-              <a:t> (server) </a:t>
+              <a:t>Monday</a:t>
             </a:r>
             <a:endParaRPr lang="fr-FR" sz="2000" dirty="0"/>
           </a:p>
@@ -28050,46 +30249,20 @@
           <a:p>
             <a:pPr algn="just"/>
             <a:r>
-              <a:rPr lang="fr-FR" sz="2000" dirty="0" err="1" smtClean="0"/>
-              <a:t>Finalize</a:t>
+              <a:rPr lang="fr-FR" sz="2000" dirty="0" smtClean="0"/>
+              <a:t>Close </a:t>
             </a:r>
             <a:r>
-              <a:rPr lang="fr-FR" sz="2000" smtClean="0"/>
-              <a:t> the </a:t>
-            </a:r>
-            <a:r>
-              <a:rPr lang="fr-FR" sz="2000" dirty="0"/>
-              <a:t>web interface</a:t>
-            </a:r>
-          </a:p>
-          <a:p>
-            <a:pPr algn="just"/>
-            <a:r>
-              <a:rPr lang="fr-FR" sz="2000" dirty="0" err="1"/>
-              <a:t>Create</a:t>
-            </a:r>
-            <a:r>
-              <a:rPr lang="fr-FR" sz="2000" dirty="0"/>
-              <a:t> an </a:t>
-            </a:r>
-            <a:r>
-              <a:rPr lang="fr-FR" sz="2000" dirty="0" err="1"/>
-              <a:t>executable</a:t>
-            </a:r>
-            <a:r>
-              <a:rPr lang="fr-FR" sz="2000" dirty="0"/>
-              <a:t> </a:t>
+              <a:rPr lang="fr-FR" sz="2000" dirty="0" err="1" smtClean="0"/>
+              <a:t>proximity</a:t>
             </a:r>
             <a:r>
               <a:rPr lang="fr-FR" sz="2000" dirty="0" smtClean="0"/>
-              <a:t>file Mac</a:t>
+              <a:t> in the </a:t>
             </a:r>
-          </a:p>
-          <a:p>
-            <a:pPr algn="just"/>
             <a:r>
               <a:rPr lang="fr-FR" sz="2000" dirty="0" err="1" smtClean="0"/>
-              <a:t>Upload</a:t>
+              <a:t>work</a:t>
             </a:r>
             <a:r>
               <a:rPr lang="fr-FR" sz="2000" dirty="0" smtClean="0"/>
@@ -28097,125 +30270,120 @@
             </a:r>
             <a:r>
               <a:rPr lang="fr-FR" sz="2000" dirty="0" err="1" smtClean="0"/>
-              <a:t>everything</a:t>
+              <a:t>environment</a:t>
+            </a:r>
+            <a:endParaRPr lang="fr-FR" sz="2000" dirty="0" smtClean="0"/>
+          </a:p>
+          <a:p>
+            <a:pPr algn="just"/>
+            <a:endParaRPr lang="fr-FR" sz="2000" dirty="0"/>
+          </a:p>
+          <a:p>
+            <a:pPr algn="just"/>
+            <a:r>
+              <a:rPr lang="fr-FR" sz="2000" dirty="0" err="1" smtClean="0"/>
+              <a:t>Independant</a:t>
             </a:r>
             <a:r>
               <a:rPr lang="fr-FR" sz="2000" dirty="0" smtClean="0"/>
-              <a:t> to the server</a:t>
+              <a:t> and </a:t>
             </a:r>
+            <a:r>
+              <a:rPr lang="fr-FR" sz="2000" dirty="0" err="1" smtClean="0"/>
+              <a:t>reactive</a:t>
+            </a:r>
+            <a:endParaRPr lang="fr-FR" sz="2000" dirty="0"/>
+          </a:p>
+          <a:p>
+            <a:pPr algn="just"/>
+            <a:endParaRPr lang="fr-FR" sz="2000" dirty="0"/>
+          </a:p>
+          <a:p>
+            <a:pPr marL="0" indent="0" algn="just">
+              <a:buNone/>
+            </a:pPr>
+            <a:endParaRPr lang="fr-FR" sz="2000" dirty="0"/>
+          </a:p>
+          <a:p>
+            <a:pPr marL="0" indent="0" algn="just">
+              <a:buFont typeface="Arial" panose="020B0604020202020204" pitchFamily="34" charset="0"/>
+              <a:buNone/>
+            </a:pPr>
             <a:endParaRPr lang="fr-FR" sz="2000" dirty="0"/>
           </a:p>
         </p:txBody>
       </p:sp>
       <p:pic>
         <p:nvPicPr>
-          <p:cNvPr id="19" name="Picture 18"/>
+          <p:cNvPr id="9" name="Picture 8"/>
           <p:cNvPicPr>
             <a:picLocks noChangeAspect="1"/>
           </p:cNvPicPr>
           <p:nvPr/>
         </p:nvPicPr>
-        <p:blipFill rotWithShape="1">
-          <a:blip r:embed="rId2" cstate="print">
+        <p:blipFill>
+          <a:blip r:embed="rId2">
             <a:extLst>
               <a:ext uri="{28A0092B-C50C-407E-A947-70E740481C1C}">
                 <a14:useLocalDpi xmlns:a14="http://schemas.microsoft.com/office/drawing/2010/main" val="0"/>
               </a:ext>
             </a:extLst>
           </a:blip>
-          <a:srcRect l="69156" t="31820" r="18734" b="44840"/>
-          <a:stretch/>
-        </p:blipFill>
-        <p:spPr>
-          <a:xfrm>
-            <a:off x="4931734" y="3742433"/>
-            <a:ext cx="747613" cy="720427"/>
-          </a:xfrm>
-          <a:prstGeom prst="rect">
-            <a:avLst/>
-          </a:prstGeom>
-        </p:spPr>
-      </p:pic>
-      <p:pic>
-        <p:nvPicPr>
-          <p:cNvPr id="2050" name="Picture 2" descr="Résultat de recherche d'images pour &quot;project&quot;&quot;"/>
-          <p:cNvPicPr>
-            <a:picLocks noChangeAspect="1" noChangeArrowheads="1"/>
-          </p:cNvPicPr>
-          <p:nvPr/>
-        </p:nvPicPr>
-        <p:blipFill>
-          <a:blip r:embed="rId3">
-            <a:extLst>
-              <a:ext uri="{28A0092B-C50C-407E-A947-70E740481C1C}">
-                <a14:useLocalDpi xmlns:a14="http://schemas.microsoft.com/office/drawing/2010/main" val="0"/>
-              </a:ext>
-            </a:extLst>
-          </a:blip>
-          <a:srcRect/>
           <a:stretch>
             <a:fillRect/>
           </a:stretch>
         </p:blipFill>
-        <p:spPr bwMode="auto">
-          <a:xfrm>
-            <a:off x="8409181" y="2468562"/>
-            <a:ext cx="2785876" cy="3268170"/>
-          </a:xfrm>
-          <a:prstGeom prst="rect">
-            <a:avLst/>
-          </a:prstGeom>
-          <a:noFill/>
-          <a:extLst>
-            <a:ext uri="{909E8E84-426E-40DD-AFC4-6F175D3DCCD1}">
-              <a14:hiddenFill xmlns:a14="http://schemas.microsoft.com/office/drawing/2010/main">
-                <a:solidFill>
-                  <a:srgbClr val="FFFFFF"/>
-                </a:solidFill>
-              </a14:hiddenFill>
-            </a:ext>
-          </a:extLst>
-        </p:spPr>
-      </p:pic>
-      <p:pic>
-        <p:nvPicPr>
-          <p:cNvPr id="18" name="Picture 19"/>
-          <p:cNvPicPr>
-            <a:picLocks noChangeAspect="1"/>
-          </p:cNvPicPr>
-          <p:nvPr/>
-        </p:nvPicPr>
-        <p:blipFill rotWithShape="1">
-          <a:blip r:embed="rId4" cstate="print">
-            <a:extLst>
-              <a:ext uri="{28A0092B-C50C-407E-A947-70E740481C1C}">
-                <a14:useLocalDpi xmlns:a14="http://schemas.microsoft.com/office/drawing/2010/main" val="0"/>
-              </a:ext>
-            </a:extLst>
-          </a:blip>
-          <a:srcRect l="19168" t="30789" r="68942" b="44551"/>
-          <a:stretch/>
-        </p:blipFill>
         <p:spPr>
           <a:xfrm>
-            <a:off x="4922586" y="5803999"/>
-            <a:ext cx="756761" cy="784791"/>
+            <a:off x="6153150" y="2103725"/>
+            <a:ext cx="6026548" cy="4506625"/>
           </a:xfrm>
-          <a:prstGeom prst="rect">
-            <a:avLst/>
+          <a:prstGeom prst="roundRect">
+            <a:avLst>
+              <a:gd name="adj" fmla="val 16667"/>
+            </a:avLst>
           </a:prstGeom>
+          <a:ln>
+            <a:noFill/>
+          </a:ln>
+          <a:effectLst>
+            <a:outerShdw blurRad="76200" dist="38100" dir="7800000" algn="tl" rotWithShape="0">
+              <a:srgbClr val="000000">
+                <a:alpha val="40000"/>
+              </a:srgbClr>
+            </a:outerShdw>
+          </a:effectLst>
+          <a:scene3d>
+            <a:camera prst="orthographicFront"/>
+            <a:lightRig rig="contrasting" dir="t">
+              <a:rot lat="0" lon="0" rev="4200000"/>
+            </a:lightRig>
+          </a:scene3d>
+          <a:sp3d prstMaterial="plastic">
+            <a:bevelT w="381000" h="114300" prst="relaxedInset"/>
+            <a:contourClr>
+              <a:srgbClr val="969696"/>
+            </a:contourClr>
+          </a:sp3d>
         </p:spPr>
       </p:pic>
     </p:spTree>
     <p:extLst>
       <p:ext uri="{BB962C8B-B14F-4D97-AF65-F5344CB8AC3E}">
-        <p14:creationId xmlns:p14="http://schemas.microsoft.com/office/powerpoint/2010/main" val="444345121"/>
+        <p14:creationId xmlns:p14="http://schemas.microsoft.com/office/powerpoint/2010/main" val="1410728689"/>
       </p:ext>
     </p:extLst>
   </p:cSld>
   <p:clrMapOvr>
     <a:masterClrMapping/>
   </p:clrMapOvr>
+  <p:timing>
+    <p:tnLst>
+      <p:par>
+        <p:cTn id="1" dur="indefinite" restart="never" nodeType="tmRoot"/>
+      </p:par>
+    </p:tnLst>
+  </p:timing>
 </p:sld>
 </file>
 

--- a/Slides/Soutenance_Final.pptx
+++ b/Slides/Soutenance_Final.pptx
@@ -5,10 +5,10 @@
     <p:sldMasterId id="2147483648" r:id="rId1"/>
   </p:sldMasterIdLst>
   <p:notesMasterIdLst>
-    <p:notesMasterId r:id="rId15"/>
+    <p:notesMasterId r:id="rId19"/>
   </p:notesMasterIdLst>
   <p:handoutMasterIdLst>
-    <p:handoutMasterId r:id="rId16"/>
+    <p:handoutMasterId r:id="rId20"/>
   </p:handoutMasterIdLst>
   <p:sldIdLst>
     <p:sldId id="274" r:id="rId2"/>
@@ -19,11 +19,15 @@
     <p:sldId id="287" r:id="rId7"/>
     <p:sldId id="271" r:id="rId8"/>
     <p:sldId id="288" r:id="rId9"/>
-    <p:sldId id="278" r:id="rId10"/>
-    <p:sldId id="279" r:id="rId11"/>
-    <p:sldId id="280" r:id="rId12"/>
-    <p:sldId id="281" r:id="rId13"/>
-    <p:sldId id="286" r:id="rId14"/>
+    <p:sldId id="290" r:id="rId10"/>
+    <p:sldId id="291" r:id="rId11"/>
+    <p:sldId id="292" r:id="rId12"/>
+    <p:sldId id="293" r:id="rId13"/>
+    <p:sldId id="278" r:id="rId14"/>
+    <p:sldId id="279" r:id="rId15"/>
+    <p:sldId id="280" r:id="rId16"/>
+    <p:sldId id="281" r:id="rId17"/>
+    <p:sldId id="286" r:id="rId18"/>
   </p:sldIdLst>
   <p:sldSz cx="12192000" cy="6858000"/>
   <p:notesSz cx="6858000" cy="9144000"/>
@@ -3742,8 +3746,8 @@
     <dgm:cxn modelId="{61A431AF-CFC9-490E-98CF-F6488F3C6D9C}" type="presOf" srcId="{2B6A55A5-45D3-4E17-9C60-8FB16C933545}" destId="{05478942-E273-4856-8553-F0FD8F015AA2}" srcOrd="0" destOrd="1" presId="urn:microsoft.com/office/officeart/2005/8/layout/cycle4"/>
     <dgm:cxn modelId="{5F7AD9D5-E7E6-4F46-A4C5-3A0CE6F62C8E}" srcId="{8FEE133A-1A79-4187-9AFD-4F06B42A70BC}" destId="{35F1F2D2-FC47-4990-98DB-731AFE036343}" srcOrd="0" destOrd="0" parTransId="{D8C3661F-62F4-45E8-BB01-35BAAF924AEB}" sibTransId="{4EFE689A-014D-4F95-82DA-3254DF013F6C}"/>
     <dgm:cxn modelId="{97B8E8D6-6FCE-438F-84D7-14FD178A9EF3}" type="presOf" srcId="{850DD825-7D08-4BBC-94B9-7E217910F9A2}" destId="{53088BBF-CDFB-43AD-88FA-A16B4FDD4AEA}" srcOrd="1" destOrd="1" presId="urn:microsoft.com/office/officeart/2005/8/layout/cycle4"/>
+    <dgm:cxn modelId="{1C137277-FCCE-4E78-A791-2ADCE3EDEAE7}" type="presOf" srcId="{5A50A77D-7959-4302-B136-B1316B3CEC1D}" destId="{431C4C2F-7F42-4D62-8EEF-918E7AD22EA0}" srcOrd="0" destOrd="2" presId="urn:microsoft.com/office/officeart/2005/8/layout/cycle4"/>
     <dgm:cxn modelId="{A2830668-E8D8-479D-BDD1-DDDBB0D25879}" type="presOf" srcId="{DCE41F30-8A4B-4090-95D5-6CBD1CFA1EEC}" destId="{A67A60E5-5291-49E4-B3E5-53A58B528285}" srcOrd="0" destOrd="0" presId="urn:microsoft.com/office/officeart/2005/8/layout/cycle4"/>
-    <dgm:cxn modelId="{1C137277-FCCE-4E78-A791-2ADCE3EDEAE7}" type="presOf" srcId="{5A50A77D-7959-4302-B136-B1316B3CEC1D}" destId="{431C4C2F-7F42-4D62-8EEF-918E7AD22EA0}" srcOrd="0" destOrd="2" presId="urn:microsoft.com/office/officeart/2005/8/layout/cycle4"/>
     <dgm:cxn modelId="{58755D72-6A8A-4181-8EB5-41F1412B480B}" srcId="{8FEE133A-1A79-4187-9AFD-4F06B42A70BC}" destId="{62885FA7-E7FB-4933-9935-6A8AA90289B4}" srcOrd="2" destOrd="0" parTransId="{9870B421-E3D6-4556-A843-2F0EDB4F207B}" sibTransId="{EB0831C9-645B-4C0B-8FAE-4F47D0F4E0C7}"/>
     <dgm:cxn modelId="{558EB1E9-7D3B-4CFB-91ED-0AE5FFB267A1}" type="presOf" srcId="{850DD825-7D08-4BBC-94B9-7E217910F9A2}" destId="{431C4C2F-7F42-4D62-8EEF-918E7AD22EA0}" srcOrd="0" destOrd="1" presId="urn:microsoft.com/office/officeart/2005/8/layout/cycle4"/>
     <dgm:cxn modelId="{566F2C05-C614-467E-BF41-9EC9D316C5BC}" type="presOf" srcId="{21C7A246-DDB5-40DD-9118-CC4963BF878A}" destId="{BC6F0824-1351-49BA-BADB-F02B71A91728}" srcOrd="0" destOrd="1" presId="urn:microsoft.com/office/officeart/2005/8/layout/cycle4"/>
@@ -4142,21 +4146,21 @@
     </dgm:pt>
   </dgm:ptLst>
   <dgm:cxnLst>
+    <dgm:cxn modelId="{BFE5F03E-99EE-488D-A25F-FA4A305398F3}" type="presOf" srcId="{EEB7DF95-B1E1-4355-BDED-67254F3A40BF}" destId="{156A4B50-5EBB-4BD2-8AF0-C722439DBC8D}" srcOrd="0" destOrd="0" presId="urn:microsoft.com/office/officeart/2005/8/layout/radial1"/>
     <dgm:cxn modelId="{CE2AF7AB-2949-4DCD-9C29-6B60E91D8468}" srcId="{0916D3E2-7950-4B1E-A80A-B1A0DFE4D7BE}" destId="{B8F4B4B5-48BB-4436-A4C8-0772D59377AC}" srcOrd="2" destOrd="0" parTransId="{EEB7DF95-B1E1-4355-BDED-67254F3A40BF}" sibTransId="{07F8EC93-687D-4C25-BBFA-77894EDF7DA2}"/>
+    <dgm:cxn modelId="{2D7DE33D-C3DB-49E5-ADF6-52C214CF1C59}" srcId="{0916D3E2-7950-4B1E-A80A-B1A0DFE4D7BE}" destId="{7F397B27-ED42-4C0B-84EB-F42483A443DB}" srcOrd="1" destOrd="0" parTransId="{DD81B84C-4525-4615-9233-87E402AFBABC}" sibTransId="{97EBF3C2-DAC2-40A4-AE80-264E3F21FCCC}"/>
+    <dgm:cxn modelId="{7470EB8E-365B-4C7B-B345-F3A82F2BDE86}" type="presOf" srcId="{EEB7DF95-B1E1-4355-BDED-67254F3A40BF}" destId="{0FA48441-B5ED-464B-AB5B-44DAB679EE64}" srcOrd="1" destOrd="0" presId="urn:microsoft.com/office/officeart/2005/8/layout/radial1"/>
     <dgm:cxn modelId="{D7CE5B38-4681-488A-875C-5BC6D4608B17}" type="presOf" srcId="{B8F4B4B5-48BB-4436-A4C8-0772D59377AC}" destId="{B8775ABA-3037-409F-B1F5-5479D38AC897}" srcOrd="0" destOrd="0" presId="urn:microsoft.com/office/officeart/2005/8/layout/radial1"/>
+    <dgm:cxn modelId="{A9B36F8A-C74B-47A9-B539-806F6BB77A1A}" srcId="{CC293B1C-4CF8-4FF0-BBC7-4942ED2D7F88}" destId="{0916D3E2-7950-4B1E-A80A-B1A0DFE4D7BE}" srcOrd="0" destOrd="0" parTransId="{78ED7DF1-7D14-4D64-A8E3-CBD6C30B03FB}" sibTransId="{402F8436-663D-4DB8-A22F-0A8F501EB425}"/>
+    <dgm:cxn modelId="{4F76CFC7-AC86-4FD6-BD3B-3B31C6A8EDDA}" type="presOf" srcId="{F26E0BCB-616E-4F5C-9212-B89461307743}" destId="{FB6E935B-AB56-4686-BAF4-89171D311D48}" srcOrd="0" destOrd="0" presId="urn:microsoft.com/office/officeart/2005/8/layout/radial1"/>
+    <dgm:cxn modelId="{53089D63-12EB-40F9-92A2-F39B07E20E6B}" type="presOf" srcId="{0916D3E2-7950-4B1E-A80A-B1A0DFE4D7BE}" destId="{334F0DA9-4D69-40E7-AE37-8BB2E71C3ACD}" srcOrd="0" destOrd="0" presId="urn:microsoft.com/office/officeart/2005/8/layout/radial1"/>
+    <dgm:cxn modelId="{2E6F4476-BF79-4C90-823B-71099E5FD8D3}" type="presOf" srcId="{DD81B84C-4525-4615-9233-87E402AFBABC}" destId="{9CD455AE-EC69-44E0-B929-B59BCD7E9894}" srcOrd="1" destOrd="0" presId="urn:microsoft.com/office/officeart/2005/8/layout/radial1"/>
+    <dgm:cxn modelId="{6037BACF-1495-4D63-973A-E9906686C9EC}" type="presOf" srcId="{9B35DA45-8824-4EE3-89F0-3F4E07F980E3}" destId="{51D4E2D9-6364-4FE7-BE7F-89898165258A}" srcOrd="0" destOrd="0" presId="urn:microsoft.com/office/officeart/2005/8/layout/radial1"/>
+    <dgm:cxn modelId="{4E83842D-6898-45A2-8C76-AC263926CE66}" type="presOf" srcId="{CC293B1C-4CF8-4FF0-BBC7-4942ED2D7F88}" destId="{05AAFE4B-4748-4F9C-AA5B-DEC71FC73E20}" srcOrd="0" destOrd="0" presId="urn:microsoft.com/office/officeart/2005/8/layout/radial1"/>
+    <dgm:cxn modelId="{EE79DC2E-EE32-4B0A-ADFD-E11D61A99647}" type="presOf" srcId="{DD81B84C-4525-4615-9233-87E402AFBABC}" destId="{3134C74D-D45F-4D44-8DA9-5DD9ACC7028A}" srcOrd="0" destOrd="0" presId="urn:microsoft.com/office/officeart/2005/8/layout/radial1"/>
     <dgm:cxn modelId="{08978BA1-AE5A-4DFF-A0C3-92D4A0078A98}" srcId="{0916D3E2-7950-4B1E-A80A-B1A0DFE4D7BE}" destId="{9B35DA45-8824-4EE3-89F0-3F4E07F980E3}" srcOrd="0" destOrd="0" parTransId="{F26E0BCB-616E-4F5C-9212-B89461307743}" sibTransId="{6FFF208B-A136-4388-9736-DE2BA4AFD5AF}"/>
+    <dgm:cxn modelId="{1173F0C1-237A-44C5-81A9-6289AFEB7E80}" type="presOf" srcId="{7F397B27-ED42-4C0B-84EB-F42483A443DB}" destId="{FC75532D-1A75-4D81-A458-80C91B398F9D}" srcOrd="0" destOrd="0" presId="urn:microsoft.com/office/officeart/2005/8/layout/radial1"/>
     <dgm:cxn modelId="{8C318C29-2BA6-4073-9DC3-993B41DBBD97}" type="presOf" srcId="{F26E0BCB-616E-4F5C-9212-B89461307743}" destId="{B26CA117-7877-4BBB-8697-7BAA6B4D1769}" srcOrd="1" destOrd="0" presId="urn:microsoft.com/office/officeart/2005/8/layout/radial1"/>
-    <dgm:cxn modelId="{BFE5F03E-99EE-488D-A25F-FA4A305398F3}" type="presOf" srcId="{EEB7DF95-B1E1-4355-BDED-67254F3A40BF}" destId="{156A4B50-5EBB-4BD2-8AF0-C722439DBC8D}" srcOrd="0" destOrd="0" presId="urn:microsoft.com/office/officeart/2005/8/layout/radial1"/>
-    <dgm:cxn modelId="{4F76CFC7-AC86-4FD6-BD3B-3B31C6A8EDDA}" type="presOf" srcId="{F26E0BCB-616E-4F5C-9212-B89461307743}" destId="{FB6E935B-AB56-4686-BAF4-89171D311D48}" srcOrd="0" destOrd="0" presId="urn:microsoft.com/office/officeart/2005/8/layout/radial1"/>
-    <dgm:cxn modelId="{7470EB8E-365B-4C7B-B345-F3A82F2BDE86}" type="presOf" srcId="{EEB7DF95-B1E1-4355-BDED-67254F3A40BF}" destId="{0FA48441-B5ED-464B-AB5B-44DAB679EE64}" srcOrd="1" destOrd="0" presId="urn:microsoft.com/office/officeart/2005/8/layout/radial1"/>
-    <dgm:cxn modelId="{2E6F4476-BF79-4C90-823B-71099E5FD8D3}" type="presOf" srcId="{DD81B84C-4525-4615-9233-87E402AFBABC}" destId="{9CD455AE-EC69-44E0-B929-B59BCD7E9894}" srcOrd="1" destOrd="0" presId="urn:microsoft.com/office/officeart/2005/8/layout/radial1"/>
-    <dgm:cxn modelId="{2D7DE33D-C3DB-49E5-ADF6-52C214CF1C59}" srcId="{0916D3E2-7950-4B1E-A80A-B1A0DFE4D7BE}" destId="{7F397B27-ED42-4C0B-84EB-F42483A443DB}" srcOrd="1" destOrd="0" parTransId="{DD81B84C-4525-4615-9233-87E402AFBABC}" sibTransId="{97EBF3C2-DAC2-40A4-AE80-264E3F21FCCC}"/>
-    <dgm:cxn modelId="{A9B36F8A-C74B-47A9-B539-806F6BB77A1A}" srcId="{CC293B1C-4CF8-4FF0-BBC7-4942ED2D7F88}" destId="{0916D3E2-7950-4B1E-A80A-B1A0DFE4D7BE}" srcOrd="0" destOrd="0" parTransId="{78ED7DF1-7D14-4D64-A8E3-CBD6C30B03FB}" sibTransId="{402F8436-663D-4DB8-A22F-0A8F501EB425}"/>
-    <dgm:cxn modelId="{4E83842D-6898-45A2-8C76-AC263926CE66}" type="presOf" srcId="{CC293B1C-4CF8-4FF0-BBC7-4942ED2D7F88}" destId="{05AAFE4B-4748-4F9C-AA5B-DEC71FC73E20}" srcOrd="0" destOrd="0" presId="urn:microsoft.com/office/officeart/2005/8/layout/radial1"/>
-    <dgm:cxn modelId="{53089D63-12EB-40F9-92A2-F39B07E20E6B}" type="presOf" srcId="{0916D3E2-7950-4B1E-A80A-B1A0DFE4D7BE}" destId="{334F0DA9-4D69-40E7-AE37-8BB2E71C3ACD}" srcOrd="0" destOrd="0" presId="urn:microsoft.com/office/officeart/2005/8/layout/radial1"/>
-    <dgm:cxn modelId="{EE79DC2E-EE32-4B0A-ADFD-E11D61A99647}" type="presOf" srcId="{DD81B84C-4525-4615-9233-87E402AFBABC}" destId="{3134C74D-D45F-4D44-8DA9-5DD9ACC7028A}" srcOrd="0" destOrd="0" presId="urn:microsoft.com/office/officeart/2005/8/layout/radial1"/>
-    <dgm:cxn modelId="{1173F0C1-237A-44C5-81A9-6289AFEB7E80}" type="presOf" srcId="{7F397B27-ED42-4C0B-84EB-F42483A443DB}" destId="{FC75532D-1A75-4D81-A458-80C91B398F9D}" srcOrd="0" destOrd="0" presId="urn:microsoft.com/office/officeart/2005/8/layout/radial1"/>
-    <dgm:cxn modelId="{6037BACF-1495-4D63-973A-E9906686C9EC}" type="presOf" srcId="{9B35DA45-8824-4EE3-89F0-3F4E07F980E3}" destId="{51D4E2D9-6364-4FE7-BE7F-89898165258A}" srcOrd="0" destOrd="0" presId="urn:microsoft.com/office/officeart/2005/8/layout/radial1"/>
     <dgm:cxn modelId="{772C3BB5-DF35-42DE-A439-0DCB31D63FB8}" type="presParOf" srcId="{05AAFE4B-4748-4F9C-AA5B-DEC71FC73E20}" destId="{334F0DA9-4D69-40E7-AE37-8BB2E71C3ACD}" srcOrd="0" destOrd="0" presId="urn:microsoft.com/office/officeart/2005/8/layout/radial1"/>
     <dgm:cxn modelId="{20FC6565-C496-4E94-8CCE-904149940058}" type="presParOf" srcId="{05AAFE4B-4748-4F9C-AA5B-DEC71FC73E20}" destId="{FB6E935B-AB56-4686-BAF4-89171D311D48}" srcOrd="1" destOrd="0" presId="urn:microsoft.com/office/officeart/2005/8/layout/radial1"/>
     <dgm:cxn modelId="{1BDA0C39-DB3E-4726-AC03-ECA79335B44E}" type="presParOf" srcId="{FB6E935B-AB56-4686-BAF4-89171D311D48}" destId="{B26CA117-7877-4BBB-8697-7BAA6B4D1769}" srcOrd="0" destOrd="0" presId="urn:microsoft.com/office/officeart/2005/8/layout/radial1"/>
@@ -4568,22 +4572,22 @@
     </dgm:pt>
   </dgm:ptLst>
   <dgm:cxnLst>
-    <dgm:cxn modelId="{1AE06204-B328-4A88-90DE-47487907D919}" type="presOf" srcId="{47253CFC-4569-4709-81D3-DEEB42841B34}" destId="{65C1CC62-47DD-4AE0-BB4E-E1AA4210EAD1}" srcOrd="1" destOrd="0" presId="urn:microsoft.com/office/officeart/2005/8/layout/hList7"/>
-    <dgm:cxn modelId="{57921F95-0423-45E7-AE0D-672371E39D53}" type="presOf" srcId="{5EE301F9-AA62-4FDD-BBD4-EB5F68D85FEC}" destId="{6B2B5E85-AAEA-413B-89EF-96FC0B61D0DB}" srcOrd="1" destOrd="0" presId="urn:microsoft.com/office/officeart/2005/8/layout/hList7"/>
-    <dgm:cxn modelId="{2E016A71-4A74-45F5-AD15-07D3B1D0466D}" srcId="{95C89F30-E4C0-41F0-9F78-CFBA2BC6B6E7}" destId="{47253CFC-4569-4709-81D3-DEEB42841B34}" srcOrd="2" destOrd="0" parTransId="{790D9CA9-D5EB-4ABB-B3FF-C076CA534420}" sibTransId="{2F25E3F7-E9EB-4C08-9116-69D5C4FD6E2A}"/>
-    <dgm:cxn modelId="{CF0035A1-5E18-4F9A-AAAD-C4F8302A689F}" type="presOf" srcId="{81607F9D-ACA8-4EBC-97F3-AE620D537126}" destId="{FCBD48AD-6356-4016-B622-1476036943D2}" srcOrd="1" destOrd="0" presId="urn:microsoft.com/office/officeart/2005/8/layout/hList7"/>
     <dgm:cxn modelId="{AFAAAFAD-A0DE-47C1-9249-77B5BDE05E36}" type="presOf" srcId="{81607F9D-ACA8-4EBC-97F3-AE620D537126}" destId="{AECDF339-533B-4319-9DD1-FE0312AA5FE7}" srcOrd="0" destOrd="0" presId="urn:microsoft.com/office/officeart/2005/8/layout/hList7"/>
     <dgm:cxn modelId="{38CD83C8-6796-4198-B7C8-EFF34EC9AA55}" type="presOf" srcId="{BA786E09-868C-446C-BCAD-1B9A337A2314}" destId="{9B6DBF9B-EFA6-45E8-AAE9-1FBCC2922B5E}" srcOrd="0" destOrd="0" presId="urn:microsoft.com/office/officeart/2005/8/layout/hList7"/>
-    <dgm:cxn modelId="{4E004507-C92D-4D0B-9DBB-DB4591A9B903}" srcId="{95C89F30-E4C0-41F0-9F78-CFBA2BC6B6E7}" destId="{BA786E09-868C-446C-BCAD-1B9A337A2314}" srcOrd="3" destOrd="0" parTransId="{59BE49D1-A09D-46A0-A218-5983A849445B}" sibTransId="{870FB8E6-A3E1-4439-9131-142A0512FE32}"/>
+    <dgm:cxn modelId="{2E016A71-4A74-45F5-AD15-07D3B1D0466D}" srcId="{95C89F30-E4C0-41F0-9F78-CFBA2BC6B6E7}" destId="{47253CFC-4569-4709-81D3-DEEB42841B34}" srcOrd="2" destOrd="0" parTransId="{790D9CA9-D5EB-4ABB-B3FF-C076CA534420}" sibTransId="{2F25E3F7-E9EB-4C08-9116-69D5C4FD6E2A}"/>
     <dgm:cxn modelId="{F6F9661A-BC21-475D-819D-50626DE6BCFB}" type="presOf" srcId="{2F25E3F7-E9EB-4C08-9116-69D5C4FD6E2A}" destId="{2845AC54-25A9-480C-BA9C-51BB56258253}" srcOrd="0" destOrd="0" presId="urn:microsoft.com/office/officeart/2005/8/layout/hList7"/>
     <dgm:cxn modelId="{C645A4BB-EDB6-4E76-AB82-9AD72E6BF557}" type="presOf" srcId="{BA786E09-868C-446C-BCAD-1B9A337A2314}" destId="{31F77346-6636-44FE-8237-42E5F75F0855}" srcOrd="1" destOrd="0" presId="urn:microsoft.com/office/officeart/2005/8/layout/hList7"/>
+    <dgm:cxn modelId="{194860A3-1900-4650-B671-CEC4587BA924}" type="presOf" srcId="{94CA40FB-60B0-465C-89DE-37B57251E362}" destId="{6A4D6A8E-A18C-499A-84BC-74FED5388C93}" srcOrd="0" destOrd="0" presId="urn:microsoft.com/office/officeart/2005/8/layout/hList7"/>
+    <dgm:cxn modelId="{57921F95-0423-45E7-AE0D-672371E39D53}" type="presOf" srcId="{5EE301F9-AA62-4FDD-BBD4-EB5F68D85FEC}" destId="{6B2B5E85-AAEA-413B-89EF-96FC0B61D0DB}" srcOrd="1" destOrd="0" presId="urn:microsoft.com/office/officeart/2005/8/layout/hList7"/>
+    <dgm:cxn modelId="{4E004507-C92D-4D0B-9DBB-DB4591A9B903}" srcId="{95C89F30-E4C0-41F0-9F78-CFBA2BC6B6E7}" destId="{BA786E09-868C-446C-BCAD-1B9A337A2314}" srcOrd="3" destOrd="0" parTransId="{59BE49D1-A09D-46A0-A218-5983A849445B}" sibTransId="{870FB8E6-A3E1-4439-9131-142A0512FE32}"/>
+    <dgm:cxn modelId="{1AE06204-B328-4A88-90DE-47487907D919}" type="presOf" srcId="{47253CFC-4569-4709-81D3-DEEB42841B34}" destId="{65C1CC62-47DD-4AE0-BB4E-E1AA4210EAD1}" srcOrd="1" destOrd="0" presId="urn:microsoft.com/office/officeart/2005/8/layout/hList7"/>
+    <dgm:cxn modelId="{F309A241-CAAA-4CAA-89A7-3EF413DFED5F}" type="presOf" srcId="{47253CFC-4569-4709-81D3-DEEB42841B34}" destId="{18E220CA-4E07-4273-9F20-D66E44D1CC15}" srcOrd="0" destOrd="0" presId="urn:microsoft.com/office/officeart/2005/8/layout/hList7"/>
+    <dgm:cxn modelId="{E53B2165-E749-413E-9F1A-C9CC76DA6A5C}" srcId="{95C89F30-E4C0-41F0-9F78-CFBA2BC6B6E7}" destId="{5EE301F9-AA62-4FDD-BBD4-EB5F68D85FEC}" srcOrd="0" destOrd="0" parTransId="{752A3FC9-4F42-4B45-864D-D48201C144BC}" sibTransId="{7A2D0BBB-4796-4683-A258-869CCE2EFDEE}"/>
+    <dgm:cxn modelId="{CF0035A1-5E18-4F9A-AAAD-C4F8302A689F}" type="presOf" srcId="{81607F9D-ACA8-4EBC-97F3-AE620D537126}" destId="{FCBD48AD-6356-4016-B622-1476036943D2}" srcOrd="1" destOrd="0" presId="urn:microsoft.com/office/officeart/2005/8/layout/hList7"/>
     <dgm:cxn modelId="{BDD1CA52-8007-48A8-B091-1E74889DEE99}" type="presOf" srcId="{95C89F30-E4C0-41F0-9F78-CFBA2BC6B6E7}" destId="{68497B09-3716-4EBD-AC6B-8AE2BDCC8972}" srcOrd="0" destOrd="0" presId="urn:microsoft.com/office/officeart/2005/8/layout/hList7"/>
+    <dgm:cxn modelId="{B6D21F72-7318-4B23-BC86-23B4E85AD610}" type="presOf" srcId="{5EE301F9-AA62-4FDD-BBD4-EB5F68D85FEC}" destId="{90FFEDE6-D24B-46AA-AC61-5A2CA3E513CC}" srcOrd="0" destOrd="0" presId="urn:microsoft.com/office/officeart/2005/8/layout/hList7"/>
     <dgm:cxn modelId="{C503CDFC-F7CF-4B5B-9CB9-D0B888450B80}" srcId="{95C89F30-E4C0-41F0-9F78-CFBA2BC6B6E7}" destId="{81607F9D-ACA8-4EBC-97F3-AE620D537126}" srcOrd="1" destOrd="0" parTransId="{5614C387-4578-47E1-B8ED-4C19C139B6D6}" sibTransId="{94CA40FB-60B0-465C-89DE-37B57251E362}"/>
     <dgm:cxn modelId="{2EC55B3D-BFE3-4C06-B5CF-4DA8F00E7DD6}" type="presOf" srcId="{7A2D0BBB-4796-4683-A258-869CCE2EFDEE}" destId="{46B8E31D-92A9-4F7C-AC64-291B22E56C19}" srcOrd="0" destOrd="0" presId="urn:microsoft.com/office/officeart/2005/8/layout/hList7"/>
-    <dgm:cxn modelId="{194860A3-1900-4650-B671-CEC4587BA924}" type="presOf" srcId="{94CA40FB-60B0-465C-89DE-37B57251E362}" destId="{6A4D6A8E-A18C-499A-84BC-74FED5388C93}" srcOrd="0" destOrd="0" presId="urn:microsoft.com/office/officeart/2005/8/layout/hList7"/>
-    <dgm:cxn modelId="{F309A241-CAAA-4CAA-89A7-3EF413DFED5F}" type="presOf" srcId="{47253CFC-4569-4709-81D3-DEEB42841B34}" destId="{18E220CA-4E07-4273-9F20-D66E44D1CC15}" srcOrd="0" destOrd="0" presId="urn:microsoft.com/office/officeart/2005/8/layout/hList7"/>
-    <dgm:cxn modelId="{B6D21F72-7318-4B23-BC86-23B4E85AD610}" type="presOf" srcId="{5EE301F9-AA62-4FDD-BBD4-EB5F68D85FEC}" destId="{90FFEDE6-D24B-46AA-AC61-5A2CA3E513CC}" srcOrd="0" destOrd="0" presId="urn:microsoft.com/office/officeart/2005/8/layout/hList7"/>
-    <dgm:cxn modelId="{E53B2165-E749-413E-9F1A-C9CC76DA6A5C}" srcId="{95C89F30-E4C0-41F0-9F78-CFBA2BC6B6E7}" destId="{5EE301F9-AA62-4FDD-BBD4-EB5F68D85FEC}" srcOrd="0" destOrd="0" parTransId="{752A3FC9-4F42-4B45-864D-D48201C144BC}" sibTransId="{7A2D0BBB-4796-4683-A258-869CCE2EFDEE}"/>
     <dgm:cxn modelId="{4D0448AB-072A-4D18-810D-2383F44A3112}" type="presParOf" srcId="{68497B09-3716-4EBD-AC6B-8AE2BDCC8972}" destId="{5C007895-D27B-4555-8633-C9BBD58A106D}" srcOrd="0" destOrd="0" presId="urn:microsoft.com/office/officeart/2005/8/layout/hList7"/>
     <dgm:cxn modelId="{EB40CABA-D7D8-449B-A3EF-706C96A2B35D}" type="presParOf" srcId="{68497B09-3716-4EBD-AC6B-8AE2BDCC8972}" destId="{851E5CC9-679F-4CF6-B00F-A025B4DEF2B3}" srcOrd="1" destOrd="0" presId="urn:microsoft.com/office/officeart/2005/8/layout/hList7"/>
     <dgm:cxn modelId="{E6D0BBE2-1389-41E3-A561-EB44452418BA}" type="presParOf" srcId="{851E5CC9-679F-4CF6-B00F-A025B4DEF2B3}" destId="{02F5FF00-4C9F-4B29-8EE7-22E5EFD6E9BE}" srcOrd="0" destOrd="0" presId="urn:microsoft.com/office/officeart/2005/8/layout/hList7"/>
@@ -4628,1122 +4632,6 @@
       <dsp:cNvGrpSpPr/>
     </dsp:nvGrpSpPr>
     <dsp:grpSpPr/>
-    <dsp:sp modelId="{68AC0C8C-6683-4490-8F38-983C8CB47C3F}">
-      <dsp:nvSpPr>
-        <dsp:cNvPr id="0" name=""/>
-        <dsp:cNvSpPr/>
-      </dsp:nvSpPr>
-      <dsp:spPr>
-        <a:xfrm>
-          <a:off x="4124889" y="2973665"/>
-          <a:ext cx="2160280" cy="1399372"/>
-        </a:xfrm>
-        <a:prstGeom prst="roundRect">
-          <a:avLst>
-            <a:gd name="adj" fmla="val 10000"/>
-          </a:avLst>
-        </a:prstGeom>
-        <a:solidFill>
-          <a:schemeClr val="lt1">
-            <a:alpha val="90000"/>
-            <a:hueOff val="0"/>
-            <a:satOff val="0"/>
-            <a:lumOff val="0"/>
-            <a:alphaOff val="0"/>
-          </a:schemeClr>
-        </a:solidFill>
-        <a:ln w="6350" cap="flat" cmpd="sng" algn="ctr">
-          <a:solidFill>
-            <a:schemeClr val="accent4">
-              <a:hueOff val="0"/>
-              <a:satOff val="0"/>
-              <a:lumOff val="0"/>
-              <a:alphaOff val="0"/>
-            </a:schemeClr>
-          </a:solidFill>
-          <a:prstDash val="solid"/>
-          <a:miter lim="800000"/>
-        </a:ln>
-        <a:effectLst/>
-        <a:scene3d>
-          <a:camera prst="orthographicFront"/>
-          <a:lightRig rig="flat" dir="t"/>
-        </a:scene3d>
-        <a:sp3d z="-190500" extrusionH="12700" prstMaterial="plastic">
-          <a:bevelT w="50800" h="50800"/>
-        </a:sp3d>
-      </dsp:spPr>
-      <dsp:style>
-        <a:lnRef idx="1">
-          <a:scrgbClr r="0" g="0" b="0"/>
-        </a:lnRef>
-        <a:fillRef idx="1">
-          <a:scrgbClr r="0" g="0" b="0"/>
-        </a:fillRef>
-        <a:effectRef idx="2">
-          <a:scrgbClr r="0" g="0" b="0"/>
-        </a:effectRef>
-        <a:fontRef idx="minor"/>
-      </dsp:style>
-      <dsp:txBody>
-        <a:bodyPr spcFirstLastPara="0" vert="horz" wrap="square" lIns="53340" tIns="53340" rIns="53340" bIns="53340" numCol="1" spcCol="1270" anchor="t" anchorCtr="0">
-          <a:noAutofit/>
-        </a:bodyPr>
-        <a:lstStyle/>
-        <a:p>
-          <a:pPr marL="57150" lvl="1" indent="-57150" algn="l" defTabSz="488950">
-            <a:lnSpc>
-              <a:spcPct val="90000"/>
-            </a:lnSpc>
-            <a:spcBef>
-              <a:spcPct val="0"/>
-            </a:spcBef>
-            <a:spcAft>
-              <a:spcPct val="15000"/>
-            </a:spcAft>
-            <a:buChar char="••"/>
-          </a:pPr>
-          <a:r>
-            <a:rPr lang="fr-FR" sz="1100" kern="1200" dirty="0" err="1"/>
-            <a:t>Risk</a:t>
-          </a:r>
-          <a:r>
-            <a:rPr lang="fr-FR" sz="1100" kern="1200" dirty="0"/>
-            <a:t> of high </a:t>
-          </a:r>
-          <a:r>
-            <a:rPr lang="fr-FR" sz="1100" kern="1200" dirty="0" err="1"/>
-            <a:t>demand</a:t>
-          </a:r>
-          <a:r>
-            <a:rPr lang="fr-FR" sz="1100" kern="1200" dirty="0"/>
-            <a:t> (server)</a:t>
-          </a:r>
-        </a:p>
-        <a:p>
-          <a:pPr marL="57150" lvl="1" indent="-57150" algn="l" defTabSz="488950">
-            <a:lnSpc>
-              <a:spcPct val="90000"/>
-            </a:lnSpc>
-            <a:spcBef>
-              <a:spcPct val="0"/>
-            </a:spcBef>
-            <a:spcAft>
-              <a:spcPct val="15000"/>
-            </a:spcAft>
-            <a:buChar char="••"/>
-          </a:pPr>
-          <a:r>
-            <a:rPr lang="fr-FR" sz="1100" kern="1200" dirty="0" err="1" smtClean="0"/>
-            <a:t>Portability</a:t>
-          </a:r>
-          <a:r>
-            <a:rPr lang="fr-FR" sz="1100" kern="1200" dirty="0" smtClean="0"/>
-            <a:t> to Mac</a:t>
-          </a:r>
-          <a:endParaRPr lang="fr-FR" sz="1100" kern="1200" dirty="0"/>
-        </a:p>
-        <a:p>
-          <a:pPr marL="57150" lvl="1" indent="-57150" algn="l" defTabSz="488950">
-            <a:lnSpc>
-              <a:spcPct val="90000"/>
-            </a:lnSpc>
-            <a:spcBef>
-              <a:spcPct val="0"/>
-            </a:spcBef>
-            <a:spcAft>
-              <a:spcPct val="15000"/>
-            </a:spcAft>
-            <a:buChar char="••"/>
-          </a:pPr>
-          <a:r>
-            <a:rPr lang="fr-FR" sz="1100" kern="1200" dirty="0" err="1" smtClean="0"/>
-            <a:t>Lack</a:t>
-          </a:r>
-          <a:r>
-            <a:rPr lang="fr-FR" sz="1100" kern="1200" dirty="0" smtClean="0"/>
-            <a:t> of control on </a:t>
-          </a:r>
-          <a:r>
-            <a:rPr lang="fr-FR" sz="1100" kern="1200" dirty="0" err="1" smtClean="0"/>
-            <a:t>database</a:t>
-          </a:r>
-          <a:endParaRPr lang="fr-FR" sz="1100" kern="1200" dirty="0"/>
-        </a:p>
-      </dsp:txBody>
-      <dsp:txXfrm>
-        <a:off x="4803713" y="3354248"/>
-        <a:ext cx="1450716" cy="988049"/>
-      </dsp:txXfrm>
-    </dsp:sp>
-    <dsp:sp modelId="{431C4C2F-7F42-4D62-8EEF-918E7AD22EA0}">
-      <dsp:nvSpPr>
-        <dsp:cNvPr id="0" name=""/>
-        <dsp:cNvSpPr/>
-      </dsp:nvSpPr>
-      <dsp:spPr>
-        <a:xfrm>
-          <a:off x="562523" y="2973665"/>
-          <a:ext cx="2160280" cy="1399372"/>
-        </a:xfrm>
-        <a:prstGeom prst="roundRect">
-          <a:avLst>
-            <a:gd name="adj" fmla="val 10000"/>
-          </a:avLst>
-        </a:prstGeom>
-        <a:solidFill>
-          <a:schemeClr val="lt1">
-            <a:alpha val="90000"/>
-            <a:hueOff val="0"/>
-            <a:satOff val="0"/>
-            <a:lumOff val="0"/>
-            <a:alphaOff val="0"/>
-          </a:schemeClr>
-        </a:solidFill>
-        <a:ln w="6350" cap="flat" cmpd="sng" algn="ctr">
-          <a:solidFill>
-            <a:schemeClr val="accent5">
-              <a:hueOff val="0"/>
-              <a:satOff val="0"/>
-              <a:lumOff val="0"/>
-              <a:alphaOff val="0"/>
-            </a:schemeClr>
-          </a:solidFill>
-          <a:prstDash val="solid"/>
-          <a:miter lim="800000"/>
-        </a:ln>
-        <a:effectLst/>
-        <a:scene3d>
-          <a:camera prst="orthographicFront"/>
-          <a:lightRig rig="flat" dir="t"/>
-        </a:scene3d>
-        <a:sp3d z="-190500" extrusionH="12700" prstMaterial="plastic">
-          <a:bevelT w="50800" h="50800"/>
-        </a:sp3d>
-      </dsp:spPr>
-      <dsp:style>
-        <a:lnRef idx="1">
-          <a:scrgbClr r="0" g="0" b="0"/>
-        </a:lnRef>
-        <a:fillRef idx="1">
-          <a:scrgbClr r="0" g="0" b="0"/>
-        </a:fillRef>
-        <a:effectRef idx="2">
-          <a:scrgbClr r="0" g="0" b="0"/>
-        </a:effectRef>
-        <a:fontRef idx="minor"/>
-      </dsp:style>
-      <dsp:txBody>
-        <a:bodyPr spcFirstLastPara="0" vert="horz" wrap="square" lIns="53340" tIns="53340" rIns="53340" bIns="53340" numCol="1" spcCol="1270" anchor="t" anchorCtr="0">
-          <a:noAutofit/>
-        </a:bodyPr>
-        <a:lstStyle/>
-        <a:p>
-          <a:pPr marL="57150" lvl="1" indent="-57150" algn="l" defTabSz="488950">
-            <a:lnSpc>
-              <a:spcPct val="90000"/>
-            </a:lnSpc>
-            <a:spcBef>
-              <a:spcPct val="0"/>
-            </a:spcBef>
-            <a:spcAft>
-              <a:spcPct val="15000"/>
-            </a:spcAft>
-            <a:buChar char="••"/>
-          </a:pPr>
-          <a:r>
-            <a:rPr lang="fr-FR" sz="1100" kern="1200" dirty="0"/>
-            <a:t>No </a:t>
-          </a:r>
-          <a:r>
-            <a:rPr lang="fr-FR" sz="1100" kern="1200" dirty="0" err="1"/>
-            <a:t>competition</a:t>
-          </a:r>
-          <a:endParaRPr lang="fr-FR" sz="1100" kern="1200" dirty="0"/>
-        </a:p>
-        <a:p>
-          <a:pPr marL="57150" lvl="1" indent="-57150" algn="l" defTabSz="488950">
-            <a:lnSpc>
-              <a:spcPct val="90000"/>
-            </a:lnSpc>
-            <a:spcBef>
-              <a:spcPct val="0"/>
-            </a:spcBef>
-            <a:spcAft>
-              <a:spcPct val="15000"/>
-            </a:spcAft>
-            <a:buChar char="••"/>
-          </a:pPr>
-          <a:r>
-            <a:rPr lang="fr-FR" sz="1100" kern="1200" dirty="0"/>
-            <a:t>High utility</a:t>
-          </a:r>
-        </a:p>
-        <a:p>
-          <a:pPr marL="57150" lvl="1" indent="-57150" algn="l" defTabSz="488950">
-            <a:lnSpc>
-              <a:spcPct val="90000"/>
-            </a:lnSpc>
-            <a:spcBef>
-              <a:spcPct val="0"/>
-            </a:spcBef>
-            <a:spcAft>
-              <a:spcPct val="15000"/>
-            </a:spcAft>
-            <a:buChar char="••"/>
-          </a:pPr>
-          <a:r>
-            <a:rPr lang="fr-FR" sz="1100" kern="1200" dirty="0" err="1" smtClean="0"/>
-            <a:t>Easy</a:t>
-          </a:r>
-          <a:r>
-            <a:rPr lang="fr-FR" sz="1100" kern="1200" dirty="0" smtClean="0"/>
-            <a:t> to use</a:t>
-          </a:r>
-          <a:endParaRPr lang="fr-FR" sz="1100" kern="1200" dirty="0"/>
-        </a:p>
-      </dsp:txBody>
-      <dsp:txXfrm>
-        <a:off x="593263" y="3354248"/>
-        <a:ext cx="1450716" cy="988049"/>
-      </dsp:txXfrm>
-    </dsp:sp>
-    <dsp:sp modelId="{05478942-E273-4856-8553-F0FD8F015AA2}">
-      <dsp:nvSpPr>
-        <dsp:cNvPr id="0" name=""/>
-        <dsp:cNvSpPr/>
-      </dsp:nvSpPr>
-      <dsp:spPr>
-        <a:xfrm>
-          <a:off x="4124889" y="0"/>
-          <a:ext cx="2160280" cy="1399372"/>
-        </a:xfrm>
-        <a:prstGeom prst="roundRect">
-          <a:avLst>
-            <a:gd name="adj" fmla="val 10000"/>
-          </a:avLst>
-        </a:prstGeom>
-        <a:solidFill>
-          <a:schemeClr val="lt1">
-            <a:alpha val="90000"/>
-            <a:hueOff val="0"/>
-            <a:satOff val="0"/>
-            <a:lumOff val="0"/>
-            <a:alphaOff val="0"/>
-          </a:schemeClr>
-        </a:solidFill>
-        <a:ln w="6350" cap="flat" cmpd="sng" algn="ctr">
-          <a:solidFill>
-            <a:schemeClr val="accent3">
-              <a:hueOff val="0"/>
-              <a:satOff val="0"/>
-              <a:lumOff val="0"/>
-              <a:alphaOff val="0"/>
-            </a:schemeClr>
-          </a:solidFill>
-          <a:prstDash val="solid"/>
-          <a:miter lim="800000"/>
-        </a:ln>
-        <a:effectLst/>
-        <a:scene3d>
-          <a:camera prst="orthographicFront"/>
-          <a:lightRig rig="flat" dir="t"/>
-        </a:scene3d>
-        <a:sp3d z="-190500" extrusionH="12700" prstMaterial="plastic">
-          <a:bevelT w="50800" h="50800"/>
-        </a:sp3d>
-      </dsp:spPr>
-      <dsp:style>
-        <a:lnRef idx="1">
-          <a:scrgbClr r="0" g="0" b="0"/>
-        </a:lnRef>
-        <a:fillRef idx="1">
-          <a:scrgbClr r="0" g="0" b="0"/>
-        </a:fillRef>
-        <a:effectRef idx="2">
-          <a:scrgbClr r="0" g="0" b="0"/>
-        </a:effectRef>
-        <a:fontRef idx="minor"/>
-      </dsp:style>
-      <dsp:txBody>
-        <a:bodyPr spcFirstLastPara="0" vert="horz" wrap="square" lIns="53340" tIns="53340" rIns="53340" bIns="53340" numCol="1" spcCol="1270" anchor="t" anchorCtr="0">
-          <a:noAutofit/>
-        </a:bodyPr>
-        <a:lstStyle/>
-        <a:p>
-          <a:pPr marL="57150" lvl="1" indent="-57150" algn="l" defTabSz="488950">
-            <a:lnSpc>
-              <a:spcPct val="90000"/>
-            </a:lnSpc>
-            <a:spcBef>
-              <a:spcPct val="0"/>
-            </a:spcBef>
-            <a:spcAft>
-              <a:spcPct val="15000"/>
-            </a:spcAft>
-            <a:buChar char="••"/>
-          </a:pPr>
-          <a:r>
-            <a:rPr lang="fr-FR" sz="1100" kern="1200" dirty="0"/>
-            <a:t>Short deadlines</a:t>
-          </a:r>
-        </a:p>
-        <a:p>
-          <a:pPr marL="57150" lvl="1" indent="-57150" algn="l" defTabSz="488950">
-            <a:lnSpc>
-              <a:spcPct val="90000"/>
-            </a:lnSpc>
-            <a:spcBef>
-              <a:spcPct val="0"/>
-            </a:spcBef>
-            <a:spcAft>
-              <a:spcPct val="15000"/>
-            </a:spcAft>
-            <a:buChar char="••"/>
-          </a:pPr>
-          <a:r>
-            <a:rPr lang="fr-FR" sz="1100" kern="1200" dirty="0" err="1" smtClean="0"/>
-            <a:t>Emerging</a:t>
-          </a:r>
-          <a:r>
-            <a:rPr lang="fr-FR" sz="1100" kern="1200" dirty="0" smtClean="0"/>
-            <a:t> </a:t>
-          </a:r>
-          <a:r>
-            <a:rPr lang="fr-FR" sz="1100" kern="1200" dirty="0" err="1" smtClean="0"/>
-            <a:t>scientific</a:t>
-          </a:r>
-          <a:r>
-            <a:rPr lang="fr-FR" sz="1100" kern="1200" dirty="0" smtClean="0"/>
-            <a:t> </a:t>
-          </a:r>
-          <a:r>
-            <a:rPr lang="fr-FR" sz="1100" kern="1200" dirty="0" err="1" smtClean="0"/>
-            <a:t>field</a:t>
-          </a:r>
-          <a:endParaRPr lang="fr-FR" sz="1100" kern="1200" dirty="0"/>
-        </a:p>
-        <a:p>
-          <a:pPr marL="57150" lvl="1" indent="-57150" algn="l" defTabSz="488950">
-            <a:lnSpc>
-              <a:spcPct val="90000"/>
-            </a:lnSpc>
-            <a:spcBef>
-              <a:spcPct val="0"/>
-            </a:spcBef>
-            <a:spcAft>
-              <a:spcPct val="15000"/>
-            </a:spcAft>
-            <a:buChar char="••"/>
-          </a:pPr>
-          <a:r>
-            <a:rPr lang="fr-FR" sz="1100" kern="1200" dirty="0" smtClean="0"/>
-            <a:t>Client </a:t>
-          </a:r>
-          <a:r>
-            <a:rPr lang="fr-FR" sz="1100" kern="1200" dirty="0" err="1" smtClean="0"/>
-            <a:t>infrequently</a:t>
-          </a:r>
-          <a:r>
-            <a:rPr lang="fr-FR" sz="1100" kern="1200" dirty="0" smtClean="0"/>
-            <a:t> </a:t>
-          </a:r>
-          <a:r>
-            <a:rPr lang="fr-FR" sz="1100" kern="1200" dirty="0" err="1" smtClean="0"/>
-            <a:t>available</a:t>
-          </a:r>
-          <a:endParaRPr lang="fr-FR" sz="1100" kern="1200" dirty="0"/>
-        </a:p>
-      </dsp:txBody>
-      <dsp:txXfrm>
-        <a:off x="4803713" y="30740"/>
-        <a:ext cx="1450716" cy="988049"/>
-      </dsp:txXfrm>
-    </dsp:sp>
-    <dsp:sp modelId="{BC6F0824-1351-49BA-BADB-F02B71A91728}">
-      <dsp:nvSpPr>
-        <dsp:cNvPr id="0" name=""/>
-        <dsp:cNvSpPr/>
-      </dsp:nvSpPr>
-      <dsp:spPr>
-        <a:xfrm>
-          <a:off x="562523" y="0"/>
-          <a:ext cx="2160280" cy="1399372"/>
-        </a:xfrm>
-        <a:prstGeom prst="roundRect">
-          <a:avLst>
-            <a:gd name="adj" fmla="val 10000"/>
-          </a:avLst>
-        </a:prstGeom>
-        <a:solidFill>
-          <a:schemeClr val="lt1">
-            <a:alpha val="90000"/>
-            <a:hueOff val="0"/>
-            <a:satOff val="0"/>
-            <a:lumOff val="0"/>
-            <a:alphaOff val="0"/>
-          </a:schemeClr>
-        </a:solidFill>
-        <a:ln w="6350" cap="flat" cmpd="sng" algn="ctr">
-          <a:solidFill>
-            <a:schemeClr val="accent2">
-              <a:hueOff val="0"/>
-              <a:satOff val="0"/>
-              <a:lumOff val="0"/>
-              <a:alphaOff val="0"/>
-            </a:schemeClr>
-          </a:solidFill>
-          <a:prstDash val="solid"/>
-          <a:miter lim="800000"/>
-        </a:ln>
-        <a:effectLst/>
-        <a:scene3d>
-          <a:camera prst="orthographicFront"/>
-          <a:lightRig rig="flat" dir="t"/>
-        </a:scene3d>
-        <a:sp3d z="-190500" extrusionH="12700" prstMaterial="plastic">
-          <a:bevelT w="50800" h="50800"/>
-        </a:sp3d>
-      </dsp:spPr>
-      <dsp:style>
-        <a:lnRef idx="1">
-          <a:scrgbClr r="0" g="0" b="0"/>
-        </a:lnRef>
-        <a:fillRef idx="1">
-          <a:scrgbClr r="0" g="0" b="0"/>
-        </a:fillRef>
-        <a:effectRef idx="2">
-          <a:scrgbClr r="0" g="0" b="0"/>
-        </a:effectRef>
-        <a:fontRef idx="minor"/>
-      </dsp:style>
-      <dsp:txBody>
-        <a:bodyPr spcFirstLastPara="0" vert="horz" wrap="square" lIns="53340" tIns="53340" rIns="53340" bIns="53340" numCol="1" spcCol="1270" anchor="t" anchorCtr="0">
-          <a:noAutofit/>
-        </a:bodyPr>
-        <a:lstStyle/>
-        <a:p>
-          <a:pPr marL="57150" lvl="1" indent="-57150" algn="l" defTabSz="488950">
-            <a:lnSpc>
-              <a:spcPct val="90000"/>
-            </a:lnSpc>
-            <a:spcBef>
-              <a:spcPct val="0"/>
-            </a:spcBef>
-            <a:spcAft>
-              <a:spcPct val="15000"/>
-            </a:spcAft>
-            <a:buChar char="••"/>
-          </a:pPr>
-          <a:r>
-            <a:rPr lang="fr-FR" sz="1100" kern="1200" dirty="0"/>
-            <a:t>Diverse </a:t>
-          </a:r>
-          <a:r>
-            <a:rPr lang="fr-FR" sz="1100" kern="1200" dirty="0" err="1"/>
-            <a:t>skill</a:t>
-          </a:r>
-          <a:r>
-            <a:rPr lang="fr-FR" sz="1100" kern="1200" dirty="0"/>
-            <a:t> set</a:t>
-          </a:r>
-        </a:p>
-        <a:p>
-          <a:pPr marL="57150" lvl="1" indent="-57150" algn="l" defTabSz="488950">
-            <a:lnSpc>
-              <a:spcPct val="90000"/>
-            </a:lnSpc>
-            <a:spcBef>
-              <a:spcPct val="0"/>
-            </a:spcBef>
-            <a:spcAft>
-              <a:spcPct val="15000"/>
-            </a:spcAft>
-            <a:buChar char="••"/>
-          </a:pPr>
-          <a:r>
-            <a:rPr lang="fr-FR" sz="1100" kern="1200" dirty="0"/>
-            <a:t>Access to expert </a:t>
-          </a:r>
-          <a:r>
-            <a:rPr lang="fr-FR" sz="1100" kern="1200" dirty="0" err="1"/>
-            <a:t>advise</a:t>
-          </a:r>
-          <a:endParaRPr lang="fr-FR" sz="1100" kern="1200" dirty="0"/>
-        </a:p>
-        <a:p>
-          <a:pPr marL="57150" lvl="1" indent="-57150" algn="l" defTabSz="488950">
-            <a:lnSpc>
-              <a:spcPct val="90000"/>
-            </a:lnSpc>
-            <a:spcBef>
-              <a:spcPct val="0"/>
-            </a:spcBef>
-            <a:spcAft>
-              <a:spcPct val="15000"/>
-            </a:spcAft>
-            <a:buChar char="••"/>
-          </a:pPr>
-          <a:r>
-            <a:rPr lang="fr-FR" sz="1100" kern="1200" dirty="0"/>
-            <a:t>Open source </a:t>
-          </a:r>
-          <a:r>
-            <a:rPr lang="fr-FR" sz="1100" kern="1200" dirty="0" smtClean="0"/>
-            <a:t>packages (no budget </a:t>
-          </a:r>
-          <a:r>
-            <a:rPr lang="fr-FR" sz="1100" kern="1200" dirty="0" err="1" smtClean="0"/>
-            <a:t>needed</a:t>
-          </a:r>
-          <a:r>
-            <a:rPr lang="fr-FR" sz="1100" kern="1200" dirty="0" smtClean="0"/>
-            <a:t>)</a:t>
-          </a:r>
-          <a:endParaRPr lang="fr-FR" sz="1100" kern="1200" dirty="0"/>
-        </a:p>
-      </dsp:txBody>
-      <dsp:txXfrm>
-        <a:off x="593263" y="30740"/>
-        <a:ext cx="1450716" cy="988049"/>
-      </dsp:txXfrm>
-    </dsp:sp>
-    <dsp:sp modelId="{E72BDFA6-376E-4614-9D7C-A68241E884D9}">
-      <dsp:nvSpPr>
-        <dsp:cNvPr id="0" name=""/>
-        <dsp:cNvSpPr/>
-      </dsp:nvSpPr>
-      <dsp:spPr>
-        <a:xfrm>
-          <a:off x="1467742" y="249263"/>
-          <a:ext cx="1893525" cy="1893525"/>
-        </a:xfrm>
-        <a:prstGeom prst="pieWedge">
-          <a:avLst/>
-        </a:prstGeom>
-        <a:gradFill rotWithShape="0">
-          <a:gsLst>
-            <a:gs pos="0">
-              <a:schemeClr val="accent2">
-                <a:hueOff val="0"/>
-                <a:satOff val="0"/>
-                <a:lumOff val="0"/>
-                <a:alphaOff val="0"/>
-                <a:satMod val="103000"/>
-                <a:lumMod val="102000"/>
-                <a:tint val="94000"/>
-              </a:schemeClr>
-            </a:gs>
-            <a:gs pos="50000">
-              <a:schemeClr val="accent2">
-                <a:hueOff val="0"/>
-                <a:satOff val="0"/>
-                <a:lumOff val="0"/>
-                <a:alphaOff val="0"/>
-                <a:satMod val="110000"/>
-                <a:lumMod val="100000"/>
-                <a:shade val="100000"/>
-              </a:schemeClr>
-            </a:gs>
-            <a:gs pos="100000">
-              <a:schemeClr val="accent2">
-                <a:hueOff val="0"/>
-                <a:satOff val="0"/>
-                <a:lumOff val="0"/>
-                <a:alphaOff val="0"/>
-                <a:lumMod val="99000"/>
-                <a:satMod val="120000"/>
-                <a:shade val="78000"/>
-              </a:schemeClr>
-            </a:gs>
-          </a:gsLst>
-          <a:lin ang="5400000" scaled="0"/>
-        </a:gradFill>
-        <a:ln>
-          <a:noFill/>
-        </a:ln>
-        <a:effectLst/>
-        <a:scene3d>
-          <a:camera prst="orthographicFront"/>
-          <a:lightRig rig="flat" dir="t"/>
-        </a:scene3d>
-        <a:sp3d prstMaterial="plastic">
-          <a:bevelT w="120900" h="88900"/>
-          <a:bevelB w="88900" h="31750" prst="angle"/>
-        </a:sp3d>
-      </dsp:spPr>
-      <dsp:style>
-        <a:lnRef idx="0">
-          <a:scrgbClr r="0" g="0" b="0"/>
-        </a:lnRef>
-        <a:fillRef idx="3">
-          <a:scrgbClr r="0" g="0" b="0"/>
-        </a:fillRef>
-        <a:effectRef idx="2">
-          <a:scrgbClr r="0" g="0" b="0"/>
-        </a:effectRef>
-        <a:fontRef idx="minor">
-          <a:schemeClr val="lt1"/>
-        </a:fontRef>
-      </dsp:style>
-      <dsp:txBody>
-        <a:bodyPr spcFirstLastPara="0" vert="horz" wrap="square" lIns="334264" tIns="334264" rIns="334264" bIns="334264" numCol="1" spcCol="1270" anchor="ctr" anchorCtr="0">
-          <a:noAutofit/>
-        </a:bodyPr>
-        <a:lstStyle/>
-        <a:p>
-          <a:pPr lvl="0" algn="ctr" defTabSz="2089150">
-            <a:lnSpc>
-              <a:spcPct val="90000"/>
-            </a:lnSpc>
-            <a:spcBef>
-              <a:spcPct val="0"/>
-            </a:spcBef>
-            <a:spcAft>
-              <a:spcPct val="35000"/>
-            </a:spcAft>
-          </a:pPr>
-          <a:r>
-            <a:rPr lang="fr-FR" sz="4700" kern="1200" dirty="0"/>
-            <a:t>S</a:t>
-          </a:r>
-        </a:p>
-      </dsp:txBody>
-      <dsp:txXfrm>
-        <a:off x="2022343" y="803864"/>
-        <a:ext cx="1338924" cy="1338924"/>
-      </dsp:txXfrm>
-    </dsp:sp>
-    <dsp:sp modelId="{A67A60E5-5291-49E4-B3E5-53A58B528285}">
-      <dsp:nvSpPr>
-        <dsp:cNvPr id="0" name=""/>
-        <dsp:cNvSpPr/>
-      </dsp:nvSpPr>
-      <dsp:spPr>
-        <a:xfrm rot="5400000">
-          <a:off x="3448728" y="249263"/>
-          <a:ext cx="1893525" cy="1893525"/>
-        </a:xfrm>
-        <a:prstGeom prst="pieWedge">
-          <a:avLst/>
-        </a:prstGeom>
-        <a:gradFill rotWithShape="0">
-          <a:gsLst>
-            <a:gs pos="0">
-              <a:schemeClr val="accent3">
-                <a:hueOff val="0"/>
-                <a:satOff val="0"/>
-                <a:lumOff val="0"/>
-                <a:alphaOff val="0"/>
-                <a:satMod val="103000"/>
-                <a:lumMod val="102000"/>
-                <a:tint val="94000"/>
-              </a:schemeClr>
-            </a:gs>
-            <a:gs pos="50000">
-              <a:schemeClr val="accent3">
-                <a:hueOff val="0"/>
-                <a:satOff val="0"/>
-                <a:lumOff val="0"/>
-                <a:alphaOff val="0"/>
-                <a:satMod val="110000"/>
-                <a:lumMod val="100000"/>
-                <a:shade val="100000"/>
-              </a:schemeClr>
-            </a:gs>
-            <a:gs pos="100000">
-              <a:schemeClr val="accent3">
-                <a:hueOff val="0"/>
-                <a:satOff val="0"/>
-                <a:lumOff val="0"/>
-                <a:alphaOff val="0"/>
-                <a:lumMod val="99000"/>
-                <a:satMod val="120000"/>
-                <a:shade val="78000"/>
-              </a:schemeClr>
-            </a:gs>
-          </a:gsLst>
-          <a:lin ang="5400000" scaled="0"/>
-        </a:gradFill>
-        <a:ln>
-          <a:noFill/>
-        </a:ln>
-        <a:effectLst/>
-        <a:scene3d>
-          <a:camera prst="orthographicFront"/>
-          <a:lightRig rig="flat" dir="t"/>
-        </a:scene3d>
-        <a:sp3d prstMaterial="plastic">
-          <a:bevelT w="120900" h="88900"/>
-          <a:bevelB w="88900" h="31750" prst="angle"/>
-        </a:sp3d>
-      </dsp:spPr>
-      <dsp:style>
-        <a:lnRef idx="0">
-          <a:scrgbClr r="0" g="0" b="0"/>
-        </a:lnRef>
-        <a:fillRef idx="3">
-          <a:scrgbClr r="0" g="0" b="0"/>
-        </a:fillRef>
-        <a:effectRef idx="2">
-          <a:scrgbClr r="0" g="0" b="0"/>
-        </a:effectRef>
-        <a:fontRef idx="minor">
-          <a:schemeClr val="lt1"/>
-        </a:fontRef>
-      </dsp:style>
-      <dsp:txBody>
-        <a:bodyPr spcFirstLastPara="0" vert="horz" wrap="square" lIns="334264" tIns="334264" rIns="334264" bIns="334264" numCol="1" spcCol="1270" anchor="ctr" anchorCtr="0">
-          <a:noAutofit/>
-        </a:bodyPr>
-        <a:lstStyle/>
-        <a:p>
-          <a:pPr lvl="0" algn="ctr" defTabSz="2089150">
-            <a:lnSpc>
-              <a:spcPct val="90000"/>
-            </a:lnSpc>
-            <a:spcBef>
-              <a:spcPct val="0"/>
-            </a:spcBef>
-            <a:spcAft>
-              <a:spcPct val="35000"/>
-            </a:spcAft>
-          </a:pPr>
-          <a:r>
-            <a:rPr lang="fr-FR" sz="4700" kern="1200" dirty="0"/>
-            <a:t>W</a:t>
-          </a:r>
-        </a:p>
-      </dsp:txBody>
-      <dsp:txXfrm rot="-5400000">
-        <a:off x="3448728" y="803864"/>
-        <a:ext cx="1338924" cy="1338924"/>
-      </dsp:txXfrm>
-    </dsp:sp>
-    <dsp:sp modelId="{CF4FC7F6-A89C-4633-A10E-BFE92B369DCD}">
-      <dsp:nvSpPr>
-        <dsp:cNvPr id="0" name=""/>
-        <dsp:cNvSpPr/>
-      </dsp:nvSpPr>
-      <dsp:spPr>
-        <a:xfrm rot="10800000">
-          <a:off x="3448728" y="2230249"/>
-          <a:ext cx="1893525" cy="1893525"/>
-        </a:xfrm>
-        <a:prstGeom prst="pieWedge">
-          <a:avLst/>
-        </a:prstGeom>
-        <a:gradFill rotWithShape="0">
-          <a:gsLst>
-            <a:gs pos="0">
-              <a:schemeClr val="accent4">
-                <a:hueOff val="0"/>
-                <a:satOff val="0"/>
-                <a:lumOff val="0"/>
-                <a:alphaOff val="0"/>
-                <a:satMod val="103000"/>
-                <a:lumMod val="102000"/>
-                <a:tint val="94000"/>
-              </a:schemeClr>
-            </a:gs>
-            <a:gs pos="50000">
-              <a:schemeClr val="accent4">
-                <a:hueOff val="0"/>
-                <a:satOff val="0"/>
-                <a:lumOff val="0"/>
-                <a:alphaOff val="0"/>
-                <a:satMod val="110000"/>
-                <a:lumMod val="100000"/>
-                <a:shade val="100000"/>
-              </a:schemeClr>
-            </a:gs>
-            <a:gs pos="100000">
-              <a:schemeClr val="accent4">
-                <a:hueOff val="0"/>
-                <a:satOff val="0"/>
-                <a:lumOff val="0"/>
-                <a:alphaOff val="0"/>
-                <a:lumMod val="99000"/>
-                <a:satMod val="120000"/>
-                <a:shade val="78000"/>
-              </a:schemeClr>
-            </a:gs>
-          </a:gsLst>
-          <a:lin ang="5400000" scaled="0"/>
-        </a:gradFill>
-        <a:ln>
-          <a:noFill/>
-        </a:ln>
-        <a:effectLst/>
-        <a:scene3d>
-          <a:camera prst="orthographicFront"/>
-          <a:lightRig rig="flat" dir="t"/>
-        </a:scene3d>
-        <a:sp3d prstMaterial="plastic">
-          <a:bevelT w="120900" h="88900"/>
-          <a:bevelB w="88900" h="31750" prst="angle"/>
-        </a:sp3d>
-      </dsp:spPr>
-      <dsp:style>
-        <a:lnRef idx="0">
-          <a:scrgbClr r="0" g="0" b="0"/>
-        </a:lnRef>
-        <a:fillRef idx="3">
-          <a:scrgbClr r="0" g="0" b="0"/>
-        </a:fillRef>
-        <a:effectRef idx="2">
-          <a:scrgbClr r="0" g="0" b="0"/>
-        </a:effectRef>
-        <a:fontRef idx="minor">
-          <a:schemeClr val="lt1"/>
-        </a:fontRef>
-      </dsp:style>
-      <dsp:txBody>
-        <a:bodyPr spcFirstLastPara="0" vert="horz" wrap="square" lIns="334264" tIns="334264" rIns="334264" bIns="334264" numCol="1" spcCol="1270" anchor="ctr" anchorCtr="0">
-          <a:noAutofit/>
-        </a:bodyPr>
-        <a:lstStyle/>
-        <a:p>
-          <a:pPr lvl="0" algn="ctr" defTabSz="2089150">
-            <a:lnSpc>
-              <a:spcPct val="90000"/>
-            </a:lnSpc>
-            <a:spcBef>
-              <a:spcPct val="0"/>
-            </a:spcBef>
-            <a:spcAft>
-              <a:spcPct val="35000"/>
-            </a:spcAft>
-          </a:pPr>
-          <a:r>
-            <a:rPr lang="fr-FR" sz="4700" kern="1200" dirty="0"/>
-            <a:t>T</a:t>
-          </a:r>
-        </a:p>
-      </dsp:txBody>
-      <dsp:txXfrm rot="10800000">
-        <a:off x="3448728" y="2230249"/>
-        <a:ext cx="1338924" cy="1338924"/>
-      </dsp:txXfrm>
-    </dsp:sp>
-    <dsp:sp modelId="{C0852406-3DC0-4222-A1F8-184593FC4596}">
-      <dsp:nvSpPr>
-        <dsp:cNvPr id="0" name=""/>
-        <dsp:cNvSpPr/>
-      </dsp:nvSpPr>
-      <dsp:spPr>
-        <a:xfrm rot="16200000">
-          <a:off x="1467742" y="2230249"/>
-          <a:ext cx="1893525" cy="1893525"/>
-        </a:xfrm>
-        <a:prstGeom prst="pieWedge">
-          <a:avLst/>
-        </a:prstGeom>
-        <a:gradFill rotWithShape="0">
-          <a:gsLst>
-            <a:gs pos="0">
-              <a:schemeClr val="accent5">
-                <a:hueOff val="0"/>
-                <a:satOff val="0"/>
-                <a:lumOff val="0"/>
-                <a:alphaOff val="0"/>
-                <a:satMod val="103000"/>
-                <a:lumMod val="102000"/>
-                <a:tint val="94000"/>
-              </a:schemeClr>
-            </a:gs>
-            <a:gs pos="50000">
-              <a:schemeClr val="accent5">
-                <a:hueOff val="0"/>
-                <a:satOff val="0"/>
-                <a:lumOff val="0"/>
-                <a:alphaOff val="0"/>
-                <a:satMod val="110000"/>
-                <a:lumMod val="100000"/>
-                <a:shade val="100000"/>
-              </a:schemeClr>
-            </a:gs>
-            <a:gs pos="100000">
-              <a:schemeClr val="accent5">
-                <a:hueOff val="0"/>
-                <a:satOff val="0"/>
-                <a:lumOff val="0"/>
-                <a:alphaOff val="0"/>
-                <a:lumMod val="99000"/>
-                <a:satMod val="120000"/>
-                <a:shade val="78000"/>
-              </a:schemeClr>
-            </a:gs>
-          </a:gsLst>
-          <a:lin ang="5400000" scaled="0"/>
-        </a:gradFill>
-        <a:ln>
-          <a:noFill/>
-        </a:ln>
-        <a:effectLst/>
-        <a:scene3d>
-          <a:camera prst="orthographicFront"/>
-          <a:lightRig rig="flat" dir="t"/>
-        </a:scene3d>
-        <a:sp3d prstMaterial="plastic">
-          <a:bevelT w="120900" h="88900"/>
-          <a:bevelB w="88900" h="31750" prst="angle"/>
-        </a:sp3d>
-      </dsp:spPr>
-      <dsp:style>
-        <a:lnRef idx="0">
-          <a:scrgbClr r="0" g="0" b="0"/>
-        </a:lnRef>
-        <a:fillRef idx="3">
-          <a:scrgbClr r="0" g="0" b="0"/>
-        </a:fillRef>
-        <a:effectRef idx="2">
-          <a:scrgbClr r="0" g="0" b="0"/>
-        </a:effectRef>
-        <a:fontRef idx="minor">
-          <a:schemeClr val="lt1"/>
-        </a:fontRef>
-      </dsp:style>
-      <dsp:txBody>
-        <a:bodyPr spcFirstLastPara="0" vert="horz" wrap="square" lIns="334264" tIns="334264" rIns="334264" bIns="334264" numCol="1" spcCol="1270" anchor="ctr" anchorCtr="0">
-          <a:noAutofit/>
-        </a:bodyPr>
-        <a:lstStyle/>
-        <a:p>
-          <a:pPr lvl="0" algn="ctr" defTabSz="2089150">
-            <a:lnSpc>
-              <a:spcPct val="90000"/>
-            </a:lnSpc>
-            <a:spcBef>
-              <a:spcPct val="0"/>
-            </a:spcBef>
-            <a:spcAft>
-              <a:spcPct val="35000"/>
-            </a:spcAft>
-          </a:pPr>
-          <a:r>
-            <a:rPr lang="fr-FR" sz="4700" kern="1200" dirty="0"/>
-            <a:t>O</a:t>
-          </a:r>
-        </a:p>
-      </dsp:txBody>
-      <dsp:txXfrm rot="5400000">
-        <a:off x="2022343" y="2230249"/>
-        <a:ext cx="1338924" cy="1338924"/>
-      </dsp:txXfrm>
-    </dsp:sp>
-    <dsp:sp modelId="{3B6382B4-DDDF-482E-9E6A-38E6F7DB930C}">
-      <dsp:nvSpPr>
-        <dsp:cNvPr id="0" name=""/>
-        <dsp:cNvSpPr/>
-      </dsp:nvSpPr>
-      <dsp:spPr>
-        <a:xfrm>
-          <a:off x="5778076" y="1808005"/>
-          <a:ext cx="653769" cy="568494"/>
-        </a:xfrm>
-        <a:prstGeom prst="circularArrow">
-          <a:avLst/>
-        </a:prstGeom>
-        <a:solidFill>
-          <a:schemeClr val="accent2">
-            <a:tint val="40000"/>
-            <a:hueOff val="0"/>
-            <a:satOff val="0"/>
-            <a:lumOff val="0"/>
-            <a:alpha val="0"/>
-          </a:schemeClr>
-        </a:solidFill>
-        <a:ln>
-          <a:noFill/>
-        </a:ln>
-        <a:effectLst>
-          <a:outerShdw blurRad="57150" dist="19050" dir="5400000" algn="ctr" rotWithShape="0">
-            <a:srgbClr val="000000">
-              <a:alpha val="63000"/>
-            </a:srgbClr>
-          </a:outerShdw>
-        </a:effectLst>
-        <a:scene3d>
-          <a:camera prst="orthographicFront"/>
-          <a:lightRig rig="flat" dir="t"/>
-        </a:scene3d>
-        <a:sp3d z="190500" prstMaterial="plastic">
-          <a:bevelT w="120900" h="88900"/>
-          <a:bevelB w="88900" h="31750" prst="angle"/>
-        </a:sp3d>
-      </dsp:spPr>
-      <dsp:style>
-        <a:lnRef idx="0">
-          <a:scrgbClr r="0" g="0" b="0"/>
-        </a:lnRef>
-        <a:fillRef idx="1">
-          <a:scrgbClr r="0" g="0" b="0"/>
-        </a:fillRef>
-        <a:effectRef idx="3">
-          <a:scrgbClr r="0" g="0" b="0"/>
-        </a:effectRef>
-        <a:fontRef idx="minor">
-          <a:schemeClr val="lt1"/>
-        </a:fontRef>
-      </dsp:style>
-    </dsp:sp>
-    <dsp:sp modelId="{72B333DC-EBE8-4650-A713-61338E0F2C2D}">
-      <dsp:nvSpPr>
-        <dsp:cNvPr id="0" name=""/>
-        <dsp:cNvSpPr/>
-      </dsp:nvSpPr>
-      <dsp:spPr>
-        <a:xfrm rot="10800000">
-          <a:off x="5778076" y="1891116"/>
-          <a:ext cx="653769" cy="568494"/>
-        </a:xfrm>
-        <a:prstGeom prst="circularArrow">
-          <a:avLst/>
-        </a:prstGeom>
-        <a:solidFill>
-          <a:schemeClr val="accent2">
-            <a:tint val="40000"/>
-            <a:hueOff val="0"/>
-            <a:satOff val="0"/>
-            <a:lumOff val="0"/>
-            <a:alpha val="0"/>
-          </a:schemeClr>
-        </a:solidFill>
-        <a:ln>
-          <a:noFill/>
-        </a:ln>
-        <a:effectLst>
-          <a:outerShdw blurRad="57150" dist="19050" dir="5400000" algn="ctr" rotWithShape="0">
-            <a:srgbClr val="000000">
-              <a:alpha val="63000"/>
-            </a:srgbClr>
-          </a:outerShdw>
-        </a:effectLst>
-        <a:scene3d>
-          <a:camera prst="orthographicFront"/>
-          <a:lightRig rig="flat" dir="t"/>
-        </a:scene3d>
-        <a:sp3d z="190500" prstMaterial="plastic">
-          <a:bevelT w="120900" h="88900"/>
-          <a:bevelB w="88900" h="31750" prst="angle"/>
-        </a:sp3d>
-      </dsp:spPr>
-      <dsp:style>
-        <a:lnRef idx="0">
-          <a:scrgbClr r="0" g="0" b="0"/>
-        </a:lnRef>
-        <a:fillRef idx="1">
-          <a:scrgbClr r="0" g="0" b="0"/>
-        </a:fillRef>
-        <a:effectRef idx="3">
-          <a:scrgbClr r="0" g="0" b="0"/>
-        </a:effectRef>
-        <a:fontRef idx="minor">
-          <a:schemeClr val="lt1"/>
-        </a:fontRef>
-      </dsp:style>
-    </dsp:sp>
   </dsp:spTree>
 </dsp:drawing>
 </file>
@@ -5756,568 +4644,6 @@
       <dsp:cNvGrpSpPr/>
     </dsp:nvGrpSpPr>
     <dsp:grpSpPr/>
-    <dsp:sp modelId="{334F0DA9-4D69-40E7-AE37-8BB2E71C3ACD}">
-      <dsp:nvSpPr>
-        <dsp:cNvPr id="0" name=""/>
-        <dsp:cNvSpPr/>
-      </dsp:nvSpPr>
-      <dsp:spPr>
-        <a:xfrm>
-          <a:off x="2161156" y="1846422"/>
-          <a:ext cx="1405505" cy="1405505"/>
-        </a:xfrm>
-        <a:prstGeom prst="ellipse">
-          <a:avLst/>
-        </a:prstGeom>
-        <a:solidFill>
-          <a:srgbClr val="FFC000"/>
-        </a:solidFill>
-        <a:ln>
-          <a:noFill/>
-        </a:ln>
-        <a:effectLst/>
-        <a:scene3d>
-          <a:camera prst="orthographicFront"/>
-          <a:lightRig rig="flat" dir="t"/>
-        </a:scene3d>
-        <a:sp3d prstMaterial="plastic">
-          <a:bevelT w="120900" h="88900"/>
-          <a:bevelB w="88900" h="31750" prst="angle"/>
-        </a:sp3d>
-      </dsp:spPr>
-      <dsp:style>
-        <a:lnRef idx="0">
-          <a:scrgbClr r="0" g="0" b="0"/>
-        </a:lnRef>
-        <a:fillRef idx="3">
-          <a:scrgbClr r="0" g="0" b="0"/>
-        </a:fillRef>
-        <a:effectRef idx="2">
-          <a:scrgbClr r="0" g="0" b="0"/>
-        </a:effectRef>
-        <a:fontRef idx="minor">
-          <a:schemeClr val="lt1"/>
-        </a:fontRef>
-      </dsp:style>
-      <dsp:txBody>
-        <a:bodyPr spcFirstLastPara="0" vert="horz" wrap="square" lIns="41275" tIns="41275" rIns="41275" bIns="41275" numCol="1" spcCol="1270" anchor="ctr" anchorCtr="0">
-          <a:noAutofit/>
-        </a:bodyPr>
-        <a:lstStyle/>
-        <a:p>
-          <a:pPr lvl="0" algn="ctr" defTabSz="2889250">
-            <a:lnSpc>
-              <a:spcPct val="90000"/>
-            </a:lnSpc>
-            <a:spcBef>
-              <a:spcPct val="0"/>
-            </a:spcBef>
-            <a:spcAft>
-              <a:spcPct val="35000"/>
-            </a:spcAft>
-          </a:pPr>
-          <a:r>
-            <a:rPr lang="fr-FR" sz="6500" kern="1200" dirty="0"/>
-            <a:t>T</a:t>
-          </a:r>
-        </a:p>
-      </dsp:txBody>
-      <dsp:txXfrm>
-        <a:off x="2366987" y="2052253"/>
-        <a:ext cx="993843" cy="993843"/>
-      </dsp:txXfrm>
-    </dsp:sp>
-    <dsp:sp modelId="{FB6E935B-AB56-4686-BAF4-89171D311D48}">
-      <dsp:nvSpPr>
-        <dsp:cNvPr id="0" name=""/>
-        <dsp:cNvSpPr/>
-      </dsp:nvSpPr>
-      <dsp:spPr>
-        <a:xfrm rot="16200000">
-          <a:off x="2651363" y="1611792"/>
-          <a:ext cx="425090" cy="44168"/>
-        </a:xfrm>
-        <a:custGeom>
-          <a:avLst/>
-          <a:gdLst/>
-          <a:ahLst/>
-          <a:cxnLst/>
-          <a:rect l="0" t="0" r="0" b="0"/>
-          <a:pathLst>
-            <a:path>
-              <a:moveTo>
-                <a:pt x="0" y="22084"/>
-              </a:moveTo>
-              <a:lnTo>
-                <a:pt x="425090" y="22084"/>
-              </a:lnTo>
-            </a:path>
-          </a:pathLst>
-        </a:custGeom>
-        <a:noFill/>
-        <a:ln w="12700" cap="flat" cmpd="sng" algn="ctr">
-          <a:solidFill>
-            <a:schemeClr val="accent2">
-              <a:hueOff val="0"/>
-              <a:satOff val="0"/>
-              <a:lumOff val="0"/>
-              <a:alphaOff val="0"/>
-            </a:schemeClr>
-          </a:solidFill>
-          <a:prstDash val="solid"/>
-          <a:miter lim="800000"/>
-        </a:ln>
-        <a:effectLst/>
-        <a:scene3d>
-          <a:camera prst="orthographicFront"/>
-          <a:lightRig rig="flat" dir="t"/>
-        </a:scene3d>
-        <a:sp3d prstMaterial="matte"/>
-      </dsp:spPr>
-      <dsp:style>
-        <a:lnRef idx="2">
-          <a:scrgbClr r="0" g="0" b="0"/>
-        </a:lnRef>
-        <a:fillRef idx="0">
-          <a:scrgbClr r="0" g="0" b="0"/>
-        </a:fillRef>
-        <a:effectRef idx="0">
-          <a:scrgbClr r="0" g="0" b="0"/>
-        </a:effectRef>
-        <a:fontRef idx="minor"/>
-      </dsp:style>
-      <dsp:txBody>
-        <a:bodyPr spcFirstLastPara="0" vert="horz" wrap="square" lIns="12700" tIns="0" rIns="12700" bIns="0" numCol="1" spcCol="1270" anchor="ctr" anchorCtr="0">
-          <a:noAutofit/>
-        </a:bodyPr>
-        <a:lstStyle/>
-        <a:p>
-          <a:pPr lvl="0" algn="ctr" defTabSz="222250">
-            <a:lnSpc>
-              <a:spcPct val="90000"/>
-            </a:lnSpc>
-            <a:spcBef>
-              <a:spcPct val="0"/>
-            </a:spcBef>
-            <a:spcAft>
-              <a:spcPct val="35000"/>
-            </a:spcAft>
-          </a:pPr>
-          <a:endParaRPr lang="fr-FR" sz="500" kern="1200"/>
-        </a:p>
-      </dsp:txBody>
-      <dsp:txXfrm>
-        <a:off x="2853281" y="1623249"/>
-        <a:ext cx="21254" cy="21254"/>
-      </dsp:txXfrm>
-    </dsp:sp>
-    <dsp:sp modelId="{51D4E2D9-6364-4FE7-BE7F-89898165258A}">
-      <dsp:nvSpPr>
-        <dsp:cNvPr id="0" name=""/>
-        <dsp:cNvSpPr/>
-      </dsp:nvSpPr>
-      <dsp:spPr>
-        <a:xfrm>
-          <a:off x="2161156" y="15826"/>
-          <a:ext cx="1405505" cy="1405505"/>
-        </a:xfrm>
-        <a:prstGeom prst="ellipse">
-          <a:avLst/>
-        </a:prstGeom>
-        <a:solidFill>
-          <a:srgbClr val="00B050"/>
-        </a:solidFill>
-        <a:ln>
-          <a:noFill/>
-        </a:ln>
-        <a:effectLst/>
-        <a:scene3d>
-          <a:camera prst="orthographicFront"/>
-          <a:lightRig rig="flat" dir="t"/>
-        </a:scene3d>
-        <a:sp3d prstMaterial="plastic">
-          <a:bevelT w="120900" h="88900"/>
-          <a:bevelB w="88900" h="31750" prst="angle"/>
-        </a:sp3d>
-      </dsp:spPr>
-      <dsp:style>
-        <a:lnRef idx="0">
-          <a:scrgbClr r="0" g="0" b="0"/>
-        </a:lnRef>
-        <a:fillRef idx="3">
-          <a:scrgbClr r="0" g="0" b="0"/>
-        </a:fillRef>
-        <a:effectRef idx="2">
-          <a:scrgbClr r="0" g="0" b="0"/>
-        </a:effectRef>
-        <a:fontRef idx="minor">
-          <a:schemeClr val="lt1"/>
-        </a:fontRef>
-      </dsp:style>
-      <dsp:txBody>
-        <a:bodyPr spcFirstLastPara="0" vert="horz" wrap="square" lIns="10795" tIns="10795" rIns="10795" bIns="10795" numCol="1" spcCol="1270" anchor="ctr" anchorCtr="0">
-          <a:noAutofit/>
-        </a:bodyPr>
-        <a:lstStyle/>
-        <a:p>
-          <a:pPr lvl="0" algn="ctr" defTabSz="755650">
-            <a:lnSpc>
-              <a:spcPct val="90000"/>
-            </a:lnSpc>
-            <a:spcBef>
-              <a:spcPct val="0"/>
-            </a:spcBef>
-            <a:spcAft>
-              <a:spcPct val="35000"/>
-            </a:spcAft>
-          </a:pPr>
-          <a:r>
-            <a:rPr lang="fr-FR" sz="1700" kern="1200" dirty="0" err="1"/>
-            <a:t>Risk</a:t>
-          </a:r>
-          <a:r>
-            <a:rPr lang="fr-FR" sz="1700" kern="1200" dirty="0"/>
-            <a:t> of high </a:t>
-          </a:r>
-          <a:r>
-            <a:rPr lang="fr-FR" sz="1700" kern="1200" dirty="0" err="1"/>
-            <a:t>demand</a:t>
-          </a:r>
-          <a:r>
-            <a:rPr lang="fr-FR" sz="1700" kern="1200" dirty="0"/>
-            <a:t> (server)</a:t>
-          </a:r>
-        </a:p>
-      </dsp:txBody>
-      <dsp:txXfrm>
-        <a:off x="2366987" y="221657"/>
-        <a:ext cx="993843" cy="993843"/>
-      </dsp:txXfrm>
-    </dsp:sp>
-    <dsp:sp modelId="{3134C74D-D45F-4D44-8DA9-5DD9ACC7028A}">
-      <dsp:nvSpPr>
-        <dsp:cNvPr id="0" name=""/>
-        <dsp:cNvSpPr/>
-      </dsp:nvSpPr>
-      <dsp:spPr>
-        <a:xfrm rot="1800000">
-          <a:off x="3444034" y="2984739"/>
-          <a:ext cx="425090" cy="44168"/>
-        </a:xfrm>
-        <a:custGeom>
-          <a:avLst/>
-          <a:gdLst/>
-          <a:ahLst/>
-          <a:cxnLst/>
-          <a:rect l="0" t="0" r="0" b="0"/>
-          <a:pathLst>
-            <a:path>
-              <a:moveTo>
-                <a:pt x="0" y="22084"/>
-              </a:moveTo>
-              <a:lnTo>
-                <a:pt x="425090" y="22084"/>
-              </a:lnTo>
-            </a:path>
-          </a:pathLst>
-        </a:custGeom>
-        <a:noFill/>
-        <a:ln w="12700" cap="flat" cmpd="sng" algn="ctr">
-          <a:solidFill>
-            <a:schemeClr val="accent2">
-              <a:hueOff val="0"/>
-              <a:satOff val="0"/>
-              <a:lumOff val="0"/>
-              <a:alphaOff val="0"/>
-            </a:schemeClr>
-          </a:solidFill>
-          <a:prstDash val="solid"/>
-          <a:miter lim="800000"/>
-        </a:ln>
-        <a:effectLst/>
-        <a:scene3d>
-          <a:camera prst="orthographicFront"/>
-          <a:lightRig rig="flat" dir="t"/>
-        </a:scene3d>
-        <a:sp3d prstMaterial="matte"/>
-      </dsp:spPr>
-      <dsp:style>
-        <a:lnRef idx="2">
-          <a:scrgbClr r="0" g="0" b="0"/>
-        </a:lnRef>
-        <a:fillRef idx="0">
-          <a:scrgbClr r="0" g="0" b="0"/>
-        </a:fillRef>
-        <a:effectRef idx="0">
-          <a:scrgbClr r="0" g="0" b="0"/>
-        </a:effectRef>
-        <a:fontRef idx="minor"/>
-      </dsp:style>
-      <dsp:txBody>
-        <a:bodyPr spcFirstLastPara="0" vert="horz" wrap="square" lIns="12700" tIns="0" rIns="12700" bIns="0" numCol="1" spcCol="1270" anchor="ctr" anchorCtr="0">
-          <a:noAutofit/>
-        </a:bodyPr>
-        <a:lstStyle/>
-        <a:p>
-          <a:pPr lvl="0" algn="ctr" defTabSz="222250">
-            <a:lnSpc>
-              <a:spcPct val="90000"/>
-            </a:lnSpc>
-            <a:spcBef>
-              <a:spcPct val="0"/>
-            </a:spcBef>
-            <a:spcAft>
-              <a:spcPct val="35000"/>
-            </a:spcAft>
-          </a:pPr>
-          <a:endParaRPr lang="en-CA" sz="500" kern="1200"/>
-        </a:p>
-      </dsp:txBody>
-      <dsp:txXfrm>
-        <a:off x="3645952" y="2996196"/>
-        <a:ext cx="21254" cy="21254"/>
-      </dsp:txXfrm>
-    </dsp:sp>
-    <dsp:sp modelId="{FC75532D-1A75-4D81-A458-80C91B398F9D}">
-      <dsp:nvSpPr>
-        <dsp:cNvPr id="0" name=""/>
-        <dsp:cNvSpPr/>
-      </dsp:nvSpPr>
-      <dsp:spPr>
-        <a:xfrm>
-          <a:off x="3746498" y="2761719"/>
-          <a:ext cx="1405505" cy="1405505"/>
-        </a:xfrm>
-        <a:prstGeom prst="ellipse">
-          <a:avLst/>
-        </a:prstGeom>
-        <a:solidFill>
-          <a:srgbClr val="00B050"/>
-        </a:solidFill>
-        <a:ln>
-          <a:noFill/>
-        </a:ln>
-        <a:effectLst/>
-        <a:scene3d>
-          <a:camera prst="orthographicFront"/>
-          <a:lightRig rig="flat" dir="t"/>
-        </a:scene3d>
-        <a:sp3d prstMaterial="plastic">
-          <a:bevelT w="120900" h="88900"/>
-          <a:bevelB w="88900" h="31750" prst="angle"/>
-        </a:sp3d>
-      </dsp:spPr>
-      <dsp:style>
-        <a:lnRef idx="0">
-          <a:scrgbClr r="0" g="0" b="0"/>
-        </a:lnRef>
-        <a:fillRef idx="3">
-          <a:scrgbClr r="0" g="0" b="0"/>
-        </a:fillRef>
-        <a:effectRef idx="2">
-          <a:scrgbClr r="0" g="0" b="0"/>
-        </a:effectRef>
-        <a:fontRef idx="minor">
-          <a:schemeClr val="lt1"/>
-        </a:fontRef>
-      </dsp:style>
-      <dsp:txBody>
-        <a:bodyPr spcFirstLastPara="0" vert="horz" wrap="square" lIns="10795" tIns="10795" rIns="10795" bIns="10795" numCol="1" spcCol="1270" anchor="ctr" anchorCtr="0">
-          <a:noAutofit/>
-        </a:bodyPr>
-        <a:lstStyle/>
-        <a:p>
-          <a:pPr lvl="0" algn="ctr" defTabSz="755650">
-            <a:lnSpc>
-              <a:spcPct val="90000"/>
-            </a:lnSpc>
-            <a:spcBef>
-              <a:spcPct val="0"/>
-            </a:spcBef>
-            <a:spcAft>
-              <a:spcPct val="35000"/>
-            </a:spcAft>
-          </a:pPr>
-          <a:r>
-            <a:rPr lang="fr-FR" sz="1700" kern="1200" dirty="0" err="1" smtClean="0"/>
-            <a:t>Portability</a:t>
-          </a:r>
-          <a:r>
-            <a:rPr lang="fr-FR" sz="1700" kern="1200" dirty="0" smtClean="0"/>
-            <a:t> to Mac</a:t>
-          </a:r>
-          <a:endParaRPr lang="fr-FR" sz="1700" kern="1200" dirty="0"/>
-        </a:p>
-      </dsp:txBody>
-      <dsp:txXfrm>
-        <a:off x="3952329" y="2967550"/>
-        <a:ext cx="993843" cy="993843"/>
-      </dsp:txXfrm>
-    </dsp:sp>
-    <dsp:sp modelId="{156A4B50-5EBB-4BD2-8AF0-C722439DBC8D}">
-      <dsp:nvSpPr>
-        <dsp:cNvPr id="0" name=""/>
-        <dsp:cNvSpPr/>
-      </dsp:nvSpPr>
-      <dsp:spPr>
-        <a:xfrm rot="9000000">
-          <a:off x="1858692" y="2984739"/>
-          <a:ext cx="425090" cy="44168"/>
-        </a:xfrm>
-        <a:custGeom>
-          <a:avLst/>
-          <a:gdLst/>
-          <a:ahLst/>
-          <a:cxnLst/>
-          <a:rect l="0" t="0" r="0" b="0"/>
-          <a:pathLst>
-            <a:path>
-              <a:moveTo>
-                <a:pt x="0" y="22084"/>
-              </a:moveTo>
-              <a:lnTo>
-                <a:pt x="425090" y="22084"/>
-              </a:lnTo>
-            </a:path>
-          </a:pathLst>
-        </a:custGeom>
-        <a:noFill/>
-        <a:ln w="12700" cap="flat" cmpd="sng" algn="ctr">
-          <a:solidFill>
-            <a:schemeClr val="accent2">
-              <a:hueOff val="0"/>
-              <a:satOff val="0"/>
-              <a:lumOff val="0"/>
-              <a:alphaOff val="0"/>
-            </a:schemeClr>
-          </a:solidFill>
-          <a:prstDash val="solid"/>
-          <a:miter lim="800000"/>
-        </a:ln>
-        <a:effectLst/>
-        <a:scene3d>
-          <a:camera prst="orthographicFront"/>
-          <a:lightRig rig="flat" dir="t"/>
-        </a:scene3d>
-        <a:sp3d prstMaterial="matte"/>
-      </dsp:spPr>
-      <dsp:style>
-        <a:lnRef idx="2">
-          <a:scrgbClr r="0" g="0" b="0"/>
-        </a:lnRef>
-        <a:fillRef idx="0">
-          <a:scrgbClr r="0" g="0" b="0"/>
-        </a:fillRef>
-        <a:effectRef idx="0">
-          <a:scrgbClr r="0" g="0" b="0"/>
-        </a:effectRef>
-        <a:fontRef idx="minor"/>
-      </dsp:style>
-      <dsp:txBody>
-        <a:bodyPr spcFirstLastPara="0" vert="horz" wrap="square" lIns="12700" tIns="0" rIns="12700" bIns="0" numCol="1" spcCol="1270" anchor="ctr" anchorCtr="0">
-          <a:noAutofit/>
-        </a:bodyPr>
-        <a:lstStyle/>
-        <a:p>
-          <a:pPr lvl="0" algn="ctr" defTabSz="222250">
-            <a:lnSpc>
-              <a:spcPct val="90000"/>
-            </a:lnSpc>
-            <a:spcBef>
-              <a:spcPct val="0"/>
-            </a:spcBef>
-            <a:spcAft>
-              <a:spcPct val="35000"/>
-            </a:spcAft>
-          </a:pPr>
-          <a:endParaRPr lang="en-CA" sz="500" kern="1200"/>
-        </a:p>
-      </dsp:txBody>
-      <dsp:txXfrm rot="10800000">
-        <a:off x="2060610" y="2996196"/>
-        <a:ext cx="21254" cy="21254"/>
-      </dsp:txXfrm>
-    </dsp:sp>
-    <dsp:sp modelId="{B8775ABA-3037-409F-B1F5-5479D38AC897}">
-      <dsp:nvSpPr>
-        <dsp:cNvPr id="0" name=""/>
-        <dsp:cNvSpPr/>
-      </dsp:nvSpPr>
-      <dsp:spPr>
-        <a:xfrm>
-          <a:off x="575814" y="2761719"/>
-          <a:ext cx="1405505" cy="1405505"/>
-        </a:xfrm>
-        <a:prstGeom prst="ellipse">
-          <a:avLst/>
-        </a:prstGeom>
-        <a:solidFill>
-          <a:srgbClr val="00B050"/>
-        </a:solidFill>
-        <a:ln>
-          <a:noFill/>
-        </a:ln>
-        <a:effectLst/>
-        <a:scene3d>
-          <a:camera prst="orthographicFront"/>
-          <a:lightRig rig="flat" dir="t"/>
-        </a:scene3d>
-        <a:sp3d prstMaterial="plastic">
-          <a:bevelT w="120900" h="88900"/>
-          <a:bevelB w="88900" h="31750" prst="angle"/>
-        </a:sp3d>
-      </dsp:spPr>
-      <dsp:style>
-        <a:lnRef idx="0">
-          <a:scrgbClr r="0" g="0" b="0"/>
-        </a:lnRef>
-        <a:fillRef idx="3">
-          <a:scrgbClr r="0" g="0" b="0"/>
-        </a:fillRef>
-        <a:effectRef idx="2">
-          <a:scrgbClr r="0" g="0" b="0"/>
-        </a:effectRef>
-        <a:fontRef idx="minor">
-          <a:schemeClr val="lt1"/>
-        </a:fontRef>
-      </dsp:style>
-      <dsp:txBody>
-        <a:bodyPr spcFirstLastPara="0" vert="horz" wrap="square" lIns="10795" tIns="10795" rIns="10795" bIns="10795" numCol="1" spcCol="1270" anchor="ctr" anchorCtr="0">
-          <a:noAutofit/>
-        </a:bodyPr>
-        <a:lstStyle/>
-        <a:p>
-          <a:pPr lvl="0" algn="ctr" defTabSz="755650">
-            <a:lnSpc>
-              <a:spcPct val="90000"/>
-            </a:lnSpc>
-            <a:spcBef>
-              <a:spcPct val="0"/>
-            </a:spcBef>
-            <a:spcAft>
-              <a:spcPct val="35000"/>
-            </a:spcAft>
-          </a:pPr>
-          <a:r>
-            <a:rPr lang="fr-FR" sz="1700" kern="1200" dirty="0" err="1" smtClean="0"/>
-            <a:t>Lack</a:t>
-          </a:r>
-          <a:r>
-            <a:rPr lang="fr-FR" sz="1700" kern="1200" dirty="0" smtClean="0"/>
-            <a:t> of control on </a:t>
-          </a:r>
-          <a:r>
-            <a:rPr lang="fr-FR" sz="1700" kern="1200" dirty="0" err="1" smtClean="0"/>
-            <a:t>database</a:t>
-          </a:r>
-          <a:endParaRPr lang="fr-FR" sz="1700" kern="1200" dirty="0"/>
-        </a:p>
-      </dsp:txBody>
-      <dsp:txXfrm>
-        <a:off x="781645" y="2967550"/>
-        <a:ext cx="993843" cy="993843"/>
-      </dsp:txXfrm>
-    </dsp:sp>
   </dsp:spTree>
 </dsp:drawing>
 </file>
@@ -6330,528 +4656,6 @@
       <dsp:cNvGrpSpPr/>
     </dsp:nvGrpSpPr>
     <dsp:grpSpPr/>
-    <dsp:sp modelId="{90FFEDE6-D24B-46AA-AC61-5A2CA3E513CC}">
-      <dsp:nvSpPr>
-        <dsp:cNvPr id="0" name=""/>
-        <dsp:cNvSpPr/>
-      </dsp:nvSpPr>
-      <dsp:spPr>
-        <a:xfrm>
-          <a:off x="1949" y="0"/>
-          <a:ext cx="2043917" cy="4863689"/>
-        </a:xfrm>
-        <a:prstGeom prst="roundRect">
-          <a:avLst>
-            <a:gd name="adj" fmla="val 10000"/>
-          </a:avLst>
-        </a:prstGeom>
-        <a:solidFill>
-          <a:schemeClr val="dk2">
-            <a:hueOff val="0"/>
-            <a:satOff val="0"/>
-            <a:lumOff val="0"/>
-            <a:alphaOff val="0"/>
-          </a:schemeClr>
-        </a:solidFill>
-        <a:ln w="19050" cap="flat" cmpd="sng" algn="ctr">
-          <a:solidFill>
-            <a:schemeClr val="lt2">
-              <a:hueOff val="0"/>
-              <a:satOff val="0"/>
-              <a:lumOff val="0"/>
-              <a:alphaOff val="0"/>
-            </a:schemeClr>
-          </a:solidFill>
-          <a:prstDash val="solid"/>
-          <a:miter lim="800000"/>
-        </a:ln>
-        <a:effectLst/>
-      </dsp:spPr>
-      <dsp:style>
-        <a:lnRef idx="3">
-          <a:scrgbClr r="0" g="0" b="0"/>
-        </a:lnRef>
-        <a:fillRef idx="1">
-          <a:scrgbClr r="0" g="0" b="0"/>
-        </a:fillRef>
-        <a:effectRef idx="1">
-          <a:scrgbClr r="0" g="0" b="0"/>
-        </a:effectRef>
-        <a:fontRef idx="minor">
-          <a:schemeClr val="lt1"/>
-        </a:fontRef>
-      </dsp:style>
-      <dsp:txBody>
-        <a:bodyPr spcFirstLastPara="0" vert="horz" wrap="square" lIns="462280" tIns="462280" rIns="462280" bIns="462280" numCol="1" spcCol="1270" anchor="ctr" anchorCtr="0">
-          <a:noAutofit/>
-        </a:bodyPr>
-        <a:lstStyle/>
-        <a:p>
-          <a:pPr lvl="0" algn="ctr" defTabSz="2889250">
-            <a:lnSpc>
-              <a:spcPct val="90000"/>
-            </a:lnSpc>
-            <a:spcBef>
-              <a:spcPct val="0"/>
-            </a:spcBef>
-            <a:spcAft>
-              <a:spcPct val="35000"/>
-            </a:spcAft>
-          </a:pPr>
-          <a:endParaRPr lang="en-CA" sz="6500" kern="1200" dirty="0"/>
-        </a:p>
-      </dsp:txBody>
-      <dsp:txXfrm>
-        <a:off x="1949" y="1945475"/>
-        <a:ext cx="2043917" cy="1945475"/>
-      </dsp:txXfrm>
-    </dsp:sp>
-    <dsp:sp modelId="{BC5035FA-FF8E-421C-9C1A-CC3F16C8A221}">
-      <dsp:nvSpPr>
-        <dsp:cNvPr id="0" name=""/>
-        <dsp:cNvSpPr/>
-      </dsp:nvSpPr>
-      <dsp:spPr>
-        <a:xfrm>
-          <a:off x="214104" y="291821"/>
-          <a:ext cx="1619608" cy="1619608"/>
-        </a:xfrm>
-        <a:prstGeom prst="ellipse">
-          <a:avLst/>
-        </a:prstGeom>
-        <a:blipFill rotWithShape="1">
-          <a:blip xmlns:r="http://schemas.openxmlformats.org/officeDocument/2006/relationships" r:embed="rId1"/>
-          <a:stretch>
-            <a:fillRect/>
-          </a:stretch>
-        </a:blipFill>
-        <a:ln w="19050" cap="flat" cmpd="sng" algn="ctr">
-          <a:solidFill>
-            <a:schemeClr val="lt2">
-              <a:hueOff val="0"/>
-              <a:satOff val="0"/>
-              <a:lumOff val="0"/>
-              <a:alphaOff val="0"/>
-            </a:schemeClr>
-          </a:solidFill>
-          <a:prstDash val="solid"/>
-          <a:miter lim="800000"/>
-        </a:ln>
-        <a:effectLst/>
-      </dsp:spPr>
-      <dsp:style>
-        <a:lnRef idx="3">
-          <a:scrgbClr r="0" g="0" b="0"/>
-        </a:lnRef>
-        <a:fillRef idx="1">
-          <a:scrgbClr r="0" g="0" b="0"/>
-        </a:fillRef>
-        <a:effectRef idx="1">
-          <a:scrgbClr r="0" g="0" b="0"/>
-        </a:effectRef>
-        <a:fontRef idx="minor"/>
-      </dsp:style>
-    </dsp:sp>
-    <dsp:sp modelId="{AECDF339-533B-4319-9DD1-FE0312AA5FE7}">
-      <dsp:nvSpPr>
-        <dsp:cNvPr id="0" name=""/>
-        <dsp:cNvSpPr/>
-      </dsp:nvSpPr>
-      <dsp:spPr>
-        <a:xfrm>
-          <a:off x="2107184" y="0"/>
-          <a:ext cx="2043917" cy="4863689"/>
-        </a:xfrm>
-        <a:prstGeom prst="roundRect">
-          <a:avLst>
-            <a:gd name="adj" fmla="val 10000"/>
-          </a:avLst>
-        </a:prstGeom>
-        <a:solidFill>
-          <a:schemeClr val="dk2">
-            <a:hueOff val="0"/>
-            <a:satOff val="0"/>
-            <a:lumOff val="0"/>
-            <a:alphaOff val="0"/>
-          </a:schemeClr>
-        </a:solidFill>
-        <a:ln w="19050" cap="flat" cmpd="sng" algn="ctr">
-          <a:solidFill>
-            <a:schemeClr val="lt2">
-              <a:hueOff val="0"/>
-              <a:satOff val="0"/>
-              <a:lumOff val="0"/>
-              <a:alphaOff val="0"/>
-            </a:schemeClr>
-          </a:solidFill>
-          <a:prstDash val="solid"/>
-          <a:miter lim="800000"/>
-        </a:ln>
-        <a:effectLst/>
-      </dsp:spPr>
-      <dsp:style>
-        <a:lnRef idx="3">
-          <a:scrgbClr r="0" g="0" b="0"/>
-        </a:lnRef>
-        <a:fillRef idx="1">
-          <a:scrgbClr r="0" g="0" b="0"/>
-        </a:fillRef>
-        <a:effectRef idx="1">
-          <a:scrgbClr r="0" g="0" b="0"/>
-        </a:effectRef>
-        <a:fontRef idx="minor">
-          <a:schemeClr val="lt1"/>
-        </a:fontRef>
-      </dsp:style>
-      <dsp:txBody>
-        <a:bodyPr spcFirstLastPara="0" vert="horz" wrap="square" lIns="462280" tIns="462280" rIns="462280" bIns="462280" numCol="1" spcCol="1270" anchor="ctr" anchorCtr="0">
-          <a:noAutofit/>
-        </a:bodyPr>
-        <a:lstStyle/>
-        <a:p>
-          <a:pPr lvl="0" algn="ctr" defTabSz="2889250">
-            <a:lnSpc>
-              <a:spcPct val="90000"/>
-            </a:lnSpc>
-            <a:spcBef>
-              <a:spcPct val="0"/>
-            </a:spcBef>
-            <a:spcAft>
-              <a:spcPct val="35000"/>
-            </a:spcAft>
-          </a:pPr>
-          <a:endParaRPr lang="en-CA" sz="6500" kern="1200" dirty="0"/>
-        </a:p>
-      </dsp:txBody>
-      <dsp:txXfrm>
-        <a:off x="2107184" y="1945475"/>
-        <a:ext cx="2043917" cy="1945475"/>
-      </dsp:txXfrm>
-    </dsp:sp>
-    <dsp:sp modelId="{78D9365F-3E8A-4A62-874D-E842D8E395C6}">
-      <dsp:nvSpPr>
-        <dsp:cNvPr id="0" name=""/>
-        <dsp:cNvSpPr/>
-      </dsp:nvSpPr>
-      <dsp:spPr>
-        <a:xfrm>
-          <a:off x="2319339" y="291821"/>
-          <a:ext cx="1619608" cy="1619608"/>
-        </a:xfrm>
-        <a:prstGeom prst="ellipse">
-          <a:avLst/>
-        </a:prstGeom>
-        <a:blipFill rotWithShape="1">
-          <a:blip xmlns:r="http://schemas.openxmlformats.org/officeDocument/2006/relationships" r:embed="rId2"/>
-          <a:stretch>
-            <a:fillRect/>
-          </a:stretch>
-        </a:blipFill>
-        <a:ln w="19050" cap="flat" cmpd="sng" algn="ctr">
-          <a:solidFill>
-            <a:schemeClr val="lt2">
-              <a:hueOff val="0"/>
-              <a:satOff val="0"/>
-              <a:lumOff val="0"/>
-              <a:alphaOff val="0"/>
-            </a:schemeClr>
-          </a:solidFill>
-          <a:prstDash val="solid"/>
-          <a:miter lim="800000"/>
-        </a:ln>
-        <a:effectLst/>
-      </dsp:spPr>
-      <dsp:style>
-        <a:lnRef idx="3">
-          <a:scrgbClr r="0" g="0" b="0"/>
-        </a:lnRef>
-        <a:fillRef idx="1">
-          <a:scrgbClr r="0" g="0" b="0"/>
-        </a:fillRef>
-        <a:effectRef idx="1">
-          <a:scrgbClr r="0" g="0" b="0"/>
-        </a:effectRef>
-        <a:fontRef idx="minor"/>
-      </dsp:style>
-    </dsp:sp>
-    <dsp:sp modelId="{18E220CA-4E07-4273-9F20-D66E44D1CC15}">
-      <dsp:nvSpPr>
-        <dsp:cNvPr id="0" name=""/>
-        <dsp:cNvSpPr/>
-      </dsp:nvSpPr>
-      <dsp:spPr>
-        <a:xfrm>
-          <a:off x="4212419" y="0"/>
-          <a:ext cx="2043917" cy="4863689"/>
-        </a:xfrm>
-        <a:prstGeom prst="roundRect">
-          <a:avLst>
-            <a:gd name="adj" fmla="val 10000"/>
-          </a:avLst>
-        </a:prstGeom>
-        <a:solidFill>
-          <a:schemeClr val="dk2">
-            <a:hueOff val="0"/>
-            <a:satOff val="0"/>
-            <a:lumOff val="0"/>
-            <a:alphaOff val="0"/>
-          </a:schemeClr>
-        </a:solidFill>
-        <a:ln w="19050" cap="flat" cmpd="sng" algn="ctr">
-          <a:solidFill>
-            <a:schemeClr val="lt2">
-              <a:hueOff val="0"/>
-              <a:satOff val="0"/>
-              <a:lumOff val="0"/>
-              <a:alphaOff val="0"/>
-            </a:schemeClr>
-          </a:solidFill>
-          <a:prstDash val="solid"/>
-          <a:miter lim="800000"/>
-        </a:ln>
-        <a:effectLst/>
-      </dsp:spPr>
-      <dsp:style>
-        <a:lnRef idx="3">
-          <a:scrgbClr r="0" g="0" b="0"/>
-        </a:lnRef>
-        <a:fillRef idx="1">
-          <a:scrgbClr r="0" g="0" b="0"/>
-        </a:fillRef>
-        <a:effectRef idx="1">
-          <a:scrgbClr r="0" g="0" b="0"/>
-        </a:effectRef>
-        <a:fontRef idx="minor">
-          <a:schemeClr val="lt1"/>
-        </a:fontRef>
-      </dsp:style>
-      <dsp:txBody>
-        <a:bodyPr spcFirstLastPara="0" vert="horz" wrap="square" lIns="462280" tIns="462280" rIns="462280" bIns="462280" numCol="1" spcCol="1270" anchor="ctr" anchorCtr="0">
-          <a:noAutofit/>
-        </a:bodyPr>
-        <a:lstStyle/>
-        <a:p>
-          <a:pPr lvl="0" algn="ctr" defTabSz="2889250">
-            <a:lnSpc>
-              <a:spcPct val="90000"/>
-            </a:lnSpc>
-            <a:spcBef>
-              <a:spcPct val="0"/>
-            </a:spcBef>
-            <a:spcAft>
-              <a:spcPct val="35000"/>
-            </a:spcAft>
-          </a:pPr>
-          <a:endParaRPr lang="en-CA" sz="6500" kern="1200" dirty="0"/>
-        </a:p>
-      </dsp:txBody>
-      <dsp:txXfrm>
-        <a:off x="4212419" y="1945475"/>
-        <a:ext cx="2043917" cy="1945475"/>
-      </dsp:txXfrm>
-    </dsp:sp>
-    <dsp:sp modelId="{EF6C3C73-EE47-41C6-84F9-732FE297AA13}">
-      <dsp:nvSpPr>
-        <dsp:cNvPr id="0" name=""/>
-        <dsp:cNvSpPr/>
-      </dsp:nvSpPr>
-      <dsp:spPr>
-        <a:xfrm>
-          <a:off x="4424574" y="291821"/>
-          <a:ext cx="1619608" cy="1619608"/>
-        </a:xfrm>
-        <a:prstGeom prst="ellipse">
-          <a:avLst/>
-        </a:prstGeom>
-        <a:blipFill rotWithShape="1">
-          <a:blip xmlns:r="http://schemas.openxmlformats.org/officeDocument/2006/relationships" r:embed="rId3"/>
-          <a:stretch>
-            <a:fillRect/>
-          </a:stretch>
-        </a:blipFill>
-        <a:ln w="19050" cap="flat" cmpd="sng" algn="ctr">
-          <a:solidFill>
-            <a:schemeClr val="lt2">
-              <a:hueOff val="0"/>
-              <a:satOff val="0"/>
-              <a:lumOff val="0"/>
-              <a:alphaOff val="0"/>
-            </a:schemeClr>
-          </a:solidFill>
-          <a:prstDash val="solid"/>
-          <a:miter lim="800000"/>
-        </a:ln>
-        <a:effectLst/>
-      </dsp:spPr>
-      <dsp:style>
-        <a:lnRef idx="3">
-          <a:scrgbClr r="0" g="0" b="0"/>
-        </a:lnRef>
-        <a:fillRef idx="1">
-          <a:scrgbClr r="0" g="0" b="0"/>
-        </a:fillRef>
-        <a:effectRef idx="1">
-          <a:scrgbClr r="0" g="0" b="0"/>
-        </a:effectRef>
-        <a:fontRef idx="minor"/>
-      </dsp:style>
-    </dsp:sp>
-    <dsp:sp modelId="{9B6DBF9B-EFA6-45E8-AAE9-1FBCC2922B5E}">
-      <dsp:nvSpPr>
-        <dsp:cNvPr id="0" name=""/>
-        <dsp:cNvSpPr/>
-      </dsp:nvSpPr>
-      <dsp:spPr>
-        <a:xfrm>
-          <a:off x="6317654" y="0"/>
-          <a:ext cx="2043917" cy="4863689"/>
-        </a:xfrm>
-        <a:prstGeom prst="roundRect">
-          <a:avLst>
-            <a:gd name="adj" fmla="val 10000"/>
-          </a:avLst>
-        </a:prstGeom>
-        <a:solidFill>
-          <a:schemeClr val="dk2">
-            <a:hueOff val="0"/>
-            <a:satOff val="0"/>
-            <a:lumOff val="0"/>
-            <a:alphaOff val="0"/>
-          </a:schemeClr>
-        </a:solidFill>
-        <a:ln w="19050" cap="flat" cmpd="sng" algn="ctr">
-          <a:solidFill>
-            <a:schemeClr val="lt2">
-              <a:hueOff val="0"/>
-              <a:satOff val="0"/>
-              <a:lumOff val="0"/>
-              <a:alphaOff val="0"/>
-            </a:schemeClr>
-          </a:solidFill>
-          <a:prstDash val="solid"/>
-          <a:miter lim="800000"/>
-        </a:ln>
-        <a:effectLst/>
-      </dsp:spPr>
-      <dsp:style>
-        <a:lnRef idx="3">
-          <a:scrgbClr r="0" g="0" b="0"/>
-        </a:lnRef>
-        <a:fillRef idx="1">
-          <a:scrgbClr r="0" g="0" b="0"/>
-        </a:fillRef>
-        <a:effectRef idx="1">
-          <a:scrgbClr r="0" g="0" b="0"/>
-        </a:effectRef>
-        <a:fontRef idx="minor">
-          <a:schemeClr val="lt1"/>
-        </a:fontRef>
-      </dsp:style>
-      <dsp:txBody>
-        <a:bodyPr spcFirstLastPara="0" vert="horz" wrap="square" lIns="462280" tIns="462280" rIns="462280" bIns="462280" numCol="1" spcCol="1270" anchor="ctr" anchorCtr="0">
-          <a:noAutofit/>
-        </a:bodyPr>
-        <a:lstStyle/>
-        <a:p>
-          <a:pPr lvl="0" algn="ctr" defTabSz="2889250">
-            <a:lnSpc>
-              <a:spcPct val="90000"/>
-            </a:lnSpc>
-            <a:spcBef>
-              <a:spcPct val="0"/>
-            </a:spcBef>
-            <a:spcAft>
-              <a:spcPct val="35000"/>
-            </a:spcAft>
-          </a:pPr>
-          <a:endParaRPr lang="en-CA" sz="6500" kern="1200" dirty="0"/>
-        </a:p>
-      </dsp:txBody>
-      <dsp:txXfrm>
-        <a:off x="6317654" y="1945475"/>
-        <a:ext cx="2043917" cy="1945475"/>
-      </dsp:txXfrm>
-    </dsp:sp>
-    <dsp:sp modelId="{E493E5FB-AA9A-42DE-9CCE-474EDF63F26C}">
-      <dsp:nvSpPr>
-        <dsp:cNvPr id="0" name=""/>
-        <dsp:cNvSpPr/>
-      </dsp:nvSpPr>
-      <dsp:spPr>
-        <a:xfrm>
-          <a:off x="6529809" y="291821"/>
-          <a:ext cx="1619608" cy="1619608"/>
-        </a:xfrm>
-        <a:prstGeom prst="ellipse">
-          <a:avLst/>
-        </a:prstGeom>
-        <a:blipFill rotWithShape="1">
-          <a:blip xmlns:r="http://schemas.openxmlformats.org/officeDocument/2006/relationships" r:embed="rId4"/>
-          <a:stretch>
-            <a:fillRect/>
-          </a:stretch>
-        </a:blipFill>
-        <a:ln w="19050" cap="flat" cmpd="sng" algn="ctr">
-          <a:solidFill>
-            <a:schemeClr val="lt2">
-              <a:hueOff val="0"/>
-              <a:satOff val="0"/>
-              <a:lumOff val="0"/>
-              <a:alphaOff val="0"/>
-            </a:schemeClr>
-          </a:solidFill>
-          <a:prstDash val="solid"/>
-          <a:miter lim="800000"/>
-        </a:ln>
-        <a:effectLst/>
-      </dsp:spPr>
-      <dsp:style>
-        <a:lnRef idx="3">
-          <a:scrgbClr r="0" g="0" b="0"/>
-        </a:lnRef>
-        <a:fillRef idx="1">
-          <a:scrgbClr r="0" g="0" b="0"/>
-        </a:fillRef>
-        <a:effectRef idx="1">
-          <a:scrgbClr r="0" g="0" b="0"/>
-        </a:effectRef>
-        <a:fontRef idx="minor"/>
-      </dsp:style>
-    </dsp:sp>
-    <dsp:sp modelId="{5C007895-D27B-4555-8633-C9BBD58A106D}">
-      <dsp:nvSpPr>
-        <dsp:cNvPr id="0" name=""/>
-        <dsp:cNvSpPr/>
-      </dsp:nvSpPr>
-      <dsp:spPr>
-        <a:xfrm flipH="1">
-          <a:off x="4508466" y="3876524"/>
-          <a:ext cx="1553507" cy="525387"/>
-        </a:xfrm>
-        <a:prstGeom prst="leftRightArrow">
-          <a:avLst/>
-        </a:prstGeom>
-        <a:noFill/>
-        <a:ln w="19050" cap="flat" cmpd="sng" algn="ctr">
-          <a:noFill/>
-          <a:prstDash val="solid"/>
-          <a:miter lim="800000"/>
-        </a:ln>
-        <a:effectLst/>
-      </dsp:spPr>
-      <dsp:style>
-        <a:lnRef idx="3">
-          <a:scrgbClr r="0" g="0" b="0"/>
-        </a:lnRef>
-        <a:fillRef idx="1">
-          <a:scrgbClr r="0" g="0" b="0"/>
-        </a:fillRef>
-        <a:effectRef idx="1">
-          <a:scrgbClr r="0" g="0" b="0"/>
-        </a:effectRef>
-        <a:fontRef idx="minor"/>
-      </dsp:style>
-    </dsp:sp>
   </dsp:spTree>
 </dsp:drawing>
 </file>
@@ -11354,7 +9158,7 @@
           <a:p>
             <a:fld id="{EC83963A-FCD1-4BA3-8F52-F2285ACE2A6A}" type="datetimeFigureOut">
               <a:rPr lang="fr-FR" smtClean="0"/>
-              <a:t>31/01/2020</a:t>
+              <a:t>01/02/2020</a:t>
             </a:fld>
             <a:endParaRPr lang="fr-FR"/>
           </a:p>
@@ -11519,7 +9323,7 @@
           <a:p>
             <a:fld id="{12D3AF9D-FD63-43BA-9EB6-902B12D2DD5D}" type="datetimeFigureOut">
               <a:rPr lang="fr-FR" smtClean="0"/>
-              <a:t>31/01/2020</a:t>
+              <a:t>01/02/2020</a:t>
             </a:fld>
             <a:endParaRPr lang="fr-FR"/>
           </a:p>
@@ -13145,39 +10949,65 @@
           </a:p>
         </p:txBody>
       </p:sp>
-      <p:pic>
-        <p:nvPicPr>
-          <p:cNvPr id="3" name="Image 2"/>
-          <p:cNvPicPr>
-            <a:picLocks noChangeAspect="1"/>
-          </p:cNvPicPr>
+      <p:sp>
+        <p:nvSpPr>
+          <p:cNvPr id="3" name="Title 1"/>
+          <p:cNvSpPr txBox="1">
+            <a:spLocks/>
+          </p:cNvSpPr>
           <p:nvPr/>
-        </p:nvPicPr>
-        <p:blipFill>
-          <a:blip r:embed="rId2"/>
-          <a:stretch>
-            <a:fillRect/>
-          </a:stretch>
-        </p:blipFill>
+        </p:nvSpPr>
         <p:spPr>
           <a:xfrm>
-            <a:off x="2425237" y="1776376"/>
-            <a:ext cx="7053764" cy="5081624"/>
+            <a:off x="648394" y="2101646"/>
+            <a:ext cx="5257456" cy="733833"/>
           </a:xfrm>
           <a:prstGeom prst="rect">
             <a:avLst/>
           </a:prstGeom>
-          <a:ln>
-            <a:solidFill>
-              <a:schemeClr val="tx1"/>
-            </a:solidFill>
-          </a:ln>
-        </p:spPr>
-      </p:pic>
+        </p:spPr>
+        <p:txBody>
+          <a:bodyPr/>
+          <a:lstStyle>
+            <a:lvl1pPr algn="l" defTabSz="914400" rtl="0" eaLnBrk="1" latinLnBrk="0" hangingPunct="1">
+              <a:lnSpc>
+                <a:spcPct val="90000"/>
+              </a:lnSpc>
+              <a:spcBef>
+                <a:spcPct val="0"/>
+              </a:spcBef>
+              <a:buNone/>
+              <a:defRPr sz="4400" kern="1200">
+                <a:solidFill>
+                  <a:schemeClr val="tx1"/>
+                </a:solidFill>
+                <a:latin typeface="+mj-lt"/>
+                <a:ea typeface="+mj-ea"/>
+                <a:cs typeface="+mj-cs"/>
+              </a:defRPr>
+            </a:lvl1pPr>
+          </a:lstStyle>
+          <a:p>
+            <a:r>
+              <a:rPr lang="fr-FR" dirty="0" err="1" smtClean="0"/>
+              <a:t>User’s</a:t>
+            </a:r>
+            <a:r>
+              <a:rPr lang="fr-FR" dirty="0" smtClean="0"/>
+              <a:t> </a:t>
+            </a:r>
+            <a:r>
+              <a:rPr lang="fr-FR" dirty="0" err="1" smtClean="0"/>
+              <a:t>webpage</a:t>
+            </a:r>
+            <a:endParaRPr lang="fr-FR" dirty="0"/>
+          </a:p>
+        </p:txBody>
+      </p:sp>
     </p:spTree>
     <p:extLst>
       <p:ext uri="{BB962C8B-B14F-4D97-AF65-F5344CB8AC3E}">
-        <p14:creationId xmlns:p14="http://schemas.microsoft.com/office/powerpoint/2010/main" val="2980065524"/>
+        <p14:creationId xmlns:p14="http://schemas.microsoft.com/office/powerpoint/2010/main" val="4034940838"/>
       </p:ext>
     </p:extLst>
   </p:cSld>
@@ -13188,6 +11018,161 @@
 </file>
 
 <file path=ppt/slides/slide11.xml><?xml version="1.0" encoding="utf-8"?>
+<p:sld xmlns:a="http://schemas.openxmlformats.org/drawingml/2006/main" xmlns:r="http://schemas.openxmlformats.org/officeDocument/2006/relationships" xmlns:p="http://schemas.openxmlformats.org/presentationml/2006/main">
+  <p:cSld>
+    <p:spTree>
+      <p:nvGrpSpPr>
+        <p:cNvPr id="1" name=""/>
+        <p:cNvGrpSpPr/>
+        <p:nvPr/>
+      </p:nvGrpSpPr>
+      <p:grpSpPr>
+        <a:xfrm>
+          <a:off x="0" y="0"/>
+          <a:ext cx="0" cy="0"/>
+          <a:chOff x="0" y="0"/>
+          <a:chExt cx="0" cy="0"/>
+        </a:xfrm>
+      </p:grpSpPr>
+      <p:sp>
+        <p:nvSpPr>
+          <p:cNvPr id="2" name="Slide Number Placeholder 1"/>
+          <p:cNvSpPr>
+            <a:spLocks noGrp="1"/>
+          </p:cNvSpPr>
+          <p:nvPr>
+            <p:ph type="sldNum" sz="quarter" idx="4"/>
+          </p:nvPr>
+        </p:nvSpPr>
+        <p:spPr/>
+        <p:txBody>
+          <a:bodyPr/>
+          <a:lstStyle/>
+          <a:p>
+            <a:fld id="{813506F1-DB5F-4FC9-88BA-B486F30FE4BF}" type="slidenum">
+              <a:rPr lang="fr-FR" smtClean="0"/>
+              <a:pPr/>
+              <a:t>10</a:t>
+            </a:fld>
+            <a:endParaRPr lang="fr-FR" dirty="0"/>
+          </a:p>
+        </p:txBody>
+      </p:sp>
+      <p:sp>
+        <p:nvSpPr>
+          <p:cNvPr id="3" name="Title 1"/>
+          <p:cNvSpPr txBox="1">
+            <a:spLocks/>
+          </p:cNvSpPr>
+          <p:nvPr/>
+        </p:nvSpPr>
+        <p:spPr>
+          <a:xfrm>
+            <a:off x="648394" y="2101646"/>
+            <a:ext cx="1188795" cy="733833"/>
+          </a:xfrm>
+          <a:prstGeom prst="rect">
+            <a:avLst/>
+          </a:prstGeom>
+        </p:spPr>
+        <p:txBody>
+          <a:bodyPr/>
+          <a:lstStyle>
+            <a:lvl1pPr algn="l" defTabSz="914400" rtl="0" eaLnBrk="1" latinLnBrk="0" hangingPunct="1">
+              <a:lnSpc>
+                <a:spcPct val="90000"/>
+              </a:lnSpc>
+              <a:spcBef>
+                <a:spcPct val="0"/>
+              </a:spcBef>
+              <a:buNone/>
+              <a:defRPr sz="4400" kern="1200">
+                <a:solidFill>
+                  <a:schemeClr val="tx1"/>
+                </a:solidFill>
+                <a:latin typeface="+mj-lt"/>
+                <a:ea typeface="+mj-ea"/>
+                <a:cs typeface="+mj-cs"/>
+              </a:defRPr>
+            </a:lvl1pPr>
+          </a:lstStyle>
+          <a:p>
+            <a:r>
+              <a:rPr lang="fr-FR" dirty="0" smtClean="0"/>
+              <a:t>App</a:t>
+            </a:r>
+            <a:endParaRPr lang="fr-FR" dirty="0"/>
+          </a:p>
+        </p:txBody>
+      </p:sp>
+    </p:spTree>
+    <p:extLst>
+      <p:ext uri="{BB962C8B-B14F-4D97-AF65-F5344CB8AC3E}">
+        <p14:creationId xmlns:p14="http://schemas.microsoft.com/office/powerpoint/2010/main" val="3608219061"/>
+      </p:ext>
+    </p:extLst>
+  </p:cSld>
+  <p:clrMapOvr>
+    <a:masterClrMapping/>
+  </p:clrMapOvr>
+</p:sld>
+</file>
+
+<file path=ppt/slides/slide12.xml><?xml version="1.0" encoding="utf-8"?>
+<p:sld xmlns:a="http://schemas.openxmlformats.org/drawingml/2006/main" xmlns:r="http://schemas.openxmlformats.org/officeDocument/2006/relationships" xmlns:p="http://schemas.openxmlformats.org/presentationml/2006/main">
+  <p:cSld>
+    <p:spTree>
+      <p:nvGrpSpPr>
+        <p:cNvPr id="1" name=""/>
+        <p:cNvGrpSpPr/>
+        <p:nvPr/>
+      </p:nvGrpSpPr>
+      <p:grpSpPr>
+        <a:xfrm>
+          <a:off x="0" y="0"/>
+          <a:ext cx="0" cy="0"/>
+          <a:chOff x="0" y="0"/>
+          <a:chExt cx="0" cy="0"/>
+        </a:xfrm>
+      </p:grpSpPr>
+      <p:sp>
+        <p:nvSpPr>
+          <p:cNvPr id="2" name="Slide Number Placeholder 1"/>
+          <p:cNvSpPr>
+            <a:spLocks noGrp="1"/>
+          </p:cNvSpPr>
+          <p:nvPr>
+            <p:ph type="sldNum" sz="quarter" idx="4"/>
+          </p:nvPr>
+        </p:nvSpPr>
+        <p:spPr/>
+        <p:txBody>
+          <a:bodyPr/>
+          <a:lstStyle/>
+          <a:p>
+            <a:fld id="{813506F1-DB5F-4FC9-88BA-B486F30FE4BF}" type="slidenum">
+              <a:rPr lang="fr-FR" smtClean="0"/>
+              <a:pPr/>
+              <a:t>11</a:t>
+            </a:fld>
+            <a:endParaRPr lang="fr-FR" dirty="0"/>
+          </a:p>
+        </p:txBody>
+      </p:sp>
+    </p:spTree>
+    <p:extLst>
+      <p:ext uri="{BB962C8B-B14F-4D97-AF65-F5344CB8AC3E}">
+        <p14:creationId xmlns:p14="http://schemas.microsoft.com/office/powerpoint/2010/main" val="1162212200"/>
+      </p:ext>
+    </p:extLst>
+  </p:cSld>
+  <p:clrMapOvr>
+    <a:masterClrMapping/>
+  </p:clrMapOvr>
+</p:sld>
+</file>
+
+<file path=ppt/slides/slide13.xml><?xml version="1.0" encoding="utf-8"?>
 <p:sld xmlns:a="http://schemas.openxmlformats.org/drawingml/2006/main" xmlns:r="http://schemas.openxmlformats.org/officeDocument/2006/relationships" xmlns:p="http://schemas.openxmlformats.org/presentationml/2006/main">
   <p:cSld>
     <p:spTree>
@@ -13222,7 +11207,7 @@
             <a:fld id="{813506F1-DB5F-4FC9-88BA-B486F30FE4BF}" type="slidenum">
               <a:rPr lang="fr-FR" smtClean="0"/>
               <a:pPr/>
-              <a:t>10</a:t>
+              <a:t>12</a:t>
             </a:fld>
             <a:endParaRPr lang="fr-FR" dirty="0"/>
           </a:p>
@@ -13230,7 +11215,148 @@
       </p:sp>
       <p:pic>
         <p:nvPicPr>
-          <p:cNvPr id="5" name="Image 4"/>
+          <p:cNvPr id="4" name="Picture 2"/>
+          <p:cNvPicPr>
+            <a:picLocks noChangeAspect="1"/>
+          </p:cNvPicPr>
+          <p:nvPr/>
+        </p:nvPicPr>
+        <p:blipFill rotWithShape="1">
+          <a:blip r:embed="rId2" cstate="print">
+            <a:extLst>
+              <a:ext uri="{28A0092B-C50C-407E-A947-70E740481C1C}">
+                <a14:useLocalDpi xmlns:a14="http://schemas.microsoft.com/office/drawing/2010/main" val="0"/>
+              </a:ext>
+            </a:extLst>
+          </a:blip>
+          <a:srcRect t="7294"/>
+          <a:stretch/>
+        </p:blipFill>
+        <p:spPr>
+          <a:xfrm>
+            <a:off x="648393" y="1756666"/>
+            <a:ext cx="5074114" cy="5101334"/>
+          </a:xfrm>
+          <a:prstGeom prst="rect">
+            <a:avLst/>
+          </a:prstGeom>
+        </p:spPr>
+      </p:pic>
+      <p:pic>
+        <p:nvPicPr>
+          <p:cNvPr id="5" name="Picture 3"/>
+          <p:cNvPicPr>
+            <a:picLocks noChangeAspect="1"/>
+          </p:cNvPicPr>
+          <p:nvPr/>
+        </p:nvPicPr>
+        <p:blipFill rotWithShape="1">
+          <a:blip r:embed="rId3" cstate="print">
+            <a:extLst>
+              <a:ext uri="{28A0092B-C50C-407E-A947-70E740481C1C}">
+                <a14:useLocalDpi xmlns:a14="http://schemas.microsoft.com/office/drawing/2010/main" val="0"/>
+              </a:ext>
+            </a:extLst>
+          </a:blip>
+          <a:srcRect t="6500" b="29501"/>
+          <a:stretch/>
+        </p:blipFill>
+        <p:spPr>
+          <a:xfrm>
+            <a:off x="6032614" y="1718225"/>
+            <a:ext cx="3454285" cy="2434675"/>
+          </a:xfrm>
+          <a:prstGeom prst="rect">
+            <a:avLst/>
+          </a:prstGeom>
+        </p:spPr>
+      </p:pic>
+      <p:pic>
+        <p:nvPicPr>
+          <p:cNvPr id="6" name="Picture 6"/>
+          <p:cNvPicPr>
+            <a:picLocks noChangeAspect="1"/>
+          </p:cNvPicPr>
+          <p:nvPr/>
+        </p:nvPicPr>
+        <p:blipFill rotWithShape="1">
+          <a:blip r:embed="rId4" cstate="print">
+            <a:extLst>
+              <a:ext uri="{28A0092B-C50C-407E-A947-70E740481C1C}">
+                <a14:useLocalDpi xmlns:a14="http://schemas.microsoft.com/office/drawing/2010/main" val="0"/>
+              </a:ext>
+            </a:extLst>
+          </a:blip>
+          <a:srcRect t="7626" r="14094" b="18958"/>
+          <a:stretch/>
+        </p:blipFill>
+        <p:spPr>
+          <a:xfrm>
+            <a:off x="6032615" y="4152900"/>
+            <a:ext cx="6045085" cy="2705100"/>
+          </a:xfrm>
+          <a:prstGeom prst="rect">
+            <a:avLst/>
+          </a:prstGeom>
+        </p:spPr>
+      </p:pic>
+    </p:spTree>
+    <p:extLst>
+      <p:ext uri="{BB962C8B-B14F-4D97-AF65-F5344CB8AC3E}">
+        <p14:creationId xmlns:p14="http://schemas.microsoft.com/office/powerpoint/2010/main" val="3275783859"/>
+      </p:ext>
+    </p:extLst>
+  </p:cSld>
+  <p:clrMapOvr>
+    <a:masterClrMapping/>
+  </p:clrMapOvr>
+</p:sld>
+</file>
+
+<file path=ppt/slides/slide14.xml><?xml version="1.0" encoding="utf-8"?>
+<p:sld xmlns:a="http://schemas.openxmlformats.org/drawingml/2006/main" xmlns:r="http://schemas.openxmlformats.org/officeDocument/2006/relationships" xmlns:p="http://schemas.openxmlformats.org/presentationml/2006/main">
+  <p:cSld>
+    <p:spTree>
+      <p:nvGrpSpPr>
+        <p:cNvPr id="1" name=""/>
+        <p:cNvGrpSpPr/>
+        <p:nvPr/>
+      </p:nvGrpSpPr>
+      <p:grpSpPr>
+        <a:xfrm>
+          <a:off x="0" y="0"/>
+          <a:ext cx="0" cy="0"/>
+          <a:chOff x="0" y="0"/>
+          <a:chExt cx="0" cy="0"/>
+        </a:xfrm>
+      </p:grpSpPr>
+      <p:sp>
+        <p:nvSpPr>
+          <p:cNvPr id="2" name="Slide Number Placeholder 1"/>
+          <p:cNvSpPr>
+            <a:spLocks noGrp="1"/>
+          </p:cNvSpPr>
+          <p:nvPr>
+            <p:ph type="sldNum" sz="quarter" idx="4"/>
+          </p:nvPr>
+        </p:nvSpPr>
+        <p:spPr/>
+        <p:txBody>
+          <a:bodyPr/>
+          <a:lstStyle/>
+          <a:p>
+            <a:fld id="{813506F1-DB5F-4FC9-88BA-B486F30FE4BF}" type="slidenum">
+              <a:rPr lang="fr-FR" smtClean="0"/>
+              <a:pPr/>
+              <a:t>13</a:t>
+            </a:fld>
+            <a:endParaRPr lang="fr-FR" dirty="0"/>
+          </a:p>
+        </p:txBody>
+      </p:sp>
+      <p:pic>
+        <p:nvPicPr>
+          <p:cNvPr id="3" name="Image 2"/>
           <p:cNvPicPr>
             <a:picLocks noChangeAspect="1"/>
           </p:cNvPicPr>
@@ -13244,8 +11370,8 @@
         </p:blipFill>
         <p:spPr>
           <a:xfrm>
-            <a:off x="0" y="1711434"/>
-            <a:ext cx="8735483" cy="3648913"/>
+            <a:off x="2425237" y="1776376"/>
+            <a:ext cx="7053764" cy="5081624"/>
           </a:xfrm>
           <a:prstGeom prst="rect">
             <a:avLst/>
@@ -13257,77 +11383,10 @@
           </a:ln>
         </p:spPr>
       </p:pic>
-      <p:cxnSp>
-        <p:nvCxnSpPr>
-          <p:cNvPr id="9" name="Connecteur en angle 8"/>
-          <p:cNvCxnSpPr/>
-          <p:nvPr/>
-        </p:nvCxnSpPr>
-        <p:spPr>
-          <a:xfrm>
-            <a:off x="5994400" y="3416300"/>
-            <a:ext cx="3327400" cy="1171439"/>
-          </a:xfrm>
-          <a:prstGeom prst="bentConnector3">
-            <a:avLst>
-              <a:gd name="adj1" fmla="val 99237"/>
-            </a:avLst>
-          </a:prstGeom>
-          <a:ln w="28575">
-            <a:solidFill>
-              <a:schemeClr val="tx1"/>
-            </a:solidFill>
-            <a:tailEnd type="triangle"/>
-          </a:ln>
-        </p:spPr>
-        <p:style>
-          <a:lnRef idx="1">
-            <a:schemeClr val="accent1"/>
-          </a:lnRef>
-          <a:fillRef idx="0">
-            <a:schemeClr val="accent1"/>
-          </a:fillRef>
-          <a:effectRef idx="0">
-            <a:schemeClr val="accent1"/>
-          </a:effectRef>
-          <a:fontRef idx="minor">
-            <a:schemeClr val="tx1"/>
-          </a:fontRef>
-        </p:style>
-      </p:cxnSp>
-      <p:pic>
-        <p:nvPicPr>
-          <p:cNvPr id="11" name="Image 10"/>
-          <p:cNvPicPr>
-            <a:picLocks noChangeAspect="1"/>
-          </p:cNvPicPr>
-          <p:nvPr/>
-        </p:nvPicPr>
-        <p:blipFill>
-          <a:blip r:embed="rId3"/>
-          <a:stretch>
-            <a:fillRect/>
-          </a:stretch>
-        </p:blipFill>
-        <p:spPr>
-          <a:xfrm>
-            <a:off x="6078852" y="4587739"/>
-            <a:ext cx="6113148" cy="2183614"/>
-          </a:xfrm>
-          <a:prstGeom prst="rect">
-            <a:avLst/>
-          </a:prstGeom>
-          <a:ln>
-            <a:solidFill>
-              <a:schemeClr val="tx1"/>
-            </a:solidFill>
-          </a:ln>
-        </p:spPr>
-      </p:pic>
     </p:spTree>
     <p:extLst>
       <p:ext uri="{BB962C8B-B14F-4D97-AF65-F5344CB8AC3E}">
-        <p14:creationId xmlns:p14="http://schemas.microsoft.com/office/powerpoint/2010/main" val="1378456716"/>
+        <p14:creationId xmlns:p14="http://schemas.microsoft.com/office/powerpoint/2010/main" val="2980065524"/>
       </p:ext>
     </p:extLst>
   </p:cSld>
@@ -13337,7 +11396,7 @@
 </p:sld>
 </file>
 
-<file path=ppt/slides/slide12.xml><?xml version="1.0" encoding="utf-8"?>
+<file path=ppt/slides/slide15.xml><?xml version="1.0" encoding="utf-8"?>
 <p:sld xmlns:a="http://schemas.openxmlformats.org/drawingml/2006/main" xmlns:r="http://schemas.openxmlformats.org/officeDocument/2006/relationships" xmlns:p="http://schemas.openxmlformats.org/presentationml/2006/main">
   <p:cSld>
     <p:spTree>
@@ -13372,7 +11431,157 @@
             <a:fld id="{813506F1-DB5F-4FC9-88BA-B486F30FE4BF}" type="slidenum">
               <a:rPr lang="fr-FR" smtClean="0"/>
               <a:pPr/>
-              <a:t>11</a:t>
+              <a:t>14</a:t>
+            </a:fld>
+            <a:endParaRPr lang="fr-FR" dirty="0"/>
+          </a:p>
+        </p:txBody>
+      </p:sp>
+      <p:pic>
+        <p:nvPicPr>
+          <p:cNvPr id="5" name="Image 4"/>
+          <p:cNvPicPr>
+            <a:picLocks noChangeAspect="1"/>
+          </p:cNvPicPr>
+          <p:nvPr/>
+        </p:nvPicPr>
+        <p:blipFill>
+          <a:blip r:embed="rId2"/>
+          <a:stretch>
+            <a:fillRect/>
+          </a:stretch>
+        </p:blipFill>
+        <p:spPr>
+          <a:xfrm>
+            <a:off x="0" y="1711434"/>
+            <a:ext cx="8735483" cy="3648913"/>
+          </a:xfrm>
+          <a:prstGeom prst="rect">
+            <a:avLst/>
+          </a:prstGeom>
+          <a:ln>
+            <a:solidFill>
+              <a:schemeClr val="tx1"/>
+            </a:solidFill>
+          </a:ln>
+        </p:spPr>
+      </p:pic>
+      <p:cxnSp>
+        <p:nvCxnSpPr>
+          <p:cNvPr id="9" name="Connecteur en angle 8"/>
+          <p:cNvCxnSpPr/>
+          <p:nvPr/>
+        </p:nvCxnSpPr>
+        <p:spPr>
+          <a:xfrm>
+            <a:off x="5994400" y="3416300"/>
+            <a:ext cx="3327400" cy="1171439"/>
+          </a:xfrm>
+          <a:prstGeom prst="bentConnector3">
+            <a:avLst>
+              <a:gd name="adj1" fmla="val 99237"/>
+            </a:avLst>
+          </a:prstGeom>
+          <a:ln w="28575">
+            <a:solidFill>
+              <a:schemeClr val="tx1"/>
+            </a:solidFill>
+            <a:tailEnd type="triangle"/>
+          </a:ln>
+        </p:spPr>
+        <p:style>
+          <a:lnRef idx="1">
+            <a:schemeClr val="accent1"/>
+          </a:lnRef>
+          <a:fillRef idx="0">
+            <a:schemeClr val="accent1"/>
+          </a:fillRef>
+          <a:effectRef idx="0">
+            <a:schemeClr val="accent1"/>
+          </a:effectRef>
+          <a:fontRef idx="minor">
+            <a:schemeClr val="tx1"/>
+          </a:fontRef>
+        </p:style>
+      </p:cxnSp>
+      <p:pic>
+        <p:nvPicPr>
+          <p:cNvPr id="11" name="Image 10"/>
+          <p:cNvPicPr>
+            <a:picLocks noChangeAspect="1"/>
+          </p:cNvPicPr>
+          <p:nvPr/>
+        </p:nvPicPr>
+        <p:blipFill>
+          <a:blip r:embed="rId3"/>
+          <a:stretch>
+            <a:fillRect/>
+          </a:stretch>
+        </p:blipFill>
+        <p:spPr>
+          <a:xfrm>
+            <a:off x="6078852" y="4587739"/>
+            <a:ext cx="6113148" cy="2183614"/>
+          </a:xfrm>
+          <a:prstGeom prst="rect">
+            <a:avLst/>
+          </a:prstGeom>
+          <a:ln>
+            <a:solidFill>
+              <a:schemeClr val="tx1"/>
+            </a:solidFill>
+          </a:ln>
+        </p:spPr>
+      </p:pic>
+    </p:spTree>
+    <p:extLst>
+      <p:ext uri="{BB962C8B-B14F-4D97-AF65-F5344CB8AC3E}">
+        <p14:creationId xmlns:p14="http://schemas.microsoft.com/office/powerpoint/2010/main" val="1378456716"/>
+      </p:ext>
+    </p:extLst>
+  </p:cSld>
+  <p:clrMapOvr>
+    <a:masterClrMapping/>
+  </p:clrMapOvr>
+</p:sld>
+</file>
+
+<file path=ppt/slides/slide16.xml><?xml version="1.0" encoding="utf-8"?>
+<p:sld xmlns:a="http://schemas.openxmlformats.org/drawingml/2006/main" xmlns:r="http://schemas.openxmlformats.org/officeDocument/2006/relationships" xmlns:p="http://schemas.openxmlformats.org/presentationml/2006/main">
+  <p:cSld>
+    <p:spTree>
+      <p:nvGrpSpPr>
+        <p:cNvPr id="1" name=""/>
+        <p:cNvGrpSpPr/>
+        <p:nvPr/>
+      </p:nvGrpSpPr>
+      <p:grpSpPr>
+        <a:xfrm>
+          <a:off x="0" y="0"/>
+          <a:ext cx="0" cy="0"/>
+          <a:chOff x="0" y="0"/>
+          <a:chExt cx="0" cy="0"/>
+        </a:xfrm>
+      </p:grpSpPr>
+      <p:sp>
+        <p:nvSpPr>
+          <p:cNvPr id="2" name="Espace réservé du numéro de diapositive 1"/>
+          <p:cNvSpPr>
+            <a:spLocks noGrp="1"/>
+          </p:cNvSpPr>
+          <p:nvPr>
+            <p:ph type="sldNum" sz="quarter" idx="4"/>
+          </p:nvPr>
+        </p:nvSpPr>
+        <p:spPr/>
+        <p:txBody>
+          <a:bodyPr/>
+          <a:lstStyle/>
+          <a:p>
+            <a:fld id="{813506F1-DB5F-4FC9-88BA-B486F30FE4BF}" type="slidenum">
+              <a:rPr lang="fr-FR" smtClean="0"/>
+              <a:pPr/>
+              <a:t>15</a:t>
             </a:fld>
             <a:endParaRPr lang="fr-FR" dirty="0"/>
           </a:p>
@@ -13552,7 +11761,7 @@
 </p:sld>
 </file>
 
-<file path=ppt/slides/slide13.xml><?xml version="1.0" encoding="utf-8"?>
+<file path=ppt/slides/slide17.xml><?xml version="1.0" encoding="utf-8"?>
 <p:sld xmlns:a="http://schemas.openxmlformats.org/drawingml/2006/main" xmlns:r="http://schemas.openxmlformats.org/officeDocument/2006/relationships" xmlns:p="http://schemas.openxmlformats.org/presentationml/2006/main">
   <p:cSld>
     <p:spTree>
@@ -30406,7 +28615,7 @@
       </p:grpSpPr>
       <p:sp>
         <p:nvSpPr>
-          <p:cNvPr id="2" name="Espace réservé du numéro de diapositive 1"/>
+          <p:cNvPr id="2" name="Slide Number Placeholder 1"/>
           <p:cNvSpPr>
             <a:spLocks noGrp="1"/>
           </p:cNvSpPr>
@@ -30428,97 +28637,483 @@
           </a:p>
         </p:txBody>
       </p:sp>
-      <p:pic>
-        <p:nvPicPr>
-          <p:cNvPr id="4" name="Picture 2"/>
-          <p:cNvPicPr>
-            <a:picLocks noChangeAspect="1"/>
-          </p:cNvPicPr>
+      <p:sp>
+        <p:nvSpPr>
+          <p:cNvPr id="3" name="Title 1"/>
+          <p:cNvSpPr txBox="1">
+            <a:spLocks/>
+          </p:cNvSpPr>
           <p:nvPr/>
-        </p:nvPicPr>
-        <p:blipFill rotWithShape="1">
-          <a:blip r:embed="rId2" cstate="print">
-            <a:extLst>
-              <a:ext uri="{28A0092B-C50C-407E-A947-70E740481C1C}">
-                <a14:useLocalDpi xmlns:a14="http://schemas.microsoft.com/office/drawing/2010/main" val="0"/>
-              </a:ext>
-            </a:extLst>
-          </a:blip>
-          <a:srcRect t="7294"/>
-          <a:stretch/>
-        </p:blipFill>
+        </p:nvSpPr>
         <p:spPr>
           <a:xfrm>
-            <a:off x="648393" y="1756666"/>
-            <a:ext cx="5074114" cy="5101334"/>
+            <a:off x="648394" y="2101646"/>
+            <a:ext cx="5257456" cy="733833"/>
           </a:xfrm>
           <a:prstGeom prst="rect">
             <a:avLst/>
           </a:prstGeom>
         </p:spPr>
-      </p:pic>
-      <p:pic>
-        <p:nvPicPr>
-          <p:cNvPr id="5" name="Picture 3"/>
-          <p:cNvPicPr>
-            <a:picLocks noChangeAspect="1"/>
-          </p:cNvPicPr>
+        <p:txBody>
+          <a:bodyPr/>
+          <a:lstStyle>
+            <a:lvl1pPr algn="l" defTabSz="914400" rtl="0" eaLnBrk="1" latinLnBrk="0" hangingPunct="1">
+              <a:lnSpc>
+                <a:spcPct val="90000"/>
+              </a:lnSpc>
+              <a:spcBef>
+                <a:spcPct val="0"/>
+              </a:spcBef>
+              <a:buNone/>
+              <a:defRPr sz="4400" kern="1200">
+                <a:solidFill>
+                  <a:schemeClr val="tx1"/>
+                </a:solidFill>
+                <a:latin typeface="+mj-lt"/>
+                <a:ea typeface="+mj-ea"/>
+                <a:cs typeface="+mj-cs"/>
+              </a:defRPr>
+            </a:lvl1pPr>
+          </a:lstStyle>
+          <a:p>
+            <a:r>
+              <a:rPr lang="fr-FR" dirty="0" smtClean="0"/>
+              <a:t>Our </a:t>
+            </a:r>
+            <a:r>
+              <a:rPr lang="fr-FR" dirty="0" err="1" smtClean="0"/>
+              <a:t>results</a:t>
+            </a:r>
+            <a:endParaRPr lang="fr-FR" dirty="0"/>
+          </a:p>
+        </p:txBody>
+      </p:sp>
+      <p:sp>
+        <p:nvSpPr>
+          <p:cNvPr id="4" name="Content Placeholder 2"/>
+          <p:cNvSpPr txBox="1">
+            <a:spLocks/>
+          </p:cNvSpPr>
           <p:nvPr/>
-        </p:nvPicPr>
-        <p:blipFill rotWithShape="1">
-          <a:blip r:embed="rId3" cstate="print">
-            <a:extLst>
-              <a:ext uri="{28A0092B-C50C-407E-A947-70E740481C1C}">
-                <a14:useLocalDpi xmlns:a14="http://schemas.microsoft.com/office/drawing/2010/main" val="0"/>
-              </a:ext>
-            </a:extLst>
-          </a:blip>
-          <a:srcRect t="6500" b="29501"/>
-          <a:stretch/>
-        </p:blipFill>
+        </p:nvSpPr>
         <p:spPr>
           <a:xfrm>
-            <a:off x="6032614" y="1718225"/>
-            <a:ext cx="3454285" cy="2434675"/>
+            <a:off x="1236683" y="2835479"/>
+            <a:ext cx="7655647" cy="3842158"/>
           </a:xfrm>
           <a:prstGeom prst="rect">
             <a:avLst/>
           </a:prstGeom>
         </p:spPr>
-      </p:pic>
-      <p:pic>
-        <p:nvPicPr>
-          <p:cNvPr id="6" name="Picture 6"/>
-          <p:cNvPicPr>
-            <a:picLocks noChangeAspect="1"/>
-          </p:cNvPicPr>
-          <p:nvPr/>
-        </p:nvPicPr>
-        <p:blipFill rotWithShape="1">
-          <a:blip r:embed="rId4" cstate="print">
-            <a:extLst>
-              <a:ext uri="{28A0092B-C50C-407E-A947-70E740481C1C}">
-                <a14:useLocalDpi xmlns:a14="http://schemas.microsoft.com/office/drawing/2010/main" val="0"/>
-              </a:ext>
-            </a:extLst>
-          </a:blip>
-          <a:srcRect t="7626" r="14094" b="18958"/>
-          <a:stretch/>
-        </p:blipFill>
-        <p:spPr>
-          <a:xfrm>
-            <a:off x="6032615" y="4152900"/>
-            <a:ext cx="6045085" cy="2705100"/>
-          </a:xfrm>
-          <a:prstGeom prst="rect">
-            <a:avLst/>
-          </a:prstGeom>
-        </p:spPr>
-      </p:pic>
+        <p:txBody>
+          <a:bodyPr>
+            <a:normAutofit/>
+          </a:bodyPr>
+          <a:lstStyle>
+            <a:lvl1pPr marL="228600" indent="-228600" algn="l" defTabSz="914400" rtl="0" eaLnBrk="1" latinLnBrk="0" hangingPunct="1">
+              <a:lnSpc>
+                <a:spcPct val="90000"/>
+              </a:lnSpc>
+              <a:spcBef>
+                <a:spcPts val="1000"/>
+              </a:spcBef>
+              <a:buFont typeface="Arial" panose="020B0604020202020204" pitchFamily="34" charset="0"/>
+              <a:buChar char="•"/>
+              <a:defRPr sz="2800" kern="1200">
+                <a:solidFill>
+                  <a:schemeClr val="tx1"/>
+                </a:solidFill>
+                <a:latin typeface="+mn-lt"/>
+                <a:ea typeface="+mn-ea"/>
+                <a:cs typeface="+mn-cs"/>
+              </a:defRPr>
+            </a:lvl1pPr>
+            <a:lvl2pPr marL="685800" indent="-228600" algn="l" defTabSz="914400" rtl="0" eaLnBrk="1" latinLnBrk="0" hangingPunct="1">
+              <a:lnSpc>
+                <a:spcPct val="90000"/>
+              </a:lnSpc>
+              <a:spcBef>
+                <a:spcPts val="500"/>
+              </a:spcBef>
+              <a:buFont typeface="Arial" panose="020B0604020202020204" pitchFamily="34" charset="0"/>
+              <a:buChar char="•"/>
+              <a:defRPr sz="2400" kern="1200">
+                <a:solidFill>
+                  <a:schemeClr val="tx1"/>
+                </a:solidFill>
+                <a:latin typeface="+mn-lt"/>
+                <a:ea typeface="+mn-ea"/>
+                <a:cs typeface="+mn-cs"/>
+              </a:defRPr>
+            </a:lvl2pPr>
+            <a:lvl3pPr marL="1143000" indent="-228600" algn="l" defTabSz="914400" rtl="0" eaLnBrk="1" latinLnBrk="0" hangingPunct="1">
+              <a:lnSpc>
+                <a:spcPct val="90000"/>
+              </a:lnSpc>
+              <a:spcBef>
+                <a:spcPts val="500"/>
+              </a:spcBef>
+              <a:buFont typeface="Arial" panose="020B0604020202020204" pitchFamily="34" charset="0"/>
+              <a:buChar char="•"/>
+              <a:defRPr sz="2000" kern="1200">
+                <a:solidFill>
+                  <a:schemeClr val="tx1"/>
+                </a:solidFill>
+                <a:latin typeface="+mn-lt"/>
+                <a:ea typeface="+mn-ea"/>
+                <a:cs typeface="+mn-cs"/>
+              </a:defRPr>
+            </a:lvl3pPr>
+            <a:lvl4pPr marL="1600200" indent="-228600" algn="l" defTabSz="914400" rtl="0" eaLnBrk="1" latinLnBrk="0" hangingPunct="1">
+              <a:lnSpc>
+                <a:spcPct val="90000"/>
+              </a:lnSpc>
+              <a:spcBef>
+                <a:spcPts val="500"/>
+              </a:spcBef>
+              <a:buFont typeface="Arial" panose="020B0604020202020204" pitchFamily="34" charset="0"/>
+              <a:buChar char="•"/>
+              <a:defRPr sz="1800" kern="1200">
+                <a:solidFill>
+                  <a:schemeClr val="tx1"/>
+                </a:solidFill>
+                <a:latin typeface="+mn-lt"/>
+                <a:ea typeface="+mn-ea"/>
+                <a:cs typeface="+mn-cs"/>
+              </a:defRPr>
+            </a:lvl4pPr>
+            <a:lvl5pPr marL="2057400" indent="-228600" algn="l" defTabSz="914400" rtl="0" eaLnBrk="1" latinLnBrk="0" hangingPunct="1">
+              <a:lnSpc>
+                <a:spcPct val="90000"/>
+              </a:lnSpc>
+              <a:spcBef>
+                <a:spcPts val="500"/>
+              </a:spcBef>
+              <a:buFont typeface="Arial" panose="020B0604020202020204" pitchFamily="34" charset="0"/>
+              <a:buChar char="•"/>
+              <a:defRPr sz="1800" kern="1200">
+                <a:solidFill>
+                  <a:schemeClr val="tx1"/>
+                </a:solidFill>
+                <a:latin typeface="+mn-lt"/>
+                <a:ea typeface="+mn-ea"/>
+                <a:cs typeface="+mn-cs"/>
+              </a:defRPr>
+            </a:lvl5pPr>
+            <a:lvl6pPr marL="2514600" indent="-228600" algn="l" defTabSz="914400" rtl="0" eaLnBrk="1" latinLnBrk="0" hangingPunct="1">
+              <a:lnSpc>
+                <a:spcPct val="90000"/>
+              </a:lnSpc>
+              <a:spcBef>
+                <a:spcPts val="500"/>
+              </a:spcBef>
+              <a:buFont typeface="Arial" panose="020B0604020202020204" pitchFamily="34" charset="0"/>
+              <a:buChar char="•"/>
+              <a:defRPr sz="1800" kern="1200">
+                <a:solidFill>
+                  <a:schemeClr val="tx1"/>
+                </a:solidFill>
+                <a:latin typeface="+mn-lt"/>
+                <a:ea typeface="+mn-ea"/>
+                <a:cs typeface="+mn-cs"/>
+              </a:defRPr>
+            </a:lvl6pPr>
+            <a:lvl7pPr marL="2971800" indent="-228600" algn="l" defTabSz="914400" rtl="0" eaLnBrk="1" latinLnBrk="0" hangingPunct="1">
+              <a:lnSpc>
+                <a:spcPct val="90000"/>
+              </a:lnSpc>
+              <a:spcBef>
+                <a:spcPts val="500"/>
+              </a:spcBef>
+              <a:buFont typeface="Arial" panose="020B0604020202020204" pitchFamily="34" charset="0"/>
+              <a:buChar char="•"/>
+              <a:defRPr sz="1800" kern="1200">
+                <a:solidFill>
+                  <a:schemeClr val="tx1"/>
+                </a:solidFill>
+                <a:latin typeface="+mn-lt"/>
+                <a:ea typeface="+mn-ea"/>
+                <a:cs typeface="+mn-cs"/>
+              </a:defRPr>
+            </a:lvl7pPr>
+            <a:lvl8pPr marL="3429000" indent="-228600" algn="l" defTabSz="914400" rtl="0" eaLnBrk="1" latinLnBrk="0" hangingPunct="1">
+              <a:lnSpc>
+                <a:spcPct val="90000"/>
+              </a:lnSpc>
+              <a:spcBef>
+                <a:spcPts val="500"/>
+              </a:spcBef>
+              <a:buFont typeface="Arial" panose="020B0604020202020204" pitchFamily="34" charset="0"/>
+              <a:buChar char="•"/>
+              <a:defRPr sz="1800" kern="1200">
+                <a:solidFill>
+                  <a:schemeClr val="tx1"/>
+                </a:solidFill>
+                <a:latin typeface="+mn-lt"/>
+                <a:ea typeface="+mn-ea"/>
+                <a:cs typeface="+mn-cs"/>
+              </a:defRPr>
+            </a:lvl8pPr>
+            <a:lvl9pPr marL="3886200" indent="-228600" algn="l" defTabSz="914400" rtl="0" eaLnBrk="1" latinLnBrk="0" hangingPunct="1">
+              <a:lnSpc>
+                <a:spcPct val="90000"/>
+              </a:lnSpc>
+              <a:spcBef>
+                <a:spcPts val="500"/>
+              </a:spcBef>
+              <a:buFont typeface="Arial" panose="020B0604020202020204" pitchFamily="34" charset="0"/>
+              <a:buChar char="•"/>
+              <a:defRPr sz="1800" kern="1200">
+                <a:solidFill>
+                  <a:schemeClr val="tx1"/>
+                </a:solidFill>
+                <a:latin typeface="+mn-lt"/>
+                <a:ea typeface="+mn-ea"/>
+                <a:cs typeface="+mn-cs"/>
+              </a:defRPr>
+            </a:lvl9pPr>
+          </a:lstStyle>
+          <a:p>
+            <a:pPr algn="just"/>
+            <a:r>
+              <a:rPr lang="fr-FR" sz="2000" dirty="0" smtClean="0"/>
+              <a:t>A </a:t>
+            </a:r>
+            <a:r>
+              <a:rPr lang="fr-FR" sz="2000" dirty="0" err="1" smtClean="0"/>
+              <a:t>webpage</a:t>
+            </a:r>
+            <a:r>
+              <a:rPr lang="fr-FR" sz="2000" dirty="0"/>
+              <a:t> </a:t>
+            </a:r>
+            <a:r>
+              <a:rPr lang="fr-FR" sz="2000" dirty="0" err="1" smtClean="0"/>
+              <a:t>linked</a:t>
+            </a:r>
+            <a:r>
+              <a:rPr lang="fr-FR" sz="2000" dirty="0" smtClean="0"/>
+              <a:t> to </a:t>
+            </a:r>
+            <a:r>
+              <a:rPr lang="fr-FR" sz="2000" dirty="0" err="1" smtClean="0"/>
+              <a:t>Cellomet</a:t>
+            </a:r>
+            <a:r>
+              <a:rPr lang="fr-FR" sz="2000" dirty="0" smtClean="0"/>
+              <a:t> </a:t>
+            </a:r>
+            <a:r>
+              <a:rPr lang="fr-FR" sz="2000" dirty="0" err="1" smtClean="0"/>
+              <a:t>allowing</a:t>
+            </a:r>
+            <a:r>
+              <a:rPr lang="fr-FR" sz="2000" dirty="0" smtClean="0"/>
+              <a:t> </a:t>
+            </a:r>
+            <a:r>
+              <a:rPr lang="fr-FR" sz="2000" dirty="0" err="1" smtClean="0"/>
+              <a:t>users</a:t>
+            </a:r>
+            <a:r>
+              <a:rPr lang="fr-FR" sz="2000" dirty="0" smtClean="0"/>
+              <a:t> to </a:t>
+            </a:r>
+            <a:r>
+              <a:rPr lang="fr-FR" sz="2000" dirty="0" err="1" smtClean="0"/>
+              <a:t>download</a:t>
+            </a:r>
+            <a:r>
+              <a:rPr lang="fr-FR" sz="2000" dirty="0" smtClean="0"/>
+              <a:t> the </a:t>
+            </a:r>
+            <a:r>
+              <a:rPr lang="fr-FR" sz="2000" dirty="0" err="1" smtClean="0"/>
+              <a:t>app</a:t>
+            </a:r>
+            <a:endParaRPr lang="fr-FR" sz="2000" dirty="0"/>
+          </a:p>
+          <a:p>
+            <a:pPr marL="0" indent="0" algn="just">
+              <a:buNone/>
+            </a:pPr>
+            <a:endParaRPr lang="fr-FR" sz="2000" dirty="0"/>
+          </a:p>
+          <a:p>
+            <a:pPr algn="just"/>
+            <a:r>
+              <a:rPr lang="fr-FR" sz="2000" dirty="0" smtClean="0"/>
+              <a:t>A </a:t>
+            </a:r>
+            <a:r>
+              <a:rPr lang="fr-FR" sz="2000" dirty="0" err="1" smtClean="0"/>
+              <a:t>fully</a:t>
+            </a:r>
+            <a:r>
+              <a:rPr lang="fr-FR" sz="2000" dirty="0" smtClean="0"/>
+              <a:t> </a:t>
+            </a:r>
+            <a:r>
+              <a:rPr lang="fr-FR" sz="2000" dirty="0" err="1" smtClean="0"/>
+              <a:t>functionnal</a:t>
+            </a:r>
+            <a:r>
+              <a:rPr lang="fr-FR" sz="2000" dirty="0" smtClean="0"/>
+              <a:t> non-canonical </a:t>
+            </a:r>
+            <a:r>
+              <a:rPr lang="fr-FR" sz="2000" dirty="0" err="1" smtClean="0"/>
+              <a:t>gene</a:t>
+            </a:r>
+            <a:r>
+              <a:rPr lang="fr-FR" sz="2000" dirty="0" smtClean="0"/>
+              <a:t> </a:t>
+            </a:r>
+            <a:r>
+              <a:rPr lang="fr-FR" sz="2000" dirty="0" err="1" smtClean="0"/>
+              <a:t>analysis</a:t>
+            </a:r>
+            <a:r>
+              <a:rPr lang="fr-FR" sz="2000" dirty="0" smtClean="0"/>
+              <a:t> </a:t>
+            </a:r>
+            <a:r>
+              <a:rPr lang="fr-FR" sz="2000" dirty="0" err="1" smtClean="0"/>
+              <a:t>tool</a:t>
+            </a:r>
+            <a:endParaRPr lang="fr-FR" sz="2000" dirty="0"/>
+          </a:p>
+          <a:p>
+            <a:pPr algn="just"/>
+            <a:endParaRPr lang="fr-FR" sz="2000" dirty="0"/>
+          </a:p>
+          <a:p>
+            <a:pPr algn="just"/>
+            <a:r>
+              <a:rPr lang="fr-FR" sz="2000" dirty="0" smtClean="0"/>
+              <a:t>A extensive and </a:t>
+            </a:r>
+            <a:r>
+              <a:rPr lang="fr-FR" sz="2000" dirty="0" err="1" smtClean="0"/>
+              <a:t>comprehensive</a:t>
+            </a:r>
+            <a:r>
+              <a:rPr lang="fr-FR" sz="2000" dirty="0" smtClean="0"/>
+              <a:t> user guide</a:t>
+            </a:r>
+            <a:endParaRPr lang="fr-FR" sz="2000" dirty="0" smtClean="0"/>
+          </a:p>
+          <a:p>
+            <a:pPr algn="just"/>
+            <a:endParaRPr lang="fr-FR" sz="2000" dirty="0"/>
+          </a:p>
+          <a:p>
+            <a:pPr algn="just"/>
+            <a:r>
+              <a:rPr lang="fr-FR" sz="2000" dirty="0" smtClean="0"/>
+              <a:t>A </a:t>
+            </a:r>
+            <a:r>
+              <a:rPr lang="fr-FR" sz="2000" dirty="0" err="1" smtClean="0"/>
+              <a:t>simplified</a:t>
+            </a:r>
+            <a:r>
+              <a:rPr lang="fr-FR" sz="2000" dirty="0" smtClean="0"/>
+              <a:t> interaction </a:t>
+            </a:r>
+            <a:r>
+              <a:rPr lang="fr-FR" sz="2000" dirty="0" err="1" smtClean="0"/>
+              <a:t>with</a:t>
+            </a:r>
+            <a:r>
+              <a:rPr lang="fr-FR" sz="2000" dirty="0" smtClean="0"/>
+              <a:t> </a:t>
+            </a:r>
+            <a:r>
+              <a:rPr lang="fr-FR" sz="2000" dirty="0" err="1" smtClean="0"/>
+              <a:t>other</a:t>
+            </a:r>
+            <a:r>
+              <a:rPr lang="fr-FR" sz="2000" dirty="0" smtClean="0"/>
+              <a:t> </a:t>
+            </a:r>
+            <a:r>
+              <a:rPr lang="fr-FR" sz="2000" dirty="0" err="1" smtClean="0"/>
+              <a:t>bioinformatic</a:t>
+            </a:r>
+            <a:r>
+              <a:rPr lang="fr-FR" sz="2000" dirty="0" smtClean="0"/>
+              <a:t> </a:t>
+            </a:r>
+            <a:r>
+              <a:rPr lang="fr-FR" sz="2000" dirty="0" err="1" smtClean="0"/>
+              <a:t>tools</a:t>
+            </a:r>
+            <a:endParaRPr lang="fr-FR" sz="2000" dirty="0" smtClean="0"/>
+          </a:p>
+          <a:p>
+            <a:pPr algn="just"/>
+            <a:endParaRPr lang="fr-FR" sz="2000" dirty="0"/>
+          </a:p>
+          <a:p>
+            <a:pPr algn="just"/>
+            <a:r>
+              <a:rPr lang="fr-FR" sz="2000" dirty="0" smtClean="0"/>
+              <a:t>A </a:t>
+            </a:r>
+            <a:r>
+              <a:rPr lang="fr-FR" sz="2000" dirty="0" err="1" smtClean="0"/>
+              <a:t>webpage</a:t>
+            </a:r>
+            <a:r>
+              <a:rPr lang="fr-FR" sz="2000" dirty="0" smtClean="0"/>
+              <a:t> </a:t>
+            </a:r>
+            <a:r>
+              <a:rPr lang="fr-FR" sz="2000" dirty="0" err="1" smtClean="0"/>
+              <a:t>allowing</a:t>
+            </a:r>
+            <a:r>
+              <a:rPr lang="fr-FR" sz="2000" dirty="0" smtClean="0"/>
+              <a:t> the client to </a:t>
+            </a:r>
+            <a:r>
+              <a:rPr lang="fr-FR" sz="2000" dirty="0" err="1" smtClean="0"/>
+              <a:t>modify</a:t>
+            </a:r>
+            <a:r>
+              <a:rPr lang="fr-FR" sz="2000" dirty="0" smtClean="0"/>
+              <a:t> all aspects of a </a:t>
+            </a:r>
+            <a:r>
+              <a:rPr lang="fr-FR" sz="2000" dirty="0" err="1" smtClean="0"/>
+              <a:t>database</a:t>
+            </a:r>
+            <a:endParaRPr lang="fr-FR" sz="2000" dirty="0"/>
+          </a:p>
+          <a:p>
+            <a:pPr algn="just"/>
+            <a:endParaRPr lang="fr-FR" sz="2000" dirty="0"/>
+          </a:p>
+          <a:p>
+            <a:pPr marL="0" indent="0" algn="just">
+              <a:buNone/>
+            </a:pPr>
+            <a:endParaRPr lang="fr-FR" sz="2000" dirty="0"/>
+          </a:p>
+          <a:p>
+            <a:pPr marL="0" indent="0" algn="just">
+              <a:buFont typeface="Arial" panose="020B0604020202020204" pitchFamily="34" charset="0"/>
+              <a:buNone/>
+            </a:pPr>
+            <a:endParaRPr lang="fr-FR" sz="2000" dirty="0"/>
+          </a:p>
+        </p:txBody>
+      </p:sp>
     </p:spTree>
     <p:extLst>
       <p:ext uri="{BB962C8B-B14F-4D97-AF65-F5344CB8AC3E}">
-        <p14:creationId xmlns:p14="http://schemas.microsoft.com/office/powerpoint/2010/main" val="3275783859"/>
+        <p14:creationId xmlns:p14="http://schemas.microsoft.com/office/powerpoint/2010/main" val="2010621348"/>
       </p:ext>
     </p:extLst>
   </p:cSld>

--- a/Slides/Soutenance_Final.pptx
+++ b/Slides/Soutenance_Final.pptx
@@ -4151,21 +4151,21 @@
     </dgm:pt>
   </dgm:ptLst>
   <dgm:cxnLst>
+    <dgm:cxn modelId="{BFE5F03E-99EE-488D-A25F-FA4A305398F3}" type="presOf" srcId="{EEB7DF95-B1E1-4355-BDED-67254F3A40BF}" destId="{156A4B50-5EBB-4BD2-8AF0-C722439DBC8D}" srcOrd="0" destOrd="0" presId="urn:microsoft.com/office/officeart/2005/8/layout/radial1"/>
     <dgm:cxn modelId="{CE2AF7AB-2949-4DCD-9C29-6B60E91D8468}" srcId="{0916D3E2-7950-4B1E-A80A-B1A0DFE4D7BE}" destId="{B8F4B4B5-48BB-4436-A4C8-0772D59377AC}" srcOrd="2" destOrd="0" parTransId="{EEB7DF95-B1E1-4355-BDED-67254F3A40BF}" sibTransId="{07F8EC93-687D-4C25-BBFA-77894EDF7DA2}"/>
+    <dgm:cxn modelId="{2D7DE33D-C3DB-49E5-ADF6-52C214CF1C59}" srcId="{0916D3E2-7950-4B1E-A80A-B1A0DFE4D7BE}" destId="{7F397B27-ED42-4C0B-84EB-F42483A443DB}" srcOrd="1" destOrd="0" parTransId="{DD81B84C-4525-4615-9233-87E402AFBABC}" sibTransId="{97EBF3C2-DAC2-40A4-AE80-264E3F21FCCC}"/>
+    <dgm:cxn modelId="{7470EB8E-365B-4C7B-B345-F3A82F2BDE86}" type="presOf" srcId="{EEB7DF95-B1E1-4355-BDED-67254F3A40BF}" destId="{0FA48441-B5ED-464B-AB5B-44DAB679EE64}" srcOrd="1" destOrd="0" presId="urn:microsoft.com/office/officeart/2005/8/layout/radial1"/>
     <dgm:cxn modelId="{D7CE5B38-4681-488A-875C-5BC6D4608B17}" type="presOf" srcId="{B8F4B4B5-48BB-4436-A4C8-0772D59377AC}" destId="{B8775ABA-3037-409F-B1F5-5479D38AC897}" srcOrd="0" destOrd="0" presId="urn:microsoft.com/office/officeart/2005/8/layout/radial1"/>
+    <dgm:cxn modelId="{A9B36F8A-C74B-47A9-B539-806F6BB77A1A}" srcId="{CC293B1C-4CF8-4FF0-BBC7-4942ED2D7F88}" destId="{0916D3E2-7950-4B1E-A80A-B1A0DFE4D7BE}" srcOrd="0" destOrd="0" parTransId="{78ED7DF1-7D14-4D64-A8E3-CBD6C30B03FB}" sibTransId="{402F8436-663D-4DB8-A22F-0A8F501EB425}"/>
+    <dgm:cxn modelId="{4F76CFC7-AC86-4FD6-BD3B-3B31C6A8EDDA}" type="presOf" srcId="{F26E0BCB-616E-4F5C-9212-B89461307743}" destId="{FB6E935B-AB56-4686-BAF4-89171D311D48}" srcOrd="0" destOrd="0" presId="urn:microsoft.com/office/officeart/2005/8/layout/radial1"/>
+    <dgm:cxn modelId="{53089D63-12EB-40F9-92A2-F39B07E20E6B}" type="presOf" srcId="{0916D3E2-7950-4B1E-A80A-B1A0DFE4D7BE}" destId="{334F0DA9-4D69-40E7-AE37-8BB2E71C3ACD}" srcOrd="0" destOrd="0" presId="urn:microsoft.com/office/officeart/2005/8/layout/radial1"/>
+    <dgm:cxn modelId="{2E6F4476-BF79-4C90-823B-71099E5FD8D3}" type="presOf" srcId="{DD81B84C-4525-4615-9233-87E402AFBABC}" destId="{9CD455AE-EC69-44E0-B929-B59BCD7E9894}" srcOrd="1" destOrd="0" presId="urn:microsoft.com/office/officeart/2005/8/layout/radial1"/>
+    <dgm:cxn modelId="{6037BACF-1495-4D63-973A-E9906686C9EC}" type="presOf" srcId="{9B35DA45-8824-4EE3-89F0-3F4E07F980E3}" destId="{51D4E2D9-6364-4FE7-BE7F-89898165258A}" srcOrd="0" destOrd="0" presId="urn:microsoft.com/office/officeart/2005/8/layout/radial1"/>
+    <dgm:cxn modelId="{4E83842D-6898-45A2-8C76-AC263926CE66}" type="presOf" srcId="{CC293B1C-4CF8-4FF0-BBC7-4942ED2D7F88}" destId="{05AAFE4B-4748-4F9C-AA5B-DEC71FC73E20}" srcOrd="0" destOrd="0" presId="urn:microsoft.com/office/officeart/2005/8/layout/radial1"/>
+    <dgm:cxn modelId="{EE79DC2E-EE32-4B0A-ADFD-E11D61A99647}" type="presOf" srcId="{DD81B84C-4525-4615-9233-87E402AFBABC}" destId="{3134C74D-D45F-4D44-8DA9-5DD9ACC7028A}" srcOrd="0" destOrd="0" presId="urn:microsoft.com/office/officeart/2005/8/layout/radial1"/>
     <dgm:cxn modelId="{08978BA1-AE5A-4DFF-A0C3-92D4A0078A98}" srcId="{0916D3E2-7950-4B1E-A80A-B1A0DFE4D7BE}" destId="{9B35DA45-8824-4EE3-89F0-3F4E07F980E3}" srcOrd="0" destOrd="0" parTransId="{F26E0BCB-616E-4F5C-9212-B89461307743}" sibTransId="{6FFF208B-A136-4388-9736-DE2BA4AFD5AF}"/>
+    <dgm:cxn modelId="{1173F0C1-237A-44C5-81A9-6289AFEB7E80}" type="presOf" srcId="{7F397B27-ED42-4C0B-84EB-F42483A443DB}" destId="{FC75532D-1A75-4D81-A458-80C91B398F9D}" srcOrd="0" destOrd="0" presId="urn:microsoft.com/office/officeart/2005/8/layout/radial1"/>
     <dgm:cxn modelId="{8C318C29-2BA6-4073-9DC3-993B41DBBD97}" type="presOf" srcId="{F26E0BCB-616E-4F5C-9212-B89461307743}" destId="{B26CA117-7877-4BBB-8697-7BAA6B4D1769}" srcOrd="1" destOrd="0" presId="urn:microsoft.com/office/officeart/2005/8/layout/radial1"/>
-    <dgm:cxn modelId="{BFE5F03E-99EE-488D-A25F-FA4A305398F3}" type="presOf" srcId="{EEB7DF95-B1E1-4355-BDED-67254F3A40BF}" destId="{156A4B50-5EBB-4BD2-8AF0-C722439DBC8D}" srcOrd="0" destOrd="0" presId="urn:microsoft.com/office/officeart/2005/8/layout/radial1"/>
-    <dgm:cxn modelId="{4F76CFC7-AC86-4FD6-BD3B-3B31C6A8EDDA}" type="presOf" srcId="{F26E0BCB-616E-4F5C-9212-B89461307743}" destId="{FB6E935B-AB56-4686-BAF4-89171D311D48}" srcOrd="0" destOrd="0" presId="urn:microsoft.com/office/officeart/2005/8/layout/radial1"/>
-    <dgm:cxn modelId="{7470EB8E-365B-4C7B-B345-F3A82F2BDE86}" type="presOf" srcId="{EEB7DF95-B1E1-4355-BDED-67254F3A40BF}" destId="{0FA48441-B5ED-464B-AB5B-44DAB679EE64}" srcOrd="1" destOrd="0" presId="urn:microsoft.com/office/officeart/2005/8/layout/radial1"/>
-    <dgm:cxn modelId="{2E6F4476-BF79-4C90-823B-71099E5FD8D3}" type="presOf" srcId="{DD81B84C-4525-4615-9233-87E402AFBABC}" destId="{9CD455AE-EC69-44E0-B929-B59BCD7E9894}" srcOrd="1" destOrd="0" presId="urn:microsoft.com/office/officeart/2005/8/layout/radial1"/>
-    <dgm:cxn modelId="{2D7DE33D-C3DB-49E5-ADF6-52C214CF1C59}" srcId="{0916D3E2-7950-4B1E-A80A-B1A0DFE4D7BE}" destId="{7F397B27-ED42-4C0B-84EB-F42483A443DB}" srcOrd="1" destOrd="0" parTransId="{DD81B84C-4525-4615-9233-87E402AFBABC}" sibTransId="{97EBF3C2-DAC2-40A4-AE80-264E3F21FCCC}"/>
-    <dgm:cxn modelId="{A9B36F8A-C74B-47A9-B539-806F6BB77A1A}" srcId="{CC293B1C-4CF8-4FF0-BBC7-4942ED2D7F88}" destId="{0916D3E2-7950-4B1E-A80A-B1A0DFE4D7BE}" srcOrd="0" destOrd="0" parTransId="{78ED7DF1-7D14-4D64-A8E3-CBD6C30B03FB}" sibTransId="{402F8436-663D-4DB8-A22F-0A8F501EB425}"/>
-    <dgm:cxn modelId="{4E83842D-6898-45A2-8C76-AC263926CE66}" type="presOf" srcId="{CC293B1C-4CF8-4FF0-BBC7-4942ED2D7F88}" destId="{05AAFE4B-4748-4F9C-AA5B-DEC71FC73E20}" srcOrd="0" destOrd="0" presId="urn:microsoft.com/office/officeart/2005/8/layout/radial1"/>
-    <dgm:cxn modelId="{53089D63-12EB-40F9-92A2-F39B07E20E6B}" type="presOf" srcId="{0916D3E2-7950-4B1E-A80A-B1A0DFE4D7BE}" destId="{334F0DA9-4D69-40E7-AE37-8BB2E71C3ACD}" srcOrd="0" destOrd="0" presId="urn:microsoft.com/office/officeart/2005/8/layout/radial1"/>
-    <dgm:cxn modelId="{EE79DC2E-EE32-4B0A-ADFD-E11D61A99647}" type="presOf" srcId="{DD81B84C-4525-4615-9233-87E402AFBABC}" destId="{3134C74D-D45F-4D44-8DA9-5DD9ACC7028A}" srcOrd="0" destOrd="0" presId="urn:microsoft.com/office/officeart/2005/8/layout/radial1"/>
-    <dgm:cxn modelId="{1173F0C1-237A-44C5-81A9-6289AFEB7E80}" type="presOf" srcId="{7F397B27-ED42-4C0B-84EB-F42483A443DB}" destId="{FC75532D-1A75-4D81-A458-80C91B398F9D}" srcOrd="0" destOrd="0" presId="urn:microsoft.com/office/officeart/2005/8/layout/radial1"/>
-    <dgm:cxn modelId="{6037BACF-1495-4D63-973A-E9906686C9EC}" type="presOf" srcId="{9B35DA45-8824-4EE3-89F0-3F4E07F980E3}" destId="{51D4E2D9-6364-4FE7-BE7F-89898165258A}" srcOrd="0" destOrd="0" presId="urn:microsoft.com/office/officeart/2005/8/layout/radial1"/>
     <dgm:cxn modelId="{772C3BB5-DF35-42DE-A439-0DCB31D63FB8}" type="presParOf" srcId="{05AAFE4B-4748-4F9C-AA5B-DEC71FC73E20}" destId="{334F0DA9-4D69-40E7-AE37-8BB2E71C3ACD}" srcOrd="0" destOrd="0" presId="urn:microsoft.com/office/officeart/2005/8/layout/radial1"/>
     <dgm:cxn modelId="{20FC6565-C496-4E94-8CCE-904149940058}" type="presParOf" srcId="{05AAFE4B-4748-4F9C-AA5B-DEC71FC73E20}" destId="{FB6E935B-AB56-4686-BAF4-89171D311D48}" srcOrd="1" destOrd="0" presId="urn:microsoft.com/office/officeart/2005/8/layout/radial1"/>
     <dgm:cxn modelId="{1BDA0C39-DB3E-4726-AC03-ECA79335B44E}" type="presParOf" srcId="{FB6E935B-AB56-4686-BAF4-89171D311D48}" destId="{B26CA117-7877-4BBB-8697-7BAA6B4D1769}" srcOrd="0" destOrd="0" presId="urn:microsoft.com/office/officeart/2005/8/layout/radial1"/>
@@ -4577,22 +4577,22 @@
     </dgm:pt>
   </dgm:ptLst>
   <dgm:cxnLst>
+    <dgm:cxn modelId="{AFAAAFAD-A0DE-47C1-9249-77B5BDE05E36}" type="presOf" srcId="{81607F9D-ACA8-4EBC-97F3-AE620D537126}" destId="{AECDF339-533B-4319-9DD1-FE0312AA5FE7}" srcOrd="0" destOrd="0" presId="urn:microsoft.com/office/officeart/2005/8/layout/hList7"/>
+    <dgm:cxn modelId="{38CD83C8-6796-4198-B7C8-EFF34EC9AA55}" type="presOf" srcId="{BA786E09-868C-446C-BCAD-1B9A337A2314}" destId="{9B6DBF9B-EFA6-45E8-AAE9-1FBCC2922B5E}" srcOrd="0" destOrd="0" presId="urn:microsoft.com/office/officeart/2005/8/layout/hList7"/>
+    <dgm:cxn modelId="{2E016A71-4A74-45F5-AD15-07D3B1D0466D}" srcId="{95C89F30-E4C0-41F0-9F78-CFBA2BC6B6E7}" destId="{47253CFC-4569-4709-81D3-DEEB42841B34}" srcOrd="2" destOrd="0" parTransId="{790D9CA9-D5EB-4ABB-B3FF-C076CA534420}" sibTransId="{2F25E3F7-E9EB-4C08-9116-69D5C4FD6E2A}"/>
+    <dgm:cxn modelId="{F6F9661A-BC21-475D-819D-50626DE6BCFB}" type="presOf" srcId="{2F25E3F7-E9EB-4C08-9116-69D5C4FD6E2A}" destId="{2845AC54-25A9-480C-BA9C-51BB56258253}" srcOrd="0" destOrd="0" presId="urn:microsoft.com/office/officeart/2005/8/layout/hList7"/>
     <dgm:cxn modelId="{C645A4BB-EDB6-4E76-AB82-9AD72E6BF557}" type="presOf" srcId="{BA786E09-868C-446C-BCAD-1B9A337A2314}" destId="{31F77346-6636-44FE-8237-42E5F75F0855}" srcOrd="1" destOrd="0" presId="urn:microsoft.com/office/officeart/2005/8/layout/hList7"/>
+    <dgm:cxn modelId="{194860A3-1900-4650-B671-CEC4587BA924}" type="presOf" srcId="{94CA40FB-60B0-465C-89DE-37B57251E362}" destId="{6A4D6A8E-A18C-499A-84BC-74FED5388C93}" srcOrd="0" destOrd="0" presId="urn:microsoft.com/office/officeart/2005/8/layout/hList7"/>
     <dgm:cxn modelId="{57921F95-0423-45E7-AE0D-672371E39D53}" type="presOf" srcId="{5EE301F9-AA62-4FDD-BBD4-EB5F68D85FEC}" destId="{6B2B5E85-AAEA-413B-89EF-96FC0B61D0DB}" srcOrd="1" destOrd="0" presId="urn:microsoft.com/office/officeart/2005/8/layout/hList7"/>
-    <dgm:cxn modelId="{F6F9661A-BC21-475D-819D-50626DE6BCFB}" type="presOf" srcId="{2F25E3F7-E9EB-4C08-9116-69D5C4FD6E2A}" destId="{2845AC54-25A9-480C-BA9C-51BB56258253}" srcOrd="0" destOrd="0" presId="urn:microsoft.com/office/officeart/2005/8/layout/hList7"/>
+    <dgm:cxn modelId="{4E004507-C92D-4D0B-9DBB-DB4591A9B903}" srcId="{95C89F30-E4C0-41F0-9F78-CFBA2BC6B6E7}" destId="{BA786E09-868C-446C-BCAD-1B9A337A2314}" srcOrd="3" destOrd="0" parTransId="{59BE49D1-A09D-46A0-A218-5983A849445B}" sibTransId="{870FB8E6-A3E1-4439-9131-142A0512FE32}"/>
+    <dgm:cxn modelId="{1AE06204-B328-4A88-90DE-47487907D919}" type="presOf" srcId="{47253CFC-4569-4709-81D3-DEEB42841B34}" destId="{65C1CC62-47DD-4AE0-BB4E-E1AA4210EAD1}" srcOrd="1" destOrd="0" presId="urn:microsoft.com/office/officeart/2005/8/layout/hList7"/>
+    <dgm:cxn modelId="{F309A241-CAAA-4CAA-89A7-3EF413DFED5F}" type="presOf" srcId="{47253CFC-4569-4709-81D3-DEEB42841B34}" destId="{18E220CA-4E07-4273-9F20-D66E44D1CC15}" srcOrd="0" destOrd="0" presId="urn:microsoft.com/office/officeart/2005/8/layout/hList7"/>
+    <dgm:cxn modelId="{E53B2165-E749-413E-9F1A-C9CC76DA6A5C}" srcId="{95C89F30-E4C0-41F0-9F78-CFBA2BC6B6E7}" destId="{5EE301F9-AA62-4FDD-BBD4-EB5F68D85FEC}" srcOrd="0" destOrd="0" parTransId="{752A3FC9-4F42-4B45-864D-D48201C144BC}" sibTransId="{7A2D0BBB-4796-4683-A258-869CCE2EFDEE}"/>
     <dgm:cxn modelId="{CF0035A1-5E18-4F9A-AAAD-C4F8302A689F}" type="presOf" srcId="{81607F9D-ACA8-4EBC-97F3-AE620D537126}" destId="{FCBD48AD-6356-4016-B622-1476036943D2}" srcOrd="1" destOrd="0" presId="urn:microsoft.com/office/officeart/2005/8/layout/hList7"/>
-    <dgm:cxn modelId="{AFAAAFAD-A0DE-47C1-9249-77B5BDE05E36}" type="presOf" srcId="{81607F9D-ACA8-4EBC-97F3-AE620D537126}" destId="{AECDF339-533B-4319-9DD1-FE0312AA5FE7}" srcOrd="0" destOrd="0" presId="urn:microsoft.com/office/officeart/2005/8/layout/hList7"/>
     <dgm:cxn modelId="{BDD1CA52-8007-48A8-B091-1E74889DEE99}" type="presOf" srcId="{95C89F30-E4C0-41F0-9F78-CFBA2BC6B6E7}" destId="{68497B09-3716-4EBD-AC6B-8AE2BDCC8972}" srcOrd="0" destOrd="0" presId="urn:microsoft.com/office/officeart/2005/8/layout/hList7"/>
-    <dgm:cxn modelId="{E53B2165-E749-413E-9F1A-C9CC76DA6A5C}" srcId="{95C89F30-E4C0-41F0-9F78-CFBA2BC6B6E7}" destId="{5EE301F9-AA62-4FDD-BBD4-EB5F68D85FEC}" srcOrd="0" destOrd="0" parTransId="{752A3FC9-4F42-4B45-864D-D48201C144BC}" sibTransId="{7A2D0BBB-4796-4683-A258-869CCE2EFDEE}"/>
     <dgm:cxn modelId="{B6D21F72-7318-4B23-BC86-23B4E85AD610}" type="presOf" srcId="{5EE301F9-AA62-4FDD-BBD4-EB5F68D85FEC}" destId="{90FFEDE6-D24B-46AA-AC61-5A2CA3E513CC}" srcOrd="0" destOrd="0" presId="urn:microsoft.com/office/officeart/2005/8/layout/hList7"/>
     <dgm:cxn modelId="{C503CDFC-F7CF-4B5B-9CB9-D0B888450B80}" srcId="{95C89F30-E4C0-41F0-9F78-CFBA2BC6B6E7}" destId="{81607F9D-ACA8-4EBC-97F3-AE620D537126}" srcOrd="1" destOrd="0" parTransId="{5614C387-4578-47E1-B8ED-4C19C139B6D6}" sibTransId="{94CA40FB-60B0-465C-89DE-37B57251E362}"/>
-    <dgm:cxn modelId="{2E016A71-4A74-45F5-AD15-07D3B1D0466D}" srcId="{95C89F30-E4C0-41F0-9F78-CFBA2BC6B6E7}" destId="{47253CFC-4569-4709-81D3-DEEB42841B34}" srcOrd="2" destOrd="0" parTransId="{790D9CA9-D5EB-4ABB-B3FF-C076CA534420}" sibTransId="{2F25E3F7-E9EB-4C08-9116-69D5C4FD6E2A}"/>
-    <dgm:cxn modelId="{1AE06204-B328-4A88-90DE-47487907D919}" type="presOf" srcId="{47253CFC-4569-4709-81D3-DEEB42841B34}" destId="{65C1CC62-47DD-4AE0-BB4E-E1AA4210EAD1}" srcOrd="1" destOrd="0" presId="urn:microsoft.com/office/officeart/2005/8/layout/hList7"/>
     <dgm:cxn modelId="{2EC55B3D-BFE3-4C06-B5CF-4DA8F00E7DD6}" type="presOf" srcId="{7A2D0BBB-4796-4683-A258-869CCE2EFDEE}" destId="{46B8E31D-92A9-4F7C-AC64-291B22E56C19}" srcOrd="0" destOrd="0" presId="urn:microsoft.com/office/officeart/2005/8/layout/hList7"/>
-    <dgm:cxn modelId="{194860A3-1900-4650-B671-CEC4587BA924}" type="presOf" srcId="{94CA40FB-60B0-465C-89DE-37B57251E362}" destId="{6A4D6A8E-A18C-499A-84BC-74FED5388C93}" srcOrd="0" destOrd="0" presId="urn:microsoft.com/office/officeart/2005/8/layout/hList7"/>
-    <dgm:cxn modelId="{F309A241-CAAA-4CAA-89A7-3EF413DFED5F}" type="presOf" srcId="{47253CFC-4569-4709-81D3-DEEB42841B34}" destId="{18E220CA-4E07-4273-9F20-D66E44D1CC15}" srcOrd="0" destOrd="0" presId="urn:microsoft.com/office/officeart/2005/8/layout/hList7"/>
-    <dgm:cxn modelId="{4E004507-C92D-4D0B-9DBB-DB4591A9B903}" srcId="{95C89F30-E4C0-41F0-9F78-CFBA2BC6B6E7}" destId="{BA786E09-868C-446C-BCAD-1B9A337A2314}" srcOrd="3" destOrd="0" parTransId="{59BE49D1-A09D-46A0-A218-5983A849445B}" sibTransId="{870FB8E6-A3E1-4439-9131-142A0512FE32}"/>
-    <dgm:cxn modelId="{38CD83C8-6796-4198-B7C8-EFF34EC9AA55}" type="presOf" srcId="{BA786E09-868C-446C-BCAD-1B9A337A2314}" destId="{9B6DBF9B-EFA6-45E8-AAE9-1FBCC2922B5E}" srcOrd="0" destOrd="0" presId="urn:microsoft.com/office/officeart/2005/8/layout/hList7"/>
     <dgm:cxn modelId="{4D0448AB-072A-4D18-810D-2383F44A3112}" type="presParOf" srcId="{68497B09-3716-4EBD-AC6B-8AE2BDCC8972}" destId="{5C007895-D27B-4555-8633-C9BBD58A106D}" srcOrd="0" destOrd="0" presId="urn:microsoft.com/office/officeart/2005/8/layout/hList7"/>
     <dgm:cxn modelId="{EB40CABA-D7D8-449B-A3EF-706C96A2B35D}" type="presParOf" srcId="{68497B09-3716-4EBD-AC6B-8AE2BDCC8972}" destId="{851E5CC9-679F-4CF6-B00F-A025B4DEF2B3}" srcOrd="1" destOrd="0" presId="urn:microsoft.com/office/officeart/2005/8/layout/hList7"/>
     <dgm:cxn modelId="{E6D0BBE2-1389-41E3-A561-EB44452418BA}" type="presParOf" srcId="{851E5CC9-679F-4CF6-B00F-A025B4DEF2B3}" destId="{02F5FF00-4C9F-4B29-8EE7-22E5EFD6E9BE}" srcOrd="0" destOrd="0" presId="urn:microsoft.com/office/officeart/2005/8/layout/hList7"/>
@@ -9163,7 +9163,7 @@
           <a:p>
             <a:fld id="{EC83963A-FCD1-4BA3-8F52-F2285ACE2A6A}" type="datetimeFigureOut">
               <a:rPr lang="fr-FR" smtClean="0"/>
-              <a:t>01/02/2020</a:t>
+              <a:t>03/02/2020</a:t>
             </a:fld>
             <a:endParaRPr lang="fr-FR"/>
           </a:p>
@@ -9328,7 +9328,7 @@
           <a:p>
             <a:fld id="{12D3AF9D-FD63-43BA-9EB6-902B12D2DD5D}" type="datetimeFigureOut">
               <a:rPr lang="fr-FR" smtClean="0"/>
-              <a:t>01/02/2020</a:t>
+              <a:t>03/02/2020</a:t>
             </a:fld>
             <a:endParaRPr lang="fr-FR"/>
           </a:p>
@@ -12336,7 +12336,6 @@
               <a:rPr lang="fr-FR" sz="2000" dirty="0" smtClean="0"/>
               <a:t> analyses</a:t>
             </a:r>
-            <a:endParaRPr lang="fr-FR" sz="2000" dirty="0" smtClean="0"/>
           </a:p>
           <a:p>
             <a:pPr algn="just"/>
@@ -12839,7 +12838,6 @@
               <a:rPr lang="fr-FR" sz="2000" dirty="0" smtClean="0"/>
               <a:t> for MA plots</a:t>
             </a:r>
-            <a:endParaRPr lang="fr-FR" sz="2000" dirty="0" smtClean="0"/>
           </a:p>
           <a:p>
             <a:pPr marL="0" indent="0" algn="just">
@@ -13496,6 +13494,770 @@
               <a:t>16</a:t>
             </a:fld>
             <a:endParaRPr lang="fr-FR" dirty="0"/>
+          </a:p>
+        </p:txBody>
+      </p:sp>
+      <p:pic>
+        <p:nvPicPr>
+          <p:cNvPr id="5" name="Picture 4"/>
+          <p:cNvPicPr>
+            <a:picLocks noChangeAspect="1"/>
+          </p:cNvPicPr>
+          <p:nvPr/>
+        </p:nvPicPr>
+        <p:blipFill>
+          <a:blip r:embed="rId2" cstate="print">
+            <a:extLst>
+              <a:ext uri="{28A0092B-C50C-407E-A947-70E740481C1C}">
+                <a14:useLocalDpi xmlns:a14="http://schemas.microsoft.com/office/drawing/2010/main" val="0"/>
+              </a:ext>
+            </a:extLst>
+          </a:blip>
+          <a:stretch>
+            <a:fillRect/>
+          </a:stretch>
+        </p:blipFill>
+        <p:spPr>
+          <a:xfrm>
+            <a:off x="-108191" y="1868647"/>
+            <a:ext cx="1513167" cy="1008778"/>
+          </a:xfrm>
+          <a:prstGeom prst="rect">
+            <a:avLst/>
+          </a:prstGeom>
+        </p:spPr>
+      </p:pic>
+      <p:pic>
+        <p:nvPicPr>
+          <p:cNvPr id="7" name="Picture 6"/>
+          <p:cNvPicPr>
+            <a:picLocks noChangeAspect="1"/>
+          </p:cNvPicPr>
+          <p:nvPr/>
+        </p:nvPicPr>
+        <p:blipFill>
+          <a:blip r:embed="rId3" cstate="print">
+            <a:extLst>
+              <a:ext uri="{28A0092B-C50C-407E-A947-70E740481C1C}">
+                <a14:useLocalDpi xmlns:a14="http://schemas.microsoft.com/office/drawing/2010/main" val="0"/>
+              </a:ext>
+            </a:extLst>
+          </a:blip>
+          <a:stretch>
+            <a:fillRect/>
+          </a:stretch>
+        </p:blipFill>
+        <p:spPr>
+          <a:xfrm>
+            <a:off x="1286311" y="1918981"/>
+            <a:ext cx="1023457" cy="1023457"/>
+          </a:xfrm>
+          <a:prstGeom prst="rect">
+            <a:avLst/>
+          </a:prstGeom>
+        </p:spPr>
+      </p:pic>
+      <p:sp>
+        <p:nvSpPr>
+          <p:cNvPr id="8" name="Rectangle 7"/>
+          <p:cNvSpPr/>
+          <p:nvPr/>
+        </p:nvSpPr>
+        <p:spPr>
+          <a:xfrm>
+            <a:off x="847287" y="3624044"/>
+            <a:ext cx="1157681" cy="427839"/>
+          </a:xfrm>
+          <a:prstGeom prst="rect">
+            <a:avLst/>
+          </a:prstGeom>
+          <a:noFill/>
+          <a:ln>
+            <a:solidFill>
+              <a:schemeClr val="tx1"/>
+            </a:solidFill>
+          </a:ln>
+        </p:spPr>
+        <p:style>
+          <a:lnRef idx="2">
+            <a:schemeClr val="accent1">
+              <a:shade val="50000"/>
+            </a:schemeClr>
+          </a:lnRef>
+          <a:fillRef idx="1">
+            <a:schemeClr val="accent1"/>
+          </a:fillRef>
+          <a:effectRef idx="0">
+            <a:schemeClr val="accent1"/>
+          </a:effectRef>
+          <a:fontRef idx="minor">
+            <a:schemeClr val="lt1"/>
+          </a:fontRef>
+        </p:style>
+        <p:txBody>
+          <a:bodyPr rtlCol="0" anchor="ctr"/>
+          <a:lstStyle/>
+          <a:p>
+            <a:pPr algn="ctr"/>
+            <a:r>
+              <a:rPr lang="en-CA" dirty="0" smtClean="0">
+                <a:solidFill>
+                  <a:schemeClr val="tx1"/>
+                </a:solidFill>
+              </a:rPr>
+              <a:t>DESeq2</a:t>
+            </a:r>
+            <a:endParaRPr lang="en-CA" dirty="0">
+              <a:solidFill>
+                <a:schemeClr val="tx1"/>
+              </a:solidFill>
+            </a:endParaRPr>
+          </a:p>
+        </p:txBody>
+      </p:sp>
+      <p:sp>
+        <p:nvSpPr>
+          <p:cNvPr id="9" name="Rectangle 8"/>
+          <p:cNvSpPr/>
+          <p:nvPr/>
+        </p:nvSpPr>
+        <p:spPr>
+          <a:xfrm>
+            <a:off x="2328474" y="2759979"/>
+            <a:ext cx="2017022" cy="566256"/>
+          </a:xfrm>
+          <a:prstGeom prst="rect">
+            <a:avLst/>
+          </a:prstGeom>
+          <a:noFill/>
+          <a:ln>
+            <a:solidFill>
+              <a:schemeClr val="tx1"/>
+            </a:solidFill>
+          </a:ln>
+        </p:spPr>
+        <p:style>
+          <a:lnRef idx="2">
+            <a:schemeClr val="accent1">
+              <a:shade val="50000"/>
+            </a:schemeClr>
+          </a:lnRef>
+          <a:fillRef idx="1">
+            <a:schemeClr val="accent1"/>
+          </a:fillRef>
+          <a:effectRef idx="0">
+            <a:schemeClr val="accent1"/>
+          </a:effectRef>
+          <a:fontRef idx="minor">
+            <a:schemeClr val="lt1"/>
+          </a:fontRef>
+        </p:style>
+        <p:txBody>
+          <a:bodyPr rtlCol="0" anchor="ctr"/>
+          <a:lstStyle/>
+          <a:p>
+            <a:pPr algn="ctr"/>
+            <a:r>
+              <a:rPr lang="en-CA" dirty="0" smtClean="0">
+                <a:solidFill>
+                  <a:schemeClr val="tx1"/>
+                </a:solidFill>
+              </a:rPr>
+              <a:t>Differential gene expressions</a:t>
+            </a:r>
+            <a:endParaRPr lang="en-CA" dirty="0">
+              <a:solidFill>
+                <a:schemeClr val="tx1"/>
+              </a:solidFill>
+            </a:endParaRPr>
+          </a:p>
+        </p:txBody>
+      </p:sp>
+      <p:sp>
+        <p:nvSpPr>
+          <p:cNvPr id="10" name="Rectangle 9"/>
+          <p:cNvSpPr/>
+          <p:nvPr/>
+        </p:nvSpPr>
+        <p:spPr>
+          <a:xfrm>
+            <a:off x="2328475" y="3514986"/>
+            <a:ext cx="2327416" cy="822121"/>
+          </a:xfrm>
+          <a:prstGeom prst="rect">
+            <a:avLst/>
+          </a:prstGeom>
+          <a:noFill/>
+          <a:ln>
+            <a:solidFill>
+              <a:schemeClr val="tx1"/>
+            </a:solidFill>
+          </a:ln>
+        </p:spPr>
+        <p:style>
+          <a:lnRef idx="2">
+            <a:schemeClr val="accent1">
+              <a:shade val="50000"/>
+            </a:schemeClr>
+          </a:lnRef>
+          <a:fillRef idx="1">
+            <a:schemeClr val="accent1"/>
+          </a:fillRef>
+          <a:effectRef idx="0">
+            <a:schemeClr val="accent1"/>
+          </a:effectRef>
+          <a:fontRef idx="minor">
+            <a:schemeClr val="lt1"/>
+          </a:fontRef>
+        </p:style>
+        <p:txBody>
+          <a:bodyPr rtlCol="0" anchor="ctr"/>
+          <a:lstStyle/>
+          <a:p>
+            <a:pPr algn="ctr"/>
+            <a:r>
+              <a:rPr lang="en-CA" dirty="0" smtClean="0">
+                <a:solidFill>
+                  <a:schemeClr val="tx1"/>
+                </a:solidFill>
+              </a:rPr>
+              <a:t>Differential expressions for significant genes</a:t>
+            </a:r>
+            <a:endParaRPr lang="en-CA" dirty="0">
+              <a:solidFill>
+                <a:schemeClr val="tx1"/>
+              </a:solidFill>
+            </a:endParaRPr>
+          </a:p>
+        </p:txBody>
+      </p:sp>
+      <p:sp>
+        <p:nvSpPr>
+          <p:cNvPr id="11" name="Rectangle 10"/>
+          <p:cNvSpPr/>
+          <p:nvPr/>
+        </p:nvSpPr>
+        <p:spPr>
+          <a:xfrm>
+            <a:off x="2328474" y="4714610"/>
+            <a:ext cx="1157681" cy="528507"/>
+          </a:xfrm>
+          <a:prstGeom prst="rect">
+            <a:avLst/>
+          </a:prstGeom>
+          <a:noFill/>
+          <a:ln>
+            <a:solidFill>
+              <a:schemeClr val="tx1"/>
+            </a:solidFill>
+          </a:ln>
+        </p:spPr>
+        <p:style>
+          <a:lnRef idx="2">
+            <a:schemeClr val="accent1">
+              <a:shade val="50000"/>
+            </a:schemeClr>
+          </a:lnRef>
+          <a:fillRef idx="1">
+            <a:schemeClr val="accent1"/>
+          </a:fillRef>
+          <a:effectRef idx="0">
+            <a:schemeClr val="accent1"/>
+          </a:effectRef>
+          <a:fontRef idx="minor">
+            <a:schemeClr val="lt1"/>
+          </a:fontRef>
+        </p:style>
+        <p:txBody>
+          <a:bodyPr rtlCol="0" anchor="ctr"/>
+          <a:lstStyle/>
+          <a:p>
+            <a:pPr algn="ctr"/>
+            <a:r>
+              <a:rPr lang="en-CA" dirty="0" smtClean="0">
+                <a:solidFill>
+                  <a:schemeClr val="tx1"/>
+                </a:solidFill>
+              </a:rPr>
+              <a:t>Significant gene list</a:t>
+            </a:r>
+            <a:endParaRPr lang="en-CA" dirty="0">
+              <a:solidFill>
+                <a:schemeClr val="tx1"/>
+              </a:solidFill>
+            </a:endParaRPr>
+          </a:p>
+        </p:txBody>
+      </p:sp>
+      <p:sp>
+        <p:nvSpPr>
+          <p:cNvPr id="12" name="Rectangle 11"/>
+          <p:cNvSpPr/>
+          <p:nvPr/>
+        </p:nvSpPr>
+        <p:spPr>
+          <a:xfrm>
+            <a:off x="5083728" y="2116124"/>
+            <a:ext cx="2017022" cy="566256"/>
+          </a:xfrm>
+          <a:prstGeom prst="rect">
+            <a:avLst/>
+          </a:prstGeom>
+          <a:noFill/>
+          <a:ln>
+            <a:solidFill>
+              <a:schemeClr val="tx1"/>
+            </a:solidFill>
+          </a:ln>
+        </p:spPr>
+        <p:style>
+          <a:lnRef idx="2">
+            <a:schemeClr val="accent1">
+              <a:shade val="50000"/>
+            </a:schemeClr>
+          </a:lnRef>
+          <a:fillRef idx="1">
+            <a:schemeClr val="accent1"/>
+          </a:fillRef>
+          <a:effectRef idx="0">
+            <a:schemeClr val="accent1"/>
+          </a:effectRef>
+          <a:fontRef idx="minor">
+            <a:schemeClr val="lt1"/>
+          </a:fontRef>
+        </p:style>
+        <p:txBody>
+          <a:bodyPr rtlCol="0" anchor="ctr"/>
+          <a:lstStyle/>
+          <a:p>
+            <a:pPr algn="ctr"/>
+            <a:r>
+              <a:rPr lang="en-CA" dirty="0" smtClean="0">
+                <a:solidFill>
+                  <a:schemeClr val="tx1"/>
+                </a:solidFill>
+              </a:rPr>
+              <a:t>Custom MA plot</a:t>
+            </a:r>
+            <a:endParaRPr lang="en-CA" dirty="0">
+              <a:solidFill>
+                <a:schemeClr val="tx1"/>
+              </a:solidFill>
+            </a:endParaRPr>
+          </a:p>
+        </p:txBody>
+      </p:sp>
+      <p:sp>
+        <p:nvSpPr>
+          <p:cNvPr id="13" name="Rectangle 12"/>
+          <p:cNvSpPr/>
+          <p:nvPr/>
+        </p:nvSpPr>
+        <p:spPr>
+          <a:xfrm>
+            <a:off x="5083728" y="2877425"/>
+            <a:ext cx="2017022" cy="566256"/>
+          </a:xfrm>
+          <a:prstGeom prst="rect">
+            <a:avLst/>
+          </a:prstGeom>
+          <a:noFill/>
+          <a:ln>
+            <a:solidFill>
+              <a:schemeClr val="tx1"/>
+            </a:solidFill>
+          </a:ln>
+        </p:spPr>
+        <p:style>
+          <a:lnRef idx="2">
+            <a:schemeClr val="accent1">
+              <a:shade val="50000"/>
+            </a:schemeClr>
+          </a:lnRef>
+          <a:fillRef idx="1">
+            <a:schemeClr val="accent1"/>
+          </a:fillRef>
+          <a:effectRef idx="0">
+            <a:schemeClr val="accent1"/>
+          </a:effectRef>
+          <a:fontRef idx="minor">
+            <a:schemeClr val="lt1"/>
+          </a:fontRef>
+        </p:style>
+        <p:txBody>
+          <a:bodyPr rtlCol="0" anchor="ctr"/>
+          <a:lstStyle/>
+          <a:p>
+            <a:pPr algn="ctr"/>
+            <a:r>
+              <a:rPr lang="en-CA" dirty="0" smtClean="0">
+                <a:solidFill>
+                  <a:schemeClr val="tx1"/>
+                </a:solidFill>
+              </a:rPr>
+              <a:t>Custom Volcano plot</a:t>
+            </a:r>
+            <a:endParaRPr lang="en-CA" dirty="0">
+              <a:solidFill>
+                <a:schemeClr val="tx1"/>
+              </a:solidFill>
+            </a:endParaRPr>
+          </a:p>
+        </p:txBody>
+      </p:sp>
+      <p:sp>
+        <p:nvSpPr>
+          <p:cNvPr id="14" name="Rectangle 13"/>
+          <p:cNvSpPr/>
+          <p:nvPr/>
+        </p:nvSpPr>
+        <p:spPr>
+          <a:xfrm>
+            <a:off x="5083728" y="3645019"/>
+            <a:ext cx="2017022" cy="566256"/>
+          </a:xfrm>
+          <a:prstGeom prst="rect">
+            <a:avLst/>
+          </a:prstGeom>
+          <a:noFill/>
+          <a:ln>
+            <a:solidFill>
+              <a:schemeClr val="tx1"/>
+            </a:solidFill>
+          </a:ln>
+        </p:spPr>
+        <p:style>
+          <a:lnRef idx="2">
+            <a:schemeClr val="accent1">
+              <a:shade val="50000"/>
+            </a:schemeClr>
+          </a:lnRef>
+          <a:fillRef idx="1">
+            <a:schemeClr val="accent1"/>
+          </a:fillRef>
+          <a:effectRef idx="0">
+            <a:schemeClr val="accent1"/>
+          </a:effectRef>
+          <a:fontRef idx="minor">
+            <a:schemeClr val="lt1"/>
+          </a:fontRef>
+        </p:style>
+        <p:txBody>
+          <a:bodyPr rtlCol="0" anchor="ctr"/>
+          <a:lstStyle/>
+          <a:p>
+            <a:pPr algn="ctr"/>
+            <a:r>
+              <a:rPr lang="en-CA" dirty="0" smtClean="0">
+                <a:solidFill>
+                  <a:schemeClr val="tx1"/>
+                </a:solidFill>
+              </a:rPr>
+              <a:t>Non-canonic analysis</a:t>
+            </a:r>
+            <a:endParaRPr lang="en-CA" dirty="0">
+              <a:solidFill>
+                <a:schemeClr val="tx1"/>
+              </a:solidFill>
+            </a:endParaRPr>
+          </a:p>
+        </p:txBody>
+      </p:sp>
+      <p:sp>
+        <p:nvSpPr>
+          <p:cNvPr id="15" name="Rectangle 14"/>
+          <p:cNvSpPr/>
+          <p:nvPr/>
+        </p:nvSpPr>
+        <p:spPr>
+          <a:xfrm>
+            <a:off x="9692079" y="2877425"/>
+            <a:ext cx="2017022" cy="566256"/>
+          </a:xfrm>
+          <a:prstGeom prst="rect">
+            <a:avLst/>
+          </a:prstGeom>
+          <a:noFill/>
+          <a:ln>
+            <a:solidFill>
+              <a:schemeClr val="tx1"/>
+            </a:solidFill>
+          </a:ln>
+        </p:spPr>
+        <p:style>
+          <a:lnRef idx="2">
+            <a:schemeClr val="accent1">
+              <a:shade val="50000"/>
+            </a:schemeClr>
+          </a:lnRef>
+          <a:fillRef idx="1">
+            <a:schemeClr val="accent1"/>
+          </a:fillRef>
+          <a:effectRef idx="0">
+            <a:schemeClr val="accent1"/>
+          </a:effectRef>
+          <a:fontRef idx="minor">
+            <a:schemeClr val="lt1"/>
+          </a:fontRef>
+        </p:style>
+        <p:txBody>
+          <a:bodyPr rtlCol="0" anchor="ctr"/>
+          <a:lstStyle/>
+          <a:p>
+            <a:pPr algn="ctr"/>
+            <a:r>
+              <a:rPr lang="en-CA" dirty="0" smtClean="0">
+                <a:solidFill>
+                  <a:schemeClr val="tx1"/>
+                </a:solidFill>
+              </a:rPr>
+              <a:t>MERAV</a:t>
+            </a:r>
+            <a:endParaRPr lang="en-CA" dirty="0">
+              <a:solidFill>
+                <a:schemeClr val="tx1"/>
+              </a:solidFill>
+            </a:endParaRPr>
+          </a:p>
+        </p:txBody>
+      </p:sp>
+      <p:sp>
+        <p:nvSpPr>
+          <p:cNvPr id="16" name="Rectangle 15"/>
+          <p:cNvSpPr/>
+          <p:nvPr/>
+        </p:nvSpPr>
+        <p:spPr>
+          <a:xfrm>
+            <a:off x="9692079" y="4525865"/>
+            <a:ext cx="2017022" cy="566256"/>
+          </a:xfrm>
+          <a:prstGeom prst="rect">
+            <a:avLst/>
+          </a:prstGeom>
+          <a:noFill/>
+          <a:ln>
+            <a:solidFill>
+              <a:schemeClr val="tx1"/>
+            </a:solidFill>
+          </a:ln>
+        </p:spPr>
+        <p:style>
+          <a:lnRef idx="2">
+            <a:schemeClr val="accent1">
+              <a:shade val="50000"/>
+            </a:schemeClr>
+          </a:lnRef>
+          <a:fillRef idx="1">
+            <a:schemeClr val="accent1"/>
+          </a:fillRef>
+          <a:effectRef idx="0">
+            <a:schemeClr val="accent1"/>
+          </a:effectRef>
+          <a:fontRef idx="minor">
+            <a:schemeClr val="lt1"/>
+          </a:fontRef>
+        </p:style>
+        <p:txBody>
+          <a:bodyPr rtlCol="0" anchor="ctr"/>
+          <a:lstStyle/>
+          <a:p>
+            <a:pPr algn="ctr"/>
+            <a:r>
+              <a:rPr lang="en-CA" dirty="0" smtClean="0">
+                <a:solidFill>
+                  <a:schemeClr val="tx1"/>
+                </a:solidFill>
+              </a:rPr>
+              <a:t>KEGG Mapper</a:t>
+            </a:r>
+            <a:endParaRPr lang="en-CA" dirty="0">
+              <a:solidFill>
+                <a:schemeClr val="tx1"/>
+              </a:solidFill>
+            </a:endParaRPr>
+          </a:p>
+        </p:txBody>
+      </p:sp>
+      <p:sp>
+        <p:nvSpPr>
+          <p:cNvPr id="17" name="Rectangle 16"/>
+          <p:cNvSpPr/>
+          <p:nvPr/>
+        </p:nvSpPr>
+        <p:spPr>
+          <a:xfrm>
+            <a:off x="7375320" y="2877425"/>
+            <a:ext cx="2017022" cy="566256"/>
+          </a:xfrm>
+          <a:prstGeom prst="rect">
+            <a:avLst/>
+          </a:prstGeom>
+          <a:noFill/>
+          <a:ln>
+            <a:solidFill>
+              <a:schemeClr val="tx1"/>
+            </a:solidFill>
+          </a:ln>
+        </p:spPr>
+        <p:style>
+          <a:lnRef idx="2">
+            <a:schemeClr val="accent1">
+              <a:shade val="50000"/>
+            </a:schemeClr>
+          </a:lnRef>
+          <a:fillRef idx="1">
+            <a:schemeClr val="accent1"/>
+          </a:fillRef>
+          <a:effectRef idx="0">
+            <a:schemeClr val="accent1"/>
+          </a:effectRef>
+          <a:fontRef idx="minor">
+            <a:schemeClr val="lt1"/>
+          </a:fontRef>
+        </p:style>
+        <p:txBody>
+          <a:bodyPr rtlCol="0" anchor="ctr"/>
+          <a:lstStyle/>
+          <a:p>
+            <a:pPr algn="ctr"/>
+            <a:r>
+              <a:rPr lang="en-CA" dirty="0" smtClean="0">
+                <a:solidFill>
+                  <a:schemeClr val="tx1"/>
+                </a:solidFill>
+              </a:rPr>
+              <a:t>Custom significant gene list</a:t>
+            </a:r>
+            <a:endParaRPr lang="en-CA" dirty="0">
+              <a:solidFill>
+                <a:schemeClr val="tx1"/>
+              </a:solidFill>
+            </a:endParaRPr>
+          </a:p>
+        </p:txBody>
+      </p:sp>
+      <p:sp>
+        <p:nvSpPr>
+          <p:cNvPr id="18" name="Rectangle 17"/>
+          <p:cNvSpPr/>
+          <p:nvPr/>
+        </p:nvSpPr>
+        <p:spPr>
+          <a:xfrm>
+            <a:off x="7375320" y="3701645"/>
+            <a:ext cx="2017022" cy="566256"/>
+          </a:xfrm>
+          <a:prstGeom prst="rect">
+            <a:avLst/>
+          </a:prstGeom>
+          <a:noFill/>
+          <a:ln>
+            <a:solidFill>
+              <a:schemeClr val="tx1"/>
+            </a:solidFill>
+          </a:ln>
+        </p:spPr>
+        <p:style>
+          <a:lnRef idx="2">
+            <a:schemeClr val="accent1">
+              <a:shade val="50000"/>
+            </a:schemeClr>
+          </a:lnRef>
+          <a:fillRef idx="1">
+            <a:schemeClr val="accent1"/>
+          </a:fillRef>
+          <a:effectRef idx="0">
+            <a:schemeClr val="accent1"/>
+          </a:effectRef>
+          <a:fontRef idx="minor">
+            <a:schemeClr val="lt1"/>
+          </a:fontRef>
+        </p:style>
+        <p:txBody>
+          <a:bodyPr rtlCol="0" anchor="ctr"/>
+          <a:lstStyle/>
+          <a:p>
+            <a:pPr algn="ctr"/>
+            <a:r>
+              <a:rPr lang="en-CA" dirty="0" smtClean="0">
+                <a:solidFill>
+                  <a:schemeClr val="tx1"/>
+                </a:solidFill>
+              </a:rPr>
+              <a:t>Non-canonic results</a:t>
+            </a:r>
+            <a:endParaRPr lang="en-CA" dirty="0">
+              <a:solidFill>
+                <a:schemeClr val="tx1"/>
+              </a:solidFill>
+            </a:endParaRPr>
+          </a:p>
+        </p:txBody>
+      </p:sp>
+      <p:sp>
+        <p:nvSpPr>
+          <p:cNvPr id="19" name="Rectangle 18"/>
+          <p:cNvSpPr/>
+          <p:nvPr/>
+        </p:nvSpPr>
+        <p:spPr>
+          <a:xfrm>
+            <a:off x="7375320" y="4525865"/>
+            <a:ext cx="2017022" cy="566256"/>
+          </a:xfrm>
+          <a:prstGeom prst="rect">
+            <a:avLst/>
+          </a:prstGeom>
+          <a:noFill/>
+          <a:ln>
+            <a:solidFill>
+              <a:schemeClr val="tx1"/>
+            </a:solidFill>
+          </a:ln>
+        </p:spPr>
+        <p:style>
+          <a:lnRef idx="2">
+            <a:schemeClr val="accent1">
+              <a:shade val="50000"/>
+            </a:schemeClr>
+          </a:lnRef>
+          <a:fillRef idx="1">
+            <a:schemeClr val="accent1"/>
+          </a:fillRef>
+          <a:effectRef idx="0">
+            <a:schemeClr val="accent1"/>
+          </a:effectRef>
+          <a:fontRef idx="minor">
+            <a:schemeClr val="lt1"/>
+          </a:fontRef>
+        </p:style>
+        <p:txBody>
+          <a:bodyPr rtlCol="0" anchor="ctr"/>
+          <a:lstStyle/>
+          <a:p>
+            <a:pPr algn="ctr"/>
+            <a:r>
+              <a:rPr lang="en-CA" dirty="0" err="1" smtClean="0">
+                <a:solidFill>
+                  <a:schemeClr val="tx1"/>
+                </a:solidFill>
+              </a:rPr>
+              <a:t>hsa</a:t>
+            </a:r>
+            <a:r>
+              <a:rPr lang="en-CA" dirty="0" smtClean="0">
+                <a:solidFill>
+                  <a:schemeClr val="tx1"/>
+                </a:solidFill>
+              </a:rPr>
+              <a:t> conversions</a:t>
+            </a:r>
+            <a:endParaRPr lang="en-CA" dirty="0">
+              <a:solidFill>
+                <a:schemeClr val="tx1"/>
+              </a:solidFill>
+            </a:endParaRPr>
           </a:p>
         </p:txBody>
       </p:sp>

--- a/Slides/Soutenance_Final.pptx
+++ b/Slides/Soutenance_Final.pptx
@@ -22,12 +22,12 @@
     <p:sldId id="290" r:id="rId10"/>
     <p:sldId id="291" r:id="rId11"/>
     <p:sldId id="292" r:id="rId12"/>
-    <p:sldId id="294" r:id="rId13"/>
-    <p:sldId id="295" r:id="rId14"/>
-    <p:sldId id="297" r:id="rId15"/>
-    <p:sldId id="296" r:id="rId16"/>
-    <p:sldId id="298" r:id="rId17"/>
-    <p:sldId id="293" r:id="rId18"/>
+    <p:sldId id="293" r:id="rId13"/>
+    <p:sldId id="294" r:id="rId14"/>
+    <p:sldId id="295" r:id="rId15"/>
+    <p:sldId id="297" r:id="rId16"/>
+    <p:sldId id="296" r:id="rId17"/>
+    <p:sldId id="298" r:id="rId18"/>
     <p:sldId id="278" r:id="rId19"/>
     <p:sldId id="279" r:id="rId20"/>
     <p:sldId id="280" r:id="rId21"/>
@@ -4151,21 +4151,21 @@
     </dgm:pt>
   </dgm:ptLst>
   <dgm:cxnLst>
+    <dgm:cxn modelId="{CE2AF7AB-2949-4DCD-9C29-6B60E91D8468}" srcId="{0916D3E2-7950-4B1E-A80A-B1A0DFE4D7BE}" destId="{B8F4B4B5-48BB-4436-A4C8-0772D59377AC}" srcOrd="2" destOrd="0" parTransId="{EEB7DF95-B1E1-4355-BDED-67254F3A40BF}" sibTransId="{07F8EC93-687D-4C25-BBFA-77894EDF7DA2}"/>
+    <dgm:cxn modelId="{D7CE5B38-4681-488A-875C-5BC6D4608B17}" type="presOf" srcId="{B8F4B4B5-48BB-4436-A4C8-0772D59377AC}" destId="{B8775ABA-3037-409F-B1F5-5479D38AC897}" srcOrd="0" destOrd="0" presId="urn:microsoft.com/office/officeart/2005/8/layout/radial1"/>
+    <dgm:cxn modelId="{08978BA1-AE5A-4DFF-A0C3-92D4A0078A98}" srcId="{0916D3E2-7950-4B1E-A80A-B1A0DFE4D7BE}" destId="{9B35DA45-8824-4EE3-89F0-3F4E07F980E3}" srcOrd="0" destOrd="0" parTransId="{F26E0BCB-616E-4F5C-9212-B89461307743}" sibTransId="{6FFF208B-A136-4388-9736-DE2BA4AFD5AF}"/>
+    <dgm:cxn modelId="{8C318C29-2BA6-4073-9DC3-993B41DBBD97}" type="presOf" srcId="{F26E0BCB-616E-4F5C-9212-B89461307743}" destId="{B26CA117-7877-4BBB-8697-7BAA6B4D1769}" srcOrd="1" destOrd="0" presId="urn:microsoft.com/office/officeart/2005/8/layout/radial1"/>
     <dgm:cxn modelId="{BFE5F03E-99EE-488D-A25F-FA4A305398F3}" type="presOf" srcId="{EEB7DF95-B1E1-4355-BDED-67254F3A40BF}" destId="{156A4B50-5EBB-4BD2-8AF0-C722439DBC8D}" srcOrd="0" destOrd="0" presId="urn:microsoft.com/office/officeart/2005/8/layout/radial1"/>
-    <dgm:cxn modelId="{CE2AF7AB-2949-4DCD-9C29-6B60E91D8468}" srcId="{0916D3E2-7950-4B1E-A80A-B1A0DFE4D7BE}" destId="{B8F4B4B5-48BB-4436-A4C8-0772D59377AC}" srcOrd="2" destOrd="0" parTransId="{EEB7DF95-B1E1-4355-BDED-67254F3A40BF}" sibTransId="{07F8EC93-687D-4C25-BBFA-77894EDF7DA2}"/>
+    <dgm:cxn modelId="{4F76CFC7-AC86-4FD6-BD3B-3B31C6A8EDDA}" type="presOf" srcId="{F26E0BCB-616E-4F5C-9212-B89461307743}" destId="{FB6E935B-AB56-4686-BAF4-89171D311D48}" srcOrd="0" destOrd="0" presId="urn:microsoft.com/office/officeart/2005/8/layout/radial1"/>
+    <dgm:cxn modelId="{7470EB8E-365B-4C7B-B345-F3A82F2BDE86}" type="presOf" srcId="{EEB7DF95-B1E1-4355-BDED-67254F3A40BF}" destId="{0FA48441-B5ED-464B-AB5B-44DAB679EE64}" srcOrd="1" destOrd="0" presId="urn:microsoft.com/office/officeart/2005/8/layout/radial1"/>
+    <dgm:cxn modelId="{2E6F4476-BF79-4C90-823B-71099E5FD8D3}" type="presOf" srcId="{DD81B84C-4525-4615-9233-87E402AFBABC}" destId="{9CD455AE-EC69-44E0-B929-B59BCD7E9894}" srcOrd="1" destOrd="0" presId="urn:microsoft.com/office/officeart/2005/8/layout/radial1"/>
     <dgm:cxn modelId="{2D7DE33D-C3DB-49E5-ADF6-52C214CF1C59}" srcId="{0916D3E2-7950-4B1E-A80A-B1A0DFE4D7BE}" destId="{7F397B27-ED42-4C0B-84EB-F42483A443DB}" srcOrd="1" destOrd="0" parTransId="{DD81B84C-4525-4615-9233-87E402AFBABC}" sibTransId="{97EBF3C2-DAC2-40A4-AE80-264E3F21FCCC}"/>
-    <dgm:cxn modelId="{7470EB8E-365B-4C7B-B345-F3A82F2BDE86}" type="presOf" srcId="{EEB7DF95-B1E1-4355-BDED-67254F3A40BF}" destId="{0FA48441-B5ED-464B-AB5B-44DAB679EE64}" srcOrd="1" destOrd="0" presId="urn:microsoft.com/office/officeart/2005/8/layout/radial1"/>
-    <dgm:cxn modelId="{D7CE5B38-4681-488A-875C-5BC6D4608B17}" type="presOf" srcId="{B8F4B4B5-48BB-4436-A4C8-0772D59377AC}" destId="{B8775ABA-3037-409F-B1F5-5479D38AC897}" srcOrd="0" destOrd="0" presId="urn:microsoft.com/office/officeart/2005/8/layout/radial1"/>
     <dgm:cxn modelId="{A9B36F8A-C74B-47A9-B539-806F6BB77A1A}" srcId="{CC293B1C-4CF8-4FF0-BBC7-4942ED2D7F88}" destId="{0916D3E2-7950-4B1E-A80A-B1A0DFE4D7BE}" srcOrd="0" destOrd="0" parTransId="{78ED7DF1-7D14-4D64-A8E3-CBD6C30B03FB}" sibTransId="{402F8436-663D-4DB8-A22F-0A8F501EB425}"/>
-    <dgm:cxn modelId="{4F76CFC7-AC86-4FD6-BD3B-3B31C6A8EDDA}" type="presOf" srcId="{F26E0BCB-616E-4F5C-9212-B89461307743}" destId="{FB6E935B-AB56-4686-BAF4-89171D311D48}" srcOrd="0" destOrd="0" presId="urn:microsoft.com/office/officeart/2005/8/layout/radial1"/>
+    <dgm:cxn modelId="{4E83842D-6898-45A2-8C76-AC263926CE66}" type="presOf" srcId="{CC293B1C-4CF8-4FF0-BBC7-4942ED2D7F88}" destId="{05AAFE4B-4748-4F9C-AA5B-DEC71FC73E20}" srcOrd="0" destOrd="0" presId="urn:microsoft.com/office/officeart/2005/8/layout/radial1"/>
     <dgm:cxn modelId="{53089D63-12EB-40F9-92A2-F39B07E20E6B}" type="presOf" srcId="{0916D3E2-7950-4B1E-A80A-B1A0DFE4D7BE}" destId="{334F0DA9-4D69-40E7-AE37-8BB2E71C3ACD}" srcOrd="0" destOrd="0" presId="urn:microsoft.com/office/officeart/2005/8/layout/radial1"/>
-    <dgm:cxn modelId="{2E6F4476-BF79-4C90-823B-71099E5FD8D3}" type="presOf" srcId="{DD81B84C-4525-4615-9233-87E402AFBABC}" destId="{9CD455AE-EC69-44E0-B929-B59BCD7E9894}" srcOrd="1" destOrd="0" presId="urn:microsoft.com/office/officeart/2005/8/layout/radial1"/>
+    <dgm:cxn modelId="{EE79DC2E-EE32-4B0A-ADFD-E11D61A99647}" type="presOf" srcId="{DD81B84C-4525-4615-9233-87E402AFBABC}" destId="{3134C74D-D45F-4D44-8DA9-5DD9ACC7028A}" srcOrd="0" destOrd="0" presId="urn:microsoft.com/office/officeart/2005/8/layout/radial1"/>
+    <dgm:cxn modelId="{1173F0C1-237A-44C5-81A9-6289AFEB7E80}" type="presOf" srcId="{7F397B27-ED42-4C0B-84EB-F42483A443DB}" destId="{FC75532D-1A75-4D81-A458-80C91B398F9D}" srcOrd="0" destOrd="0" presId="urn:microsoft.com/office/officeart/2005/8/layout/radial1"/>
     <dgm:cxn modelId="{6037BACF-1495-4D63-973A-E9906686C9EC}" type="presOf" srcId="{9B35DA45-8824-4EE3-89F0-3F4E07F980E3}" destId="{51D4E2D9-6364-4FE7-BE7F-89898165258A}" srcOrd="0" destOrd="0" presId="urn:microsoft.com/office/officeart/2005/8/layout/radial1"/>
-    <dgm:cxn modelId="{4E83842D-6898-45A2-8C76-AC263926CE66}" type="presOf" srcId="{CC293B1C-4CF8-4FF0-BBC7-4942ED2D7F88}" destId="{05AAFE4B-4748-4F9C-AA5B-DEC71FC73E20}" srcOrd="0" destOrd="0" presId="urn:microsoft.com/office/officeart/2005/8/layout/radial1"/>
-    <dgm:cxn modelId="{EE79DC2E-EE32-4B0A-ADFD-E11D61A99647}" type="presOf" srcId="{DD81B84C-4525-4615-9233-87E402AFBABC}" destId="{3134C74D-D45F-4D44-8DA9-5DD9ACC7028A}" srcOrd="0" destOrd="0" presId="urn:microsoft.com/office/officeart/2005/8/layout/radial1"/>
-    <dgm:cxn modelId="{08978BA1-AE5A-4DFF-A0C3-92D4A0078A98}" srcId="{0916D3E2-7950-4B1E-A80A-B1A0DFE4D7BE}" destId="{9B35DA45-8824-4EE3-89F0-3F4E07F980E3}" srcOrd="0" destOrd="0" parTransId="{F26E0BCB-616E-4F5C-9212-B89461307743}" sibTransId="{6FFF208B-A136-4388-9736-DE2BA4AFD5AF}"/>
-    <dgm:cxn modelId="{1173F0C1-237A-44C5-81A9-6289AFEB7E80}" type="presOf" srcId="{7F397B27-ED42-4C0B-84EB-F42483A443DB}" destId="{FC75532D-1A75-4D81-A458-80C91B398F9D}" srcOrd="0" destOrd="0" presId="urn:microsoft.com/office/officeart/2005/8/layout/radial1"/>
-    <dgm:cxn modelId="{8C318C29-2BA6-4073-9DC3-993B41DBBD97}" type="presOf" srcId="{F26E0BCB-616E-4F5C-9212-B89461307743}" destId="{B26CA117-7877-4BBB-8697-7BAA6B4D1769}" srcOrd="1" destOrd="0" presId="urn:microsoft.com/office/officeart/2005/8/layout/radial1"/>
     <dgm:cxn modelId="{772C3BB5-DF35-42DE-A439-0DCB31D63FB8}" type="presParOf" srcId="{05AAFE4B-4748-4F9C-AA5B-DEC71FC73E20}" destId="{334F0DA9-4D69-40E7-AE37-8BB2E71C3ACD}" srcOrd="0" destOrd="0" presId="urn:microsoft.com/office/officeart/2005/8/layout/radial1"/>
     <dgm:cxn modelId="{20FC6565-C496-4E94-8CCE-904149940058}" type="presParOf" srcId="{05AAFE4B-4748-4F9C-AA5B-DEC71FC73E20}" destId="{FB6E935B-AB56-4686-BAF4-89171D311D48}" srcOrd="1" destOrd="0" presId="urn:microsoft.com/office/officeart/2005/8/layout/radial1"/>
     <dgm:cxn modelId="{1BDA0C39-DB3E-4726-AC03-ECA79335B44E}" type="presParOf" srcId="{FB6E935B-AB56-4686-BAF4-89171D311D48}" destId="{B26CA117-7877-4BBB-8697-7BAA6B4D1769}" srcOrd="0" destOrd="0" presId="urn:microsoft.com/office/officeart/2005/8/layout/radial1"/>
@@ -4577,22 +4577,22 @@
     </dgm:pt>
   </dgm:ptLst>
   <dgm:cxnLst>
+    <dgm:cxn modelId="{C645A4BB-EDB6-4E76-AB82-9AD72E6BF557}" type="presOf" srcId="{BA786E09-868C-446C-BCAD-1B9A337A2314}" destId="{31F77346-6636-44FE-8237-42E5F75F0855}" srcOrd="1" destOrd="0" presId="urn:microsoft.com/office/officeart/2005/8/layout/hList7"/>
+    <dgm:cxn modelId="{57921F95-0423-45E7-AE0D-672371E39D53}" type="presOf" srcId="{5EE301F9-AA62-4FDD-BBD4-EB5F68D85FEC}" destId="{6B2B5E85-AAEA-413B-89EF-96FC0B61D0DB}" srcOrd="1" destOrd="0" presId="urn:microsoft.com/office/officeart/2005/8/layout/hList7"/>
+    <dgm:cxn modelId="{F6F9661A-BC21-475D-819D-50626DE6BCFB}" type="presOf" srcId="{2F25E3F7-E9EB-4C08-9116-69D5C4FD6E2A}" destId="{2845AC54-25A9-480C-BA9C-51BB56258253}" srcOrd="0" destOrd="0" presId="urn:microsoft.com/office/officeart/2005/8/layout/hList7"/>
+    <dgm:cxn modelId="{CF0035A1-5E18-4F9A-AAAD-C4F8302A689F}" type="presOf" srcId="{81607F9D-ACA8-4EBC-97F3-AE620D537126}" destId="{FCBD48AD-6356-4016-B622-1476036943D2}" srcOrd="1" destOrd="0" presId="urn:microsoft.com/office/officeart/2005/8/layout/hList7"/>
     <dgm:cxn modelId="{AFAAAFAD-A0DE-47C1-9249-77B5BDE05E36}" type="presOf" srcId="{81607F9D-ACA8-4EBC-97F3-AE620D537126}" destId="{AECDF339-533B-4319-9DD1-FE0312AA5FE7}" srcOrd="0" destOrd="0" presId="urn:microsoft.com/office/officeart/2005/8/layout/hList7"/>
-    <dgm:cxn modelId="{38CD83C8-6796-4198-B7C8-EFF34EC9AA55}" type="presOf" srcId="{BA786E09-868C-446C-BCAD-1B9A337A2314}" destId="{9B6DBF9B-EFA6-45E8-AAE9-1FBCC2922B5E}" srcOrd="0" destOrd="0" presId="urn:microsoft.com/office/officeart/2005/8/layout/hList7"/>
-    <dgm:cxn modelId="{2E016A71-4A74-45F5-AD15-07D3B1D0466D}" srcId="{95C89F30-E4C0-41F0-9F78-CFBA2BC6B6E7}" destId="{47253CFC-4569-4709-81D3-DEEB42841B34}" srcOrd="2" destOrd="0" parTransId="{790D9CA9-D5EB-4ABB-B3FF-C076CA534420}" sibTransId="{2F25E3F7-E9EB-4C08-9116-69D5C4FD6E2A}"/>
-    <dgm:cxn modelId="{F6F9661A-BC21-475D-819D-50626DE6BCFB}" type="presOf" srcId="{2F25E3F7-E9EB-4C08-9116-69D5C4FD6E2A}" destId="{2845AC54-25A9-480C-BA9C-51BB56258253}" srcOrd="0" destOrd="0" presId="urn:microsoft.com/office/officeart/2005/8/layout/hList7"/>
-    <dgm:cxn modelId="{C645A4BB-EDB6-4E76-AB82-9AD72E6BF557}" type="presOf" srcId="{BA786E09-868C-446C-BCAD-1B9A337A2314}" destId="{31F77346-6636-44FE-8237-42E5F75F0855}" srcOrd="1" destOrd="0" presId="urn:microsoft.com/office/officeart/2005/8/layout/hList7"/>
-    <dgm:cxn modelId="{194860A3-1900-4650-B671-CEC4587BA924}" type="presOf" srcId="{94CA40FB-60B0-465C-89DE-37B57251E362}" destId="{6A4D6A8E-A18C-499A-84BC-74FED5388C93}" srcOrd="0" destOrd="0" presId="urn:microsoft.com/office/officeart/2005/8/layout/hList7"/>
-    <dgm:cxn modelId="{57921F95-0423-45E7-AE0D-672371E39D53}" type="presOf" srcId="{5EE301F9-AA62-4FDD-BBD4-EB5F68D85FEC}" destId="{6B2B5E85-AAEA-413B-89EF-96FC0B61D0DB}" srcOrd="1" destOrd="0" presId="urn:microsoft.com/office/officeart/2005/8/layout/hList7"/>
-    <dgm:cxn modelId="{4E004507-C92D-4D0B-9DBB-DB4591A9B903}" srcId="{95C89F30-E4C0-41F0-9F78-CFBA2BC6B6E7}" destId="{BA786E09-868C-446C-BCAD-1B9A337A2314}" srcOrd="3" destOrd="0" parTransId="{59BE49D1-A09D-46A0-A218-5983A849445B}" sibTransId="{870FB8E6-A3E1-4439-9131-142A0512FE32}"/>
-    <dgm:cxn modelId="{1AE06204-B328-4A88-90DE-47487907D919}" type="presOf" srcId="{47253CFC-4569-4709-81D3-DEEB42841B34}" destId="{65C1CC62-47DD-4AE0-BB4E-E1AA4210EAD1}" srcOrd="1" destOrd="0" presId="urn:microsoft.com/office/officeart/2005/8/layout/hList7"/>
-    <dgm:cxn modelId="{F309A241-CAAA-4CAA-89A7-3EF413DFED5F}" type="presOf" srcId="{47253CFC-4569-4709-81D3-DEEB42841B34}" destId="{18E220CA-4E07-4273-9F20-D66E44D1CC15}" srcOrd="0" destOrd="0" presId="urn:microsoft.com/office/officeart/2005/8/layout/hList7"/>
+    <dgm:cxn modelId="{BDD1CA52-8007-48A8-B091-1E74889DEE99}" type="presOf" srcId="{95C89F30-E4C0-41F0-9F78-CFBA2BC6B6E7}" destId="{68497B09-3716-4EBD-AC6B-8AE2BDCC8972}" srcOrd="0" destOrd="0" presId="urn:microsoft.com/office/officeart/2005/8/layout/hList7"/>
     <dgm:cxn modelId="{E53B2165-E749-413E-9F1A-C9CC76DA6A5C}" srcId="{95C89F30-E4C0-41F0-9F78-CFBA2BC6B6E7}" destId="{5EE301F9-AA62-4FDD-BBD4-EB5F68D85FEC}" srcOrd="0" destOrd="0" parTransId="{752A3FC9-4F42-4B45-864D-D48201C144BC}" sibTransId="{7A2D0BBB-4796-4683-A258-869CCE2EFDEE}"/>
-    <dgm:cxn modelId="{CF0035A1-5E18-4F9A-AAAD-C4F8302A689F}" type="presOf" srcId="{81607F9D-ACA8-4EBC-97F3-AE620D537126}" destId="{FCBD48AD-6356-4016-B622-1476036943D2}" srcOrd="1" destOrd="0" presId="urn:microsoft.com/office/officeart/2005/8/layout/hList7"/>
-    <dgm:cxn modelId="{BDD1CA52-8007-48A8-B091-1E74889DEE99}" type="presOf" srcId="{95C89F30-E4C0-41F0-9F78-CFBA2BC6B6E7}" destId="{68497B09-3716-4EBD-AC6B-8AE2BDCC8972}" srcOrd="0" destOrd="0" presId="urn:microsoft.com/office/officeart/2005/8/layout/hList7"/>
     <dgm:cxn modelId="{B6D21F72-7318-4B23-BC86-23B4E85AD610}" type="presOf" srcId="{5EE301F9-AA62-4FDD-BBD4-EB5F68D85FEC}" destId="{90FFEDE6-D24B-46AA-AC61-5A2CA3E513CC}" srcOrd="0" destOrd="0" presId="urn:microsoft.com/office/officeart/2005/8/layout/hList7"/>
     <dgm:cxn modelId="{C503CDFC-F7CF-4B5B-9CB9-D0B888450B80}" srcId="{95C89F30-E4C0-41F0-9F78-CFBA2BC6B6E7}" destId="{81607F9D-ACA8-4EBC-97F3-AE620D537126}" srcOrd="1" destOrd="0" parTransId="{5614C387-4578-47E1-B8ED-4C19C139B6D6}" sibTransId="{94CA40FB-60B0-465C-89DE-37B57251E362}"/>
+    <dgm:cxn modelId="{2E016A71-4A74-45F5-AD15-07D3B1D0466D}" srcId="{95C89F30-E4C0-41F0-9F78-CFBA2BC6B6E7}" destId="{47253CFC-4569-4709-81D3-DEEB42841B34}" srcOrd="2" destOrd="0" parTransId="{790D9CA9-D5EB-4ABB-B3FF-C076CA534420}" sibTransId="{2F25E3F7-E9EB-4C08-9116-69D5C4FD6E2A}"/>
+    <dgm:cxn modelId="{1AE06204-B328-4A88-90DE-47487907D919}" type="presOf" srcId="{47253CFC-4569-4709-81D3-DEEB42841B34}" destId="{65C1CC62-47DD-4AE0-BB4E-E1AA4210EAD1}" srcOrd="1" destOrd="0" presId="urn:microsoft.com/office/officeart/2005/8/layout/hList7"/>
     <dgm:cxn modelId="{2EC55B3D-BFE3-4C06-B5CF-4DA8F00E7DD6}" type="presOf" srcId="{7A2D0BBB-4796-4683-A258-869CCE2EFDEE}" destId="{46B8E31D-92A9-4F7C-AC64-291B22E56C19}" srcOrd="0" destOrd="0" presId="urn:microsoft.com/office/officeart/2005/8/layout/hList7"/>
+    <dgm:cxn modelId="{194860A3-1900-4650-B671-CEC4587BA924}" type="presOf" srcId="{94CA40FB-60B0-465C-89DE-37B57251E362}" destId="{6A4D6A8E-A18C-499A-84BC-74FED5388C93}" srcOrd="0" destOrd="0" presId="urn:microsoft.com/office/officeart/2005/8/layout/hList7"/>
+    <dgm:cxn modelId="{F309A241-CAAA-4CAA-89A7-3EF413DFED5F}" type="presOf" srcId="{47253CFC-4569-4709-81D3-DEEB42841B34}" destId="{18E220CA-4E07-4273-9F20-D66E44D1CC15}" srcOrd="0" destOrd="0" presId="urn:microsoft.com/office/officeart/2005/8/layout/hList7"/>
+    <dgm:cxn modelId="{4E004507-C92D-4D0B-9DBB-DB4591A9B903}" srcId="{95C89F30-E4C0-41F0-9F78-CFBA2BC6B6E7}" destId="{BA786E09-868C-446C-BCAD-1B9A337A2314}" srcOrd="3" destOrd="0" parTransId="{59BE49D1-A09D-46A0-A218-5983A849445B}" sibTransId="{870FB8E6-A3E1-4439-9131-142A0512FE32}"/>
+    <dgm:cxn modelId="{38CD83C8-6796-4198-B7C8-EFF34EC9AA55}" type="presOf" srcId="{BA786E09-868C-446C-BCAD-1B9A337A2314}" destId="{9B6DBF9B-EFA6-45E8-AAE9-1FBCC2922B5E}" srcOrd="0" destOrd="0" presId="urn:microsoft.com/office/officeart/2005/8/layout/hList7"/>
     <dgm:cxn modelId="{4D0448AB-072A-4D18-810D-2383F44A3112}" type="presParOf" srcId="{68497B09-3716-4EBD-AC6B-8AE2BDCC8972}" destId="{5C007895-D27B-4555-8633-C9BBD58A106D}" srcOrd="0" destOrd="0" presId="urn:microsoft.com/office/officeart/2005/8/layout/hList7"/>
     <dgm:cxn modelId="{EB40CABA-D7D8-449B-A3EF-706C96A2B35D}" type="presParOf" srcId="{68497B09-3716-4EBD-AC6B-8AE2BDCC8972}" destId="{851E5CC9-679F-4CF6-B00F-A025B4DEF2B3}" srcOrd="1" destOrd="0" presId="urn:microsoft.com/office/officeart/2005/8/layout/hList7"/>
     <dgm:cxn modelId="{E6D0BBE2-1389-41E3-A561-EB44452418BA}" type="presParOf" srcId="{851E5CC9-679F-4CF6-B00F-A025B4DEF2B3}" destId="{02F5FF00-4C9F-4B29-8EE7-22E5EFD6E9BE}" srcOrd="0" destOrd="0" presId="urn:microsoft.com/office/officeart/2005/8/layout/hList7"/>
@@ -11019,6 +11019,13 @@
   <p:clrMapOvr>
     <a:masterClrMapping/>
   </p:clrMapOvr>
+  <p:timing>
+    <p:tnLst>
+      <p:par>
+        <p:cTn id="1" dur="indefinite" restart="never" nodeType="tmRoot"/>
+      </p:par>
+    </p:tnLst>
+  </p:timing>
 </p:sld>
 </file>
 
@@ -11507,6 +11514,3597 @@
           <a:chExt cx="0" cy="0"/>
         </a:xfrm>
       </p:grpSpPr>
+      <p:sp>
+        <p:nvSpPr>
+          <p:cNvPr id="2" name="Slide Number Placeholder 1"/>
+          <p:cNvSpPr>
+            <a:spLocks noGrp="1"/>
+          </p:cNvSpPr>
+          <p:nvPr>
+            <p:ph type="sldNum" sz="quarter" idx="4"/>
+          </p:nvPr>
+        </p:nvSpPr>
+        <p:spPr/>
+        <p:txBody>
+          <a:bodyPr/>
+          <a:lstStyle/>
+          <a:p>
+            <a:fld id="{813506F1-DB5F-4FC9-88BA-B486F30FE4BF}" type="slidenum">
+              <a:rPr lang="fr-FR" smtClean="0"/>
+              <a:pPr/>
+              <a:t>11</a:t>
+            </a:fld>
+            <a:endParaRPr lang="fr-FR" dirty="0"/>
+          </a:p>
+        </p:txBody>
+      </p:sp>
+      <p:pic>
+        <p:nvPicPr>
+          <p:cNvPr id="5" name="Picture 4"/>
+          <p:cNvPicPr>
+            <a:picLocks noChangeAspect="1"/>
+          </p:cNvPicPr>
+          <p:nvPr/>
+        </p:nvPicPr>
+        <p:blipFill>
+          <a:blip r:embed="rId2" cstate="print">
+            <a:extLst>
+              <a:ext uri="{28A0092B-C50C-407E-A947-70E740481C1C}">
+                <a14:useLocalDpi xmlns:a14="http://schemas.microsoft.com/office/drawing/2010/main" val="0"/>
+              </a:ext>
+            </a:extLst>
+          </a:blip>
+          <a:stretch>
+            <a:fillRect/>
+          </a:stretch>
+        </p:blipFill>
+        <p:spPr>
+          <a:xfrm>
+            <a:off x="5393044" y="1808644"/>
+            <a:ext cx="1101249" cy="734166"/>
+          </a:xfrm>
+          <a:prstGeom prst="rect">
+            <a:avLst/>
+          </a:prstGeom>
+        </p:spPr>
+      </p:pic>
+      <p:pic>
+        <p:nvPicPr>
+          <p:cNvPr id="7" name="Picture 6"/>
+          <p:cNvPicPr>
+            <a:picLocks noChangeAspect="1"/>
+          </p:cNvPicPr>
+          <p:nvPr/>
+        </p:nvPicPr>
+        <p:blipFill>
+          <a:blip r:embed="rId3" cstate="print">
+            <a:extLst>
+              <a:ext uri="{28A0092B-C50C-407E-A947-70E740481C1C}">
+                <a14:useLocalDpi xmlns:a14="http://schemas.microsoft.com/office/drawing/2010/main" val="0"/>
+              </a:ext>
+            </a:extLst>
+          </a:blip>
+          <a:stretch>
+            <a:fillRect/>
+          </a:stretch>
+        </p:blipFill>
+        <p:spPr>
+          <a:xfrm>
+            <a:off x="2936913" y="2790941"/>
+            <a:ext cx="668550" cy="668550"/>
+          </a:xfrm>
+          <a:prstGeom prst="rect">
+            <a:avLst/>
+          </a:prstGeom>
+        </p:spPr>
+      </p:pic>
+      <p:sp>
+        <p:nvSpPr>
+          <p:cNvPr id="8" name="Rectangle 7"/>
+          <p:cNvSpPr/>
+          <p:nvPr/>
+        </p:nvSpPr>
+        <p:spPr>
+          <a:xfrm>
+            <a:off x="275828" y="4028817"/>
+            <a:ext cx="1157681" cy="427839"/>
+          </a:xfrm>
+          <a:prstGeom prst="rect">
+            <a:avLst/>
+          </a:prstGeom>
+          <a:noFill/>
+          <a:ln w="28575">
+            <a:solidFill>
+              <a:srgbClr val="0070C0"/>
+            </a:solidFill>
+          </a:ln>
+        </p:spPr>
+        <p:style>
+          <a:lnRef idx="2">
+            <a:schemeClr val="accent1">
+              <a:shade val="50000"/>
+            </a:schemeClr>
+          </a:lnRef>
+          <a:fillRef idx="1">
+            <a:schemeClr val="accent1"/>
+          </a:fillRef>
+          <a:effectRef idx="0">
+            <a:schemeClr val="accent1"/>
+          </a:effectRef>
+          <a:fontRef idx="minor">
+            <a:schemeClr val="lt1"/>
+          </a:fontRef>
+        </p:style>
+        <p:txBody>
+          <a:bodyPr rtlCol="0" anchor="ctr"/>
+          <a:lstStyle/>
+          <a:p>
+            <a:pPr algn="ctr"/>
+            <a:r>
+              <a:rPr lang="en-CA" dirty="0" smtClean="0">
+                <a:solidFill>
+                  <a:schemeClr val="tx1"/>
+                </a:solidFill>
+              </a:rPr>
+              <a:t>DESeq2</a:t>
+            </a:r>
+            <a:endParaRPr lang="en-CA" dirty="0">
+              <a:solidFill>
+                <a:schemeClr val="tx1"/>
+              </a:solidFill>
+            </a:endParaRPr>
+          </a:p>
+        </p:txBody>
+      </p:sp>
+      <p:sp>
+        <p:nvSpPr>
+          <p:cNvPr id="9" name="Rectangle 8"/>
+          <p:cNvSpPr/>
+          <p:nvPr/>
+        </p:nvSpPr>
+        <p:spPr>
+          <a:xfrm>
+            <a:off x="2107480" y="3565683"/>
+            <a:ext cx="2119404" cy="566256"/>
+          </a:xfrm>
+          <a:prstGeom prst="rect">
+            <a:avLst/>
+          </a:prstGeom>
+          <a:noFill/>
+          <a:ln w="28575">
+            <a:solidFill>
+              <a:schemeClr val="tx1"/>
+            </a:solidFill>
+          </a:ln>
+        </p:spPr>
+        <p:style>
+          <a:lnRef idx="2">
+            <a:schemeClr val="accent1">
+              <a:shade val="50000"/>
+            </a:schemeClr>
+          </a:lnRef>
+          <a:fillRef idx="1">
+            <a:schemeClr val="accent1"/>
+          </a:fillRef>
+          <a:effectRef idx="0">
+            <a:schemeClr val="accent1"/>
+          </a:effectRef>
+          <a:fontRef idx="minor">
+            <a:schemeClr val="lt1"/>
+          </a:fontRef>
+        </p:style>
+        <p:txBody>
+          <a:bodyPr rtlCol="0" anchor="ctr"/>
+          <a:lstStyle/>
+          <a:p>
+            <a:pPr algn="ctr"/>
+            <a:r>
+              <a:rPr lang="en-CA" dirty="0" smtClean="0">
+                <a:solidFill>
+                  <a:schemeClr val="tx1"/>
+                </a:solidFill>
+              </a:rPr>
+              <a:t>Differential gene expressions</a:t>
+            </a:r>
+            <a:endParaRPr lang="en-CA" dirty="0">
+              <a:solidFill>
+                <a:schemeClr val="tx1"/>
+              </a:solidFill>
+            </a:endParaRPr>
+          </a:p>
+        </p:txBody>
+      </p:sp>
+      <p:sp>
+        <p:nvSpPr>
+          <p:cNvPr id="10" name="Rectangle 9"/>
+          <p:cNvSpPr/>
+          <p:nvPr/>
+        </p:nvSpPr>
+        <p:spPr>
+          <a:xfrm>
+            <a:off x="2107480" y="4589142"/>
+            <a:ext cx="2119403" cy="822121"/>
+          </a:xfrm>
+          <a:prstGeom prst="rect">
+            <a:avLst/>
+          </a:prstGeom>
+          <a:noFill/>
+          <a:ln w="28575">
+            <a:solidFill>
+              <a:schemeClr val="tx1"/>
+            </a:solidFill>
+          </a:ln>
+        </p:spPr>
+        <p:style>
+          <a:lnRef idx="2">
+            <a:schemeClr val="accent1">
+              <a:shade val="50000"/>
+            </a:schemeClr>
+          </a:lnRef>
+          <a:fillRef idx="1">
+            <a:schemeClr val="accent1"/>
+          </a:fillRef>
+          <a:effectRef idx="0">
+            <a:schemeClr val="accent1"/>
+          </a:effectRef>
+          <a:fontRef idx="minor">
+            <a:schemeClr val="lt1"/>
+          </a:fontRef>
+        </p:style>
+        <p:txBody>
+          <a:bodyPr rtlCol="0" anchor="ctr"/>
+          <a:lstStyle/>
+          <a:p>
+            <a:pPr algn="ctr"/>
+            <a:r>
+              <a:rPr lang="en-CA" dirty="0" smtClean="0">
+                <a:solidFill>
+                  <a:schemeClr val="tx1"/>
+                </a:solidFill>
+              </a:rPr>
+              <a:t>Differential expressions for significant genes</a:t>
+            </a:r>
+            <a:endParaRPr lang="en-CA" dirty="0">
+              <a:solidFill>
+                <a:schemeClr val="tx1"/>
+              </a:solidFill>
+            </a:endParaRPr>
+          </a:p>
+        </p:txBody>
+      </p:sp>
+      <p:sp>
+        <p:nvSpPr>
+          <p:cNvPr id="11" name="Rectangle 10"/>
+          <p:cNvSpPr/>
+          <p:nvPr/>
+        </p:nvSpPr>
+        <p:spPr>
+          <a:xfrm>
+            <a:off x="2113507" y="5868466"/>
+            <a:ext cx="2113376" cy="528507"/>
+          </a:xfrm>
+          <a:prstGeom prst="rect">
+            <a:avLst/>
+          </a:prstGeom>
+          <a:noFill/>
+          <a:ln w="28575">
+            <a:solidFill>
+              <a:schemeClr val="tx1"/>
+            </a:solidFill>
+          </a:ln>
+        </p:spPr>
+        <p:style>
+          <a:lnRef idx="2">
+            <a:schemeClr val="accent1">
+              <a:shade val="50000"/>
+            </a:schemeClr>
+          </a:lnRef>
+          <a:fillRef idx="1">
+            <a:schemeClr val="accent1"/>
+          </a:fillRef>
+          <a:effectRef idx="0">
+            <a:schemeClr val="accent1"/>
+          </a:effectRef>
+          <a:fontRef idx="minor">
+            <a:schemeClr val="lt1"/>
+          </a:fontRef>
+        </p:style>
+        <p:txBody>
+          <a:bodyPr rtlCol="0" anchor="ctr"/>
+          <a:lstStyle/>
+          <a:p>
+            <a:pPr algn="ctr"/>
+            <a:r>
+              <a:rPr lang="en-CA" dirty="0" smtClean="0">
+                <a:solidFill>
+                  <a:schemeClr val="tx1"/>
+                </a:solidFill>
+              </a:rPr>
+              <a:t>Significant gene list</a:t>
+            </a:r>
+            <a:endParaRPr lang="en-CA" dirty="0">
+              <a:solidFill>
+                <a:schemeClr val="tx1"/>
+              </a:solidFill>
+            </a:endParaRPr>
+          </a:p>
+        </p:txBody>
+      </p:sp>
+      <p:sp>
+        <p:nvSpPr>
+          <p:cNvPr id="12" name="Rectangle 11"/>
+          <p:cNvSpPr/>
+          <p:nvPr/>
+        </p:nvSpPr>
+        <p:spPr>
+          <a:xfrm>
+            <a:off x="4935158" y="2588230"/>
+            <a:ext cx="2017022" cy="566256"/>
+          </a:xfrm>
+          <a:prstGeom prst="rect">
+            <a:avLst/>
+          </a:prstGeom>
+          <a:noFill/>
+          <a:ln w="28575">
+            <a:solidFill>
+              <a:srgbClr val="0070C0"/>
+            </a:solidFill>
+          </a:ln>
+        </p:spPr>
+        <p:style>
+          <a:lnRef idx="2">
+            <a:schemeClr val="accent1">
+              <a:shade val="50000"/>
+            </a:schemeClr>
+          </a:lnRef>
+          <a:fillRef idx="1">
+            <a:schemeClr val="accent1"/>
+          </a:fillRef>
+          <a:effectRef idx="0">
+            <a:schemeClr val="accent1"/>
+          </a:effectRef>
+          <a:fontRef idx="minor">
+            <a:schemeClr val="lt1"/>
+          </a:fontRef>
+        </p:style>
+        <p:txBody>
+          <a:bodyPr rtlCol="0" anchor="ctr"/>
+          <a:lstStyle/>
+          <a:p>
+            <a:pPr algn="ctr"/>
+            <a:r>
+              <a:rPr lang="en-CA" dirty="0" smtClean="0">
+                <a:solidFill>
+                  <a:schemeClr val="tx1"/>
+                </a:solidFill>
+              </a:rPr>
+              <a:t>Custom MA plot</a:t>
+            </a:r>
+            <a:endParaRPr lang="en-CA" dirty="0">
+              <a:solidFill>
+                <a:schemeClr val="tx1"/>
+              </a:solidFill>
+            </a:endParaRPr>
+          </a:p>
+        </p:txBody>
+      </p:sp>
+      <p:sp>
+        <p:nvSpPr>
+          <p:cNvPr id="13" name="Rectangle 12"/>
+          <p:cNvSpPr/>
+          <p:nvPr/>
+        </p:nvSpPr>
+        <p:spPr>
+          <a:xfrm>
+            <a:off x="4935158" y="3245326"/>
+            <a:ext cx="2017022" cy="566256"/>
+          </a:xfrm>
+          <a:prstGeom prst="rect">
+            <a:avLst/>
+          </a:prstGeom>
+          <a:noFill/>
+          <a:ln w="28575">
+            <a:solidFill>
+              <a:srgbClr val="0070C0"/>
+            </a:solidFill>
+          </a:ln>
+        </p:spPr>
+        <p:style>
+          <a:lnRef idx="2">
+            <a:schemeClr val="accent1">
+              <a:shade val="50000"/>
+            </a:schemeClr>
+          </a:lnRef>
+          <a:fillRef idx="1">
+            <a:schemeClr val="accent1"/>
+          </a:fillRef>
+          <a:effectRef idx="0">
+            <a:schemeClr val="accent1"/>
+          </a:effectRef>
+          <a:fontRef idx="minor">
+            <a:schemeClr val="lt1"/>
+          </a:fontRef>
+        </p:style>
+        <p:txBody>
+          <a:bodyPr rtlCol="0" anchor="ctr"/>
+          <a:lstStyle/>
+          <a:p>
+            <a:pPr algn="ctr"/>
+            <a:r>
+              <a:rPr lang="en-CA" dirty="0" smtClean="0">
+                <a:solidFill>
+                  <a:schemeClr val="tx1"/>
+                </a:solidFill>
+              </a:rPr>
+              <a:t>Custom Volcano plot</a:t>
+            </a:r>
+            <a:endParaRPr lang="en-CA" dirty="0">
+              <a:solidFill>
+                <a:schemeClr val="tx1"/>
+              </a:solidFill>
+            </a:endParaRPr>
+          </a:p>
+        </p:txBody>
+      </p:sp>
+      <p:sp>
+        <p:nvSpPr>
+          <p:cNvPr id="14" name="Rectangle 13"/>
+          <p:cNvSpPr/>
+          <p:nvPr/>
+        </p:nvSpPr>
+        <p:spPr>
+          <a:xfrm>
+            <a:off x="4935158" y="4717074"/>
+            <a:ext cx="2017022" cy="566256"/>
+          </a:xfrm>
+          <a:prstGeom prst="rect">
+            <a:avLst/>
+          </a:prstGeom>
+          <a:noFill/>
+          <a:ln w="28575">
+            <a:solidFill>
+              <a:srgbClr val="0070C0"/>
+            </a:solidFill>
+          </a:ln>
+        </p:spPr>
+        <p:style>
+          <a:lnRef idx="2">
+            <a:schemeClr val="accent1">
+              <a:shade val="50000"/>
+            </a:schemeClr>
+          </a:lnRef>
+          <a:fillRef idx="1">
+            <a:schemeClr val="accent1"/>
+          </a:fillRef>
+          <a:effectRef idx="0">
+            <a:schemeClr val="accent1"/>
+          </a:effectRef>
+          <a:fontRef idx="minor">
+            <a:schemeClr val="lt1"/>
+          </a:fontRef>
+        </p:style>
+        <p:txBody>
+          <a:bodyPr rtlCol="0" anchor="ctr"/>
+          <a:lstStyle/>
+          <a:p>
+            <a:pPr algn="ctr"/>
+            <a:r>
+              <a:rPr lang="en-CA" dirty="0" smtClean="0">
+                <a:solidFill>
+                  <a:schemeClr val="tx1"/>
+                </a:solidFill>
+              </a:rPr>
+              <a:t>Non-canonic analysis</a:t>
+            </a:r>
+            <a:endParaRPr lang="en-CA" dirty="0">
+              <a:solidFill>
+                <a:schemeClr val="tx1"/>
+              </a:solidFill>
+            </a:endParaRPr>
+          </a:p>
+        </p:txBody>
+      </p:sp>
+      <p:sp>
+        <p:nvSpPr>
+          <p:cNvPr id="15" name="Rectangle 14"/>
+          <p:cNvSpPr/>
+          <p:nvPr/>
+        </p:nvSpPr>
+        <p:spPr>
+          <a:xfrm>
+            <a:off x="10314037" y="5289939"/>
+            <a:ext cx="1522881" cy="566256"/>
+          </a:xfrm>
+          <a:prstGeom prst="rect">
+            <a:avLst/>
+          </a:prstGeom>
+          <a:noFill/>
+          <a:ln w="28575">
+            <a:solidFill>
+              <a:srgbClr val="0070C0"/>
+            </a:solidFill>
+          </a:ln>
+        </p:spPr>
+        <p:style>
+          <a:lnRef idx="2">
+            <a:schemeClr val="accent1">
+              <a:shade val="50000"/>
+            </a:schemeClr>
+          </a:lnRef>
+          <a:fillRef idx="1">
+            <a:schemeClr val="accent1"/>
+          </a:fillRef>
+          <a:effectRef idx="0">
+            <a:schemeClr val="accent1"/>
+          </a:effectRef>
+          <a:fontRef idx="minor">
+            <a:schemeClr val="lt1"/>
+          </a:fontRef>
+        </p:style>
+        <p:txBody>
+          <a:bodyPr rtlCol="0" anchor="ctr"/>
+          <a:lstStyle/>
+          <a:p>
+            <a:pPr algn="ctr"/>
+            <a:r>
+              <a:rPr lang="en-CA" dirty="0" smtClean="0">
+                <a:solidFill>
+                  <a:schemeClr val="tx1"/>
+                </a:solidFill>
+              </a:rPr>
+              <a:t>MERAV</a:t>
+            </a:r>
+            <a:endParaRPr lang="en-CA" dirty="0">
+              <a:solidFill>
+                <a:schemeClr val="tx1"/>
+              </a:solidFill>
+            </a:endParaRPr>
+          </a:p>
+        </p:txBody>
+      </p:sp>
+      <p:sp>
+        <p:nvSpPr>
+          <p:cNvPr id="16" name="Rectangle 15"/>
+          <p:cNvSpPr/>
+          <p:nvPr/>
+        </p:nvSpPr>
+        <p:spPr>
+          <a:xfrm>
+            <a:off x="10314037" y="5940524"/>
+            <a:ext cx="1522881" cy="566256"/>
+          </a:xfrm>
+          <a:prstGeom prst="rect">
+            <a:avLst/>
+          </a:prstGeom>
+          <a:noFill/>
+          <a:ln w="28575">
+            <a:solidFill>
+              <a:srgbClr val="0070C0"/>
+            </a:solidFill>
+          </a:ln>
+        </p:spPr>
+        <p:style>
+          <a:lnRef idx="2">
+            <a:schemeClr val="accent1">
+              <a:shade val="50000"/>
+            </a:schemeClr>
+          </a:lnRef>
+          <a:fillRef idx="1">
+            <a:schemeClr val="accent1"/>
+          </a:fillRef>
+          <a:effectRef idx="0">
+            <a:schemeClr val="accent1"/>
+          </a:effectRef>
+          <a:fontRef idx="minor">
+            <a:schemeClr val="lt1"/>
+          </a:fontRef>
+        </p:style>
+        <p:txBody>
+          <a:bodyPr rtlCol="0" anchor="ctr"/>
+          <a:lstStyle/>
+          <a:p>
+            <a:pPr algn="ctr"/>
+            <a:r>
+              <a:rPr lang="en-CA" dirty="0" smtClean="0">
+                <a:solidFill>
+                  <a:schemeClr val="tx1"/>
+                </a:solidFill>
+              </a:rPr>
+              <a:t>KEGG Mapper</a:t>
+            </a:r>
+            <a:endParaRPr lang="en-CA" dirty="0">
+              <a:solidFill>
+                <a:schemeClr val="tx1"/>
+              </a:solidFill>
+            </a:endParaRPr>
+          </a:p>
+        </p:txBody>
+      </p:sp>
+      <p:sp>
+        <p:nvSpPr>
+          <p:cNvPr id="17" name="Rectangle 16"/>
+          <p:cNvSpPr/>
+          <p:nvPr/>
+        </p:nvSpPr>
+        <p:spPr>
+          <a:xfrm>
+            <a:off x="7935757" y="2872897"/>
+            <a:ext cx="1739183" cy="744859"/>
+          </a:xfrm>
+          <a:prstGeom prst="rect">
+            <a:avLst/>
+          </a:prstGeom>
+          <a:noFill/>
+          <a:ln w="28575">
+            <a:solidFill>
+              <a:schemeClr val="tx1"/>
+            </a:solidFill>
+          </a:ln>
+        </p:spPr>
+        <p:style>
+          <a:lnRef idx="2">
+            <a:schemeClr val="accent1">
+              <a:shade val="50000"/>
+            </a:schemeClr>
+          </a:lnRef>
+          <a:fillRef idx="1">
+            <a:schemeClr val="accent1"/>
+          </a:fillRef>
+          <a:effectRef idx="0">
+            <a:schemeClr val="accent1"/>
+          </a:effectRef>
+          <a:fontRef idx="minor">
+            <a:schemeClr val="lt1"/>
+          </a:fontRef>
+        </p:style>
+        <p:txBody>
+          <a:bodyPr rtlCol="0" anchor="ctr"/>
+          <a:lstStyle/>
+          <a:p>
+            <a:pPr algn="ctr"/>
+            <a:r>
+              <a:rPr lang="en-CA" dirty="0" smtClean="0">
+                <a:solidFill>
+                  <a:schemeClr val="tx1"/>
+                </a:solidFill>
+              </a:rPr>
+              <a:t>Custom significant gene list</a:t>
+            </a:r>
+            <a:endParaRPr lang="en-CA" dirty="0">
+              <a:solidFill>
+                <a:schemeClr val="tx1"/>
+              </a:solidFill>
+            </a:endParaRPr>
+          </a:p>
+        </p:txBody>
+      </p:sp>
+      <p:sp>
+        <p:nvSpPr>
+          <p:cNvPr id="18" name="Rectangle 17"/>
+          <p:cNvSpPr/>
+          <p:nvPr/>
+        </p:nvSpPr>
+        <p:spPr>
+          <a:xfrm>
+            <a:off x="7935758" y="4242737"/>
+            <a:ext cx="1739183" cy="566256"/>
+          </a:xfrm>
+          <a:prstGeom prst="rect">
+            <a:avLst/>
+          </a:prstGeom>
+          <a:noFill/>
+          <a:ln w="28575">
+            <a:solidFill>
+              <a:schemeClr val="tx1"/>
+            </a:solidFill>
+          </a:ln>
+        </p:spPr>
+        <p:style>
+          <a:lnRef idx="2">
+            <a:schemeClr val="accent1">
+              <a:shade val="50000"/>
+            </a:schemeClr>
+          </a:lnRef>
+          <a:fillRef idx="1">
+            <a:schemeClr val="accent1"/>
+          </a:fillRef>
+          <a:effectRef idx="0">
+            <a:schemeClr val="accent1"/>
+          </a:effectRef>
+          <a:fontRef idx="minor">
+            <a:schemeClr val="lt1"/>
+          </a:fontRef>
+        </p:style>
+        <p:txBody>
+          <a:bodyPr rtlCol="0" anchor="ctr"/>
+          <a:lstStyle/>
+          <a:p>
+            <a:pPr algn="ctr"/>
+            <a:r>
+              <a:rPr lang="en-CA" dirty="0" smtClean="0">
+                <a:solidFill>
+                  <a:schemeClr val="tx1"/>
+                </a:solidFill>
+              </a:rPr>
+              <a:t>Non-canonic results</a:t>
+            </a:r>
+            <a:endParaRPr lang="en-CA" dirty="0">
+              <a:solidFill>
+                <a:schemeClr val="tx1"/>
+              </a:solidFill>
+            </a:endParaRPr>
+          </a:p>
+        </p:txBody>
+      </p:sp>
+      <p:sp>
+        <p:nvSpPr>
+          <p:cNvPr id="19" name="Rectangle 18"/>
+          <p:cNvSpPr/>
+          <p:nvPr/>
+        </p:nvSpPr>
+        <p:spPr>
+          <a:xfrm>
+            <a:off x="7935757" y="5968805"/>
+            <a:ext cx="1739183" cy="512371"/>
+          </a:xfrm>
+          <a:prstGeom prst="rect">
+            <a:avLst/>
+          </a:prstGeom>
+          <a:noFill/>
+          <a:ln w="28575">
+            <a:solidFill>
+              <a:schemeClr val="tx1"/>
+            </a:solidFill>
+          </a:ln>
+        </p:spPr>
+        <p:style>
+          <a:lnRef idx="2">
+            <a:schemeClr val="accent1">
+              <a:shade val="50000"/>
+            </a:schemeClr>
+          </a:lnRef>
+          <a:fillRef idx="1">
+            <a:schemeClr val="accent1"/>
+          </a:fillRef>
+          <a:effectRef idx="0">
+            <a:schemeClr val="accent1"/>
+          </a:effectRef>
+          <a:fontRef idx="minor">
+            <a:schemeClr val="lt1"/>
+          </a:fontRef>
+        </p:style>
+        <p:txBody>
+          <a:bodyPr rtlCol="0" anchor="ctr"/>
+          <a:lstStyle/>
+          <a:p>
+            <a:pPr algn="ctr"/>
+            <a:r>
+              <a:rPr lang="en-CA" dirty="0" err="1" smtClean="0">
+                <a:solidFill>
+                  <a:schemeClr val="tx1"/>
+                </a:solidFill>
+              </a:rPr>
+              <a:t>hsa</a:t>
+            </a:r>
+            <a:r>
+              <a:rPr lang="en-CA" dirty="0" smtClean="0">
+                <a:solidFill>
+                  <a:schemeClr val="tx1"/>
+                </a:solidFill>
+              </a:rPr>
+              <a:t> conversions</a:t>
+            </a:r>
+            <a:endParaRPr lang="en-CA" dirty="0">
+              <a:solidFill>
+                <a:schemeClr val="tx1"/>
+              </a:solidFill>
+            </a:endParaRPr>
+          </a:p>
+        </p:txBody>
+      </p:sp>
+      <p:cxnSp>
+        <p:nvCxnSpPr>
+          <p:cNvPr id="4" name="Elbow Connector 3"/>
+          <p:cNvCxnSpPr>
+            <a:stCxn id="9" idx="3"/>
+            <a:endCxn id="12" idx="1"/>
+          </p:cNvCxnSpPr>
+          <p:nvPr/>
+        </p:nvCxnSpPr>
+        <p:spPr>
+          <a:xfrm flipV="1">
+            <a:off x="4226884" y="2871358"/>
+            <a:ext cx="708274" cy="977453"/>
+          </a:xfrm>
+          <a:prstGeom prst="bentConnector3">
+            <a:avLst/>
+          </a:prstGeom>
+          <a:ln>
+            <a:solidFill>
+              <a:schemeClr val="tx1"/>
+            </a:solidFill>
+            <a:tailEnd type="triangle"/>
+          </a:ln>
+        </p:spPr>
+        <p:style>
+          <a:lnRef idx="1">
+            <a:schemeClr val="accent1"/>
+          </a:lnRef>
+          <a:fillRef idx="0">
+            <a:schemeClr val="accent1"/>
+          </a:fillRef>
+          <a:effectRef idx="0">
+            <a:schemeClr val="accent1"/>
+          </a:effectRef>
+          <a:fontRef idx="minor">
+            <a:schemeClr val="tx1"/>
+          </a:fontRef>
+        </p:style>
+      </p:cxnSp>
+      <p:cxnSp>
+        <p:nvCxnSpPr>
+          <p:cNvPr id="21" name="Elbow Connector 20"/>
+          <p:cNvCxnSpPr>
+            <a:stCxn id="9" idx="3"/>
+            <a:endCxn id="13" idx="1"/>
+          </p:cNvCxnSpPr>
+          <p:nvPr/>
+        </p:nvCxnSpPr>
+        <p:spPr>
+          <a:xfrm flipV="1">
+            <a:off x="4226884" y="3528454"/>
+            <a:ext cx="708274" cy="320357"/>
+          </a:xfrm>
+          <a:prstGeom prst="bentConnector3">
+            <a:avLst/>
+          </a:prstGeom>
+          <a:ln>
+            <a:solidFill>
+              <a:schemeClr val="tx1"/>
+            </a:solidFill>
+            <a:tailEnd type="triangle"/>
+          </a:ln>
+        </p:spPr>
+        <p:style>
+          <a:lnRef idx="1">
+            <a:schemeClr val="accent1"/>
+          </a:lnRef>
+          <a:fillRef idx="0">
+            <a:schemeClr val="accent1"/>
+          </a:fillRef>
+          <a:effectRef idx="0">
+            <a:schemeClr val="accent1"/>
+          </a:effectRef>
+          <a:fontRef idx="minor">
+            <a:schemeClr val="tx1"/>
+          </a:fontRef>
+        </p:style>
+      </p:cxnSp>
+      <p:cxnSp>
+        <p:nvCxnSpPr>
+          <p:cNvPr id="25" name="Elbow Connector 24"/>
+          <p:cNvCxnSpPr>
+            <a:stCxn id="12" idx="3"/>
+            <a:endCxn id="17" idx="1"/>
+          </p:cNvCxnSpPr>
+          <p:nvPr/>
+        </p:nvCxnSpPr>
+        <p:spPr>
+          <a:xfrm>
+            <a:off x="6952180" y="2871358"/>
+            <a:ext cx="983577" cy="373969"/>
+          </a:xfrm>
+          <a:prstGeom prst="bentConnector3">
+            <a:avLst/>
+          </a:prstGeom>
+          <a:ln>
+            <a:solidFill>
+              <a:srgbClr val="0070C0"/>
+            </a:solidFill>
+            <a:tailEnd type="triangle"/>
+          </a:ln>
+        </p:spPr>
+        <p:style>
+          <a:lnRef idx="1">
+            <a:schemeClr val="accent1"/>
+          </a:lnRef>
+          <a:fillRef idx="0">
+            <a:schemeClr val="accent1"/>
+          </a:fillRef>
+          <a:effectRef idx="0">
+            <a:schemeClr val="accent1"/>
+          </a:effectRef>
+          <a:fontRef idx="minor">
+            <a:schemeClr val="tx1"/>
+          </a:fontRef>
+        </p:style>
+      </p:cxnSp>
+      <p:cxnSp>
+        <p:nvCxnSpPr>
+          <p:cNvPr id="27" name="Elbow Connector 26"/>
+          <p:cNvCxnSpPr>
+            <a:stCxn id="13" idx="3"/>
+            <a:endCxn id="17" idx="1"/>
+          </p:cNvCxnSpPr>
+          <p:nvPr/>
+        </p:nvCxnSpPr>
+        <p:spPr>
+          <a:xfrm flipV="1">
+            <a:off x="6952180" y="3245327"/>
+            <a:ext cx="983577" cy="283127"/>
+          </a:xfrm>
+          <a:prstGeom prst="bentConnector3">
+            <a:avLst/>
+          </a:prstGeom>
+          <a:ln>
+            <a:solidFill>
+              <a:srgbClr val="0070C0"/>
+            </a:solidFill>
+            <a:tailEnd type="triangle"/>
+          </a:ln>
+        </p:spPr>
+        <p:style>
+          <a:lnRef idx="1">
+            <a:schemeClr val="accent1"/>
+          </a:lnRef>
+          <a:fillRef idx="0">
+            <a:schemeClr val="accent1"/>
+          </a:fillRef>
+          <a:effectRef idx="0">
+            <a:schemeClr val="accent1"/>
+          </a:effectRef>
+          <a:fontRef idx="minor">
+            <a:schemeClr val="tx1"/>
+          </a:fontRef>
+        </p:style>
+      </p:cxnSp>
+      <p:pic>
+        <p:nvPicPr>
+          <p:cNvPr id="28" name="Picture 27"/>
+          <p:cNvPicPr>
+            <a:picLocks noChangeAspect="1"/>
+          </p:cNvPicPr>
+          <p:nvPr/>
+        </p:nvPicPr>
+        <p:blipFill>
+          <a:blip r:embed="rId3" cstate="print">
+            <a:extLst>
+              <a:ext uri="{28A0092B-C50C-407E-A947-70E740481C1C}">
+                <a14:useLocalDpi xmlns:a14="http://schemas.microsoft.com/office/drawing/2010/main" val="0"/>
+              </a:ext>
+            </a:extLst>
+          </a:blip>
+          <a:stretch>
+            <a:fillRect/>
+          </a:stretch>
+        </p:blipFill>
+        <p:spPr>
+          <a:xfrm>
+            <a:off x="8471073" y="1958716"/>
+            <a:ext cx="668550" cy="668550"/>
+          </a:xfrm>
+          <a:prstGeom prst="rect">
+            <a:avLst/>
+          </a:prstGeom>
+        </p:spPr>
+      </p:pic>
+      <p:pic>
+        <p:nvPicPr>
+          <p:cNvPr id="29" name="Picture 28"/>
+          <p:cNvPicPr>
+            <a:picLocks noChangeAspect="1"/>
+          </p:cNvPicPr>
+          <p:nvPr/>
+        </p:nvPicPr>
+        <p:blipFill>
+          <a:blip r:embed="rId2" cstate="print">
+            <a:extLst>
+              <a:ext uri="{28A0092B-C50C-407E-A947-70E740481C1C}">
+                <a14:useLocalDpi xmlns:a14="http://schemas.microsoft.com/office/drawing/2010/main" val="0"/>
+              </a:ext>
+            </a:extLst>
+          </a:blip>
+          <a:stretch>
+            <a:fillRect/>
+          </a:stretch>
+        </p:blipFill>
+        <p:spPr>
+          <a:xfrm>
+            <a:off x="10524852" y="4349991"/>
+            <a:ext cx="1101249" cy="734166"/>
+          </a:xfrm>
+          <a:prstGeom prst="rect">
+            <a:avLst/>
+          </a:prstGeom>
+        </p:spPr>
+      </p:pic>
+      <p:sp>
+        <p:nvSpPr>
+          <p:cNvPr id="30" name="Title 1"/>
+          <p:cNvSpPr txBox="1">
+            <a:spLocks/>
+          </p:cNvSpPr>
+          <p:nvPr/>
+        </p:nvSpPr>
+        <p:spPr>
+          <a:xfrm>
+            <a:off x="648394" y="2101646"/>
+            <a:ext cx="5257456" cy="733833"/>
+          </a:xfrm>
+          <a:prstGeom prst="rect">
+            <a:avLst/>
+          </a:prstGeom>
+        </p:spPr>
+        <p:txBody>
+          <a:bodyPr/>
+          <a:lstStyle>
+            <a:lvl1pPr algn="l" defTabSz="914400" rtl="0" eaLnBrk="1" latinLnBrk="0" hangingPunct="1">
+              <a:lnSpc>
+                <a:spcPct val="90000"/>
+              </a:lnSpc>
+              <a:spcBef>
+                <a:spcPct val="0"/>
+              </a:spcBef>
+              <a:buNone/>
+              <a:defRPr sz="4400" kern="1200">
+                <a:solidFill>
+                  <a:schemeClr val="tx1"/>
+                </a:solidFill>
+                <a:latin typeface="+mj-lt"/>
+                <a:ea typeface="+mj-ea"/>
+                <a:cs typeface="+mj-cs"/>
+              </a:defRPr>
+            </a:lvl1pPr>
+          </a:lstStyle>
+          <a:p>
+            <a:r>
+              <a:rPr lang="fr-FR" dirty="0" smtClean="0"/>
+              <a:t>App Workflow</a:t>
+            </a:r>
+            <a:endParaRPr lang="fr-FR" dirty="0"/>
+          </a:p>
+        </p:txBody>
+      </p:sp>
+      <p:cxnSp>
+        <p:nvCxnSpPr>
+          <p:cNvPr id="32" name="Elbow Connector 31"/>
+          <p:cNvCxnSpPr>
+            <a:stCxn id="10" idx="3"/>
+            <a:endCxn id="14" idx="1"/>
+          </p:cNvCxnSpPr>
+          <p:nvPr/>
+        </p:nvCxnSpPr>
+        <p:spPr>
+          <a:xfrm flipV="1">
+            <a:off x="4226883" y="5000202"/>
+            <a:ext cx="708275" cy="1"/>
+          </a:xfrm>
+          <a:prstGeom prst="bentConnector3">
+            <a:avLst/>
+          </a:prstGeom>
+          <a:ln>
+            <a:solidFill>
+              <a:schemeClr val="tx1"/>
+            </a:solidFill>
+            <a:tailEnd type="triangle"/>
+          </a:ln>
+        </p:spPr>
+        <p:style>
+          <a:lnRef idx="1">
+            <a:schemeClr val="accent1"/>
+          </a:lnRef>
+          <a:fillRef idx="0">
+            <a:schemeClr val="accent1"/>
+          </a:fillRef>
+          <a:effectRef idx="0">
+            <a:schemeClr val="accent1"/>
+          </a:effectRef>
+          <a:fontRef idx="minor">
+            <a:schemeClr val="tx1"/>
+          </a:fontRef>
+        </p:style>
+      </p:cxnSp>
+      <p:cxnSp>
+        <p:nvCxnSpPr>
+          <p:cNvPr id="35" name="Elbow Connector 34"/>
+          <p:cNvCxnSpPr>
+            <a:stCxn id="11" idx="3"/>
+            <a:endCxn id="14" idx="2"/>
+          </p:cNvCxnSpPr>
+          <p:nvPr/>
+        </p:nvCxnSpPr>
+        <p:spPr>
+          <a:xfrm flipV="1">
+            <a:off x="4226883" y="5283330"/>
+            <a:ext cx="1716786" cy="849390"/>
+          </a:xfrm>
+          <a:prstGeom prst="bentConnector2">
+            <a:avLst/>
+          </a:prstGeom>
+          <a:ln>
+            <a:solidFill>
+              <a:schemeClr val="tx1"/>
+            </a:solidFill>
+            <a:tailEnd type="triangle"/>
+          </a:ln>
+        </p:spPr>
+        <p:style>
+          <a:lnRef idx="1">
+            <a:schemeClr val="accent1"/>
+          </a:lnRef>
+          <a:fillRef idx="0">
+            <a:schemeClr val="accent1"/>
+          </a:fillRef>
+          <a:effectRef idx="0">
+            <a:schemeClr val="accent1"/>
+          </a:effectRef>
+          <a:fontRef idx="minor">
+            <a:schemeClr val="tx1"/>
+          </a:fontRef>
+        </p:style>
+      </p:cxnSp>
+      <p:cxnSp>
+        <p:nvCxnSpPr>
+          <p:cNvPr id="39" name="Elbow Connector 38"/>
+          <p:cNvCxnSpPr>
+            <a:stCxn id="14" idx="3"/>
+            <a:endCxn id="18" idx="1"/>
+          </p:cNvCxnSpPr>
+          <p:nvPr/>
+        </p:nvCxnSpPr>
+        <p:spPr>
+          <a:xfrm flipV="1">
+            <a:off x="6952180" y="4525865"/>
+            <a:ext cx="983578" cy="474337"/>
+          </a:xfrm>
+          <a:prstGeom prst="bentConnector3">
+            <a:avLst/>
+          </a:prstGeom>
+          <a:ln>
+            <a:solidFill>
+              <a:srgbClr val="0070C0"/>
+            </a:solidFill>
+            <a:tailEnd type="triangle"/>
+          </a:ln>
+        </p:spPr>
+        <p:style>
+          <a:lnRef idx="1">
+            <a:schemeClr val="accent1"/>
+          </a:lnRef>
+          <a:fillRef idx="0">
+            <a:schemeClr val="accent1"/>
+          </a:fillRef>
+          <a:effectRef idx="0">
+            <a:schemeClr val="accent1"/>
+          </a:effectRef>
+          <a:fontRef idx="minor">
+            <a:schemeClr val="tx1"/>
+          </a:fontRef>
+        </p:style>
+      </p:cxnSp>
+      <p:cxnSp>
+        <p:nvCxnSpPr>
+          <p:cNvPr id="41" name="Elbow Connector 40"/>
+          <p:cNvCxnSpPr>
+            <a:stCxn id="11" idx="3"/>
+            <a:endCxn id="15" idx="1"/>
+          </p:cNvCxnSpPr>
+          <p:nvPr/>
+        </p:nvCxnSpPr>
+        <p:spPr>
+          <a:xfrm flipV="1">
+            <a:off x="4226883" y="5573067"/>
+            <a:ext cx="6087154" cy="559653"/>
+          </a:xfrm>
+          <a:prstGeom prst="bentConnector3">
+            <a:avLst/>
+          </a:prstGeom>
+          <a:ln>
+            <a:solidFill>
+              <a:schemeClr val="tx1"/>
+            </a:solidFill>
+            <a:tailEnd type="triangle"/>
+          </a:ln>
+        </p:spPr>
+        <p:style>
+          <a:lnRef idx="1">
+            <a:schemeClr val="accent1"/>
+          </a:lnRef>
+          <a:fillRef idx="0">
+            <a:schemeClr val="accent1"/>
+          </a:fillRef>
+          <a:effectRef idx="0">
+            <a:schemeClr val="accent1"/>
+          </a:effectRef>
+          <a:fontRef idx="minor">
+            <a:schemeClr val="tx1"/>
+          </a:fontRef>
+        </p:style>
+      </p:cxnSp>
+      <p:cxnSp>
+        <p:nvCxnSpPr>
+          <p:cNvPr id="43" name="Elbow Connector 42"/>
+          <p:cNvCxnSpPr>
+            <a:stCxn id="14" idx="3"/>
+            <a:endCxn id="19" idx="1"/>
+          </p:cNvCxnSpPr>
+          <p:nvPr/>
+        </p:nvCxnSpPr>
+        <p:spPr>
+          <a:xfrm>
+            <a:off x="6952180" y="5000202"/>
+            <a:ext cx="983577" cy="1224789"/>
+          </a:xfrm>
+          <a:prstGeom prst="bentConnector3">
+            <a:avLst/>
+          </a:prstGeom>
+          <a:ln>
+            <a:solidFill>
+              <a:srgbClr val="0070C0"/>
+            </a:solidFill>
+            <a:tailEnd type="triangle"/>
+          </a:ln>
+        </p:spPr>
+        <p:style>
+          <a:lnRef idx="1">
+            <a:schemeClr val="accent1"/>
+          </a:lnRef>
+          <a:fillRef idx="0">
+            <a:schemeClr val="accent1"/>
+          </a:fillRef>
+          <a:effectRef idx="0">
+            <a:schemeClr val="accent1"/>
+          </a:effectRef>
+          <a:fontRef idx="minor">
+            <a:schemeClr val="tx1"/>
+          </a:fontRef>
+        </p:style>
+      </p:cxnSp>
+      <p:cxnSp>
+        <p:nvCxnSpPr>
+          <p:cNvPr id="45" name="Elbow Connector 44"/>
+          <p:cNvCxnSpPr>
+            <a:stCxn id="19" idx="3"/>
+            <a:endCxn id="16" idx="1"/>
+          </p:cNvCxnSpPr>
+          <p:nvPr/>
+        </p:nvCxnSpPr>
+        <p:spPr>
+          <a:xfrm flipV="1">
+            <a:off x="9674940" y="6223652"/>
+            <a:ext cx="639097" cy="1339"/>
+          </a:xfrm>
+          <a:prstGeom prst="bentConnector3">
+            <a:avLst/>
+          </a:prstGeom>
+          <a:ln>
+            <a:solidFill>
+              <a:schemeClr val="tx1"/>
+            </a:solidFill>
+            <a:tailEnd type="triangle"/>
+          </a:ln>
+        </p:spPr>
+        <p:style>
+          <a:lnRef idx="1">
+            <a:schemeClr val="accent1"/>
+          </a:lnRef>
+          <a:fillRef idx="0">
+            <a:schemeClr val="accent1"/>
+          </a:fillRef>
+          <a:effectRef idx="0">
+            <a:schemeClr val="accent1"/>
+          </a:effectRef>
+          <a:fontRef idx="minor">
+            <a:schemeClr val="tx1"/>
+          </a:fontRef>
+        </p:style>
+      </p:cxnSp>
+      <p:cxnSp>
+        <p:nvCxnSpPr>
+          <p:cNvPr id="47" name="Elbow Connector 46"/>
+          <p:cNvCxnSpPr>
+            <a:stCxn id="17" idx="3"/>
+            <a:endCxn id="15" idx="1"/>
+          </p:cNvCxnSpPr>
+          <p:nvPr/>
+        </p:nvCxnSpPr>
+        <p:spPr>
+          <a:xfrm>
+            <a:off x="9674940" y="3245327"/>
+            <a:ext cx="639097" cy="2327740"/>
+          </a:xfrm>
+          <a:prstGeom prst="bentConnector3">
+            <a:avLst/>
+          </a:prstGeom>
+          <a:ln>
+            <a:solidFill>
+              <a:schemeClr val="tx1"/>
+            </a:solidFill>
+            <a:tailEnd type="triangle"/>
+          </a:ln>
+        </p:spPr>
+        <p:style>
+          <a:lnRef idx="1">
+            <a:schemeClr val="accent1"/>
+          </a:lnRef>
+          <a:fillRef idx="0">
+            <a:schemeClr val="accent1"/>
+          </a:fillRef>
+          <a:effectRef idx="0">
+            <a:schemeClr val="accent1"/>
+          </a:effectRef>
+          <a:fontRef idx="minor">
+            <a:schemeClr val="tx1"/>
+          </a:fontRef>
+        </p:style>
+      </p:cxnSp>
+      <p:cxnSp>
+        <p:nvCxnSpPr>
+          <p:cNvPr id="49" name="Elbow Connector 48"/>
+          <p:cNvCxnSpPr>
+            <a:stCxn id="17" idx="2"/>
+            <a:endCxn id="14" idx="0"/>
+          </p:cNvCxnSpPr>
+          <p:nvPr/>
+        </p:nvCxnSpPr>
+        <p:spPr>
+          <a:xfrm rot="5400000">
+            <a:off x="6824850" y="2736575"/>
+            <a:ext cx="1099318" cy="2861680"/>
+          </a:xfrm>
+          <a:prstGeom prst="bentConnector3">
+            <a:avLst/>
+          </a:prstGeom>
+          <a:ln>
+            <a:solidFill>
+              <a:schemeClr val="tx1"/>
+            </a:solidFill>
+            <a:tailEnd type="triangle"/>
+          </a:ln>
+        </p:spPr>
+        <p:style>
+          <a:lnRef idx="1">
+            <a:schemeClr val="accent1"/>
+          </a:lnRef>
+          <a:fillRef idx="0">
+            <a:schemeClr val="accent1"/>
+          </a:fillRef>
+          <a:effectRef idx="0">
+            <a:schemeClr val="accent1"/>
+          </a:effectRef>
+          <a:fontRef idx="minor">
+            <a:schemeClr val="tx1"/>
+          </a:fontRef>
+        </p:style>
+      </p:cxnSp>
+      <p:cxnSp>
+        <p:nvCxnSpPr>
+          <p:cNvPr id="51" name="Elbow Connector 50"/>
+          <p:cNvCxnSpPr>
+            <a:stCxn id="8" idx="3"/>
+            <a:endCxn id="9" idx="1"/>
+          </p:cNvCxnSpPr>
+          <p:nvPr/>
+        </p:nvCxnSpPr>
+        <p:spPr>
+          <a:xfrm flipV="1">
+            <a:off x="1433509" y="3848811"/>
+            <a:ext cx="673971" cy="393926"/>
+          </a:xfrm>
+          <a:prstGeom prst="bentConnector3">
+            <a:avLst/>
+          </a:prstGeom>
+          <a:ln>
+            <a:solidFill>
+              <a:srgbClr val="0070C0"/>
+            </a:solidFill>
+            <a:tailEnd type="triangle"/>
+          </a:ln>
+        </p:spPr>
+        <p:style>
+          <a:lnRef idx="1">
+            <a:schemeClr val="accent1"/>
+          </a:lnRef>
+          <a:fillRef idx="0">
+            <a:schemeClr val="accent1"/>
+          </a:fillRef>
+          <a:effectRef idx="0">
+            <a:schemeClr val="accent1"/>
+          </a:effectRef>
+          <a:fontRef idx="minor">
+            <a:schemeClr val="tx1"/>
+          </a:fontRef>
+        </p:style>
+      </p:cxnSp>
+      <p:cxnSp>
+        <p:nvCxnSpPr>
+          <p:cNvPr id="53" name="Elbow Connector 52"/>
+          <p:cNvCxnSpPr>
+            <a:stCxn id="8" idx="3"/>
+            <a:endCxn id="10" idx="1"/>
+          </p:cNvCxnSpPr>
+          <p:nvPr/>
+        </p:nvCxnSpPr>
+        <p:spPr>
+          <a:xfrm>
+            <a:off x="1433509" y="4242737"/>
+            <a:ext cx="673971" cy="757466"/>
+          </a:xfrm>
+          <a:prstGeom prst="bentConnector3">
+            <a:avLst/>
+          </a:prstGeom>
+          <a:ln>
+            <a:solidFill>
+              <a:srgbClr val="0070C0"/>
+            </a:solidFill>
+            <a:tailEnd type="triangle"/>
+          </a:ln>
+        </p:spPr>
+        <p:style>
+          <a:lnRef idx="1">
+            <a:schemeClr val="accent1"/>
+          </a:lnRef>
+          <a:fillRef idx="0">
+            <a:schemeClr val="accent1"/>
+          </a:fillRef>
+          <a:effectRef idx="0">
+            <a:schemeClr val="accent1"/>
+          </a:effectRef>
+          <a:fontRef idx="minor">
+            <a:schemeClr val="tx1"/>
+          </a:fontRef>
+        </p:style>
+      </p:cxnSp>
+      <p:cxnSp>
+        <p:nvCxnSpPr>
+          <p:cNvPr id="55" name="Elbow Connector 54"/>
+          <p:cNvCxnSpPr>
+            <a:stCxn id="8" idx="3"/>
+            <a:endCxn id="11" idx="1"/>
+          </p:cNvCxnSpPr>
+          <p:nvPr/>
+        </p:nvCxnSpPr>
+        <p:spPr>
+          <a:xfrm>
+            <a:off x="1433509" y="4242737"/>
+            <a:ext cx="679998" cy="1889983"/>
+          </a:xfrm>
+          <a:prstGeom prst="bentConnector3">
+            <a:avLst/>
+          </a:prstGeom>
+          <a:ln>
+            <a:solidFill>
+              <a:srgbClr val="0070C0"/>
+            </a:solidFill>
+            <a:tailEnd type="triangle"/>
+          </a:ln>
+        </p:spPr>
+        <p:style>
+          <a:lnRef idx="1">
+            <a:schemeClr val="accent1"/>
+          </a:lnRef>
+          <a:fillRef idx="0">
+            <a:schemeClr val="accent1"/>
+          </a:fillRef>
+          <a:effectRef idx="0">
+            <a:schemeClr val="accent1"/>
+          </a:effectRef>
+          <a:fontRef idx="minor">
+            <a:schemeClr val="tx1"/>
+          </a:fontRef>
+        </p:style>
+      </p:cxnSp>
+      <p:pic>
+        <p:nvPicPr>
+          <p:cNvPr id="56" name="Picture 55"/>
+          <p:cNvPicPr>
+            <a:picLocks noChangeAspect="1"/>
+          </p:cNvPicPr>
+          <p:nvPr/>
+        </p:nvPicPr>
+        <p:blipFill>
+          <a:blip r:embed="rId2" cstate="print">
+            <a:extLst>
+              <a:ext uri="{28A0092B-C50C-407E-A947-70E740481C1C}">
+                <a14:useLocalDpi xmlns:a14="http://schemas.microsoft.com/office/drawing/2010/main" val="0"/>
+              </a:ext>
+            </a:extLst>
+          </a:blip>
+          <a:stretch>
+            <a:fillRect/>
+          </a:stretch>
+        </p:blipFill>
+        <p:spPr>
+          <a:xfrm>
+            <a:off x="304044" y="3245326"/>
+            <a:ext cx="1101249" cy="734166"/>
+          </a:xfrm>
+          <a:prstGeom prst="rect">
+            <a:avLst/>
+          </a:prstGeom>
+        </p:spPr>
+      </p:pic>
+    </p:spTree>
+    <p:extLst>
+      <p:ext uri="{BB962C8B-B14F-4D97-AF65-F5344CB8AC3E}">
+        <p14:creationId xmlns:p14="http://schemas.microsoft.com/office/powerpoint/2010/main" val="1162212200"/>
+      </p:ext>
+    </p:extLst>
+  </p:cSld>
+  <p:clrMapOvr>
+    <a:masterClrMapping/>
+  </p:clrMapOvr>
+  <p:timing>
+    <p:tnLst>
+      <p:par>
+        <p:cTn id="1" dur="indefinite" restart="never" nodeType="tmRoot">
+          <p:childTnLst>
+            <p:seq concurrent="1" nextAc="seek">
+              <p:cTn id="2" dur="indefinite" nodeType="mainSeq">
+                <p:childTnLst>
+                  <p:par>
+                    <p:cTn id="3" fill="hold">
+                      <p:stCondLst>
+                        <p:cond delay="indefinite"/>
+                      </p:stCondLst>
+                      <p:childTnLst>
+                        <p:par>
+                          <p:cTn id="4" fill="hold">
+                            <p:stCondLst>
+                              <p:cond delay="0"/>
+                            </p:stCondLst>
+                            <p:childTnLst>
+                              <p:par>
+                                <p:cTn id="5" presetID="10" presetClass="entr" presetSubtype="0" fill="hold" nodeType="clickEffect">
+                                  <p:stCondLst>
+                                    <p:cond delay="0"/>
+                                  </p:stCondLst>
+                                  <p:childTnLst>
+                                    <p:set>
+                                      <p:cBhvr>
+                                        <p:cTn id="6" dur="1" fill="hold">
+                                          <p:stCondLst>
+                                            <p:cond delay="0"/>
+                                          </p:stCondLst>
+                                        </p:cTn>
+                                        <p:tgtEl>
+                                          <p:spTgt spid="7"/>
+                                        </p:tgtEl>
+                                        <p:attrNameLst>
+                                          <p:attrName>style.visibility</p:attrName>
+                                        </p:attrNameLst>
+                                      </p:cBhvr>
+                                      <p:to>
+                                        <p:strVal val="visible"/>
+                                      </p:to>
+                                    </p:set>
+                                    <p:animEffect transition="in" filter="fade">
+                                      <p:cBhvr>
+                                        <p:cTn id="7" dur="500"/>
+                                        <p:tgtEl>
+                                          <p:spTgt spid="7"/>
+                                        </p:tgtEl>
+                                      </p:cBhvr>
+                                    </p:animEffect>
+                                  </p:childTnLst>
+                                </p:cTn>
+                              </p:par>
+                              <p:par>
+                                <p:cTn id="8" presetID="10" presetClass="entr" presetSubtype="0" fill="hold" grpId="0" nodeType="withEffect">
+                                  <p:stCondLst>
+                                    <p:cond delay="0"/>
+                                  </p:stCondLst>
+                                  <p:childTnLst>
+                                    <p:set>
+                                      <p:cBhvr>
+                                        <p:cTn id="9" dur="1" fill="hold">
+                                          <p:stCondLst>
+                                            <p:cond delay="0"/>
+                                          </p:stCondLst>
+                                        </p:cTn>
+                                        <p:tgtEl>
+                                          <p:spTgt spid="9"/>
+                                        </p:tgtEl>
+                                        <p:attrNameLst>
+                                          <p:attrName>style.visibility</p:attrName>
+                                        </p:attrNameLst>
+                                      </p:cBhvr>
+                                      <p:to>
+                                        <p:strVal val="visible"/>
+                                      </p:to>
+                                    </p:set>
+                                    <p:animEffect transition="in" filter="fade">
+                                      <p:cBhvr>
+                                        <p:cTn id="10" dur="500"/>
+                                        <p:tgtEl>
+                                          <p:spTgt spid="9"/>
+                                        </p:tgtEl>
+                                      </p:cBhvr>
+                                    </p:animEffect>
+                                  </p:childTnLst>
+                                </p:cTn>
+                              </p:par>
+                              <p:par>
+                                <p:cTn id="11" presetID="10" presetClass="entr" presetSubtype="0" fill="hold" grpId="0" nodeType="withEffect">
+                                  <p:stCondLst>
+                                    <p:cond delay="0"/>
+                                  </p:stCondLst>
+                                  <p:childTnLst>
+                                    <p:set>
+                                      <p:cBhvr>
+                                        <p:cTn id="12" dur="1" fill="hold">
+                                          <p:stCondLst>
+                                            <p:cond delay="0"/>
+                                          </p:stCondLst>
+                                        </p:cTn>
+                                        <p:tgtEl>
+                                          <p:spTgt spid="10"/>
+                                        </p:tgtEl>
+                                        <p:attrNameLst>
+                                          <p:attrName>style.visibility</p:attrName>
+                                        </p:attrNameLst>
+                                      </p:cBhvr>
+                                      <p:to>
+                                        <p:strVal val="visible"/>
+                                      </p:to>
+                                    </p:set>
+                                    <p:animEffect transition="in" filter="fade">
+                                      <p:cBhvr>
+                                        <p:cTn id="13" dur="500"/>
+                                        <p:tgtEl>
+                                          <p:spTgt spid="10"/>
+                                        </p:tgtEl>
+                                      </p:cBhvr>
+                                    </p:animEffect>
+                                  </p:childTnLst>
+                                </p:cTn>
+                              </p:par>
+                              <p:par>
+                                <p:cTn id="14" presetID="10" presetClass="entr" presetSubtype="0" fill="hold" grpId="0" nodeType="withEffect">
+                                  <p:stCondLst>
+                                    <p:cond delay="0"/>
+                                  </p:stCondLst>
+                                  <p:childTnLst>
+                                    <p:set>
+                                      <p:cBhvr>
+                                        <p:cTn id="15" dur="1" fill="hold">
+                                          <p:stCondLst>
+                                            <p:cond delay="0"/>
+                                          </p:stCondLst>
+                                        </p:cTn>
+                                        <p:tgtEl>
+                                          <p:spTgt spid="11"/>
+                                        </p:tgtEl>
+                                        <p:attrNameLst>
+                                          <p:attrName>style.visibility</p:attrName>
+                                        </p:attrNameLst>
+                                      </p:cBhvr>
+                                      <p:to>
+                                        <p:strVal val="visible"/>
+                                      </p:to>
+                                    </p:set>
+                                    <p:animEffect transition="in" filter="fade">
+                                      <p:cBhvr>
+                                        <p:cTn id="16" dur="500"/>
+                                        <p:tgtEl>
+                                          <p:spTgt spid="11"/>
+                                        </p:tgtEl>
+                                      </p:cBhvr>
+                                    </p:animEffect>
+                                  </p:childTnLst>
+                                </p:cTn>
+                              </p:par>
+                              <p:par>
+                                <p:cTn id="17" presetID="10" presetClass="entr" presetSubtype="0" fill="hold" nodeType="withEffect">
+                                  <p:stCondLst>
+                                    <p:cond delay="0"/>
+                                  </p:stCondLst>
+                                  <p:childTnLst>
+                                    <p:set>
+                                      <p:cBhvr>
+                                        <p:cTn id="18" dur="1" fill="hold">
+                                          <p:stCondLst>
+                                            <p:cond delay="0"/>
+                                          </p:stCondLst>
+                                        </p:cTn>
+                                        <p:tgtEl>
+                                          <p:spTgt spid="55"/>
+                                        </p:tgtEl>
+                                        <p:attrNameLst>
+                                          <p:attrName>style.visibility</p:attrName>
+                                        </p:attrNameLst>
+                                      </p:cBhvr>
+                                      <p:to>
+                                        <p:strVal val="visible"/>
+                                      </p:to>
+                                    </p:set>
+                                    <p:animEffect transition="in" filter="fade">
+                                      <p:cBhvr>
+                                        <p:cTn id="19" dur="500"/>
+                                        <p:tgtEl>
+                                          <p:spTgt spid="55"/>
+                                        </p:tgtEl>
+                                      </p:cBhvr>
+                                    </p:animEffect>
+                                  </p:childTnLst>
+                                </p:cTn>
+                              </p:par>
+                              <p:par>
+                                <p:cTn id="20" presetID="10" presetClass="entr" presetSubtype="0" fill="hold" nodeType="withEffect">
+                                  <p:stCondLst>
+                                    <p:cond delay="0"/>
+                                  </p:stCondLst>
+                                  <p:childTnLst>
+                                    <p:set>
+                                      <p:cBhvr>
+                                        <p:cTn id="21" dur="1" fill="hold">
+                                          <p:stCondLst>
+                                            <p:cond delay="0"/>
+                                          </p:stCondLst>
+                                        </p:cTn>
+                                        <p:tgtEl>
+                                          <p:spTgt spid="53"/>
+                                        </p:tgtEl>
+                                        <p:attrNameLst>
+                                          <p:attrName>style.visibility</p:attrName>
+                                        </p:attrNameLst>
+                                      </p:cBhvr>
+                                      <p:to>
+                                        <p:strVal val="visible"/>
+                                      </p:to>
+                                    </p:set>
+                                    <p:animEffect transition="in" filter="fade">
+                                      <p:cBhvr>
+                                        <p:cTn id="22" dur="500"/>
+                                        <p:tgtEl>
+                                          <p:spTgt spid="53"/>
+                                        </p:tgtEl>
+                                      </p:cBhvr>
+                                    </p:animEffect>
+                                  </p:childTnLst>
+                                </p:cTn>
+                              </p:par>
+                              <p:par>
+                                <p:cTn id="23" presetID="10" presetClass="entr" presetSubtype="0" fill="hold" nodeType="withEffect">
+                                  <p:stCondLst>
+                                    <p:cond delay="0"/>
+                                  </p:stCondLst>
+                                  <p:childTnLst>
+                                    <p:set>
+                                      <p:cBhvr>
+                                        <p:cTn id="24" dur="1" fill="hold">
+                                          <p:stCondLst>
+                                            <p:cond delay="0"/>
+                                          </p:stCondLst>
+                                        </p:cTn>
+                                        <p:tgtEl>
+                                          <p:spTgt spid="51"/>
+                                        </p:tgtEl>
+                                        <p:attrNameLst>
+                                          <p:attrName>style.visibility</p:attrName>
+                                        </p:attrNameLst>
+                                      </p:cBhvr>
+                                      <p:to>
+                                        <p:strVal val="visible"/>
+                                      </p:to>
+                                    </p:set>
+                                    <p:animEffect transition="in" filter="fade">
+                                      <p:cBhvr>
+                                        <p:cTn id="25" dur="500"/>
+                                        <p:tgtEl>
+                                          <p:spTgt spid="51"/>
+                                        </p:tgtEl>
+                                      </p:cBhvr>
+                                    </p:animEffect>
+                                  </p:childTnLst>
+                                </p:cTn>
+                              </p:par>
+                            </p:childTnLst>
+                          </p:cTn>
+                        </p:par>
+                      </p:childTnLst>
+                    </p:cTn>
+                  </p:par>
+                  <p:par>
+                    <p:cTn id="26" fill="hold">
+                      <p:stCondLst>
+                        <p:cond delay="indefinite"/>
+                      </p:stCondLst>
+                      <p:childTnLst>
+                        <p:par>
+                          <p:cTn id="27" fill="hold">
+                            <p:stCondLst>
+                              <p:cond delay="0"/>
+                            </p:stCondLst>
+                            <p:childTnLst>
+                              <p:par>
+                                <p:cTn id="28" presetID="10" presetClass="entr" presetSubtype="0" fill="hold" nodeType="clickEffect">
+                                  <p:stCondLst>
+                                    <p:cond delay="0"/>
+                                  </p:stCondLst>
+                                  <p:childTnLst>
+                                    <p:set>
+                                      <p:cBhvr>
+                                        <p:cTn id="29" dur="1" fill="hold">
+                                          <p:stCondLst>
+                                            <p:cond delay="0"/>
+                                          </p:stCondLst>
+                                        </p:cTn>
+                                        <p:tgtEl>
+                                          <p:spTgt spid="32"/>
+                                        </p:tgtEl>
+                                        <p:attrNameLst>
+                                          <p:attrName>style.visibility</p:attrName>
+                                        </p:attrNameLst>
+                                      </p:cBhvr>
+                                      <p:to>
+                                        <p:strVal val="visible"/>
+                                      </p:to>
+                                    </p:set>
+                                    <p:animEffect transition="in" filter="fade">
+                                      <p:cBhvr>
+                                        <p:cTn id="30" dur="500"/>
+                                        <p:tgtEl>
+                                          <p:spTgt spid="32"/>
+                                        </p:tgtEl>
+                                      </p:cBhvr>
+                                    </p:animEffect>
+                                  </p:childTnLst>
+                                </p:cTn>
+                              </p:par>
+                              <p:par>
+                                <p:cTn id="31" presetID="10" presetClass="entr" presetSubtype="0" fill="hold" nodeType="withEffect">
+                                  <p:stCondLst>
+                                    <p:cond delay="0"/>
+                                  </p:stCondLst>
+                                  <p:childTnLst>
+                                    <p:set>
+                                      <p:cBhvr>
+                                        <p:cTn id="32" dur="1" fill="hold">
+                                          <p:stCondLst>
+                                            <p:cond delay="0"/>
+                                          </p:stCondLst>
+                                        </p:cTn>
+                                        <p:tgtEl>
+                                          <p:spTgt spid="35"/>
+                                        </p:tgtEl>
+                                        <p:attrNameLst>
+                                          <p:attrName>style.visibility</p:attrName>
+                                        </p:attrNameLst>
+                                      </p:cBhvr>
+                                      <p:to>
+                                        <p:strVal val="visible"/>
+                                      </p:to>
+                                    </p:set>
+                                    <p:animEffect transition="in" filter="fade">
+                                      <p:cBhvr>
+                                        <p:cTn id="33" dur="500"/>
+                                        <p:tgtEl>
+                                          <p:spTgt spid="35"/>
+                                        </p:tgtEl>
+                                      </p:cBhvr>
+                                    </p:animEffect>
+                                  </p:childTnLst>
+                                </p:cTn>
+                              </p:par>
+                              <p:par>
+                                <p:cTn id="34" presetID="10" presetClass="entr" presetSubtype="0" fill="hold" grpId="0" nodeType="withEffect">
+                                  <p:stCondLst>
+                                    <p:cond delay="0"/>
+                                  </p:stCondLst>
+                                  <p:childTnLst>
+                                    <p:set>
+                                      <p:cBhvr>
+                                        <p:cTn id="35" dur="1" fill="hold">
+                                          <p:stCondLst>
+                                            <p:cond delay="0"/>
+                                          </p:stCondLst>
+                                        </p:cTn>
+                                        <p:tgtEl>
+                                          <p:spTgt spid="14"/>
+                                        </p:tgtEl>
+                                        <p:attrNameLst>
+                                          <p:attrName>style.visibility</p:attrName>
+                                        </p:attrNameLst>
+                                      </p:cBhvr>
+                                      <p:to>
+                                        <p:strVal val="visible"/>
+                                      </p:to>
+                                    </p:set>
+                                    <p:animEffect transition="in" filter="fade">
+                                      <p:cBhvr>
+                                        <p:cTn id="36" dur="500"/>
+                                        <p:tgtEl>
+                                          <p:spTgt spid="14"/>
+                                        </p:tgtEl>
+                                      </p:cBhvr>
+                                    </p:animEffect>
+                                  </p:childTnLst>
+                                </p:cTn>
+                              </p:par>
+                              <p:par>
+                                <p:cTn id="37" presetID="10" presetClass="entr" presetSubtype="0" fill="hold" nodeType="withEffect">
+                                  <p:stCondLst>
+                                    <p:cond delay="0"/>
+                                  </p:stCondLst>
+                                  <p:childTnLst>
+                                    <p:set>
+                                      <p:cBhvr>
+                                        <p:cTn id="38" dur="1" fill="hold">
+                                          <p:stCondLst>
+                                            <p:cond delay="0"/>
+                                          </p:stCondLst>
+                                        </p:cTn>
+                                        <p:tgtEl>
+                                          <p:spTgt spid="5"/>
+                                        </p:tgtEl>
+                                        <p:attrNameLst>
+                                          <p:attrName>style.visibility</p:attrName>
+                                        </p:attrNameLst>
+                                      </p:cBhvr>
+                                      <p:to>
+                                        <p:strVal val="visible"/>
+                                      </p:to>
+                                    </p:set>
+                                    <p:animEffect transition="in" filter="fade">
+                                      <p:cBhvr>
+                                        <p:cTn id="39" dur="500"/>
+                                        <p:tgtEl>
+                                          <p:spTgt spid="5"/>
+                                        </p:tgtEl>
+                                      </p:cBhvr>
+                                    </p:animEffect>
+                                  </p:childTnLst>
+                                </p:cTn>
+                              </p:par>
+                            </p:childTnLst>
+                          </p:cTn>
+                        </p:par>
+                      </p:childTnLst>
+                    </p:cTn>
+                  </p:par>
+                  <p:par>
+                    <p:cTn id="40" fill="hold">
+                      <p:stCondLst>
+                        <p:cond delay="indefinite"/>
+                      </p:stCondLst>
+                      <p:childTnLst>
+                        <p:par>
+                          <p:cTn id="41" fill="hold">
+                            <p:stCondLst>
+                              <p:cond delay="0"/>
+                            </p:stCondLst>
+                            <p:childTnLst>
+                              <p:par>
+                                <p:cTn id="42" presetID="10" presetClass="entr" presetSubtype="0" fill="hold" nodeType="clickEffect">
+                                  <p:stCondLst>
+                                    <p:cond delay="0"/>
+                                  </p:stCondLst>
+                                  <p:childTnLst>
+                                    <p:set>
+                                      <p:cBhvr>
+                                        <p:cTn id="43" dur="1" fill="hold">
+                                          <p:stCondLst>
+                                            <p:cond delay="0"/>
+                                          </p:stCondLst>
+                                        </p:cTn>
+                                        <p:tgtEl>
+                                          <p:spTgt spid="39"/>
+                                        </p:tgtEl>
+                                        <p:attrNameLst>
+                                          <p:attrName>style.visibility</p:attrName>
+                                        </p:attrNameLst>
+                                      </p:cBhvr>
+                                      <p:to>
+                                        <p:strVal val="visible"/>
+                                      </p:to>
+                                    </p:set>
+                                    <p:animEffect transition="in" filter="fade">
+                                      <p:cBhvr>
+                                        <p:cTn id="44" dur="500"/>
+                                        <p:tgtEl>
+                                          <p:spTgt spid="39"/>
+                                        </p:tgtEl>
+                                      </p:cBhvr>
+                                    </p:animEffect>
+                                  </p:childTnLst>
+                                </p:cTn>
+                              </p:par>
+                              <p:par>
+                                <p:cTn id="45" presetID="10" presetClass="entr" presetSubtype="0" fill="hold" nodeType="withEffect">
+                                  <p:stCondLst>
+                                    <p:cond delay="0"/>
+                                  </p:stCondLst>
+                                  <p:childTnLst>
+                                    <p:set>
+                                      <p:cBhvr>
+                                        <p:cTn id="46" dur="1" fill="hold">
+                                          <p:stCondLst>
+                                            <p:cond delay="0"/>
+                                          </p:stCondLst>
+                                        </p:cTn>
+                                        <p:tgtEl>
+                                          <p:spTgt spid="43"/>
+                                        </p:tgtEl>
+                                        <p:attrNameLst>
+                                          <p:attrName>style.visibility</p:attrName>
+                                        </p:attrNameLst>
+                                      </p:cBhvr>
+                                      <p:to>
+                                        <p:strVal val="visible"/>
+                                      </p:to>
+                                    </p:set>
+                                    <p:animEffect transition="in" filter="fade">
+                                      <p:cBhvr>
+                                        <p:cTn id="47" dur="500"/>
+                                        <p:tgtEl>
+                                          <p:spTgt spid="43"/>
+                                        </p:tgtEl>
+                                      </p:cBhvr>
+                                    </p:animEffect>
+                                  </p:childTnLst>
+                                </p:cTn>
+                              </p:par>
+                              <p:par>
+                                <p:cTn id="48" presetID="10" presetClass="entr" presetSubtype="0" fill="hold" grpId="0" nodeType="withEffect">
+                                  <p:stCondLst>
+                                    <p:cond delay="0"/>
+                                  </p:stCondLst>
+                                  <p:childTnLst>
+                                    <p:set>
+                                      <p:cBhvr>
+                                        <p:cTn id="49" dur="1" fill="hold">
+                                          <p:stCondLst>
+                                            <p:cond delay="0"/>
+                                          </p:stCondLst>
+                                        </p:cTn>
+                                        <p:tgtEl>
+                                          <p:spTgt spid="19"/>
+                                        </p:tgtEl>
+                                        <p:attrNameLst>
+                                          <p:attrName>style.visibility</p:attrName>
+                                        </p:attrNameLst>
+                                      </p:cBhvr>
+                                      <p:to>
+                                        <p:strVal val="visible"/>
+                                      </p:to>
+                                    </p:set>
+                                    <p:animEffect transition="in" filter="fade">
+                                      <p:cBhvr>
+                                        <p:cTn id="50" dur="500"/>
+                                        <p:tgtEl>
+                                          <p:spTgt spid="19"/>
+                                        </p:tgtEl>
+                                      </p:cBhvr>
+                                    </p:animEffect>
+                                  </p:childTnLst>
+                                </p:cTn>
+                              </p:par>
+                              <p:par>
+                                <p:cTn id="51" presetID="10" presetClass="entr" presetSubtype="0" fill="hold" grpId="0" nodeType="withEffect">
+                                  <p:stCondLst>
+                                    <p:cond delay="0"/>
+                                  </p:stCondLst>
+                                  <p:childTnLst>
+                                    <p:set>
+                                      <p:cBhvr>
+                                        <p:cTn id="52" dur="1" fill="hold">
+                                          <p:stCondLst>
+                                            <p:cond delay="0"/>
+                                          </p:stCondLst>
+                                        </p:cTn>
+                                        <p:tgtEl>
+                                          <p:spTgt spid="18"/>
+                                        </p:tgtEl>
+                                        <p:attrNameLst>
+                                          <p:attrName>style.visibility</p:attrName>
+                                        </p:attrNameLst>
+                                      </p:cBhvr>
+                                      <p:to>
+                                        <p:strVal val="visible"/>
+                                      </p:to>
+                                    </p:set>
+                                    <p:animEffect transition="in" filter="fade">
+                                      <p:cBhvr>
+                                        <p:cTn id="53" dur="500"/>
+                                        <p:tgtEl>
+                                          <p:spTgt spid="18"/>
+                                        </p:tgtEl>
+                                      </p:cBhvr>
+                                    </p:animEffect>
+                                  </p:childTnLst>
+                                </p:cTn>
+                              </p:par>
+                              <p:par>
+                                <p:cTn id="54" presetID="10" presetClass="entr" presetSubtype="0" fill="hold" nodeType="withEffect">
+                                  <p:stCondLst>
+                                    <p:cond delay="0"/>
+                                  </p:stCondLst>
+                                  <p:childTnLst>
+                                    <p:set>
+                                      <p:cBhvr>
+                                        <p:cTn id="55" dur="1" fill="hold">
+                                          <p:stCondLst>
+                                            <p:cond delay="0"/>
+                                          </p:stCondLst>
+                                        </p:cTn>
+                                        <p:tgtEl>
+                                          <p:spTgt spid="28"/>
+                                        </p:tgtEl>
+                                        <p:attrNameLst>
+                                          <p:attrName>style.visibility</p:attrName>
+                                        </p:attrNameLst>
+                                      </p:cBhvr>
+                                      <p:to>
+                                        <p:strVal val="visible"/>
+                                      </p:to>
+                                    </p:set>
+                                    <p:animEffect transition="in" filter="fade">
+                                      <p:cBhvr>
+                                        <p:cTn id="56" dur="500"/>
+                                        <p:tgtEl>
+                                          <p:spTgt spid="28"/>
+                                        </p:tgtEl>
+                                      </p:cBhvr>
+                                    </p:animEffect>
+                                  </p:childTnLst>
+                                </p:cTn>
+                              </p:par>
+                            </p:childTnLst>
+                          </p:cTn>
+                        </p:par>
+                      </p:childTnLst>
+                    </p:cTn>
+                  </p:par>
+                  <p:par>
+                    <p:cTn id="57" fill="hold">
+                      <p:stCondLst>
+                        <p:cond delay="indefinite"/>
+                      </p:stCondLst>
+                      <p:childTnLst>
+                        <p:par>
+                          <p:cTn id="58" fill="hold">
+                            <p:stCondLst>
+                              <p:cond delay="0"/>
+                            </p:stCondLst>
+                            <p:childTnLst>
+                              <p:par>
+                                <p:cTn id="59" presetID="10" presetClass="entr" presetSubtype="0" fill="hold" nodeType="clickEffect">
+                                  <p:stCondLst>
+                                    <p:cond delay="0"/>
+                                  </p:stCondLst>
+                                  <p:childTnLst>
+                                    <p:set>
+                                      <p:cBhvr>
+                                        <p:cTn id="60" dur="1" fill="hold">
+                                          <p:stCondLst>
+                                            <p:cond delay="0"/>
+                                          </p:stCondLst>
+                                        </p:cTn>
+                                        <p:tgtEl>
+                                          <p:spTgt spid="45"/>
+                                        </p:tgtEl>
+                                        <p:attrNameLst>
+                                          <p:attrName>style.visibility</p:attrName>
+                                        </p:attrNameLst>
+                                      </p:cBhvr>
+                                      <p:to>
+                                        <p:strVal val="visible"/>
+                                      </p:to>
+                                    </p:set>
+                                    <p:animEffect transition="in" filter="fade">
+                                      <p:cBhvr>
+                                        <p:cTn id="61" dur="500"/>
+                                        <p:tgtEl>
+                                          <p:spTgt spid="45"/>
+                                        </p:tgtEl>
+                                      </p:cBhvr>
+                                    </p:animEffect>
+                                  </p:childTnLst>
+                                </p:cTn>
+                              </p:par>
+                              <p:par>
+                                <p:cTn id="62" presetID="10" presetClass="entr" presetSubtype="0" fill="hold" nodeType="withEffect">
+                                  <p:stCondLst>
+                                    <p:cond delay="0"/>
+                                  </p:stCondLst>
+                                  <p:childTnLst>
+                                    <p:set>
+                                      <p:cBhvr>
+                                        <p:cTn id="63" dur="1" fill="hold">
+                                          <p:stCondLst>
+                                            <p:cond delay="0"/>
+                                          </p:stCondLst>
+                                        </p:cTn>
+                                        <p:tgtEl>
+                                          <p:spTgt spid="41"/>
+                                        </p:tgtEl>
+                                        <p:attrNameLst>
+                                          <p:attrName>style.visibility</p:attrName>
+                                        </p:attrNameLst>
+                                      </p:cBhvr>
+                                      <p:to>
+                                        <p:strVal val="visible"/>
+                                      </p:to>
+                                    </p:set>
+                                    <p:animEffect transition="in" filter="fade">
+                                      <p:cBhvr>
+                                        <p:cTn id="64" dur="500"/>
+                                        <p:tgtEl>
+                                          <p:spTgt spid="41"/>
+                                        </p:tgtEl>
+                                      </p:cBhvr>
+                                    </p:animEffect>
+                                  </p:childTnLst>
+                                </p:cTn>
+                              </p:par>
+                              <p:par>
+                                <p:cTn id="65" presetID="10" presetClass="entr" presetSubtype="0" fill="hold" grpId="0" nodeType="withEffect">
+                                  <p:stCondLst>
+                                    <p:cond delay="0"/>
+                                  </p:stCondLst>
+                                  <p:childTnLst>
+                                    <p:set>
+                                      <p:cBhvr>
+                                        <p:cTn id="66" dur="1" fill="hold">
+                                          <p:stCondLst>
+                                            <p:cond delay="0"/>
+                                          </p:stCondLst>
+                                        </p:cTn>
+                                        <p:tgtEl>
+                                          <p:spTgt spid="15"/>
+                                        </p:tgtEl>
+                                        <p:attrNameLst>
+                                          <p:attrName>style.visibility</p:attrName>
+                                        </p:attrNameLst>
+                                      </p:cBhvr>
+                                      <p:to>
+                                        <p:strVal val="visible"/>
+                                      </p:to>
+                                    </p:set>
+                                    <p:animEffect transition="in" filter="fade">
+                                      <p:cBhvr>
+                                        <p:cTn id="67" dur="500"/>
+                                        <p:tgtEl>
+                                          <p:spTgt spid="15"/>
+                                        </p:tgtEl>
+                                      </p:cBhvr>
+                                    </p:animEffect>
+                                  </p:childTnLst>
+                                </p:cTn>
+                              </p:par>
+                              <p:par>
+                                <p:cTn id="68" presetID="10" presetClass="entr" presetSubtype="0" fill="hold" grpId="0" nodeType="withEffect">
+                                  <p:stCondLst>
+                                    <p:cond delay="0"/>
+                                  </p:stCondLst>
+                                  <p:childTnLst>
+                                    <p:set>
+                                      <p:cBhvr>
+                                        <p:cTn id="69" dur="1" fill="hold">
+                                          <p:stCondLst>
+                                            <p:cond delay="0"/>
+                                          </p:stCondLst>
+                                        </p:cTn>
+                                        <p:tgtEl>
+                                          <p:spTgt spid="16"/>
+                                        </p:tgtEl>
+                                        <p:attrNameLst>
+                                          <p:attrName>style.visibility</p:attrName>
+                                        </p:attrNameLst>
+                                      </p:cBhvr>
+                                      <p:to>
+                                        <p:strVal val="visible"/>
+                                      </p:to>
+                                    </p:set>
+                                    <p:animEffect transition="in" filter="fade">
+                                      <p:cBhvr>
+                                        <p:cTn id="70" dur="500"/>
+                                        <p:tgtEl>
+                                          <p:spTgt spid="16"/>
+                                        </p:tgtEl>
+                                      </p:cBhvr>
+                                    </p:animEffect>
+                                  </p:childTnLst>
+                                </p:cTn>
+                              </p:par>
+                            </p:childTnLst>
+                          </p:cTn>
+                        </p:par>
+                      </p:childTnLst>
+                    </p:cTn>
+                  </p:par>
+                  <p:par>
+                    <p:cTn id="71" fill="hold">
+                      <p:stCondLst>
+                        <p:cond delay="indefinite"/>
+                      </p:stCondLst>
+                      <p:childTnLst>
+                        <p:par>
+                          <p:cTn id="72" fill="hold">
+                            <p:stCondLst>
+                              <p:cond delay="0"/>
+                            </p:stCondLst>
+                            <p:childTnLst>
+                              <p:par>
+                                <p:cTn id="73" presetID="10" presetClass="entr" presetSubtype="0" fill="hold" nodeType="clickEffect">
+                                  <p:stCondLst>
+                                    <p:cond delay="0"/>
+                                  </p:stCondLst>
+                                  <p:childTnLst>
+                                    <p:set>
+                                      <p:cBhvr>
+                                        <p:cTn id="74" dur="1" fill="hold">
+                                          <p:stCondLst>
+                                            <p:cond delay="0"/>
+                                          </p:stCondLst>
+                                        </p:cTn>
+                                        <p:tgtEl>
+                                          <p:spTgt spid="4"/>
+                                        </p:tgtEl>
+                                        <p:attrNameLst>
+                                          <p:attrName>style.visibility</p:attrName>
+                                        </p:attrNameLst>
+                                      </p:cBhvr>
+                                      <p:to>
+                                        <p:strVal val="visible"/>
+                                      </p:to>
+                                    </p:set>
+                                    <p:animEffect transition="in" filter="fade">
+                                      <p:cBhvr>
+                                        <p:cTn id="75" dur="500"/>
+                                        <p:tgtEl>
+                                          <p:spTgt spid="4"/>
+                                        </p:tgtEl>
+                                      </p:cBhvr>
+                                    </p:animEffect>
+                                  </p:childTnLst>
+                                </p:cTn>
+                              </p:par>
+                              <p:par>
+                                <p:cTn id="76" presetID="10" presetClass="entr" presetSubtype="0" fill="hold" nodeType="withEffect">
+                                  <p:stCondLst>
+                                    <p:cond delay="0"/>
+                                  </p:stCondLst>
+                                  <p:childTnLst>
+                                    <p:set>
+                                      <p:cBhvr>
+                                        <p:cTn id="77" dur="1" fill="hold">
+                                          <p:stCondLst>
+                                            <p:cond delay="0"/>
+                                          </p:stCondLst>
+                                        </p:cTn>
+                                        <p:tgtEl>
+                                          <p:spTgt spid="21"/>
+                                        </p:tgtEl>
+                                        <p:attrNameLst>
+                                          <p:attrName>style.visibility</p:attrName>
+                                        </p:attrNameLst>
+                                      </p:cBhvr>
+                                      <p:to>
+                                        <p:strVal val="visible"/>
+                                      </p:to>
+                                    </p:set>
+                                    <p:animEffect transition="in" filter="fade">
+                                      <p:cBhvr>
+                                        <p:cTn id="78" dur="500"/>
+                                        <p:tgtEl>
+                                          <p:spTgt spid="21"/>
+                                        </p:tgtEl>
+                                      </p:cBhvr>
+                                    </p:animEffect>
+                                  </p:childTnLst>
+                                </p:cTn>
+                              </p:par>
+                              <p:par>
+                                <p:cTn id="79" presetID="10" presetClass="entr" presetSubtype="0" fill="hold" grpId="0" nodeType="withEffect">
+                                  <p:stCondLst>
+                                    <p:cond delay="0"/>
+                                  </p:stCondLst>
+                                  <p:childTnLst>
+                                    <p:set>
+                                      <p:cBhvr>
+                                        <p:cTn id="80" dur="1" fill="hold">
+                                          <p:stCondLst>
+                                            <p:cond delay="0"/>
+                                          </p:stCondLst>
+                                        </p:cTn>
+                                        <p:tgtEl>
+                                          <p:spTgt spid="12"/>
+                                        </p:tgtEl>
+                                        <p:attrNameLst>
+                                          <p:attrName>style.visibility</p:attrName>
+                                        </p:attrNameLst>
+                                      </p:cBhvr>
+                                      <p:to>
+                                        <p:strVal val="visible"/>
+                                      </p:to>
+                                    </p:set>
+                                    <p:animEffect transition="in" filter="fade">
+                                      <p:cBhvr>
+                                        <p:cTn id="81" dur="500"/>
+                                        <p:tgtEl>
+                                          <p:spTgt spid="12"/>
+                                        </p:tgtEl>
+                                      </p:cBhvr>
+                                    </p:animEffect>
+                                  </p:childTnLst>
+                                </p:cTn>
+                              </p:par>
+                              <p:par>
+                                <p:cTn id="82" presetID="10" presetClass="entr" presetSubtype="0" fill="hold" grpId="0" nodeType="withEffect">
+                                  <p:stCondLst>
+                                    <p:cond delay="0"/>
+                                  </p:stCondLst>
+                                  <p:childTnLst>
+                                    <p:set>
+                                      <p:cBhvr>
+                                        <p:cTn id="83" dur="1" fill="hold">
+                                          <p:stCondLst>
+                                            <p:cond delay="0"/>
+                                          </p:stCondLst>
+                                        </p:cTn>
+                                        <p:tgtEl>
+                                          <p:spTgt spid="13"/>
+                                        </p:tgtEl>
+                                        <p:attrNameLst>
+                                          <p:attrName>style.visibility</p:attrName>
+                                        </p:attrNameLst>
+                                      </p:cBhvr>
+                                      <p:to>
+                                        <p:strVal val="visible"/>
+                                      </p:to>
+                                    </p:set>
+                                    <p:animEffect transition="in" filter="fade">
+                                      <p:cBhvr>
+                                        <p:cTn id="84" dur="500"/>
+                                        <p:tgtEl>
+                                          <p:spTgt spid="13"/>
+                                        </p:tgtEl>
+                                      </p:cBhvr>
+                                    </p:animEffect>
+                                  </p:childTnLst>
+                                </p:cTn>
+                              </p:par>
+                            </p:childTnLst>
+                          </p:cTn>
+                        </p:par>
+                      </p:childTnLst>
+                    </p:cTn>
+                  </p:par>
+                  <p:par>
+                    <p:cTn id="85" fill="hold">
+                      <p:stCondLst>
+                        <p:cond delay="indefinite"/>
+                      </p:stCondLst>
+                      <p:childTnLst>
+                        <p:par>
+                          <p:cTn id="86" fill="hold">
+                            <p:stCondLst>
+                              <p:cond delay="0"/>
+                            </p:stCondLst>
+                            <p:childTnLst>
+                              <p:par>
+                                <p:cTn id="87" presetID="10" presetClass="entr" presetSubtype="0" fill="hold" nodeType="clickEffect">
+                                  <p:stCondLst>
+                                    <p:cond delay="0"/>
+                                  </p:stCondLst>
+                                  <p:childTnLst>
+                                    <p:set>
+                                      <p:cBhvr>
+                                        <p:cTn id="88" dur="1" fill="hold">
+                                          <p:stCondLst>
+                                            <p:cond delay="0"/>
+                                          </p:stCondLst>
+                                        </p:cTn>
+                                        <p:tgtEl>
+                                          <p:spTgt spid="25"/>
+                                        </p:tgtEl>
+                                        <p:attrNameLst>
+                                          <p:attrName>style.visibility</p:attrName>
+                                        </p:attrNameLst>
+                                      </p:cBhvr>
+                                      <p:to>
+                                        <p:strVal val="visible"/>
+                                      </p:to>
+                                    </p:set>
+                                    <p:animEffect transition="in" filter="fade">
+                                      <p:cBhvr>
+                                        <p:cTn id="89" dur="500"/>
+                                        <p:tgtEl>
+                                          <p:spTgt spid="25"/>
+                                        </p:tgtEl>
+                                      </p:cBhvr>
+                                    </p:animEffect>
+                                  </p:childTnLst>
+                                </p:cTn>
+                              </p:par>
+                              <p:par>
+                                <p:cTn id="90" presetID="10" presetClass="entr" presetSubtype="0" fill="hold" nodeType="withEffect">
+                                  <p:stCondLst>
+                                    <p:cond delay="0"/>
+                                  </p:stCondLst>
+                                  <p:childTnLst>
+                                    <p:set>
+                                      <p:cBhvr>
+                                        <p:cTn id="91" dur="1" fill="hold">
+                                          <p:stCondLst>
+                                            <p:cond delay="0"/>
+                                          </p:stCondLst>
+                                        </p:cTn>
+                                        <p:tgtEl>
+                                          <p:spTgt spid="27"/>
+                                        </p:tgtEl>
+                                        <p:attrNameLst>
+                                          <p:attrName>style.visibility</p:attrName>
+                                        </p:attrNameLst>
+                                      </p:cBhvr>
+                                      <p:to>
+                                        <p:strVal val="visible"/>
+                                      </p:to>
+                                    </p:set>
+                                    <p:animEffect transition="in" filter="fade">
+                                      <p:cBhvr>
+                                        <p:cTn id="92" dur="500"/>
+                                        <p:tgtEl>
+                                          <p:spTgt spid="27"/>
+                                        </p:tgtEl>
+                                      </p:cBhvr>
+                                    </p:animEffect>
+                                  </p:childTnLst>
+                                </p:cTn>
+                              </p:par>
+                              <p:par>
+                                <p:cTn id="93" presetID="10" presetClass="entr" presetSubtype="0" fill="hold" grpId="0" nodeType="withEffect">
+                                  <p:stCondLst>
+                                    <p:cond delay="0"/>
+                                  </p:stCondLst>
+                                  <p:childTnLst>
+                                    <p:set>
+                                      <p:cBhvr>
+                                        <p:cTn id="94" dur="1" fill="hold">
+                                          <p:stCondLst>
+                                            <p:cond delay="0"/>
+                                          </p:stCondLst>
+                                        </p:cTn>
+                                        <p:tgtEl>
+                                          <p:spTgt spid="17"/>
+                                        </p:tgtEl>
+                                        <p:attrNameLst>
+                                          <p:attrName>style.visibility</p:attrName>
+                                        </p:attrNameLst>
+                                      </p:cBhvr>
+                                      <p:to>
+                                        <p:strVal val="visible"/>
+                                      </p:to>
+                                    </p:set>
+                                    <p:animEffect transition="in" filter="fade">
+                                      <p:cBhvr>
+                                        <p:cTn id="95" dur="500"/>
+                                        <p:tgtEl>
+                                          <p:spTgt spid="17"/>
+                                        </p:tgtEl>
+                                      </p:cBhvr>
+                                    </p:animEffect>
+                                  </p:childTnLst>
+                                </p:cTn>
+                              </p:par>
+                            </p:childTnLst>
+                          </p:cTn>
+                        </p:par>
+                      </p:childTnLst>
+                    </p:cTn>
+                  </p:par>
+                  <p:par>
+                    <p:cTn id="96" fill="hold">
+                      <p:stCondLst>
+                        <p:cond delay="indefinite"/>
+                      </p:stCondLst>
+                      <p:childTnLst>
+                        <p:par>
+                          <p:cTn id="97" fill="hold">
+                            <p:stCondLst>
+                              <p:cond delay="0"/>
+                            </p:stCondLst>
+                            <p:childTnLst>
+                              <p:par>
+                                <p:cTn id="98" presetID="10" presetClass="entr" presetSubtype="0" fill="hold" nodeType="clickEffect">
+                                  <p:stCondLst>
+                                    <p:cond delay="0"/>
+                                  </p:stCondLst>
+                                  <p:childTnLst>
+                                    <p:set>
+                                      <p:cBhvr>
+                                        <p:cTn id="99" dur="1" fill="hold">
+                                          <p:stCondLst>
+                                            <p:cond delay="0"/>
+                                          </p:stCondLst>
+                                        </p:cTn>
+                                        <p:tgtEl>
+                                          <p:spTgt spid="49"/>
+                                        </p:tgtEl>
+                                        <p:attrNameLst>
+                                          <p:attrName>style.visibility</p:attrName>
+                                        </p:attrNameLst>
+                                      </p:cBhvr>
+                                      <p:to>
+                                        <p:strVal val="visible"/>
+                                      </p:to>
+                                    </p:set>
+                                    <p:animEffect transition="in" filter="fade">
+                                      <p:cBhvr>
+                                        <p:cTn id="100" dur="500"/>
+                                        <p:tgtEl>
+                                          <p:spTgt spid="49"/>
+                                        </p:tgtEl>
+                                      </p:cBhvr>
+                                    </p:animEffect>
+                                  </p:childTnLst>
+                                </p:cTn>
+                              </p:par>
+                              <p:par>
+                                <p:cTn id="101" presetID="10" presetClass="entr" presetSubtype="0" fill="hold" nodeType="withEffect">
+                                  <p:stCondLst>
+                                    <p:cond delay="0"/>
+                                  </p:stCondLst>
+                                  <p:childTnLst>
+                                    <p:set>
+                                      <p:cBhvr>
+                                        <p:cTn id="102" dur="1" fill="hold">
+                                          <p:stCondLst>
+                                            <p:cond delay="0"/>
+                                          </p:stCondLst>
+                                        </p:cTn>
+                                        <p:tgtEl>
+                                          <p:spTgt spid="47"/>
+                                        </p:tgtEl>
+                                        <p:attrNameLst>
+                                          <p:attrName>style.visibility</p:attrName>
+                                        </p:attrNameLst>
+                                      </p:cBhvr>
+                                      <p:to>
+                                        <p:strVal val="visible"/>
+                                      </p:to>
+                                    </p:set>
+                                    <p:animEffect transition="in" filter="fade">
+                                      <p:cBhvr>
+                                        <p:cTn id="103" dur="500"/>
+                                        <p:tgtEl>
+                                          <p:spTgt spid="47"/>
+                                        </p:tgtEl>
+                                      </p:cBhvr>
+                                    </p:animEffect>
+                                  </p:childTnLst>
+                                </p:cTn>
+                              </p:par>
+                            </p:childTnLst>
+                          </p:cTn>
+                        </p:par>
+                      </p:childTnLst>
+                    </p:cTn>
+                  </p:par>
+                  <p:par>
+                    <p:cTn id="104" fill="hold">
+                      <p:stCondLst>
+                        <p:cond delay="indefinite"/>
+                      </p:stCondLst>
+                      <p:childTnLst>
+                        <p:par>
+                          <p:cTn id="105" fill="hold">
+                            <p:stCondLst>
+                              <p:cond delay="0"/>
+                            </p:stCondLst>
+                            <p:childTnLst>
+                              <p:par>
+                                <p:cTn id="106" presetID="10" presetClass="exit" presetSubtype="0" fill="hold" grpId="1" nodeType="clickEffect">
+                                  <p:stCondLst>
+                                    <p:cond delay="0"/>
+                                  </p:stCondLst>
+                                  <p:childTnLst>
+                                    <p:animEffect transition="out" filter="fade">
+                                      <p:cBhvr>
+                                        <p:cTn id="107" dur="500"/>
+                                        <p:tgtEl>
+                                          <p:spTgt spid="9"/>
+                                        </p:tgtEl>
+                                      </p:cBhvr>
+                                    </p:animEffect>
+                                    <p:set>
+                                      <p:cBhvr>
+                                        <p:cTn id="108" dur="1" fill="hold">
+                                          <p:stCondLst>
+                                            <p:cond delay="499"/>
+                                          </p:stCondLst>
+                                        </p:cTn>
+                                        <p:tgtEl>
+                                          <p:spTgt spid="9"/>
+                                        </p:tgtEl>
+                                        <p:attrNameLst>
+                                          <p:attrName>style.visibility</p:attrName>
+                                        </p:attrNameLst>
+                                      </p:cBhvr>
+                                      <p:to>
+                                        <p:strVal val="hidden"/>
+                                      </p:to>
+                                    </p:set>
+                                  </p:childTnLst>
+                                </p:cTn>
+                              </p:par>
+                              <p:par>
+                                <p:cTn id="109" presetID="10" presetClass="exit" presetSubtype="0" fill="hold" grpId="1" nodeType="withEffect">
+                                  <p:stCondLst>
+                                    <p:cond delay="0"/>
+                                  </p:stCondLst>
+                                  <p:childTnLst>
+                                    <p:animEffect transition="out" filter="fade">
+                                      <p:cBhvr>
+                                        <p:cTn id="110" dur="500"/>
+                                        <p:tgtEl>
+                                          <p:spTgt spid="10"/>
+                                        </p:tgtEl>
+                                      </p:cBhvr>
+                                    </p:animEffect>
+                                    <p:set>
+                                      <p:cBhvr>
+                                        <p:cTn id="111" dur="1" fill="hold">
+                                          <p:stCondLst>
+                                            <p:cond delay="499"/>
+                                          </p:stCondLst>
+                                        </p:cTn>
+                                        <p:tgtEl>
+                                          <p:spTgt spid="10"/>
+                                        </p:tgtEl>
+                                        <p:attrNameLst>
+                                          <p:attrName>style.visibility</p:attrName>
+                                        </p:attrNameLst>
+                                      </p:cBhvr>
+                                      <p:to>
+                                        <p:strVal val="hidden"/>
+                                      </p:to>
+                                    </p:set>
+                                  </p:childTnLst>
+                                </p:cTn>
+                              </p:par>
+                              <p:par>
+                                <p:cTn id="112" presetID="10" presetClass="exit" presetSubtype="0" fill="hold" nodeType="withEffect">
+                                  <p:stCondLst>
+                                    <p:cond delay="0"/>
+                                  </p:stCondLst>
+                                  <p:childTnLst>
+                                    <p:animEffect transition="out" filter="fade">
+                                      <p:cBhvr>
+                                        <p:cTn id="113" dur="500"/>
+                                        <p:tgtEl>
+                                          <p:spTgt spid="55"/>
+                                        </p:tgtEl>
+                                      </p:cBhvr>
+                                    </p:animEffect>
+                                    <p:set>
+                                      <p:cBhvr>
+                                        <p:cTn id="114" dur="1" fill="hold">
+                                          <p:stCondLst>
+                                            <p:cond delay="499"/>
+                                          </p:stCondLst>
+                                        </p:cTn>
+                                        <p:tgtEl>
+                                          <p:spTgt spid="55"/>
+                                        </p:tgtEl>
+                                        <p:attrNameLst>
+                                          <p:attrName>style.visibility</p:attrName>
+                                        </p:attrNameLst>
+                                      </p:cBhvr>
+                                      <p:to>
+                                        <p:strVal val="hidden"/>
+                                      </p:to>
+                                    </p:set>
+                                  </p:childTnLst>
+                                </p:cTn>
+                              </p:par>
+                              <p:par>
+                                <p:cTn id="115" presetID="10" presetClass="exit" presetSubtype="0" fill="hold" nodeType="withEffect">
+                                  <p:stCondLst>
+                                    <p:cond delay="0"/>
+                                  </p:stCondLst>
+                                  <p:childTnLst>
+                                    <p:animEffect transition="out" filter="fade">
+                                      <p:cBhvr>
+                                        <p:cTn id="116" dur="500"/>
+                                        <p:tgtEl>
+                                          <p:spTgt spid="53"/>
+                                        </p:tgtEl>
+                                      </p:cBhvr>
+                                    </p:animEffect>
+                                    <p:set>
+                                      <p:cBhvr>
+                                        <p:cTn id="117" dur="1" fill="hold">
+                                          <p:stCondLst>
+                                            <p:cond delay="499"/>
+                                          </p:stCondLst>
+                                        </p:cTn>
+                                        <p:tgtEl>
+                                          <p:spTgt spid="53"/>
+                                        </p:tgtEl>
+                                        <p:attrNameLst>
+                                          <p:attrName>style.visibility</p:attrName>
+                                        </p:attrNameLst>
+                                      </p:cBhvr>
+                                      <p:to>
+                                        <p:strVal val="hidden"/>
+                                      </p:to>
+                                    </p:set>
+                                  </p:childTnLst>
+                                </p:cTn>
+                              </p:par>
+                              <p:par>
+                                <p:cTn id="118" presetID="10" presetClass="exit" presetSubtype="0" fill="hold" nodeType="withEffect">
+                                  <p:stCondLst>
+                                    <p:cond delay="0"/>
+                                  </p:stCondLst>
+                                  <p:childTnLst>
+                                    <p:animEffect transition="out" filter="fade">
+                                      <p:cBhvr>
+                                        <p:cTn id="119" dur="500"/>
+                                        <p:tgtEl>
+                                          <p:spTgt spid="51"/>
+                                        </p:tgtEl>
+                                      </p:cBhvr>
+                                    </p:animEffect>
+                                    <p:set>
+                                      <p:cBhvr>
+                                        <p:cTn id="120" dur="1" fill="hold">
+                                          <p:stCondLst>
+                                            <p:cond delay="499"/>
+                                          </p:stCondLst>
+                                        </p:cTn>
+                                        <p:tgtEl>
+                                          <p:spTgt spid="51"/>
+                                        </p:tgtEl>
+                                        <p:attrNameLst>
+                                          <p:attrName>style.visibility</p:attrName>
+                                        </p:attrNameLst>
+                                      </p:cBhvr>
+                                      <p:to>
+                                        <p:strVal val="hidden"/>
+                                      </p:to>
+                                    </p:set>
+                                  </p:childTnLst>
+                                </p:cTn>
+                              </p:par>
+                              <p:par>
+                                <p:cTn id="121" presetID="10" presetClass="exit" presetSubtype="0" fill="hold" nodeType="withEffect">
+                                  <p:stCondLst>
+                                    <p:cond delay="0"/>
+                                  </p:stCondLst>
+                                  <p:childTnLst>
+                                    <p:animEffect transition="out" filter="fade">
+                                      <p:cBhvr>
+                                        <p:cTn id="122" dur="500"/>
+                                        <p:tgtEl>
+                                          <p:spTgt spid="32"/>
+                                        </p:tgtEl>
+                                      </p:cBhvr>
+                                    </p:animEffect>
+                                    <p:set>
+                                      <p:cBhvr>
+                                        <p:cTn id="123" dur="1" fill="hold">
+                                          <p:stCondLst>
+                                            <p:cond delay="499"/>
+                                          </p:stCondLst>
+                                        </p:cTn>
+                                        <p:tgtEl>
+                                          <p:spTgt spid="32"/>
+                                        </p:tgtEl>
+                                        <p:attrNameLst>
+                                          <p:attrName>style.visibility</p:attrName>
+                                        </p:attrNameLst>
+                                      </p:cBhvr>
+                                      <p:to>
+                                        <p:strVal val="hidden"/>
+                                      </p:to>
+                                    </p:set>
+                                  </p:childTnLst>
+                                </p:cTn>
+                              </p:par>
+                              <p:par>
+                                <p:cTn id="124" presetID="10" presetClass="exit" presetSubtype="0" fill="hold" nodeType="withEffect">
+                                  <p:stCondLst>
+                                    <p:cond delay="0"/>
+                                  </p:stCondLst>
+                                  <p:childTnLst>
+                                    <p:animEffect transition="out" filter="fade">
+                                      <p:cBhvr>
+                                        <p:cTn id="125" dur="500"/>
+                                        <p:tgtEl>
+                                          <p:spTgt spid="43"/>
+                                        </p:tgtEl>
+                                      </p:cBhvr>
+                                    </p:animEffect>
+                                    <p:set>
+                                      <p:cBhvr>
+                                        <p:cTn id="126" dur="1" fill="hold">
+                                          <p:stCondLst>
+                                            <p:cond delay="499"/>
+                                          </p:stCondLst>
+                                        </p:cTn>
+                                        <p:tgtEl>
+                                          <p:spTgt spid="43"/>
+                                        </p:tgtEl>
+                                        <p:attrNameLst>
+                                          <p:attrName>style.visibility</p:attrName>
+                                        </p:attrNameLst>
+                                      </p:cBhvr>
+                                      <p:to>
+                                        <p:strVal val="hidden"/>
+                                      </p:to>
+                                    </p:set>
+                                  </p:childTnLst>
+                                </p:cTn>
+                              </p:par>
+                              <p:par>
+                                <p:cTn id="127" presetID="10" presetClass="exit" presetSubtype="0" fill="hold" grpId="1" nodeType="withEffect">
+                                  <p:stCondLst>
+                                    <p:cond delay="0"/>
+                                  </p:stCondLst>
+                                  <p:childTnLst>
+                                    <p:animEffect transition="out" filter="fade">
+                                      <p:cBhvr>
+                                        <p:cTn id="128" dur="500"/>
+                                        <p:tgtEl>
+                                          <p:spTgt spid="19"/>
+                                        </p:tgtEl>
+                                      </p:cBhvr>
+                                    </p:animEffect>
+                                    <p:set>
+                                      <p:cBhvr>
+                                        <p:cTn id="129" dur="1" fill="hold">
+                                          <p:stCondLst>
+                                            <p:cond delay="499"/>
+                                          </p:stCondLst>
+                                        </p:cTn>
+                                        <p:tgtEl>
+                                          <p:spTgt spid="19"/>
+                                        </p:tgtEl>
+                                        <p:attrNameLst>
+                                          <p:attrName>style.visibility</p:attrName>
+                                        </p:attrNameLst>
+                                      </p:cBhvr>
+                                      <p:to>
+                                        <p:strVal val="hidden"/>
+                                      </p:to>
+                                    </p:set>
+                                  </p:childTnLst>
+                                </p:cTn>
+                              </p:par>
+                              <p:par>
+                                <p:cTn id="130" presetID="10" presetClass="exit" presetSubtype="0" fill="hold" nodeType="withEffect">
+                                  <p:stCondLst>
+                                    <p:cond delay="0"/>
+                                  </p:stCondLst>
+                                  <p:childTnLst>
+                                    <p:animEffect transition="out" filter="fade">
+                                      <p:cBhvr>
+                                        <p:cTn id="131" dur="500"/>
+                                        <p:tgtEl>
+                                          <p:spTgt spid="45"/>
+                                        </p:tgtEl>
+                                      </p:cBhvr>
+                                    </p:animEffect>
+                                    <p:set>
+                                      <p:cBhvr>
+                                        <p:cTn id="132" dur="1" fill="hold">
+                                          <p:stCondLst>
+                                            <p:cond delay="499"/>
+                                          </p:stCondLst>
+                                        </p:cTn>
+                                        <p:tgtEl>
+                                          <p:spTgt spid="45"/>
+                                        </p:tgtEl>
+                                        <p:attrNameLst>
+                                          <p:attrName>style.visibility</p:attrName>
+                                        </p:attrNameLst>
+                                      </p:cBhvr>
+                                      <p:to>
+                                        <p:strVal val="hidden"/>
+                                      </p:to>
+                                    </p:set>
+                                  </p:childTnLst>
+                                </p:cTn>
+                              </p:par>
+                              <p:par>
+                                <p:cTn id="133" presetID="10" presetClass="exit" presetSubtype="0" fill="hold" nodeType="withEffect">
+                                  <p:stCondLst>
+                                    <p:cond delay="0"/>
+                                  </p:stCondLst>
+                                  <p:childTnLst>
+                                    <p:animEffect transition="out" filter="fade">
+                                      <p:cBhvr>
+                                        <p:cTn id="134" dur="500"/>
+                                        <p:tgtEl>
+                                          <p:spTgt spid="41"/>
+                                        </p:tgtEl>
+                                      </p:cBhvr>
+                                    </p:animEffect>
+                                    <p:set>
+                                      <p:cBhvr>
+                                        <p:cTn id="135" dur="1" fill="hold">
+                                          <p:stCondLst>
+                                            <p:cond delay="499"/>
+                                          </p:stCondLst>
+                                        </p:cTn>
+                                        <p:tgtEl>
+                                          <p:spTgt spid="41"/>
+                                        </p:tgtEl>
+                                        <p:attrNameLst>
+                                          <p:attrName>style.visibility</p:attrName>
+                                        </p:attrNameLst>
+                                      </p:cBhvr>
+                                      <p:to>
+                                        <p:strVal val="hidden"/>
+                                      </p:to>
+                                    </p:set>
+                                  </p:childTnLst>
+                                </p:cTn>
+                              </p:par>
+                              <p:par>
+                                <p:cTn id="136" presetID="10" presetClass="exit" presetSubtype="0" fill="hold" grpId="1" nodeType="withEffect">
+                                  <p:stCondLst>
+                                    <p:cond delay="0"/>
+                                  </p:stCondLst>
+                                  <p:childTnLst>
+                                    <p:animEffect transition="out" filter="fade">
+                                      <p:cBhvr>
+                                        <p:cTn id="137" dur="500"/>
+                                        <p:tgtEl>
+                                          <p:spTgt spid="15"/>
+                                        </p:tgtEl>
+                                      </p:cBhvr>
+                                    </p:animEffect>
+                                    <p:set>
+                                      <p:cBhvr>
+                                        <p:cTn id="138" dur="1" fill="hold">
+                                          <p:stCondLst>
+                                            <p:cond delay="499"/>
+                                          </p:stCondLst>
+                                        </p:cTn>
+                                        <p:tgtEl>
+                                          <p:spTgt spid="15"/>
+                                        </p:tgtEl>
+                                        <p:attrNameLst>
+                                          <p:attrName>style.visibility</p:attrName>
+                                        </p:attrNameLst>
+                                      </p:cBhvr>
+                                      <p:to>
+                                        <p:strVal val="hidden"/>
+                                      </p:to>
+                                    </p:set>
+                                  </p:childTnLst>
+                                </p:cTn>
+                              </p:par>
+                              <p:par>
+                                <p:cTn id="139" presetID="10" presetClass="exit" presetSubtype="0" fill="hold" grpId="1" nodeType="withEffect">
+                                  <p:stCondLst>
+                                    <p:cond delay="0"/>
+                                  </p:stCondLst>
+                                  <p:childTnLst>
+                                    <p:animEffect transition="out" filter="fade">
+                                      <p:cBhvr>
+                                        <p:cTn id="140" dur="500"/>
+                                        <p:tgtEl>
+                                          <p:spTgt spid="16"/>
+                                        </p:tgtEl>
+                                      </p:cBhvr>
+                                    </p:animEffect>
+                                    <p:set>
+                                      <p:cBhvr>
+                                        <p:cTn id="141" dur="1" fill="hold">
+                                          <p:stCondLst>
+                                            <p:cond delay="499"/>
+                                          </p:stCondLst>
+                                        </p:cTn>
+                                        <p:tgtEl>
+                                          <p:spTgt spid="16"/>
+                                        </p:tgtEl>
+                                        <p:attrNameLst>
+                                          <p:attrName>style.visibility</p:attrName>
+                                        </p:attrNameLst>
+                                      </p:cBhvr>
+                                      <p:to>
+                                        <p:strVal val="hidden"/>
+                                      </p:to>
+                                    </p:set>
+                                  </p:childTnLst>
+                                </p:cTn>
+                              </p:par>
+                              <p:par>
+                                <p:cTn id="142" presetID="10" presetClass="exit" presetSubtype="0" fill="hold" nodeType="withEffect">
+                                  <p:stCondLst>
+                                    <p:cond delay="0"/>
+                                  </p:stCondLst>
+                                  <p:childTnLst>
+                                    <p:animEffect transition="out" filter="fade">
+                                      <p:cBhvr>
+                                        <p:cTn id="143" dur="500"/>
+                                        <p:tgtEl>
+                                          <p:spTgt spid="4"/>
+                                        </p:tgtEl>
+                                      </p:cBhvr>
+                                    </p:animEffect>
+                                    <p:set>
+                                      <p:cBhvr>
+                                        <p:cTn id="144" dur="1" fill="hold">
+                                          <p:stCondLst>
+                                            <p:cond delay="499"/>
+                                          </p:stCondLst>
+                                        </p:cTn>
+                                        <p:tgtEl>
+                                          <p:spTgt spid="4"/>
+                                        </p:tgtEl>
+                                        <p:attrNameLst>
+                                          <p:attrName>style.visibility</p:attrName>
+                                        </p:attrNameLst>
+                                      </p:cBhvr>
+                                      <p:to>
+                                        <p:strVal val="hidden"/>
+                                      </p:to>
+                                    </p:set>
+                                  </p:childTnLst>
+                                </p:cTn>
+                              </p:par>
+                              <p:par>
+                                <p:cTn id="145" presetID="10" presetClass="exit" presetSubtype="0" fill="hold" nodeType="withEffect">
+                                  <p:stCondLst>
+                                    <p:cond delay="0"/>
+                                  </p:stCondLst>
+                                  <p:childTnLst>
+                                    <p:animEffect transition="out" filter="fade">
+                                      <p:cBhvr>
+                                        <p:cTn id="146" dur="500"/>
+                                        <p:tgtEl>
+                                          <p:spTgt spid="21"/>
+                                        </p:tgtEl>
+                                      </p:cBhvr>
+                                    </p:animEffect>
+                                    <p:set>
+                                      <p:cBhvr>
+                                        <p:cTn id="147" dur="1" fill="hold">
+                                          <p:stCondLst>
+                                            <p:cond delay="499"/>
+                                          </p:stCondLst>
+                                        </p:cTn>
+                                        <p:tgtEl>
+                                          <p:spTgt spid="21"/>
+                                        </p:tgtEl>
+                                        <p:attrNameLst>
+                                          <p:attrName>style.visibility</p:attrName>
+                                        </p:attrNameLst>
+                                      </p:cBhvr>
+                                      <p:to>
+                                        <p:strVal val="hidden"/>
+                                      </p:to>
+                                    </p:set>
+                                  </p:childTnLst>
+                                </p:cTn>
+                              </p:par>
+                              <p:par>
+                                <p:cTn id="148" presetID="10" presetClass="exit" presetSubtype="0" fill="hold" grpId="1" nodeType="withEffect">
+                                  <p:stCondLst>
+                                    <p:cond delay="0"/>
+                                  </p:stCondLst>
+                                  <p:childTnLst>
+                                    <p:animEffect transition="out" filter="fade">
+                                      <p:cBhvr>
+                                        <p:cTn id="149" dur="500"/>
+                                        <p:tgtEl>
+                                          <p:spTgt spid="12"/>
+                                        </p:tgtEl>
+                                      </p:cBhvr>
+                                    </p:animEffect>
+                                    <p:set>
+                                      <p:cBhvr>
+                                        <p:cTn id="150" dur="1" fill="hold">
+                                          <p:stCondLst>
+                                            <p:cond delay="499"/>
+                                          </p:stCondLst>
+                                        </p:cTn>
+                                        <p:tgtEl>
+                                          <p:spTgt spid="12"/>
+                                        </p:tgtEl>
+                                        <p:attrNameLst>
+                                          <p:attrName>style.visibility</p:attrName>
+                                        </p:attrNameLst>
+                                      </p:cBhvr>
+                                      <p:to>
+                                        <p:strVal val="hidden"/>
+                                      </p:to>
+                                    </p:set>
+                                  </p:childTnLst>
+                                </p:cTn>
+                              </p:par>
+                              <p:par>
+                                <p:cTn id="151" presetID="10" presetClass="exit" presetSubtype="0" fill="hold" grpId="1" nodeType="withEffect">
+                                  <p:stCondLst>
+                                    <p:cond delay="0"/>
+                                  </p:stCondLst>
+                                  <p:childTnLst>
+                                    <p:animEffect transition="out" filter="fade">
+                                      <p:cBhvr>
+                                        <p:cTn id="152" dur="500"/>
+                                        <p:tgtEl>
+                                          <p:spTgt spid="13"/>
+                                        </p:tgtEl>
+                                      </p:cBhvr>
+                                    </p:animEffect>
+                                    <p:set>
+                                      <p:cBhvr>
+                                        <p:cTn id="153" dur="1" fill="hold">
+                                          <p:stCondLst>
+                                            <p:cond delay="499"/>
+                                          </p:stCondLst>
+                                        </p:cTn>
+                                        <p:tgtEl>
+                                          <p:spTgt spid="13"/>
+                                        </p:tgtEl>
+                                        <p:attrNameLst>
+                                          <p:attrName>style.visibility</p:attrName>
+                                        </p:attrNameLst>
+                                      </p:cBhvr>
+                                      <p:to>
+                                        <p:strVal val="hidden"/>
+                                      </p:to>
+                                    </p:set>
+                                  </p:childTnLst>
+                                </p:cTn>
+                              </p:par>
+                              <p:par>
+                                <p:cTn id="154" presetID="10" presetClass="exit" presetSubtype="0" fill="hold" nodeType="withEffect">
+                                  <p:stCondLst>
+                                    <p:cond delay="0"/>
+                                  </p:stCondLst>
+                                  <p:childTnLst>
+                                    <p:animEffect transition="out" filter="fade">
+                                      <p:cBhvr>
+                                        <p:cTn id="155" dur="500"/>
+                                        <p:tgtEl>
+                                          <p:spTgt spid="25"/>
+                                        </p:tgtEl>
+                                      </p:cBhvr>
+                                    </p:animEffect>
+                                    <p:set>
+                                      <p:cBhvr>
+                                        <p:cTn id="156" dur="1" fill="hold">
+                                          <p:stCondLst>
+                                            <p:cond delay="499"/>
+                                          </p:stCondLst>
+                                        </p:cTn>
+                                        <p:tgtEl>
+                                          <p:spTgt spid="25"/>
+                                        </p:tgtEl>
+                                        <p:attrNameLst>
+                                          <p:attrName>style.visibility</p:attrName>
+                                        </p:attrNameLst>
+                                      </p:cBhvr>
+                                      <p:to>
+                                        <p:strVal val="hidden"/>
+                                      </p:to>
+                                    </p:set>
+                                  </p:childTnLst>
+                                </p:cTn>
+                              </p:par>
+                              <p:par>
+                                <p:cTn id="157" presetID="10" presetClass="exit" presetSubtype="0" fill="hold" nodeType="withEffect">
+                                  <p:stCondLst>
+                                    <p:cond delay="0"/>
+                                  </p:stCondLst>
+                                  <p:childTnLst>
+                                    <p:animEffect transition="out" filter="fade">
+                                      <p:cBhvr>
+                                        <p:cTn id="158" dur="500"/>
+                                        <p:tgtEl>
+                                          <p:spTgt spid="27"/>
+                                        </p:tgtEl>
+                                      </p:cBhvr>
+                                    </p:animEffect>
+                                    <p:set>
+                                      <p:cBhvr>
+                                        <p:cTn id="159" dur="1" fill="hold">
+                                          <p:stCondLst>
+                                            <p:cond delay="499"/>
+                                          </p:stCondLst>
+                                        </p:cTn>
+                                        <p:tgtEl>
+                                          <p:spTgt spid="27"/>
+                                        </p:tgtEl>
+                                        <p:attrNameLst>
+                                          <p:attrName>style.visibility</p:attrName>
+                                        </p:attrNameLst>
+                                      </p:cBhvr>
+                                      <p:to>
+                                        <p:strVal val="hidden"/>
+                                      </p:to>
+                                    </p:set>
+                                  </p:childTnLst>
+                                </p:cTn>
+                              </p:par>
+                              <p:par>
+                                <p:cTn id="160" presetID="10" presetClass="exit" presetSubtype="0" fill="hold" grpId="1" nodeType="withEffect">
+                                  <p:stCondLst>
+                                    <p:cond delay="0"/>
+                                  </p:stCondLst>
+                                  <p:childTnLst>
+                                    <p:animEffect transition="out" filter="fade">
+                                      <p:cBhvr>
+                                        <p:cTn id="161" dur="500"/>
+                                        <p:tgtEl>
+                                          <p:spTgt spid="17"/>
+                                        </p:tgtEl>
+                                      </p:cBhvr>
+                                    </p:animEffect>
+                                    <p:set>
+                                      <p:cBhvr>
+                                        <p:cTn id="162" dur="1" fill="hold">
+                                          <p:stCondLst>
+                                            <p:cond delay="499"/>
+                                          </p:stCondLst>
+                                        </p:cTn>
+                                        <p:tgtEl>
+                                          <p:spTgt spid="17"/>
+                                        </p:tgtEl>
+                                        <p:attrNameLst>
+                                          <p:attrName>style.visibility</p:attrName>
+                                        </p:attrNameLst>
+                                      </p:cBhvr>
+                                      <p:to>
+                                        <p:strVal val="hidden"/>
+                                      </p:to>
+                                    </p:set>
+                                  </p:childTnLst>
+                                </p:cTn>
+                              </p:par>
+                              <p:par>
+                                <p:cTn id="163" presetID="10" presetClass="exit" presetSubtype="0" fill="hold" nodeType="withEffect">
+                                  <p:stCondLst>
+                                    <p:cond delay="0"/>
+                                  </p:stCondLst>
+                                  <p:childTnLst>
+                                    <p:animEffect transition="out" filter="fade">
+                                      <p:cBhvr>
+                                        <p:cTn id="164" dur="500"/>
+                                        <p:tgtEl>
+                                          <p:spTgt spid="49"/>
+                                        </p:tgtEl>
+                                      </p:cBhvr>
+                                    </p:animEffect>
+                                    <p:set>
+                                      <p:cBhvr>
+                                        <p:cTn id="165" dur="1" fill="hold">
+                                          <p:stCondLst>
+                                            <p:cond delay="499"/>
+                                          </p:stCondLst>
+                                        </p:cTn>
+                                        <p:tgtEl>
+                                          <p:spTgt spid="49"/>
+                                        </p:tgtEl>
+                                        <p:attrNameLst>
+                                          <p:attrName>style.visibility</p:attrName>
+                                        </p:attrNameLst>
+                                      </p:cBhvr>
+                                      <p:to>
+                                        <p:strVal val="hidden"/>
+                                      </p:to>
+                                    </p:set>
+                                  </p:childTnLst>
+                                </p:cTn>
+                              </p:par>
+                              <p:par>
+                                <p:cTn id="166" presetID="10" presetClass="exit" presetSubtype="0" fill="hold" nodeType="withEffect">
+                                  <p:stCondLst>
+                                    <p:cond delay="0"/>
+                                  </p:stCondLst>
+                                  <p:childTnLst>
+                                    <p:animEffect transition="out" filter="fade">
+                                      <p:cBhvr>
+                                        <p:cTn id="167" dur="500"/>
+                                        <p:tgtEl>
+                                          <p:spTgt spid="47"/>
+                                        </p:tgtEl>
+                                      </p:cBhvr>
+                                    </p:animEffect>
+                                    <p:set>
+                                      <p:cBhvr>
+                                        <p:cTn id="168" dur="1" fill="hold">
+                                          <p:stCondLst>
+                                            <p:cond delay="499"/>
+                                          </p:stCondLst>
+                                        </p:cTn>
+                                        <p:tgtEl>
+                                          <p:spTgt spid="47"/>
+                                        </p:tgtEl>
+                                        <p:attrNameLst>
+                                          <p:attrName>style.visibility</p:attrName>
+                                        </p:attrNameLst>
+                                      </p:cBhvr>
+                                      <p:to>
+                                        <p:strVal val="hidden"/>
+                                      </p:to>
+                                    </p:set>
+                                  </p:childTnLst>
+                                </p:cTn>
+                              </p:par>
+                              <p:par>
+                                <p:cTn id="169" presetID="10" presetClass="exit" presetSubtype="0" fill="hold" grpId="0" nodeType="withEffect">
+                                  <p:stCondLst>
+                                    <p:cond delay="0"/>
+                                  </p:stCondLst>
+                                  <p:childTnLst>
+                                    <p:animEffect transition="out" filter="fade">
+                                      <p:cBhvr>
+                                        <p:cTn id="170" dur="500"/>
+                                        <p:tgtEl>
+                                          <p:spTgt spid="8"/>
+                                        </p:tgtEl>
+                                      </p:cBhvr>
+                                    </p:animEffect>
+                                    <p:set>
+                                      <p:cBhvr>
+                                        <p:cTn id="171" dur="1" fill="hold">
+                                          <p:stCondLst>
+                                            <p:cond delay="499"/>
+                                          </p:stCondLst>
+                                        </p:cTn>
+                                        <p:tgtEl>
+                                          <p:spTgt spid="8"/>
+                                        </p:tgtEl>
+                                        <p:attrNameLst>
+                                          <p:attrName>style.visibility</p:attrName>
+                                        </p:attrNameLst>
+                                      </p:cBhvr>
+                                      <p:to>
+                                        <p:strVal val="hidden"/>
+                                      </p:to>
+                                    </p:set>
+                                  </p:childTnLst>
+                                </p:cTn>
+                              </p:par>
+                              <p:par>
+                                <p:cTn id="172" presetID="10" presetClass="exit" presetSubtype="0" fill="hold" nodeType="withEffect">
+                                  <p:stCondLst>
+                                    <p:cond delay="0"/>
+                                  </p:stCondLst>
+                                  <p:childTnLst>
+                                    <p:animEffect transition="out" filter="fade">
+                                      <p:cBhvr>
+                                        <p:cTn id="173" dur="500"/>
+                                        <p:tgtEl>
+                                          <p:spTgt spid="56"/>
+                                        </p:tgtEl>
+                                      </p:cBhvr>
+                                    </p:animEffect>
+                                    <p:set>
+                                      <p:cBhvr>
+                                        <p:cTn id="174" dur="1" fill="hold">
+                                          <p:stCondLst>
+                                            <p:cond delay="499"/>
+                                          </p:stCondLst>
+                                        </p:cTn>
+                                        <p:tgtEl>
+                                          <p:spTgt spid="56"/>
+                                        </p:tgtEl>
+                                        <p:attrNameLst>
+                                          <p:attrName>style.visibility</p:attrName>
+                                        </p:attrNameLst>
+                                      </p:cBhvr>
+                                      <p:to>
+                                        <p:strVal val="hidden"/>
+                                      </p:to>
+                                    </p:set>
+                                  </p:childTnLst>
+                                </p:cTn>
+                              </p:par>
+                              <p:par>
+                                <p:cTn id="175" presetID="10" presetClass="exit" presetSubtype="0" fill="hold" nodeType="withEffect">
+                                  <p:stCondLst>
+                                    <p:cond delay="0"/>
+                                  </p:stCondLst>
+                                  <p:childTnLst>
+                                    <p:animEffect transition="out" filter="fade">
+                                      <p:cBhvr>
+                                        <p:cTn id="176" dur="500"/>
+                                        <p:tgtEl>
+                                          <p:spTgt spid="29"/>
+                                        </p:tgtEl>
+                                      </p:cBhvr>
+                                    </p:animEffect>
+                                    <p:set>
+                                      <p:cBhvr>
+                                        <p:cTn id="177" dur="1" fill="hold">
+                                          <p:stCondLst>
+                                            <p:cond delay="499"/>
+                                          </p:stCondLst>
+                                        </p:cTn>
+                                        <p:tgtEl>
+                                          <p:spTgt spid="29"/>
+                                        </p:tgtEl>
+                                        <p:attrNameLst>
+                                          <p:attrName>style.visibility</p:attrName>
+                                        </p:attrNameLst>
+                                      </p:cBhvr>
+                                      <p:to>
+                                        <p:strVal val="hidden"/>
+                                      </p:to>
+                                    </p:set>
+                                  </p:childTnLst>
+                                </p:cTn>
+                              </p:par>
+                            </p:childTnLst>
+                          </p:cTn>
+                        </p:par>
+                      </p:childTnLst>
+                    </p:cTn>
+                  </p:par>
+                </p:childTnLst>
+              </p:cTn>
+              <p:prevCondLst>
+                <p:cond evt="onPrev" delay="0">
+                  <p:tgtEl>
+                    <p:sldTgt/>
+                  </p:tgtEl>
+                </p:cond>
+              </p:prevCondLst>
+              <p:nextCondLst>
+                <p:cond evt="onNext" delay="0">
+                  <p:tgtEl>
+                    <p:sldTgt/>
+                  </p:tgtEl>
+                </p:cond>
+              </p:nextCondLst>
+            </p:seq>
+          </p:childTnLst>
+        </p:cTn>
+      </p:par>
+    </p:tnLst>
+    <p:bldLst>
+      <p:bldP spid="8" grpId="0" animBg="1"/>
+      <p:bldP spid="9" grpId="0" animBg="1"/>
+      <p:bldP spid="9" grpId="1" animBg="1"/>
+      <p:bldP spid="10" grpId="0" animBg="1"/>
+      <p:bldP spid="10" grpId="1" animBg="1"/>
+      <p:bldP spid="11" grpId="0" animBg="1"/>
+      <p:bldP spid="12" grpId="0" animBg="1"/>
+      <p:bldP spid="12" grpId="1" animBg="1"/>
+      <p:bldP spid="13" grpId="0" animBg="1"/>
+      <p:bldP spid="13" grpId="1" animBg="1"/>
+      <p:bldP spid="14" grpId="0" animBg="1"/>
+      <p:bldP spid="15" grpId="0" animBg="1"/>
+      <p:bldP spid="15" grpId="1" animBg="1"/>
+      <p:bldP spid="16" grpId="0" animBg="1"/>
+      <p:bldP spid="16" grpId="1" animBg="1"/>
+      <p:bldP spid="17" grpId="0" animBg="1"/>
+      <p:bldP spid="17" grpId="1" animBg="1"/>
+      <p:bldP spid="18" grpId="0" animBg="1"/>
+      <p:bldP spid="19" grpId="0" animBg="1"/>
+      <p:bldP spid="19" grpId="1" animBg="1"/>
+    </p:bldLst>
+  </p:timing>
+</p:sld>
+</file>
+
+<file path=ppt/slides/slide13.xml><?xml version="1.0" encoding="utf-8"?>
+<p:sld xmlns:a="http://schemas.openxmlformats.org/drawingml/2006/main" xmlns:r="http://schemas.openxmlformats.org/officeDocument/2006/relationships" xmlns:p="http://schemas.openxmlformats.org/presentationml/2006/main">
+  <p:cSld>
+    <p:spTree>
+      <p:nvGrpSpPr>
+        <p:cNvPr id="1" name=""/>
+        <p:cNvGrpSpPr/>
+        <p:nvPr/>
+      </p:nvGrpSpPr>
+      <p:grpSpPr>
+        <a:xfrm>
+          <a:off x="0" y="0"/>
+          <a:ext cx="0" cy="0"/>
+          <a:chOff x="0" y="0"/>
+          <a:chExt cx="0" cy="0"/>
+        </a:xfrm>
+      </p:grpSpPr>
       <p:pic>
         <p:nvPicPr>
           <p:cNvPr id="4" name="Picture 3"/>
@@ -11529,7 +15127,7 @@
         </p:blipFill>
         <p:spPr>
           <a:xfrm>
-            <a:off x="6156768" y="1776566"/>
+            <a:off x="4941774" y="1796606"/>
             <a:ext cx="4581751" cy="4974747"/>
           </a:xfrm>
           <a:prstGeom prst="rect">
@@ -11555,7 +15153,7 @@
             <a:fld id="{813506F1-DB5F-4FC9-88BA-B486F30FE4BF}" type="slidenum">
               <a:rPr lang="fr-FR" smtClean="0"/>
               <a:pPr/>
-              <a:t>11</a:t>
+              <a:t>12</a:t>
             </a:fld>
             <a:endParaRPr lang="fr-FR" dirty="0"/>
           </a:p>
@@ -11623,7 +15221,7 @@
         <p:spPr>
           <a:xfrm>
             <a:off x="1236684" y="2835479"/>
-            <a:ext cx="4161226" cy="3765346"/>
+            <a:ext cx="3241048" cy="3765346"/>
           </a:xfrm>
           <a:prstGeom prst="rect">
             <a:avLst/>
@@ -11864,7 +15462,7 @@
             <a:pPr algn="just"/>
             <a:r>
               <a:rPr lang="fr-FR" sz="2000" dirty="0" smtClean="0"/>
-              <a:t>Questionnaire </a:t>
+              <a:t>Survey </a:t>
             </a:r>
             <a:r>
               <a:rPr lang="fr-FR" sz="2000" dirty="0" err="1" smtClean="0"/>
@@ -11872,7 +15470,11 @@
             </a:r>
             <a:r>
               <a:rPr lang="fr-FR" sz="2000" dirty="0" smtClean="0"/>
-              <a:t> for the client</a:t>
+              <a:t> </a:t>
+            </a:r>
+            <a:r>
+              <a:rPr lang="fr-FR" sz="2000" dirty="0" smtClean="0"/>
+              <a:t>for the client</a:t>
             </a:r>
           </a:p>
           <a:p>
@@ -11913,8 +15515,8 @@
         </p:nvSpPr>
         <p:spPr>
           <a:xfrm>
-            <a:off x="6184106" y="2601913"/>
-            <a:ext cx="1048544" cy="186531"/>
+            <a:off x="4970348" y="2611537"/>
+            <a:ext cx="1044690" cy="186531"/>
           </a:xfrm>
           <a:prstGeom prst="rect">
             <a:avLst/>
@@ -11951,6 +15553,158 @@
           </a:p>
         </p:txBody>
       </p:sp>
+      <p:sp>
+        <p:nvSpPr>
+          <p:cNvPr id="7" name="Rectangle 6"/>
+          <p:cNvSpPr/>
+          <p:nvPr/>
+        </p:nvSpPr>
+        <p:spPr>
+          <a:xfrm>
+            <a:off x="10089130" y="2495632"/>
+            <a:ext cx="1628388" cy="427839"/>
+          </a:xfrm>
+          <a:prstGeom prst="rect">
+            <a:avLst/>
+          </a:prstGeom>
+          <a:noFill/>
+          <a:ln w="28575">
+            <a:solidFill>
+              <a:srgbClr val="0070C0"/>
+            </a:solidFill>
+          </a:ln>
+        </p:spPr>
+        <p:style>
+          <a:lnRef idx="2">
+            <a:schemeClr val="accent1">
+              <a:shade val="50000"/>
+            </a:schemeClr>
+          </a:lnRef>
+          <a:fillRef idx="1">
+            <a:schemeClr val="accent1"/>
+          </a:fillRef>
+          <a:effectRef idx="0">
+            <a:schemeClr val="accent1"/>
+          </a:effectRef>
+          <a:fontRef idx="minor">
+            <a:schemeClr val="lt1"/>
+          </a:fontRef>
+        </p:style>
+        <p:txBody>
+          <a:bodyPr rtlCol="0" anchor="ctr"/>
+          <a:lstStyle/>
+          <a:p>
+            <a:pPr algn="ctr"/>
+            <a:r>
+              <a:rPr lang="en-CA" dirty="0" smtClean="0">
+                <a:solidFill>
+                  <a:schemeClr val="tx1"/>
+                </a:solidFill>
+              </a:rPr>
+              <a:t>DB connection</a:t>
+            </a:r>
+            <a:endParaRPr lang="en-CA" dirty="0">
+              <a:solidFill>
+                <a:schemeClr val="tx1"/>
+              </a:solidFill>
+            </a:endParaRPr>
+          </a:p>
+        </p:txBody>
+      </p:sp>
+      <p:sp>
+        <p:nvSpPr>
+          <p:cNvPr id="10" name="Rectangle 9"/>
+          <p:cNvSpPr/>
+          <p:nvPr/>
+        </p:nvSpPr>
+        <p:spPr>
+          <a:xfrm>
+            <a:off x="9894814" y="4156646"/>
+            <a:ext cx="2017022" cy="566256"/>
+          </a:xfrm>
+          <a:prstGeom prst="rect">
+            <a:avLst/>
+          </a:prstGeom>
+          <a:noFill/>
+          <a:ln w="28575">
+            <a:solidFill>
+              <a:srgbClr val="0070C0"/>
+            </a:solidFill>
+          </a:ln>
+        </p:spPr>
+        <p:style>
+          <a:lnRef idx="2">
+            <a:schemeClr val="accent1">
+              <a:shade val="50000"/>
+            </a:schemeClr>
+          </a:lnRef>
+          <a:fillRef idx="1">
+            <a:schemeClr val="accent1"/>
+          </a:fillRef>
+          <a:effectRef idx="0">
+            <a:schemeClr val="accent1"/>
+          </a:effectRef>
+          <a:fontRef idx="minor">
+            <a:schemeClr val="lt1"/>
+          </a:fontRef>
+        </p:style>
+        <p:txBody>
+          <a:bodyPr rtlCol="0" anchor="ctr"/>
+          <a:lstStyle/>
+          <a:p>
+            <a:pPr algn="ctr"/>
+            <a:r>
+              <a:rPr lang="en-CA" dirty="0" smtClean="0">
+                <a:solidFill>
+                  <a:schemeClr val="tx1"/>
+                </a:solidFill>
+              </a:rPr>
+              <a:t>Non-canonic analysis</a:t>
+            </a:r>
+            <a:endParaRPr lang="en-CA" dirty="0">
+              <a:solidFill>
+                <a:schemeClr val="tx1"/>
+              </a:solidFill>
+            </a:endParaRPr>
+          </a:p>
+        </p:txBody>
+      </p:sp>
+      <p:cxnSp>
+        <p:nvCxnSpPr>
+          <p:cNvPr id="11" name="Elbow Connector 10"/>
+          <p:cNvCxnSpPr>
+            <a:stCxn id="7" idx="2"/>
+            <a:endCxn id="10" idx="0"/>
+          </p:cNvCxnSpPr>
+          <p:nvPr/>
+        </p:nvCxnSpPr>
+        <p:spPr>
+          <a:xfrm rot="16200000" flipH="1">
+            <a:off x="10286737" y="3540057"/>
+            <a:ext cx="1233175" cy="1"/>
+          </a:xfrm>
+          <a:prstGeom prst="bentConnector3">
+            <a:avLst/>
+          </a:prstGeom>
+          <a:ln>
+            <a:tailEnd type="triangle"/>
+          </a:ln>
+        </p:spPr>
+        <p:style>
+          <a:lnRef idx="1">
+            <a:schemeClr val="accent1"/>
+          </a:lnRef>
+          <a:fillRef idx="0">
+            <a:schemeClr val="accent1"/>
+          </a:fillRef>
+          <a:effectRef idx="0">
+            <a:schemeClr val="accent1"/>
+          </a:effectRef>
+          <a:fontRef idx="minor">
+            <a:schemeClr val="tx1"/>
+          </a:fontRef>
+        </p:style>
+      </p:cxnSp>
     </p:spTree>
     <p:extLst>
       <p:ext uri="{BB962C8B-B14F-4D97-AF65-F5344CB8AC3E}">
@@ -11971,7 +15725,7 @@
 </p:sld>
 </file>
 
-<file path=ppt/slides/slide13.xml><?xml version="1.0" encoding="utf-8"?>
+<file path=ppt/slides/slide14.xml><?xml version="1.0" encoding="utf-8"?>
 <p:sld xmlns:a="http://schemas.openxmlformats.org/drawingml/2006/main" xmlns:r="http://schemas.openxmlformats.org/officeDocument/2006/relationships" xmlns:p="http://schemas.openxmlformats.org/presentationml/2006/main">
   <p:cSld>
     <p:spTree>
@@ -12010,7 +15764,7 @@
         </p:blipFill>
         <p:spPr>
           <a:xfrm>
-            <a:off x="6156768" y="1776564"/>
+            <a:off x="4942800" y="1796400"/>
             <a:ext cx="4586534" cy="4964361"/>
           </a:xfrm>
           <a:prstGeom prst="rect">
@@ -12036,7 +15790,7 @@
             <a:fld id="{813506F1-DB5F-4FC9-88BA-B486F30FE4BF}" type="slidenum">
               <a:rPr lang="fr-FR" smtClean="0"/>
               <a:pPr/>
-              <a:t>12</a:t>
+              <a:t>13</a:t>
             </a:fld>
             <a:endParaRPr lang="fr-FR" dirty="0"/>
           </a:p>
@@ -12383,7 +16137,7 @@
         </p:nvSpPr>
         <p:spPr>
           <a:xfrm>
-            <a:off x="6184106" y="3012281"/>
+            <a:off x="4970935" y="3028948"/>
             <a:ext cx="1045369" cy="186531"/>
           </a:xfrm>
           <a:prstGeom prst="rect">
@@ -12421,6 +16175,361 @@
           </a:p>
         </p:txBody>
       </p:sp>
+      <p:sp>
+        <p:nvSpPr>
+          <p:cNvPr id="9" name="Rectangle 8"/>
+          <p:cNvSpPr/>
+          <p:nvPr/>
+        </p:nvSpPr>
+        <p:spPr>
+          <a:xfrm>
+            <a:off x="10029797" y="2254642"/>
+            <a:ext cx="1157681" cy="427839"/>
+          </a:xfrm>
+          <a:prstGeom prst="rect">
+            <a:avLst/>
+          </a:prstGeom>
+          <a:noFill/>
+          <a:ln w="28575">
+            <a:solidFill>
+              <a:srgbClr val="0070C0"/>
+            </a:solidFill>
+          </a:ln>
+        </p:spPr>
+        <p:style>
+          <a:lnRef idx="2">
+            <a:schemeClr val="accent1">
+              <a:shade val="50000"/>
+            </a:schemeClr>
+          </a:lnRef>
+          <a:fillRef idx="1">
+            <a:schemeClr val="accent1"/>
+          </a:fillRef>
+          <a:effectRef idx="0">
+            <a:schemeClr val="accent1"/>
+          </a:effectRef>
+          <a:fontRef idx="minor">
+            <a:schemeClr val="lt1"/>
+          </a:fontRef>
+        </p:style>
+        <p:txBody>
+          <a:bodyPr rtlCol="0" anchor="ctr"/>
+          <a:lstStyle/>
+          <a:p>
+            <a:pPr algn="ctr"/>
+            <a:r>
+              <a:rPr lang="en-CA" dirty="0" smtClean="0">
+                <a:solidFill>
+                  <a:schemeClr val="tx1"/>
+                </a:solidFill>
+              </a:rPr>
+              <a:t>DESeq2</a:t>
+            </a:r>
+            <a:endParaRPr lang="en-CA" dirty="0">
+              <a:solidFill>
+                <a:schemeClr val="tx1"/>
+              </a:solidFill>
+            </a:endParaRPr>
+          </a:p>
+        </p:txBody>
+      </p:sp>
+      <p:sp>
+        <p:nvSpPr>
+          <p:cNvPr id="10" name="Rectangle 9"/>
+          <p:cNvSpPr/>
+          <p:nvPr/>
+        </p:nvSpPr>
+        <p:spPr>
+          <a:xfrm>
+            <a:off x="10205946" y="3063079"/>
+            <a:ext cx="1747929" cy="566256"/>
+          </a:xfrm>
+          <a:prstGeom prst="rect">
+            <a:avLst/>
+          </a:prstGeom>
+          <a:noFill/>
+          <a:ln w="28575">
+            <a:solidFill>
+              <a:schemeClr val="tx1"/>
+            </a:solidFill>
+          </a:ln>
+        </p:spPr>
+        <p:style>
+          <a:lnRef idx="2">
+            <a:schemeClr val="accent1">
+              <a:shade val="50000"/>
+            </a:schemeClr>
+          </a:lnRef>
+          <a:fillRef idx="1">
+            <a:schemeClr val="accent1"/>
+          </a:fillRef>
+          <a:effectRef idx="0">
+            <a:schemeClr val="accent1"/>
+          </a:effectRef>
+          <a:fontRef idx="minor">
+            <a:schemeClr val="lt1"/>
+          </a:fontRef>
+        </p:style>
+        <p:txBody>
+          <a:bodyPr rtlCol="0" anchor="ctr"/>
+          <a:lstStyle/>
+          <a:p>
+            <a:pPr algn="ctr"/>
+            <a:r>
+              <a:rPr lang="en-CA" dirty="0" smtClean="0">
+                <a:solidFill>
+                  <a:schemeClr val="tx1"/>
+                </a:solidFill>
+              </a:rPr>
+              <a:t>Differential gene expressions</a:t>
+            </a:r>
+            <a:endParaRPr lang="en-CA" dirty="0">
+              <a:solidFill>
+                <a:schemeClr val="tx1"/>
+              </a:solidFill>
+            </a:endParaRPr>
+          </a:p>
+        </p:txBody>
+      </p:sp>
+      <p:sp>
+        <p:nvSpPr>
+          <p:cNvPr id="11" name="Rectangle 10"/>
+          <p:cNvSpPr/>
+          <p:nvPr/>
+        </p:nvSpPr>
+        <p:spPr>
+          <a:xfrm>
+            <a:off x="10205946" y="3829363"/>
+            <a:ext cx="1747929" cy="822121"/>
+          </a:xfrm>
+          <a:prstGeom prst="rect">
+            <a:avLst/>
+          </a:prstGeom>
+          <a:noFill/>
+          <a:ln w="28575">
+            <a:solidFill>
+              <a:schemeClr val="tx1"/>
+            </a:solidFill>
+          </a:ln>
+        </p:spPr>
+        <p:style>
+          <a:lnRef idx="2">
+            <a:schemeClr val="accent1">
+              <a:shade val="50000"/>
+            </a:schemeClr>
+          </a:lnRef>
+          <a:fillRef idx="1">
+            <a:schemeClr val="accent1"/>
+          </a:fillRef>
+          <a:effectRef idx="0">
+            <a:schemeClr val="accent1"/>
+          </a:effectRef>
+          <a:fontRef idx="minor">
+            <a:schemeClr val="lt1"/>
+          </a:fontRef>
+        </p:style>
+        <p:txBody>
+          <a:bodyPr rtlCol="0" anchor="ctr"/>
+          <a:lstStyle/>
+          <a:p>
+            <a:pPr algn="ctr"/>
+            <a:r>
+              <a:rPr lang="en-CA" dirty="0" smtClean="0">
+                <a:solidFill>
+                  <a:schemeClr val="tx1"/>
+                </a:solidFill>
+              </a:rPr>
+              <a:t>Differential expressions for significant genes</a:t>
+            </a:r>
+            <a:endParaRPr lang="en-CA" dirty="0">
+              <a:solidFill>
+                <a:schemeClr val="tx1"/>
+              </a:solidFill>
+            </a:endParaRPr>
+          </a:p>
+        </p:txBody>
+      </p:sp>
+      <p:sp>
+        <p:nvSpPr>
+          <p:cNvPr id="12" name="Rectangle 11"/>
+          <p:cNvSpPr/>
+          <p:nvPr/>
+        </p:nvSpPr>
+        <p:spPr>
+          <a:xfrm>
+            <a:off x="10205946" y="4873849"/>
+            <a:ext cx="1747929" cy="528507"/>
+          </a:xfrm>
+          <a:prstGeom prst="rect">
+            <a:avLst/>
+          </a:prstGeom>
+          <a:noFill/>
+          <a:ln w="28575">
+            <a:solidFill>
+              <a:schemeClr val="tx1"/>
+            </a:solidFill>
+          </a:ln>
+        </p:spPr>
+        <p:style>
+          <a:lnRef idx="2">
+            <a:schemeClr val="accent1">
+              <a:shade val="50000"/>
+            </a:schemeClr>
+          </a:lnRef>
+          <a:fillRef idx="1">
+            <a:schemeClr val="accent1"/>
+          </a:fillRef>
+          <a:effectRef idx="0">
+            <a:schemeClr val="accent1"/>
+          </a:effectRef>
+          <a:fontRef idx="minor">
+            <a:schemeClr val="lt1"/>
+          </a:fontRef>
+        </p:style>
+        <p:txBody>
+          <a:bodyPr rtlCol="0" anchor="ctr"/>
+          <a:lstStyle/>
+          <a:p>
+            <a:pPr algn="ctr"/>
+            <a:r>
+              <a:rPr lang="en-CA" dirty="0" smtClean="0">
+                <a:solidFill>
+                  <a:schemeClr val="tx1"/>
+                </a:solidFill>
+              </a:rPr>
+              <a:t>Significant gene list</a:t>
+            </a:r>
+            <a:endParaRPr lang="en-CA" dirty="0">
+              <a:solidFill>
+                <a:schemeClr val="tx1"/>
+              </a:solidFill>
+            </a:endParaRPr>
+          </a:p>
+        </p:txBody>
+      </p:sp>
+      <p:cxnSp>
+        <p:nvCxnSpPr>
+          <p:cNvPr id="21" name="Elbow Connector 20"/>
+          <p:cNvCxnSpPr>
+            <a:stCxn id="9" idx="1"/>
+            <a:endCxn id="10" idx="1"/>
+          </p:cNvCxnSpPr>
+          <p:nvPr/>
+        </p:nvCxnSpPr>
+        <p:spPr>
+          <a:xfrm rot="10800000" flipH="1" flipV="1">
+            <a:off x="10029796" y="2468561"/>
+            <a:ext cx="176149" cy="877645"/>
+          </a:xfrm>
+          <a:prstGeom prst="bentConnector3">
+            <a:avLst>
+              <a:gd name="adj1" fmla="val -129776"/>
+            </a:avLst>
+          </a:prstGeom>
+          <a:ln w="28575">
+            <a:solidFill>
+              <a:srgbClr val="0070C0"/>
+            </a:solidFill>
+            <a:tailEnd type="triangle"/>
+          </a:ln>
+        </p:spPr>
+        <p:style>
+          <a:lnRef idx="1">
+            <a:schemeClr val="accent1"/>
+          </a:lnRef>
+          <a:fillRef idx="0">
+            <a:schemeClr val="accent1"/>
+          </a:fillRef>
+          <a:effectRef idx="0">
+            <a:schemeClr val="accent1"/>
+          </a:effectRef>
+          <a:fontRef idx="minor">
+            <a:schemeClr val="tx1"/>
+          </a:fontRef>
+        </p:style>
+      </p:cxnSp>
+      <p:cxnSp>
+        <p:nvCxnSpPr>
+          <p:cNvPr id="23" name="Elbow Connector 22"/>
+          <p:cNvCxnSpPr>
+            <a:stCxn id="9" idx="1"/>
+            <a:endCxn id="11" idx="1"/>
+          </p:cNvCxnSpPr>
+          <p:nvPr/>
+        </p:nvCxnSpPr>
+        <p:spPr>
+          <a:xfrm rot="10800000" flipH="1" flipV="1">
+            <a:off x="10029796" y="2468562"/>
+            <a:ext cx="176149" cy="1771862"/>
+          </a:xfrm>
+          <a:prstGeom prst="bentConnector3">
+            <a:avLst>
+              <a:gd name="adj1" fmla="val -129776"/>
+            </a:avLst>
+          </a:prstGeom>
+          <a:ln w="28575">
+            <a:solidFill>
+              <a:srgbClr val="0070C0"/>
+            </a:solidFill>
+            <a:tailEnd type="triangle"/>
+          </a:ln>
+        </p:spPr>
+        <p:style>
+          <a:lnRef idx="1">
+            <a:schemeClr val="accent1"/>
+          </a:lnRef>
+          <a:fillRef idx="0">
+            <a:schemeClr val="accent1"/>
+          </a:fillRef>
+          <a:effectRef idx="0">
+            <a:schemeClr val="accent1"/>
+          </a:effectRef>
+          <a:fontRef idx="minor">
+            <a:schemeClr val="tx1"/>
+          </a:fontRef>
+        </p:style>
+      </p:cxnSp>
+      <p:cxnSp>
+        <p:nvCxnSpPr>
+          <p:cNvPr id="27" name="Elbow Connector 26"/>
+          <p:cNvCxnSpPr>
+            <a:stCxn id="9" idx="1"/>
+            <a:endCxn id="12" idx="1"/>
+          </p:cNvCxnSpPr>
+          <p:nvPr/>
+        </p:nvCxnSpPr>
+        <p:spPr>
+          <a:xfrm rot="10800000" flipH="1" flipV="1">
+            <a:off x="10029796" y="2468561"/>
+            <a:ext cx="176149" cy="2669541"/>
+          </a:xfrm>
+          <a:prstGeom prst="bentConnector3">
+            <a:avLst>
+              <a:gd name="adj1" fmla="val -129776"/>
+            </a:avLst>
+          </a:prstGeom>
+          <a:ln w="28575">
+            <a:solidFill>
+              <a:srgbClr val="0070C0"/>
+            </a:solidFill>
+            <a:tailEnd type="triangle"/>
+          </a:ln>
+        </p:spPr>
+        <p:style>
+          <a:lnRef idx="1">
+            <a:schemeClr val="accent1"/>
+          </a:lnRef>
+          <a:fillRef idx="0">
+            <a:schemeClr val="accent1"/>
+          </a:fillRef>
+          <a:effectRef idx="0">
+            <a:schemeClr val="accent1"/>
+          </a:effectRef>
+          <a:fontRef idx="minor">
+            <a:schemeClr val="tx1"/>
+          </a:fontRef>
+        </p:style>
+      </p:cxnSp>
     </p:spTree>
     <p:extLst>
       <p:ext uri="{BB962C8B-B14F-4D97-AF65-F5344CB8AC3E}">
@@ -12434,14 +16543,294 @@
   <p:timing>
     <p:tnLst>
       <p:par>
-        <p:cTn id="1" dur="indefinite" restart="never" nodeType="tmRoot"/>
+        <p:cTn id="1" dur="indefinite" restart="never" nodeType="tmRoot">
+          <p:childTnLst>
+            <p:seq concurrent="1" nextAc="seek">
+              <p:cTn id="2" dur="indefinite" nodeType="mainSeq">
+                <p:childTnLst>
+                  <p:par>
+                    <p:cTn id="3" fill="hold">
+                      <p:stCondLst>
+                        <p:cond delay="indefinite"/>
+                        <p:cond evt="onBegin" delay="0">
+                          <p:tn val="2"/>
+                        </p:cond>
+                      </p:stCondLst>
+                      <p:childTnLst>
+                        <p:par>
+                          <p:cTn id="4" fill="hold">
+                            <p:stCondLst>
+                              <p:cond delay="0"/>
+                            </p:stCondLst>
+                            <p:childTnLst>
+                              <p:par>
+                                <p:cTn id="5" presetID="10" presetClass="entr" presetSubtype="0" fill="hold" grpId="0" nodeType="withEffect">
+                                  <p:stCondLst>
+                                    <p:cond delay="0"/>
+                                  </p:stCondLst>
+                                  <p:childTnLst>
+                                    <p:set>
+                                      <p:cBhvr>
+                                        <p:cTn id="6" dur="1" fill="hold">
+                                          <p:stCondLst>
+                                            <p:cond delay="0"/>
+                                          </p:stCondLst>
+                                        </p:cTn>
+                                        <p:tgtEl>
+                                          <p:spTgt spid="10"/>
+                                        </p:tgtEl>
+                                        <p:attrNameLst>
+                                          <p:attrName>style.visibility</p:attrName>
+                                        </p:attrNameLst>
+                                      </p:cBhvr>
+                                      <p:to>
+                                        <p:strVal val="visible"/>
+                                      </p:to>
+                                    </p:set>
+                                    <p:animEffect transition="in" filter="fade">
+                                      <p:cBhvr>
+                                        <p:cTn id="7" dur="500"/>
+                                        <p:tgtEl>
+                                          <p:spTgt spid="10"/>
+                                        </p:tgtEl>
+                                      </p:cBhvr>
+                                    </p:animEffect>
+                                  </p:childTnLst>
+                                </p:cTn>
+                              </p:par>
+                              <p:par>
+                                <p:cTn id="8" presetID="10" presetClass="entr" presetSubtype="0" fill="hold" grpId="0" nodeType="withEffect">
+                                  <p:stCondLst>
+                                    <p:cond delay="0"/>
+                                  </p:stCondLst>
+                                  <p:childTnLst>
+                                    <p:set>
+                                      <p:cBhvr>
+                                        <p:cTn id="9" dur="1" fill="hold">
+                                          <p:stCondLst>
+                                            <p:cond delay="0"/>
+                                          </p:stCondLst>
+                                        </p:cTn>
+                                        <p:tgtEl>
+                                          <p:spTgt spid="11"/>
+                                        </p:tgtEl>
+                                        <p:attrNameLst>
+                                          <p:attrName>style.visibility</p:attrName>
+                                        </p:attrNameLst>
+                                      </p:cBhvr>
+                                      <p:to>
+                                        <p:strVal val="visible"/>
+                                      </p:to>
+                                    </p:set>
+                                    <p:animEffect transition="in" filter="fade">
+                                      <p:cBhvr>
+                                        <p:cTn id="10" dur="500"/>
+                                        <p:tgtEl>
+                                          <p:spTgt spid="11"/>
+                                        </p:tgtEl>
+                                      </p:cBhvr>
+                                    </p:animEffect>
+                                  </p:childTnLst>
+                                </p:cTn>
+                              </p:par>
+                              <p:par>
+                                <p:cTn id="11" presetID="10" presetClass="entr" presetSubtype="0" fill="hold" grpId="0" nodeType="withEffect">
+                                  <p:stCondLst>
+                                    <p:cond delay="0"/>
+                                  </p:stCondLst>
+                                  <p:childTnLst>
+                                    <p:set>
+                                      <p:cBhvr>
+                                        <p:cTn id="12" dur="1" fill="hold">
+                                          <p:stCondLst>
+                                            <p:cond delay="0"/>
+                                          </p:stCondLst>
+                                        </p:cTn>
+                                        <p:tgtEl>
+                                          <p:spTgt spid="12"/>
+                                        </p:tgtEl>
+                                        <p:attrNameLst>
+                                          <p:attrName>style.visibility</p:attrName>
+                                        </p:attrNameLst>
+                                      </p:cBhvr>
+                                      <p:to>
+                                        <p:strVal val="visible"/>
+                                      </p:to>
+                                    </p:set>
+                                    <p:animEffect transition="in" filter="fade">
+                                      <p:cBhvr>
+                                        <p:cTn id="13" dur="500"/>
+                                        <p:tgtEl>
+                                          <p:spTgt spid="12"/>
+                                        </p:tgtEl>
+                                      </p:cBhvr>
+                                    </p:animEffect>
+                                  </p:childTnLst>
+                                </p:cTn>
+                              </p:par>
+                            </p:childTnLst>
+                          </p:cTn>
+                        </p:par>
+                      </p:childTnLst>
+                    </p:cTn>
+                  </p:par>
+                  <p:par>
+                    <p:cTn id="14" fill="hold">
+                      <p:stCondLst>
+                        <p:cond delay="indefinite"/>
+                      </p:stCondLst>
+                      <p:childTnLst>
+                        <p:par>
+                          <p:cTn id="15" fill="hold">
+                            <p:stCondLst>
+                              <p:cond delay="0"/>
+                            </p:stCondLst>
+                            <p:childTnLst>
+                              <p:par>
+                                <p:cTn id="16" presetID="10" presetClass="exit" presetSubtype="0" fill="hold" grpId="1" nodeType="clickEffect">
+                                  <p:stCondLst>
+                                    <p:cond delay="0"/>
+                                  </p:stCondLst>
+                                  <p:childTnLst>
+                                    <p:animEffect transition="out" filter="fade">
+                                      <p:cBhvr>
+                                        <p:cTn id="17" dur="500"/>
+                                        <p:tgtEl>
+                                          <p:spTgt spid="10"/>
+                                        </p:tgtEl>
+                                      </p:cBhvr>
+                                    </p:animEffect>
+                                    <p:set>
+                                      <p:cBhvr>
+                                        <p:cTn id="18" dur="1" fill="hold">
+                                          <p:stCondLst>
+                                            <p:cond delay="499"/>
+                                          </p:stCondLst>
+                                        </p:cTn>
+                                        <p:tgtEl>
+                                          <p:spTgt spid="10"/>
+                                        </p:tgtEl>
+                                        <p:attrNameLst>
+                                          <p:attrName>style.visibility</p:attrName>
+                                        </p:attrNameLst>
+                                      </p:cBhvr>
+                                      <p:to>
+                                        <p:strVal val="hidden"/>
+                                      </p:to>
+                                    </p:set>
+                                  </p:childTnLst>
+                                </p:cTn>
+                              </p:par>
+                              <p:par>
+                                <p:cTn id="19" presetID="10" presetClass="exit" presetSubtype="0" fill="hold" grpId="1" nodeType="withEffect">
+                                  <p:stCondLst>
+                                    <p:cond delay="0"/>
+                                  </p:stCondLst>
+                                  <p:childTnLst>
+                                    <p:animEffect transition="out" filter="fade">
+                                      <p:cBhvr>
+                                        <p:cTn id="20" dur="500"/>
+                                        <p:tgtEl>
+                                          <p:spTgt spid="11"/>
+                                        </p:tgtEl>
+                                      </p:cBhvr>
+                                    </p:animEffect>
+                                    <p:set>
+                                      <p:cBhvr>
+                                        <p:cTn id="21" dur="1" fill="hold">
+                                          <p:stCondLst>
+                                            <p:cond delay="499"/>
+                                          </p:stCondLst>
+                                        </p:cTn>
+                                        <p:tgtEl>
+                                          <p:spTgt spid="11"/>
+                                        </p:tgtEl>
+                                        <p:attrNameLst>
+                                          <p:attrName>style.visibility</p:attrName>
+                                        </p:attrNameLst>
+                                      </p:cBhvr>
+                                      <p:to>
+                                        <p:strVal val="hidden"/>
+                                      </p:to>
+                                    </p:set>
+                                  </p:childTnLst>
+                                </p:cTn>
+                              </p:par>
+                              <p:par>
+                                <p:cTn id="22" presetID="10" presetClass="exit" presetSubtype="0" fill="hold" grpId="0" nodeType="withEffect">
+                                  <p:stCondLst>
+                                    <p:cond delay="0"/>
+                                  </p:stCondLst>
+                                  <p:childTnLst>
+                                    <p:animEffect transition="out" filter="fade">
+                                      <p:cBhvr>
+                                        <p:cTn id="23" dur="500"/>
+                                        <p:tgtEl>
+                                          <p:spTgt spid="9"/>
+                                        </p:tgtEl>
+                                      </p:cBhvr>
+                                    </p:animEffect>
+                                    <p:set>
+                                      <p:cBhvr>
+                                        <p:cTn id="24" dur="1" fill="hold">
+                                          <p:stCondLst>
+                                            <p:cond delay="499"/>
+                                          </p:stCondLst>
+                                        </p:cTn>
+                                        <p:tgtEl>
+                                          <p:spTgt spid="9"/>
+                                        </p:tgtEl>
+                                        <p:attrNameLst>
+                                          <p:attrName>style.visibility</p:attrName>
+                                        </p:attrNameLst>
+                                      </p:cBhvr>
+                                      <p:to>
+                                        <p:strVal val="hidden"/>
+                                      </p:to>
+                                    </p:set>
+                                  </p:childTnLst>
+                                </p:cTn>
+                              </p:par>
+                            </p:childTnLst>
+                          </p:cTn>
+                        </p:par>
+                      </p:childTnLst>
+                    </p:cTn>
+                  </p:par>
+                </p:childTnLst>
+              </p:cTn>
+              <p:prevCondLst>
+                <p:cond evt="onPrev" delay="0">
+                  <p:tgtEl>
+                    <p:sldTgt/>
+                  </p:tgtEl>
+                </p:cond>
+              </p:prevCondLst>
+              <p:nextCondLst>
+                <p:cond evt="onNext" delay="0">
+                  <p:tgtEl>
+                    <p:sldTgt/>
+                  </p:tgtEl>
+                </p:cond>
+              </p:nextCondLst>
+            </p:seq>
+          </p:childTnLst>
+        </p:cTn>
       </p:par>
     </p:tnLst>
+    <p:bldLst>
+      <p:bldP spid="9" grpId="0" animBg="1"/>
+      <p:bldP spid="10" grpId="0" animBg="1"/>
+      <p:bldP spid="10" grpId="1" animBg="1"/>
+      <p:bldP spid="11" grpId="0" animBg="1"/>
+      <p:bldP spid="11" grpId="1" animBg="1"/>
+      <p:bldP spid="12" grpId="0" animBg="1"/>
+    </p:bldLst>
   </p:timing>
 </p:sld>
 </file>
 
-<file path=ppt/slides/slide14.xml><?xml version="1.0" encoding="utf-8"?>
+<file path=ppt/slides/slide15.xml><?xml version="1.0" encoding="utf-8"?>
 <p:sld xmlns:a="http://schemas.openxmlformats.org/drawingml/2006/main" xmlns:r="http://schemas.openxmlformats.org/officeDocument/2006/relationships" xmlns:p="http://schemas.openxmlformats.org/presentationml/2006/main">
   <p:cSld>
     <p:spTree>
@@ -12506,7 +16895,7 @@
             <a:fld id="{813506F1-DB5F-4FC9-88BA-B486F30FE4BF}" type="slidenum">
               <a:rPr lang="fr-FR" smtClean="0"/>
               <a:pPr/>
-              <a:t>13</a:t>
+              <a:t>14</a:t>
             </a:fld>
             <a:endParaRPr lang="fr-FR" dirty="0"/>
           </a:p>
@@ -12920,7 +17309,7 @@
 </p:sld>
 </file>
 
-<file path=ppt/slides/slide15.xml><?xml version="1.0" encoding="utf-8"?>
+<file path=ppt/slides/slide16.xml><?xml version="1.0" encoding="utf-8"?>
 <p:sld xmlns:a="http://schemas.openxmlformats.org/drawingml/2006/main" xmlns:r="http://schemas.openxmlformats.org/officeDocument/2006/relationships" xmlns:p="http://schemas.openxmlformats.org/presentationml/2006/main">
   <p:cSld>
     <p:spTree>
@@ -12985,7 +17374,7 @@
             <a:fld id="{813506F1-DB5F-4FC9-88BA-B486F30FE4BF}" type="slidenum">
               <a:rPr lang="fr-FR" smtClean="0"/>
               <a:pPr/>
-              <a:t>14</a:t>
+              <a:t>15</a:t>
             </a:fld>
             <a:endParaRPr lang="fr-FR" dirty="0"/>
           </a:p>
@@ -13372,7 +17761,7 @@
 </p:sld>
 </file>
 
-<file path=ppt/slides/slide16.xml><?xml version="1.0" encoding="utf-8"?>
+<file path=ppt/slides/slide17.xml><?xml version="1.0" encoding="utf-8"?>
 <p:sld xmlns:a="http://schemas.openxmlformats.org/drawingml/2006/main" xmlns:r="http://schemas.openxmlformats.org/officeDocument/2006/relationships" xmlns:p="http://schemas.openxmlformats.org/presentationml/2006/main">
   <p:cSld>
     <p:spTree>
@@ -13440,831 +17829,6 @@
     <p:extLst>
       <p:ext uri="{BB962C8B-B14F-4D97-AF65-F5344CB8AC3E}">
         <p14:creationId xmlns:p14="http://schemas.microsoft.com/office/powerpoint/2010/main" val="1105228769"/>
-      </p:ext>
-    </p:extLst>
-  </p:cSld>
-  <p:clrMapOvr>
-    <a:masterClrMapping/>
-  </p:clrMapOvr>
-  <p:timing>
-    <p:tnLst>
-      <p:par>
-        <p:cTn id="1" dur="indefinite" restart="never" nodeType="tmRoot"/>
-      </p:par>
-    </p:tnLst>
-  </p:timing>
-</p:sld>
-</file>
-
-<file path=ppt/slides/slide17.xml><?xml version="1.0" encoding="utf-8"?>
-<p:sld xmlns:a="http://schemas.openxmlformats.org/drawingml/2006/main" xmlns:r="http://schemas.openxmlformats.org/officeDocument/2006/relationships" xmlns:p="http://schemas.openxmlformats.org/presentationml/2006/main">
-  <p:cSld>
-    <p:spTree>
-      <p:nvGrpSpPr>
-        <p:cNvPr id="1" name=""/>
-        <p:cNvGrpSpPr/>
-        <p:nvPr/>
-      </p:nvGrpSpPr>
-      <p:grpSpPr>
-        <a:xfrm>
-          <a:off x="0" y="0"/>
-          <a:ext cx="0" cy="0"/>
-          <a:chOff x="0" y="0"/>
-          <a:chExt cx="0" cy="0"/>
-        </a:xfrm>
-      </p:grpSpPr>
-      <p:sp>
-        <p:nvSpPr>
-          <p:cNvPr id="2" name="Slide Number Placeholder 1"/>
-          <p:cNvSpPr>
-            <a:spLocks noGrp="1"/>
-          </p:cNvSpPr>
-          <p:nvPr>
-            <p:ph type="sldNum" sz="quarter" idx="4"/>
-          </p:nvPr>
-        </p:nvSpPr>
-        <p:spPr/>
-        <p:txBody>
-          <a:bodyPr/>
-          <a:lstStyle/>
-          <a:p>
-            <a:fld id="{813506F1-DB5F-4FC9-88BA-B486F30FE4BF}" type="slidenum">
-              <a:rPr lang="fr-FR" smtClean="0"/>
-              <a:pPr/>
-              <a:t>16</a:t>
-            </a:fld>
-            <a:endParaRPr lang="fr-FR" dirty="0"/>
-          </a:p>
-        </p:txBody>
-      </p:sp>
-      <p:pic>
-        <p:nvPicPr>
-          <p:cNvPr id="5" name="Picture 4"/>
-          <p:cNvPicPr>
-            <a:picLocks noChangeAspect="1"/>
-          </p:cNvPicPr>
-          <p:nvPr/>
-        </p:nvPicPr>
-        <p:blipFill>
-          <a:blip r:embed="rId2" cstate="print">
-            <a:extLst>
-              <a:ext uri="{28A0092B-C50C-407E-A947-70E740481C1C}">
-                <a14:useLocalDpi xmlns:a14="http://schemas.microsoft.com/office/drawing/2010/main" val="0"/>
-              </a:ext>
-            </a:extLst>
-          </a:blip>
-          <a:stretch>
-            <a:fillRect/>
-          </a:stretch>
-        </p:blipFill>
-        <p:spPr>
-          <a:xfrm>
-            <a:off x="-108191" y="1868647"/>
-            <a:ext cx="1513167" cy="1008778"/>
-          </a:xfrm>
-          <a:prstGeom prst="rect">
-            <a:avLst/>
-          </a:prstGeom>
-        </p:spPr>
-      </p:pic>
-      <p:pic>
-        <p:nvPicPr>
-          <p:cNvPr id="7" name="Picture 6"/>
-          <p:cNvPicPr>
-            <a:picLocks noChangeAspect="1"/>
-          </p:cNvPicPr>
-          <p:nvPr/>
-        </p:nvPicPr>
-        <p:blipFill>
-          <a:blip r:embed="rId3" cstate="print">
-            <a:extLst>
-              <a:ext uri="{28A0092B-C50C-407E-A947-70E740481C1C}">
-                <a14:useLocalDpi xmlns:a14="http://schemas.microsoft.com/office/drawing/2010/main" val="0"/>
-              </a:ext>
-            </a:extLst>
-          </a:blip>
-          <a:stretch>
-            <a:fillRect/>
-          </a:stretch>
-        </p:blipFill>
-        <p:spPr>
-          <a:xfrm>
-            <a:off x="1286311" y="1918981"/>
-            <a:ext cx="1023457" cy="1023457"/>
-          </a:xfrm>
-          <a:prstGeom prst="rect">
-            <a:avLst/>
-          </a:prstGeom>
-        </p:spPr>
-      </p:pic>
-      <p:sp>
-        <p:nvSpPr>
-          <p:cNvPr id="8" name="Rectangle 7"/>
-          <p:cNvSpPr/>
-          <p:nvPr/>
-        </p:nvSpPr>
-        <p:spPr>
-          <a:xfrm>
-            <a:off x="847287" y="3624044"/>
-            <a:ext cx="1157681" cy="427839"/>
-          </a:xfrm>
-          <a:prstGeom prst="rect">
-            <a:avLst/>
-          </a:prstGeom>
-          <a:noFill/>
-          <a:ln>
-            <a:solidFill>
-              <a:schemeClr val="tx1"/>
-            </a:solidFill>
-          </a:ln>
-        </p:spPr>
-        <p:style>
-          <a:lnRef idx="2">
-            <a:schemeClr val="accent1">
-              <a:shade val="50000"/>
-            </a:schemeClr>
-          </a:lnRef>
-          <a:fillRef idx="1">
-            <a:schemeClr val="accent1"/>
-          </a:fillRef>
-          <a:effectRef idx="0">
-            <a:schemeClr val="accent1"/>
-          </a:effectRef>
-          <a:fontRef idx="minor">
-            <a:schemeClr val="lt1"/>
-          </a:fontRef>
-        </p:style>
-        <p:txBody>
-          <a:bodyPr rtlCol="0" anchor="ctr"/>
-          <a:lstStyle/>
-          <a:p>
-            <a:pPr algn="ctr"/>
-            <a:r>
-              <a:rPr lang="en-CA" dirty="0" smtClean="0">
-                <a:solidFill>
-                  <a:schemeClr val="tx1"/>
-                </a:solidFill>
-              </a:rPr>
-              <a:t>DESeq2</a:t>
-            </a:r>
-            <a:endParaRPr lang="en-CA" dirty="0">
-              <a:solidFill>
-                <a:schemeClr val="tx1"/>
-              </a:solidFill>
-            </a:endParaRPr>
-          </a:p>
-        </p:txBody>
-      </p:sp>
-      <p:sp>
-        <p:nvSpPr>
-          <p:cNvPr id="9" name="Rectangle 8"/>
-          <p:cNvSpPr/>
-          <p:nvPr/>
-        </p:nvSpPr>
-        <p:spPr>
-          <a:xfrm>
-            <a:off x="2328474" y="2759979"/>
-            <a:ext cx="2017022" cy="566256"/>
-          </a:xfrm>
-          <a:prstGeom prst="rect">
-            <a:avLst/>
-          </a:prstGeom>
-          <a:noFill/>
-          <a:ln>
-            <a:solidFill>
-              <a:schemeClr val="tx1"/>
-            </a:solidFill>
-          </a:ln>
-        </p:spPr>
-        <p:style>
-          <a:lnRef idx="2">
-            <a:schemeClr val="accent1">
-              <a:shade val="50000"/>
-            </a:schemeClr>
-          </a:lnRef>
-          <a:fillRef idx="1">
-            <a:schemeClr val="accent1"/>
-          </a:fillRef>
-          <a:effectRef idx="0">
-            <a:schemeClr val="accent1"/>
-          </a:effectRef>
-          <a:fontRef idx="minor">
-            <a:schemeClr val="lt1"/>
-          </a:fontRef>
-        </p:style>
-        <p:txBody>
-          <a:bodyPr rtlCol="0" anchor="ctr"/>
-          <a:lstStyle/>
-          <a:p>
-            <a:pPr algn="ctr"/>
-            <a:r>
-              <a:rPr lang="en-CA" dirty="0" smtClean="0">
-                <a:solidFill>
-                  <a:schemeClr val="tx1"/>
-                </a:solidFill>
-              </a:rPr>
-              <a:t>Differential gene expressions</a:t>
-            </a:r>
-            <a:endParaRPr lang="en-CA" dirty="0">
-              <a:solidFill>
-                <a:schemeClr val="tx1"/>
-              </a:solidFill>
-            </a:endParaRPr>
-          </a:p>
-        </p:txBody>
-      </p:sp>
-      <p:sp>
-        <p:nvSpPr>
-          <p:cNvPr id="10" name="Rectangle 9"/>
-          <p:cNvSpPr/>
-          <p:nvPr/>
-        </p:nvSpPr>
-        <p:spPr>
-          <a:xfrm>
-            <a:off x="2328475" y="3514986"/>
-            <a:ext cx="2327416" cy="822121"/>
-          </a:xfrm>
-          <a:prstGeom prst="rect">
-            <a:avLst/>
-          </a:prstGeom>
-          <a:noFill/>
-          <a:ln>
-            <a:solidFill>
-              <a:schemeClr val="tx1"/>
-            </a:solidFill>
-          </a:ln>
-        </p:spPr>
-        <p:style>
-          <a:lnRef idx="2">
-            <a:schemeClr val="accent1">
-              <a:shade val="50000"/>
-            </a:schemeClr>
-          </a:lnRef>
-          <a:fillRef idx="1">
-            <a:schemeClr val="accent1"/>
-          </a:fillRef>
-          <a:effectRef idx="0">
-            <a:schemeClr val="accent1"/>
-          </a:effectRef>
-          <a:fontRef idx="minor">
-            <a:schemeClr val="lt1"/>
-          </a:fontRef>
-        </p:style>
-        <p:txBody>
-          <a:bodyPr rtlCol="0" anchor="ctr"/>
-          <a:lstStyle/>
-          <a:p>
-            <a:pPr algn="ctr"/>
-            <a:r>
-              <a:rPr lang="en-CA" dirty="0" smtClean="0">
-                <a:solidFill>
-                  <a:schemeClr val="tx1"/>
-                </a:solidFill>
-              </a:rPr>
-              <a:t>Differential expressions for significant genes</a:t>
-            </a:r>
-            <a:endParaRPr lang="en-CA" dirty="0">
-              <a:solidFill>
-                <a:schemeClr val="tx1"/>
-              </a:solidFill>
-            </a:endParaRPr>
-          </a:p>
-        </p:txBody>
-      </p:sp>
-      <p:sp>
-        <p:nvSpPr>
-          <p:cNvPr id="11" name="Rectangle 10"/>
-          <p:cNvSpPr/>
-          <p:nvPr/>
-        </p:nvSpPr>
-        <p:spPr>
-          <a:xfrm>
-            <a:off x="2328474" y="4714610"/>
-            <a:ext cx="1157681" cy="528507"/>
-          </a:xfrm>
-          <a:prstGeom prst="rect">
-            <a:avLst/>
-          </a:prstGeom>
-          <a:noFill/>
-          <a:ln>
-            <a:solidFill>
-              <a:schemeClr val="tx1"/>
-            </a:solidFill>
-          </a:ln>
-        </p:spPr>
-        <p:style>
-          <a:lnRef idx="2">
-            <a:schemeClr val="accent1">
-              <a:shade val="50000"/>
-            </a:schemeClr>
-          </a:lnRef>
-          <a:fillRef idx="1">
-            <a:schemeClr val="accent1"/>
-          </a:fillRef>
-          <a:effectRef idx="0">
-            <a:schemeClr val="accent1"/>
-          </a:effectRef>
-          <a:fontRef idx="minor">
-            <a:schemeClr val="lt1"/>
-          </a:fontRef>
-        </p:style>
-        <p:txBody>
-          <a:bodyPr rtlCol="0" anchor="ctr"/>
-          <a:lstStyle/>
-          <a:p>
-            <a:pPr algn="ctr"/>
-            <a:r>
-              <a:rPr lang="en-CA" dirty="0" smtClean="0">
-                <a:solidFill>
-                  <a:schemeClr val="tx1"/>
-                </a:solidFill>
-              </a:rPr>
-              <a:t>Significant gene list</a:t>
-            </a:r>
-            <a:endParaRPr lang="en-CA" dirty="0">
-              <a:solidFill>
-                <a:schemeClr val="tx1"/>
-              </a:solidFill>
-            </a:endParaRPr>
-          </a:p>
-        </p:txBody>
-      </p:sp>
-      <p:sp>
-        <p:nvSpPr>
-          <p:cNvPr id="12" name="Rectangle 11"/>
-          <p:cNvSpPr/>
-          <p:nvPr/>
-        </p:nvSpPr>
-        <p:spPr>
-          <a:xfrm>
-            <a:off x="5083728" y="2116124"/>
-            <a:ext cx="2017022" cy="566256"/>
-          </a:xfrm>
-          <a:prstGeom prst="rect">
-            <a:avLst/>
-          </a:prstGeom>
-          <a:noFill/>
-          <a:ln>
-            <a:solidFill>
-              <a:schemeClr val="tx1"/>
-            </a:solidFill>
-          </a:ln>
-        </p:spPr>
-        <p:style>
-          <a:lnRef idx="2">
-            <a:schemeClr val="accent1">
-              <a:shade val="50000"/>
-            </a:schemeClr>
-          </a:lnRef>
-          <a:fillRef idx="1">
-            <a:schemeClr val="accent1"/>
-          </a:fillRef>
-          <a:effectRef idx="0">
-            <a:schemeClr val="accent1"/>
-          </a:effectRef>
-          <a:fontRef idx="minor">
-            <a:schemeClr val="lt1"/>
-          </a:fontRef>
-        </p:style>
-        <p:txBody>
-          <a:bodyPr rtlCol="0" anchor="ctr"/>
-          <a:lstStyle/>
-          <a:p>
-            <a:pPr algn="ctr"/>
-            <a:r>
-              <a:rPr lang="en-CA" dirty="0" smtClean="0">
-                <a:solidFill>
-                  <a:schemeClr val="tx1"/>
-                </a:solidFill>
-              </a:rPr>
-              <a:t>Custom MA plot</a:t>
-            </a:r>
-            <a:endParaRPr lang="en-CA" dirty="0">
-              <a:solidFill>
-                <a:schemeClr val="tx1"/>
-              </a:solidFill>
-            </a:endParaRPr>
-          </a:p>
-        </p:txBody>
-      </p:sp>
-      <p:sp>
-        <p:nvSpPr>
-          <p:cNvPr id="13" name="Rectangle 12"/>
-          <p:cNvSpPr/>
-          <p:nvPr/>
-        </p:nvSpPr>
-        <p:spPr>
-          <a:xfrm>
-            <a:off x="5083728" y="2877425"/>
-            <a:ext cx="2017022" cy="566256"/>
-          </a:xfrm>
-          <a:prstGeom prst="rect">
-            <a:avLst/>
-          </a:prstGeom>
-          <a:noFill/>
-          <a:ln>
-            <a:solidFill>
-              <a:schemeClr val="tx1"/>
-            </a:solidFill>
-          </a:ln>
-        </p:spPr>
-        <p:style>
-          <a:lnRef idx="2">
-            <a:schemeClr val="accent1">
-              <a:shade val="50000"/>
-            </a:schemeClr>
-          </a:lnRef>
-          <a:fillRef idx="1">
-            <a:schemeClr val="accent1"/>
-          </a:fillRef>
-          <a:effectRef idx="0">
-            <a:schemeClr val="accent1"/>
-          </a:effectRef>
-          <a:fontRef idx="minor">
-            <a:schemeClr val="lt1"/>
-          </a:fontRef>
-        </p:style>
-        <p:txBody>
-          <a:bodyPr rtlCol="0" anchor="ctr"/>
-          <a:lstStyle/>
-          <a:p>
-            <a:pPr algn="ctr"/>
-            <a:r>
-              <a:rPr lang="en-CA" dirty="0" smtClean="0">
-                <a:solidFill>
-                  <a:schemeClr val="tx1"/>
-                </a:solidFill>
-              </a:rPr>
-              <a:t>Custom Volcano plot</a:t>
-            </a:r>
-            <a:endParaRPr lang="en-CA" dirty="0">
-              <a:solidFill>
-                <a:schemeClr val="tx1"/>
-              </a:solidFill>
-            </a:endParaRPr>
-          </a:p>
-        </p:txBody>
-      </p:sp>
-      <p:sp>
-        <p:nvSpPr>
-          <p:cNvPr id="14" name="Rectangle 13"/>
-          <p:cNvSpPr/>
-          <p:nvPr/>
-        </p:nvSpPr>
-        <p:spPr>
-          <a:xfrm>
-            <a:off x="5083728" y="3645019"/>
-            <a:ext cx="2017022" cy="566256"/>
-          </a:xfrm>
-          <a:prstGeom prst="rect">
-            <a:avLst/>
-          </a:prstGeom>
-          <a:noFill/>
-          <a:ln>
-            <a:solidFill>
-              <a:schemeClr val="tx1"/>
-            </a:solidFill>
-          </a:ln>
-        </p:spPr>
-        <p:style>
-          <a:lnRef idx="2">
-            <a:schemeClr val="accent1">
-              <a:shade val="50000"/>
-            </a:schemeClr>
-          </a:lnRef>
-          <a:fillRef idx="1">
-            <a:schemeClr val="accent1"/>
-          </a:fillRef>
-          <a:effectRef idx="0">
-            <a:schemeClr val="accent1"/>
-          </a:effectRef>
-          <a:fontRef idx="minor">
-            <a:schemeClr val="lt1"/>
-          </a:fontRef>
-        </p:style>
-        <p:txBody>
-          <a:bodyPr rtlCol="0" anchor="ctr"/>
-          <a:lstStyle/>
-          <a:p>
-            <a:pPr algn="ctr"/>
-            <a:r>
-              <a:rPr lang="en-CA" dirty="0" smtClean="0">
-                <a:solidFill>
-                  <a:schemeClr val="tx1"/>
-                </a:solidFill>
-              </a:rPr>
-              <a:t>Non-canonic analysis</a:t>
-            </a:r>
-            <a:endParaRPr lang="en-CA" dirty="0">
-              <a:solidFill>
-                <a:schemeClr val="tx1"/>
-              </a:solidFill>
-            </a:endParaRPr>
-          </a:p>
-        </p:txBody>
-      </p:sp>
-      <p:sp>
-        <p:nvSpPr>
-          <p:cNvPr id="15" name="Rectangle 14"/>
-          <p:cNvSpPr/>
-          <p:nvPr/>
-        </p:nvSpPr>
-        <p:spPr>
-          <a:xfrm>
-            <a:off x="9692079" y="2877425"/>
-            <a:ext cx="2017022" cy="566256"/>
-          </a:xfrm>
-          <a:prstGeom prst="rect">
-            <a:avLst/>
-          </a:prstGeom>
-          <a:noFill/>
-          <a:ln>
-            <a:solidFill>
-              <a:schemeClr val="tx1"/>
-            </a:solidFill>
-          </a:ln>
-        </p:spPr>
-        <p:style>
-          <a:lnRef idx="2">
-            <a:schemeClr val="accent1">
-              <a:shade val="50000"/>
-            </a:schemeClr>
-          </a:lnRef>
-          <a:fillRef idx="1">
-            <a:schemeClr val="accent1"/>
-          </a:fillRef>
-          <a:effectRef idx="0">
-            <a:schemeClr val="accent1"/>
-          </a:effectRef>
-          <a:fontRef idx="minor">
-            <a:schemeClr val="lt1"/>
-          </a:fontRef>
-        </p:style>
-        <p:txBody>
-          <a:bodyPr rtlCol="0" anchor="ctr"/>
-          <a:lstStyle/>
-          <a:p>
-            <a:pPr algn="ctr"/>
-            <a:r>
-              <a:rPr lang="en-CA" dirty="0" smtClean="0">
-                <a:solidFill>
-                  <a:schemeClr val="tx1"/>
-                </a:solidFill>
-              </a:rPr>
-              <a:t>MERAV</a:t>
-            </a:r>
-            <a:endParaRPr lang="en-CA" dirty="0">
-              <a:solidFill>
-                <a:schemeClr val="tx1"/>
-              </a:solidFill>
-            </a:endParaRPr>
-          </a:p>
-        </p:txBody>
-      </p:sp>
-      <p:sp>
-        <p:nvSpPr>
-          <p:cNvPr id="16" name="Rectangle 15"/>
-          <p:cNvSpPr/>
-          <p:nvPr/>
-        </p:nvSpPr>
-        <p:spPr>
-          <a:xfrm>
-            <a:off x="9692079" y="4525865"/>
-            <a:ext cx="2017022" cy="566256"/>
-          </a:xfrm>
-          <a:prstGeom prst="rect">
-            <a:avLst/>
-          </a:prstGeom>
-          <a:noFill/>
-          <a:ln>
-            <a:solidFill>
-              <a:schemeClr val="tx1"/>
-            </a:solidFill>
-          </a:ln>
-        </p:spPr>
-        <p:style>
-          <a:lnRef idx="2">
-            <a:schemeClr val="accent1">
-              <a:shade val="50000"/>
-            </a:schemeClr>
-          </a:lnRef>
-          <a:fillRef idx="1">
-            <a:schemeClr val="accent1"/>
-          </a:fillRef>
-          <a:effectRef idx="0">
-            <a:schemeClr val="accent1"/>
-          </a:effectRef>
-          <a:fontRef idx="minor">
-            <a:schemeClr val="lt1"/>
-          </a:fontRef>
-        </p:style>
-        <p:txBody>
-          <a:bodyPr rtlCol="0" anchor="ctr"/>
-          <a:lstStyle/>
-          <a:p>
-            <a:pPr algn="ctr"/>
-            <a:r>
-              <a:rPr lang="en-CA" dirty="0" smtClean="0">
-                <a:solidFill>
-                  <a:schemeClr val="tx1"/>
-                </a:solidFill>
-              </a:rPr>
-              <a:t>KEGG Mapper</a:t>
-            </a:r>
-            <a:endParaRPr lang="en-CA" dirty="0">
-              <a:solidFill>
-                <a:schemeClr val="tx1"/>
-              </a:solidFill>
-            </a:endParaRPr>
-          </a:p>
-        </p:txBody>
-      </p:sp>
-      <p:sp>
-        <p:nvSpPr>
-          <p:cNvPr id="17" name="Rectangle 16"/>
-          <p:cNvSpPr/>
-          <p:nvPr/>
-        </p:nvSpPr>
-        <p:spPr>
-          <a:xfrm>
-            <a:off x="7375320" y="2877425"/>
-            <a:ext cx="2017022" cy="566256"/>
-          </a:xfrm>
-          <a:prstGeom prst="rect">
-            <a:avLst/>
-          </a:prstGeom>
-          <a:noFill/>
-          <a:ln>
-            <a:solidFill>
-              <a:schemeClr val="tx1"/>
-            </a:solidFill>
-          </a:ln>
-        </p:spPr>
-        <p:style>
-          <a:lnRef idx="2">
-            <a:schemeClr val="accent1">
-              <a:shade val="50000"/>
-            </a:schemeClr>
-          </a:lnRef>
-          <a:fillRef idx="1">
-            <a:schemeClr val="accent1"/>
-          </a:fillRef>
-          <a:effectRef idx="0">
-            <a:schemeClr val="accent1"/>
-          </a:effectRef>
-          <a:fontRef idx="minor">
-            <a:schemeClr val="lt1"/>
-          </a:fontRef>
-        </p:style>
-        <p:txBody>
-          <a:bodyPr rtlCol="0" anchor="ctr"/>
-          <a:lstStyle/>
-          <a:p>
-            <a:pPr algn="ctr"/>
-            <a:r>
-              <a:rPr lang="en-CA" dirty="0" smtClean="0">
-                <a:solidFill>
-                  <a:schemeClr val="tx1"/>
-                </a:solidFill>
-              </a:rPr>
-              <a:t>Custom significant gene list</a:t>
-            </a:r>
-            <a:endParaRPr lang="en-CA" dirty="0">
-              <a:solidFill>
-                <a:schemeClr val="tx1"/>
-              </a:solidFill>
-            </a:endParaRPr>
-          </a:p>
-        </p:txBody>
-      </p:sp>
-      <p:sp>
-        <p:nvSpPr>
-          <p:cNvPr id="18" name="Rectangle 17"/>
-          <p:cNvSpPr/>
-          <p:nvPr/>
-        </p:nvSpPr>
-        <p:spPr>
-          <a:xfrm>
-            <a:off x="7375320" y="3701645"/>
-            <a:ext cx="2017022" cy="566256"/>
-          </a:xfrm>
-          <a:prstGeom prst="rect">
-            <a:avLst/>
-          </a:prstGeom>
-          <a:noFill/>
-          <a:ln>
-            <a:solidFill>
-              <a:schemeClr val="tx1"/>
-            </a:solidFill>
-          </a:ln>
-        </p:spPr>
-        <p:style>
-          <a:lnRef idx="2">
-            <a:schemeClr val="accent1">
-              <a:shade val="50000"/>
-            </a:schemeClr>
-          </a:lnRef>
-          <a:fillRef idx="1">
-            <a:schemeClr val="accent1"/>
-          </a:fillRef>
-          <a:effectRef idx="0">
-            <a:schemeClr val="accent1"/>
-          </a:effectRef>
-          <a:fontRef idx="minor">
-            <a:schemeClr val="lt1"/>
-          </a:fontRef>
-        </p:style>
-        <p:txBody>
-          <a:bodyPr rtlCol="0" anchor="ctr"/>
-          <a:lstStyle/>
-          <a:p>
-            <a:pPr algn="ctr"/>
-            <a:r>
-              <a:rPr lang="en-CA" dirty="0" smtClean="0">
-                <a:solidFill>
-                  <a:schemeClr val="tx1"/>
-                </a:solidFill>
-              </a:rPr>
-              <a:t>Non-canonic results</a:t>
-            </a:r>
-            <a:endParaRPr lang="en-CA" dirty="0">
-              <a:solidFill>
-                <a:schemeClr val="tx1"/>
-              </a:solidFill>
-            </a:endParaRPr>
-          </a:p>
-        </p:txBody>
-      </p:sp>
-      <p:sp>
-        <p:nvSpPr>
-          <p:cNvPr id="19" name="Rectangle 18"/>
-          <p:cNvSpPr/>
-          <p:nvPr/>
-        </p:nvSpPr>
-        <p:spPr>
-          <a:xfrm>
-            <a:off x="7375320" y="4525865"/>
-            <a:ext cx="2017022" cy="566256"/>
-          </a:xfrm>
-          <a:prstGeom prst="rect">
-            <a:avLst/>
-          </a:prstGeom>
-          <a:noFill/>
-          <a:ln>
-            <a:solidFill>
-              <a:schemeClr val="tx1"/>
-            </a:solidFill>
-          </a:ln>
-        </p:spPr>
-        <p:style>
-          <a:lnRef idx="2">
-            <a:schemeClr val="accent1">
-              <a:shade val="50000"/>
-            </a:schemeClr>
-          </a:lnRef>
-          <a:fillRef idx="1">
-            <a:schemeClr val="accent1"/>
-          </a:fillRef>
-          <a:effectRef idx="0">
-            <a:schemeClr val="accent1"/>
-          </a:effectRef>
-          <a:fontRef idx="minor">
-            <a:schemeClr val="lt1"/>
-          </a:fontRef>
-        </p:style>
-        <p:txBody>
-          <a:bodyPr rtlCol="0" anchor="ctr"/>
-          <a:lstStyle/>
-          <a:p>
-            <a:pPr algn="ctr"/>
-            <a:r>
-              <a:rPr lang="en-CA" dirty="0" err="1" smtClean="0">
-                <a:solidFill>
-                  <a:schemeClr val="tx1"/>
-                </a:solidFill>
-              </a:rPr>
-              <a:t>hsa</a:t>
-            </a:r>
-            <a:r>
-              <a:rPr lang="en-CA" dirty="0" smtClean="0">
-                <a:solidFill>
-                  <a:schemeClr val="tx1"/>
-                </a:solidFill>
-              </a:rPr>
-              <a:t> conversions</a:t>
-            </a:r>
-            <a:endParaRPr lang="en-CA" dirty="0">
-              <a:solidFill>
-                <a:schemeClr val="tx1"/>
-              </a:solidFill>
-            </a:endParaRPr>
-          </a:p>
-        </p:txBody>
-      </p:sp>
-    </p:spTree>
-    <p:extLst>
-      <p:ext uri="{BB962C8B-B14F-4D97-AF65-F5344CB8AC3E}">
-        <p14:creationId xmlns:p14="http://schemas.microsoft.com/office/powerpoint/2010/main" val="1162212200"/>
       </p:ext>
     </p:extLst>
   </p:cSld>
@@ -32228,6 +35792,13 @@
   <p:clrMapOvr>
     <a:masterClrMapping/>
   </p:clrMapOvr>
+  <p:timing>
+    <p:tnLst>
+      <p:par>
+        <p:cTn id="1" dur="indefinite" restart="never" nodeType="tmRoot"/>
+      </p:par>
+    </p:tnLst>
+  </p:timing>
 </p:sld>
 </file>
 

--- a/Slides/Soutenance_Final.pptx
+++ b/Slides/Soutenance_Final.pptx
@@ -5,10 +5,10 @@
     <p:sldMasterId id="2147483648" r:id="rId1"/>
   </p:sldMasterIdLst>
   <p:notesMasterIdLst>
-    <p:notesMasterId r:id="rId24"/>
+    <p:notesMasterId r:id="rId22"/>
   </p:notesMasterIdLst>
   <p:handoutMasterIdLst>
-    <p:handoutMasterId r:id="rId25"/>
+    <p:handoutMasterId r:id="rId23"/>
   </p:handoutMasterIdLst>
   <p:sldIdLst>
     <p:sldId id="274" r:id="rId2"/>
@@ -20,19 +20,17 @@
     <p:sldId id="271" r:id="rId8"/>
     <p:sldId id="288" r:id="rId9"/>
     <p:sldId id="290" r:id="rId10"/>
-    <p:sldId id="291" r:id="rId11"/>
+    <p:sldId id="279" r:id="rId11"/>
     <p:sldId id="292" r:id="rId12"/>
     <p:sldId id="293" r:id="rId13"/>
     <p:sldId id="294" r:id="rId14"/>
-    <p:sldId id="295" r:id="rId15"/>
-    <p:sldId id="297" r:id="rId16"/>
-    <p:sldId id="296" r:id="rId17"/>
+    <p:sldId id="296" r:id="rId15"/>
+    <p:sldId id="295" r:id="rId16"/>
+    <p:sldId id="297" r:id="rId17"/>
     <p:sldId id="298" r:id="rId18"/>
-    <p:sldId id="278" r:id="rId19"/>
-    <p:sldId id="279" r:id="rId20"/>
-    <p:sldId id="280" r:id="rId21"/>
-    <p:sldId id="281" r:id="rId22"/>
-    <p:sldId id="286" r:id="rId23"/>
+    <p:sldId id="299" r:id="rId19"/>
+    <p:sldId id="300" r:id="rId20"/>
+    <p:sldId id="286" r:id="rId21"/>
   </p:sldIdLst>
   <p:sldSz cx="12192000" cy="6858000"/>
   <p:notesSz cx="6858000" cy="9144000"/>
@@ -4151,21 +4149,21 @@
     </dgm:pt>
   </dgm:ptLst>
   <dgm:cxnLst>
+    <dgm:cxn modelId="{BFE5F03E-99EE-488D-A25F-FA4A305398F3}" type="presOf" srcId="{EEB7DF95-B1E1-4355-BDED-67254F3A40BF}" destId="{156A4B50-5EBB-4BD2-8AF0-C722439DBC8D}" srcOrd="0" destOrd="0" presId="urn:microsoft.com/office/officeart/2005/8/layout/radial1"/>
     <dgm:cxn modelId="{CE2AF7AB-2949-4DCD-9C29-6B60E91D8468}" srcId="{0916D3E2-7950-4B1E-A80A-B1A0DFE4D7BE}" destId="{B8F4B4B5-48BB-4436-A4C8-0772D59377AC}" srcOrd="2" destOrd="0" parTransId="{EEB7DF95-B1E1-4355-BDED-67254F3A40BF}" sibTransId="{07F8EC93-687D-4C25-BBFA-77894EDF7DA2}"/>
+    <dgm:cxn modelId="{2D7DE33D-C3DB-49E5-ADF6-52C214CF1C59}" srcId="{0916D3E2-7950-4B1E-A80A-B1A0DFE4D7BE}" destId="{7F397B27-ED42-4C0B-84EB-F42483A443DB}" srcOrd="1" destOrd="0" parTransId="{DD81B84C-4525-4615-9233-87E402AFBABC}" sibTransId="{97EBF3C2-DAC2-40A4-AE80-264E3F21FCCC}"/>
+    <dgm:cxn modelId="{7470EB8E-365B-4C7B-B345-F3A82F2BDE86}" type="presOf" srcId="{EEB7DF95-B1E1-4355-BDED-67254F3A40BF}" destId="{0FA48441-B5ED-464B-AB5B-44DAB679EE64}" srcOrd="1" destOrd="0" presId="urn:microsoft.com/office/officeart/2005/8/layout/radial1"/>
     <dgm:cxn modelId="{D7CE5B38-4681-488A-875C-5BC6D4608B17}" type="presOf" srcId="{B8F4B4B5-48BB-4436-A4C8-0772D59377AC}" destId="{B8775ABA-3037-409F-B1F5-5479D38AC897}" srcOrd="0" destOrd="0" presId="urn:microsoft.com/office/officeart/2005/8/layout/radial1"/>
+    <dgm:cxn modelId="{A9B36F8A-C74B-47A9-B539-806F6BB77A1A}" srcId="{CC293B1C-4CF8-4FF0-BBC7-4942ED2D7F88}" destId="{0916D3E2-7950-4B1E-A80A-B1A0DFE4D7BE}" srcOrd="0" destOrd="0" parTransId="{78ED7DF1-7D14-4D64-A8E3-CBD6C30B03FB}" sibTransId="{402F8436-663D-4DB8-A22F-0A8F501EB425}"/>
+    <dgm:cxn modelId="{4F76CFC7-AC86-4FD6-BD3B-3B31C6A8EDDA}" type="presOf" srcId="{F26E0BCB-616E-4F5C-9212-B89461307743}" destId="{FB6E935B-AB56-4686-BAF4-89171D311D48}" srcOrd="0" destOrd="0" presId="urn:microsoft.com/office/officeart/2005/8/layout/radial1"/>
+    <dgm:cxn modelId="{53089D63-12EB-40F9-92A2-F39B07E20E6B}" type="presOf" srcId="{0916D3E2-7950-4B1E-A80A-B1A0DFE4D7BE}" destId="{334F0DA9-4D69-40E7-AE37-8BB2E71C3ACD}" srcOrd="0" destOrd="0" presId="urn:microsoft.com/office/officeart/2005/8/layout/radial1"/>
+    <dgm:cxn modelId="{2E6F4476-BF79-4C90-823B-71099E5FD8D3}" type="presOf" srcId="{DD81B84C-4525-4615-9233-87E402AFBABC}" destId="{9CD455AE-EC69-44E0-B929-B59BCD7E9894}" srcOrd="1" destOrd="0" presId="urn:microsoft.com/office/officeart/2005/8/layout/radial1"/>
+    <dgm:cxn modelId="{6037BACF-1495-4D63-973A-E9906686C9EC}" type="presOf" srcId="{9B35DA45-8824-4EE3-89F0-3F4E07F980E3}" destId="{51D4E2D9-6364-4FE7-BE7F-89898165258A}" srcOrd="0" destOrd="0" presId="urn:microsoft.com/office/officeart/2005/8/layout/radial1"/>
+    <dgm:cxn modelId="{4E83842D-6898-45A2-8C76-AC263926CE66}" type="presOf" srcId="{CC293B1C-4CF8-4FF0-BBC7-4942ED2D7F88}" destId="{05AAFE4B-4748-4F9C-AA5B-DEC71FC73E20}" srcOrd="0" destOrd="0" presId="urn:microsoft.com/office/officeart/2005/8/layout/radial1"/>
+    <dgm:cxn modelId="{EE79DC2E-EE32-4B0A-ADFD-E11D61A99647}" type="presOf" srcId="{DD81B84C-4525-4615-9233-87E402AFBABC}" destId="{3134C74D-D45F-4D44-8DA9-5DD9ACC7028A}" srcOrd="0" destOrd="0" presId="urn:microsoft.com/office/officeart/2005/8/layout/radial1"/>
     <dgm:cxn modelId="{08978BA1-AE5A-4DFF-A0C3-92D4A0078A98}" srcId="{0916D3E2-7950-4B1E-A80A-B1A0DFE4D7BE}" destId="{9B35DA45-8824-4EE3-89F0-3F4E07F980E3}" srcOrd="0" destOrd="0" parTransId="{F26E0BCB-616E-4F5C-9212-B89461307743}" sibTransId="{6FFF208B-A136-4388-9736-DE2BA4AFD5AF}"/>
+    <dgm:cxn modelId="{1173F0C1-237A-44C5-81A9-6289AFEB7E80}" type="presOf" srcId="{7F397B27-ED42-4C0B-84EB-F42483A443DB}" destId="{FC75532D-1A75-4D81-A458-80C91B398F9D}" srcOrd="0" destOrd="0" presId="urn:microsoft.com/office/officeart/2005/8/layout/radial1"/>
     <dgm:cxn modelId="{8C318C29-2BA6-4073-9DC3-993B41DBBD97}" type="presOf" srcId="{F26E0BCB-616E-4F5C-9212-B89461307743}" destId="{B26CA117-7877-4BBB-8697-7BAA6B4D1769}" srcOrd="1" destOrd="0" presId="urn:microsoft.com/office/officeart/2005/8/layout/radial1"/>
-    <dgm:cxn modelId="{BFE5F03E-99EE-488D-A25F-FA4A305398F3}" type="presOf" srcId="{EEB7DF95-B1E1-4355-BDED-67254F3A40BF}" destId="{156A4B50-5EBB-4BD2-8AF0-C722439DBC8D}" srcOrd="0" destOrd="0" presId="urn:microsoft.com/office/officeart/2005/8/layout/radial1"/>
-    <dgm:cxn modelId="{4F76CFC7-AC86-4FD6-BD3B-3B31C6A8EDDA}" type="presOf" srcId="{F26E0BCB-616E-4F5C-9212-B89461307743}" destId="{FB6E935B-AB56-4686-BAF4-89171D311D48}" srcOrd="0" destOrd="0" presId="urn:microsoft.com/office/officeart/2005/8/layout/radial1"/>
-    <dgm:cxn modelId="{7470EB8E-365B-4C7B-B345-F3A82F2BDE86}" type="presOf" srcId="{EEB7DF95-B1E1-4355-BDED-67254F3A40BF}" destId="{0FA48441-B5ED-464B-AB5B-44DAB679EE64}" srcOrd="1" destOrd="0" presId="urn:microsoft.com/office/officeart/2005/8/layout/radial1"/>
-    <dgm:cxn modelId="{2E6F4476-BF79-4C90-823B-71099E5FD8D3}" type="presOf" srcId="{DD81B84C-4525-4615-9233-87E402AFBABC}" destId="{9CD455AE-EC69-44E0-B929-B59BCD7E9894}" srcOrd="1" destOrd="0" presId="urn:microsoft.com/office/officeart/2005/8/layout/radial1"/>
-    <dgm:cxn modelId="{2D7DE33D-C3DB-49E5-ADF6-52C214CF1C59}" srcId="{0916D3E2-7950-4B1E-A80A-B1A0DFE4D7BE}" destId="{7F397B27-ED42-4C0B-84EB-F42483A443DB}" srcOrd="1" destOrd="0" parTransId="{DD81B84C-4525-4615-9233-87E402AFBABC}" sibTransId="{97EBF3C2-DAC2-40A4-AE80-264E3F21FCCC}"/>
-    <dgm:cxn modelId="{A9B36F8A-C74B-47A9-B539-806F6BB77A1A}" srcId="{CC293B1C-4CF8-4FF0-BBC7-4942ED2D7F88}" destId="{0916D3E2-7950-4B1E-A80A-B1A0DFE4D7BE}" srcOrd="0" destOrd="0" parTransId="{78ED7DF1-7D14-4D64-A8E3-CBD6C30B03FB}" sibTransId="{402F8436-663D-4DB8-A22F-0A8F501EB425}"/>
-    <dgm:cxn modelId="{4E83842D-6898-45A2-8C76-AC263926CE66}" type="presOf" srcId="{CC293B1C-4CF8-4FF0-BBC7-4942ED2D7F88}" destId="{05AAFE4B-4748-4F9C-AA5B-DEC71FC73E20}" srcOrd="0" destOrd="0" presId="urn:microsoft.com/office/officeart/2005/8/layout/radial1"/>
-    <dgm:cxn modelId="{53089D63-12EB-40F9-92A2-F39B07E20E6B}" type="presOf" srcId="{0916D3E2-7950-4B1E-A80A-B1A0DFE4D7BE}" destId="{334F0DA9-4D69-40E7-AE37-8BB2E71C3ACD}" srcOrd="0" destOrd="0" presId="urn:microsoft.com/office/officeart/2005/8/layout/radial1"/>
-    <dgm:cxn modelId="{EE79DC2E-EE32-4B0A-ADFD-E11D61A99647}" type="presOf" srcId="{DD81B84C-4525-4615-9233-87E402AFBABC}" destId="{3134C74D-D45F-4D44-8DA9-5DD9ACC7028A}" srcOrd="0" destOrd="0" presId="urn:microsoft.com/office/officeart/2005/8/layout/radial1"/>
-    <dgm:cxn modelId="{1173F0C1-237A-44C5-81A9-6289AFEB7E80}" type="presOf" srcId="{7F397B27-ED42-4C0B-84EB-F42483A443DB}" destId="{FC75532D-1A75-4D81-A458-80C91B398F9D}" srcOrd="0" destOrd="0" presId="urn:microsoft.com/office/officeart/2005/8/layout/radial1"/>
-    <dgm:cxn modelId="{6037BACF-1495-4D63-973A-E9906686C9EC}" type="presOf" srcId="{9B35DA45-8824-4EE3-89F0-3F4E07F980E3}" destId="{51D4E2D9-6364-4FE7-BE7F-89898165258A}" srcOrd="0" destOrd="0" presId="urn:microsoft.com/office/officeart/2005/8/layout/radial1"/>
     <dgm:cxn modelId="{772C3BB5-DF35-42DE-A439-0DCB31D63FB8}" type="presParOf" srcId="{05AAFE4B-4748-4F9C-AA5B-DEC71FC73E20}" destId="{334F0DA9-4D69-40E7-AE37-8BB2E71C3ACD}" srcOrd="0" destOrd="0" presId="urn:microsoft.com/office/officeart/2005/8/layout/radial1"/>
     <dgm:cxn modelId="{20FC6565-C496-4E94-8CCE-904149940058}" type="presParOf" srcId="{05AAFE4B-4748-4F9C-AA5B-DEC71FC73E20}" destId="{FB6E935B-AB56-4686-BAF4-89171D311D48}" srcOrd="1" destOrd="0" presId="urn:microsoft.com/office/officeart/2005/8/layout/radial1"/>
     <dgm:cxn modelId="{1BDA0C39-DB3E-4726-AC03-ECA79335B44E}" type="presParOf" srcId="{FB6E935B-AB56-4686-BAF4-89171D311D48}" destId="{B26CA117-7877-4BBB-8697-7BAA6B4D1769}" srcOrd="0" destOrd="0" presId="urn:microsoft.com/office/officeart/2005/8/layout/radial1"/>
@@ -4577,22 +4575,22 @@
     </dgm:pt>
   </dgm:ptLst>
   <dgm:cxnLst>
+    <dgm:cxn modelId="{AFAAAFAD-A0DE-47C1-9249-77B5BDE05E36}" type="presOf" srcId="{81607F9D-ACA8-4EBC-97F3-AE620D537126}" destId="{AECDF339-533B-4319-9DD1-FE0312AA5FE7}" srcOrd="0" destOrd="0" presId="urn:microsoft.com/office/officeart/2005/8/layout/hList7"/>
+    <dgm:cxn modelId="{38CD83C8-6796-4198-B7C8-EFF34EC9AA55}" type="presOf" srcId="{BA786E09-868C-446C-BCAD-1B9A337A2314}" destId="{9B6DBF9B-EFA6-45E8-AAE9-1FBCC2922B5E}" srcOrd="0" destOrd="0" presId="urn:microsoft.com/office/officeart/2005/8/layout/hList7"/>
+    <dgm:cxn modelId="{2E016A71-4A74-45F5-AD15-07D3B1D0466D}" srcId="{95C89F30-E4C0-41F0-9F78-CFBA2BC6B6E7}" destId="{47253CFC-4569-4709-81D3-DEEB42841B34}" srcOrd="2" destOrd="0" parTransId="{790D9CA9-D5EB-4ABB-B3FF-C076CA534420}" sibTransId="{2F25E3F7-E9EB-4C08-9116-69D5C4FD6E2A}"/>
+    <dgm:cxn modelId="{F6F9661A-BC21-475D-819D-50626DE6BCFB}" type="presOf" srcId="{2F25E3F7-E9EB-4C08-9116-69D5C4FD6E2A}" destId="{2845AC54-25A9-480C-BA9C-51BB56258253}" srcOrd="0" destOrd="0" presId="urn:microsoft.com/office/officeart/2005/8/layout/hList7"/>
     <dgm:cxn modelId="{C645A4BB-EDB6-4E76-AB82-9AD72E6BF557}" type="presOf" srcId="{BA786E09-868C-446C-BCAD-1B9A337A2314}" destId="{31F77346-6636-44FE-8237-42E5F75F0855}" srcOrd="1" destOrd="0" presId="urn:microsoft.com/office/officeart/2005/8/layout/hList7"/>
+    <dgm:cxn modelId="{194860A3-1900-4650-B671-CEC4587BA924}" type="presOf" srcId="{94CA40FB-60B0-465C-89DE-37B57251E362}" destId="{6A4D6A8E-A18C-499A-84BC-74FED5388C93}" srcOrd="0" destOrd="0" presId="urn:microsoft.com/office/officeart/2005/8/layout/hList7"/>
     <dgm:cxn modelId="{57921F95-0423-45E7-AE0D-672371E39D53}" type="presOf" srcId="{5EE301F9-AA62-4FDD-BBD4-EB5F68D85FEC}" destId="{6B2B5E85-AAEA-413B-89EF-96FC0B61D0DB}" srcOrd="1" destOrd="0" presId="urn:microsoft.com/office/officeart/2005/8/layout/hList7"/>
-    <dgm:cxn modelId="{F6F9661A-BC21-475D-819D-50626DE6BCFB}" type="presOf" srcId="{2F25E3F7-E9EB-4C08-9116-69D5C4FD6E2A}" destId="{2845AC54-25A9-480C-BA9C-51BB56258253}" srcOrd="0" destOrd="0" presId="urn:microsoft.com/office/officeart/2005/8/layout/hList7"/>
+    <dgm:cxn modelId="{4E004507-C92D-4D0B-9DBB-DB4591A9B903}" srcId="{95C89F30-E4C0-41F0-9F78-CFBA2BC6B6E7}" destId="{BA786E09-868C-446C-BCAD-1B9A337A2314}" srcOrd="3" destOrd="0" parTransId="{59BE49D1-A09D-46A0-A218-5983A849445B}" sibTransId="{870FB8E6-A3E1-4439-9131-142A0512FE32}"/>
+    <dgm:cxn modelId="{1AE06204-B328-4A88-90DE-47487907D919}" type="presOf" srcId="{47253CFC-4569-4709-81D3-DEEB42841B34}" destId="{65C1CC62-47DD-4AE0-BB4E-E1AA4210EAD1}" srcOrd="1" destOrd="0" presId="urn:microsoft.com/office/officeart/2005/8/layout/hList7"/>
+    <dgm:cxn modelId="{F309A241-CAAA-4CAA-89A7-3EF413DFED5F}" type="presOf" srcId="{47253CFC-4569-4709-81D3-DEEB42841B34}" destId="{18E220CA-4E07-4273-9F20-D66E44D1CC15}" srcOrd="0" destOrd="0" presId="urn:microsoft.com/office/officeart/2005/8/layout/hList7"/>
+    <dgm:cxn modelId="{E53B2165-E749-413E-9F1A-C9CC76DA6A5C}" srcId="{95C89F30-E4C0-41F0-9F78-CFBA2BC6B6E7}" destId="{5EE301F9-AA62-4FDD-BBD4-EB5F68D85FEC}" srcOrd="0" destOrd="0" parTransId="{752A3FC9-4F42-4B45-864D-D48201C144BC}" sibTransId="{7A2D0BBB-4796-4683-A258-869CCE2EFDEE}"/>
     <dgm:cxn modelId="{CF0035A1-5E18-4F9A-AAAD-C4F8302A689F}" type="presOf" srcId="{81607F9D-ACA8-4EBC-97F3-AE620D537126}" destId="{FCBD48AD-6356-4016-B622-1476036943D2}" srcOrd="1" destOrd="0" presId="urn:microsoft.com/office/officeart/2005/8/layout/hList7"/>
-    <dgm:cxn modelId="{AFAAAFAD-A0DE-47C1-9249-77B5BDE05E36}" type="presOf" srcId="{81607F9D-ACA8-4EBC-97F3-AE620D537126}" destId="{AECDF339-533B-4319-9DD1-FE0312AA5FE7}" srcOrd="0" destOrd="0" presId="urn:microsoft.com/office/officeart/2005/8/layout/hList7"/>
     <dgm:cxn modelId="{BDD1CA52-8007-48A8-B091-1E74889DEE99}" type="presOf" srcId="{95C89F30-E4C0-41F0-9F78-CFBA2BC6B6E7}" destId="{68497B09-3716-4EBD-AC6B-8AE2BDCC8972}" srcOrd="0" destOrd="0" presId="urn:microsoft.com/office/officeart/2005/8/layout/hList7"/>
-    <dgm:cxn modelId="{E53B2165-E749-413E-9F1A-C9CC76DA6A5C}" srcId="{95C89F30-E4C0-41F0-9F78-CFBA2BC6B6E7}" destId="{5EE301F9-AA62-4FDD-BBD4-EB5F68D85FEC}" srcOrd="0" destOrd="0" parTransId="{752A3FC9-4F42-4B45-864D-D48201C144BC}" sibTransId="{7A2D0BBB-4796-4683-A258-869CCE2EFDEE}"/>
     <dgm:cxn modelId="{B6D21F72-7318-4B23-BC86-23B4E85AD610}" type="presOf" srcId="{5EE301F9-AA62-4FDD-BBD4-EB5F68D85FEC}" destId="{90FFEDE6-D24B-46AA-AC61-5A2CA3E513CC}" srcOrd="0" destOrd="0" presId="urn:microsoft.com/office/officeart/2005/8/layout/hList7"/>
     <dgm:cxn modelId="{C503CDFC-F7CF-4B5B-9CB9-D0B888450B80}" srcId="{95C89F30-E4C0-41F0-9F78-CFBA2BC6B6E7}" destId="{81607F9D-ACA8-4EBC-97F3-AE620D537126}" srcOrd="1" destOrd="0" parTransId="{5614C387-4578-47E1-B8ED-4C19C139B6D6}" sibTransId="{94CA40FB-60B0-465C-89DE-37B57251E362}"/>
-    <dgm:cxn modelId="{2E016A71-4A74-45F5-AD15-07D3B1D0466D}" srcId="{95C89F30-E4C0-41F0-9F78-CFBA2BC6B6E7}" destId="{47253CFC-4569-4709-81D3-DEEB42841B34}" srcOrd="2" destOrd="0" parTransId="{790D9CA9-D5EB-4ABB-B3FF-C076CA534420}" sibTransId="{2F25E3F7-E9EB-4C08-9116-69D5C4FD6E2A}"/>
-    <dgm:cxn modelId="{1AE06204-B328-4A88-90DE-47487907D919}" type="presOf" srcId="{47253CFC-4569-4709-81D3-DEEB42841B34}" destId="{65C1CC62-47DD-4AE0-BB4E-E1AA4210EAD1}" srcOrd="1" destOrd="0" presId="urn:microsoft.com/office/officeart/2005/8/layout/hList7"/>
     <dgm:cxn modelId="{2EC55B3D-BFE3-4C06-B5CF-4DA8F00E7DD6}" type="presOf" srcId="{7A2D0BBB-4796-4683-A258-869CCE2EFDEE}" destId="{46B8E31D-92A9-4F7C-AC64-291B22E56C19}" srcOrd="0" destOrd="0" presId="urn:microsoft.com/office/officeart/2005/8/layout/hList7"/>
-    <dgm:cxn modelId="{194860A3-1900-4650-B671-CEC4587BA924}" type="presOf" srcId="{94CA40FB-60B0-465C-89DE-37B57251E362}" destId="{6A4D6A8E-A18C-499A-84BC-74FED5388C93}" srcOrd="0" destOrd="0" presId="urn:microsoft.com/office/officeart/2005/8/layout/hList7"/>
-    <dgm:cxn modelId="{F309A241-CAAA-4CAA-89A7-3EF413DFED5F}" type="presOf" srcId="{47253CFC-4569-4709-81D3-DEEB42841B34}" destId="{18E220CA-4E07-4273-9F20-D66E44D1CC15}" srcOrd="0" destOrd="0" presId="urn:microsoft.com/office/officeart/2005/8/layout/hList7"/>
-    <dgm:cxn modelId="{4E004507-C92D-4D0B-9DBB-DB4591A9B903}" srcId="{95C89F30-E4C0-41F0-9F78-CFBA2BC6B6E7}" destId="{BA786E09-868C-446C-BCAD-1B9A337A2314}" srcOrd="3" destOrd="0" parTransId="{59BE49D1-A09D-46A0-A218-5983A849445B}" sibTransId="{870FB8E6-A3E1-4439-9131-142A0512FE32}"/>
-    <dgm:cxn modelId="{38CD83C8-6796-4198-B7C8-EFF34EC9AA55}" type="presOf" srcId="{BA786E09-868C-446C-BCAD-1B9A337A2314}" destId="{9B6DBF9B-EFA6-45E8-AAE9-1FBCC2922B5E}" srcOrd="0" destOrd="0" presId="urn:microsoft.com/office/officeart/2005/8/layout/hList7"/>
     <dgm:cxn modelId="{4D0448AB-072A-4D18-810D-2383F44A3112}" type="presParOf" srcId="{68497B09-3716-4EBD-AC6B-8AE2BDCC8972}" destId="{5C007895-D27B-4555-8633-C9BBD58A106D}" srcOrd="0" destOrd="0" presId="urn:microsoft.com/office/officeart/2005/8/layout/hList7"/>
     <dgm:cxn modelId="{EB40CABA-D7D8-449B-A3EF-706C96A2B35D}" type="presParOf" srcId="{68497B09-3716-4EBD-AC6B-8AE2BDCC8972}" destId="{851E5CC9-679F-4CF6-B00F-A025B4DEF2B3}" srcOrd="1" destOrd="0" presId="urn:microsoft.com/office/officeart/2005/8/layout/hList7"/>
     <dgm:cxn modelId="{E6D0BBE2-1389-41E3-A561-EB44452418BA}" type="presParOf" srcId="{851E5CC9-679F-4CF6-B00F-A025B4DEF2B3}" destId="{02F5FF00-4C9F-4B29-8EE7-22E5EFD6E9BE}" srcOrd="0" destOrd="0" presId="urn:microsoft.com/office/officeart/2005/8/layout/hList7"/>
@@ -4637,6 +4635,1122 @@
       <dsp:cNvGrpSpPr/>
     </dsp:nvGrpSpPr>
     <dsp:grpSpPr/>
+    <dsp:sp modelId="{68AC0C8C-6683-4490-8F38-983C8CB47C3F}">
+      <dsp:nvSpPr>
+        <dsp:cNvPr id="0" name=""/>
+        <dsp:cNvSpPr/>
+      </dsp:nvSpPr>
+      <dsp:spPr>
+        <a:xfrm>
+          <a:off x="4124889" y="2973665"/>
+          <a:ext cx="2160280" cy="1399372"/>
+        </a:xfrm>
+        <a:prstGeom prst="roundRect">
+          <a:avLst>
+            <a:gd name="adj" fmla="val 10000"/>
+          </a:avLst>
+        </a:prstGeom>
+        <a:solidFill>
+          <a:schemeClr val="lt1">
+            <a:alpha val="90000"/>
+            <a:hueOff val="0"/>
+            <a:satOff val="0"/>
+            <a:lumOff val="0"/>
+            <a:alphaOff val="0"/>
+          </a:schemeClr>
+        </a:solidFill>
+        <a:ln w="6350" cap="flat" cmpd="sng" algn="ctr">
+          <a:solidFill>
+            <a:schemeClr val="accent4">
+              <a:hueOff val="0"/>
+              <a:satOff val="0"/>
+              <a:lumOff val="0"/>
+              <a:alphaOff val="0"/>
+            </a:schemeClr>
+          </a:solidFill>
+          <a:prstDash val="solid"/>
+          <a:miter lim="800000"/>
+        </a:ln>
+        <a:effectLst/>
+        <a:scene3d>
+          <a:camera prst="orthographicFront"/>
+          <a:lightRig rig="flat" dir="t"/>
+        </a:scene3d>
+        <a:sp3d z="-190500" extrusionH="12700" prstMaterial="plastic">
+          <a:bevelT w="50800" h="50800"/>
+        </a:sp3d>
+      </dsp:spPr>
+      <dsp:style>
+        <a:lnRef idx="1">
+          <a:scrgbClr r="0" g="0" b="0"/>
+        </a:lnRef>
+        <a:fillRef idx="1">
+          <a:scrgbClr r="0" g="0" b="0"/>
+        </a:fillRef>
+        <a:effectRef idx="2">
+          <a:scrgbClr r="0" g="0" b="0"/>
+        </a:effectRef>
+        <a:fontRef idx="minor"/>
+      </dsp:style>
+      <dsp:txBody>
+        <a:bodyPr spcFirstLastPara="0" vert="horz" wrap="square" lIns="53340" tIns="53340" rIns="53340" bIns="53340" numCol="1" spcCol="1270" anchor="t" anchorCtr="0">
+          <a:noAutofit/>
+        </a:bodyPr>
+        <a:lstStyle/>
+        <a:p>
+          <a:pPr marL="57150" lvl="1" indent="-57150" algn="l" defTabSz="488950">
+            <a:lnSpc>
+              <a:spcPct val="90000"/>
+            </a:lnSpc>
+            <a:spcBef>
+              <a:spcPct val="0"/>
+            </a:spcBef>
+            <a:spcAft>
+              <a:spcPct val="15000"/>
+            </a:spcAft>
+            <a:buChar char="••"/>
+          </a:pPr>
+          <a:r>
+            <a:rPr lang="fr-FR" sz="1100" kern="1200" dirty="0" err="1"/>
+            <a:t>Risk</a:t>
+          </a:r>
+          <a:r>
+            <a:rPr lang="fr-FR" sz="1100" kern="1200" dirty="0"/>
+            <a:t> of high </a:t>
+          </a:r>
+          <a:r>
+            <a:rPr lang="fr-FR" sz="1100" kern="1200" dirty="0" err="1"/>
+            <a:t>demand</a:t>
+          </a:r>
+          <a:r>
+            <a:rPr lang="fr-FR" sz="1100" kern="1200" dirty="0"/>
+            <a:t> (server)</a:t>
+          </a:r>
+        </a:p>
+        <a:p>
+          <a:pPr marL="57150" lvl="1" indent="-57150" algn="l" defTabSz="488950">
+            <a:lnSpc>
+              <a:spcPct val="90000"/>
+            </a:lnSpc>
+            <a:spcBef>
+              <a:spcPct val="0"/>
+            </a:spcBef>
+            <a:spcAft>
+              <a:spcPct val="15000"/>
+            </a:spcAft>
+            <a:buChar char="••"/>
+          </a:pPr>
+          <a:r>
+            <a:rPr lang="fr-FR" sz="1100" kern="1200" dirty="0" err="1" smtClean="0"/>
+            <a:t>Portability</a:t>
+          </a:r>
+          <a:r>
+            <a:rPr lang="fr-FR" sz="1100" kern="1200" dirty="0" smtClean="0"/>
+            <a:t> to Mac</a:t>
+          </a:r>
+          <a:endParaRPr lang="fr-FR" sz="1100" kern="1200" dirty="0"/>
+        </a:p>
+        <a:p>
+          <a:pPr marL="57150" lvl="1" indent="-57150" algn="l" defTabSz="488950">
+            <a:lnSpc>
+              <a:spcPct val="90000"/>
+            </a:lnSpc>
+            <a:spcBef>
+              <a:spcPct val="0"/>
+            </a:spcBef>
+            <a:spcAft>
+              <a:spcPct val="15000"/>
+            </a:spcAft>
+            <a:buChar char="••"/>
+          </a:pPr>
+          <a:r>
+            <a:rPr lang="fr-FR" sz="1100" kern="1200" dirty="0" err="1" smtClean="0"/>
+            <a:t>Lack</a:t>
+          </a:r>
+          <a:r>
+            <a:rPr lang="fr-FR" sz="1100" kern="1200" dirty="0" smtClean="0"/>
+            <a:t> of control on </a:t>
+          </a:r>
+          <a:r>
+            <a:rPr lang="fr-FR" sz="1100" kern="1200" dirty="0" err="1" smtClean="0"/>
+            <a:t>database</a:t>
+          </a:r>
+          <a:endParaRPr lang="fr-FR" sz="1100" kern="1200" dirty="0"/>
+        </a:p>
+      </dsp:txBody>
+      <dsp:txXfrm>
+        <a:off x="4803713" y="3354248"/>
+        <a:ext cx="1450716" cy="988049"/>
+      </dsp:txXfrm>
+    </dsp:sp>
+    <dsp:sp modelId="{431C4C2F-7F42-4D62-8EEF-918E7AD22EA0}">
+      <dsp:nvSpPr>
+        <dsp:cNvPr id="0" name=""/>
+        <dsp:cNvSpPr/>
+      </dsp:nvSpPr>
+      <dsp:spPr>
+        <a:xfrm>
+          <a:off x="562523" y="2973665"/>
+          <a:ext cx="2160280" cy="1399372"/>
+        </a:xfrm>
+        <a:prstGeom prst="roundRect">
+          <a:avLst>
+            <a:gd name="adj" fmla="val 10000"/>
+          </a:avLst>
+        </a:prstGeom>
+        <a:solidFill>
+          <a:schemeClr val="lt1">
+            <a:alpha val="90000"/>
+            <a:hueOff val="0"/>
+            <a:satOff val="0"/>
+            <a:lumOff val="0"/>
+            <a:alphaOff val="0"/>
+          </a:schemeClr>
+        </a:solidFill>
+        <a:ln w="6350" cap="flat" cmpd="sng" algn="ctr">
+          <a:solidFill>
+            <a:schemeClr val="accent5">
+              <a:hueOff val="0"/>
+              <a:satOff val="0"/>
+              <a:lumOff val="0"/>
+              <a:alphaOff val="0"/>
+            </a:schemeClr>
+          </a:solidFill>
+          <a:prstDash val="solid"/>
+          <a:miter lim="800000"/>
+        </a:ln>
+        <a:effectLst/>
+        <a:scene3d>
+          <a:camera prst="orthographicFront"/>
+          <a:lightRig rig="flat" dir="t"/>
+        </a:scene3d>
+        <a:sp3d z="-190500" extrusionH="12700" prstMaterial="plastic">
+          <a:bevelT w="50800" h="50800"/>
+        </a:sp3d>
+      </dsp:spPr>
+      <dsp:style>
+        <a:lnRef idx="1">
+          <a:scrgbClr r="0" g="0" b="0"/>
+        </a:lnRef>
+        <a:fillRef idx="1">
+          <a:scrgbClr r="0" g="0" b="0"/>
+        </a:fillRef>
+        <a:effectRef idx="2">
+          <a:scrgbClr r="0" g="0" b="0"/>
+        </a:effectRef>
+        <a:fontRef idx="minor"/>
+      </dsp:style>
+      <dsp:txBody>
+        <a:bodyPr spcFirstLastPara="0" vert="horz" wrap="square" lIns="53340" tIns="53340" rIns="53340" bIns="53340" numCol="1" spcCol="1270" anchor="t" anchorCtr="0">
+          <a:noAutofit/>
+        </a:bodyPr>
+        <a:lstStyle/>
+        <a:p>
+          <a:pPr marL="57150" lvl="1" indent="-57150" algn="l" defTabSz="488950">
+            <a:lnSpc>
+              <a:spcPct val="90000"/>
+            </a:lnSpc>
+            <a:spcBef>
+              <a:spcPct val="0"/>
+            </a:spcBef>
+            <a:spcAft>
+              <a:spcPct val="15000"/>
+            </a:spcAft>
+            <a:buChar char="••"/>
+          </a:pPr>
+          <a:r>
+            <a:rPr lang="fr-FR" sz="1100" kern="1200" dirty="0"/>
+            <a:t>No </a:t>
+          </a:r>
+          <a:r>
+            <a:rPr lang="fr-FR" sz="1100" kern="1200" dirty="0" err="1"/>
+            <a:t>competition</a:t>
+          </a:r>
+          <a:endParaRPr lang="fr-FR" sz="1100" kern="1200" dirty="0"/>
+        </a:p>
+        <a:p>
+          <a:pPr marL="57150" lvl="1" indent="-57150" algn="l" defTabSz="488950">
+            <a:lnSpc>
+              <a:spcPct val="90000"/>
+            </a:lnSpc>
+            <a:spcBef>
+              <a:spcPct val="0"/>
+            </a:spcBef>
+            <a:spcAft>
+              <a:spcPct val="15000"/>
+            </a:spcAft>
+            <a:buChar char="••"/>
+          </a:pPr>
+          <a:r>
+            <a:rPr lang="fr-FR" sz="1100" kern="1200" dirty="0"/>
+            <a:t>High utility</a:t>
+          </a:r>
+        </a:p>
+        <a:p>
+          <a:pPr marL="57150" lvl="1" indent="-57150" algn="l" defTabSz="488950">
+            <a:lnSpc>
+              <a:spcPct val="90000"/>
+            </a:lnSpc>
+            <a:spcBef>
+              <a:spcPct val="0"/>
+            </a:spcBef>
+            <a:spcAft>
+              <a:spcPct val="15000"/>
+            </a:spcAft>
+            <a:buChar char="••"/>
+          </a:pPr>
+          <a:r>
+            <a:rPr lang="fr-FR" sz="1100" kern="1200" dirty="0" err="1" smtClean="0"/>
+            <a:t>Easy</a:t>
+          </a:r>
+          <a:r>
+            <a:rPr lang="fr-FR" sz="1100" kern="1200" dirty="0" smtClean="0"/>
+            <a:t> to use</a:t>
+          </a:r>
+          <a:endParaRPr lang="fr-FR" sz="1100" kern="1200" dirty="0"/>
+        </a:p>
+      </dsp:txBody>
+      <dsp:txXfrm>
+        <a:off x="593263" y="3354248"/>
+        <a:ext cx="1450716" cy="988049"/>
+      </dsp:txXfrm>
+    </dsp:sp>
+    <dsp:sp modelId="{05478942-E273-4856-8553-F0FD8F015AA2}">
+      <dsp:nvSpPr>
+        <dsp:cNvPr id="0" name=""/>
+        <dsp:cNvSpPr/>
+      </dsp:nvSpPr>
+      <dsp:spPr>
+        <a:xfrm>
+          <a:off x="4124889" y="0"/>
+          <a:ext cx="2160280" cy="1399372"/>
+        </a:xfrm>
+        <a:prstGeom prst="roundRect">
+          <a:avLst>
+            <a:gd name="adj" fmla="val 10000"/>
+          </a:avLst>
+        </a:prstGeom>
+        <a:solidFill>
+          <a:schemeClr val="lt1">
+            <a:alpha val="90000"/>
+            <a:hueOff val="0"/>
+            <a:satOff val="0"/>
+            <a:lumOff val="0"/>
+            <a:alphaOff val="0"/>
+          </a:schemeClr>
+        </a:solidFill>
+        <a:ln w="6350" cap="flat" cmpd="sng" algn="ctr">
+          <a:solidFill>
+            <a:schemeClr val="accent3">
+              <a:hueOff val="0"/>
+              <a:satOff val="0"/>
+              <a:lumOff val="0"/>
+              <a:alphaOff val="0"/>
+            </a:schemeClr>
+          </a:solidFill>
+          <a:prstDash val="solid"/>
+          <a:miter lim="800000"/>
+        </a:ln>
+        <a:effectLst/>
+        <a:scene3d>
+          <a:camera prst="orthographicFront"/>
+          <a:lightRig rig="flat" dir="t"/>
+        </a:scene3d>
+        <a:sp3d z="-190500" extrusionH="12700" prstMaterial="plastic">
+          <a:bevelT w="50800" h="50800"/>
+        </a:sp3d>
+      </dsp:spPr>
+      <dsp:style>
+        <a:lnRef idx="1">
+          <a:scrgbClr r="0" g="0" b="0"/>
+        </a:lnRef>
+        <a:fillRef idx="1">
+          <a:scrgbClr r="0" g="0" b="0"/>
+        </a:fillRef>
+        <a:effectRef idx="2">
+          <a:scrgbClr r="0" g="0" b="0"/>
+        </a:effectRef>
+        <a:fontRef idx="minor"/>
+      </dsp:style>
+      <dsp:txBody>
+        <a:bodyPr spcFirstLastPara="0" vert="horz" wrap="square" lIns="53340" tIns="53340" rIns="53340" bIns="53340" numCol="1" spcCol="1270" anchor="t" anchorCtr="0">
+          <a:noAutofit/>
+        </a:bodyPr>
+        <a:lstStyle/>
+        <a:p>
+          <a:pPr marL="57150" lvl="1" indent="-57150" algn="l" defTabSz="488950">
+            <a:lnSpc>
+              <a:spcPct val="90000"/>
+            </a:lnSpc>
+            <a:spcBef>
+              <a:spcPct val="0"/>
+            </a:spcBef>
+            <a:spcAft>
+              <a:spcPct val="15000"/>
+            </a:spcAft>
+            <a:buChar char="••"/>
+          </a:pPr>
+          <a:r>
+            <a:rPr lang="fr-FR" sz="1100" kern="1200" dirty="0"/>
+            <a:t>Short deadlines</a:t>
+          </a:r>
+        </a:p>
+        <a:p>
+          <a:pPr marL="57150" lvl="1" indent="-57150" algn="l" defTabSz="488950">
+            <a:lnSpc>
+              <a:spcPct val="90000"/>
+            </a:lnSpc>
+            <a:spcBef>
+              <a:spcPct val="0"/>
+            </a:spcBef>
+            <a:spcAft>
+              <a:spcPct val="15000"/>
+            </a:spcAft>
+            <a:buChar char="••"/>
+          </a:pPr>
+          <a:r>
+            <a:rPr lang="fr-FR" sz="1100" kern="1200" dirty="0" err="1" smtClean="0"/>
+            <a:t>Emerging</a:t>
+          </a:r>
+          <a:r>
+            <a:rPr lang="fr-FR" sz="1100" kern="1200" dirty="0" smtClean="0"/>
+            <a:t> </a:t>
+          </a:r>
+          <a:r>
+            <a:rPr lang="fr-FR" sz="1100" kern="1200" dirty="0" err="1" smtClean="0"/>
+            <a:t>scientific</a:t>
+          </a:r>
+          <a:r>
+            <a:rPr lang="fr-FR" sz="1100" kern="1200" dirty="0" smtClean="0"/>
+            <a:t> </a:t>
+          </a:r>
+          <a:r>
+            <a:rPr lang="fr-FR" sz="1100" kern="1200" dirty="0" err="1" smtClean="0"/>
+            <a:t>field</a:t>
+          </a:r>
+          <a:endParaRPr lang="fr-FR" sz="1100" kern="1200" dirty="0"/>
+        </a:p>
+        <a:p>
+          <a:pPr marL="57150" lvl="1" indent="-57150" algn="l" defTabSz="488950">
+            <a:lnSpc>
+              <a:spcPct val="90000"/>
+            </a:lnSpc>
+            <a:spcBef>
+              <a:spcPct val="0"/>
+            </a:spcBef>
+            <a:spcAft>
+              <a:spcPct val="15000"/>
+            </a:spcAft>
+            <a:buChar char="••"/>
+          </a:pPr>
+          <a:r>
+            <a:rPr lang="fr-FR" sz="1100" kern="1200" dirty="0" smtClean="0"/>
+            <a:t>Client </a:t>
+          </a:r>
+          <a:r>
+            <a:rPr lang="fr-FR" sz="1100" kern="1200" dirty="0" err="1" smtClean="0"/>
+            <a:t>infrequently</a:t>
+          </a:r>
+          <a:r>
+            <a:rPr lang="fr-FR" sz="1100" kern="1200" dirty="0" smtClean="0"/>
+            <a:t> </a:t>
+          </a:r>
+          <a:r>
+            <a:rPr lang="fr-FR" sz="1100" kern="1200" dirty="0" err="1" smtClean="0"/>
+            <a:t>available</a:t>
+          </a:r>
+          <a:endParaRPr lang="fr-FR" sz="1100" kern="1200" dirty="0"/>
+        </a:p>
+      </dsp:txBody>
+      <dsp:txXfrm>
+        <a:off x="4803713" y="30740"/>
+        <a:ext cx="1450716" cy="988049"/>
+      </dsp:txXfrm>
+    </dsp:sp>
+    <dsp:sp modelId="{BC6F0824-1351-49BA-BADB-F02B71A91728}">
+      <dsp:nvSpPr>
+        <dsp:cNvPr id="0" name=""/>
+        <dsp:cNvSpPr/>
+      </dsp:nvSpPr>
+      <dsp:spPr>
+        <a:xfrm>
+          <a:off x="562523" y="0"/>
+          <a:ext cx="2160280" cy="1399372"/>
+        </a:xfrm>
+        <a:prstGeom prst="roundRect">
+          <a:avLst>
+            <a:gd name="adj" fmla="val 10000"/>
+          </a:avLst>
+        </a:prstGeom>
+        <a:solidFill>
+          <a:schemeClr val="lt1">
+            <a:alpha val="90000"/>
+            <a:hueOff val="0"/>
+            <a:satOff val="0"/>
+            <a:lumOff val="0"/>
+            <a:alphaOff val="0"/>
+          </a:schemeClr>
+        </a:solidFill>
+        <a:ln w="6350" cap="flat" cmpd="sng" algn="ctr">
+          <a:solidFill>
+            <a:schemeClr val="accent2">
+              <a:hueOff val="0"/>
+              <a:satOff val="0"/>
+              <a:lumOff val="0"/>
+              <a:alphaOff val="0"/>
+            </a:schemeClr>
+          </a:solidFill>
+          <a:prstDash val="solid"/>
+          <a:miter lim="800000"/>
+        </a:ln>
+        <a:effectLst/>
+        <a:scene3d>
+          <a:camera prst="orthographicFront"/>
+          <a:lightRig rig="flat" dir="t"/>
+        </a:scene3d>
+        <a:sp3d z="-190500" extrusionH="12700" prstMaterial="plastic">
+          <a:bevelT w="50800" h="50800"/>
+        </a:sp3d>
+      </dsp:spPr>
+      <dsp:style>
+        <a:lnRef idx="1">
+          <a:scrgbClr r="0" g="0" b="0"/>
+        </a:lnRef>
+        <a:fillRef idx="1">
+          <a:scrgbClr r="0" g="0" b="0"/>
+        </a:fillRef>
+        <a:effectRef idx="2">
+          <a:scrgbClr r="0" g="0" b="0"/>
+        </a:effectRef>
+        <a:fontRef idx="minor"/>
+      </dsp:style>
+      <dsp:txBody>
+        <a:bodyPr spcFirstLastPara="0" vert="horz" wrap="square" lIns="53340" tIns="53340" rIns="53340" bIns="53340" numCol="1" spcCol="1270" anchor="t" anchorCtr="0">
+          <a:noAutofit/>
+        </a:bodyPr>
+        <a:lstStyle/>
+        <a:p>
+          <a:pPr marL="57150" lvl="1" indent="-57150" algn="l" defTabSz="488950">
+            <a:lnSpc>
+              <a:spcPct val="90000"/>
+            </a:lnSpc>
+            <a:spcBef>
+              <a:spcPct val="0"/>
+            </a:spcBef>
+            <a:spcAft>
+              <a:spcPct val="15000"/>
+            </a:spcAft>
+            <a:buChar char="••"/>
+          </a:pPr>
+          <a:r>
+            <a:rPr lang="fr-FR" sz="1100" kern="1200" dirty="0"/>
+            <a:t>Diverse </a:t>
+          </a:r>
+          <a:r>
+            <a:rPr lang="fr-FR" sz="1100" kern="1200" dirty="0" err="1"/>
+            <a:t>skill</a:t>
+          </a:r>
+          <a:r>
+            <a:rPr lang="fr-FR" sz="1100" kern="1200" dirty="0"/>
+            <a:t> set</a:t>
+          </a:r>
+        </a:p>
+        <a:p>
+          <a:pPr marL="57150" lvl="1" indent="-57150" algn="l" defTabSz="488950">
+            <a:lnSpc>
+              <a:spcPct val="90000"/>
+            </a:lnSpc>
+            <a:spcBef>
+              <a:spcPct val="0"/>
+            </a:spcBef>
+            <a:spcAft>
+              <a:spcPct val="15000"/>
+            </a:spcAft>
+            <a:buChar char="••"/>
+          </a:pPr>
+          <a:r>
+            <a:rPr lang="fr-FR" sz="1100" kern="1200" dirty="0"/>
+            <a:t>Access to expert </a:t>
+          </a:r>
+          <a:r>
+            <a:rPr lang="fr-FR" sz="1100" kern="1200" dirty="0" err="1"/>
+            <a:t>advise</a:t>
+          </a:r>
+          <a:endParaRPr lang="fr-FR" sz="1100" kern="1200" dirty="0"/>
+        </a:p>
+        <a:p>
+          <a:pPr marL="57150" lvl="1" indent="-57150" algn="l" defTabSz="488950">
+            <a:lnSpc>
+              <a:spcPct val="90000"/>
+            </a:lnSpc>
+            <a:spcBef>
+              <a:spcPct val="0"/>
+            </a:spcBef>
+            <a:spcAft>
+              <a:spcPct val="15000"/>
+            </a:spcAft>
+            <a:buChar char="••"/>
+          </a:pPr>
+          <a:r>
+            <a:rPr lang="fr-FR" sz="1100" kern="1200" dirty="0"/>
+            <a:t>Open source </a:t>
+          </a:r>
+          <a:r>
+            <a:rPr lang="fr-FR" sz="1100" kern="1200" dirty="0" smtClean="0"/>
+            <a:t>packages (no budget </a:t>
+          </a:r>
+          <a:r>
+            <a:rPr lang="fr-FR" sz="1100" kern="1200" dirty="0" err="1" smtClean="0"/>
+            <a:t>needed</a:t>
+          </a:r>
+          <a:r>
+            <a:rPr lang="fr-FR" sz="1100" kern="1200" dirty="0" smtClean="0"/>
+            <a:t>)</a:t>
+          </a:r>
+          <a:endParaRPr lang="fr-FR" sz="1100" kern="1200" dirty="0"/>
+        </a:p>
+      </dsp:txBody>
+      <dsp:txXfrm>
+        <a:off x="593263" y="30740"/>
+        <a:ext cx="1450716" cy="988049"/>
+      </dsp:txXfrm>
+    </dsp:sp>
+    <dsp:sp modelId="{E72BDFA6-376E-4614-9D7C-A68241E884D9}">
+      <dsp:nvSpPr>
+        <dsp:cNvPr id="0" name=""/>
+        <dsp:cNvSpPr/>
+      </dsp:nvSpPr>
+      <dsp:spPr>
+        <a:xfrm>
+          <a:off x="1467742" y="249263"/>
+          <a:ext cx="1893525" cy="1893525"/>
+        </a:xfrm>
+        <a:prstGeom prst="pieWedge">
+          <a:avLst/>
+        </a:prstGeom>
+        <a:gradFill rotWithShape="0">
+          <a:gsLst>
+            <a:gs pos="0">
+              <a:schemeClr val="accent2">
+                <a:hueOff val="0"/>
+                <a:satOff val="0"/>
+                <a:lumOff val="0"/>
+                <a:alphaOff val="0"/>
+                <a:satMod val="103000"/>
+                <a:lumMod val="102000"/>
+                <a:tint val="94000"/>
+              </a:schemeClr>
+            </a:gs>
+            <a:gs pos="50000">
+              <a:schemeClr val="accent2">
+                <a:hueOff val="0"/>
+                <a:satOff val="0"/>
+                <a:lumOff val="0"/>
+                <a:alphaOff val="0"/>
+                <a:satMod val="110000"/>
+                <a:lumMod val="100000"/>
+                <a:shade val="100000"/>
+              </a:schemeClr>
+            </a:gs>
+            <a:gs pos="100000">
+              <a:schemeClr val="accent2">
+                <a:hueOff val="0"/>
+                <a:satOff val="0"/>
+                <a:lumOff val="0"/>
+                <a:alphaOff val="0"/>
+                <a:lumMod val="99000"/>
+                <a:satMod val="120000"/>
+                <a:shade val="78000"/>
+              </a:schemeClr>
+            </a:gs>
+          </a:gsLst>
+          <a:lin ang="5400000" scaled="0"/>
+        </a:gradFill>
+        <a:ln>
+          <a:noFill/>
+        </a:ln>
+        <a:effectLst/>
+        <a:scene3d>
+          <a:camera prst="orthographicFront"/>
+          <a:lightRig rig="flat" dir="t"/>
+        </a:scene3d>
+        <a:sp3d prstMaterial="plastic">
+          <a:bevelT w="120900" h="88900"/>
+          <a:bevelB w="88900" h="31750" prst="angle"/>
+        </a:sp3d>
+      </dsp:spPr>
+      <dsp:style>
+        <a:lnRef idx="0">
+          <a:scrgbClr r="0" g="0" b="0"/>
+        </a:lnRef>
+        <a:fillRef idx="3">
+          <a:scrgbClr r="0" g="0" b="0"/>
+        </a:fillRef>
+        <a:effectRef idx="2">
+          <a:scrgbClr r="0" g="0" b="0"/>
+        </a:effectRef>
+        <a:fontRef idx="minor">
+          <a:schemeClr val="lt1"/>
+        </a:fontRef>
+      </dsp:style>
+      <dsp:txBody>
+        <a:bodyPr spcFirstLastPara="0" vert="horz" wrap="square" lIns="334264" tIns="334264" rIns="334264" bIns="334264" numCol="1" spcCol="1270" anchor="ctr" anchorCtr="0">
+          <a:noAutofit/>
+        </a:bodyPr>
+        <a:lstStyle/>
+        <a:p>
+          <a:pPr lvl="0" algn="ctr" defTabSz="2089150">
+            <a:lnSpc>
+              <a:spcPct val="90000"/>
+            </a:lnSpc>
+            <a:spcBef>
+              <a:spcPct val="0"/>
+            </a:spcBef>
+            <a:spcAft>
+              <a:spcPct val="35000"/>
+            </a:spcAft>
+          </a:pPr>
+          <a:r>
+            <a:rPr lang="fr-FR" sz="4700" kern="1200" dirty="0"/>
+            <a:t>S</a:t>
+          </a:r>
+        </a:p>
+      </dsp:txBody>
+      <dsp:txXfrm>
+        <a:off x="2022343" y="803864"/>
+        <a:ext cx="1338924" cy="1338924"/>
+      </dsp:txXfrm>
+    </dsp:sp>
+    <dsp:sp modelId="{A67A60E5-5291-49E4-B3E5-53A58B528285}">
+      <dsp:nvSpPr>
+        <dsp:cNvPr id="0" name=""/>
+        <dsp:cNvSpPr/>
+      </dsp:nvSpPr>
+      <dsp:spPr>
+        <a:xfrm rot="5400000">
+          <a:off x="3448728" y="249263"/>
+          <a:ext cx="1893525" cy="1893525"/>
+        </a:xfrm>
+        <a:prstGeom prst="pieWedge">
+          <a:avLst/>
+        </a:prstGeom>
+        <a:gradFill rotWithShape="0">
+          <a:gsLst>
+            <a:gs pos="0">
+              <a:schemeClr val="accent3">
+                <a:hueOff val="0"/>
+                <a:satOff val="0"/>
+                <a:lumOff val="0"/>
+                <a:alphaOff val="0"/>
+                <a:satMod val="103000"/>
+                <a:lumMod val="102000"/>
+                <a:tint val="94000"/>
+              </a:schemeClr>
+            </a:gs>
+            <a:gs pos="50000">
+              <a:schemeClr val="accent3">
+                <a:hueOff val="0"/>
+                <a:satOff val="0"/>
+                <a:lumOff val="0"/>
+                <a:alphaOff val="0"/>
+                <a:satMod val="110000"/>
+                <a:lumMod val="100000"/>
+                <a:shade val="100000"/>
+              </a:schemeClr>
+            </a:gs>
+            <a:gs pos="100000">
+              <a:schemeClr val="accent3">
+                <a:hueOff val="0"/>
+                <a:satOff val="0"/>
+                <a:lumOff val="0"/>
+                <a:alphaOff val="0"/>
+                <a:lumMod val="99000"/>
+                <a:satMod val="120000"/>
+                <a:shade val="78000"/>
+              </a:schemeClr>
+            </a:gs>
+          </a:gsLst>
+          <a:lin ang="5400000" scaled="0"/>
+        </a:gradFill>
+        <a:ln>
+          <a:noFill/>
+        </a:ln>
+        <a:effectLst/>
+        <a:scene3d>
+          <a:camera prst="orthographicFront"/>
+          <a:lightRig rig="flat" dir="t"/>
+        </a:scene3d>
+        <a:sp3d prstMaterial="plastic">
+          <a:bevelT w="120900" h="88900"/>
+          <a:bevelB w="88900" h="31750" prst="angle"/>
+        </a:sp3d>
+      </dsp:spPr>
+      <dsp:style>
+        <a:lnRef idx="0">
+          <a:scrgbClr r="0" g="0" b="0"/>
+        </a:lnRef>
+        <a:fillRef idx="3">
+          <a:scrgbClr r="0" g="0" b="0"/>
+        </a:fillRef>
+        <a:effectRef idx="2">
+          <a:scrgbClr r="0" g="0" b="0"/>
+        </a:effectRef>
+        <a:fontRef idx="minor">
+          <a:schemeClr val="lt1"/>
+        </a:fontRef>
+      </dsp:style>
+      <dsp:txBody>
+        <a:bodyPr spcFirstLastPara="0" vert="horz" wrap="square" lIns="334264" tIns="334264" rIns="334264" bIns="334264" numCol="1" spcCol="1270" anchor="ctr" anchorCtr="0">
+          <a:noAutofit/>
+        </a:bodyPr>
+        <a:lstStyle/>
+        <a:p>
+          <a:pPr lvl="0" algn="ctr" defTabSz="2089150">
+            <a:lnSpc>
+              <a:spcPct val="90000"/>
+            </a:lnSpc>
+            <a:spcBef>
+              <a:spcPct val="0"/>
+            </a:spcBef>
+            <a:spcAft>
+              <a:spcPct val="35000"/>
+            </a:spcAft>
+          </a:pPr>
+          <a:r>
+            <a:rPr lang="fr-FR" sz="4700" kern="1200" dirty="0"/>
+            <a:t>W</a:t>
+          </a:r>
+        </a:p>
+      </dsp:txBody>
+      <dsp:txXfrm rot="-5400000">
+        <a:off x="3448728" y="803864"/>
+        <a:ext cx="1338924" cy="1338924"/>
+      </dsp:txXfrm>
+    </dsp:sp>
+    <dsp:sp modelId="{CF4FC7F6-A89C-4633-A10E-BFE92B369DCD}">
+      <dsp:nvSpPr>
+        <dsp:cNvPr id="0" name=""/>
+        <dsp:cNvSpPr/>
+      </dsp:nvSpPr>
+      <dsp:spPr>
+        <a:xfrm rot="10800000">
+          <a:off x="3448728" y="2230249"/>
+          <a:ext cx="1893525" cy="1893525"/>
+        </a:xfrm>
+        <a:prstGeom prst="pieWedge">
+          <a:avLst/>
+        </a:prstGeom>
+        <a:gradFill rotWithShape="0">
+          <a:gsLst>
+            <a:gs pos="0">
+              <a:schemeClr val="accent4">
+                <a:hueOff val="0"/>
+                <a:satOff val="0"/>
+                <a:lumOff val="0"/>
+                <a:alphaOff val="0"/>
+                <a:satMod val="103000"/>
+                <a:lumMod val="102000"/>
+                <a:tint val="94000"/>
+              </a:schemeClr>
+            </a:gs>
+            <a:gs pos="50000">
+              <a:schemeClr val="accent4">
+                <a:hueOff val="0"/>
+                <a:satOff val="0"/>
+                <a:lumOff val="0"/>
+                <a:alphaOff val="0"/>
+                <a:satMod val="110000"/>
+                <a:lumMod val="100000"/>
+                <a:shade val="100000"/>
+              </a:schemeClr>
+            </a:gs>
+            <a:gs pos="100000">
+              <a:schemeClr val="accent4">
+                <a:hueOff val="0"/>
+                <a:satOff val="0"/>
+                <a:lumOff val="0"/>
+                <a:alphaOff val="0"/>
+                <a:lumMod val="99000"/>
+                <a:satMod val="120000"/>
+                <a:shade val="78000"/>
+              </a:schemeClr>
+            </a:gs>
+          </a:gsLst>
+          <a:lin ang="5400000" scaled="0"/>
+        </a:gradFill>
+        <a:ln>
+          <a:noFill/>
+        </a:ln>
+        <a:effectLst/>
+        <a:scene3d>
+          <a:camera prst="orthographicFront"/>
+          <a:lightRig rig="flat" dir="t"/>
+        </a:scene3d>
+        <a:sp3d prstMaterial="plastic">
+          <a:bevelT w="120900" h="88900"/>
+          <a:bevelB w="88900" h="31750" prst="angle"/>
+        </a:sp3d>
+      </dsp:spPr>
+      <dsp:style>
+        <a:lnRef idx="0">
+          <a:scrgbClr r="0" g="0" b="0"/>
+        </a:lnRef>
+        <a:fillRef idx="3">
+          <a:scrgbClr r="0" g="0" b="0"/>
+        </a:fillRef>
+        <a:effectRef idx="2">
+          <a:scrgbClr r="0" g="0" b="0"/>
+        </a:effectRef>
+        <a:fontRef idx="minor">
+          <a:schemeClr val="lt1"/>
+        </a:fontRef>
+      </dsp:style>
+      <dsp:txBody>
+        <a:bodyPr spcFirstLastPara="0" vert="horz" wrap="square" lIns="334264" tIns="334264" rIns="334264" bIns="334264" numCol="1" spcCol="1270" anchor="ctr" anchorCtr="0">
+          <a:noAutofit/>
+        </a:bodyPr>
+        <a:lstStyle/>
+        <a:p>
+          <a:pPr lvl="0" algn="ctr" defTabSz="2089150">
+            <a:lnSpc>
+              <a:spcPct val="90000"/>
+            </a:lnSpc>
+            <a:spcBef>
+              <a:spcPct val="0"/>
+            </a:spcBef>
+            <a:spcAft>
+              <a:spcPct val="35000"/>
+            </a:spcAft>
+          </a:pPr>
+          <a:r>
+            <a:rPr lang="fr-FR" sz="4700" kern="1200" dirty="0"/>
+            <a:t>T</a:t>
+          </a:r>
+        </a:p>
+      </dsp:txBody>
+      <dsp:txXfrm rot="10800000">
+        <a:off x="3448728" y="2230249"/>
+        <a:ext cx="1338924" cy="1338924"/>
+      </dsp:txXfrm>
+    </dsp:sp>
+    <dsp:sp modelId="{C0852406-3DC0-4222-A1F8-184593FC4596}">
+      <dsp:nvSpPr>
+        <dsp:cNvPr id="0" name=""/>
+        <dsp:cNvSpPr/>
+      </dsp:nvSpPr>
+      <dsp:spPr>
+        <a:xfrm rot="16200000">
+          <a:off x="1467742" y="2230249"/>
+          <a:ext cx="1893525" cy="1893525"/>
+        </a:xfrm>
+        <a:prstGeom prst="pieWedge">
+          <a:avLst/>
+        </a:prstGeom>
+        <a:gradFill rotWithShape="0">
+          <a:gsLst>
+            <a:gs pos="0">
+              <a:schemeClr val="accent5">
+                <a:hueOff val="0"/>
+                <a:satOff val="0"/>
+                <a:lumOff val="0"/>
+                <a:alphaOff val="0"/>
+                <a:satMod val="103000"/>
+                <a:lumMod val="102000"/>
+                <a:tint val="94000"/>
+              </a:schemeClr>
+            </a:gs>
+            <a:gs pos="50000">
+              <a:schemeClr val="accent5">
+                <a:hueOff val="0"/>
+                <a:satOff val="0"/>
+                <a:lumOff val="0"/>
+                <a:alphaOff val="0"/>
+                <a:satMod val="110000"/>
+                <a:lumMod val="100000"/>
+                <a:shade val="100000"/>
+              </a:schemeClr>
+            </a:gs>
+            <a:gs pos="100000">
+              <a:schemeClr val="accent5">
+                <a:hueOff val="0"/>
+                <a:satOff val="0"/>
+                <a:lumOff val="0"/>
+                <a:alphaOff val="0"/>
+                <a:lumMod val="99000"/>
+                <a:satMod val="120000"/>
+                <a:shade val="78000"/>
+              </a:schemeClr>
+            </a:gs>
+          </a:gsLst>
+          <a:lin ang="5400000" scaled="0"/>
+        </a:gradFill>
+        <a:ln>
+          <a:noFill/>
+        </a:ln>
+        <a:effectLst/>
+        <a:scene3d>
+          <a:camera prst="orthographicFront"/>
+          <a:lightRig rig="flat" dir="t"/>
+        </a:scene3d>
+        <a:sp3d prstMaterial="plastic">
+          <a:bevelT w="120900" h="88900"/>
+          <a:bevelB w="88900" h="31750" prst="angle"/>
+        </a:sp3d>
+      </dsp:spPr>
+      <dsp:style>
+        <a:lnRef idx="0">
+          <a:scrgbClr r="0" g="0" b="0"/>
+        </a:lnRef>
+        <a:fillRef idx="3">
+          <a:scrgbClr r="0" g="0" b="0"/>
+        </a:fillRef>
+        <a:effectRef idx="2">
+          <a:scrgbClr r="0" g="0" b="0"/>
+        </a:effectRef>
+        <a:fontRef idx="minor">
+          <a:schemeClr val="lt1"/>
+        </a:fontRef>
+      </dsp:style>
+      <dsp:txBody>
+        <a:bodyPr spcFirstLastPara="0" vert="horz" wrap="square" lIns="334264" tIns="334264" rIns="334264" bIns="334264" numCol="1" spcCol="1270" anchor="ctr" anchorCtr="0">
+          <a:noAutofit/>
+        </a:bodyPr>
+        <a:lstStyle/>
+        <a:p>
+          <a:pPr lvl="0" algn="ctr" defTabSz="2089150">
+            <a:lnSpc>
+              <a:spcPct val="90000"/>
+            </a:lnSpc>
+            <a:spcBef>
+              <a:spcPct val="0"/>
+            </a:spcBef>
+            <a:spcAft>
+              <a:spcPct val="35000"/>
+            </a:spcAft>
+          </a:pPr>
+          <a:r>
+            <a:rPr lang="fr-FR" sz="4700" kern="1200" dirty="0"/>
+            <a:t>O</a:t>
+          </a:r>
+        </a:p>
+      </dsp:txBody>
+      <dsp:txXfrm rot="5400000">
+        <a:off x="2022343" y="2230249"/>
+        <a:ext cx="1338924" cy="1338924"/>
+      </dsp:txXfrm>
+    </dsp:sp>
+    <dsp:sp modelId="{3B6382B4-DDDF-482E-9E6A-38E6F7DB930C}">
+      <dsp:nvSpPr>
+        <dsp:cNvPr id="0" name=""/>
+        <dsp:cNvSpPr/>
+      </dsp:nvSpPr>
+      <dsp:spPr>
+        <a:xfrm>
+          <a:off x="5778076" y="1808005"/>
+          <a:ext cx="653769" cy="568494"/>
+        </a:xfrm>
+        <a:prstGeom prst="circularArrow">
+          <a:avLst/>
+        </a:prstGeom>
+        <a:solidFill>
+          <a:schemeClr val="accent2">
+            <a:tint val="40000"/>
+            <a:hueOff val="0"/>
+            <a:satOff val="0"/>
+            <a:lumOff val="0"/>
+            <a:alpha val="0"/>
+          </a:schemeClr>
+        </a:solidFill>
+        <a:ln>
+          <a:noFill/>
+        </a:ln>
+        <a:effectLst>
+          <a:outerShdw blurRad="57150" dist="19050" dir="5400000" algn="ctr" rotWithShape="0">
+            <a:srgbClr val="000000">
+              <a:alpha val="63000"/>
+            </a:srgbClr>
+          </a:outerShdw>
+        </a:effectLst>
+        <a:scene3d>
+          <a:camera prst="orthographicFront"/>
+          <a:lightRig rig="flat" dir="t"/>
+        </a:scene3d>
+        <a:sp3d z="190500" prstMaterial="plastic">
+          <a:bevelT w="120900" h="88900"/>
+          <a:bevelB w="88900" h="31750" prst="angle"/>
+        </a:sp3d>
+      </dsp:spPr>
+      <dsp:style>
+        <a:lnRef idx="0">
+          <a:scrgbClr r="0" g="0" b="0"/>
+        </a:lnRef>
+        <a:fillRef idx="1">
+          <a:scrgbClr r="0" g="0" b="0"/>
+        </a:fillRef>
+        <a:effectRef idx="3">
+          <a:scrgbClr r="0" g="0" b="0"/>
+        </a:effectRef>
+        <a:fontRef idx="minor">
+          <a:schemeClr val="lt1"/>
+        </a:fontRef>
+      </dsp:style>
+    </dsp:sp>
+    <dsp:sp modelId="{72B333DC-EBE8-4650-A713-61338E0F2C2D}">
+      <dsp:nvSpPr>
+        <dsp:cNvPr id="0" name=""/>
+        <dsp:cNvSpPr/>
+      </dsp:nvSpPr>
+      <dsp:spPr>
+        <a:xfrm rot="10800000">
+          <a:off x="5778076" y="1891116"/>
+          <a:ext cx="653769" cy="568494"/>
+        </a:xfrm>
+        <a:prstGeom prst="circularArrow">
+          <a:avLst/>
+        </a:prstGeom>
+        <a:solidFill>
+          <a:schemeClr val="accent2">
+            <a:tint val="40000"/>
+            <a:hueOff val="0"/>
+            <a:satOff val="0"/>
+            <a:lumOff val="0"/>
+            <a:alpha val="0"/>
+          </a:schemeClr>
+        </a:solidFill>
+        <a:ln>
+          <a:noFill/>
+        </a:ln>
+        <a:effectLst>
+          <a:outerShdw blurRad="57150" dist="19050" dir="5400000" algn="ctr" rotWithShape="0">
+            <a:srgbClr val="000000">
+              <a:alpha val="63000"/>
+            </a:srgbClr>
+          </a:outerShdw>
+        </a:effectLst>
+        <a:scene3d>
+          <a:camera prst="orthographicFront"/>
+          <a:lightRig rig="flat" dir="t"/>
+        </a:scene3d>
+        <a:sp3d z="190500" prstMaterial="plastic">
+          <a:bevelT w="120900" h="88900"/>
+          <a:bevelB w="88900" h="31750" prst="angle"/>
+        </a:sp3d>
+      </dsp:spPr>
+      <dsp:style>
+        <a:lnRef idx="0">
+          <a:scrgbClr r="0" g="0" b="0"/>
+        </a:lnRef>
+        <a:fillRef idx="1">
+          <a:scrgbClr r="0" g="0" b="0"/>
+        </a:fillRef>
+        <a:effectRef idx="3">
+          <a:scrgbClr r="0" g="0" b="0"/>
+        </a:effectRef>
+        <a:fontRef idx="minor">
+          <a:schemeClr val="lt1"/>
+        </a:fontRef>
+      </dsp:style>
+    </dsp:sp>
   </dsp:spTree>
 </dsp:drawing>
 </file>
@@ -4649,6 +5763,568 @@
       <dsp:cNvGrpSpPr/>
     </dsp:nvGrpSpPr>
     <dsp:grpSpPr/>
+    <dsp:sp modelId="{334F0DA9-4D69-40E7-AE37-8BB2E71C3ACD}">
+      <dsp:nvSpPr>
+        <dsp:cNvPr id="0" name=""/>
+        <dsp:cNvSpPr/>
+      </dsp:nvSpPr>
+      <dsp:spPr>
+        <a:xfrm>
+          <a:off x="2161156" y="1846422"/>
+          <a:ext cx="1405505" cy="1405505"/>
+        </a:xfrm>
+        <a:prstGeom prst="ellipse">
+          <a:avLst/>
+        </a:prstGeom>
+        <a:solidFill>
+          <a:srgbClr val="FFC000"/>
+        </a:solidFill>
+        <a:ln>
+          <a:noFill/>
+        </a:ln>
+        <a:effectLst/>
+        <a:scene3d>
+          <a:camera prst="orthographicFront"/>
+          <a:lightRig rig="flat" dir="t"/>
+        </a:scene3d>
+        <a:sp3d prstMaterial="plastic">
+          <a:bevelT w="120900" h="88900"/>
+          <a:bevelB w="88900" h="31750" prst="angle"/>
+        </a:sp3d>
+      </dsp:spPr>
+      <dsp:style>
+        <a:lnRef idx="0">
+          <a:scrgbClr r="0" g="0" b="0"/>
+        </a:lnRef>
+        <a:fillRef idx="3">
+          <a:scrgbClr r="0" g="0" b="0"/>
+        </a:fillRef>
+        <a:effectRef idx="2">
+          <a:scrgbClr r="0" g="0" b="0"/>
+        </a:effectRef>
+        <a:fontRef idx="minor">
+          <a:schemeClr val="lt1"/>
+        </a:fontRef>
+      </dsp:style>
+      <dsp:txBody>
+        <a:bodyPr spcFirstLastPara="0" vert="horz" wrap="square" lIns="41275" tIns="41275" rIns="41275" bIns="41275" numCol="1" spcCol="1270" anchor="ctr" anchorCtr="0">
+          <a:noAutofit/>
+        </a:bodyPr>
+        <a:lstStyle/>
+        <a:p>
+          <a:pPr lvl="0" algn="ctr" defTabSz="2889250">
+            <a:lnSpc>
+              <a:spcPct val="90000"/>
+            </a:lnSpc>
+            <a:spcBef>
+              <a:spcPct val="0"/>
+            </a:spcBef>
+            <a:spcAft>
+              <a:spcPct val="35000"/>
+            </a:spcAft>
+          </a:pPr>
+          <a:r>
+            <a:rPr lang="fr-FR" sz="6500" kern="1200" dirty="0"/>
+            <a:t>T</a:t>
+          </a:r>
+        </a:p>
+      </dsp:txBody>
+      <dsp:txXfrm>
+        <a:off x="2366987" y="2052253"/>
+        <a:ext cx="993843" cy="993843"/>
+      </dsp:txXfrm>
+    </dsp:sp>
+    <dsp:sp modelId="{FB6E935B-AB56-4686-BAF4-89171D311D48}">
+      <dsp:nvSpPr>
+        <dsp:cNvPr id="0" name=""/>
+        <dsp:cNvSpPr/>
+      </dsp:nvSpPr>
+      <dsp:spPr>
+        <a:xfrm rot="16200000">
+          <a:off x="2651363" y="1611792"/>
+          <a:ext cx="425090" cy="44168"/>
+        </a:xfrm>
+        <a:custGeom>
+          <a:avLst/>
+          <a:gdLst/>
+          <a:ahLst/>
+          <a:cxnLst/>
+          <a:rect l="0" t="0" r="0" b="0"/>
+          <a:pathLst>
+            <a:path>
+              <a:moveTo>
+                <a:pt x="0" y="22084"/>
+              </a:moveTo>
+              <a:lnTo>
+                <a:pt x="425090" y="22084"/>
+              </a:lnTo>
+            </a:path>
+          </a:pathLst>
+        </a:custGeom>
+        <a:noFill/>
+        <a:ln w="12700" cap="flat" cmpd="sng" algn="ctr">
+          <a:solidFill>
+            <a:schemeClr val="accent2">
+              <a:hueOff val="0"/>
+              <a:satOff val="0"/>
+              <a:lumOff val="0"/>
+              <a:alphaOff val="0"/>
+            </a:schemeClr>
+          </a:solidFill>
+          <a:prstDash val="solid"/>
+          <a:miter lim="800000"/>
+        </a:ln>
+        <a:effectLst/>
+        <a:scene3d>
+          <a:camera prst="orthographicFront"/>
+          <a:lightRig rig="flat" dir="t"/>
+        </a:scene3d>
+        <a:sp3d prstMaterial="matte"/>
+      </dsp:spPr>
+      <dsp:style>
+        <a:lnRef idx="2">
+          <a:scrgbClr r="0" g="0" b="0"/>
+        </a:lnRef>
+        <a:fillRef idx="0">
+          <a:scrgbClr r="0" g="0" b="0"/>
+        </a:fillRef>
+        <a:effectRef idx="0">
+          <a:scrgbClr r="0" g="0" b="0"/>
+        </a:effectRef>
+        <a:fontRef idx="minor"/>
+      </dsp:style>
+      <dsp:txBody>
+        <a:bodyPr spcFirstLastPara="0" vert="horz" wrap="square" lIns="12700" tIns="0" rIns="12700" bIns="0" numCol="1" spcCol="1270" anchor="ctr" anchorCtr="0">
+          <a:noAutofit/>
+        </a:bodyPr>
+        <a:lstStyle/>
+        <a:p>
+          <a:pPr lvl="0" algn="ctr" defTabSz="222250">
+            <a:lnSpc>
+              <a:spcPct val="90000"/>
+            </a:lnSpc>
+            <a:spcBef>
+              <a:spcPct val="0"/>
+            </a:spcBef>
+            <a:spcAft>
+              <a:spcPct val="35000"/>
+            </a:spcAft>
+          </a:pPr>
+          <a:endParaRPr lang="fr-FR" sz="500" kern="1200"/>
+        </a:p>
+      </dsp:txBody>
+      <dsp:txXfrm>
+        <a:off x="2853281" y="1623249"/>
+        <a:ext cx="21254" cy="21254"/>
+      </dsp:txXfrm>
+    </dsp:sp>
+    <dsp:sp modelId="{51D4E2D9-6364-4FE7-BE7F-89898165258A}">
+      <dsp:nvSpPr>
+        <dsp:cNvPr id="0" name=""/>
+        <dsp:cNvSpPr/>
+      </dsp:nvSpPr>
+      <dsp:spPr>
+        <a:xfrm>
+          <a:off x="2161156" y="15826"/>
+          <a:ext cx="1405505" cy="1405505"/>
+        </a:xfrm>
+        <a:prstGeom prst="ellipse">
+          <a:avLst/>
+        </a:prstGeom>
+        <a:solidFill>
+          <a:srgbClr val="00B050"/>
+        </a:solidFill>
+        <a:ln>
+          <a:noFill/>
+        </a:ln>
+        <a:effectLst/>
+        <a:scene3d>
+          <a:camera prst="orthographicFront"/>
+          <a:lightRig rig="flat" dir="t"/>
+        </a:scene3d>
+        <a:sp3d prstMaterial="plastic">
+          <a:bevelT w="120900" h="88900"/>
+          <a:bevelB w="88900" h="31750" prst="angle"/>
+        </a:sp3d>
+      </dsp:spPr>
+      <dsp:style>
+        <a:lnRef idx="0">
+          <a:scrgbClr r="0" g="0" b="0"/>
+        </a:lnRef>
+        <a:fillRef idx="3">
+          <a:scrgbClr r="0" g="0" b="0"/>
+        </a:fillRef>
+        <a:effectRef idx="2">
+          <a:scrgbClr r="0" g="0" b="0"/>
+        </a:effectRef>
+        <a:fontRef idx="minor">
+          <a:schemeClr val="lt1"/>
+        </a:fontRef>
+      </dsp:style>
+      <dsp:txBody>
+        <a:bodyPr spcFirstLastPara="0" vert="horz" wrap="square" lIns="10795" tIns="10795" rIns="10795" bIns="10795" numCol="1" spcCol="1270" anchor="ctr" anchorCtr="0">
+          <a:noAutofit/>
+        </a:bodyPr>
+        <a:lstStyle/>
+        <a:p>
+          <a:pPr lvl="0" algn="ctr" defTabSz="755650">
+            <a:lnSpc>
+              <a:spcPct val="90000"/>
+            </a:lnSpc>
+            <a:spcBef>
+              <a:spcPct val="0"/>
+            </a:spcBef>
+            <a:spcAft>
+              <a:spcPct val="35000"/>
+            </a:spcAft>
+          </a:pPr>
+          <a:r>
+            <a:rPr lang="fr-FR" sz="1700" kern="1200" dirty="0" err="1"/>
+            <a:t>Risk</a:t>
+          </a:r>
+          <a:r>
+            <a:rPr lang="fr-FR" sz="1700" kern="1200" dirty="0"/>
+            <a:t> of high </a:t>
+          </a:r>
+          <a:r>
+            <a:rPr lang="fr-FR" sz="1700" kern="1200" dirty="0" err="1"/>
+            <a:t>demand</a:t>
+          </a:r>
+          <a:r>
+            <a:rPr lang="fr-FR" sz="1700" kern="1200" dirty="0"/>
+            <a:t> (server)</a:t>
+          </a:r>
+        </a:p>
+      </dsp:txBody>
+      <dsp:txXfrm>
+        <a:off x="2366987" y="221657"/>
+        <a:ext cx="993843" cy="993843"/>
+      </dsp:txXfrm>
+    </dsp:sp>
+    <dsp:sp modelId="{3134C74D-D45F-4D44-8DA9-5DD9ACC7028A}">
+      <dsp:nvSpPr>
+        <dsp:cNvPr id="0" name=""/>
+        <dsp:cNvSpPr/>
+      </dsp:nvSpPr>
+      <dsp:spPr>
+        <a:xfrm rot="1800000">
+          <a:off x="3444034" y="2984739"/>
+          <a:ext cx="425090" cy="44168"/>
+        </a:xfrm>
+        <a:custGeom>
+          <a:avLst/>
+          <a:gdLst/>
+          <a:ahLst/>
+          <a:cxnLst/>
+          <a:rect l="0" t="0" r="0" b="0"/>
+          <a:pathLst>
+            <a:path>
+              <a:moveTo>
+                <a:pt x="0" y="22084"/>
+              </a:moveTo>
+              <a:lnTo>
+                <a:pt x="425090" y="22084"/>
+              </a:lnTo>
+            </a:path>
+          </a:pathLst>
+        </a:custGeom>
+        <a:noFill/>
+        <a:ln w="12700" cap="flat" cmpd="sng" algn="ctr">
+          <a:solidFill>
+            <a:schemeClr val="accent2">
+              <a:hueOff val="0"/>
+              <a:satOff val="0"/>
+              <a:lumOff val="0"/>
+              <a:alphaOff val="0"/>
+            </a:schemeClr>
+          </a:solidFill>
+          <a:prstDash val="solid"/>
+          <a:miter lim="800000"/>
+        </a:ln>
+        <a:effectLst/>
+        <a:scene3d>
+          <a:camera prst="orthographicFront"/>
+          <a:lightRig rig="flat" dir="t"/>
+        </a:scene3d>
+        <a:sp3d prstMaterial="matte"/>
+      </dsp:spPr>
+      <dsp:style>
+        <a:lnRef idx="2">
+          <a:scrgbClr r="0" g="0" b="0"/>
+        </a:lnRef>
+        <a:fillRef idx="0">
+          <a:scrgbClr r="0" g="0" b="0"/>
+        </a:fillRef>
+        <a:effectRef idx="0">
+          <a:scrgbClr r="0" g="0" b="0"/>
+        </a:effectRef>
+        <a:fontRef idx="minor"/>
+      </dsp:style>
+      <dsp:txBody>
+        <a:bodyPr spcFirstLastPara="0" vert="horz" wrap="square" lIns="12700" tIns="0" rIns="12700" bIns="0" numCol="1" spcCol="1270" anchor="ctr" anchorCtr="0">
+          <a:noAutofit/>
+        </a:bodyPr>
+        <a:lstStyle/>
+        <a:p>
+          <a:pPr lvl="0" algn="ctr" defTabSz="222250">
+            <a:lnSpc>
+              <a:spcPct val="90000"/>
+            </a:lnSpc>
+            <a:spcBef>
+              <a:spcPct val="0"/>
+            </a:spcBef>
+            <a:spcAft>
+              <a:spcPct val="35000"/>
+            </a:spcAft>
+          </a:pPr>
+          <a:endParaRPr lang="en-CA" sz="500" kern="1200"/>
+        </a:p>
+      </dsp:txBody>
+      <dsp:txXfrm>
+        <a:off x="3645952" y="2996196"/>
+        <a:ext cx="21254" cy="21254"/>
+      </dsp:txXfrm>
+    </dsp:sp>
+    <dsp:sp modelId="{FC75532D-1A75-4D81-A458-80C91B398F9D}">
+      <dsp:nvSpPr>
+        <dsp:cNvPr id="0" name=""/>
+        <dsp:cNvSpPr/>
+      </dsp:nvSpPr>
+      <dsp:spPr>
+        <a:xfrm>
+          <a:off x="3746498" y="2761719"/>
+          <a:ext cx="1405505" cy="1405505"/>
+        </a:xfrm>
+        <a:prstGeom prst="ellipse">
+          <a:avLst/>
+        </a:prstGeom>
+        <a:solidFill>
+          <a:srgbClr val="00B050"/>
+        </a:solidFill>
+        <a:ln>
+          <a:noFill/>
+        </a:ln>
+        <a:effectLst/>
+        <a:scene3d>
+          <a:camera prst="orthographicFront"/>
+          <a:lightRig rig="flat" dir="t"/>
+        </a:scene3d>
+        <a:sp3d prstMaterial="plastic">
+          <a:bevelT w="120900" h="88900"/>
+          <a:bevelB w="88900" h="31750" prst="angle"/>
+        </a:sp3d>
+      </dsp:spPr>
+      <dsp:style>
+        <a:lnRef idx="0">
+          <a:scrgbClr r="0" g="0" b="0"/>
+        </a:lnRef>
+        <a:fillRef idx="3">
+          <a:scrgbClr r="0" g="0" b="0"/>
+        </a:fillRef>
+        <a:effectRef idx="2">
+          <a:scrgbClr r="0" g="0" b="0"/>
+        </a:effectRef>
+        <a:fontRef idx="minor">
+          <a:schemeClr val="lt1"/>
+        </a:fontRef>
+      </dsp:style>
+      <dsp:txBody>
+        <a:bodyPr spcFirstLastPara="0" vert="horz" wrap="square" lIns="10795" tIns="10795" rIns="10795" bIns="10795" numCol="1" spcCol="1270" anchor="ctr" anchorCtr="0">
+          <a:noAutofit/>
+        </a:bodyPr>
+        <a:lstStyle/>
+        <a:p>
+          <a:pPr lvl="0" algn="ctr" defTabSz="755650">
+            <a:lnSpc>
+              <a:spcPct val="90000"/>
+            </a:lnSpc>
+            <a:spcBef>
+              <a:spcPct val="0"/>
+            </a:spcBef>
+            <a:spcAft>
+              <a:spcPct val="35000"/>
+            </a:spcAft>
+          </a:pPr>
+          <a:r>
+            <a:rPr lang="fr-FR" sz="1700" kern="1200" dirty="0" err="1" smtClean="0"/>
+            <a:t>Portability</a:t>
+          </a:r>
+          <a:r>
+            <a:rPr lang="fr-FR" sz="1700" kern="1200" dirty="0" smtClean="0"/>
+            <a:t> to Mac</a:t>
+          </a:r>
+          <a:endParaRPr lang="fr-FR" sz="1700" kern="1200" dirty="0"/>
+        </a:p>
+      </dsp:txBody>
+      <dsp:txXfrm>
+        <a:off x="3952329" y="2967550"/>
+        <a:ext cx="993843" cy="993843"/>
+      </dsp:txXfrm>
+    </dsp:sp>
+    <dsp:sp modelId="{156A4B50-5EBB-4BD2-8AF0-C722439DBC8D}">
+      <dsp:nvSpPr>
+        <dsp:cNvPr id="0" name=""/>
+        <dsp:cNvSpPr/>
+      </dsp:nvSpPr>
+      <dsp:spPr>
+        <a:xfrm rot="9000000">
+          <a:off x="1858692" y="2984739"/>
+          <a:ext cx="425090" cy="44168"/>
+        </a:xfrm>
+        <a:custGeom>
+          <a:avLst/>
+          <a:gdLst/>
+          <a:ahLst/>
+          <a:cxnLst/>
+          <a:rect l="0" t="0" r="0" b="0"/>
+          <a:pathLst>
+            <a:path>
+              <a:moveTo>
+                <a:pt x="0" y="22084"/>
+              </a:moveTo>
+              <a:lnTo>
+                <a:pt x="425090" y="22084"/>
+              </a:lnTo>
+            </a:path>
+          </a:pathLst>
+        </a:custGeom>
+        <a:noFill/>
+        <a:ln w="12700" cap="flat" cmpd="sng" algn="ctr">
+          <a:solidFill>
+            <a:schemeClr val="accent2">
+              <a:hueOff val="0"/>
+              <a:satOff val="0"/>
+              <a:lumOff val="0"/>
+              <a:alphaOff val="0"/>
+            </a:schemeClr>
+          </a:solidFill>
+          <a:prstDash val="solid"/>
+          <a:miter lim="800000"/>
+        </a:ln>
+        <a:effectLst/>
+        <a:scene3d>
+          <a:camera prst="orthographicFront"/>
+          <a:lightRig rig="flat" dir="t"/>
+        </a:scene3d>
+        <a:sp3d prstMaterial="matte"/>
+      </dsp:spPr>
+      <dsp:style>
+        <a:lnRef idx="2">
+          <a:scrgbClr r="0" g="0" b="0"/>
+        </a:lnRef>
+        <a:fillRef idx="0">
+          <a:scrgbClr r="0" g="0" b="0"/>
+        </a:fillRef>
+        <a:effectRef idx="0">
+          <a:scrgbClr r="0" g="0" b="0"/>
+        </a:effectRef>
+        <a:fontRef idx="minor"/>
+      </dsp:style>
+      <dsp:txBody>
+        <a:bodyPr spcFirstLastPara="0" vert="horz" wrap="square" lIns="12700" tIns="0" rIns="12700" bIns="0" numCol="1" spcCol="1270" anchor="ctr" anchorCtr="0">
+          <a:noAutofit/>
+        </a:bodyPr>
+        <a:lstStyle/>
+        <a:p>
+          <a:pPr lvl="0" algn="ctr" defTabSz="222250">
+            <a:lnSpc>
+              <a:spcPct val="90000"/>
+            </a:lnSpc>
+            <a:spcBef>
+              <a:spcPct val="0"/>
+            </a:spcBef>
+            <a:spcAft>
+              <a:spcPct val="35000"/>
+            </a:spcAft>
+          </a:pPr>
+          <a:endParaRPr lang="en-CA" sz="500" kern="1200"/>
+        </a:p>
+      </dsp:txBody>
+      <dsp:txXfrm rot="10800000">
+        <a:off x="2060610" y="2996196"/>
+        <a:ext cx="21254" cy="21254"/>
+      </dsp:txXfrm>
+    </dsp:sp>
+    <dsp:sp modelId="{B8775ABA-3037-409F-B1F5-5479D38AC897}">
+      <dsp:nvSpPr>
+        <dsp:cNvPr id="0" name=""/>
+        <dsp:cNvSpPr/>
+      </dsp:nvSpPr>
+      <dsp:spPr>
+        <a:xfrm>
+          <a:off x="575814" y="2761719"/>
+          <a:ext cx="1405505" cy="1405505"/>
+        </a:xfrm>
+        <a:prstGeom prst="ellipse">
+          <a:avLst/>
+        </a:prstGeom>
+        <a:solidFill>
+          <a:srgbClr val="00B050"/>
+        </a:solidFill>
+        <a:ln>
+          <a:noFill/>
+        </a:ln>
+        <a:effectLst/>
+        <a:scene3d>
+          <a:camera prst="orthographicFront"/>
+          <a:lightRig rig="flat" dir="t"/>
+        </a:scene3d>
+        <a:sp3d prstMaterial="plastic">
+          <a:bevelT w="120900" h="88900"/>
+          <a:bevelB w="88900" h="31750" prst="angle"/>
+        </a:sp3d>
+      </dsp:spPr>
+      <dsp:style>
+        <a:lnRef idx="0">
+          <a:scrgbClr r="0" g="0" b="0"/>
+        </a:lnRef>
+        <a:fillRef idx="3">
+          <a:scrgbClr r="0" g="0" b="0"/>
+        </a:fillRef>
+        <a:effectRef idx="2">
+          <a:scrgbClr r="0" g="0" b="0"/>
+        </a:effectRef>
+        <a:fontRef idx="minor">
+          <a:schemeClr val="lt1"/>
+        </a:fontRef>
+      </dsp:style>
+      <dsp:txBody>
+        <a:bodyPr spcFirstLastPara="0" vert="horz" wrap="square" lIns="10795" tIns="10795" rIns="10795" bIns="10795" numCol="1" spcCol="1270" anchor="ctr" anchorCtr="0">
+          <a:noAutofit/>
+        </a:bodyPr>
+        <a:lstStyle/>
+        <a:p>
+          <a:pPr lvl="0" algn="ctr" defTabSz="755650">
+            <a:lnSpc>
+              <a:spcPct val="90000"/>
+            </a:lnSpc>
+            <a:spcBef>
+              <a:spcPct val="0"/>
+            </a:spcBef>
+            <a:spcAft>
+              <a:spcPct val="35000"/>
+            </a:spcAft>
+          </a:pPr>
+          <a:r>
+            <a:rPr lang="fr-FR" sz="1700" kern="1200" dirty="0" err="1" smtClean="0"/>
+            <a:t>Lack</a:t>
+          </a:r>
+          <a:r>
+            <a:rPr lang="fr-FR" sz="1700" kern="1200" dirty="0" smtClean="0"/>
+            <a:t> of control on </a:t>
+          </a:r>
+          <a:r>
+            <a:rPr lang="fr-FR" sz="1700" kern="1200" dirty="0" err="1" smtClean="0"/>
+            <a:t>database</a:t>
+          </a:r>
+          <a:endParaRPr lang="fr-FR" sz="1700" kern="1200" dirty="0"/>
+        </a:p>
+      </dsp:txBody>
+      <dsp:txXfrm>
+        <a:off x="781645" y="2967550"/>
+        <a:ext cx="993843" cy="993843"/>
+      </dsp:txXfrm>
+    </dsp:sp>
   </dsp:spTree>
 </dsp:drawing>
 </file>
@@ -4661,6 +6337,528 @@
       <dsp:cNvGrpSpPr/>
     </dsp:nvGrpSpPr>
     <dsp:grpSpPr/>
+    <dsp:sp modelId="{90FFEDE6-D24B-46AA-AC61-5A2CA3E513CC}">
+      <dsp:nvSpPr>
+        <dsp:cNvPr id="0" name=""/>
+        <dsp:cNvSpPr/>
+      </dsp:nvSpPr>
+      <dsp:spPr>
+        <a:xfrm>
+          <a:off x="1949" y="0"/>
+          <a:ext cx="2043917" cy="4863689"/>
+        </a:xfrm>
+        <a:prstGeom prst="roundRect">
+          <a:avLst>
+            <a:gd name="adj" fmla="val 10000"/>
+          </a:avLst>
+        </a:prstGeom>
+        <a:solidFill>
+          <a:schemeClr val="dk2">
+            <a:hueOff val="0"/>
+            <a:satOff val="0"/>
+            <a:lumOff val="0"/>
+            <a:alphaOff val="0"/>
+          </a:schemeClr>
+        </a:solidFill>
+        <a:ln w="19050" cap="flat" cmpd="sng" algn="ctr">
+          <a:solidFill>
+            <a:schemeClr val="lt2">
+              <a:hueOff val="0"/>
+              <a:satOff val="0"/>
+              <a:lumOff val="0"/>
+              <a:alphaOff val="0"/>
+            </a:schemeClr>
+          </a:solidFill>
+          <a:prstDash val="solid"/>
+          <a:miter lim="800000"/>
+        </a:ln>
+        <a:effectLst/>
+      </dsp:spPr>
+      <dsp:style>
+        <a:lnRef idx="3">
+          <a:scrgbClr r="0" g="0" b="0"/>
+        </a:lnRef>
+        <a:fillRef idx="1">
+          <a:scrgbClr r="0" g="0" b="0"/>
+        </a:fillRef>
+        <a:effectRef idx="1">
+          <a:scrgbClr r="0" g="0" b="0"/>
+        </a:effectRef>
+        <a:fontRef idx="minor">
+          <a:schemeClr val="lt1"/>
+        </a:fontRef>
+      </dsp:style>
+      <dsp:txBody>
+        <a:bodyPr spcFirstLastPara="0" vert="horz" wrap="square" lIns="462280" tIns="462280" rIns="462280" bIns="462280" numCol="1" spcCol="1270" anchor="ctr" anchorCtr="0">
+          <a:noAutofit/>
+        </a:bodyPr>
+        <a:lstStyle/>
+        <a:p>
+          <a:pPr lvl="0" algn="ctr" defTabSz="2889250">
+            <a:lnSpc>
+              <a:spcPct val="90000"/>
+            </a:lnSpc>
+            <a:spcBef>
+              <a:spcPct val="0"/>
+            </a:spcBef>
+            <a:spcAft>
+              <a:spcPct val="35000"/>
+            </a:spcAft>
+          </a:pPr>
+          <a:endParaRPr lang="en-CA" sz="6500" kern="1200" dirty="0"/>
+        </a:p>
+      </dsp:txBody>
+      <dsp:txXfrm>
+        <a:off x="1949" y="1945475"/>
+        <a:ext cx="2043917" cy="1945475"/>
+      </dsp:txXfrm>
+    </dsp:sp>
+    <dsp:sp modelId="{BC5035FA-FF8E-421C-9C1A-CC3F16C8A221}">
+      <dsp:nvSpPr>
+        <dsp:cNvPr id="0" name=""/>
+        <dsp:cNvSpPr/>
+      </dsp:nvSpPr>
+      <dsp:spPr>
+        <a:xfrm>
+          <a:off x="214104" y="291821"/>
+          <a:ext cx="1619608" cy="1619608"/>
+        </a:xfrm>
+        <a:prstGeom prst="ellipse">
+          <a:avLst/>
+        </a:prstGeom>
+        <a:blipFill rotWithShape="1">
+          <a:blip xmlns:r="http://schemas.openxmlformats.org/officeDocument/2006/relationships" r:embed="rId1"/>
+          <a:stretch>
+            <a:fillRect/>
+          </a:stretch>
+        </a:blipFill>
+        <a:ln w="19050" cap="flat" cmpd="sng" algn="ctr">
+          <a:solidFill>
+            <a:schemeClr val="lt2">
+              <a:hueOff val="0"/>
+              <a:satOff val="0"/>
+              <a:lumOff val="0"/>
+              <a:alphaOff val="0"/>
+            </a:schemeClr>
+          </a:solidFill>
+          <a:prstDash val="solid"/>
+          <a:miter lim="800000"/>
+        </a:ln>
+        <a:effectLst/>
+      </dsp:spPr>
+      <dsp:style>
+        <a:lnRef idx="3">
+          <a:scrgbClr r="0" g="0" b="0"/>
+        </a:lnRef>
+        <a:fillRef idx="1">
+          <a:scrgbClr r="0" g="0" b="0"/>
+        </a:fillRef>
+        <a:effectRef idx="1">
+          <a:scrgbClr r="0" g="0" b="0"/>
+        </a:effectRef>
+        <a:fontRef idx="minor"/>
+      </dsp:style>
+    </dsp:sp>
+    <dsp:sp modelId="{AECDF339-533B-4319-9DD1-FE0312AA5FE7}">
+      <dsp:nvSpPr>
+        <dsp:cNvPr id="0" name=""/>
+        <dsp:cNvSpPr/>
+      </dsp:nvSpPr>
+      <dsp:spPr>
+        <a:xfrm>
+          <a:off x="2107184" y="0"/>
+          <a:ext cx="2043917" cy="4863689"/>
+        </a:xfrm>
+        <a:prstGeom prst="roundRect">
+          <a:avLst>
+            <a:gd name="adj" fmla="val 10000"/>
+          </a:avLst>
+        </a:prstGeom>
+        <a:solidFill>
+          <a:schemeClr val="dk2">
+            <a:hueOff val="0"/>
+            <a:satOff val="0"/>
+            <a:lumOff val="0"/>
+            <a:alphaOff val="0"/>
+          </a:schemeClr>
+        </a:solidFill>
+        <a:ln w="19050" cap="flat" cmpd="sng" algn="ctr">
+          <a:solidFill>
+            <a:schemeClr val="lt2">
+              <a:hueOff val="0"/>
+              <a:satOff val="0"/>
+              <a:lumOff val="0"/>
+              <a:alphaOff val="0"/>
+            </a:schemeClr>
+          </a:solidFill>
+          <a:prstDash val="solid"/>
+          <a:miter lim="800000"/>
+        </a:ln>
+        <a:effectLst/>
+      </dsp:spPr>
+      <dsp:style>
+        <a:lnRef idx="3">
+          <a:scrgbClr r="0" g="0" b="0"/>
+        </a:lnRef>
+        <a:fillRef idx="1">
+          <a:scrgbClr r="0" g="0" b="0"/>
+        </a:fillRef>
+        <a:effectRef idx="1">
+          <a:scrgbClr r="0" g="0" b="0"/>
+        </a:effectRef>
+        <a:fontRef idx="minor">
+          <a:schemeClr val="lt1"/>
+        </a:fontRef>
+      </dsp:style>
+      <dsp:txBody>
+        <a:bodyPr spcFirstLastPara="0" vert="horz" wrap="square" lIns="462280" tIns="462280" rIns="462280" bIns="462280" numCol="1" spcCol="1270" anchor="ctr" anchorCtr="0">
+          <a:noAutofit/>
+        </a:bodyPr>
+        <a:lstStyle/>
+        <a:p>
+          <a:pPr lvl="0" algn="ctr" defTabSz="2889250">
+            <a:lnSpc>
+              <a:spcPct val="90000"/>
+            </a:lnSpc>
+            <a:spcBef>
+              <a:spcPct val="0"/>
+            </a:spcBef>
+            <a:spcAft>
+              <a:spcPct val="35000"/>
+            </a:spcAft>
+          </a:pPr>
+          <a:endParaRPr lang="en-CA" sz="6500" kern="1200" dirty="0"/>
+        </a:p>
+      </dsp:txBody>
+      <dsp:txXfrm>
+        <a:off x="2107184" y="1945475"/>
+        <a:ext cx="2043917" cy="1945475"/>
+      </dsp:txXfrm>
+    </dsp:sp>
+    <dsp:sp modelId="{78D9365F-3E8A-4A62-874D-E842D8E395C6}">
+      <dsp:nvSpPr>
+        <dsp:cNvPr id="0" name=""/>
+        <dsp:cNvSpPr/>
+      </dsp:nvSpPr>
+      <dsp:spPr>
+        <a:xfrm>
+          <a:off x="2319339" y="291821"/>
+          <a:ext cx="1619608" cy="1619608"/>
+        </a:xfrm>
+        <a:prstGeom prst="ellipse">
+          <a:avLst/>
+        </a:prstGeom>
+        <a:blipFill rotWithShape="1">
+          <a:blip xmlns:r="http://schemas.openxmlformats.org/officeDocument/2006/relationships" r:embed="rId2"/>
+          <a:stretch>
+            <a:fillRect/>
+          </a:stretch>
+        </a:blipFill>
+        <a:ln w="19050" cap="flat" cmpd="sng" algn="ctr">
+          <a:solidFill>
+            <a:schemeClr val="lt2">
+              <a:hueOff val="0"/>
+              <a:satOff val="0"/>
+              <a:lumOff val="0"/>
+              <a:alphaOff val="0"/>
+            </a:schemeClr>
+          </a:solidFill>
+          <a:prstDash val="solid"/>
+          <a:miter lim="800000"/>
+        </a:ln>
+        <a:effectLst/>
+      </dsp:spPr>
+      <dsp:style>
+        <a:lnRef idx="3">
+          <a:scrgbClr r="0" g="0" b="0"/>
+        </a:lnRef>
+        <a:fillRef idx="1">
+          <a:scrgbClr r="0" g="0" b="0"/>
+        </a:fillRef>
+        <a:effectRef idx="1">
+          <a:scrgbClr r="0" g="0" b="0"/>
+        </a:effectRef>
+        <a:fontRef idx="minor"/>
+      </dsp:style>
+    </dsp:sp>
+    <dsp:sp modelId="{18E220CA-4E07-4273-9F20-D66E44D1CC15}">
+      <dsp:nvSpPr>
+        <dsp:cNvPr id="0" name=""/>
+        <dsp:cNvSpPr/>
+      </dsp:nvSpPr>
+      <dsp:spPr>
+        <a:xfrm>
+          <a:off x="4212419" y="0"/>
+          <a:ext cx="2043917" cy="4863689"/>
+        </a:xfrm>
+        <a:prstGeom prst="roundRect">
+          <a:avLst>
+            <a:gd name="adj" fmla="val 10000"/>
+          </a:avLst>
+        </a:prstGeom>
+        <a:solidFill>
+          <a:schemeClr val="dk2">
+            <a:hueOff val="0"/>
+            <a:satOff val="0"/>
+            <a:lumOff val="0"/>
+            <a:alphaOff val="0"/>
+          </a:schemeClr>
+        </a:solidFill>
+        <a:ln w="19050" cap="flat" cmpd="sng" algn="ctr">
+          <a:solidFill>
+            <a:schemeClr val="lt2">
+              <a:hueOff val="0"/>
+              <a:satOff val="0"/>
+              <a:lumOff val="0"/>
+              <a:alphaOff val="0"/>
+            </a:schemeClr>
+          </a:solidFill>
+          <a:prstDash val="solid"/>
+          <a:miter lim="800000"/>
+        </a:ln>
+        <a:effectLst/>
+      </dsp:spPr>
+      <dsp:style>
+        <a:lnRef idx="3">
+          <a:scrgbClr r="0" g="0" b="0"/>
+        </a:lnRef>
+        <a:fillRef idx="1">
+          <a:scrgbClr r="0" g="0" b="0"/>
+        </a:fillRef>
+        <a:effectRef idx="1">
+          <a:scrgbClr r="0" g="0" b="0"/>
+        </a:effectRef>
+        <a:fontRef idx="minor">
+          <a:schemeClr val="lt1"/>
+        </a:fontRef>
+      </dsp:style>
+      <dsp:txBody>
+        <a:bodyPr spcFirstLastPara="0" vert="horz" wrap="square" lIns="462280" tIns="462280" rIns="462280" bIns="462280" numCol="1" spcCol="1270" anchor="ctr" anchorCtr="0">
+          <a:noAutofit/>
+        </a:bodyPr>
+        <a:lstStyle/>
+        <a:p>
+          <a:pPr lvl="0" algn="ctr" defTabSz="2889250">
+            <a:lnSpc>
+              <a:spcPct val="90000"/>
+            </a:lnSpc>
+            <a:spcBef>
+              <a:spcPct val="0"/>
+            </a:spcBef>
+            <a:spcAft>
+              <a:spcPct val="35000"/>
+            </a:spcAft>
+          </a:pPr>
+          <a:endParaRPr lang="en-CA" sz="6500" kern="1200" dirty="0"/>
+        </a:p>
+      </dsp:txBody>
+      <dsp:txXfrm>
+        <a:off x="4212419" y="1945475"/>
+        <a:ext cx="2043917" cy="1945475"/>
+      </dsp:txXfrm>
+    </dsp:sp>
+    <dsp:sp modelId="{EF6C3C73-EE47-41C6-84F9-732FE297AA13}">
+      <dsp:nvSpPr>
+        <dsp:cNvPr id="0" name=""/>
+        <dsp:cNvSpPr/>
+      </dsp:nvSpPr>
+      <dsp:spPr>
+        <a:xfrm>
+          <a:off x="4424574" y="291821"/>
+          <a:ext cx="1619608" cy="1619608"/>
+        </a:xfrm>
+        <a:prstGeom prst="ellipse">
+          <a:avLst/>
+        </a:prstGeom>
+        <a:blipFill rotWithShape="1">
+          <a:blip xmlns:r="http://schemas.openxmlformats.org/officeDocument/2006/relationships" r:embed="rId3"/>
+          <a:stretch>
+            <a:fillRect/>
+          </a:stretch>
+        </a:blipFill>
+        <a:ln w="19050" cap="flat" cmpd="sng" algn="ctr">
+          <a:solidFill>
+            <a:schemeClr val="lt2">
+              <a:hueOff val="0"/>
+              <a:satOff val="0"/>
+              <a:lumOff val="0"/>
+              <a:alphaOff val="0"/>
+            </a:schemeClr>
+          </a:solidFill>
+          <a:prstDash val="solid"/>
+          <a:miter lim="800000"/>
+        </a:ln>
+        <a:effectLst/>
+      </dsp:spPr>
+      <dsp:style>
+        <a:lnRef idx="3">
+          <a:scrgbClr r="0" g="0" b="0"/>
+        </a:lnRef>
+        <a:fillRef idx="1">
+          <a:scrgbClr r="0" g="0" b="0"/>
+        </a:fillRef>
+        <a:effectRef idx="1">
+          <a:scrgbClr r="0" g="0" b="0"/>
+        </a:effectRef>
+        <a:fontRef idx="minor"/>
+      </dsp:style>
+    </dsp:sp>
+    <dsp:sp modelId="{9B6DBF9B-EFA6-45E8-AAE9-1FBCC2922B5E}">
+      <dsp:nvSpPr>
+        <dsp:cNvPr id="0" name=""/>
+        <dsp:cNvSpPr/>
+      </dsp:nvSpPr>
+      <dsp:spPr>
+        <a:xfrm>
+          <a:off x="6317654" y="0"/>
+          <a:ext cx="2043917" cy="4863689"/>
+        </a:xfrm>
+        <a:prstGeom prst="roundRect">
+          <a:avLst>
+            <a:gd name="adj" fmla="val 10000"/>
+          </a:avLst>
+        </a:prstGeom>
+        <a:solidFill>
+          <a:schemeClr val="dk2">
+            <a:hueOff val="0"/>
+            <a:satOff val="0"/>
+            <a:lumOff val="0"/>
+            <a:alphaOff val="0"/>
+          </a:schemeClr>
+        </a:solidFill>
+        <a:ln w="19050" cap="flat" cmpd="sng" algn="ctr">
+          <a:solidFill>
+            <a:schemeClr val="lt2">
+              <a:hueOff val="0"/>
+              <a:satOff val="0"/>
+              <a:lumOff val="0"/>
+              <a:alphaOff val="0"/>
+            </a:schemeClr>
+          </a:solidFill>
+          <a:prstDash val="solid"/>
+          <a:miter lim="800000"/>
+        </a:ln>
+        <a:effectLst/>
+      </dsp:spPr>
+      <dsp:style>
+        <a:lnRef idx="3">
+          <a:scrgbClr r="0" g="0" b="0"/>
+        </a:lnRef>
+        <a:fillRef idx="1">
+          <a:scrgbClr r="0" g="0" b="0"/>
+        </a:fillRef>
+        <a:effectRef idx="1">
+          <a:scrgbClr r="0" g="0" b="0"/>
+        </a:effectRef>
+        <a:fontRef idx="minor">
+          <a:schemeClr val="lt1"/>
+        </a:fontRef>
+      </dsp:style>
+      <dsp:txBody>
+        <a:bodyPr spcFirstLastPara="0" vert="horz" wrap="square" lIns="462280" tIns="462280" rIns="462280" bIns="462280" numCol="1" spcCol="1270" anchor="ctr" anchorCtr="0">
+          <a:noAutofit/>
+        </a:bodyPr>
+        <a:lstStyle/>
+        <a:p>
+          <a:pPr lvl="0" algn="ctr" defTabSz="2889250">
+            <a:lnSpc>
+              <a:spcPct val="90000"/>
+            </a:lnSpc>
+            <a:spcBef>
+              <a:spcPct val="0"/>
+            </a:spcBef>
+            <a:spcAft>
+              <a:spcPct val="35000"/>
+            </a:spcAft>
+          </a:pPr>
+          <a:endParaRPr lang="en-CA" sz="6500" kern="1200" dirty="0"/>
+        </a:p>
+      </dsp:txBody>
+      <dsp:txXfrm>
+        <a:off x="6317654" y="1945475"/>
+        <a:ext cx="2043917" cy="1945475"/>
+      </dsp:txXfrm>
+    </dsp:sp>
+    <dsp:sp modelId="{E493E5FB-AA9A-42DE-9CCE-474EDF63F26C}">
+      <dsp:nvSpPr>
+        <dsp:cNvPr id="0" name=""/>
+        <dsp:cNvSpPr/>
+      </dsp:nvSpPr>
+      <dsp:spPr>
+        <a:xfrm>
+          <a:off x="6529809" y="291821"/>
+          <a:ext cx="1619608" cy="1619608"/>
+        </a:xfrm>
+        <a:prstGeom prst="ellipse">
+          <a:avLst/>
+        </a:prstGeom>
+        <a:blipFill rotWithShape="1">
+          <a:blip xmlns:r="http://schemas.openxmlformats.org/officeDocument/2006/relationships" r:embed="rId4"/>
+          <a:stretch>
+            <a:fillRect/>
+          </a:stretch>
+        </a:blipFill>
+        <a:ln w="19050" cap="flat" cmpd="sng" algn="ctr">
+          <a:solidFill>
+            <a:schemeClr val="lt2">
+              <a:hueOff val="0"/>
+              <a:satOff val="0"/>
+              <a:lumOff val="0"/>
+              <a:alphaOff val="0"/>
+            </a:schemeClr>
+          </a:solidFill>
+          <a:prstDash val="solid"/>
+          <a:miter lim="800000"/>
+        </a:ln>
+        <a:effectLst/>
+      </dsp:spPr>
+      <dsp:style>
+        <a:lnRef idx="3">
+          <a:scrgbClr r="0" g="0" b="0"/>
+        </a:lnRef>
+        <a:fillRef idx="1">
+          <a:scrgbClr r="0" g="0" b="0"/>
+        </a:fillRef>
+        <a:effectRef idx="1">
+          <a:scrgbClr r="0" g="0" b="0"/>
+        </a:effectRef>
+        <a:fontRef idx="minor"/>
+      </dsp:style>
+    </dsp:sp>
+    <dsp:sp modelId="{5C007895-D27B-4555-8633-C9BBD58A106D}">
+      <dsp:nvSpPr>
+        <dsp:cNvPr id="0" name=""/>
+        <dsp:cNvSpPr/>
+      </dsp:nvSpPr>
+      <dsp:spPr>
+        <a:xfrm flipH="1">
+          <a:off x="4508466" y="3876524"/>
+          <a:ext cx="1553507" cy="525387"/>
+        </a:xfrm>
+        <a:prstGeom prst="leftRightArrow">
+          <a:avLst/>
+        </a:prstGeom>
+        <a:noFill/>
+        <a:ln w="19050" cap="flat" cmpd="sng" algn="ctr">
+          <a:noFill/>
+          <a:prstDash val="solid"/>
+          <a:miter lim="800000"/>
+        </a:ln>
+        <a:effectLst/>
+      </dsp:spPr>
+      <dsp:style>
+        <a:lnRef idx="3">
+          <a:scrgbClr r="0" g="0" b="0"/>
+        </a:lnRef>
+        <a:fillRef idx="1">
+          <a:scrgbClr r="0" g="0" b="0"/>
+        </a:fillRef>
+        <a:effectRef idx="1">
+          <a:scrgbClr r="0" g="0" b="0"/>
+        </a:effectRef>
+        <a:fontRef idx="minor"/>
+      </dsp:style>
+    </dsp:sp>
   </dsp:spTree>
 </dsp:drawing>
 </file>
@@ -9163,7 +11361,7 @@
           <a:p>
             <a:fld id="{EC83963A-FCD1-4BA3-8F52-F2285ACE2A6A}" type="datetimeFigureOut">
               <a:rPr lang="fr-FR" smtClean="0"/>
-              <a:t>03/02/2020</a:t>
+              <a:t>04/02/2020</a:t>
             </a:fld>
             <a:endParaRPr lang="fr-FR"/>
           </a:p>
@@ -9328,7 +11526,7 @@
           <a:p>
             <a:fld id="{12D3AF9D-FD63-43BA-9EB6-902B12D2DD5D}" type="datetimeFigureOut">
               <a:rPr lang="fr-FR" smtClean="0"/>
-              <a:t>03/02/2020</a:t>
+              <a:t>04/02/2020</a:t>
             </a:fld>
             <a:endParaRPr lang="fr-FR"/>
           </a:p>
@@ -10954,9 +13152,38 @@
           </a:p>
         </p:txBody>
       </p:sp>
+      <p:pic>
+        <p:nvPicPr>
+          <p:cNvPr id="3" name="Image 2"/>
+          <p:cNvPicPr>
+            <a:picLocks noChangeAspect="1"/>
+          </p:cNvPicPr>
+          <p:nvPr/>
+        </p:nvPicPr>
+        <p:blipFill>
+          <a:blip r:embed="rId2"/>
+          <a:stretch>
+            <a:fillRect/>
+          </a:stretch>
+        </p:blipFill>
+        <p:spPr>
+          <a:xfrm>
+            <a:off x="5606587" y="1874730"/>
+            <a:ext cx="6290138" cy="4531498"/>
+          </a:xfrm>
+          <a:prstGeom prst="rect">
+            <a:avLst/>
+          </a:prstGeom>
+          <a:ln>
+            <a:solidFill>
+              <a:schemeClr val="tx1"/>
+            </a:solidFill>
+          </a:ln>
+        </p:spPr>
+      </p:pic>
       <p:sp>
         <p:nvSpPr>
-          <p:cNvPr id="3" name="Title 1"/>
+          <p:cNvPr id="4" name="Title 1"/>
           <p:cNvSpPr txBox="1">
             <a:spLocks/>
           </p:cNvSpPr>
@@ -10965,7 +13192,7 @@
         <p:spPr>
           <a:xfrm>
             <a:off x="648394" y="2101646"/>
-            <a:ext cx="5257456" cy="733833"/>
+            <a:ext cx="4866581" cy="733833"/>
           </a:xfrm>
           <a:prstGeom prst="rect">
             <a:avLst/>
@@ -10994,12 +13221,12 @@
           </a:lstStyle>
           <a:p>
             <a:r>
-              <a:rPr lang="fr-FR" dirty="0" err="1" smtClean="0"/>
-              <a:t>User’s</a:t>
+              <a:rPr lang="fr-FR" dirty="0" smtClean="0"/>
+              <a:t>App – </a:t>
             </a:r>
             <a:r>
               <a:rPr lang="fr-FR" dirty="0" smtClean="0"/>
-              <a:t> </a:t>
+              <a:t>User </a:t>
             </a:r>
             <a:r>
               <a:rPr lang="fr-FR" dirty="0" err="1" smtClean="0"/>
@@ -11009,10 +13236,274 @@
           </a:p>
         </p:txBody>
       </p:sp>
+      <p:sp>
+        <p:nvSpPr>
+          <p:cNvPr id="5" name="Content Placeholder 2"/>
+          <p:cNvSpPr txBox="1">
+            <a:spLocks/>
+          </p:cNvSpPr>
+          <p:nvPr/>
+        </p:nvSpPr>
+        <p:spPr>
+          <a:xfrm>
+            <a:off x="1236684" y="2835479"/>
+            <a:ext cx="4161226" cy="3842158"/>
+          </a:xfrm>
+          <a:prstGeom prst="rect">
+            <a:avLst/>
+          </a:prstGeom>
+        </p:spPr>
+        <p:txBody>
+          <a:bodyPr>
+            <a:normAutofit/>
+          </a:bodyPr>
+          <a:lstStyle>
+            <a:lvl1pPr marL="228600" indent="-228600" algn="l" defTabSz="914400" rtl="0" eaLnBrk="1" latinLnBrk="0" hangingPunct="1">
+              <a:lnSpc>
+                <a:spcPct val="90000"/>
+              </a:lnSpc>
+              <a:spcBef>
+                <a:spcPts val="1000"/>
+              </a:spcBef>
+              <a:buFont typeface="Arial" panose="020B0604020202020204" pitchFamily="34" charset="0"/>
+              <a:buChar char="•"/>
+              <a:defRPr sz="2800" kern="1200">
+                <a:solidFill>
+                  <a:schemeClr val="tx1"/>
+                </a:solidFill>
+                <a:latin typeface="+mn-lt"/>
+                <a:ea typeface="+mn-ea"/>
+                <a:cs typeface="+mn-cs"/>
+              </a:defRPr>
+            </a:lvl1pPr>
+            <a:lvl2pPr marL="685800" indent="-228600" algn="l" defTabSz="914400" rtl="0" eaLnBrk="1" latinLnBrk="0" hangingPunct="1">
+              <a:lnSpc>
+                <a:spcPct val="90000"/>
+              </a:lnSpc>
+              <a:spcBef>
+                <a:spcPts val="500"/>
+              </a:spcBef>
+              <a:buFont typeface="Arial" panose="020B0604020202020204" pitchFamily="34" charset="0"/>
+              <a:buChar char="•"/>
+              <a:defRPr sz="2400" kern="1200">
+                <a:solidFill>
+                  <a:schemeClr val="tx1"/>
+                </a:solidFill>
+                <a:latin typeface="+mn-lt"/>
+                <a:ea typeface="+mn-ea"/>
+                <a:cs typeface="+mn-cs"/>
+              </a:defRPr>
+            </a:lvl2pPr>
+            <a:lvl3pPr marL="1143000" indent="-228600" algn="l" defTabSz="914400" rtl="0" eaLnBrk="1" latinLnBrk="0" hangingPunct="1">
+              <a:lnSpc>
+                <a:spcPct val="90000"/>
+              </a:lnSpc>
+              <a:spcBef>
+                <a:spcPts val="500"/>
+              </a:spcBef>
+              <a:buFont typeface="Arial" panose="020B0604020202020204" pitchFamily="34" charset="0"/>
+              <a:buChar char="•"/>
+              <a:defRPr sz="2000" kern="1200">
+                <a:solidFill>
+                  <a:schemeClr val="tx1"/>
+                </a:solidFill>
+                <a:latin typeface="+mn-lt"/>
+                <a:ea typeface="+mn-ea"/>
+                <a:cs typeface="+mn-cs"/>
+              </a:defRPr>
+            </a:lvl3pPr>
+            <a:lvl4pPr marL="1600200" indent="-228600" algn="l" defTabSz="914400" rtl="0" eaLnBrk="1" latinLnBrk="0" hangingPunct="1">
+              <a:lnSpc>
+                <a:spcPct val="90000"/>
+              </a:lnSpc>
+              <a:spcBef>
+                <a:spcPts val="500"/>
+              </a:spcBef>
+              <a:buFont typeface="Arial" panose="020B0604020202020204" pitchFamily="34" charset="0"/>
+              <a:buChar char="•"/>
+              <a:defRPr sz="1800" kern="1200">
+                <a:solidFill>
+                  <a:schemeClr val="tx1"/>
+                </a:solidFill>
+                <a:latin typeface="+mn-lt"/>
+                <a:ea typeface="+mn-ea"/>
+                <a:cs typeface="+mn-cs"/>
+              </a:defRPr>
+            </a:lvl4pPr>
+            <a:lvl5pPr marL="2057400" indent="-228600" algn="l" defTabSz="914400" rtl="0" eaLnBrk="1" latinLnBrk="0" hangingPunct="1">
+              <a:lnSpc>
+                <a:spcPct val="90000"/>
+              </a:lnSpc>
+              <a:spcBef>
+                <a:spcPts val="500"/>
+              </a:spcBef>
+              <a:buFont typeface="Arial" panose="020B0604020202020204" pitchFamily="34" charset="0"/>
+              <a:buChar char="•"/>
+              <a:defRPr sz="1800" kern="1200">
+                <a:solidFill>
+                  <a:schemeClr val="tx1"/>
+                </a:solidFill>
+                <a:latin typeface="+mn-lt"/>
+                <a:ea typeface="+mn-ea"/>
+                <a:cs typeface="+mn-cs"/>
+              </a:defRPr>
+            </a:lvl5pPr>
+            <a:lvl6pPr marL="2514600" indent="-228600" algn="l" defTabSz="914400" rtl="0" eaLnBrk="1" latinLnBrk="0" hangingPunct="1">
+              <a:lnSpc>
+                <a:spcPct val="90000"/>
+              </a:lnSpc>
+              <a:spcBef>
+                <a:spcPts val="500"/>
+              </a:spcBef>
+              <a:buFont typeface="Arial" panose="020B0604020202020204" pitchFamily="34" charset="0"/>
+              <a:buChar char="•"/>
+              <a:defRPr sz="1800" kern="1200">
+                <a:solidFill>
+                  <a:schemeClr val="tx1"/>
+                </a:solidFill>
+                <a:latin typeface="+mn-lt"/>
+                <a:ea typeface="+mn-ea"/>
+                <a:cs typeface="+mn-cs"/>
+              </a:defRPr>
+            </a:lvl6pPr>
+            <a:lvl7pPr marL="2971800" indent="-228600" algn="l" defTabSz="914400" rtl="0" eaLnBrk="1" latinLnBrk="0" hangingPunct="1">
+              <a:lnSpc>
+                <a:spcPct val="90000"/>
+              </a:lnSpc>
+              <a:spcBef>
+                <a:spcPts val="500"/>
+              </a:spcBef>
+              <a:buFont typeface="Arial" panose="020B0604020202020204" pitchFamily="34" charset="0"/>
+              <a:buChar char="•"/>
+              <a:defRPr sz="1800" kern="1200">
+                <a:solidFill>
+                  <a:schemeClr val="tx1"/>
+                </a:solidFill>
+                <a:latin typeface="+mn-lt"/>
+                <a:ea typeface="+mn-ea"/>
+                <a:cs typeface="+mn-cs"/>
+              </a:defRPr>
+            </a:lvl7pPr>
+            <a:lvl8pPr marL="3429000" indent="-228600" algn="l" defTabSz="914400" rtl="0" eaLnBrk="1" latinLnBrk="0" hangingPunct="1">
+              <a:lnSpc>
+                <a:spcPct val="90000"/>
+              </a:lnSpc>
+              <a:spcBef>
+                <a:spcPts val="500"/>
+              </a:spcBef>
+              <a:buFont typeface="Arial" panose="020B0604020202020204" pitchFamily="34" charset="0"/>
+              <a:buChar char="•"/>
+              <a:defRPr sz="1800" kern="1200">
+                <a:solidFill>
+                  <a:schemeClr val="tx1"/>
+                </a:solidFill>
+                <a:latin typeface="+mn-lt"/>
+                <a:ea typeface="+mn-ea"/>
+                <a:cs typeface="+mn-cs"/>
+              </a:defRPr>
+            </a:lvl8pPr>
+            <a:lvl9pPr marL="3886200" indent="-228600" algn="l" defTabSz="914400" rtl="0" eaLnBrk="1" latinLnBrk="0" hangingPunct="1">
+              <a:lnSpc>
+                <a:spcPct val="90000"/>
+              </a:lnSpc>
+              <a:spcBef>
+                <a:spcPts val="500"/>
+              </a:spcBef>
+              <a:buFont typeface="Arial" panose="020B0604020202020204" pitchFamily="34" charset="0"/>
+              <a:buChar char="•"/>
+              <a:defRPr sz="1800" kern="1200">
+                <a:solidFill>
+                  <a:schemeClr val="tx1"/>
+                </a:solidFill>
+                <a:latin typeface="+mn-lt"/>
+                <a:ea typeface="+mn-ea"/>
+                <a:cs typeface="+mn-cs"/>
+              </a:defRPr>
+            </a:lvl9pPr>
+          </a:lstStyle>
+          <a:p>
+            <a:pPr algn="just"/>
+            <a:r>
+              <a:rPr lang="fr-FR" sz="2000" dirty="0" smtClean="0"/>
+              <a:t>App </a:t>
+            </a:r>
+            <a:r>
+              <a:rPr lang="fr-FR" sz="2000" dirty="0" err="1" smtClean="0"/>
+              <a:t>previews</a:t>
+            </a:r>
+            <a:endParaRPr lang="fr-FR" sz="2000" dirty="0" smtClean="0"/>
+          </a:p>
+          <a:p>
+            <a:pPr algn="just"/>
+            <a:endParaRPr lang="fr-FR" sz="2000" dirty="0" smtClean="0"/>
+          </a:p>
+          <a:p>
+            <a:pPr algn="just"/>
+            <a:r>
+              <a:rPr lang="fr-FR" sz="2000" dirty="0" smtClean="0"/>
+              <a:t>Apple and Windows </a:t>
+            </a:r>
+            <a:r>
+              <a:rPr lang="fr-FR" sz="2000" dirty="0" err="1" smtClean="0"/>
+              <a:t>download</a:t>
+            </a:r>
+            <a:endParaRPr lang="fr-FR" sz="2000" dirty="0" smtClean="0"/>
+          </a:p>
+          <a:p>
+            <a:pPr algn="just"/>
+            <a:endParaRPr lang="fr-FR" sz="2000" dirty="0" smtClean="0"/>
+          </a:p>
+          <a:p>
+            <a:pPr algn="just"/>
+            <a:r>
+              <a:rPr lang="fr-FR" sz="2000" dirty="0" err="1" smtClean="0"/>
+              <a:t>Accessed</a:t>
+            </a:r>
+            <a:r>
+              <a:rPr lang="fr-FR" sz="2000" dirty="0" smtClean="0"/>
+              <a:t> </a:t>
+            </a:r>
+            <a:r>
+              <a:rPr lang="fr-FR" sz="2000" dirty="0" err="1" smtClean="0"/>
+              <a:t>from</a:t>
+            </a:r>
+            <a:r>
+              <a:rPr lang="fr-FR" sz="2000" dirty="0" smtClean="0"/>
+              <a:t> cellomet.com</a:t>
+            </a:r>
+          </a:p>
+          <a:p>
+            <a:pPr algn="just"/>
+            <a:endParaRPr lang="fr-FR" sz="2000" dirty="0"/>
+          </a:p>
+          <a:p>
+            <a:pPr algn="just"/>
+            <a:r>
+              <a:rPr lang="fr-FR" sz="2000" dirty="0" smtClean="0"/>
+              <a:t>Connexion </a:t>
+            </a:r>
+            <a:r>
+              <a:rPr lang="fr-FR" sz="2000" dirty="0" err="1" smtClean="0"/>
+              <a:t>button</a:t>
+            </a:r>
+            <a:r>
+              <a:rPr lang="fr-FR" sz="2000" dirty="0" smtClean="0"/>
+              <a:t> for the client</a:t>
+            </a:r>
+            <a:endParaRPr lang="fr-FR" sz="2000" dirty="0" smtClean="0"/>
+          </a:p>
+          <a:p>
+            <a:pPr marL="0" indent="0" algn="just">
+              <a:buNone/>
+            </a:pPr>
+            <a:endParaRPr lang="fr-FR" sz="2000" dirty="0" smtClean="0"/>
+          </a:p>
+        </p:txBody>
+      </p:sp>
     </p:spTree>
     <p:extLst>
       <p:ext uri="{BB962C8B-B14F-4D97-AF65-F5344CB8AC3E}">
-        <p14:creationId xmlns:p14="http://schemas.microsoft.com/office/powerpoint/2010/main" val="4034940838"/>
+        <p14:creationId xmlns:p14="http://schemas.microsoft.com/office/powerpoint/2010/main" val="2980065524"/>
       </p:ext>
     </p:extLst>
   </p:cSld>
@@ -12319,7 +14810,7 @@
           <a:prstGeom prst="bentConnector3">
             <a:avLst/>
           </a:prstGeom>
-          <a:ln>
+          <a:ln w="28575">
             <a:solidFill>
               <a:schemeClr val="tx1"/>
             </a:solidFill>
@@ -12358,7 +14849,7 @@
           <a:prstGeom prst="bentConnector3">
             <a:avLst/>
           </a:prstGeom>
-          <a:ln>
+          <a:ln w="28575">
             <a:solidFill>
               <a:schemeClr val="tx1"/>
             </a:solidFill>
@@ -12397,7 +14888,7 @@
           <a:prstGeom prst="bentConnector3">
             <a:avLst/>
           </a:prstGeom>
-          <a:ln>
+          <a:ln w="28575">
             <a:solidFill>
               <a:srgbClr val="0070C0"/>
             </a:solidFill>
@@ -12436,7 +14927,7 @@
           <a:prstGeom prst="bentConnector3">
             <a:avLst/>
           </a:prstGeom>
-          <a:ln>
+          <a:ln w="28575">
             <a:solidFill>
               <a:srgbClr val="0070C0"/>
             </a:solidFill>
@@ -12582,7 +15073,7 @@
           <a:prstGeom prst="bentConnector3">
             <a:avLst/>
           </a:prstGeom>
-          <a:ln>
+          <a:ln w="28575">
             <a:solidFill>
               <a:schemeClr val="tx1"/>
             </a:solidFill>
@@ -12621,7 +15112,7 @@
           <a:prstGeom prst="bentConnector2">
             <a:avLst/>
           </a:prstGeom>
-          <a:ln>
+          <a:ln w="28575">
             <a:solidFill>
               <a:schemeClr val="tx1"/>
             </a:solidFill>
@@ -12660,7 +15151,7 @@
           <a:prstGeom prst="bentConnector3">
             <a:avLst/>
           </a:prstGeom>
-          <a:ln>
+          <a:ln w="28575">
             <a:solidFill>
               <a:srgbClr val="0070C0"/>
             </a:solidFill>
@@ -12699,7 +15190,7 @@
           <a:prstGeom prst="bentConnector3">
             <a:avLst/>
           </a:prstGeom>
-          <a:ln>
+          <a:ln w="28575">
             <a:solidFill>
               <a:schemeClr val="tx1"/>
             </a:solidFill>
@@ -12738,7 +15229,7 @@
           <a:prstGeom prst="bentConnector3">
             <a:avLst/>
           </a:prstGeom>
-          <a:ln>
+          <a:ln w="28575">
             <a:solidFill>
               <a:srgbClr val="0070C0"/>
             </a:solidFill>
@@ -12777,7 +15268,7 @@
           <a:prstGeom prst="bentConnector3">
             <a:avLst/>
           </a:prstGeom>
-          <a:ln>
+          <a:ln w="28575">
             <a:solidFill>
               <a:schemeClr val="tx1"/>
             </a:solidFill>
@@ -12816,7 +15307,7 @@
           <a:prstGeom prst="bentConnector3">
             <a:avLst/>
           </a:prstGeom>
-          <a:ln>
+          <a:ln w="28575">
             <a:solidFill>
               <a:schemeClr val="tx1"/>
             </a:solidFill>
@@ -12855,7 +15346,7 @@
           <a:prstGeom prst="bentConnector3">
             <a:avLst/>
           </a:prstGeom>
-          <a:ln>
+          <a:ln w="28575">
             <a:solidFill>
               <a:schemeClr val="tx1"/>
             </a:solidFill>
@@ -12894,7 +15385,7 @@
           <a:prstGeom prst="bentConnector3">
             <a:avLst/>
           </a:prstGeom>
-          <a:ln>
+          <a:ln w="28575">
             <a:solidFill>
               <a:srgbClr val="0070C0"/>
             </a:solidFill>
@@ -12933,7 +15424,7 @@
           <a:prstGeom prst="bentConnector3">
             <a:avLst/>
           </a:prstGeom>
-          <a:ln>
+          <a:ln w="28575">
             <a:solidFill>
               <a:srgbClr val="0070C0"/>
             </a:solidFill>
@@ -12972,7 +15463,7 @@
           <a:prstGeom prst="bentConnector3">
             <a:avLst/>
           </a:prstGeom>
-          <a:ln>
+          <a:ln w="28575">
             <a:solidFill>
               <a:srgbClr val="0070C0"/>
             </a:solidFill>
@@ -13808,6 +16299,41 @@
                                   </p:childTnLst>
                                 </p:cTn>
                               </p:par>
+                              <p:par>
+                                <p:cTn id="71" presetID="10" presetClass="entr" presetSubtype="0" fill="hold" nodeType="withEffect">
+                                  <p:stCondLst>
+                                    <p:cond delay="0"/>
+                                  </p:stCondLst>
+                                  <p:childTnLst>
+                                    <p:set>
+                                      <p:cBhvr>
+                                        <p:cTn id="72" dur="1" fill="hold">
+                                          <p:stCondLst>
+                                            <p:cond delay="0"/>
+                                          </p:stCondLst>
+                                        </p:cTn>
+                                        <p:tgtEl>
+                                          <p:spTgt spid="29"/>
+                                        </p:tgtEl>
+                                        <p:attrNameLst>
+                                          <p:attrName>style.visibility</p:attrName>
+                                        </p:attrNameLst>
+                                      </p:cBhvr>
+                                      <p:to>
+                                        <p:strVal val="visible"/>
+                                      </p:to>
+                                    </p:set>
+                                    <p:animEffect transition="in" filter="fade">
+                                      <p:cBhvr>
+                                        <p:cTn id="73" dur="500"/>
+                                        <p:tgtEl>
+                                          <p:spTgt spid="29"/>
+                                        </p:tgtEl>
+                                      </p:cBhvr>
+                                    </p:animEffect>
+                                  </p:childTnLst>
+                                </p:cTn>
+                              </p:par>
                             </p:childTnLst>
                           </p:cTn>
                         </p:par>
@@ -13815,26 +16341,26 @@
                     </p:cTn>
                   </p:par>
                   <p:par>
-                    <p:cTn id="71" fill="hold">
+                    <p:cTn id="74" fill="hold">
                       <p:stCondLst>
                         <p:cond delay="indefinite"/>
                       </p:stCondLst>
                       <p:childTnLst>
                         <p:par>
-                          <p:cTn id="72" fill="hold">
+                          <p:cTn id="75" fill="hold">
                             <p:stCondLst>
                               <p:cond delay="0"/>
                             </p:stCondLst>
                             <p:childTnLst>
                               <p:par>
-                                <p:cTn id="73" presetID="10" presetClass="entr" presetSubtype="0" fill="hold" nodeType="clickEffect">
+                                <p:cTn id="76" presetID="10" presetClass="entr" presetSubtype="0" fill="hold" nodeType="clickEffect">
                                   <p:stCondLst>
                                     <p:cond delay="0"/>
                                   </p:stCondLst>
                                   <p:childTnLst>
                                     <p:set>
                                       <p:cBhvr>
-                                        <p:cTn id="74" dur="1" fill="hold">
+                                        <p:cTn id="77" dur="1" fill="hold">
                                           <p:stCondLst>
                                             <p:cond delay="0"/>
                                           </p:stCondLst>
@@ -13852,7 +16378,7 @@
                                     </p:set>
                                     <p:animEffect transition="in" filter="fade">
                                       <p:cBhvr>
-                                        <p:cTn id="75" dur="500"/>
+                                        <p:cTn id="78" dur="500"/>
                                         <p:tgtEl>
                                           <p:spTgt spid="4"/>
                                         </p:tgtEl>
@@ -13862,14 +16388,14 @@
                                 </p:cTn>
                               </p:par>
                               <p:par>
-                                <p:cTn id="76" presetID="10" presetClass="entr" presetSubtype="0" fill="hold" nodeType="withEffect">
+                                <p:cTn id="79" presetID="10" presetClass="entr" presetSubtype="0" fill="hold" nodeType="withEffect">
                                   <p:stCondLst>
                                     <p:cond delay="0"/>
                                   </p:stCondLst>
                                   <p:childTnLst>
                                     <p:set>
                                       <p:cBhvr>
-                                        <p:cTn id="77" dur="1" fill="hold">
+                                        <p:cTn id="80" dur="1" fill="hold">
                                           <p:stCondLst>
                                             <p:cond delay="0"/>
                                           </p:stCondLst>
@@ -13887,44 +16413,9 @@
                                     </p:set>
                                     <p:animEffect transition="in" filter="fade">
                                       <p:cBhvr>
-                                        <p:cTn id="78" dur="500"/>
+                                        <p:cTn id="81" dur="500"/>
                                         <p:tgtEl>
                                           <p:spTgt spid="21"/>
-                                        </p:tgtEl>
-                                      </p:cBhvr>
-                                    </p:animEffect>
-                                  </p:childTnLst>
-                                </p:cTn>
-                              </p:par>
-                              <p:par>
-                                <p:cTn id="79" presetID="10" presetClass="entr" presetSubtype="0" fill="hold" grpId="0" nodeType="withEffect">
-                                  <p:stCondLst>
-                                    <p:cond delay="0"/>
-                                  </p:stCondLst>
-                                  <p:childTnLst>
-                                    <p:set>
-                                      <p:cBhvr>
-                                        <p:cTn id="80" dur="1" fill="hold">
-                                          <p:stCondLst>
-                                            <p:cond delay="0"/>
-                                          </p:stCondLst>
-                                        </p:cTn>
-                                        <p:tgtEl>
-                                          <p:spTgt spid="12"/>
-                                        </p:tgtEl>
-                                        <p:attrNameLst>
-                                          <p:attrName>style.visibility</p:attrName>
-                                        </p:attrNameLst>
-                                      </p:cBhvr>
-                                      <p:to>
-                                        <p:strVal val="visible"/>
-                                      </p:to>
-                                    </p:set>
-                                    <p:animEffect transition="in" filter="fade">
-                                      <p:cBhvr>
-                                        <p:cTn id="81" dur="500"/>
-                                        <p:tgtEl>
-                                          <p:spTgt spid="12"/>
                                         </p:tgtEl>
                                       </p:cBhvr>
                                     </p:animEffect>
@@ -13945,6 +16436,41 @@
                                           </p:stCondLst>
                                         </p:cTn>
                                         <p:tgtEl>
+                                          <p:spTgt spid="12"/>
+                                        </p:tgtEl>
+                                        <p:attrNameLst>
+                                          <p:attrName>style.visibility</p:attrName>
+                                        </p:attrNameLst>
+                                      </p:cBhvr>
+                                      <p:to>
+                                        <p:strVal val="visible"/>
+                                      </p:to>
+                                    </p:set>
+                                    <p:animEffect transition="in" filter="fade">
+                                      <p:cBhvr>
+                                        <p:cTn id="84" dur="500"/>
+                                        <p:tgtEl>
+                                          <p:spTgt spid="12"/>
+                                        </p:tgtEl>
+                                      </p:cBhvr>
+                                    </p:animEffect>
+                                  </p:childTnLst>
+                                </p:cTn>
+                              </p:par>
+                              <p:par>
+                                <p:cTn id="85" presetID="10" presetClass="entr" presetSubtype="0" fill="hold" grpId="0" nodeType="withEffect">
+                                  <p:stCondLst>
+                                    <p:cond delay="0"/>
+                                  </p:stCondLst>
+                                  <p:childTnLst>
+                                    <p:set>
+                                      <p:cBhvr>
+                                        <p:cTn id="86" dur="1" fill="hold">
+                                          <p:stCondLst>
+                                            <p:cond delay="0"/>
+                                          </p:stCondLst>
+                                        </p:cTn>
+                                        <p:tgtEl>
                                           <p:spTgt spid="13"/>
                                         </p:tgtEl>
                                         <p:attrNameLst>
@@ -13957,7 +16483,7 @@
                                     </p:set>
                                     <p:animEffect transition="in" filter="fade">
                                       <p:cBhvr>
-                                        <p:cTn id="84" dur="500"/>
+                                        <p:cTn id="87" dur="500"/>
                                         <p:tgtEl>
                                           <p:spTgt spid="13"/>
                                         </p:tgtEl>
@@ -13973,26 +16499,26 @@
                     </p:cTn>
                   </p:par>
                   <p:par>
-                    <p:cTn id="85" fill="hold">
+                    <p:cTn id="88" fill="hold">
                       <p:stCondLst>
                         <p:cond delay="indefinite"/>
                       </p:stCondLst>
                       <p:childTnLst>
                         <p:par>
-                          <p:cTn id="86" fill="hold">
+                          <p:cTn id="89" fill="hold">
                             <p:stCondLst>
                               <p:cond delay="0"/>
                             </p:stCondLst>
                             <p:childTnLst>
                               <p:par>
-                                <p:cTn id="87" presetID="10" presetClass="entr" presetSubtype="0" fill="hold" nodeType="clickEffect">
+                                <p:cTn id="90" presetID="10" presetClass="entr" presetSubtype="0" fill="hold" nodeType="clickEffect">
                                   <p:stCondLst>
                                     <p:cond delay="0"/>
                                   </p:stCondLst>
                                   <p:childTnLst>
                                     <p:set>
                                       <p:cBhvr>
-                                        <p:cTn id="88" dur="1" fill="hold">
+                                        <p:cTn id="91" dur="1" fill="hold">
                                           <p:stCondLst>
                                             <p:cond delay="0"/>
                                           </p:stCondLst>
@@ -14010,7 +16536,7 @@
                                     </p:set>
                                     <p:animEffect transition="in" filter="fade">
                                       <p:cBhvr>
-                                        <p:cTn id="89" dur="500"/>
+                                        <p:cTn id="92" dur="500"/>
                                         <p:tgtEl>
                                           <p:spTgt spid="25"/>
                                         </p:tgtEl>
@@ -14020,14 +16546,14 @@
                                 </p:cTn>
                               </p:par>
                               <p:par>
-                                <p:cTn id="90" presetID="10" presetClass="entr" presetSubtype="0" fill="hold" nodeType="withEffect">
+                                <p:cTn id="93" presetID="10" presetClass="entr" presetSubtype="0" fill="hold" nodeType="withEffect">
                                   <p:stCondLst>
                                     <p:cond delay="0"/>
                                   </p:stCondLst>
                                   <p:childTnLst>
                                     <p:set>
                                       <p:cBhvr>
-                                        <p:cTn id="91" dur="1" fill="hold">
+                                        <p:cTn id="94" dur="1" fill="hold">
                                           <p:stCondLst>
                                             <p:cond delay="0"/>
                                           </p:stCondLst>
@@ -14045,7 +16571,7 @@
                                     </p:set>
                                     <p:animEffect transition="in" filter="fade">
                                       <p:cBhvr>
-                                        <p:cTn id="92" dur="500"/>
+                                        <p:cTn id="95" dur="500"/>
                                         <p:tgtEl>
                                           <p:spTgt spid="27"/>
                                         </p:tgtEl>
@@ -14055,14 +16581,14 @@
                                 </p:cTn>
                               </p:par>
                               <p:par>
-                                <p:cTn id="93" presetID="10" presetClass="entr" presetSubtype="0" fill="hold" grpId="0" nodeType="withEffect">
+                                <p:cTn id="96" presetID="10" presetClass="entr" presetSubtype="0" fill="hold" grpId="0" nodeType="withEffect">
                                   <p:stCondLst>
                                     <p:cond delay="0"/>
                                   </p:stCondLst>
                                   <p:childTnLst>
                                     <p:set>
                                       <p:cBhvr>
-                                        <p:cTn id="94" dur="1" fill="hold">
+                                        <p:cTn id="97" dur="1" fill="hold">
                                           <p:stCondLst>
                                             <p:cond delay="0"/>
                                           </p:stCondLst>
@@ -14080,7 +16606,7 @@
                                     </p:set>
                                     <p:animEffect transition="in" filter="fade">
                                       <p:cBhvr>
-                                        <p:cTn id="95" dur="500"/>
+                                        <p:cTn id="98" dur="500"/>
                                         <p:tgtEl>
                                           <p:spTgt spid="17"/>
                                         </p:tgtEl>
@@ -14096,26 +16622,26 @@
                     </p:cTn>
                   </p:par>
                   <p:par>
-                    <p:cTn id="96" fill="hold">
+                    <p:cTn id="99" fill="hold">
                       <p:stCondLst>
                         <p:cond delay="indefinite"/>
                       </p:stCondLst>
                       <p:childTnLst>
                         <p:par>
-                          <p:cTn id="97" fill="hold">
+                          <p:cTn id="100" fill="hold">
                             <p:stCondLst>
                               <p:cond delay="0"/>
                             </p:stCondLst>
                             <p:childTnLst>
                               <p:par>
-                                <p:cTn id="98" presetID="10" presetClass="entr" presetSubtype="0" fill="hold" nodeType="clickEffect">
+                                <p:cTn id="101" presetID="10" presetClass="entr" presetSubtype="0" fill="hold" nodeType="clickEffect">
                                   <p:stCondLst>
                                     <p:cond delay="0"/>
                                   </p:stCondLst>
                                   <p:childTnLst>
                                     <p:set>
                                       <p:cBhvr>
-                                        <p:cTn id="99" dur="1" fill="hold">
+                                        <p:cTn id="102" dur="1" fill="hold">
                                           <p:stCondLst>
                                             <p:cond delay="0"/>
                                           </p:stCondLst>
@@ -14133,7 +16659,7 @@
                                     </p:set>
                                     <p:animEffect transition="in" filter="fade">
                                       <p:cBhvr>
-                                        <p:cTn id="100" dur="500"/>
+                                        <p:cTn id="103" dur="500"/>
                                         <p:tgtEl>
                                           <p:spTgt spid="49"/>
                                         </p:tgtEl>
@@ -14143,14 +16669,14 @@
                                 </p:cTn>
                               </p:par>
                               <p:par>
-                                <p:cTn id="101" presetID="10" presetClass="entr" presetSubtype="0" fill="hold" nodeType="withEffect">
+                                <p:cTn id="104" presetID="10" presetClass="entr" presetSubtype="0" fill="hold" nodeType="withEffect">
                                   <p:stCondLst>
                                     <p:cond delay="0"/>
                                   </p:stCondLst>
                                   <p:childTnLst>
                                     <p:set>
                                       <p:cBhvr>
-                                        <p:cTn id="102" dur="1" fill="hold">
+                                        <p:cTn id="105" dur="1" fill="hold">
                                           <p:stCondLst>
                                             <p:cond delay="0"/>
                                           </p:stCondLst>
@@ -14168,7 +16694,7 @@
                                     </p:set>
                                     <p:animEffect transition="in" filter="fade">
                                       <p:cBhvr>
-                                        <p:cTn id="103" dur="500"/>
+                                        <p:cTn id="106" dur="500"/>
                                         <p:tgtEl>
                                           <p:spTgt spid="47"/>
                                         </p:tgtEl>
@@ -14184,26 +16710,26 @@
                     </p:cTn>
                   </p:par>
                   <p:par>
-                    <p:cTn id="104" fill="hold">
+                    <p:cTn id="107" fill="hold">
                       <p:stCondLst>
                         <p:cond delay="indefinite"/>
                       </p:stCondLst>
                       <p:childTnLst>
                         <p:par>
-                          <p:cTn id="105" fill="hold">
+                          <p:cTn id="108" fill="hold">
                             <p:stCondLst>
                               <p:cond delay="0"/>
                             </p:stCondLst>
                             <p:childTnLst>
                               <p:par>
-                                <p:cTn id="106" presetID="10" presetClass="exit" presetSubtype="0" fill="hold" grpId="1" nodeType="clickEffect">
+                                <p:cTn id="109" presetID="10" presetClass="exit" presetSubtype="0" fill="hold" grpId="1" nodeType="clickEffect">
                                   <p:stCondLst>
                                     <p:cond delay="0"/>
                                   </p:stCondLst>
                                   <p:childTnLst>
                                     <p:animEffect transition="out" filter="fade">
                                       <p:cBhvr>
-                                        <p:cTn id="107" dur="500"/>
+                                        <p:cTn id="110" dur="500"/>
                                         <p:tgtEl>
                                           <p:spTgt spid="9"/>
                                         </p:tgtEl>
@@ -14211,7 +16737,7 @@
                                     </p:animEffect>
                                     <p:set>
                                       <p:cBhvr>
-                                        <p:cTn id="108" dur="1" fill="hold">
+                                        <p:cTn id="111" dur="1" fill="hold">
                                           <p:stCondLst>
                                             <p:cond delay="499"/>
                                           </p:stCondLst>
@@ -14231,42 +16757,7 @@
                                 </p:cTn>
                               </p:par>
                               <p:par>
-                                <p:cTn id="109" presetID="10" presetClass="exit" presetSubtype="0" fill="hold" grpId="1" nodeType="withEffect">
-                                  <p:stCondLst>
-                                    <p:cond delay="0"/>
-                                  </p:stCondLst>
-                                  <p:childTnLst>
-                                    <p:animEffect transition="out" filter="fade">
-                                      <p:cBhvr>
-                                        <p:cTn id="110" dur="500"/>
-                                        <p:tgtEl>
-                                          <p:spTgt spid="10"/>
-                                        </p:tgtEl>
-                                      </p:cBhvr>
-                                    </p:animEffect>
-                                    <p:set>
-                                      <p:cBhvr>
-                                        <p:cTn id="111" dur="1" fill="hold">
-                                          <p:stCondLst>
-                                            <p:cond delay="499"/>
-                                          </p:stCondLst>
-                                        </p:cTn>
-                                        <p:tgtEl>
-                                          <p:spTgt spid="10"/>
-                                        </p:tgtEl>
-                                        <p:attrNameLst>
-                                          <p:attrName>style.visibility</p:attrName>
-                                        </p:attrNameLst>
-                                      </p:cBhvr>
-                                      <p:to>
-                                        <p:strVal val="hidden"/>
-                                      </p:to>
-                                    </p:set>
-                                  </p:childTnLst>
-                                </p:cTn>
-                              </p:par>
-                              <p:par>
-                                <p:cTn id="112" presetID="10" presetClass="exit" presetSubtype="0" fill="hold" nodeType="withEffect">
+                                <p:cTn id="112" presetID="10" presetClass="exit" presetSubtype="0" fill="hold" grpId="1" nodeType="withEffect">
                                   <p:stCondLst>
                                     <p:cond delay="0"/>
                                   </p:stCondLst>
@@ -14275,7 +16766,7 @@
                                       <p:cBhvr>
                                         <p:cTn id="113" dur="500"/>
                                         <p:tgtEl>
-                                          <p:spTgt spid="55"/>
+                                          <p:spTgt spid="10"/>
                                         </p:tgtEl>
                                       </p:cBhvr>
                                     </p:animEffect>
@@ -14287,7 +16778,7 @@
                                           </p:stCondLst>
                                         </p:cTn>
                                         <p:tgtEl>
-                                          <p:spTgt spid="55"/>
+                                          <p:spTgt spid="10"/>
                                         </p:tgtEl>
                                         <p:attrNameLst>
                                           <p:attrName>style.visibility</p:attrName>
@@ -14310,7 +16801,7 @@
                                       <p:cBhvr>
                                         <p:cTn id="116" dur="500"/>
                                         <p:tgtEl>
-                                          <p:spTgt spid="53"/>
+                                          <p:spTgt spid="55"/>
                                         </p:tgtEl>
                                       </p:cBhvr>
                                     </p:animEffect>
@@ -14322,7 +16813,7 @@
                                           </p:stCondLst>
                                         </p:cTn>
                                         <p:tgtEl>
-                                          <p:spTgt spid="53"/>
+                                          <p:spTgt spid="55"/>
                                         </p:tgtEl>
                                         <p:attrNameLst>
                                           <p:attrName>style.visibility</p:attrName>
@@ -14345,7 +16836,7 @@
                                       <p:cBhvr>
                                         <p:cTn id="119" dur="500"/>
                                         <p:tgtEl>
-                                          <p:spTgt spid="51"/>
+                                          <p:spTgt spid="53"/>
                                         </p:tgtEl>
                                       </p:cBhvr>
                                     </p:animEffect>
@@ -14357,7 +16848,7 @@
                                           </p:stCondLst>
                                         </p:cTn>
                                         <p:tgtEl>
-                                          <p:spTgt spid="51"/>
+                                          <p:spTgt spid="53"/>
                                         </p:tgtEl>
                                         <p:attrNameLst>
                                           <p:attrName>style.visibility</p:attrName>
@@ -14380,7 +16871,7 @@
                                       <p:cBhvr>
                                         <p:cTn id="122" dur="500"/>
                                         <p:tgtEl>
-                                          <p:spTgt spid="32"/>
+                                          <p:spTgt spid="51"/>
                                         </p:tgtEl>
                                       </p:cBhvr>
                                     </p:animEffect>
@@ -14392,7 +16883,7 @@
                                           </p:stCondLst>
                                         </p:cTn>
                                         <p:tgtEl>
-                                          <p:spTgt spid="32"/>
+                                          <p:spTgt spid="51"/>
                                         </p:tgtEl>
                                         <p:attrNameLst>
                                           <p:attrName>style.visibility</p:attrName>
@@ -14415,13 +16906,48 @@
                                       <p:cBhvr>
                                         <p:cTn id="125" dur="500"/>
                                         <p:tgtEl>
+                                          <p:spTgt spid="32"/>
+                                        </p:tgtEl>
+                                      </p:cBhvr>
+                                    </p:animEffect>
+                                    <p:set>
+                                      <p:cBhvr>
+                                        <p:cTn id="126" dur="1" fill="hold">
+                                          <p:stCondLst>
+                                            <p:cond delay="499"/>
+                                          </p:stCondLst>
+                                        </p:cTn>
+                                        <p:tgtEl>
+                                          <p:spTgt spid="32"/>
+                                        </p:tgtEl>
+                                        <p:attrNameLst>
+                                          <p:attrName>style.visibility</p:attrName>
+                                        </p:attrNameLst>
+                                      </p:cBhvr>
+                                      <p:to>
+                                        <p:strVal val="hidden"/>
+                                      </p:to>
+                                    </p:set>
+                                  </p:childTnLst>
+                                </p:cTn>
+                              </p:par>
+                              <p:par>
+                                <p:cTn id="127" presetID="10" presetClass="exit" presetSubtype="0" fill="hold" nodeType="withEffect">
+                                  <p:stCondLst>
+                                    <p:cond delay="0"/>
+                                  </p:stCondLst>
+                                  <p:childTnLst>
+                                    <p:animEffect transition="out" filter="fade">
+                                      <p:cBhvr>
+                                        <p:cTn id="128" dur="500"/>
+                                        <p:tgtEl>
                                           <p:spTgt spid="43"/>
                                         </p:tgtEl>
                                       </p:cBhvr>
                                     </p:animEffect>
                                     <p:set>
                                       <p:cBhvr>
-                                        <p:cTn id="126" dur="1" fill="hold">
+                                        <p:cTn id="129" dur="1" fill="hold">
                                           <p:stCondLst>
                                             <p:cond delay="499"/>
                                           </p:stCondLst>
@@ -14441,42 +16967,7 @@
                                 </p:cTn>
                               </p:par>
                               <p:par>
-                                <p:cTn id="127" presetID="10" presetClass="exit" presetSubtype="0" fill="hold" grpId="1" nodeType="withEffect">
-                                  <p:stCondLst>
-                                    <p:cond delay="0"/>
-                                  </p:stCondLst>
-                                  <p:childTnLst>
-                                    <p:animEffect transition="out" filter="fade">
-                                      <p:cBhvr>
-                                        <p:cTn id="128" dur="500"/>
-                                        <p:tgtEl>
-                                          <p:spTgt spid="19"/>
-                                        </p:tgtEl>
-                                      </p:cBhvr>
-                                    </p:animEffect>
-                                    <p:set>
-                                      <p:cBhvr>
-                                        <p:cTn id="129" dur="1" fill="hold">
-                                          <p:stCondLst>
-                                            <p:cond delay="499"/>
-                                          </p:stCondLst>
-                                        </p:cTn>
-                                        <p:tgtEl>
-                                          <p:spTgt spid="19"/>
-                                        </p:tgtEl>
-                                        <p:attrNameLst>
-                                          <p:attrName>style.visibility</p:attrName>
-                                        </p:attrNameLst>
-                                      </p:cBhvr>
-                                      <p:to>
-                                        <p:strVal val="hidden"/>
-                                      </p:to>
-                                    </p:set>
-                                  </p:childTnLst>
-                                </p:cTn>
-                              </p:par>
-                              <p:par>
-                                <p:cTn id="130" presetID="10" presetClass="exit" presetSubtype="0" fill="hold" nodeType="withEffect">
+                                <p:cTn id="130" presetID="10" presetClass="exit" presetSubtype="0" fill="hold" grpId="1" nodeType="withEffect">
                                   <p:stCondLst>
                                     <p:cond delay="0"/>
                                   </p:stCondLst>
@@ -14485,7 +16976,7 @@
                                       <p:cBhvr>
                                         <p:cTn id="131" dur="500"/>
                                         <p:tgtEl>
-                                          <p:spTgt spid="45"/>
+                                          <p:spTgt spid="19"/>
                                         </p:tgtEl>
                                       </p:cBhvr>
                                     </p:animEffect>
@@ -14497,7 +16988,7 @@
                                           </p:stCondLst>
                                         </p:cTn>
                                         <p:tgtEl>
-                                          <p:spTgt spid="45"/>
+                                          <p:spTgt spid="19"/>
                                         </p:tgtEl>
                                         <p:attrNameLst>
                                           <p:attrName>style.visibility</p:attrName>
@@ -14520,7 +17011,7 @@
                                       <p:cBhvr>
                                         <p:cTn id="134" dur="500"/>
                                         <p:tgtEl>
-                                          <p:spTgt spid="41"/>
+                                          <p:spTgt spid="45"/>
                                         </p:tgtEl>
                                       </p:cBhvr>
                                     </p:animEffect>
@@ -14532,7 +17023,7 @@
                                           </p:stCondLst>
                                         </p:cTn>
                                         <p:tgtEl>
-                                          <p:spTgt spid="41"/>
+                                          <p:spTgt spid="45"/>
                                         </p:tgtEl>
                                         <p:attrNameLst>
                                           <p:attrName>style.visibility</p:attrName>
@@ -14546,7 +17037,7 @@
                                 </p:cTn>
                               </p:par>
                               <p:par>
-                                <p:cTn id="136" presetID="10" presetClass="exit" presetSubtype="0" fill="hold" grpId="1" nodeType="withEffect">
+                                <p:cTn id="136" presetID="10" presetClass="exit" presetSubtype="0" fill="hold" nodeType="withEffect">
                                   <p:stCondLst>
                                     <p:cond delay="0"/>
                                   </p:stCondLst>
@@ -14555,7 +17046,7 @@
                                       <p:cBhvr>
                                         <p:cTn id="137" dur="500"/>
                                         <p:tgtEl>
-                                          <p:spTgt spid="15"/>
+                                          <p:spTgt spid="41"/>
                                         </p:tgtEl>
                                       </p:cBhvr>
                                     </p:animEffect>
@@ -14567,7 +17058,7 @@
                                           </p:stCondLst>
                                         </p:cTn>
                                         <p:tgtEl>
-                                          <p:spTgt spid="15"/>
+                                          <p:spTgt spid="41"/>
                                         </p:tgtEl>
                                         <p:attrNameLst>
                                           <p:attrName>style.visibility</p:attrName>
@@ -14590,7 +17081,7 @@
                                       <p:cBhvr>
                                         <p:cTn id="140" dur="500"/>
                                         <p:tgtEl>
-                                          <p:spTgt spid="16"/>
+                                          <p:spTgt spid="15"/>
                                         </p:tgtEl>
                                       </p:cBhvr>
                                     </p:animEffect>
@@ -14602,7 +17093,7 @@
                                           </p:stCondLst>
                                         </p:cTn>
                                         <p:tgtEl>
-                                          <p:spTgt spid="16"/>
+                                          <p:spTgt spid="15"/>
                                         </p:tgtEl>
                                         <p:attrNameLst>
                                           <p:attrName>style.visibility</p:attrName>
@@ -14616,7 +17107,7 @@
                                 </p:cTn>
                               </p:par>
                               <p:par>
-                                <p:cTn id="142" presetID="10" presetClass="exit" presetSubtype="0" fill="hold" nodeType="withEffect">
+                                <p:cTn id="142" presetID="10" presetClass="exit" presetSubtype="0" fill="hold" grpId="1" nodeType="withEffect">
                                   <p:stCondLst>
                                     <p:cond delay="0"/>
                                   </p:stCondLst>
@@ -14625,7 +17116,7 @@
                                       <p:cBhvr>
                                         <p:cTn id="143" dur="500"/>
                                         <p:tgtEl>
-                                          <p:spTgt spid="4"/>
+                                          <p:spTgt spid="16"/>
                                         </p:tgtEl>
                                       </p:cBhvr>
                                     </p:animEffect>
@@ -14637,7 +17128,7 @@
                                           </p:stCondLst>
                                         </p:cTn>
                                         <p:tgtEl>
-                                          <p:spTgt spid="4"/>
+                                          <p:spTgt spid="16"/>
                                         </p:tgtEl>
                                         <p:attrNameLst>
                                           <p:attrName>style.visibility</p:attrName>
@@ -14660,7 +17151,7 @@
                                       <p:cBhvr>
                                         <p:cTn id="146" dur="500"/>
                                         <p:tgtEl>
-                                          <p:spTgt spid="21"/>
+                                          <p:spTgt spid="4"/>
                                         </p:tgtEl>
                                       </p:cBhvr>
                                     </p:animEffect>
@@ -14672,7 +17163,7 @@
                                           </p:stCondLst>
                                         </p:cTn>
                                         <p:tgtEl>
-                                          <p:spTgt spid="21"/>
+                                          <p:spTgt spid="4"/>
                                         </p:tgtEl>
                                         <p:attrNameLst>
                                           <p:attrName>style.visibility</p:attrName>
@@ -14686,7 +17177,7 @@
                                 </p:cTn>
                               </p:par>
                               <p:par>
-                                <p:cTn id="148" presetID="10" presetClass="exit" presetSubtype="0" fill="hold" grpId="1" nodeType="withEffect">
+                                <p:cTn id="148" presetID="10" presetClass="exit" presetSubtype="0" fill="hold" nodeType="withEffect">
                                   <p:stCondLst>
                                     <p:cond delay="0"/>
                                   </p:stCondLst>
@@ -14695,7 +17186,7 @@
                                       <p:cBhvr>
                                         <p:cTn id="149" dur="500"/>
                                         <p:tgtEl>
-                                          <p:spTgt spid="12"/>
+                                          <p:spTgt spid="21"/>
                                         </p:tgtEl>
                                       </p:cBhvr>
                                     </p:animEffect>
@@ -14707,7 +17198,7 @@
                                           </p:stCondLst>
                                         </p:cTn>
                                         <p:tgtEl>
-                                          <p:spTgt spid="12"/>
+                                          <p:spTgt spid="21"/>
                                         </p:tgtEl>
                                         <p:attrNameLst>
                                           <p:attrName>style.visibility</p:attrName>
@@ -14730,7 +17221,7 @@
                                       <p:cBhvr>
                                         <p:cTn id="152" dur="500"/>
                                         <p:tgtEl>
-                                          <p:spTgt spid="13"/>
+                                          <p:spTgt spid="12"/>
                                         </p:tgtEl>
                                       </p:cBhvr>
                                     </p:animEffect>
@@ -14742,7 +17233,7 @@
                                           </p:stCondLst>
                                         </p:cTn>
                                         <p:tgtEl>
-                                          <p:spTgt spid="13"/>
+                                          <p:spTgt spid="12"/>
                                         </p:tgtEl>
                                         <p:attrNameLst>
                                           <p:attrName>style.visibility</p:attrName>
@@ -14756,7 +17247,7 @@
                                 </p:cTn>
                               </p:par>
                               <p:par>
-                                <p:cTn id="154" presetID="10" presetClass="exit" presetSubtype="0" fill="hold" nodeType="withEffect">
+                                <p:cTn id="154" presetID="10" presetClass="exit" presetSubtype="0" fill="hold" grpId="1" nodeType="withEffect">
                                   <p:stCondLst>
                                     <p:cond delay="0"/>
                                   </p:stCondLst>
@@ -14765,7 +17256,7 @@
                                       <p:cBhvr>
                                         <p:cTn id="155" dur="500"/>
                                         <p:tgtEl>
-                                          <p:spTgt spid="25"/>
+                                          <p:spTgt spid="13"/>
                                         </p:tgtEl>
                                       </p:cBhvr>
                                     </p:animEffect>
@@ -14777,7 +17268,7 @@
                                           </p:stCondLst>
                                         </p:cTn>
                                         <p:tgtEl>
-                                          <p:spTgt spid="25"/>
+                                          <p:spTgt spid="13"/>
                                         </p:tgtEl>
                                         <p:attrNameLst>
                                           <p:attrName>style.visibility</p:attrName>
@@ -14800,13 +17291,48 @@
                                       <p:cBhvr>
                                         <p:cTn id="158" dur="500"/>
                                         <p:tgtEl>
+                                          <p:spTgt spid="25"/>
+                                        </p:tgtEl>
+                                      </p:cBhvr>
+                                    </p:animEffect>
+                                    <p:set>
+                                      <p:cBhvr>
+                                        <p:cTn id="159" dur="1" fill="hold">
+                                          <p:stCondLst>
+                                            <p:cond delay="499"/>
+                                          </p:stCondLst>
+                                        </p:cTn>
+                                        <p:tgtEl>
+                                          <p:spTgt spid="25"/>
+                                        </p:tgtEl>
+                                        <p:attrNameLst>
+                                          <p:attrName>style.visibility</p:attrName>
+                                        </p:attrNameLst>
+                                      </p:cBhvr>
+                                      <p:to>
+                                        <p:strVal val="hidden"/>
+                                      </p:to>
+                                    </p:set>
+                                  </p:childTnLst>
+                                </p:cTn>
+                              </p:par>
+                              <p:par>
+                                <p:cTn id="160" presetID="10" presetClass="exit" presetSubtype="0" fill="hold" nodeType="withEffect">
+                                  <p:stCondLst>
+                                    <p:cond delay="0"/>
+                                  </p:stCondLst>
+                                  <p:childTnLst>
+                                    <p:animEffect transition="out" filter="fade">
+                                      <p:cBhvr>
+                                        <p:cTn id="161" dur="500"/>
+                                        <p:tgtEl>
                                           <p:spTgt spid="27"/>
                                         </p:tgtEl>
                                       </p:cBhvr>
                                     </p:animEffect>
                                     <p:set>
                                       <p:cBhvr>
-                                        <p:cTn id="159" dur="1" fill="hold">
+                                        <p:cTn id="162" dur="1" fill="hold">
                                           <p:stCondLst>
                                             <p:cond delay="499"/>
                                           </p:stCondLst>
@@ -14826,42 +17352,7 @@
                                 </p:cTn>
                               </p:par>
                               <p:par>
-                                <p:cTn id="160" presetID="10" presetClass="exit" presetSubtype="0" fill="hold" grpId="1" nodeType="withEffect">
-                                  <p:stCondLst>
-                                    <p:cond delay="0"/>
-                                  </p:stCondLst>
-                                  <p:childTnLst>
-                                    <p:animEffect transition="out" filter="fade">
-                                      <p:cBhvr>
-                                        <p:cTn id="161" dur="500"/>
-                                        <p:tgtEl>
-                                          <p:spTgt spid="17"/>
-                                        </p:tgtEl>
-                                      </p:cBhvr>
-                                    </p:animEffect>
-                                    <p:set>
-                                      <p:cBhvr>
-                                        <p:cTn id="162" dur="1" fill="hold">
-                                          <p:stCondLst>
-                                            <p:cond delay="499"/>
-                                          </p:stCondLst>
-                                        </p:cTn>
-                                        <p:tgtEl>
-                                          <p:spTgt spid="17"/>
-                                        </p:tgtEl>
-                                        <p:attrNameLst>
-                                          <p:attrName>style.visibility</p:attrName>
-                                        </p:attrNameLst>
-                                      </p:cBhvr>
-                                      <p:to>
-                                        <p:strVal val="hidden"/>
-                                      </p:to>
-                                    </p:set>
-                                  </p:childTnLst>
-                                </p:cTn>
-                              </p:par>
-                              <p:par>
-                                <p:cTn id="163" presetID="10" presetClass="exit" presetSubtype="0" fill="hold" nodeType="withEffect">
+                                <p:cTn id="163" presetID="10" presetClass="exit" presetSubtype="0" fill="hold" grpId="1" nodeType="withEffect">
                                   <p:stCondLst>
                                     <p:cond delay="0"/>
                                   </p:stCondLst>
@@ -14870,7 +17361,7 @@
                                       <p:cBhvr>
                                         <p:cTn id="164" dur="500"/>
                                         <p:tgtEl>
-                                          <p:spTgt spid="49"/>
+                                          <p:spTgt spid="17"/>
                                         </p:tgtEl>
                                       </p:cBhvr>
                                     </p:animEffect>
@@ -14882,7 +17373,7 @@
                                           </p:stCondLst>
                                         </p:cTn>
                                         <p:tgtEl>
-                                          <p:spTgt spid="49"/>
+                                          <p:spTgt spid="17"/>
                                         </p:tgtEl>
                                         <p:attrNameLst>
                                           <p:attrName>style.visibility</p:attrName>
@@ -14905,13 +17396,48 @@
                                       <p:cBhvr>
                                         <p:cTn id="167" dur="500"/>
                                         <p:tgtEl>
+                                          <p:spTgt spid="49"/>
+                                        </p:tgtEl>
+                                      </p:cBhvr>
+                                    </p:animEffect>
+                                    <p:set>
+                                      <p:cBhvr>
+                                        <p:cTn id="168" dur="1" fill="hold">
+                                          <p:stCondLst>
+                                            <p:cond delay="499"/>
+                                          </p:stCondLst>
+                                        </p:cTn>
+                                        <p:tgtEl>
+                                          <p:spTgt spid="49"/>
+                                        </p:tgtEl>
+                                        <p:attrNameLst>
+                                          <p:attrName>style.visibility</p:attrName>
+                                        </p:attrNameLst>
+                                      </p:cBhvr>
+                                      <p:to>
+                                        <p:strVal val="hidden"/>
+                                      </p:to>
+                                    </p:set>
+                                  </p:childTnLst>
+                                </p:cTn>
+                              </p:par>
+                              <p:par>
+                                <p:cTn id="169" presetID="10" presetClass="exit" presetSubtype="0" fill="hold" nodeType="withEffect">
+                                  <p:stCondLst>
+                                    <p:cond delay="0"/>
+                                  </p:stCondLst>
+                                  <p:childTnLst>
+                                    <p:animEffect transition="out" filter="fade">
+                                      <p:cBhvr>
+                                        <p:cTn id="170" dur="500"/>
+                                        <p:tgtEl>
                                           <p:spTgt spid="47"/>
                                         </p:tgtEl>
                                       </p:cBhvr>
                                     </p:animEffect>
                                     <p:set>
                                       <p:cBhvr>
-                                        <p:cTn id="168" dur="1" fill="hold">
+                                        <p:cTn id="171" dur="1" fill="hold">
                                           <p:stCondLst>
                                             <p:cond delay="499"/>
                                           </p:stCondLst>
@@ -14931,42 +17457,7 @@
                                 </p:cTn>
                               </p:par>
                               <p:par>
-                                <p:cTn id="169" presetID="10" presetClass="exit" presetSubtype="0" fill="hold" grpId="0" nodeType="withEffect">
-                                  <p:stCondLst>
-                                    <p:cond delay="0"/>
-                                  </p:stCondLst>
-                                  <p:childTnLst>
-                                    <p:animEffect transition="out" filter="fade">
-                                      <p:cBhvr>
-                                        <p:cTn id="170" dur="500"/>
-                                        <p:tgtEl>
-                                          <p:spTgt spid="8"/>
-                                        </p:tgtEl>
-                                      </p:cBhvr>
-                                    </p:animEffect>
-                                    <p:set>
-                                      <p:cBhvr>
-                                        <p:cTn id="171" dur="1" fill="hold">
-                                          <p:stCondLst>
-                                            <p:cond delay="499"/>
-                                          </p:stCondLst>
-                                        </p:cTn>
-                                        <p:tgtEl>
-                                          <p:spTgt spid="8"/>
-                                        </p:tgtEl>
-                                        <p:attrNameLst>
-                                          <p:attrName>style.visibility</p:attrName>
-                                        </p:attrNameLst>
-                                      </p:cBhvr>
-                                      <p:to>
-                                        <p:strVal val="hidden"/>
-                                      </p:to>
-                                    </p:set>
-                                  </p:childTnLst>
-                                </p:cTn>
-                              </p:par>
-                              <p:par>
-                                <p:cTn id="172" presetID="10" presetClass="exit" presetSubtype="0" fill="hold" nodeType="withEffect">
+                                <p:cTn id="172" presetID="10" presetClass="exit" presetSubtype="0" fill="hold" grpId="0" nodeType="withEffect">
                                   <p:stCondLst>
                                     <p:cond delay="0"/>
                                   </p:stCondLst>
@@ -14975,7 +17466,7 @@
                                       <p:cBhvr>
                                         <p:cTn id="173" dur="500"/>
                                         <p:tgtEl>
-                                          <p:spTgt spid="56"/>
+                                          <p:spTgt spid="8"/>
                                         </p:tgtEl>
                                       </p:cBhvr>
                                     </p:animEffect>
@@ -14987,7 +17478,7 @@
                                           </p:stCondLst>
                                         </p:cTn>
                                         <p:tgtEl>
-                                          <p:spTgt spid="56"/>
+                                          <p:spTgt spid="8"/>
                                         </p:tgtEl>
                                         <p:attrNameLst>
                                           <p:attrName>style.visibility</p:attrName>
@@ -15010,13 +17501,48 @@
                                       <p:cBhvr>
                                         <p:cTn id="176" dur="500"/>
                                         <p:tgtEl>
+                                          <p:spTgt spid="56"/>
+                                        </p:tgtEl>
+                                      </p:cBhvr>
+                                    </p:animEffect>
+                                    <p:set>
+                                      <p:cBhvr>
+                                        <p:cTn id="177" dur="1" fill="hold">
+                                          <p:stCondLst>
+                                            <p:cond delay="499"/>
+                                          </p:stCondLst>
+                                        </p:cTn>
+                                        <p:tgtEl>
+                                          <p:spTgt spid="56"/>
+                                        </p:tgtEl>
+                                        <p:attrNameLst>
+                                          <p:attrName>style.visibility</p:attrName>
+                                        </p:attrNameLst>
+                                      </p:cBhvr>
+                                      <p:to>
+                                        <p:strVal val="hidden"/>
+                                      </p:to>
+                                    </p:set>
+                                  </p:childTnLst>
+                                </p:cTn>
+                              </p:par>
+                              <p:par>
+                                <p:cTn id="178" presetID="10" presetClass="exit" presetSubtype="0" fill="hold" nodeType="withEffect">
+                                  <p:stCondLst>
+                                    <p:cond delay="0"/>
+                                  </p:stCondLst>
+                                  <p:childTnLst>
+                                    <p:animEffect transition="out" filter="fade">
+                                      <p:cBhvr>
+                                        <p:cTn id="179" dur="500"/>
+                                        <p:tgtEl>
                                           <p:spTgt spid="29"/>
                                         </p:tgtEl>
                                       </p:cBhvr>
                                     </p:animEffect>
                                     <p:set>
                                       <p:cBhvr>
-                                        <p:cTn id="177" dur="1" fill="hold">
+                                        <p:cTn id="180" dur="1" fill="hold">
                                           <p:stCondLst>
                                             <p:cond delay="499"/>
                                           </p:stCondLst>
@@ -15470,11 +17996,7 @@
             </a:r>
             <a:r>
               <a:rPr lang="fr-FR" sz="2000" dirty="0" smtClean="0"/>
-              <a:t> </a:t>
-            </a:r>
-            <a:r>
-              <a:rPr lang="fr-FR" sz="2000" dirty="0" smtClean="0"/>
-              <a:t>for the client</a:t>
+              <a:t> for the client</a:t>
             </a:r>
           </a:p>
           <a:p>
@@ -15726,6 +18248,924 @@
 </file>
 
 <file path=ppt/slides/slide14.xml><?xml version="1.0" encoding="utf-8"?>
+<p:sld xmlns:a="http://schemas.openxmlformats.org/drawingml/2006/main" xmlns:r="http://schemas.openxmlformats.org/officeDocument/2006/relationships" xmlns:p="http://schemas.openxmlformats.org/presentationml/2006/main">
+  <p:cSld>
+    <p:spTree>
+      <p:nvGrpSpPr>
+        <p:cNvPr id="1" name=""/>
+        <p:cNvGrpSpPr/>
+        <p:nvPr/>
+      </p:nvGrpSpPr>
+      <p:grpSpPr>
+        <a:xfrm>
+          <a:off x="0" y="0"/>
+          <a:ext cx="0" cy="0"/>
+          <a:chOff x="0" y="0"/>
+          <a:chExt cx="0" cy="0"/>
+        </a:xfrm>
+      </p:grpSpPr>
+      <p:pic>
+        <p:nvPicPr>
+          <p:cNvPr id="6" name="Picture 5"/>
+          <p:cNvPicPr>
+            <a:picLocks noChangeAspect="1"/>
+          </p:cNvPicPr>
+          <p:nvPr/>
+        </p:nvPicPr>
+        <p:blipFill>
+          <a:blip r:embed="rId2">
+            <a:extLst>
+              <a:ext uri="{28A0092B-C50C-407E-A947-70E740481C1C}">
+                <a14:useLocalDpi xmlns:a14="http://schemas.microsoft.com/office/drawing/2010/main" val="0"/>
+              </a:ext>
+            </a:extLst>
+          </a:blip>
+          <a:stretch>
+            <a:fillRect/>
+          </a:stretch>
+        </p:blipFill>
+        <p:spPr>
+          <a:xfrm>
+            <a:off x="4942800" y="1796400"/>
+            <a:ext cx="4581751" cy="4964361"/>
+          </a:xfrm>
+          <a:prstGeom prst="rect">
+            <a:avLst/>
+          </a:prstGeom>
+        </p:spPr>
+      </p:pic>
+      <p:sp>
+        <p:nvSpPr>
+          <p:cNvPr id="2" name="Slide Number Placeholder 1"/>
+          <p:cNvSpPr>
+            <a:spLocks noGrp="1"/>
+          </p:cNvSpPr>
+          <p:nvPr>
+            <p:ph type="sldNum" sz="quarter" idx="4"/>
+          </p:nvPr>
+        </p:nvSpPr>
+        <p:spPr/>
+        <p:txBody>
+          <a:bodyPr/>
+          <a:lstStyle/>
+          <a:p>
+            <a:fld id="{813506F1-DB5F-4FC9-88BA-B486F30FE4BF}" type="slidenum">
+              <a:rPr lang="fr-FR" smtClean="0"/>
+              <a:pPr/>
+              <a:t>13</a:t>
+            </a:fld>
+            <a:endParaRPr lang="fr-FR" dirty="0"/>
+          </a:p>
+        </p:txBody>
+      </p:sp>
+      <p:sp>
+        <p:nvSpPr>
+          <p:cNvPr id="3" name="Title 1"/>
+          <p:cNvSpPr txBox="1">
+            <a:spLocks/>
+          </p:cNvSpPr>
+          <p:nvPr/>
+        </p:nvSpPr>
+        <p:spPr>
+          <a:xfrm>
+            <a:off x="648394" y="2101646"/>
+            <a:ext cx="4041593" cy="733833"/>
+          </a:xfrm>
+          <a:prstGeom prst="rect">
+            <a:avLst/>
+          </a:prstGeom>
+        </p:spPr>
+        <p:txBody>
+          <a:bodyPr/>
+          <a:lstStyle>
+            <a:lvl1pPr algn="l" defTabSz="914400" rtl="0" eaLnBrk="1" latinLnBrk="0" hangingPunct="1">
+              <a:lnSpc>
+                <a:spcPct val="90000"/>
+              </a:lnSpc>
+              <a:spcBef>
+                <a:spcPct val="0"/>
+              </a:spcBef>
+              <a:buNone/>
+              <a:defRPr sz="4400" kern="1200">
+                <a:solidFill>
+                  <a:schemeClr val="tx1"/>
+                </a:solidFill>
+                <a:latin typeface="+mj-lt"/>
+                <a:ea typeface="+mj-ea"/>
+                <a:cs typeface="+mj-cs"/>
+              </a:defRPr>
+            </a:lvl1pPr>
+          </a:lstStyle>
+          <a:p>
+            <a:r>
+              <a:rPr lang="fr-FR" dirty="0" smtClean="0"/>
+              <a:t>App – Gene </a:t>
+            </a:r>
+            <a:r>
+              <a:rPr lang="fr-FR" dirty="0" err="1" smtClean="0"/>
+              <a:t>list</a:t>
+            </a:r>
+            <a:r>
+              <a:rPr lang="fr-FR" dirty="0" smtClean="0"/>
+              <a:t> </a:t>
+            </a:r>
+            <a:endParaRPr lang="fr-FR" dirty="0"/>
+          </a:p>
+        </p:txBody>
+      </p:sp>
+      <p:sp>
+        <p:nvSpPr>
+          <p:cNvPr id="5" name="Content Placeholder 2"/>
+          <p:cNvSpPr txBox="1">
+            <a:spLocks/>
+          </p:cNvSpPr>
+          <p:nvPr/>
+        </p:nvSpPr>
+        <p:spPr>
+          <a:xfrm>
+            <a:off x="1236684" y="2835479"/>
+            <a:ext cx="3611541" cy="3765346"/>
+          </a:xfrm>
+          <a:prstGeom prst="rect">
+            <a:avLst/>
+          </a:prstGeom>
+        </p:spPr>
+        <p:txBody>
+          <a:bodyPr>
+            <a:normAutofit/>
+          </a:bodyPr>
+          <a:lstStyle>
+            <a:lvl1pPr marL="228600" indent="-228600" algn="l" defTabSz="914400" rtl="0" eaLnBrk="1" latinLnBrk="0" hangingPunct="1">
+              <a:lnSpc>
+                <a:spcPct val="90000"/>
+              </a:lnSpc>
+              <a:spcBef>
+                <a:spcPts val="1000"/>
+              </a:spcBef>
+              <a:buFont typeface="Arial" panose="020B0604020202020204" pitchFamily="34" charset="0"/>
+              <a:buChar char="•"/>
+              <a:defRPr sz="2800" kern="1200">
+                <a:solidFill>
+                  <a:schemeClr val="tx1"/>
+                </a:solidFill>
+                <a:latin typeface="+mn-lt"/>
+                <a:ea typeface="+mn-ea"/>
+                <a:cs typeface="+mn-cs"/>
+              </a:defRPr>
+            </a:lvl1pPr>
+            <a:lvl2pPr marL="685800" indent="-228600" algn="l" defTabSz="914400" rtl="0" eaLnBrk="1" latinLnBrk="0" hangingPunct="1">
+              <a:lnSpc>
+                <a:spcPct val="90000"/>
+              </a:lnSpc>
+              <a:spcBef>
+                <a:spcPts val="500"/>
+              </a:spcBef>
+              <a:buFont typeface="Arial" panose="020B0604020202020204" pitchFamily="34" charset="0"/>
+              <a:buChar char="•"/>
+              <a:defRPr sz="2400" kern="1200">
+                <a:solidFill>
+                  <a:schemeClr val="tx1"/>
+                </a:solidFill>
+                <a:latin typeface="+mn-lt"/>
+                <a:ea typeface="+mn-ea"/>
+                <a:cs typeface="+mn-cs"/>
+              </a:defRPr>
+            </a:lvl2pPr>
+            <a:lvl3pPr marL="1143000" indent="-228600" algn="l" defTabSz="914400" rtl="0" eaLnBrk="1" latinLnBrk="0" hangingPunct="1">
+              <a:lnSpc>
+                <a:spcPct val="90000"/>
+              </a:lnSpc>
+              <a:spcBef>
+                <a:spcPts val="500"/>
+              </a:spcBef>
+              <a:buFont typeface="Arial" panose="020B0604020202020204" pitchFamily="34" charset="0"/>
+              <a:buChar char="•"/>
+              <a:defRPr sz="2000" kern="1200">
+                <a:solidFill>
+                  <a:schemeClr val="tx1"/>
+                </a:solidFill>
+                <a:latin typeface="+mn-lt"/>
+                <a:ea typeface="+mn-ea"/>
+                <a:cs typeface="+mn-cs"/>
+              </a:defRPr>
+            </a:lvl3pPr>
+            <a:lvl4pPr marL="1600200" indent="-228600" algn="l" defTabSz="914400" rtl="0" eaLnBrk="1" latinLnBrk="0" hangingPunct="1">
+              <a:lnSpc>
+                <a:spcPct val="90000"/>
+              </a:lnSpc>
+              <a:spcBef>
+                <a:spcPts val="500"/>
+              </a:spcBef>
+              <a:buFont typeface="Arial" panose="020B0604020202020204" pitchFamily="34" charset="0"/>
+              <a:buChar char="•"/>
+              <a:defRPr sz="1800" kern="1200">
+                <a:solidFill>
+                  <a:schemeClr val="tx1"/>
+                </a:solidFill>
+                <a:latin typeface="+mn-lt"/>
+                <a:ea typeface="+mn-ea"/>
+                <a:cs typeface="+mn-cs"/>
+              </a:defRPr>
+            </a:lvl4pPr>
+            <a:lvl5pPr marL="2057400" indent="-228600" algn="l" defTabSz="914400" rtl="0" eaLnBrk="1" latinLnBrk="0" hangingPunct="1">
+              <a:lnSpc>
+                <a:spcPct val="90000"/>
+              </a:lnSpc>
+              <a:spcBef>
+                <a:spcPts val="500"/>
+              </a:spcBef>
+              <a:buFont typeface="Arial" panose="020B0604020202020204" pitchFamily="34" charset="0"/>
+              <a:buChar char="•"/>
+              <a:defRPr sz="1800" kern="1200">
+                <a:solidFill>
+                  <a:schemeClr val="tx1"/>
+                </a:solidFill>
+                <a:latin typeface="+mn-lt"/>
+                <a:ea typeface="+mn-ea"/>
+                <a:cs typeface="+mn-cs"/>
+              </a:defRPr>
+            </a:lvl5pPr>
+            <a:lvl6pPr marL="2514600" indent="-228600" algn="l" defTabSz="914400" rtl="0" eaLnBrk="1" latinLnBrk="0" hangingPunct="1">
+              <a:lnSpc>
+                <a:spcPct val="90000"/>
+              </a:lnSpc>
+              <a:spcBef>
+                <a:spcPts val="500"/>
+              </a:spcBef>
+              <a:buFont typeface="Arial" panose="020B0604020202020204" pitchFamily="34" charset="0"/>
+              <a:buChar char="•"/>
+              <a:defRPr sz="1800" kern="1200">
+                <a:solidFill>
+                  <a:schemeClr val="tx1"/>
+                </a:solidFill>
+                <a:latin typeface="+mn-lt"/>
+                <a:ea typeface="+mn-ea"/>
+                <a:cs typeface="+mn-cs"/>
+              </a:defRPr>
+            </a:lvl6pPr>
+            <a:lvl7pPr marL="2971800" indent="-228600" algn="l" defTabSz="914400" rtl="0" eaLnBrk="1" latinLnBrk="0" hangingPunct="1">
+              <a:lnSpc>
+                <a:spcPct val="90000"/>
+              </a:lnSpc>
+              <a:spcBef>
+                <a:spcPts val="500"/>
+              </a:spcBef>
+              <a:buFont typeface="Arial" panose="020B0604020202020204" pitchFamily="34" charset="0"/>
+              <a:buChar char="•"/>
+              <a:defRPr sz="1800" kern="1200">
+                <a:solidFill>
+                  <a:schemeClr val="tx1"/>
+                </a:solidFill>
+                <a:latin typeface="+mn-lt"/>
+                <a:ea typeface="+mn-ea"/>
+                <a:cs typeface="+mn-cs"/>
+              </a:defRPr>
+            </a:lvl7pPr>
+            <a:lvl8pPr marL="3429000" indent="-228600" algn="l" defTabSz="914400" rtl="0" eaLnBrk="1" latinLnBrk="0" hangingPunct="1">
+              <a:lnSpc>
+                <a:spcPct val="90000"/>
+              </a:lnSpc>
+              <a:spcBef>
+                <a:spcPts val="500"/>
+              </a:spcBef>
+              <a:buFont typeface="Arial" panose="020B0604020202020204" pitchFamily="34" charset="0"/>
+              <a:buChar char="•"/>
+              <a:defRPr sz="1800" kern="1200">
+                <a:solidFill>
+                  <a:schemeClr val="tx1"/>
+                </a:solidFill>
+                <a:latin typeface="+mn-lt"/>
+                <a:ea typeface="+mn-ea"/>
+                <a:cs typeface="+mn-cs"/>
+              </a:defRPr>
+            </a:lvl8pPr>
+            <a:lvl9pPr marL="3886200" indent="-228600" algn="l" defTabSz="914400" rtl="0" eaLnBrk="1" latinLnBrk="0" hangingPunct="1">
+              <a:lnSpc>
+                <a:spcPct val="90000"/>
+              </a:lnSpc>
+              <a:spcBef>
+                <a:spcPts val="500"/>
+              </a:spcBef>
+              <a:buFont typeface="Arial" panose="020B0604020202020204" pitchFamily="34" charset="0"/>
+              <a:buChar char="•"/>
+              <a:defRPr sz="1800" kern="1200">
+                <a:solidFill>
+                  <a:schemeClr val="tx1"/>
+                </a:solidFill>
+                <a:latin typeface="+mn-lt"/>
+                <a:ea typeface="+mn-ea"/>
+                <a:cs typeface="+mn-cs"/>
+              </a:defRPr>
+            </a:lvl9pPr>
+          </a:lstStyle>
+          <a:p>
+            <a:pPr algn="just"/>
+            <a:r>
+              <a:rPr lang="fr-FR" sz="2000" dirty="0" err="1" smtClean="0"/>
+              <a:t>Easy</a:t>
+            </a:r>
+            <a:r>
+              <a:rPr lang="fr-FR" sz="2000" dirty="0" smtClean="0"/>
+              <a:t> to use</a:t>
+            </a:r>
+          </a:p>
+          <a:p>
+            <a:pPr algn="just"/>
+            <a:endParaRPr lang="fr-FR" sz="2000" dirty="0" smtClean="0"/>
+          </a:p>
+          <a:p>
+            <a:pPr algn="just"/>
+            <a:r>
+              <a:rPr lang="fr-FR" sz="2000" dirty="0" smtClean="0"/>
+              <a:t>Confirmation table</a:t>
+            </a:r>
+          </a:p>
+          <a:p>
+            <a:pPr algn="just"/>
+            <a:endParaRPr lang="fr-FR" sz="2000" dirty="0"/>
+          </a:p>
+          <a:p>
+            <a:pPr algn="just"/>
+            <a:r>
+              <a:rPr lang="fr-FR" sz="2000" dirty="0" err="1" smtClean="0"/>
+              <a:t>Enables</a:t>
+            </a:r>
+            <a:r>
+              <a:rPr lang="fr-FR" sz="2000" dirty="0" smtClean="0"/>
+              <a:t> KEGG </a:t>
+            </a:r>
+            <a:r>
+              <a:rPr lang="fr-FR" sz="2000" dirty="0" smtClean="0"/>
+              <a:t>Mapper</a:t>
+            </a:r>
+            <a:endParaRPr lang="fr-FR" sz="2000" dirty="0" smtClean="0"/>
+          </a:p>
+          <a:p>
+            <a:pPr algn="just"/>
+            <a:endParaRPr lang="fr-FR" sz="2000" dirty="0" smtClean="0"/>
+          </a:p>
+          <a:p>
+            <a:pPr marL="0" indent="0" algn="just">
+              <a:buNone/>
+            </a:pPr>
+            <a:endParaRPr lang="fr-FR" sz="2000" dirty="0" smtClean="0"/>
+          </a:p>
+          <a:p>
+            <a:pPr marL="0" indent="0" algn="just">
+              <a:buNone/>
+            </a:pPr>
+            <a:r>
+              <a:rPr lang="fr-FR" sz="2000" dirty="0" smtClean="0"/>
+              <a:t>	</a:t>
+            </a:r>
+          </a:p>
+          <a:p>
+            <a:pPr marL="0" indent="0" algn="just">
+              <a:buNone/>
+            </a:pPr>
+            <a:endParaRPr lang="fr-FR" sz="2000" dirty="0"/>
+          </a:p>
+          <a:p>
+            <a:pPr marL="0" indent="0" algn="just">
+              <a:buFont typeface="Arial" panose="020B0604020202020204" pitchFamily="34" charset="0"/>
+              <a:buNone/>
+            </a:pPr>
+            <a:endParaRPr lang="fr-FR" sz="2000" dirty="0"/>
+          </a:p>
+        </p:txBody>
+      </p:sp>
+      <p:sp>
+        <p:nvSpPr>
+          <p:cNvPr id="8" name="Rectangle 7"/>
+          <p:cNvSpPr/>
+          <p:nvPr/>
+        </p:nvSpPr>
+        <p:spPr>
+          <a:xfrm>
+            <a:off x="4971256" y="2835479"/>
+            <a:ext cx="1045369" cy="186531"/>
+          </a:xfrm>
+          <a:prstGeom prst="rect">
+            <a:avLst/>
+          </a:prstGeom>
+          <a:noFill/>
+          <a:ln w="57150">
+            <a:solidFill>
+              <a:srgbClr val="FF0000"/>
+            </a:solidFill>
+          </a:ln>
+        </p:spPr>
+        <p:style>
+          <a:lnRef idx="2">
+            <a:schemeClr val="accent1">
+              <a:shade val="50000"/>
+            </a:schemeClr>
+          </a:lnRef>
+          <a:fillRef idx="1">
+            <a:schemeClr val="accent1"/>
+          </a:fillRef>
+          <a:effectRef idx="0">
+            <a:schemeClr val="accent1"/>
+          </a:effectRef>
+          <a:fontRef idx="minor">
+            <a:schemeClr val="lt1"/>
+          </a:fontRef>
+        </p:style>
+        <p:txBody>
+          <a:bodyPr rtlCol="0" anchor="ctr"/>
+          <a:lstStyle/>
+          <a:p>
+            <a:pPr algn="ctr"/>
+            <a:endParaRPr lang="en-CA"/>
+          </a:p>
+        </p:txBody>
+      </p:sp>
+      <p:sp>
+        <p:nvSpPr>
+          <p:cNvPr id="13" name="Rectangle 12"/>
+          <p:cNvSpPr/>
+          <p:nvPr/>
+        </p:nvSpPr>
+        <p:spPr>
+          <a:xfrm>
+            <a:off x="9619126" y="1815107"/>
+            <a:ext cx="2119403" cy="822121"/>
+          </a:xfrm>
+          <a:prstGeom prst="rect">
+            <a:avLst/>
+          </a:prstGeom>
+          <a:noFill/>
+          <a:ln w="28575">
+            <a:solidFill>
+              <a:schemeClr val="tx1"/>
+            </a:solidFill>
+          </a:ln>
+        </p:spPr>
+        <p:style>
+          <a:lnRef idx="2">
+            <a:schemeClr val="accent1">
+              <a:shade val="50000"/>
+            </a:schemeClr>
+          </a:lnRef>
+          <a:fillRef idx="1">
+            <a:schemeClr val="accent1"/>
+          </a:fillRef>
+          <a:effectRef idx="0">
+            <a:schemeClr val="accent1"/>
+          </a:effectRef>
+          <a:fontRef idx="minor">
+            <a:schemeClr val="lt1"/>
+          </a:fontRef>
+        </p:style>
+        <p:txBody>
+          <a:bodyPr rtlCol="0" anchor="ctr"/>
+          <a:lstStyle/>
+          <a:p>
+            <a:pPr algn="ctr"/>
+            <a:r>
+              <a:rPr lang="en-CA" dirty="0" smtClean="0">
+                <a:solidFill>
+                  <a:schemeClr val="tx1"/>
+                </a:solidFill>
+              </a:rPr>
+              <a:t>Differential expressions for significant genes</a:t>
+            </a:r>
+            <a:endParaRPr lang="en-CA" dirty="0">
+              <a:solidFill>
+                <a:schemeClr val="tx1"/>
+              </a:solidFill>
+            </a:endParaRPr>
+          </a:p>
+        </p:txBody>
+      </p:sp>
+      <p:sp>
+        <p:nvSpPr>
+          <p:cNvPr id="14" name="Rectangle 13"/>
+          <p:cNvSpPr/>
+          <p:nvPr/>
+        </p:nvSpPr>
+        <p:spPr>
+          <a:xfrm>
+            <a:off x="9634545" y="2743237"/>
+            <a:ext cx="2113376" cy="528507"/>
+          </a:xfrm>
+          <a:prstGeom prst="rect">
+            <a:avLst/>
+          </a:prstGeom>
+          <a:noFill/>
+          <a:ln w="28575">
+            <a:solidFill>
+              <a:schemeClr val="tx1"/>
+            </a:solidFill>
+          </a:ln>
+        </p:spPr>
+        <p:style>
+          <a:lnRef idx="2">
+            <a:schemeClr val="accent1">
+              <a:shade val="50000"/>
+            </a:schemeClr>
+          </a:lnRef>
+          <a:fillRef idx="1">
+            <a:schemeClr val="accent1"/>
+          </a:fillRef>
+          <a:effectRef idx="0">
+            <a:schemeClr val="accent1"/>
+          </a:effectRef>
+          <a:fontRef idx="minor">
+            <a:schemeClr val="lt1"/>
+          </a:fontRef>
+        </p:style>
+        <p:txBody>
+          <a:bodyPr rtlCol="0" anchor="ctr"/>
+          <a:lstStyle/>
+          <a:p>
+            <a:pPr algn="ctr"/>
+            <a:r>
+              <a:rPr lang="en-CA" dirty="0" smtClean="0">
+                <a:solidFill>
+                  <a:schemeClr val="tx1"/>
+                </a:solidFill>
+              </a:rPr>
+              <a:t>Significant gene list</a:t>
+            </a:r>
+            <a:endParaRPr lang="en-CA" dirty="0">
+              <a:solidFill>
+                <a:schemeClr val="tx1"/>
+              </a:solidFill>
+            </a:endParaRPr>
+          </a:p>
+        </p:txBody>
+      </p:sp>
+      <p:sp>
+        <p:nvSpPr>
+          <p:cNvPr id="15" name="Rectangle 14"/>
+          <p:cNvSpPr/>
+          <p:nvPr/>
+        </p:nvSpPr>
+        <p:spPr>
+          <a:xfrm>
+            <a:off x="9721507" y="3904212"/>
+            <a:ext cx="2017022" cy="566256"/>
+          </a:xfrm>
+          <a:prstGeom prst="rect">
+            <a:avLst/>
+          </a:prstGeom>
+          <a:noFill/>
+          <a:ln w="28575">
+            <a:solidFill>
+              <a:srgbClr val="0070C0"/>
+            </a:solidFill>
+          </a:ln>
+        </p:spPr>
+        <p:style>
+          <a:lnRef idx="2">
+            <a:schemeClr val="accent1">
+              <a:shade val="50000"/>
+            </a:schemeClr>
+          </a:lnRef>
+          <a:fillRef idx="1">
+            <a:schemeClr val="accent1"/>
+          </a:fillRef>
+          <a:effectRef idx="0">
+            <a:schemeClr val="accent1"/>
+          </a:effectRef>
+          <a:fontRef idx="minor">
+            <a:schemeClr val="lt1"/>
+          </a:fontRef>
+        </p:style>
+        <p:txBody>
+          <a:bodyPr rtlCol="0" anchor="ctr"/>
+          <a:lstStyle/>
+          <a:p>
+            <a:pPr algn="ctr"/>
+            <a:r>
+              <a:rPr lang="en-CA" dirty="0" smtClean="0">
+                <a:solidFill>
+                  <a:schemeClr val="tx1"/>
+                </a:solidFill>
+              </a:rPr>
+              <a:t>Non-canonic analysis</a:t>
+            </a:r>
+            <a:endParaRPr lang="en-CA" dirty="0">
+              <a:solidFill>
+                <a:schemeClr val="tx1"/>
+              </a:solidFill>
+            </a:endParaRPr>
+          </a:p>
+        </p:txBody>
+      </p:sp>
+      <p:sp>
+        <p:nvSpPr>
+          <p:cNvPr id="16" name="Rectangle 15"/>
+          <p:cNvSpPr/>
+          <p:nvPr/>
+        </p:nvSpPr>
+        <p:spPr>
+          <a:xfrm>
+            <a:off x="10244906" y="5206165"/>
+            <a:ext cx="1739183" cy="566256"/>
+          </a:xfrm>
+          <a:prstGeom prst="rect">
+            <a:avLst/>
+          </a:prstGeom>
+          <a:noFill/>
+          <a:ln w="28575">
+            <a:solidFill>
+              <a:schemeClr val="tx1"/>
+            </a:solidFill>
+          </a:ln>
+        </p:spPr>
+        <p:style>
+          <a:lnRef idx="2">
+            <a:schemeClr val="accent1">
+              <a:shade val="50000"/>
+            </a:schemeClr>
+          </a:lnRef>
+          <a:fillRef idx="1">
+            <a:schemeClr val="accent1"/>
+          </a:fillRef>
+          <a:effectRef idx="0">
+            <a:schemeClr val="accent1"/>
+          </a:effectRef>
+          <a:fontRef idx="minor">
+            <a:schemeClr val="lt1"/>
+          </a:fontRef>
+        </p:style>
+        <p:txBody>
+          <a:bodyPr rtlCol="0" anchor="ctr"/>
+          <a:lstStyle/>
+          <a:p>
+            <a:pPr algn="ctr"/>
+            <a:r>
+              <a:rPr lang="en-CA" dirty="0" smtClean="0">
+                <a:solidFill>
+                  <a:schemeClr val="tx1"/>
+                </a:solidFill>
+              </a:rPr>
+              <a:t>Non-canonic results</a:t>
+            </a:r>
+            <a:endParaRPr lang="en-CA" dirty="0">
+              <a:solidFill>
+                <a:schemeClr val="tx1"/>
+              </a:solidFill>
+            </a:endParaRPr>
+          </a:p>
+        </p:txBody>
+      </p:sp>
+      <p:sp>
+        <p:nvSpPr>
+          <p:cNvPr id="17" name="Rectangle 16"/>
+          <p:cNvSpPr/>
+          <p:nvPr/>
+        </p:nvSpPr>
+        <p:spPr>
+          <a:xfrm>
+            <a:off x="9860426" y="6076419"/>
+            <a:ext cx="1739183" cy="512371"/>
+          </a:xfrm>
+          <a:prstGeom prst="rect">
+            <a:avLst/>
+          </a:prstGeom>
+          <a:noFill/>
+          <a:ln w="28575">
+            <a:solidFill>
+              <a:schemeClr val="tx1"/>
+            </a:solidFill>
+          </a:ln>
+        </p:spPr>
+        <p:style>
+          <a:lnRef idx="2">
+            <a:schemeClr val="accent1">
+              <a:shade val="50000"/>
+            </a:schemeClr>
+          </a:lnRef>
+          <a:fillRef idx="1">
+            <a:schemeClr val="accent1"/>
+          </a:fillRef>
+          <a:effectRef idx="0">
+            <a:schemeClr val="accent1"/>
+          </a:effectRef>
+          <a:fontRef idx="minor">
+            <a:schemeClr val="lt1"/>
+          </a:fontRef>
+        </p:style>
+        <p:txBody>
+          <a:bodyPr rtlCol="0" anchor="ctr"/>
+          <a:lstStyle/>
+          <a:p>
+            <a:pPr algn="ctr"/>
+            <a:r>
+              <a:rPr lang="en-CA" dirty="0" err="1" smtClean="0">
+                <a:solidFill>
+                  <a:schemeClr val="tx1"/>
+                </a:solidFill>
+              </a:rPr>
+              <a:t>hsa</a:t>
+            </a:r>
+            <a:r>
+              <a:rPr lang="en-CA" dirty="0" smtClean="0">
+                <a:solidFill>
+                  <a:schemeClr val="tx1"/>
+                </a:solidFill>
+              </a:rPr>
+              <a:t> conversions</a:t>
+            </a:r>
+            <a:endParaRPr lang="en-CA" dirty="0">
+              <a:solidFill>
+                <a:schemeClr val="tx1"/>
+              </a:solidFill>
+            </a:endParaRPr>
+          </a:p>
+        </p:txBody>
+      </p:sp>
+      <p:cxnSp>
+        <p:nvCxnSpPr>
+          <p:cNvPr id="18" name="Elbow Connector 17"/>
+          <p:cNvCxnSpPr>
+            <a:stCxn id="13" idx="3"/>
+            <a:endCxn id="15" idx="0"/>
+          </p:cNvCxnSpPr>
+          <p:nvPr/>
+        </p:nvCxnSpPr>
+        <p:spPr>
+          <a:xfrm flipH="1">
+            <a:off x="10730018" y="2226168"/>
+            <a:ext cx="1008511" cy="1678044"/>
+          </a:xfrm>
+          <a:prstGeom prst="bentConnector4">
+            <a:avLst>
+              <a:gd name="adj1" fmla="val -34001"/>
+              <a:gd name="adj2" fmla="val 69060"/>
+            </a:avLst>
+          </a:prstGeom>
+          <a:ln w="28575">
+            <a:solidFill>
+              <a:schemeClr val="tx1"/>
+            </a:solidFill>
+            <a:tailEnd type="triangle"/>
+          </a:ln>
+        </p:spPr>
+        <p:style>
+          <a:lnRef idx="1">
+            <a:schemeClr val="accent1"/>
+          </a:lnRef>
+          <a:fillRef idx="0">
+            <a:schemeClr val="accent1"/>
+          </a:fillRef>
+          <a:effectRef idx="0">
+            <a:schemeClr val="accent1"/>
+          </a:effectRef>
+          <a:fontRef idx="minor">
+            <a:schemeClr val="tx1"/>
+          </a:fontRef>
+        </p:style>
+      </p:cxnSp>
+      <p:cxnSp>
+        <p:nvCxnSpPr>
+          <p:cNvPr id="19" name="Elbow Connector 18"/>
+          <p:cNvCxnSpPr>
+            <a:stCxn id="14" idx="3"/>
+            <a:endCxn id="15" idx="0"/>
+          </p:cNvCxnSpPr>
+          <p:nvPr/>
+        </p:nvCxnSpPr>
+        <p:spPr>
+          <a:xfrm flipH="1">
+            <a:off x="10730018" y="3007491"/>
+            <a:ext cx="1017903" cy="896721"/>
+          </a:xfrm>
+          <a:prstGeom prst="bentConnector4">
+            <a:avLst>
+              <a:gd name="adj1" fmla="val -22458"/>
+              <a:gd name="adj2" fmla="val 64734"/>
+            </a:avLst>
+          </a:prstGeom>
+          <a:ln w="28575">
+            <a:solidFill>
+              <a:schemeClr val="tx1"/>
+            </a:solidFill>
+            <a:tailEnd type="triangle"/>
+          </a:ln>
+        </p:spPr>
+        <p:style>
+          <a:lnRef idx="1">
+            <a:schemeClr val="accent1"/>
+          </a:lnRef>
+          <a:fillRef idx="0">
+            <a:schemeClr val="accent1"/>
+          </a:fillRef>
+          <a:effectRef idx="0">
+            <a:schemeClr val="accent1"/>
+          </a:effectRef>
+          <a:fontRef idx="minor">
+            <a:schemeClr val="tx1"/>
+          </a:fontRef>
+        </p:style>
+      </p:cxnSp>
+      <p:cxnSp>
+        <p:nvCxnSpPr>
+          <p:cNvPr id="20" name="Elbow Connector 19"/>
+          <p:cNvCxnSpPr>
+            <a:stCxn id="15" idx="2"/>
+            <a:endCxn id="16" idx="0"/>
+          </p:cNvCxnSpPr>
+          <p:nvPr/>
+        </p:nvCxnSpPr>
+        <p:spPr>
+          <a:xfrm rot="16200000" flipH="1">
+            <a:off x="10554410" y="4646076"/>
+            <a:ext cx="735697" cy="384480"/>
+          </a:xfrm>
+          <a:prstGeom prst="bentConnector3">
+            <a:avLst>
+              <a:gd name="adj1" fmla="val 50000"/>
+            </a:avLst>
+          </a:prstGeom>
+          <a:ln w="28575">
+            <a:solidFill>
+              <a:srgbClr val="0070C0"/>
+            </a:solidFill>
+            <a:tailEnd type="triangle"/>
+          </a:ln>
+        </p:spPr>
+        <p:style>
+          <a:lnRef idx="1">
+            <a:schemeClr val="accent1"/>
+          </a:lnRef>
+          <a:fillRef idx="0">
+            <a:schemeClr val="accent1"/>
+          </a:fillRef>
+          <a:effectRef idx="0">
+            <a:schemeClr val="accent1"/>
+          </a:effectRef>
+          <a:fontRef idx="minor">
+            <a:schemeClr val="tx1"/>
+          </a:fontRef>
+        </p:style>
+      </p:cxnSp>
+      <p:cxnSp>
+        <p:nvCxnSpPr>
+          <p:cNvPr id="21" name="Elbow Connector 20"/>
+          <p:cNvCxnSpPr>
+            <a:stCxn id="15" idx="2"/>
+            <a:endCxn id="17" idx="1"/>
+          </p:cNvCxnSpPr>
+          <p:nvPr/>
+        </p:nvCxnSpPr>
+        <p:spPr>
+          <a:xfrm rot="5400000">
+            <a:off x="9364154" y="4966740"/>
+            <a:ext cx="1862137" cy="869592"/>
+          </a:xfrm>
+          <a:prstGeom prst="bentConnector4">
+            <a:avLst>
+              <a:gd name="adj1" fmla="val 31868"/>
+              <a:gd name="adj2" fmla="val 126288"/>
+            </a:avLst>
+          </a:prstGeom>
+          <a:ln w="28575">
+            <a:solidFill>
+              <a:srgbClr val="0070C0"/>
+            </a:solidFill>
+            <a:tailEnd type="triangle"/>
+          </a:ln>
+        </p:spPr>
+        <p:style>
+          <a:lnRef idx="1">
+            <a:schemeClr val="accent1"/>
+          </a:lnRef>
+          <a:fillRef idx="0">
+            <a:schemeClr val="accent1"/>
+          </a:fillRef>
+          <a:effectRef idx="0">
+            <a:schemeClr val="accent1"/>
+          </a:effectRef>
+          <a:fontRef idx="minor">
+            <a:schemeClr val="tx1"/>
+          </a:fontRef>
+        </p:style>
+      </p:cxnSp>
+    </p:spTree>
+    <p:extLst>
+      <p:ext uri="{BB962C8B-B14F-4D97-AF65-F5344CB8AC3E}">
+        <p14:creationId xmlns:p14="http://schemas.microsoft.com/office/powerpoint/2010/main" val="4523215"/>
+      </p:ext>
+    </p:extLst>
+  </p:cSld>
+  <p:clrMapOvr>
+    <a:masterClrMapping/>
+  </p:clrMapOvr>
+  <p:timing>
+    <p:tnLst>
+      <p:par>
+        <p:cTn id="1" dur="indefinite" restart="never" nodeType="tmRoot"/>
+      </p:par>
+    </p:tnLst>
+  </p:timing>
+</p:sld>
+</file>
+
+<file path=ppt/slides/slide15.xml><?xml version="1.0" encoding="utf-8"?>
 <p:sld xmlns:a="http://schemas.openxmlformats.org/drawingml/2006/main" xmlns:r="http://schemas.openxmlformats.org/officeDocument/2006/relationships" xmlns:p="http://schemas.openxmlformats.org/presentationml/2006/main">
   <p:cSld>
     <p:spTree>
@@ -15790,7 +19230,7 @@
             <a:fld id="{813506F1-DB5F-4FC9-88BA-B486F30FE4BF}" type="slidenum">
               <a:rPr lang="fr-FR" smtClean="0"/>
               <a:pPr/>
-              <a:t>13</a:t>
+              <a:t>14</a:t>
             </a:fld>
             <a:endParaRPr lang="fr-FR" dirty="0"/>
           </a:p>
@@ -16543,294 +19983,14 @@
   <p:timing>
     <p:tnLst>
       <p:par>
-        <p:cTn id="1" dur="indefinite" restart="never" nodeType="tmRoot">
-          <p:childTnLst>
-            <p:seq concurrent="1" nextAc="seek">
-              <p:cTn id="2" dur="indefinite" nodeType="mainSeq">
-                <p:childTnLst>
-                  <p:par>
-                    <p:cTn id="3" fill="hold">
-                      <p:stCondLst>
-                        <p:cond delay="indefinite"/>
-                        <p:cond evt="onBegin" delay="0">
-                          <p:tn val="2"/>
-                        </p:cond>
-                      </p:stCondLst>
-                      <p:childTnLst>
-                        <p:par>
-                          <p:cTn id="4" fill="hold">
-                            <p:stCondLst>
-                              <p:cond delay="0"/>
-                            </p:stCondLst>
-                            <p:childTnLst>
-                              <p:par>
-                                <p:cTn id="5" presetID="10" presetClass="entr" presetSubtype="0" fill="hold" grpId="0" nodeType="withEffect">
-                                  <p:stCondLst>
-                                    <p:cond delay="0"/>
-                                  </p:stCondLst>
-                                  <p:childTnLst>
-                                    <p:set>
-                                      <p:cBhvr>
-                                        <p:cTn id="6" dur="1" fill="hold">
-                                          <p:stCondLst>
-                                            <p:cond delay="0"/>
-                                          </p:stCondLst>
-                                        </p:cTn>
-                                        <p:tgtEl>
-                                          <p:spTgt spid="10"/>
-                                        </p:tgtEl>
-                                        <p:attrNameLst>
-                                          <p:attrName>style.visibility</p:attrName>
-                                        </p:attrNameLst>
-                                      </p:cBhvr>
-                                      <p:to>
-                                        <p:strVal val="visible"/>
-                                      </p:to>
-                                    </p:set>
-                                    <p:animEffect transition="in" filter="fade">
-                                      <p:cBhvr>
-                                        <p:cTn id="7" dur="500"/>
-                                        <p:tgtEl>
-                                          <p:spTgt spid="10"/>
-                                        </p:tgtEl>
-                                      </p:cBhvr>
-                                    </p:animEffect>
-                                  </p:childTnLst>
-                                </p:cTn>
-                              </p:par>
-                              <p:par>
-                                <p:cTn id="8" presetID="10" presetClass="entr" presetSubtype="0" fill="hold" grpId="0" nodeType="withEffect">
-                                  <p:stCondLst>
-                                    <p:cond delay="0"/>
-                                  </p:stCondLst>
-                                  <p:childTnLst>
-                                    <p:set>
-                                      <p:cBhvr>
-                                        <p:cTn id="9" dur="1" fill="hold">
-                                          <p:stCondLst>
-                                            <p:cond delay="0"/>
-                                          </p:stCondLst>
-                                        </p:cTn>
-                                        <p:tgtEl>
-                                          <p:spTgt spid="11"/>
-                                        </p:tgtEl>
-                                        <p:attrNameLst>
-                                          <p:attrName>style.visibility</p:attrName>
-                                        </p:attrNameLst>
-                                      </p:cBhvr>
-                                      <p:to>
-                                        <p:strVal val="visible"/>
-                                      </p:to>
-                                    </p:set>
-                                    <p:animEffect transition="in" filter="fade">
-                                      <p:cBhvr>
-                                        <p:cTn id="10" dur="500"/>
-                                        <p:tgtEl>
-                                          <p:spTgt spid="11"/>
-                                        </p:tgtEl>
-                                      </p:cBhvr>
-                                    </p:animEffect>
-                                  </p:childTnLst>
-                                </p:cTn>
-                              </p:par>
-                              <p:par>
-                                <p:cTn id="11" presetID="10" presetClass="entr" presetSubtype="0" fill="hold" grpId="0" nodeType="withEffect">
-                                  <p:stCondLst>
-                                    <p:cond delay="0"/>
-                                  </p:stCondLst>
-                                  <p:childTnLst>
-                                    <p:set>
-                                      <p:cBhvr>
-                                        <p:cTn id="12" dur="1" fill="hold">
-                                          <p:stCondLst>
-                                            <p:cond delay="0"/>
-                                          </p:stCondLst>
-                                        </p:cTn>
-                                        <p:tgtEl>
-                                          <p:spTgt spid="12"/>
-                                        </p:tgtEl>
-                                        <p:attrNameLst>
-                                          <p:attrName>style.visibility</p:attrName>
-                                        </p:attrNameLst>
-                                      </p:cBhvr>
-                                      <p:to>
-                                        <p:strVal val="visible"/>
-                                      </p:to>
-                                    </p:set>
-                                    <p:animEffect transition="in" filter="fade">
-                                      <p:cBhvr>
-                                        <p:cTn id="13" dur="500"/>
-                                        <p:tgtEl>
-                                          <p:spTgt spid="12"/>
-                                        </p:tgtEl>
-                                      </p:cBhvr>
-                                    </p:animEffect>
-                                  </p:childTnLst>
-                                </p:cTn>
-                              </p:par>
-                            </p:childTnLst>
-                          </p:cTn>
-                        </p:par>
-                      </p:childTnLst>
-                    </p:cTn>
-                  </p:par>
-                  <p:par>
-                    <p:cTn id="14" fill="hold">
-                      <p:stCondLst>
-                        <p:cond delay="indefinite"/>
-                      </p:stCondLst>
-                      <p:childTnLst>
-                        <p:par>
-                          <p:cTn id="15" fill="hold">
-                            <p:stCondLst>
-                              <p:cond delay="0"/>
-                            </p:stCondLst>
-                            <p:childTnLst>
-                              <p:par>
-                                <p:cTn id="16" presetID="10" presetClass="exit" presetSubtype="0" fill="hold" grpId="1" nodeType="clickEffect">
-                                  <p:stCondLst>
-                                    <p:cond delay="0"/>
-                                  </p:stCondLst>
-                                  <p:childTnLst>
-                                    <p:animEffect transition="out" filter="fade">
-                                      <p:cBhvr>
-                                        <p:cTn id="17" dur="500"/>
-                                        <p:tgtEl>
-                                          <p:spTgt spid="10"/>
-                                        </p:tgtEl>
-                                      </p:cBhvr>
-                                    </p:animEffect>
-                                    <p:set>
-                                      <p:cBhvr>
-                                        <p:cTn id="18" dur="1" fill="hold">
-                                          <p:stCondLst>
-                                            <p:cond delay="499"/>
-                                          </p:stCondLst>
-                                        </p:cTn>
-                                        <p:tgtEl>
-                                          <p:spTgt spid="10"/>
-                                        </p:tgtEl>
-                                        <p:attrNameLst>
-                                          <p:attrName>style.visibility</p:attrName>
-                                        </p:attrNameLst>
-                                      </p:cBhvr>
-                                      <p:to>
-                                        <p:strVal val="hidden"/>
-                                      </p:to>
-                                    </p:set>
-                                  </p:childTnLst>
-                                </p:cTn>
-                              </p:par>
-                              <p:par>
-                                <p:cTn id="19" presetID="10" presetClass="exit" presetSubtype="0" fill="hold" grpId="1" nodeType="withEffect">
-                                  <p:stCondLst>
-                                    <p:cond delay="0"/>
-                                  </p:stCondLst>
-                                  <p:childTnLst>
-                                    <p:animEffect transition="out" filter="fade">
-                                      <p:cBhvr>
-                                        <p:cTn id="20" dur="500"/>
-                                        <p:tgtEl>
-                                          <p:spTgt spid="11"/>
-                                        </p:tgtEl>
-                                      </p:cBhvr>
-                                    </p:animEffect>
-                                    <p:set>
-                                      <p:cBhvr>
-                                        <p:cTn id="21" dur="1" fill="hold">
-                                          <p:stCondLst>
-                                            <p:cond delay="499"/>
-                                          </p:stCondLst>
-                                        </p:cTn>
-                                        <p:tgtEl>
-                                          <p:spTgt spid="11"/>
-                                        </p:tgtEl>
-                                        <p:attrNameLst>
-                                          <p:attrName>style.visibility</p:attrName>
-                                        </p:attrNameLst>
-                                      </p:cBhvr>
-                                      <p:to>
-                                        <p:strVal val="hidden"/>
-                                      </p:to>
-                                    </p:set>
-                                  </p:childTnLst>
-                                </p:cTn>
-                              </p:par>
-                              <p:par>
-                                <p:cTn id="22" presetID="10" presetClass="exit" presetSubtype="0" fill="hold" grpId="0" nodeType="withEffect">
-                                  <p:stCondLst>
-                                    <p:cond delay="0"/>
-                                  </p:stCondLst>
-                                  <p:childTnLst>
-                                    <p:animEffect transition="out" filter="fade">
-                                      <p:cBhvr>
-                                        <p:cTn id="23" dur="500"/>
-                                        <p:tgtEl>
-                                          <p:spTgt spid="9"/>
-                                        </p:tgtEl>
-                                      </p:cBhvr>
-                                    </p:animEffect>
-                                    <p:set>
-                                      <p:cBhvr>
-                                        <p:cTn id="24" dur="1" fill="hold">
-                                          <p:stCondLst>
-                                            <p:cond delay="499"/>
-                                          </p:stCondLst>
-                                        </p:cTn>
-                                        <p:tgtEl>
-                                          <p:spTgt spid="9"/>
-                                        </p:tgtEl>
-                                        <p:attrNameLst>
-                                          <p:attrName>style.visibility</p:attrName>
-                                        </p:attrNameLst>
-                                      </p:cBhvr>
-                                      <p:to>
-                                        <p:strVal val="hidden"/>
-                                      </p:to>
-                                    </p:set>
-                                  </p:childTnLst>
-                                </p:cTn>
-                              </p:par>
-                            </p:childTnLst>
-                          </p:cTn>
-                        </p:par>
-                      </p:childTnLst>
-                    </p:cTn>
-                  </p:par>
-                </p:childTnLst>
-              </p:cTn>
-              <p:prevCondLst>
-                <p:cond evt="onPrev" delay="0">
-                  <p:tgtEl>
-                    <p:sldTgt/>
-                  </p:tgtEl>
-                </p:cond>
-              </p:prevCondLst>
-              <p:nextCondLst>
-                <p:cond evt="onNext" delay="0">
-                  <p:tgtEl>
-                    <p:sldTgt/>
-                  </p:tgtEl>
-                </p:cond>
-              </p:nextCondLst>
-            </p:seq>
-          </p:childTnLst>
-        </p:cTn>
+        <p:cTn id="1" dur="indefinite" restart="never" nodeType="tmRoot"/>
       </p:par>
     </p:tnLst>
-    <p:bldLst>
-      <p:bldP spid="9" grpId="0" animBg="1"/>
-      <p:bldP spid="10" grpId="0" animBg="1"/>
-      <p:bldP spid="10" grpId="1" animBg="1"/>
-      <p:bldP spid="11" grpId="0" animBg="1"/>
-      <p:bldP spid="11" grpId="1" animBg="1"/>
-      <p:bldP spid="12" grpId="0" animBg="1"/>
-    </p:bldLst>
   </p:timing>
 </p:sld>
 </file>
 
-<file path=ppt/slides/slide15.xml><?xml version="1.0" encoding="utf-8"?>
+<file path=ppt/slides/slide16.xml><?xml version="1.0" encoding="utf-8"?>
 <p:sld xmlns:a="http://schemas.openxmlformats.org/drawingml/2006/main" xmlns:r="http://schemas.openxmlformats.org/officeDocument/2006/relationships" xmlns:p="http://schemas.openxmlformats.org/presentationml/2006/main">
   <p:cSld>
     <p:spTree>
@@ -16869,7 +20029,7 @@
         </p:blipFill>
         <p:spPr>
           <a:xfrm>
-            <a:off x="6156769" y="1776564"/>
+            <a:off x="4942800" y="1796400"/>
             <a:ext cx="4586534" cy="4968347"/>
           </a:xfrm>
           <a:prstGeom prst="rect">
@@ -16895,7 +20055,7 @@
             <a:fld id="{813506F1-DB5F-4FC9-88BA-B486F30FE4BF}" type="slidenum">
               <a:rPr lang="fr-FR" smtClean="0"/>
               <a:pPr/>
-              <a:t>14</a:t>
+              <a:t>15</a:t>
             </a:fld>
             <a:endParaRPr lang="fr-FR" dirty="0"/>
           </a:p>
@@ -16911,8 +20071,8 @@
         </p:nvSpPr>
         <p:spPr>
           <a:xfrm>
-            <a:off x="648394" y="2101646"/>
-            <a:ext cx="4971356" cy="733833"/>
+            <a:off x="648393" y="2101646"/>
+            <a:ext cx="4999931" cy="733833"/>
           </a:xfrm>
           <a:prstGeom prst="rect">
             <a:avLst/>
@@ -16942,7 +20102,11 @@
           <a:p>
             <a:r>
               <a:rPr lang="fr-FR" dirty="0" smtClean="0"/>
-              <a:t>App – Custom figures</a:t>
+              <a:t>App – Custom </a:t>
+            </a:r>
+            <a:r>
+              <a:rPr lang="fr-FR" dirty="0" smtClean="0"/>
+              <a:t>fig.</a:t>
             </a:r>
             <a:endParaRPr lang="fr-FR" dirty="0"/>
           </a:p>
@@ -17251,7 +20415,7 @@
         </p:nvSpPr>
         <p:spPr>
           <a:xfrm>
-            <a:off x="6184106" y="3607600"/>
+            <a:off x="4971375" y="3623475"/>
             <a:ext cx="1045369" cy="186531"/>
           </a:xfrm>
           <a:prstGeom prst="rect">
@@ -17289,6 +20453,292 @@
           </a:p>
         </p:txBody>
       </p:sp>
+      <p:sp>
+        <p:nvSpPr>
+          <p:cNvPr id="7" name="Rectangle 6"/>
+          <p:cNvSpPr/>
+          <p:nvPr/>
+        </p:nvSpPr>
+        <p:spPr>
+          <a:xfrm>
+            <a:off x="9746530" y="2101646"/>
+            <a:ext cx="2119404" cy="566256"/>
+          </a:xfrm>
+          <a:prstGeom prst="rect">
+            <a:avLst/>
+          </a:prstGeom>
+          <a:noFill/>
+          <a:ln w="28575">
+            <a:solidFill>
+              <a:schemeClr val="tx1"/>
+            </a:solidFill>
+          </a:ln>
+        </p:spPr>
+        <p:style>
+          <a:lnRef idx="2">
+            <a:schemeClr val="accent1">
+              <a:shade val="50000"/>
+            </a:schemeClr>
+          </a:lnRef>
+          <a:fillRef idx="1">
+            <a:schemeClr val="accent1"/>
+          </a:fillRef>
+          <a:effectRef idx="0">
+            <a:schemeClr val="accent1"/>
+          </a:effectRef>
+          <a:fontRef idx="minor">
+            <a:schemeClr val="lt1"/>
+          </a:fontRef>
+        </p:style>
+        <p:txBody>
+          <a:bodyPr rtlCol="0" anchor="ctr"/>
+          <a:lstStyle/>
+          <a:p>
+            <a:pPr algn="ctr"/>
+            <a:r>
+              <a:rPr lang="en-CA" dirty="0" smtClean="0">
+                <a:solidFill>
+                  <a:schemeClr val="tx1"/>
+                </a:solidFill>
+              </a:rPr>
+              <a:t>Differential gene expressions</a:t>
+            </a:r>
+            <a:endParaRPr lang="en-CA" dirty="0">
+              <a:solidFill>
+                <a:schemeClr val="tx1"/>
+              </a:solidFill>
+            </a:endParaRPr>
+          </a:p>
+        </p:txBody>
+      </p:sp>
+      <p:sp>
+        <p:nvSpPr>
+          <p:cNvPr id="9" name="Rectangle 8"/>
+          <p:cNvSpPr/>
+          <p:nvPr/>
+        </p:nvSpPr>
+        <p:spPr>
+          <a:xfrm>
+            <a:off x="9791700" y="3810006"/>
+            <a:ext cx="2036134" cy="566256"/>
+          </a:xfrm>
+          <a:prstGeom prst="rect">
+            <a:avLst/>
+          </a:prstGeom>
+          <a:noFill/>
+          <a:ln w="28575">
+            <a:solidFill>
+              <a:srgbClr val="0070C0"/>
+            </a:solidFill>
+          </a:ln>
+        </p:spPr>
+        <p:style>
+          <a:lnRef idx="2">
+            <a:schemeClr val="accent1">
+              <a:shade val="50000"/>
+            </a:schemeClr>
+          </a:lnRef>
+          <a:fillRef idx="1">
+            <a:schemeClr val="accent1"/>
+          </a:fillRef>
+          <a:effectRef idx="0">
+            <a:schemeClr val="accent1"/>
+          </a:effectRef>
+          <a:fontRef idx="minor">
+            <a:schemeClr val="lt1"/>
+          </a:fontRef>
+        </p:style>
+        <p:txBody>
+          <a:bodyPr rtlCol="0" anchor="ctr"/>
+          <a:lstStyle/>
+          <a:p>
+            <a:pPr algn="ctr"/>
+            <a:r>
+              <a:rPr lang="en-CA" dirty="0" smtClean="0">
+                <a:solidFill>
+                  <a:schemeClr val="tx1"/>
+                </a:solidFill>
+              </a:rPr>
+              <a:t>Custom Volcano plot</a:t>
+            </a:r>
+            <a:endParaRPr lang="en-CA" dirty="0">
+              <a:solidFill>
+                <a:schemeClr val="tx1"/>
+              </a:solidFill>
+            </a:endParaRPr>
+          </a:p>
+        </p:txBody>
+      </p:sp>
+      <p:sp>
+        <p:nvSpPr>
+          <p:cNvPr id="10" name="Rectangle 9"/>
+          <p:cNvSpPr/>
+          <p:nvPr/>
+        </p:nvSpPr>
+        <p:spPr>
+          <a:xfrm>
+            <a:off x="9943185" y="5221112"/>
+            <a:ext cx="1739183" cy="744859"/>
+          </a:xfrm>
+          <a:prstGeom prst="rect">
+            <a:avLst/>
+          </a:prstGeom>
+          <a:noFill/>
+          <a:ln w="28575">
+            <a:solidFill>
+              <a:schemeClr val="tx1"/>
+            </a:solidFill>
+          </a:ln>
+        </p:spPr>
+        <p:style>
+          <a:lnRef idx="2">
+            <a:schemeClr val="accent1">
+              <a:shade val="50000"/>
+            </a:schemeClr>
+          </a:lnRef>
+          <a:fillRef idx="1">
+            <a:schemeClr val="accent1"/>
+          </a:fillRef>
+          <a:effectRef idx="0">
+            <a:schemeClr val="accent1"/>
+          </a:effectRef>
+          <a:fontRef idx="minor">
+            <a:schemeClr val="lt1"/>
+          </a:fontRef>
+        </p:style>
+        <p:txBody>
+          <a:bodyPr rtlCol="0" anchor="ctr"/>
+          <a:lstStyle/>
+          <a:p>
+            <a:pPr algn="ctr"/>
+            <a:r>
+              <a:rPr lang="en-CA" dirty="0" smtClean="0">
+                <a:solidFill>
+                  <a:schemeClr val="tx1"/>
+                </a:solidFill>
+              </a:rPr>
+              <a:t>Custom significant gene list</a:t>
+            </a:r>
+            <a:endParaRPr lang="en-CA" dirty="0">
+              <a:solidFill>
+                <a:schemeClr val="tx1"/>
+              </a:solidFill>
+            </a:endParaRPr>
+          </a:p>
+        </p:txBody>
+      </p:sp>
+      <p:cxnSp>
+        <p:nvCxnSpPr>
+          <p:cNvPr id="11" name="Elbow Connector 10"/>
+          <p:cNvCxnSpPr>
+            <a:stCxn id="7" idx="2"/>
+            <a:endCxn id="9" idx="0"/>
+          </p:cNvCxnSpPr>
+          <p:nvPr/>
+        </p:nvCxnSpPr>
+        <p:spPr>
+          <a:xfrm rot="16200000" flipH="1">
+            <a:off x="10236947" y="3237186"/>
+            <a:ext cx="1142104" cy="3535"/>
+          </a:xfrm>
+          <a:prstGeom prst="bentConnector3">
+            <a:avLst>
+              <a:gd name="adj1" fmla="val 50000"/>
+            </a:avLst>
+          </a:prstGeom>
+          <a:ln w="28575">
+            <a:solidFill>
+              <a:schemeClr val="tx1"/>
+            </a:solidFill>
+            <a:tailEnd type="triangle"/>
+          </a:ln>
+        </p:spPr>
+        <p:style>
+          <a:lnRef idx="1">
+            <a:schemeClr val="accent1"/>
+          </a:lnRef>
+          <a:fillRef idx="0">
+            <a:schemeClr val="accent1"/>
+          </a:fillRef>
+          <a:effectRef idx="0">
+            <a:schemeClr val="accent1"/>
+          </a:effectRef>
+          <a:fontRef idx="minor">
+            <a:schemeClr val="tx1"/>
+          </a:fontRef>
+        </p:style>
+      </p:cxnSp>
+      <p:cxnSp>
+        <p:nvCxnSpPr>
+          <p:cNvPr id="12" name="Elbow Connector 11"/>
+          <p:cNvCxnSpPr>
+            <a:stCxn id="9" idx="2"/>
+            <a:endCxn id="10" idx="0"/>
+          </p:cNvCxnSpPr>
+          <p:nvPr/>
+        </p:nvCxnSpPr>
+        <p:spPr>
+          <a:xfrm rot="16200000" flipH="1">
+            <a:off x="10388847" y="4797182"/>
+            <a:ext cx="844850" cy="3010"/>
+          </a:xfrm>
+          <a:prstGeom prst="bentConnector3">
+            <a:avLst>
+              <a:gd name="adj1" fmla="val 50000"/>
+            </a:avLst>
+          </a:prstGeom>
+          <a:ln w="28575">
+            <a:solidFill>
+              <a:srgbClr val="0070C0"/>
+            </a:solidFill>
+            <a:tailEnd type="triangle"/>
+          </a:ln>
+        </p:spPr>
+        <p:style>
+          <a:lnRef idx="1">
+            <a:schemeClr val="accent1"/>
+          </a:lnRef>
+          <a:fillRef idx="0">
+            <a:schemeClr val="accent1"/>
+          </a:fillRef>
+          <a:effectRef idx="0">
+            <a:schemeClr val="accent1"/>
+          </a:effectRef>
+          <a:fontRef idx="minor">
+            <a:schemeClr val="tx1"/>
+          </a:fontRef>
+        </p:style>
+      </p:cxnSp>
+      <p:pic>
+        <p:nvPicPr>
+          <p:cNvPr id="32" name="Picture 31"/>
+          <p:cNvPicPr>
+            <a:picLocks noChangeAspect="1"/>
+          </p:cNvPicPr>
+          <p:nvPr/>
+        </p:nvPicPr>
+        <p:blipFill>
+          <a:blip r:embed="rId3" cstate="print">
+            <a:extLst>
+              <a:ext uri="{28A0092B-C50C-407E-A947-70E740481C1C}">
+                <a14:useLocalDpi xmlns:a14="http://schemas.microsoft.com/office/drawing/2010/main" val="0"/>
+              </a:ext>
+            </a:extLst>
+          </a:blip>
+          <a:stretch>
+            <a:fillRect/>
+          </a:stretch>
+        </p:blipFill>
+        <p:spPr>
+          <a:xfrm>
+            <a:off x="4914865" y="2422880"/>
+            <a:ext cx="4591399" cy="3673120"/>
+          </a:xfrm>
+          <a:prstGeom prst="rect">
+            <a:avLst/>
+          </a:prstGeom>
+        </p:spPr>
+      </p:pic>
     </p:spTree>
     <p:extLst>
       <p:ext uri="{BB962C8B-B14F-4D97-AF65-F5344CB8AC3E}">
@@ -17302,14 +20752,125 @@
   <p:timing>
     <p:tnLst>
       <p:par>
-        <p:cTn id="1" dur="indefinite" restart="never" nodeType="tmRoot"/>
+        <p:cTn id="1" dur="indefinite" restart="never" nodeType="tmRoot">
+          <p:childTnLst>
+            <p:seq concurrent="1" nextAc="seek">
+              <p:cTn id="2" dur="indefinite" nodeType="mainSeq">
+                <p:childTnLst>
+                  <p:par>
+                    <p:cTn id="3" fill="hold">
+                      <p:stCondLst>
+                        <p:cond delay="indefinite"/>
+                      </p:stCondLst>
+                      <p:childTnLst>
+                        <p:par>
+                          <p:cTn id="4" fill="hold">
+                            <p:stCondLst>
+                              <p:cond delay="0"/>
+                            </p:stCondLst>
+                            <p:childTnLst>
+                              <p:par>
+                                <p:cTn id="5" presetID="10" presetClass="entr" presetSubtype="0" fill="hold" nodeType="clickEffect">
+                                  <p:stCondLst>
+                                    <p:cond delay="0"/>
+                                  </p:stCondLst>
+                                  <p:childTnLst>
+                                    <p:set>
+                                      <p:cBhvr>
+                                        <p:cTn id="6" dur="1" fill="hold">
+                                          <p:stCondLst>
+                                            <p:cond delay="0"/>
+                                          </p:stCondLst>
+                                        </p:cTn>
+                                        <p:tgtEl>
+                                          <p:spTgt spid="32"/>
+                                        </p:tgtEl>
+                                        <p:attrNameLst>
+                                          <p:attrName>style.visibility</p:attrName>
+                                        </p:attrNameLst>
+                                      </p:cBhvr>
+                                      <p:to>
+                                        <p:strVal val="visible"/>
+                                      </p:to>
+                                    </p:set>
+                                    <p:animEffect transition="in" filter="fade">
+                                      <p:cBhvr>
+                                        <p:cTn id="7" dur="500"/>
+                                        <p:tgtEl>
+                                          <p:spTgt spid="32"/>
+                                        </p:tgtEl>
+                                      </p:cBhvr>
+                                    </p:animEffect>
+                                  </p:childTnLst>
+                                </p:cTn>
+                              </p:par>
+                              <p:par>
+                                <p:cTn id="8" presetID="10" presetClass="exit" presetSubtype="0" fill="hold" nodeType="withEffect">
+                                  <p:stCondLst>
+                                    <p:cond delay="0"/>
+                                  </p:stCondLst>
+                                  <p:childTnLst>
+                                    <p:animEffect transition="out" filter="fade">
+                                      <p:cBhvr>
+                                        <p:cTn id="9" dur="500"/>
+                                        <p:tgtEl>
+                                          <p:spTgt spid="4"/>
+                                        </p:tgtEl>
+                                      </p:cBhvr>
+                                    </p:animEffect>
+                                    <p:set>
+                                      <p:cBhvr>
+                                        <p:cTn id="10" dur="1" fill="hold">
+                                          <p:stCondLst>
+                                            <p:cond delay="499"/>
+                                          </p:stCondLst>
+                                        </p:cTn>
+                                        <p:tgtEl>
+                                          <p:spTgt spid="4"/>
+                                        </p:tgtEl>
+                                        <p:attrNameLst>
+                                          <p:attrName>style.visibility</p:attrName>
+                                        </p:attrNameLst>
+                                      </p:cBhvr>
+                                      <p:to>
+                                        <p:strVal val="hidden"/>
+                                      </p:to>
+                                    </p:set>
+                                  </p:childTnLst>
+                                </p:cTn>
+                              </p:par>
+                            </p:childTnLst>
+                          </p:cTn>
+                        </p:par>
+                      </p:childTnLst>
+                    </p:cTn>
+                  </p:par>
+                </p:childTnLst>
+              </p:cTn>
+              <p:prevCondLst>
+                <p:cond evt="onPrev" delay="0">
+                  <p:tgtEl>
+                    <p:sldTgt/>
+                  </p:tgtEl>
+                </p:cond>
+              </p:prevCondLst>
+              <p:nextCondLst>
+                <p:cond evt="onNext" delay="0">
+                  <p:tgtEl>
+                    <p:sldTgt/>
+                  </p:tgtEl>
+                </p:cond>
+              </p:nextCondLst>
+            </p:seq>
+          </p:childTnLst>
+        </p:cTn>
       </p:par>
     </p:tnLst>
   </p:timing>
 </p:sld>
 </file>
 
-<file path=ppt/slides/slide16.xml><?xml version="1.0" encoding="utf-8"?>
+<file path=ppt/slides/slide17.xml><?xml version="1.0" encoding="utf-8"?>
 <p:sld xmlns:a="http://schemas.openxmlformats.org/drawingml/2006/main" xmlns:r="http://schemas.openxmlformats.org/officeDocument/2006/relationships" xmlns:p="http://schemas.openxmlformats.org/presentationml/2006/main">
   <p:cSld>
     <p:spTree>
@@ -17328,7 +20889,7 @@
       </p:grpSpPr>
       <p:pic>
         <p:nvPicPr>
-          <p:cNvPr id="6" name="Picture 5"/>
+          <p:cNvPr id="20" name="Picture 19"/>
           <p:cNvPicPr>
             <a:picLocks noChangeAspect="1"/>
           </p:cNvPicPr>
@@ -17348,38 +20909,19 @@
         </p:blipFill>
         <p:spPr>
           <a:xfrm>
-            <a:off x="6156768" y="1776565"/>
-            <a:ext cx="4581751" cy="4964361"/>
+            <a:off x="4942801" y="1796401"/>
+            <a:ext cx="5098758" cy="4375800"/>
           </a:xfrm>
           <a:prstGeom prst="rect">
             <a:avLst/>
           </a:prstGeom>
+          <a:ln>
+            <a:solidFill>
+              <a:schemeClr val="tx1"/>
+            </a:solidFill>
+          </a:ln>
         </p:spPr>
       </p:pic>
-      <p:sp>
-        <p:nvSpPr>
-          <p:cNvPr id="2" name="Slide Number Placeholder 1"/>
-          <p:cNvSpPr>
-            <a:spLocks noGrp="1"/>
-          </p:cNvSpPr>
-          <p:nvPr>
-            <p:ph type="sldNum" sz="quarter" idx="4"/>
-          </p:nvPr>
-        </p:nvSpPr>
-        <p:spPr/>
-        <p:txBody>
-          <a:bodyPr/>
-          <a:lstStyle/>
-          <a:p>
-            <a:fld id="{813506F1-DB5F-4FC9-88BA-B486F30FE4BF}" type="slidenum">
-              <a:rPr lang="fr-FR" smtClean="0"/>
-              <a:pPr/>
-              <a:t>15</a:t>
-            </a:fld>
-            <a:endParaRPr lang="fr-FR" dirty="0"/>
-          </a:p>
-        </p:txBody>
-      </p:sp>
       <p:sp>
         <p:nvSpPr>
           <p:cNvPr id="3" name="Title 1"/>
@@ -17391,7 +20933,7 @@
         <p:spPr>
           <a:xfrm>
             <a:off x="648394" y="2101646"/>
-            <a:ext cx="4041593" cy="733833"/>
+            <a:ext cx="3373000" cy="733833"/>
           </a:xfrm>
           <a:prstGeom prst="rect">
             <a:avLst/>
@@ -17421,15 +20963,7 @@
           <a:p>
             <a:r>
               <a:rPr lang="fr-FR" dirty="0" smtClean="0"/>
-              <a:t>App – Gene </a:t>
-            </a:r>
-            <a:r>
-              <a:rPr lang="fr-FR" dirty="0" err="1" smtClean="0"/>
-              <a:t>lists</a:t>
-            </a:r>
-            <a:r>
-              <a:rPr lang="fr-FR" dirty="0" smtClean="0"/>
-              <a:t> </a:t>
+              <a:t>KEGG Mapper</a:t>
             </a:r>
             <a:endParaRPr lang="fr-FR" dirty="0"/>
           </a:p>
@@ -17437,7 +20971,7 @@
       </p:sp>
       <p:sp>
         <p:nvSpPr>
-          <p:cNvPr id="5" name="Content Placeholder 2"/>
+          <p:cNvPr id="4" name="Content Placeholder 2"/>
           <p:cNvSpPr txBox="1">
             <a:spLocks/>
           </p:cNvSpPr>
@@ -17446,7 +20980,782 @@
         <p:spPr>
           <a:xfrm>
             <a:off x="1236684" y="2835479"/>
-            <a:ext cx="4161226" cy="3765346"/>
+            <a:ext cx="3706117" cy="3765346"/>
+          </a:xfrm>
+          <a:prstGeom prst="rect">
+            <a:avLst/>
+          </a:prstGeom>
+        </p:spPr>
+        <p:txBody>
+          <a:bodyPr>
+            <a:normAutofit lnSpcReduction="10000"/>
+          </a:bodyPr>
+          <a:lstStyle>
+            <a:lvl1pPr marL="228600" indent="-228600" algn="l" defTabSz="914400" rtl="0" eaLnBrk="1" latinLnBrk="0" hangingPunct="1">
+              <a:lnSpc>
+                <a:spcPct val="90000"/>
+              </a:lnSpc>
+              <a:spcBef>
+                <a:spcPts val="1000"/>
+              </a:spcBef>
+              <a:buFont typeface="Arial" panose="020B0604020202020204" pitchFamily="34" charset="0"/>
+              <a:buChar char="•"/>
+              <a:defRPr sz="2800" kern="1200">
+                <a:solidFill>
+                  <a:schemeClr val="tx1"/>
+                </a:solidFill>
+                <a:latin typeface="+mn-lt"/>
+                <a:ea typeface="+mn-ea"/>
+                <a:cs typeface="+mn-cs"/>
+              </a:defRPr>
+            </a:lvl1pPr>
+            <a:lvl2pPr marL="685800" indent="-228600" algn="l" defTabSz="914400" rtl="0" eaLnBrk="1" latinLnBrk="0" hangingPunct="1">
+              <a:lnSpc>
+                <a:spcPct val="90000"/>
+              </a:lnSpc>
+              <a:spcBef>
+                <a:spcPts val="500"/>
+              </a:spcBef>
+              <a:buFont typeface="Arial" panose="020B0604020202020204" pitchFamily="34" charset="0"/>
+              <a:buChar char="•"/>
+              <a:defRPr sz="2400" kern="1200">
+                <a:solidFill>
+                  <a:schemeClr val="tx1"/>
+                </a:solidFill>
+                <a:latin typeface="+mn-lt"/>
+                <a:ea typeface="+mn-ea"/>
+                <a:cs typeface="+mn-cs"/>
+              </a:defRPr>
+            </a:lvl2pPr>
+            <a:lvl3pPr marL="1143000" indent="-228600" algn="l" defTabSz="914400" rtl="0" eaLnBrk="1" latinLnBrk="0" hangingPunct="1">
+              <a:lnSpc>
+                <a:spcPct val="90000"/>
+              </a:lnSpc>
+              <a:spcBef>
+                <a:spcPts val="500"/>
+              </a:spcBef>
+              <a:buFont typeface="Arial" panose="020B0604020202020204" pitchFamily="34" charset="0"/>
+              <a:buChar char="•"/>
+              <a:defRPr sz="2000" kern="1200">
+                <a:solidFill>
+                  <a:schemeClr val="tx1"/>
+                </a:solidFill>
+                <a:latin typeface="+mn-lt"/>
+                <a:ea typeface="+mn-ea"/>
+                <a:cs typeface="+mn-cs"/>
+              </a:defRPr>
+            </a:lvl3pPr>
+            <a:lvl4pPr marL="1600200" indent="-228600" algn="l" defTabSz="914400" rtl="0" eaLnBrk="1" latinLnBrk="0" hangingPunct="1">
+              <a:lnSpc>
+                <a:spcPct val="90000"/>
+              </a:lnSpc>
+              <a:spcBef>
+                <a:spcPts val="500"/>
+              </a:spcBef>
+              <a:buFont typeface="Arial" panose="020B0604020202020204" pitchFamily="34" charset="0"/>
+              <a:buChar char="•"/>
+              <a:defRPr sz="1800" kern="1200">
+                <a:solidFill>
+                  <a:schemeClr val="tx1"/>
+                </a:solidFill>
+                <a:latin typeface="+mn-lt"/>
+                <a:ea typeface="+mn-ea"/>
+                <a:cs typeface="+mn-cs"/>
+              </a:defRPr>
+            </a:lvl4pPr>
+            <a:lvl5pPr marL="2057400" indent="-228600" algn="l" defTabSz="914400" rtl="0" eaLnBrk="1" latinLnBrk="0" hangingPunct="1">
+              <a:lnSpc>
+                <a:spcPct val="90000"/>
+              </a:lnSpc>
+              <a:spcBef>
+                <a:spcPts val="500"/>
+              </a:spcBef>
+              <a:buFont typeface="Arial" panose="020B0604020202020204" pitchFamily="34" charset="0"/>
+              <a:buChar char="•"/>
+              <a:defRPr sz="1800" kern="1200">
+                <a:solidFill>
+                  <a:schemeClr val="tx1"/>
+                </a:solidFill>
+                <a:latin typeface="+mn-lt"/>
+                <a:ea typeface="+mn-ea"/>
+                <a:cs typeface="+mn-cs"/>
+              </a:defRPr>
+            </a:lvl5pPr>
+            <a:lvl6pPr marL="2514600" indent="-228600" algn="l" defTabSz="914400" rtl="0" eaLnBrk="1" latinLnBrk="0" hangingPunct="1">
+              <a:lnSpc>
+                <a:spcPct val="90000"/>
+              </a:lnSpc>
+              <a:spcBef>
+                <a:spcPts val="500"/>
+              </a:spcBef>
+              <a:buFont typeface="Arial" panose="020B0604020202020204" pitchFamily="34" charset="0"/>
+              <a:buChar char="•"/>
+              <a:defRPr sz="1800" kern="1200">
+                <a:solidFill>
+                  <a:schemeClr val="tx1"/>
+                </a:solidFill>
+                <a:latin typeface="+mn-lt"/>
+                <a:ea typeface="+mn-ea"/>
+                <a:cs typeface="+mn-cs"/>
+              </a:defRPr>
+            </a:lvl6pPr>
+            <a:lvl7pPr marL="2971800" indent="-228600" algn="l" defTabSz="914400" rtl="0" eaLnBrk="1" latinLnBrk="0" hangingPunct="1">
+              <a:lnSpc>
+                <a:spcPct val="90000"/>
+              </a:lnSpc>
+              <a:spcBef>
+                <a:spcPts val="500"/>
+              </a:spcBef>
+              <a:buFont typeface="Arial" panose="020B0604020202020204" pitchFamily="34" charset="0"/>
+              <a:buChar char="•"/>
+              <a:defRPr sz="1800" kern="1200">
+                <a:solidFill>
+                  <a:schemeClr val="tx1"/>
+                </a:solidFill>
+                <a:latin typeface="+mn-lt"/>
+                <a:ea typeface="+mn-ea"/>
+                <a:cs typeface="+mn-cs"/>
+              </a:defRPr>
+            </a:lvl7pPr>
+            <a:lvl8pPr marL="3429000" indent="-228600" algn="l" defTabSz="914400" rtl="0" eaLnBrk="1" latinLnBrk="0" hangingPunct="1">
+              <a:lnSpc>
+                <a:spcPct val="90000"/>
+              </a:lnSpc>
+              <a:spcBef>
+                <a:spcPts val="500"/>
+              </a:spcBef>
+              <a:buFont typeface="Arial" panose="020B0604020202020204" pitchFamily="34" charset="0"/>
+              <a:buChar char="•"/>
+              <a:defRPr sz="1800" kern="1200">
+                <a:solidFill>
+                  <a:schemeClr val="tx1"/>
+                </a:solidFill>
+                <a:latin typeface="+mn-lt"/>
+                <a:ea typeface="+mn-ea"/>
+                <a:cs typeface="+mn-cs"/>
+              </a:defRPr>
+            </a:lvl8pPr>
+            <a:lvl9pPr marL="3886200" indent="-228600" algn="l" defTabSz="914400" rtl="0" eaLnBrk="1" latinLnBrk="0" hangingPunct="1">
+              <a:lnSpc>
+                <a:spcPct val="90000"/>
+              </a:lnSpc>
+              <a:spcBef>
+                <a:spcPts val="500"/>
+              </a:spcBef>
+              <a:buFont typeface="Arial" panose="020B0604020202020204" pitchFamily="34" charset="0"/>
+              <a:buChar char="•"/>
+              <a:defRPr sz="1800" kern="1200">
+                <a:solidFill>
+                  <a:schemeClr val="tx1"/>
+                </a:solidFill>
+                <a:latin typeface="+mn-lt"/>
+                <a:ea typeface="+mn-ea"/>
+                <a:cs typeface="+mn-cs"/>
+              </a:defRPr>
+            </a:lvl9pPr>
+          </a:lstStyle>
+          <a:p>
+            <a:pPr algn="just"/>
+            <a:r>
+              <a:rPr lang="fr-FR" sz="2000" dirty="0" err="1" smtClean="0"/>
+              <a:t>Pathway</a:t>
+            </a:r>
+            <a:r>
+              <a:rPr lang="fr-FR" sz="2000" dirty="0" smtClean="0"/>
+              <a:t> </a:t>
+            </a:r>
+            <a:r>
+              <a:rPr lang="fr-FR" sz="2000" dirty="0" err="1" smtClean="0"/>
+              <a:t>mapping</a:t>
+            </a:r>
+            <a:endParaRPr lang="fr-FR" sz="2000" dirty="0" smtClean="0"/>
+          </a:p>
+          <a:p>
+            <a:pPr algn="just"/>
+            <a:endParaRPr lang="fr-FR" sz="2000" dirty="0"/>
+          </a:p>
+          <a:p>
+            <a:pPr algn="just"/>
+            <a:r>
+              <a:rPr lang="fr-FR" sz="2000" dirty="0" err="1" smtClean="0"/>
+              <a:t>Organism</a:t>
+            </a:r>
+            <a:r>
+              <a:rPr lang="fr-FR" sz="2000" dirty="0" smtClean="0"/>
+              <a:t> </a:t>
+            </a:r>
+            <a:r>
+              <a:rPr lang="fr-FR" sz="2000" dirty="0" err="1" smtClean="0"/>
+              <a:t>specific</a:t>
+            </a:r>
+            <a:r>
+              <a:rPr lang="fr-FR" sz="2000" dirty="0" smtClean="0"/>
+              <a:t> (</a:t>
+            </a:r>
+            <a:r>
+              <a:rPr lang="fr-FR" sz="2000" dirty="0" err="1" smtClean="0"/>
+              <a:t>hsa</a:t>
+            </a:r>
+            <a:r>
+              <a:rPr lang="fr-FR" sz="2000" dirty="0" smtClean="0"/>
+              <a:t>)</a:t>
+            </a:r>
+          </a:p>
+          <a:p>
+            <a:pPr algn="just"/>
+            <a:endParaRPr lang="fr-FR" sz="2000" dirty="0"/>
+          </a:p>
+          <a:p>
+            <a:pPr algn="just"/>
+            <a:r>
+              <a:rPr lang="fr-FR" sz="2000" dirty="0" smtClean="0"/>
+              <a:t>All types of </a:t>
+            </a:r>
+            <a:r>
+              <a:rPr lang="fr-FR" sz="2000" dirty="0" err="1" smtClean="0"/>
+              <a:t>pathways</a:t>
+            </a:r>
+            <a:endParaRPr lang="fr-FR" sz="2000" dirty="0" smtClean="0"/>
+          </a:p>
+          <a:p>
+            <a:pPr algn="just"/>
+            <a:endParaRPr lang="fr-FR" sz="2000" dirty="0"/>
+          </a:p>
+          <a:p>
+            <a:pPr algn="just"/>
+            <a:r>
+              <a:rPr lang="fr-FR" sz="2000" dirty="0" err="1" smtClean="0"/>
+              <a:t>Several</a:t>
+            </a:r>
+            <a:r>
+              <a:rPr lang="fr-FR" sz="2000" dirty="0" smtClean="0"/>
+              <a:t> </a:t>
+            </a:r>
+            <a:r>
+              <a:rPr lang="fr-FR" sz="2000" dirty="0" err="1" smtClean="0"/>
+              <a:t>databases</a:t>
+            </a:r>
+            <a:endParaRPr lang="fr-FR" sz="2000" dirty="0" smtClean="0"/>
+          </a:p>
+          <a:p>
+            <a:pPr algn="just"/>
+            <a:endParaRPr lang="fr-FR" sz="2000" dirty="0"/>
+          </a:p>
+          <a:p>
+            <a:pPr algn="just"/>
+            <a:r>
+              <a:rPr lang="fr-FR" sz="2000" dirty="0" err="1" smtClean="0"/>
+              <a:t>Clear</a:t>
+            </a:r>
+            <a:r>
+              <a:rPr lang="fr-FR" sz="2000" dirty="0" smtClean="0"/>
+              <a:t> identification of </a:t>
+            </a:r>
+            <a:r>
+              <a:rPr lang="fr-FR" sz="2000" dirty="0" err="1" smtClean="0"/>
+              <a:t>target</a:t>
+            </a:r>
+            <a:r>
+              <a:rPr lang="fr-FR" sz="2000" dirty="0" smtClean="0"/>
+              <a:t> </a:t>
+            </a:r>
+            <a:r>
+              <a:rPr lang="fr-FR" sz="2000" dirty="0" err="1" smtClean="0"/>
+              <a:t>gene</a:t>
+            </a:r>
+            <a:endParaRPr lang="fr-FR" sz="2000" dirty="0" smtClean="0"/>
+          </a:p>
+          <a:p>
+            <a:pPr marL="0" indent="0" algn="just">
+              <a:buNone/>
+            </a:pPr>
+            <a:endParaRPr lang="fr-FR" sz="2000" dirty="0"/>
+          </a:p>
+          <a:p>
+            <a:pPr marL="0" indent="0" algn="just">
+              <a:buFont typeface="Arial" panose="020B0604020202020204" pitchFamily="34" charset="0"/>
+              <a:buNone/>
+            </a:pPr>
+            <a:endParaRPr lang="fr-FR" sz="2000" dirty="0"/>
+          </a:p>
+        </p:txBody>
+      </p:sp>
+      <p:sp>
+        <p:nvSpPr>
+          <p:cNvPr id="7" name="Rectangle 6"/>
+          <p:cNvSpPr/>
+          <p:nvPr/>
+        </p:nvSpPr>
+        <p:spPr>
+          <a:xfrm>
+            <a:off x="10192000" y="3507368"/>
+            <a:ext cx="1552325" cy="566256"/>
+          </a:xfrm>
+          <a:prstGeom prst="rect">
+            <a:avLst/>
+          </a:prstGeom>
+          <a:noFill/>
+          <a:ln w="28575">
+            <a:solidFill>
+              <a:srgbClr val="0070C0"/>
+            </a:solidFill>
+          </a:ln>
+        </p:spPr>
+        <p:style>
+          <a:lnRef idx="2">
+            <a:schemeClr val="accent1">
+              <a:shade val="50000"/>
+            </a:schemeClr>
+          </a:lnRef>
+          <a:fillRef idx="1">
+            <a:schemeClr val="accent1"/>
+          </a:fillRef>
+          <a:effectRef idx="0">
+            <a:schemeClr val="accent1"/>
+          </a:effectRef>
+          <a:fontRef idx="minor">
+            <a:schemeClr val="lt1"/>
+          </a:fontRef>
+        </p:style>
+        <p:txBody>
+          <a:bodyPr rtlCol="0" anchor="ctr"/>
+          <a:lstStyle/>
+          <a:p>
+            <a:pPr algn="ctr"/>
+            <a:r>
+              <a:rPr lang="en-CA" dirty="0" smtClean="0">
+                <a:solidFill>
+                  <a:schemeClr val="tx1"/>
+                </a:solidFill>
+              </a:rPr>
+              <a:t>KEGG Mapper</a:t>
+            </a:r>
+            <a:endParaRPr lang="en-CA" dirty="0">
+              <a:solidFill>
+                <a:schemeClr val="tx1"/>
+              </a:solidFill>
+            </a:endParaRPr>
+          </a:p>
+        </p:txBody>
+      </p:sp>
+      <p:sp>
+        <p:nvSpPr>
+          <p:cNvPr id="8" name="Rectangle 7"/>
+          <p:cNvSpPr/>
+          <p:nvPr/>
+        </p:nvSpPr>
+        <p:spPr>
+          <a:xfrm>
+            <a:off x="10097735" y="2310507"/>
+            <a:ext cx="1739183" cy="512371"/>
+          </a:xfrm>
+          <a:prstGeom prst="rect">
+            <a:avLst/>
+          </a:prstGeom>
+          <a:noFill/>
+          <a:ln w="28575">
+            <a:solidFill>
+              <a:schemeClr val="tx1"/>
+            </a:solidFill>
+          </a:ln>
+        </p:spPr>
+        <p:style>
+          <a:lnRef idx="2">
+            <a:schemeClr val="accent1">
+              <a:shade val="50000"/>
+            </a:schemeClr>
+          </a:lnRef>
+          <a:fillRef idx="1">
+            <a:schemeClr val="accent1"/>
+          </a:fillRef>
+          <a:effectRef idx="0">
+            <a:schemeClr val="accent1"/>
+          </a:effectRef>
+          <a:fontRef idx="minor">
+            <a:schemeClr val="lt1"/>
+          </a:fontRef>
+        </p:style>
+        <p:txBody>
+          <a:bodyPr rtlCol="0" anchor="ctr"/>
+          <a:lstStyle/>
+          <a:p>
+            <a:pPr algn="ctr"/>
+            <a:r>
+              <a:rPr lang="en-CA" dirty="0" err="1" smtClean="0">
+                <a:solidFill>
+                  <a:schemeClr val="tx1"/>
+                </a:solidFill>
+              </a:rPr>
+              <a:t>hsa</a:t>
+            </a:r>
+            <a:r>
+              <a:rPr lang="en-CA" dirty="0" smtClean="0">
+                <a:solidFill>
+                  <a:schemeClr val="tx1"/>
+                </a:solidFill>
+              </a:rPr>
+              <a:t> conversions</a:t>
+            </a:r>
+            <a:endParaRPr lang="en-CA" dirty="0">
+              <a:solidFill>
+                <a:schemeClr val="tx1"/>
+              </a:solidFill>
+            </a:endParaRPr>
+          </a:p>
+        </p:txBody>
+      </p:sp>
+      <p:cxnSp>
+        <p:nvCxnSpPr>
+          <p:cNvPr id="9" name="Elbow Connector 8"/>
+          <p:cNvCxnSpPr>
+            <a:stCxn id="8" idx="2"/>
+            <a:endCxn id="7" idx="0"/>
+          </p:cNvCxnSpPr>
+          <p:nvPr/>
+        </p:nvCxnSpPr>
+        <p:spPr>
+          <a:xfrm rot="16200000" flipH="1">
+            <a:off x="10625500" y="3164705"/>
+            <a:ext cx="684490" cy="836"/>
+          </a:xfrm>
+          <a:prstGeom prst="bentConnector3">
+            <a:avLst>
+              <a:gd name="adj1" fmla="val 50000"/>
+            </a:avLst>
+          </a:prstGeom>
+          <a:ln w="28575">
+            <a:solidFill>
+              <a:schemeClr val="tx1"/>
+            </a:solidFill>
+            <a:tailEnd type="triangle"/>
+          </a:ln>
+        </p:spPr>
+        <p:style>
+          <a:lnRef idx="1">
+            <a:schemeClr val="accent1"/>
+          </a:lnRef>
+          <a:fillRef idx="0">
+            <a:schemeClr val="accent1"/>
+          </a:fillRef>
+          <a:effectRef idx="0">
+            <a:schemeClr val="accent1"/>
+          </a:effectRef>
+          <a:fontRef idx="minor">
+            <a:schemeClr val="tx1"/>
+          </a:fontRef>
+        </p:style>
+      </p:cxnSp>
+      <p:sp>
+        <p:nvSpPr>
+          <p:cNvPr id="15" name="Rectangle 14"/>
+          <p:cNvSpPr/>
+          <p:nvPr/>
+        </p:nvSpPr>
+        <p:spPr>
+          <a:xfrm>
+            <a:off x="5228223" y="5706208"/>
+            <a:ext cx="4106277" cy="194529"/>
+          </a:xfrm>
+          <a:prstGeom prst="rect">
+            <a:avLst/>
+          </a:prstGeom>
+          <a:noFill/>
+          <a:ln w="57150">
+            <a:solidFill>
+              <a:srgbClr val="FF0000"/>
+            </a:solidFill>
+          </a:ln>
+        </p:spPr>
+        <p:style>
+          <a:lnRef idx="2">
+            <a:schemeClr val="accent1">
+              <a:shade val="50000"/>
+            </a:schemeClr>
+          </a:lnRef>
+          <a:fillRef idx="1">
+            <a:schemeClr val="accent1"/>
+          </a:fillRef>
+          <a:effectRef idx="0">
+            <a:schemeClr val="accent1"/>
+          </a:effectRef>
+          <a:fontRef idx="minor">
+            <a:schemeClr val="lt1"/>
+          </a:fontRef>
+        </p:style>
+        <p:txBody>
+          <a:bodyPr rtlCol="0" anchor="ctr"/>
+          <a:lstStyle/>
+          <a:p>
+            <a:pPr algn="ctr"/>
+            <a:endParaRPr lang="en-CA"/>
+          </a:p>
+        </p:txBody>
+      </p:sp>
+      <p:pic>
+        <p:nvPicPr>
+          <p:cNvPr id="24" name="Picture 23"/>
+          <p:cNvPicPr>
+            <a:picLocks noChangeAspect="1"/>
+          </p:cNvPicPr>
+          <p:nvPr/>
+        </p:nvPicPr>
+        <p:blipFill rotWithShape="1">
+          <a:blip r:embed="rId3">
+            <a:extLst>
+              <a:ext uri="{28A0092B-C50C-407E-A947-70E740481C1C}">
+                <a14:useLocalDpi xmlns:a14="http://schemas.microsoft.com/office/drawing/2010/main" val="0"/>
+              </a:ext>
+            </a:extLst>
+          </a:blip>
+          <a:srcRect r="19007"/>
+          <a:stretch/>
+        </p:blipFill>
+        <p:spPr>
+          <a:xfrm>
+            <a:off x="4942801" y="1834500"/>
+            <a:ext cx="5098758" cy="4284511"/>
+          </a:xfrm>
+          <a:prstGeom prst="rect">
+            <a:avLst/>
+          </a:prstGeom>
+          <a:ln>
+            <a:solidFill>
+              <a:schemeClr val="tx1"/>
+            </a:solidFill>
+          </a:ln>
+        </p:spPr>
+      </p:pic>
+    </p:spTree>
+    <p:extLst>
+      <p:ext uri="{BB962C8B-B14F-4D97-AF65-F5344CB8AC3E}">
+        <p14:creationId xmlns:p14="http://schemas.microsoft.com/office/powerpoint/2010/main" val="1105228769"/>
+      </p:ext>
+    </p:extLst>
+  </p:cSld>
+  <p:clrMapOvr>
+    <a:masterClrMapping/>
+  </p:clrMapOvr>
+  <p:timing>
+    <p:tnLst>
+      <p:par>
+        <p:cTn id="1" dur="indefinite" restart="never" nodeType="tmRoot">
+          <p:childTnLst>
+            <p:seq concurrent="1" nextAc="seek">
+              <p:cTn id="2" dur="indefinite" nodeType="mainSeq">
+                <p:childTnLst>
+                  <p:par>
+                    <p:cTn id="3" fill="hold">
+                      <p:stCondLst>
+                        <p:cond delay="indefinite"/>
+                      </p:stCondLst>
+                      <p:childTnLst>
+                        <p:par>
+                          <p:cTn id="4" fill="hold">
+                            <p:stCondLst>
+                              <p:cond delay="0"/>
+                            </p:stCondLst>
+                            <p:childTnLst>
+                              <p:par>
+                                <p:cTn id="5" presetID="10" presetClass="exit" presetSubtype="0" fill="hold" nodeType="clickEffect">
+                                  <p:stCondLst>
+                                    <p:cond delay="0"/>
+                                  </p:stCondLst>
+                                  <p:childTnLst>
+                                    <p:animEffect transition="out" filter="fade">
+                                      <p:cBhvr>
+                                        <p:cTn id="6" dur="500"/>
+                                        <p:tgtEl>
+                                          <p:spTgt spid="20"/>
+                                        </p:tgtEl>
+                                      </p:cBhvr>
+                                    </p:animEffect>
+                                    <p:set>
+                                      <p:cBhvr>
+                                        <p:cTn id="7" dur="1" fill="hold">
+                                          <p:stCondLst>
+                                            <p:cond delay="499"/>
+                                          </p:stCondLst>
+                                        </p:cTn>
+                                        <p:tgtEl>
+                                          <p:spTgt spid="20"/>
+                                        </p:tgtEl>
+                                        <p:attrNameLst>
+                                          <p:attrName>style.visibility</p:attrName>
+                                        </p:attrNameLst>
+                                      </p:cBhvr>
+                                      <p:to>
+                                        <p:strVal val="hidden"/>
+                                      </p:to>
+                                    </p:set>
+                                  </p:childTnLst>
+                                </p:cTn>
+                              </p:par>
+                              <p:par>
+                                <p:cTn id="8" presetID="10" presetClass="entr" presetSubtype="0" fill="hold" nodeType="withEffect">
+                                  <p:stCondLst>
+                                    <p:cond delay="0"/>
+                                  </p:stCondLst>
+                                  <p:childTnLst>
+                                    <p:set>
+                                      <p:cBhvr>
+                                        <p:cTn id="9" dur="1" fill="hold">
+                                          <p:stCondLst>
+                                            <p:cond delay="0"/>
+                                          </p:stCondLst>
+                                        </p:cTn>
+                                        <p:tgtEl>
+                                          <p:spTgt spid="24"/>
+                                        </p:tgtEl>
+                                        <p:attrNameLst>
+                                          <p:attrName>style.visibility</p:attrName>
+                                        </p:attrNameLst>
+                                      </p:cBhvr>
+                                      <p:to>
+                                        <p:strVal val="visible"/>
+                                      </p:to>
+                                    </p:set>
+                                    <p:animEffect transition="in" filter="fade">
+                                      <p:cBhvr>
+                                        <p:cTn id="10" dur="500"/>
+                                        <p:tgtEl>
+                                          <p:spTgt spid="24"/>
+                                        </p:tgtEl>
+                                      </p:cBhvr>
+                                    </p:animEffect>
+                                  </p:childTnLst>
+                                </p:cTn>
+                              </p:par>
+                            </p:childTnLst>
+                          </p:cTn>
+                        </p:par>
+                      </p:childTnLst>
+                    </p:cTn>
+                  </p:par>
+                </p:childTnLst>
+              </p:cTn>
+              <p:prevCondLst>
+                <p:cond evt="onPrev" delay="0">
+                  <p:tgtEl>
+                    <p:sldTgt/>
+                  </p:tgtEl>
+                </p:cond>
+              </p:prevCondLst>
+              <p:nextCondLst>
+                <p:cond evt="onNext" delay="0">
+                  <p:tgtEl>
+                    <p:sldTgt/>
+                  </p:tgtEl>
+                </p:cond>
+              </p:nextCondLst>
+            </p:seq>
+          </p:childTnLst>
+        </p:cTn>
+      </p:par>
+    </p:tnLst>
+  </p:timing>
+</p:sld>
+</file>
+
+<file path=ppt/slides/slide18.xml><?xml version="1.0" encoding="utf-8"?>
+<p:sld xmlns:a="http://schemas.openxmlformats.org/drawingml/2006/main" xmlns:r="http://schemas.openxmlformats.org/officeDocument/2006/relationships" xmlns:p="http://schemas.openxmlformats.org/presentationml/2006/main">
+  <p:cSld>
+    <p:spTree>
+      <p:nvGrpSpPr>
+        <p:cNvPr id="1" name=""/>
+        <p:cNvGrpSpPr/>
+        <p:nvPr/>
+      </p:nvGrpSpPr>
+      <p:grpSpPr>
+        <a:xfrm>
+          <a:off x="0" y="0"/>
+          <a:ext cx="0" cy="0"/>
+          <a:chOff x="0" y="0"/>
+          <a:chExt cx="0" cy="0"/>
+        </a:xfrm>
+      </p:grpSpPr>
+      <p:sp>
+        <p:nvSpPr>
+          <p:cNvPr id="2" name="Slide Number Placeholder 1"/>
+          <p:cNvSpPr>
+            <a:spLocks noGrp="1"/>
+          </p:cNvSpPr>
+          <p:nvPr>
+            <p:ph type="sldNum" sz="quarter" idx="4"/>
+          </p:nvPr>
+        </p:nvSpPr>
+        <p:spPr/>
+        <p:txBody>
+          <a:bodyPr/>
+          <a:lstStyle/>
+          <a:p>
+            <a:fld id="{813506F1-DB5F-4FC9-88BA-B486F30FE4BF}" type="slidenum">
+              <a:rPr lang="fr-FR" smtClean="0"/>
+              <a:pPr/>
+              <a:t>17</a:t>
+            </a:fld>
+            <a:endParaRPr lang="fr-FR" dirty="0"/>
+          </a:p>
+        </p:txBody>
+      </p:sp>
+      <p:sp>
+        <p:nvSpPr>
+          <p:cNvPr id="3" name="Title 1"/>
+          <p:cNvSpPr txBox="1">
+            <a:spLocks/>
+          </p:cNvSpPr>
+          <p:nvPr/>
+        </p:nvSpPr>
+        <p:spPr>
+          <a:xfrm>
+            <a:off x="648394" y="2101646"/>
+            <a:ext cx="3373000" cy="733833"/>
+          </a:xfrm>
+          <a:prstGeom prst="rect">
+            <a:avLst/>
+          </a:prstGeom>
+        </p:spPr>
+        <p:txBody>
+          <a:bodyPr/>
+          <a:lstStyle>
+            <a:lvl1pPr algn="l" defTabSz="914400" rtl="0" eaLnBrk="1" latinLnBrk="0" hangingPunct="1">
+              <a:lnSpc>
+                <a:spcPct val="90000"/>
+              </a:lnSpc>
+              <a:spcBef>
+                <a:spcPct val="0"/>
+              </a:spcBef>
+              <a:buNone/>
+              <a:defRPr sz="4400" kern="1200">
+                <a:solidFill>
+                  <a:schemeClr val="tx1"/>
+                </a:solidFill>
+                <a:latin typeface="+mj-lt"/>
+                <a:ea typeface="+mj-ea"/>
+                <a:cs typeface="+mj-cs"/>
+              </a:defRPr>
+            </a:lvl1pPr>
+          </a:lstStyle>
+          <a:p>
+            <a:r>
+              <a:rPr lang="fr-FR" dirty="0" smtClean="0"/>
+              <a:t>MERAV</a:t>
+            </a:r>
+            <a:endParaRPr lang="fr-FR" dirty="0"/>
+          </a:p>
+        </p:txBody>
+      </p:sp>
+      <p:sp>
+        <p:nvSpPr>
+          <p:cNvPr id="4" name="Content Placeholder 2"/>
+          <p:cNvSpPr txBox="1">
+            <a:spLocks/>
+          </p:cNvSpPr>
+          <p:nvPr/>
+        </p:nvSpPr>
+        <p:spPr>
+          <a:xfrm>
+            <a:off x="1236684" y="2835479"/>
+            <a:ext cx="3830616" cy="3765346"/>
           </a:xfrm>
           <a:prstGeom prst="rect">
             <a:avLst/>
@@ -17623,24 +21932,14 @@
           <a:p>
             <a:pPr algn="just"/>
             <a:r>
-              <a:rPr lang="fr-FR" sz="2000" dirty="0" err="1" smtClean="0"/>
-              <a:t>Easy</a:t>
+              <a:rPr lang="fr-FR" sz="2000" dirty="0" smtClean="0"/>
+              <a:t>Gene expression </a:t>
             </a:r>
             <a:r>
-              <a:rPr lang="fr-FR" sz="2000" dirty="0" smtClean="0"/>
-              <a:t> to use</a:t>
+              <a:rPr lang="fr-FR" sz="2000" dirty="0" err="1" smtClean="0"/>
+              <a:t>analysis</a:t>
             </a:r>
-          </a:p>
-          <a:p>
-            <a:pPr algn="just"/>
             <a:endParaRPr lang="fr-FR" sz="2000" dirty="0" smtClean="0"/>
-          </a:p>
-          <a:p>
-            <a:pPr algn="just"/>
-            <a:r>
-              <a:rPr lang="fr-FR" sz="2000" dirty="0" smtClean="0"/>
-              <a:t>Confirmation table</a:t>
-            </a:r>
           </a:p>
           <a:p>
             <a:pPr algn="just"/>
@@ -17650,34 +21949,71 @@
             <a:pPr algn="just"/>
             <a:r>
               <a:rPr lang="fr-FR" sz="2000" dirty="0" err="1" smtClean="0"/>
-              <a:t>Enables</a:t>
+              <a:t>Search</a:t>
             </a:r>
             <a:r>
               <a:rPr lang="fr-FR" sz="2000" dirty="0" smtClean="0"/>
-              <a:t> KEGG Mapper and MERAV</a:t>
+              <a:t> </a:t>
             </a:r>
-          </a:p>
-          <a:p>
-            <a:pPr algn="just"/>
+            <a:r>
+              <a:rPr lang="fr-FR" sz="2000" dirty="0" err="1" smtClean="0"/>
+              <a:t>using</a:t>
+            </a:r>
+            <a:r>
+              <a:rPr lang="fr-FR" sz="2000" dirty="0" smtClean="0"/>
+              <a:t> one or </a:t>
+            </a:r>
+            <a:r>
+              <a:rPr lang="fr-FR" sz="2000" dirty="0" err="1" smtClean="0"/>
+              <a:t>several</a:t>
+            </a:r>
+            <a:r>
+              <a:rPr lang="fr-FR" sz="2000" dirty="0" smtClean="0"/>
+              <a:t> </a:t>
+            </a:r>
+            <a:r>
+              <a:rPr lang="fr-FR" sz="2000" dirty="0" err="1" smtClean="0"/>
+              <a:t>genes</a:t>
+            </a:r>
             <a:endParaRPr lang="fr-FR" sz="2000" dirty="0" smtClean="0"/>
           </a:p>
           <a:p>
             <a:pPr algn="just"/>
+            <a:endParaRPr lang="fr-FR" sz="2000" dirty="0"/>
+          </a:p>
+          <a:p>
+            <a:pPr algn="just"/>
+            <a:r>
+              <a:rPr lang="fr-FR" sz="2000" dirty="0" err="1" smtClean="0"/>
+              <a:t>Hundreds</a:t>
+            </a:r>
+            <a:r>
+              <a:rPr lang="fr-FR" sz="2000" dirty="0" smtClean="0"/>
+              <a:t> of </a:t>
+            </a:r>
+            <a:r>
+              <a:rPr lang="fr-FR" sz="2000" dirty="0" err="1" smtClean="0"/>
+              <a:t>cell</a:t>
+            </a:r>
+            <a:r>
+              <a:rPr lang="fr-FR" sz="2000" dirty="0" smtClean="0"/>
+              <a:t> </a:t>
+            </a:r>
+            <a:r>
+              <a:rPr lang="fr-FR" sz="2000" dirty="0" err="1" smtClean="0"/>
+              <a:t>lines</a:t>
+            </a:r>
             <a:endParaRPr lang="fr-FR" sz="2000" dirty="0" smtClean="0"/>
           </a:p>
           <a:p>
-            <a:pPr marL="0" indent="0" algn="just">
-              <a:buNone/>
-            </a:pPr>
-            <a:endParaRPr lang="fr-FR" sz="2000" dirty="0" smtClean="0"/>
+            <a:pPr algn="just"/>
+            <a:endParaRPr lang="fr-FR" sz="2000" dirty="0"/>
           </a:p>
           <a:p>
-            <a:pPr marL="0" indent="0" algn="just">
-              <a:buNone/>
-            </a:pPr>
+            <a:pPr algn="just"/>
             <a:r>
               <a:rPr lang="fr-FR" sz="2000" dirty="0" smtClean="0"/>
-              <a:t>	</a:t>
+              <a:t>Comparative analyses</a:t>
             </a:r>
           </a:p>
           <a:p>
@@ -17695,24 +22031,58 @@
           </a:p>
         </p:txBody>
       </p:sp>
+      <p:pic>
+        <p:nvPicPr>
+          <p:cNvPr id="5" name="Picture 4"/>
+          <p:cNvPicPr>
+            <a:picLocks noChangeAspect="1"/>
+          </p:cNvPicPr>
+          <p:nvPr/>
+        </p:nvPicPr>
+        <p:blipFill rotWithShape="1">
+          <a:blip r:embed="rId2">
+            <a:extLst>
+              <a:ext uri="{28A0092B-C50C-407E-A947-70E740481C1C}">
+                <a14:useLocalDpi xmlns:a14="http://schemas.microsoft.com/office/drawing/2010/main" val="0"/>
+              </a:ext>
+            </a:extLst>
+          </a:blip>
+          <a:srcRect l="2218" r="33150"/>
+          <a:stretch/>
+        </p:blipFill>
+        <p:spPr>
+          <a:xfrm>
+            <a:off x="5095875" y="1796400"/>
+            <a:ext cx="4457700" cy="4048690"/>
+          </a:xfrm>
+          <a:prstGeom prst="rect">
+            <a:avLst/>
+          </a:prstGeom>
+          <a:ln>
+            <a:solidFill>
+              <a:schemeClr val="tx1"/>
+            </a:solidFill>
+          </a:ln>
+        </p:spPr>
+      </p:pic>
       <p:sp>
         <p:nvSpPr>
-          <p:cNvPr id="8" name="Rectangle 7"/>
+          <p:cNvPr id="6" name="Rectangle 5"/>
           <p:cNvSpPr/>
           <p:nvPr/>
         </p:nvSpPr>
         <p:spPr>
           <a:xfrm>
-            <a:off x="6184106" y="2814638"/>
-            <a:ext cx="1045369" cy="186531"/>
+            <a:off x="10137783" y="3013301"/>
+            <a:ext cx="1739184" cy="528507"/>
           </a:xfrm>
           <a:prstGeom prst="rect">
             <a:avLst/>
           </a:prstGeom>
           <a:noFill/>
-          <a:ln w="57150">
+          <a:ln w="28575">
             <a:solidFill>
-              <a:srgbClr val="FF0000"/>
+              <a:schemeClr val="tx1"/>
             </a:solidFill>
           </a:ln>
         </p:spPr>
@@ -17737,14 +22107,261 @@
           <a:lstStyle/>
           <a:p>
             <a:pPr algn="ctr"/>
-            <a:endParaRPr lang="en-CA"/>
+            <a:r>
+              <a:rPr lang="en-CA" dirty="0" smtClean="0">
+                <a:solidFill>
+                  <a:schemeClr val="tx1"/>
+                </a:solidFill>
+              </a:rPr>
+              <a:t>Significant gene list</a:t>
+            </a:r>
+            <a:endParaRPr lang="en-CA" dirty="0">
+              <a:solidFill>
+                <a:schemeClr val="tx1"/>
+              </a:solidFill>
+            </a:endParaRPr>
           </a:p>
         </p:txBody>
       </p:sp>
+      <p:sp>
+        <p:nvSpPr>
+          <p:cNvPr id="7" name="Rectangle 6"/>
+          <p:cNvSpPr/>
+          <p:nvPr/>
+        </p:nvSpPr>
+        <p:spPr>
+          <a:xfrm>
+            <a:off x="10245935" y="4620566"/>
+            <a:ext cx="1522881" cy="566256"/>
+          </a:xfrm>
+          <a:prstGeom prst="rect">
+            <a:avLst/>
+          </a:prstGeom>
+          <a:noFill/>
+          <a:ln w="28575">
+            <a:solidFill>
+              <a:srgbClr val="0070C0"/>
+            </a:solidFill>
+          </a:ln>
+        </p:spPr>
+        <p:style>
+          <a:lnRef idx="2">
+            <a:schemeClr val="accent1">
+              <a:shade val="50000"/>
+            </a:schemeClr>
+          </a:lnRef>
+          <a:fillRef idx="1">
+            <a:schemeClr val="accent1"/>
+          </a:fillRef>
+          <a:effectRef idx="0">
+            <a:schemeClr val="accent1"/>
+          </a:effectRef>
+          <a:fontRef idx="minor">
+            <a:schemeClr val="lt1"/>
+          </a:fontRef>
+        </p:style>
+        <p:txBody>
+          <a:bodyPr rtlCol="0" anchor="ctr"/>
+          <a:lstStyle/>
+          <a:p>
+            <a:pPr algn="ctr"/>
+            <a:r>
+              <a:rPr lang="en-CA" dirty="0" smtClean="0">
+                <a:solidFill>
+                  <a:schemeClr val="tx1"/>
+                </a:solidFill>
+              </a:rPr>
+              <a:t>MERAV</a:t>
+            </a:r>
+            <a:endParaRPr lang="en-CA" dirty="0">
+              <a:solidFill>
+                <a:schemeClr val="tx1"/>
+              </a:solidFill>
+            </a:endParaRPr>
+          </a:p>
+        </p:txBody>
+      </p:sp>
+      <p:sp>
+        <p:nvSpPr>
+          <p:cNvPr id="8" name="Rectangle 7"/>
+          <p:cNvSpPr/>
+          <p:nvPr/>
+        </p:nvSpPr>
+        <p:spPr>
+          <a:xfrm>
+            <a:off x="9758464" y="2101493"/>
+            <a:ext cx="1739183" cy="744859"/>
+          </a:xfrm>
+          <a:prstGeom prst="rect">
+            <a:avLst/>
+          </a:prstGeom>
+          <a:noFill/>
+          <a:ln w="28575">
+            <a:solidFill>
+              <a:schemeClr val="tx1"/>
+            </a:solidFill>
+          </a:ln>
+        </p:spPr>
+        <p:style>
+          <a:lnRef idx="2">
+            <a:schemeClr val="accent1">
+              <a:shade val="50000"/>
+            </a:schemeClr>
+          </a:lnRef>
+          <a:fillRef idx="1">
+            <a:schemeClr val="accent1"/>
+          </a:fillRef>
+          <a:effectRef idx="0">
+            <a:schemeClr val="accent1"/>
+          </a:effectRef>
+          <a:fontRef idx="minor">
+            <a:schemeClr val="lt1"/>
+          </a:fontRef>
+        </p:style>
+        <p:txBody>
+          <a:bodyPr rtlCol="0" anchor="ctr"/>
+          <a:lstStyle/>
+          <a:p>
+            <a:pPr algn="ctr"/>
+            <a:r>
+              <a:rPr lang="en-CA" dirty="0" smtClean="0">
+                <a:solidFill>
+                  <a:schemeClr val="tx1"/>
+                </a:solidFill>
+              </a:rPr>
+              <a:t>Custom significant gene list</a:t>
+            </a:r>
+            <a:endParaRPr lang="en-CA" dirty="0">
+              <a:solidFill>
+                <a:schemeClr val="tx1"/>
+              </a:solidFill>
+            </a:endParaRPr>
+          </a:p>
+        </p:txBody>
+      </p:sp>
+      <p:cxnSp>
+        <p:nvCxnSpPr>
+          <p:cNvPr id="9" name="Elbow Connector 8"/>
+          <p:cNvCxnSpPr>
+            <a:stCxn id="6" idx="3"/>
+            <a:endCxn id="7" idx="0"/>
+          </p:cNvCxnSpPr>
+          <p:nvPr/>
+        </p:nvCxnSpPr>
+        <p:spPr>
+          <a:xfrm flipH="1">
+            <a:off x="11007376" y="3277555"/>
+            <a:ext cx="869591" cy="1343011"/>
+          </a:xfrm>
+          <a:prstGeom prst="bentConnector4">
+            <a:avLst>
+              <a:gd name="adj1" fmla="val -26288"/>
+              <a:gd name="adj2" fmla="val 59838"/>
+            </a:avLst>
+          </a:prstGeom>
+          <a:ln w="28575">
+            <a:solidFill>
+              <a:schemeClr val="tx1"/>
+            </a:solidFill>
+            <a:tailEnd type="triangle"/>
+          </a:ln>
+        </p:spPr>
+        <p:style>
+          <a:lnRef idx="1">
+            <a:schemeClr val="accent1"/>
+          </a:lnRef>
+          <a:fillRef idx="0">
+            <a:schemeClr val="accent1"/>
+          </a:fillRef>
+          <a:effectRef idx="0">
+            <a:schemeClr val="accent1"/>
+          </a:effectRef>
+          <a:fontRef idx="minor">
+            <a:schemeClr val="tx1"/>
+          </a:fontRef>
+        </p:style>
+      </p:cxnSp>
+      <p:cxnSp>
+        <p:nvCxnSpPr>
+          <p:cNvPr id="10" name="Elbow Connector 9"/>
+          <p:cNvCxnSpPr>
+            <a:stCxn id="8" idx="3"/>
+            <a:endCxn id="7" idx="0"/>
+          </p:cNvCxnSpPr>
+          <p:nvPr/>
+        </p:nvCxnSpPr>
+        <p:spPr>
+          <a:xfrm flipH="1">
+            <a:off x="11007376" y="2473923"/>
+            <a:ext cx="490271" cy="2146643"/>
+          </a:xfrm>
+          <a:prstGeom prst="bentConnector4">
+            <a:avLst>
+              <a:gd name="adj1" fmla="val -95197"/>
+              <a:gd name="adj2" fmla="val 58675"/>
+            </a:avLst>
+          </a:prstGeom>
+          <a:ln w="28575">
+            <a:solidFill>
+              <a:schemeClr val="tx1"/>
+            </a:solidFill>
+            <a:tailEnd type="triangle"/>
+          </a:ln>
+        </p:spPr>
+        <p:style>
+          <a:lnRef idx="1">
+            <a:schemeClr val="accent1"/>
+          </a:lnRef>
+          <a:fillRef idx="0">
+            <a:schemeClr val="accent1"/>
+          </a:fillRef>
+          <a:effectRef idx="0">
+            <a:schemeClr val="accent1"/>
+          </a:effectRef>
+          <a:fontRef idx="minor">
+            <a:schemeClr val="tx1"/>
+          </a:fontRef>
+        </p:style>
+      </p:cxnSp>
+      <p:pic>
+        <p:nvPicPr>
+          <p:cNvPr id="31" name="Picture 30"/>
+          <p:cNvPicPr>
+            <a:picLocks noChangeAspect="1"/>
+          </p:cNvPicPr>
+          <p:nvPr/>
+        </p:nvPicPr>
+        <p:blipFill>
+          <a:blip r:embed="rId3">
+            <a:extLst>
+              <a:ext uri="{28A0092B-C50C-407E-A947-70E740481C1C}">
+                <a14:useLocalDpi xmlns:a14="http://schemas.microsoft.com/office/drawing/2010/main" val="0"/>
+              </a:ext>
+            </a:extLst>
+          </a:blip>
+          <a:stretch>
+            <a:fillRect/>
+          </a:stretch>
+        </p:blipFill>
+        <p:spPr>
+          <a:xfrm>
+            <a:off x="5057349" y="1796400"/>
+            <a:ext cx="4496226" cy="4624127"/>
+          </a:xfrm>
+          <a:prstGeom prst="rect">
+            <a:avLst/>
+          </a:prstGeom>
+          <a:ln>
+            <a:solidFill>
+              <a:schemeClr val="tx1"/>
+            </a:solidFill>
+          </a:ln>
+        </p:spPr>
+      </p:pic>
     </p:spTree>
     <p:extLst>
       <p:ext uri="{BB962C8B-B14F-4D97-AF65-F5344CB8AC3E}">
-        <p14:creationId xmlns:p14="http://schemas.microsoft.com/office/powerpoint/2010/main" val="4523215"/>
+        <p14:creationId xmlns:p14="http://schemas.microsoft.com/office/powerpoint/2010/main" val="3673481006"/>
       </p:ext>
     </p:extLst>
   </p:cSld>
@@ -17754,14 +22371,90 @@
   <p:timing>
     <p:tnLst>
       <p:par>
-        <p:cTn id="1" dur="indefinite" restart="never" nodeType="tmRoot"/>
+        <p:cTn id="1" dur="indefinite" restart="never" nodeType="tmRoot">
+          <p:childTnLst>
+            <p:seq concurrent="1" nextAc="seek">
+              <p:cTn id="2" dur="indefinite" nodeType="mainSeq">
+                <p:childTnLst>
+                  <p:par>
+                    <p:cTn id="3" fill="hold">
+                      <p:stCondLst>
+                        <p:cond delay="indefinite"/>
+                      </p:stCondLst>
+                      <p:childTnLst>
+                        <p:par>
+                          <p:cTn id="4" fill="hold">
+                            <p:stCondLst>
+                              <p:cond delay="0"/>
+                            </p:stCondLst>
+                            <p:childTnLst>
+                              <p:par>
+                                <p:cTn id="5" presetID="10" presetClass="entr" presetSubtype="0" fill="hold" nodeType="clickEffect">
+                                  <p:stCondLst>
+                                    <p:cond delay="0"/>
+                                  </p:stCondLst>
+                                  <p:childTnLst>
+                                    <p:set>
+                                      <p:cBhvr>
+                                        <p:cTn id="6" dur="1" fill="hold">
+                                          <p:stCondLst>
+                                            <p:cond delay="0"/>
+                                          </p:stCondLst>
+                                        </p:cTn>
+                                        <p:tgtEl>
+                                          <p:spTgt spid="31"/>
+                                        </p:tgtEl>
+                                        <p:attrNameLst>
+                                          <p:attrName>style.visibility</p:attrName>
+                                        </p:attrNameLst>
+                                      </p:cBhvr>
+                                      <p:to>
+                                        <p:strVal val="visible"/>
+                                      </p:to>
+                                    </p:set>
+                                    <p:animEffect transition="in" filter="fade">
+                                      <p:cBhvr>
+                                        <p:cTn id="7" dur="500"/>
+                                        <p:tgtEl>
+                                          <p:spTgt spid="31"/>
+                                        </p:tgtEl>
+                                      </p:cBhvr>
+                                    </p:animEffect>
+                                  </p:childTnLst>
+                                </p:cTn>
+                              </p:par>
+                            </p:childTnLst>
+                          </p:cTn>
+                        </p:par>
+                      </p:childTnLst>
+                    </p:cTn>
+                  </p:par>
+                </p:childTnLst>
+              </p:cTn>
+              <p:prevCondLst>
+                <p:cond evt="onPrev" delay="0">
+                  <p:tgtEl>
+                    <p:sldTgt/>
+                  </p:tgtEl>
+                </p:cond>
+              </p:prevCondLst>
+              <p:nextCondLst>
+                <p:cond evt="onNext" delay="0">
+                  <p:tgtEl>
+                    <p:sldTgt/>
+                  </p:tgtEl>
+                </p:cond>
+              </p:nextCondLst>
+            </p:seq>
+          </p:childTnLst>
+        </p:cTn>
       </p:par>
     </p:tnLst>
   </p:timing>
 </p:sld>
 </file>
 
-<file path=ppt/slides/slide17.xml><?xml version="1.0" encoding="utf-8"?>
+<file path=ppt/slides/slide19.xml><?xml version="1.0" encoding="utf-8"?>
 <p:sld xmlns:a="http://schemas.openxmlformats.org/drawingml/2006/main" xmlns:r="http://schemas.openxmlformats.org/officeDocument/2006/relationships" xmlns:p="http://schemas.openxmlformats.org/presentationml/2006/main">
   <p:cSld>
     <p:spTree>
@@ -17780,6 +22473,80 @@
       </p:grpSpPr>
       <p:sp>
         <p:nvSpPr>
+          <p:cNvPr id="24" name="Rectangle 23"/>
+          <p:cNvSpPr/>
+          <p:nvPr/>
+        </p:nvSpPr>
+        <p:spPr>
+          <a:xfrm>
+            <a:off x="5057775" y="2008120"/>
+            <a:ext cx="6511048" cy="4134489"/>
+          </a:xfrm>
+          <a:prstGeom prst="rect">
+            <a:avLst/>
+          </a:prstGeom>
+          <a:solidFill>
+            <a:schemeClr val="bg2">
+              <a:lumMod val="90000"/>
+            </a:schemeClr>
+          </a:solidFill>
+          <a:ln>
+            <a:solidFill>
+              <a:schemeClr val="tx1"/>
+            </a:solidFill>
+          </a:ln>
+        </p:spPr>
+        <p:style>
+          <a:lnRef idx="2">
+            <a:schemeClr val="accent1">
+              <a:shade val="50000"/>
+            </a:schemeClr>
+          </a:lnRef>
+          <a:fillRef idx="1">
+            <a:schemeClr val="accent1"/>
+          </a:fillRef>
+          <a:effectRef idx="0">
+            <a:schemeClr val="accent1"/>
+          </a:effectRef>
+          <a:fontRef idx="minor">
+            <a:schemeClr val="lt1"/>
+          </a:fontRef>
+        </p:style>
+        <p:txBody>
+          <a:bodyPr rtlCol="0" anchor="ctr"/>
+          <a:lstStyle/>
+          <a:p>
+            <a:pPr algn="ctr"/>
+            <a:endParaRPr lang="en-CA"/>
+          </a:p>
+        </p:txBody>
+      </p:sp>
+      <p:sp>
+        <p:nvSpPr>
+          <p:cNvPr id="2" name="Slide Number Placeholder 1"/>
+          <p:cNvSpPr>
+            <a:spLocks noGrp="1"/>
+          </p:cNvSpPr>
+          <p:nvPr>
+            <p:ph type="sldNum" sz="quarter" idx="4"/>
+          </p:nvPr>
+        </p:nvSpPr>
+        <p:spPr/>
+        <p:txBody>
+          <a:bodyPr/>
+          <a:lstStyle/>
+          <a:p>
+            <a:fld id="{813506F1-DB5F-4FC9-88BA-B486F30FE4BF}" type="slidenum">
+              <a:rPr lang="fr-FR" smtClean="0"/>
+              <a:pPr/>
+              <a:t>18</a:t>
+            </a:fld>
+            <a:endParaRPr lang="fr-FR" dirty="0"/>
+          </a:p>
+        </p:txBody>
+      </p:sp>
+      <p:sp>
+        <p:nvSpPr>
           <p:cNvPr id="3" name="Title 1"/>
           <p:cNvSpPr txBox="1">
             <a:spLocks/>
@@ -17788,8 +22555,8 @@
         </p:nvSpPr>
         <p:spPr>
           <a:xfrm>
-            <a:off x="648394" y="2101646"/>
-            <a:ext cx="3373000" cy="733833"/>
+            <a:off x="648393" y="2101646"/>
+            <a:ext cx="4028381" cy="733833"/>
           </a:xfrm>
           <a:prstGeom prst="rect">
             <a:avLst/>
@@ -17818,233 +22585,515 @@
           </a:lstStyle>
           <a:p>
             <a:r>
+              <a:rPr lang="fr-FR" dirty="0" err="1" smtClean="0"/>
+              <a:t>Client’s</a:t>
+            </a:r>
+            <a:r>
               <a:rPr lang="fr-FR" dirty="0" smtClean="0"/>
-              <a:t>KEGG Mapper</a:t>
+              <a:t> </a:t>
+            </a:r>
+            <a:r>
+              <a:rPr lang="fr-FR" dirty="0" err="1" smtClean="0"/>
+              <a:t>webpage</a:t>
             </a:r>
             <a:endParaRPr lang="fr-FR" dirty="0"/>
           </a:p>
         </p:txBody>
       </p:sp>
-    </p:spTree>
-    <p:extLst>
-      <p:ext uri="{BB962C8B-B14F-4D97-AF65-F5344CB8AC3E}">
-        <p14:creationId xmlns:p14="http://schemas.microsoft.com/office/powerpoint/2010/main" val="1105228769"/>
-      </p:ext>
-    </p:extLst>
-  </p:cSld>
-  <p:clrMapOvr>
-    <a:masterClrMapping/>
-  </p:clrMapOvr>
-  <p:timing>
-    <p:tnLst>
-      <p:par>
-        <p:cTn id="1" dur="indefinite" restart="never" nodeType="tmRoot"/>
-      </p:par>
-    </p:tnLst>
-  </p:timing>
-</p:sld>
-</file>
-
-<file path=ppt/slides/slide18.xml><?xml version="1.0" encoding="utf-8"?>
-<p:sld xmlns:a="http://schemas.openxmlformats.org/drawingml/2006/main" xmlns:r="http://schemas.openxmlformats.org/officeDocument/2006/relationships" xmlns:p="http://schemas.openxmlformats.org/presentationml/2006/main">
-  <p:cSld>
-    <p:spTree>
-      <p:nvGrpSpPr>
-        <p:cNvPr id="1" name=""/>
-        <p:cNvGrpSpPr/>
-        <p:nvPr/>
-      </p:nvGrpSpPr>
-      <p:grpSpPr>
-        <a:xfrm>
-          <a:off x="0" y="0"/>
-          <a:ext cx="0" cy="0"/>
-          <a:chOff x="0" y="0"/>
-          <a:chExt cx="0" cy="0"/>
-        </a:xfrm>
-      </p:grpSpPr>
       <p:sp>
         <p:nvSpPr>
-          <p:cNvPr id="2" name="Espace réservé du numéro de diapositive 1"/>
-          <p:cNvSpPr>
-            <a:spLocks noGrp="1"/>
+          <p:cNvPr id="4" name="Content Placeholder 2"/>
+          <p:cNvSpPr txBox="1">
+            <a:spLocks/>
           </p:cNvSpPr>
-          <p:nvPr>
-            <p:ph type="sldNum" sz="quarter" idx="4"/>
-          </p:nvPr>
+          <p:nvPr/>
         </p:nvSpPr>
-        <p:spPr/>
+        <p:spPr>
+          <a:xfrm>
+            <a:off x="1236684" y="2835479"/>
+            <a:ext cx="3830616" cy="3765346"/>
+          </a:xfrm>
+          <a:prstGeom prst="rect">
+            <a:avLst/>
+          </a:prstGeom>
+        </p:spPr>
         <p:txBody>
-          <a:bodyPr/>
-          <a:lstStyle/>
+          <a:bodyPr>
+            <a:normAutofit/>
+          </a:bodyPr>
+          <a:lstStyle>
+            <a:lvl1pPr marL="228600" indent="-228600" algn="l" defTabSz="914400" rtl="0" eaLnBrk="1" latinLnBrk="0" hangingPunct="1">
+              <a:lnSpc>
+                <a:spcPct val="90000"/>
+              </a:lnSpc>
+              <a:spcBef>
+                <a:spcPts val="1000"/>
+              </a:spcBef>
+              <a:buFont typeface="Arial" panose="020B0604020202020204" pitchFamily="34" charset="0"/>
+              <a:buChar char="•"/>
+              <a:defRPr sz="2800" kern="1200">
+                <a:solidFill>
+                  <a:schemeClr val="tx1"/>
+                </a:solidFill>
+                <a:latin typeface="+mn-lt"/>
+                <a:ea typeface="+mn-ea"/>
+                <a:cs typeface="+mn-cs"/>
+              </a:defRPr>
+            </a:lvl1pPr>
+            <a:lvl2pPr marL="685800" indent="-228600" algn="l" defTabSz="914400" rtl="0" eaLnBrk="1" latinLnBrk="0" hangingPunct="1">
+              <a:lnSpc>
+                <a:spcPct val="90000"/>
+              </a:lnSpc>
+              <a:spcBef>
+                <a:spcPts val="500"/>
+              </a:spcBef>
+              <a:buFont typeface="Arial" panose="020B0604020202020204" pitchFamily="34" charset="0"/>
+              <a:buChar char="•"/>
+              <a:defRPr sz="2400" kern="1200">
+                <a:solidFill>
+                  <a:schemeClr val="tx1"/>
+                </a:solidFill>
+                <a:latin typeface="+mn-lt"/>
+                <a:ea typeface="+mn-ea"/>
+                <a:cs typeface="+mn-cs"/>
+              </a:defRPr>
+            </a:lvl2pPr>
+            <a:lvl3pPr marL="1143000" indent="-228600" algn="l" defTabSz="914400" rtl="0" eaLnBrk="1" latinLnBrk="0" hangingPunct="1">
+              <a:lnSpc>
+                <a:spcPct val="90000"/>
+              </a:lnSpc>
+              <a:spcBef>
+                <a:spcPts val="500"/>
+              </a:spcBef>
+              <a:buFont typeface="Arial" panose="020B0604020202020204" pitchFamily="34" charset="0"/>
+              <a:buChar char="•"/>
+              <a:defRPr sz="2000" kern="1200">
+                <a:solidFill>
+                  <a:schemeClr val="tx1"/>
+                </a:solidFill>
+                <a:latin typeface="+mn-lt"/>
+                <a:ea typeface="+mn-ea"/>
+                <a:cs typeface="+mn-cs"/>
+              </a:defRPr>
+            </a:lvl3pPr>
+            <a:lvl4pPr marL="1600200" indent="-228600" algn="l" defTabSz="914400" rtl="0" eaLnBrk="1" latinLnBrk="0" hangingPunct="1">
+              <a:lnSpc>
+                <a:spcPct val="90000"/>
+              </a:lnSpc>
+              <a:spcBef>
+                <a:spcPts val="500"/>
+              </a:spcBef>
+              <a:buFont typeface="Arial" panose="020B0604020202020204" pitchFamily="34" charset="0"/>
+              <a:buChar char="•"/>
+              <a:defRPr sz="1800" kern="1200">
+                <a:solidFill>
+                  <a:schemeClr val="tx1"/>
+                </a:solidFill>
+                <a:latin typeface="+mn-lt"/>
+                <a:ea typeface="+mn-ea"/>
+                <a:cs typeface="+mn-cs"/>
+              </a:defRPr>
+            </a:lvl4pPr>
+            <a:lvl5pPr marL="2057400" indent="-228600" algn="l" defTabSz="914400" rtl="0" eaLnBrk="1" latinLnBrk="0" hangingPunct="1">
+              <a:lnSpc>
+                <a:spcPct val="90000"/>
+              </a:lnSpc>
+              <a:spcBef>
+                <a:spcPts val="500"/>
+              </a:spcBef>
+              <a:buFont typeface="Arial" panose="020B0604020202020204" pitchFamily="34" charset="0"/>
+              <a:buChar char="•"/>
+              <a:defRPr sz="1800" kern="1200">
+                <a:solidFill>
+                  <a:schemeClr val="tx1"/>
+                </a:solidFill>
+                <a:latin typeface="+mn-lt"/>
+                <a:ea typeface="+mn-ea"/>
+                <a:cs typeface="+mn-cs"/>
+              </a:defRPr>
+            </a:lvl5pPr>
+            <a:lvl6pPr marL="2514600" indent="-228600" algn="l" defTabSz="914400" rtl="0" eaLnBrk="1" latinLnBrk="0" hangingPunct="1">
+              <a:lnSpc>
+                <a:spcPct val="90000"/>
+              </a:lnSpc>
+              <a:spcBef>
+                <a:spcPts val="500"/>
+              </a:spcBef>
+              <a:buFont typeface="Arial" panose="020B0604020202020204" pitchFamily="34" charset="0"/>
+              <a:buChar char="•"/>
+              <a:defRPr sz="1800" kern="1200">
+                <a:solidFill>
+                  <a:schemeClr val="tx1"/>
+                </a:solidFill>
+                <a:latin typeface="+mn-lt"/>
+                <a:ea typeface="+mn-ea"/>
+                <a:cs typeface="+mn-cs"/>
+              </a:defRPr>
+            </a:lvl6pPr>
+            <a:lvl7pPr marL="2971800" indent="-228600" algn="l" defTabSz="914400" rtl="0" eaLnBrk="1" latinLnBrk="0" hangingPunct="1">
+              <a:lnSpc>
+                <a:spcPct val="90000"/>
+              </a:lnSpc>
+              <a:spcBef>
+                <a:spcPts val="500"/>
+              </a:spcBef>
+              <a:buFont typeface="Arial" panose="020B0604020202020204" pitchFamily="34" charset="0"/>
+              <a:buChar char="•"/>
+              <a:defRPr sz="1800" kern="1200">
+                <a:solidFill>
+                  <a:schemeClr val="tx1"/>
+                </a:solidFill>
+                <a:latin typeface="+mn-lt"/>
+                <a:ea typeface="+mn-ea"/>
+                <a:cs typeface="+mn-cs"/>
+              </a:defRPr>
+            </a:lvl7pPr>
+            <a:lvl8pPr marL="3429000" indent="-228600" algn="l" defTabSz="914400" rtl="0" eaLnBrk="1" latinLnBrk="0" hangingPunct="1">
+              <a:lnSpc>
+                <a:spcPct val="90000"/>
+              </a:lnSpc>
+              <a:spcBef>
+                <a:spcPts val="500"/>
+              </a:spcBef>
+              <a:buFont typeface="Arial" panose="020B0604020202020204" pitchFamily="34" charset="0"/>
+              <a:buChar char="•"/>
+              <a:defRPr sz="1800" kern="1200">
+                <a:solidFill>
+                  <a:schemeClr val="tx1"/>
+                </a:solidFill>
+                <a:latin typeface="+mn-lt"/>
+                <a:ea typeface="+mn-ea"/>
+                <a:cs typeface="+mn-cs"/>
+              </a:defRPr>
+            </a:lvl8pPr>
+            <a:lvl9pPr marL="3886200" indent="-228600" algn="l" defTabSz="914400" rtl="0" eaLnBrk="1" latinLnBrk="0" hangingPunct="1">
+              <a:lnSpc>
+                <a:spcPct val="90000"/>
+              </a:lnSpc>
+              <a:spcBef>
+                <a:spcPts val="500"/>
+              </a:spcBef>
+              <a:buFont typeface="Arial" panose="020B0604020202020204" pitchFamily="34" charset="0"/>
+              <a:buChar char="•"/>
+              <a:defRPr sz="1800" kern="1200">
+                <a:solidFill>
+                  <a:schemeClr val="tx1"/>
+                </a:solidFill>
+                <a:latin typeface="+mn-lt"/>
+                <a:ea typeface="+mn-ea"/>
+                <a:cs typeface="+mn-cs"/>
+              </a:defRPr>
+            </a:lvl9pPr>
+          </a:lstStyle>
           <a:p>
-            <a:fld id="{813506F1-DB5F-4FC9-88BA-B486F30FE4BF}" type="slidenum">
-              <a:rPr lang="fr-FR" smtClean="0"/>
-              <a:pPr/>
-              <a:t>17</a:t>
-            </a:fld>
-            <a:endParaRPr lang="fr-FR" dirty="0"/>
+            <a:pPr algn="just"/>
+            <a:r>
+              <a:rPr lang="fr-FR" sz="2000" dirty="0" smtClean="0"/>
+              <a:t>Manage </a:t>
+            </a:r>
+            <a:r>
+              <a:rPr lang="fr-FR" sz="2000" dirty="0" err="1" smtClean="0"/>
+              <a:t>database</a:t>
+            </a:r>
+            <a:endParaRPr lang="fr-FR" sz="2000" dirty="0" smtClean="0"/>
+          </a:p>
+          <a:p>
+            <a:pPr lvl="1" algn="just"/>
+            <a:r>
+              <a:rPr lang="fr-FR" sz="1600" dirty="0" err="1" smtClean="0"/>
+              <a:t>Add</a:t>
+            </a:r>
+            <a:r>
+              <a:rPr lang="fr-FR" sz="1600" dirty="0" smtClean="0"/>
+              <a:t> </a:t>
+            </a:r>
+            <a:r>
+              <a:rPr lang="fr-FR" sz="1600" dirty="0" err="1" smtClean="0"/>
+              <a:t>genes</a:t>
+            </a:r>
+            <a:endParaRPr lang="fr-FR" sz="1600" dirty="0" smtClean="0"/>
+          </a:p>
+          <a:p>
+            <a:pPr lvl="1" algn="just"/>
+            <a:endParaRPr lang="fr-FR" sz="1600" dirty="0"/>
+          </a:p>
+          <a:p>
+            <a:pPr lvl="1" algn="just"/>
+            <a:r>
+              <a:rPr lang="fr-FR" sz="1600" dirty="0" err="1" smtClean="0"/>
+              <a:t>Remove</a:t>
+            </a:r>
+            <a:r>
+              <a:rPr lang="fr-FR" sz="1600" dirty="0" smtClean="0"/>
+              <a:t> </a:t>
+            </a:r>
+            <a:r>
+              <a:rPr lang="fr-FR" sz="1600" dirty="0" err="1" smtClean="0"/>
+              <a:t>genes</a:t>
+            </a:r>
+            <a:endParaRPr lang="fr-FR" sz="1600" dirty="0" smtClean="0"/>
+          </a:p>
+          <a:p>
+            <a:pPr lvl="1" algn="just"/>
+            <a:endParaRPr lang="fr-FR" sz="1600" dirty="0"/>
+          </a:p>
+          <a:p>
+            <a:pPr lvl="1" algn="just"/>
+            <a:r>
+              <a:rPr lang="fr-FR" sz="1600" dirty="0" err="1" smtClean="0"/>
+              <a:t>Modify</a:t>
+            </a:r>
+            <a:r>
+              <a:rPr lang="fr-FR" sz="1600" dirty="0" smtClean="0"/>
+              <a:t> </a:t>
+            </a:r>
+            <a:r>
+              <a:rPr lang="fr-FR" sz="1600" dirty="0" err="1" smtClean="0"/>
+              <a:t>genes</a:t>
+            </a:r>
+            <a:endParaRPr lang="fr-FR" sz="1600" dirty="0" smtClean="0"/>
+          </a:p>
+          <a:p>
+            <a:pPr lvl="1" algn="just"/>
+            <a:endParaRPr lang="fr-FR" sz="1600" dirty="0"/>
+          </a:p>
+          <a:p>
+            <a:pPr lvl="1" algn="just"/>
+            <a:r>
+              <a:rPr lang="fr-FR" sz="1600" dirty="0" err="1" smtClean="0"/>
+              <a:t>Download</a:t>
+            </a:r>
+            <a:r>
+              <a:rPr lang="fr-FR" sz="1600" dirty="0" smtClean="0"/>
+              <a:t> </a:t>
+            </a:r>
+            <a:r>
+              <a:rPr lang="fr-FR" sz="1600" dirty="0" err="1" smtClean="0"/>
+              <a:t>survey</a:t>
+            </a:r>
+            <a:r>
+              <a:rPr lang="fr-FR" sz="1600" dirty="0" smtClean="0"/>
+              <a:t> </a:t>
+            </a:r>
+            <a:r>
+              <a:rPr lang="fr-FR" sz="1600" dirty="0" err="1" smtClean="0"/>
+              <a:t>answers</a:t>
+            </a:r>
+            <a:endParaRPr lang="fr-FR" sz="1600" dirty="0" smtClean="0"/>
+          </a:p>
+          <a:p>
+            <a:pPr marL="0" indent="0" algn="just">
+              <a:buNone/>
+            </a:pPr>
+            <a:endParaRPr lang="fr-FR" sz="2000" dirty="0"/>
+          </a:p>
+          <a:p>
+            <a:pPr marL="0" indent="0" algn="just">
+              <a:buFont typeface="Arial" panose="020B0604020202020204" pitchFamily="34" charset="0"/>
+              <a:buNone/>
+            </a:pPr>
+            <a:endParaRPr lang="fr-FR" sz="2000" dirty="0"/>
           </a:p>
         </p:txBody>
       </p:sp>
       <p:pic>
         <p:nvPicPr>
-          <p:cNvPr id="4" name="Picture 2"/>
+          <p:cNvPr id="11" name="Picture 10"/>
           <p:cNvPicPr>
             <a:picLocks noChangeAspect="1"/>
           </p:cNvPicPr>
           <p:nvPr/>
         </p:nvPicPr>
         <p:blipFill rotWithShape="1">
-          <a:blip r:embed="rId2" cstate="print">
+          <a:blip r:embed="rId2">
             <a:extLst>
               <a:ext uri="{28A0092B-C50C-407E-A947-70E740481C1C}">
                 <a14:useLocalDpi xmlns:a14="http://schemas.microsoft.com/office/drawing/2010/main" val="0"/>
               </a:ext>
             </a:extLst>
           </a:blip>
-          <a:srcRect t="7294"/>
+          <a:srcRect r="18760"/>
           <a:stretch/>
         </p:blipFill>
         <p:spPr>
           <a:xfrm>
-            <a:off x="648393" y="1756666"/>
-            <a:ext cx="5074114" cy="5101334"/>
+            <a:off x="5067300" y="2017645"/>
+            <a:ext cx="6501523" cy="4124965"/>
           </a:xfrm>
           <a:prstGeom prst="rect">
             <a:avLst/>
           </a:prstGeom>
+          <a:ln>
+            <a:solidFill>
+              <a:schemeClr val="tx1"/>
+            </a:solidFill>
+          </a:ln>
         </p:spPr>
       </p:pic>
       <p:pic>
         <p:nvPicPr>
-          <p:cNvPr id="5" name="Picture 3"/>
+          <p:cNvPr id="12" name="Picture 11"/>
           <p:cNvPicPr>
             <a:picLocks noChangeAspect="1"/>
           </p:cNvPicPr>
           <p:nvPr/>
         </p:nvPicPr>
-        <p:blipFill rotWithShape="1">
-          <a:blip r:embed="rId3" cstate="print">
+        <p:blipFill>
+          <a:blip r:embed="rId3">
             <a:extLst>
               <a:ext uri="{28A0092B-C50C-407E-A947-70E740481C1C}">
                 <a14:useLocalDpi xmlns:a14="http://schemas.microsoft.com/office/drawing/2010/main" val="0"/>
               </a:ext>
             </a:extLst>
           </a:blip>
-          <a:srcRect t="6500" b="29501"/>
-          <a:stretch/>
+          <a:stretch>
+            <a:fillRect/>
+          </a:stretch>
         </p:blipFill>
         <p:spPr>
           <a:xfrm>
-            <a:off x="6032614" y="1718225"/>
-            <a:ext cx="3454285" cy="2434675"/>
+            <a:off x="6038556" y="2835479"/>
+            <a:ext cx="4937668" cy="2803321"/>
           </a:xfrm>
           <a:prstGeom prst="rect">
             <a:avLst/>
           </a:prstGeom>
+          <a:ln>
+            <a:solidFill>
+              <a:schemeClr val="tx1"/>
+            </a:solidFill>
+          </a:ln>
         </p:spPr>
       </p:pic>
       <p:pic>
         <p:nvPicPr>
-          <p:cNvPr id="6" name="Picture 6"/>
+          <p:cNvPr id="19" name="Picture 18"/>
           <p:cNvPicPr>
             <a:picLocks noChangeAspect="1"/>
           </p:cNvPicPr>
           <p:nvPr/>
         </p:nvPicPr>
-        <p:blipFill rotWithShape="1">
-          <a:blip r:embed="rId4" cstate="print">
+        <p:blipFill>
+          <a:blip r:embed="rId4">
             <a:extLst>
               <a:ext uri="{28A0092B-C50C-407E-A947-70E740481C1C}">
                 <a14:useLocalDpi xmlns:a14="http://schemas.microsoft.com/office/drawing/2010/main" val="0"/>
               </a:ext>
             </a:extLst>
           </a:blip>
-          <a:srcRect t="7626" r="14094" b="18958"/>
-          <a:stretch/>
+          <a:stretch>
+            <a:fillRect/>
+          </a:stretch>
         </p:blipFill>
         <p:spPr>
           <a:xfrm>
-            <a:off x="6032615" y="4152900"/>
-            <a:ext cx="6045085" cy="2705100"/>
+            <a:off x="5286705" y="2952355"/>
+            <a:ext cx="6219768" cy="1870572"/>
           </a:xfrm>
           <a:prstGeom prst="rect">
             <a:avLst/>
           </a:prstGeom>
+          <a:ln>
+            <a:solidFill>
+              <a:schemeClr val="tx1"/>
+            </a:solidFill>
+          </a:ln>
         </p:spPr>
       </p:pic>
-    </p:spTree>
-    <p:extLst>
-      <p:ext uri="{BB962C8B-B14F-4D97-AF65-F5344CB8AC3E}">
-        <p14:creationId xmlns:p14="http://schemas.microsoft.com/office/powerpoint/2010/main" val="3275783859"/>
-      </p:ext>
-    </p:extLst>
-  </p:cSld>
-  <p:clrMapOvr>
-    <a:masterClrMapping/>
-  </p:clrMapOvr>
-</p:sld>
-</file>
-
-<file path=ppt/slides/slide19.xml><?xml version="1.0" encoding="utf-8"?>
-<p:sld xmlns:a="http://schemas.openxmlformats.org/drawingml/2006/main" xmlns:r="http://schemas.openxmlformats.org/officeDocument/2006/relationships" xmlns:p="http://schemas.openxmlformats.org/presentationml/2006/main">
-  <p:cSld>
-    <p:spTree>
-      <p:nvGrpSpPr>
-        <p:cNvPr id="1" name=""/>
-        <p:cNvGrpSpPr/>
-        <p:nvPr/>
-      </p:nvGrpSpPr>
-      <p:grpSpPr>
-        <a:xfrm>
-          <a:off x="0" y="0"/>
-          <a:ext cx="0" cy="0"/>
-          <a:chOff x="0" y="0"/>
-          <a:chExt cx="0" cy="0"/>
-        </a:xfrm>
-      </p:grpSpPr>
-      <p:sp>
-        <p:nvSpPr>
-          <p:cNvPr id="2" name="Slide Number Placeholder 1"/>
-          <p:cNvSpPr>
-            <a:spLocks noGrp="1"/>
-          </p:cNvSpPr>
-          <p:nvPr>
-            <p:ph type="sldNum" sz="quarter" idx="4"/>
-          </p:nvPr>
-        </p:nvSpPr>
-        <p:spPr/>
-        <p:txBody>
-          <a:bodyPr/>
-          <a:lstStyle/>
-          <a:p>
-            <a:fld id="{813506F1-DB5F-4FC9-88BA-B486F30FE4BF}" type="slidenum">
-              <a:rPr lang="fr-FR" smtClean="0"/>
-              <a:pPr/>
-              <a:t>18</a:t>
-            </a:fld>
-            <a:endParaRPr lang="fr-FR" dirty="0"/>
-          </a:p>
-        </p:txBody>
-      </p:sp>
       <p:pic>
         <p:nvPicPr>
-          <p:cNvPr id="3" name="Image 2"/>
+          <p:cNvPr id="20" name="Picture 19"/>
           <p:cNvPicPr>
             <a:picLocks noChangeAspect="1"/>
           </p:cNvPicPr>
           <p:nvPr/>
         </p:nvPicPr>
         <p:blipFill>
-          <a:blip r:embed="rId2"/>
+          <a:blip r:embed="rId5" cstate="print">
+            <a:extLst>
+              <a:ext uri="{28A0092B-C50C-407E-A947-70E740481C1C}">
+                <a14:useLocalDpi xmlns:a14="http://schemas.microsoft.com/office/drawing/2010/main" val="0"/>
+              </a:ext>
+            </a:extLst>
+          </a:blip>
           <a:stretch>
             <a:fillRect/>
           </a:stretch>
         </p:blipFill>
         <p:spPr>
           <a:xfrm>
-            <a:off x="2425237" y="1776376"/>
-            <a:ext cx="7053764" cy="5081624"/>
+            <a:off x="5457826" y="2737493"/>
+            <a:ext cx="5877527" cy="1150148"/>
+          </a:xfrm>
+          <a:prstGeom prst="rect">
+            <a:avLst/>
+          </a:prstGeom>
+          <a:ln>
+            <a:solidFill>
+              <a:schemeClr val="tx1"/>
+            </a:solidFill>
+          </a:ln>
+        </p:spPr>
+      </p:pic>
+      <p:pic>
+        <p:nvPicPr>
+          <p:cNvPr id="21" name="Picture 20"/>
+          <p:cNvPicPr>
+            <a:picLocks noChangeAspect="1"/>
+          </p:cNvPicPr>
+          <p:nvPr/>
+        </p:nvPicPr>
+        <p:blipFill>
+          <a:blip r:embed="rId6">
+            <a:extLst>
+              <a:ext uri="{28A0092B-C50C-407E-A947-70E740481C1C}">
+                <a14:useLocalDpi xmlns:a14="http://schemas.microsoft.com/office/drawing/2010/main" val="0"/>
+              </a:ext>
+            </a:extLst>
+          </a:blip>
+          <a:stretch>
+            <a:fillRect/>
+          </a:stretch>
+        </p:blipFill>
+        <p:spPr>
+          <a:xfrm>
+            <a:off x="8229435" y="2101646"/>
+            <a:ext cx="3277038" cy="3984646"/>
+          </a:xfrm>
+          <a:prstGeom prst="rect">
+            <a:avLst/>
+          </a:prstGeom>
+          <a:ln>
+            <a:solidFill>
+              <a:schemeClr val="tx1"/>
+            </a:solidFill>
+          </a:ln>
+        </p:spPr>
+      </p:pic>
+      <p:pic>
+        <p:nvPicPr>
+          <p:cNvPr id="23" name="Picture 22"/>
+          <p:cNvPicPr>
+            <a:picLocks noChangeAspect="1"/>
+          </p:cNvPicPr>
+          <p:nvPr/>
+        </p:nvPicPr>
+        <p:blipFill>
+          <a:blip r:embed="rId7" cstate="print">
+            <a:extLst>
+              <a:ext uri="{28A0092B-C50C-407E-A947-70E740481C1C}">
+                <a14:useLocalDpi xmlns:a14="http://schemas.microsoft.com/office/drawing/2010/main" val="0"/>
+              </a:ext>
+            </a:extLst>
+          </a:blip>
+          <a:stretch>
+            <a:fillRect/>
+          </a:stretch>
+        </p:blipFill>
+        <p:spPr>
+          <a:xfrm>
+            <a:off x="5101314" y="2705000"/>
+            <a:ext cx="6405159" cy="1182641"/>
           </a:xfrm>
           <a:prstGeom prst="rect">
             <a:avLst/>
@@ -18059,13 +23108,645 @@
     </p:spTree>
     <p:extLst>
       <p:ext uri="{BB962C8B-B14F-4D97-AF65-F5344CB8AC3E}">
-        <p14:creationId xmlns:p14="http://schemas.microsoft.com/office/powerpoint/2010/main" val="2980065524"/>
+        <p14:creationId xmlns:p14="http://schemas.microsoft.com/office/powerpoint/2010/main" val="3820846733"/>
       </p:ext>
     </p:extLst>
   </p:cSld>
   <p:clrMapOvr>
     <a:masterClrMapping/>
   </p:clrMapOvr>
+  <p:timing>
+    <p:tnLst>
+      <p:par>
+        <p:cTn id="1" dur="indefinite" restart="never" nodeType="tmRoot">
+          <p:childTnLst>
+            <p:seq concurrent="1" nextAc="seek">
+              <p:cTn id="2" dur="indefinite" nodeType="mainSeq">
+                <p:childTnLst>
+                  <p:par>
+                    <p:cTn id="3" fill="hold">
+                      <p:stCondLst>
+                        <p:cond delay="indefinite"/>
+                      </p:stCondLst>
+                      <p:childTnLst>
+                        <p:par>
+                          <p:cTn id="4" fill="hold">
+                            <p:stCondLst>
+                              <p:cond delay="0"/>
+                            </p:stCondLst>
+                            <p:childTnLst>
+                              <p:par>
+                                <p:cTn id="5" presetID="10" presetClass="entr" presetSubtype="0" fill="hold" grpId="0" nodeType="clickEffect">
+                                  <p:stCondLst>
+                                    <p:cond delay="0"/>
+                                  </p:stCondLst>
+                                  <p:childTnLst>
+                                    <p:set>
+                                      <p:cBhvr>
+                                        <p:cTn id="6" dur="1" fill="hold">
+                                          <p:stCondLst>
+                                            <p:cond delay="0"/>
+                                          </p:stCondLst>
+                                        </p:cTn>
+                                        <p:tgtEl>
+                                          <p:spTgt spid="24"/>
+                                        </p:tgtEl>
+                                        <p:attrNameLst>
+                                          <p:attrName>style.visibility</p:attrName>
+                                        </p:attrNameLst>
+                                      </p:cBhvr>
+                                      <p:to>
+                                        <p:strVal val="visible"/>
+                                      </p:to>
+                                    </p:set>
+                                    <p:animEffect transition="in" filter="fade">
+                                      <p:cBhvr>
+                                        <p:cTn id="7" dur="500"/>
+                                        <p:tgtEl>
+                                          <p:spTgt spid="24"/>
+                                        </p:tgtEl>
+                                      </p:cBhvr>
+                                    </p:animEffect>
+                                  </p:childTnLst>
+                                </p:cTn>
+                              </p:par>
+                              <p:par>
+                                <p:cTn id="8" presetID="10" presetClass="exit" presetSubtype="0" fill="hold" nodeType="withEffect">
+                                  <p:stCondLst>
+                                    <p:cond delay="0"/>
+                                  </p:stCondLst>
+                                  <p:childTnLst>
+                                    <p:animEffect transition="out" filter="fade">
+                                      <p:cBhvr>
+                                        <p:cTn id="9" dur="500"/>
+                                        <p:tgtEl>
+                                          <p:spTgt spid="11"/>
+                                        </p:tgtEl>
+                                      </p:cBhvr>
+                                    </p:animEffect>
+                                    <p:set>
+                                      <p:cBhvr>
+                                        <p:cTn id="10" dur="1" fill="hold">
+                                          <p:stCondLst>
+                                            <p:cond delay="499"/>
+                                          </p:stCondLst>
+                                        </p:cTn>
+                                        <p:tgtEl>
+                                          <p:spTgt spid="11"/>
+                                        </p:tgtEl>
+                                        <p:attrNameLst>
+                                          <p:attrName>style.visibility</p:attrName>
+                                        </p:attrNameLst>
+                                      </p:cBhvr>
+                                      <p:to>
+                                        <p:strVal val="hidden"/>
+                                      </p:to>
+                                    </p:set>
+                                  </p:childTnLst>
+                                </p:cTn>
+                              </p:par>
+                              <p:par>
+                                <p:cTn id="11" presetID="10" presetClass="entr" presetSubtype="0" fill="hold" nodeType="withEffect">
+                                  <p:stCondLst>
+                                    <p:cond delay="0"/>
+                                  </p:stCondLst>
+                                  <p:childTnLst>
+                                    <p:set>
+                                      <p:cBhvr>
+                                        <p:cTn id="12" dur="1" fill="hold">
+                                          <p:stCondLst>
+                                            <p:cond delay="0"/>
+                                          </p:stCondLst>
+                                        </p:cTn>
+                                        <p:tgtEl>
+                                          <p:spTgt spid="12"/>
+                                        </p:tgtEl>
+                                        <p:attrNameLst>
+                                          <p:attrName>style.visibility</p:attrName>
+                                        </p:attrNameLst>
+                                      </p:cBhvr>
+                                      <p:to>
+                                        <p:strVal val="visible"/>
+                                      </p:to>
+                                    </p:set>
+                                    <p:animEffect transition="in" filter="fade">
+                                      <p:cBhvr>
+                                        <p:cTn id="13" dur="500"/>
+                                        <p:tgtEl>
+                                          <p:spTgt spid="12"/>
+                                        </p:tgtEl>
+                                      </p:cBhvr>
+                                    </p:animEffect>
+                                  </p:childTnLst>
+                                </p:cTn>
+                              </p:par>
+                            </p:childTnLst>
+                          </p:cTn>
+                        </p:par>
+                      </p:childTnLst>
+                    </p:cTn>
+                  </p:par>
+                  <p:par>
+                    <p:cTn id="14" fill="hold">
+                      <p:stCondLst>
+                        <p:cond delay="indefinite"/>
+                      </p:stCondLst>
+                      <p:childTnLst>
+                        <p:par>
+                          <p:cTn id="15" fill="hold">
+                            <p:stCondLst>
+                              <p:cond delay="0"/>
+                            </p:stCondLst>
+                            <p:childTnLst>
+                              <p:par>
+                                <p:cTn id="16" presetID="10" presetClass="exit" presetSubtype="0" fill="hold" nodeType="clickEffect">
+                                  <p:stCondLst>
+                                    <p:cond delay="0"/>
+                                  </p:stCondLst>
+                                  <p:childTnLst>
+                                    <p:animEffect transition="out" filter="fade">
+                                      <p:cBhvr>
+                                        <p:cTn id="17" dur="500"/>
+                                        <p:tgtEl>
+                                          <p:spTgt spid="12"/>
+                                        </p:tgtEl>
+                                      </p:cBhvr>
+                                    </p:animEffect>
+                                    <p:set>
+                                      <p:cBhvr>
+                                        <p:cTn id="18" dur="1" fill="hold">
+                                          <p:stCondLst>
+                                            <p:cond delay="499"/>
+                                          </p:stCondLst>
+                                        </p:cTn>
+                                        <p:tgtEl>
+                                          <p:spTgt spid="12"/>
+                                        </p:tgtEl>
+                                        <p:attrNameLst>
+                                          <p:attrName>style.visibility</p:attrName>
+                                        </p:attrNameLst>
+                                      </p:cBhvr>
+                                      <p:to>
+                                        <p:strVal val="hidden"/>
+                                      </p:to>
+                                    </p:set>
+                                  </p:childTnLst>
+                                </p:cTn>
+                              </p:par>
+                              <p:par>
+                                <p:cTn id="19" presetID="10" presetClass="entr" presetSubtype="0" fill="hold" nodeType="withEffect">
+                                  <p:stCondLst>
+                                    <p:cond delay="0"/>
+                                  </p:stCondLst>
+                                  <p:childTnLst>
+                                    <p:set>
+                                      <p:cBhvr>
+                                        <p:cTn id="20" dur="1" fill="hold">
+                                          <p:stCondLst>
+                                            <p:cond delay="0"/>
+                                          </p:stCondLst>
+                                        </p:cTn>
+                                        <p:tgtEl>
+                                          <p:spTgt spid="19"/>
+                                        </p:tgtEl>
+                                        <p:attrNameLst>
+                                          <p:attrName>style.visibility</p:attrName>
+                                        </p:attrNameLst>
+                                      </p:cBhvr>
+                                      <p:to>
+                                        <p:strVal val="visible"/>
+                                      </p:to>
+                                    </p:set>
+                                    <p:animEffect transition="in" filter="fade">
+                                      <p:cBhvr>
+                                        <p:cTn id="21" dur="500"/>
+                                        <p:tgtEl>
+                                          <p:spTgt spid="19"/>
+                                        </p:tgtEl>
+                                      </p:cBhvr>
+                                    </p:animEffect>
+                                  </p:childTnLst>
+                                </p:cTn>
+                              </p:par>
+                            </p:childTnLst>
+                          </p:cTn>
+                        </p:par>
+                      </p:childTnLst>
+                    </p:cTn>
+                  </p:par>
+                  <p:par>
+                    <p:cTn id="22" fill="hold">
+                      <p:stCondLst>
+                        <p:cond delay="indefinite"/>
+                      </p:stCondLst>
+                      <p:childTnLst>
+                        <p:par>
+                          <p:cTn id="23" fill="hold">
+                            <p:stCondLst>
+                              <p:cond delay="0"/>
+                            </p:stCondLst>
+                            <p:childTnLst>
+                              <p:par>
+                                <p:cTn id="24" presetID="10" presetClass="exit" presetSubtype="0" fill="hold" nodeType="clickEffect">
+                                  <p:stCondLst>
+                                    <p:cond delay="0"/>
+                                  </p:stCondLst>
+                                  <p:childTnLst>
+                                    <p:animEffect transition="out" filter="fade">
+                                      <p:cBhvr>
+                                        <p:cTn id="25" dur="500"/>
+                                        <p:tgtEl>
+                                          <p:spTgt spid="19"/>
+                                        </p:tgtEl>
+                                      </p:cBhvr>
+                                    </p:animEffect>
+                                    <p:set>
+                                      <p:cBhvr>
+                                        <p:cTn id="26" dur="1" fill="hold">
+                                          <p:stCondLst>
+                                            <p:cond delay="499"/>
+                                          </p:stCondLst>
+                                        </p:cTn>
+                                        <p:tgtEl>
+                                          <p:spTgt spid="19"/>
+                                        </p:tgtEl>
+                                        <p:attrNameLst>
+                                          <p:attrName>style.visibility</p:attrName>
+                                        </p:attrNameLst>
+                                      </p:cBhvr>
+                                      <p:to>
+                                        <p:strVal val="hidden"/>
+                                      </p:to>
+                                    </p:set>
+                                  </p:childTnLst>
+                                </p:cTn>
+                              </p:par>
+                              <p:par>
+                                <p:cTn id="27" presetID="10" presetClass="entr" presetSubtype="0" fill="hold" nodeType="withEffect">
+                                  <p:stCondLst>
+                                    <p:cond delay="0"/>
+                                  </p:stCondLst>
+                                  <p:childTnLst>
+                                    <p:set>
+                                      <p:cBhvr>
+                                        <p:cTn id="28" dur="1" fill="hold">
+                                          <p:stCondLst>
+                                            <p:cond delay="0"/>
+                                          </p:stCondLst>
+                                        </p:cTn>
+                                        <p:tgtEl>
+                                          <p:spTgt spid="20"/>
+                                        </p:tgtEl>
+                                        <p:attrNameLst>
+                                          <p:attrName>style.visibility</p:attrName>
+                                        </p:attrNameLst>
+                                      </p:cBhvr>
+                                      <p:to>
+                                        <p:strVal val="visible"/>
+                                      </p:to>
+                                    </p:set>
+                                    <p:animEffect transition="in" filter="fade">
+                                      <p:cBhvr>
+                                        <p:cTn id="29" dur="500"/>
+                                        <p:tgtEl>
+                                          <p:spTgt spid="20"/>
+                                        </p:tgtEl>
+                                      </p:cBhvr>
+                                    </p:animEffect>
+                                  </p:childTnLst>
+                                </p:cTn>
+                              </p:par>
+                            </p:childTnLst>
+                          </p:cTn>
+                        </p:par>
+                      </p:childTnLst>
+                    </p:cTn>
+                  </p:par>
+                  <p:par>
+                    <p:cTn id="30" fill="hold">
+                      <p:stCondLst>
+                        <p:cond delay="indefinite"/>
+                      </p:stCondLst>
+                      <p:childTnLst>
+                        <p:par>
+                          <p:cTn id="31" fill="hold">
+                            <p:stCondLst>
+                              <p:cond delay="0"/>
+                            </p:stCondLst>
+                            <p:childTnLst>
+                              <p:par>
+                                <p:cTn id="32" presetID="10" presetClass="entr" presetSubtype="0" fill="hold" nodeType="clickEffect">
+                                  <p:stCondLst>
+                                    <p:cond delay="0"/>
+                                  </p:stCondLst>
+                                  <p:childTnLst>
+                                    <p:set>
+                                      <p:cBhvr>
+                                        <p:cTn id="33" dur="1" fill="hold">
+                                          <p:stCondLst>
+                                            <p:cond delay="0"/>
+                                          </p:stCondLst>
+                                        </p:cTn>
+                                        <p:tgtEl>
+                                          <p:spTgt spid="21"/>
+                                        </p:tgtEl>
+                                        <p:attrNameLst>
+                                          <p:attrName>style.visibility</p:attrName>
+                                        </p:attrNameLst>
+                                      </p:cBhvr>
+                                      <p:to>
+                                        <p:strVal val="visible"/>
+                                      </p:to>
+                                    </p:set>
+                                    <p:animEffect transition="in" filter="fade">
+                                      <p:cBhvr>
+                                        <p:cTn id="34" dur="500"/>
+                                        <p:tgtEl>
+                                          <p:spTgt spid="21"/>
+                                        </p:tgtEl>
+                                      </p:cBhvr>
+                                    </p:animEffect>
+                                  </p:childTnLst>
+                                </p:cTn>
+                              </p:par>
+                            </p:childTnLst>
+                          </p:cTn>
+                        </p:par>
+                      </p:childTnLst>
+                    </p:cTn>
+                  </p:par>
+                  <p:par>
+                    <p:cTn id="35" fill="hold">
+                      <p:stCondLst>
+                        <p:cond delay="indefinite"/>
+                      </p:stCondLst>
+                      <p:childTnLst>
+                        <p:par>
+                          <p:cTn id="36" fill="hold">
+                            <p:stCondLst>
+                              <p:cond delay="0"/>
+                            </p:stCondLst>
+                            <p:childTnLst>
+                              <p:par>
+                                <p:cTn id="37" presetID="10" presetClass="exit" presetSubtype="0" fill="hold" nodeType="clickEffect">
+                                  <p:stCondLst>
+                                    <p:cond delay="0"/>
+                                  </p:stCondLst>
+                                  <p:childTnLst>
+                                    <p:animEffect transition="out" filter="fade">
+                                      <p:cBhvr>
+                                        <p:cTn id="38" dur="500"/>
+                                        <p:tgtEl>
+                                          <p:spTgt spid="20"/>
+                                        </p:tgtEl>
+                                      </p:cBhvr>
+                                    </p:animEffect>
+                                    <p:set>
+                                      <p:cBhvr>
+                                        <p:cTn id="39" dur="1" fill="hold">
+                                          <p:stCondLst>
+                                            <p:cond delay="499"/>
+                                          </p:stCondLst>
+                                        </p:cTn>
+                                        <p:tgtEl>
+                                          <p:spTgt spid="20"/>
+                                        </p:tgtEl>
+                                        <p:attrNameLst>
+                                          <p:attrName>style.visibility</p:attrName>
+                                        </p:attrNameLst>
+                                      </p:cBhvr>
+                                      <p:to>
+                                        <p:strVal val="hidden"/>
+                                      </p:to>
+                                    </p:set>
+                                  </p:childTnLst>
+                                </p:cTn>
+                              </p:par>
+                              <p:par>
+                                <p:cTn id="40" presetID="10" presetClass="exit" presetSubtype="0" fill="hold" nodeType="withEffect">
+                                  <p:stCondLst>
+                                    <p:cond delay="0"/>
+                                  </p:stCondLst>
+                                  <p:childTnLst>
+                                    <p:animEffect transition="out" filter="fade">
+                                      <p:cBhvr>
+                                        <p:cTn id="41" dur="500"/>
+                                        <p:tgtEl>
+                                          <p:spTgt spid="21"/>
+                                        </p:tgtEl>
+                                      </p:cBhvr>
+                                    </p:animEffect>
+                                    <p:set>
+                                      <p:cBhvr>
+                                        <p:cTn id="42" dur="1" fill="hold">
+                                          <p:stCondLst>
+                                            <p:cond delay="499"/>
+                                          </p:stCondLst>
+                                        </p:cTn>
+                                        <p:tgtEl>
+                                          <p:spTgt spid="21"/>
+                                        </p:tgtEl>
+                                        <p:attrNameLst>
+                                          <p:attrName>style.visibility</p:attrName>
+                                        </p:attrNameLst>
+                                      </p:cBhvr>
+                                      <p:to>
+                                        <p:strVal val="hidden"/>
+                                      </p:to>
+                                    </p:set>
+                                  </p:childTnLst>
+                                </p:cTn>
+                              </p:par>
+                              <p:par>
+                                <p:cTn id="43" presetID="10" presetClass="entr" presetSubtype="0" fill="hold" nodeType="withEffect">
+                                  <p:stCondLst>
+                                    <p:cond delay="0"/>
+                                  </p:stCondLst>
+                                  <p:childTnLst>
+                                    <p:set>
+                                      <p:cBhvr>
+                                        <p:cTn id="44" dur="1" fill="hold">
+                                          <p:stCondLst>
+                                            <p:cond delay="0"/>
+                                          </p:stCondLst>
+                                        </p:cTn>
+                                        <p:tgtEl>
+                                          <p:spTgt spid="23"/>
+                                        </p:tgtEl>
+                                        <p:attrNameLst>
+                                          <p:attrName>style.visibility</p:attrName>
+                                        </p:attrNameLst>
+                                      </p:cBhvr>
+                                      <p:to>
+                                        <p:strVal val="visible"/>
+                                      </p:to>
+                                    </p:set>
+                                    <p:animEffect transition="in" filter="fade">
+                                      <p:cBhvr>
+                                        <p:cTn id="45" dur="500"/>
+                                        <p:tgtEl>
+                                          <p:spTgt spid="23"/>
+                                        </p:tgtEl>
+                                      </p:cBhvr>
+                                    </p:animEffect>
+                                  </p:childTnLst>
+                                </p:cTn>
+                              </p:par>
+                            </p:childTnLst>
+                          </p:cTn>
+                        </p:par>
+                      </p:childTnLst>
+                    </p:cTn>
+                  </p:par>
+                  <p:par>
+                    <p:cTn id="46" fill="hold">
+                      <p:stCondLst>
+                        <p:cond delay="indefinite"/>
+                      </p:stCondLst>
+                      <p:childTnLst>
+                        <p:par>
+                          <p:cTn id="47" fill="hold">
+                            <p:stCondLst>
+                              <p:cond delay="0"/>
+                            </p:stCondLst>
+                            <p:childTnLst>
+                              <p:par>
+                                <p:cTn id="48" presetID="10" presetClass="exit" presetSubtype="0" fill="hold" nodeType="clickEffect">
+                                  <p:stCondLst>
+                                    <p:cond delay="0"/>
+                                  </p:stCondLst>
+                                  <p:childTnLst>
+                                    <p:animEffect transition="out" filter="fade">
+                                      <p:cBhvr>
+                                        <p:cTn id="49" dur="500"/>
+                                        <p:tgtEl>
+                                          <p:spTgt spid="23"/>
+                                        </p:tgtEl>
+                                      </p:cBhvr>
+                                    </p:animEffect>
+                                    <p:set>
+                                      <p:cBhvr>
+                                        <p:cTn id="50" dur="1" fill="hold">
+                                          <p:stCondLst>
+                                            <p:cond delay="499"/>
+                                          </p:stCondLst>
+                                        </p:cTn>
+                                        <p:tgtEl>
+                                          <p:spTgt spid="23"/>
+                                        </p:tgtEl>
+                                        <p:attrNameLst>
+                                          <p:attrName>style.visibility</p:attrName>
+                                        </p:attrNameLst>
+                                      </p:cBhvr>
+                                      <p:to>
+                                        <p:strVal val="hidden"/>
+                                      </p:to>
+                                    </p:set>
+                                  </p:childTnLst>
+                                </p:cTn>
+                              </p:par>
+                              <p:par>
+                                <p:cTn id="51" presetID="10" presetClass="exit" presetSubtype="0" fill="hold" grpId="1" nodeType="withEffect">
+                                  <p:stCondLst>
+                                    <p:cond delay="0"/>
+                                  </p:stCondLst>
+                                  <p:childTnLst>
+                                    <p:animEffect transition="out" filter="fade">
+                                      <p:cBhvr>
+                                        <p:cTn id="52" dur="500"/>
+                                        <p:tgtEl>
+                                          <p:spTgt spid="24"/>
+                                        </p:tgtEl>
+                                      </p:cBhvr>
+                                    </p:animEffect>
+                                    <p:set>
+                                      <p:cBhvr>
+                                        <p:cTn id="53" dur="1" fill="hold">
+                                          <p:stCondLst>
+                                            <p:cond delay="499"/>
+                                          </p:stCondLst>
+                                        </p:cTn>
+                                        <p:tgtEl>
+                                          <p:spTgt spid="24"/>
+                                        </p:tgtEl>
+                                        <p:attrNameLst>
+                                          <p:attrName>style.visibility</p:attrName>
+                                        </p:attrNameLst>
+                                      </p:cBhvr>
+                                      <p:to>
+                                        <p:strVal val="hidden"/>
+                                      </p:to>
+                                    </p:set>
+                                  </p:childTnLst>
+                                </p:cTn>
+                              </p:par>
+                              <p:par>
+                                <p:cTn id="54" presetID="10" presetClass="entr" presetSubtype="0" fill="hold" nodeType="withEffect">
+                                  <p:stCondLst>
+                                    <p:cond delay="0"/>
+                                  </p:stCondLst>
+                                  <p:childTnLst>
+                                    <p:set>
+                                      <p:cBhvr>
+                                        <p:cTn id="55" dur="1" fill="hold">
+                                          <p:stCondLst>
+                                            <p:cond delay="0"/>
+                                          </p:stCondLst>
+                                        </p:cTn>
+                                        <p:tgtEl>
+                                          <p:spTgt spid="11"/>
+                                        </p:tgtEl>
+                                        <p:attrNameLst>
+                                          <p:attrName>style.visibility</p:attrName>
+                                        </p:attrNameLst>
+                                      </p:cBhvr>
+                                      <p:to>
+                                        <p:strVal val="visible"/>
+                                      </p:to>
+                                    </p:set>
+                                    <p:animEffect transition="in" filter="fade">
+                                      <p:cBhvr>
+                                        <p:cTn id="56" dur="500"/>
+                                        <p:tgtEl>
+                                          <p:spTgt spid="11"/>
+                                        </p:tgtEl>
+                                      </p:cBhvr>
+                                    </p:animEffect>
+                                  </p:childTnLst>
+                                </p:cTn>
+                              </p:par>
+                            </p:childTnLst>
+                          </p:cTn>
+                        </p:par>
+                      </p:childTnLst>
+                    </p:cTn>
+                  </p:par>
+                </p:childTnLst>
+              </p:cTn>
+              <p:prevCondLst>
+                <p:cond evt="onPrev" delay="0">
+                  <p:tgtEl>
+                    <p:sldTgt/>
+                  </p:tgtEl>
+                </p:cond>
+              </p:prevCondLst>
+              <p:nextCondLst>
+                <p:cond evt="onNext" delay="0">
+                  <p:tgtEl>
+                    <p:sldTgt/>
+                  </p:tgtEl>
+                </p:cond>
+              </p:nextCondLst>
+            </p:seq>
+          </p:childTnLst>
+        </p:cTn>
+      </p:par>
+    </p:tnLst>
+    <p:bldLst>
+      <p:bldP spid="24" grpId="0" animBg="1"/>
+      <p:bldP spid="24" grpId="1" animBg="1"/>
+    </p:bldLst>
+  </p:timing>
 </p:sld>
 </file>
 
@@ -18540,371 +24221,6 @@
 </file>
 
 <file path=ppt/slides/slide20.xml><?xml version="1.0" encoding="utf-8"?>
-<p:sld xmlns:a="http://schemas.openxmlformats.org/drawingml/2006/main" xmlns:r="http://schemas.openxmlformats.org/officeDocument/2006/relationships" xmlns:p="http://schemas.openxmlformats.org/presentationml/2006/main">
-  <p:cSld>
-    <p:spTree>
-      <p:nvGrpSpPr>
-        <p:cNvPr id="1" name=""/>
-        <p:cNvGrpSpPr/>
-        <p:nvPr/>
-      </p:nvGrpSpPr>
-      <p:grpSpPr>
-        <a:xfrm>
-          <a:off x="0" y="0"/>
-          <a:ext cx="0" cy="0"/>
-          <a:chOff x="0" y="0"/>
-          <a:chExt cx="0" cy="0"/>
-        </a:xfrm>
-      </p:grpSpPr>
-      <p:sp>
-        <p:nvSpPr>
-          <p:cNvPr id="2" name="Espace réservé du numéro de diapositive 1"/>
-          <p:cNvSpPr>
-            <a:spLocks noGrp="1"/>
-          </p:cNvSpPr>
-          <p:nvPr>
-            <p:ph type="sldNum" sz="quarter" idx="4"/>
-          </p:nvPr>
-        </p:nvSpPr>
-        <p:spPr/>
-        <p:txBody>
-          <a:bodyPr/>
-          <a:lstStyle/>
-          <a:p>
-            <a:fld id="{813506F1-DB5F-4FC9-88BA-B486F30FE4BF}" type="slidenum">
-              <a:rPr lang="fr-FR" smtClean="0"/>
-              <a:pPr/>
-              <a:t>19</a:t>
-            </a:fld>
-            <a:endParaRPr lang="fr-FR" dirty="0"/>
-          </a:p>
-        </p:txBody>
-      </p:sp>
-      <p:pic>
-        <p:nvPicPr>
-          <p:cNvPr id="5" name="Image 4"/>
-          <p:cNvPicPr>
-            <a:picLocks noChangeAspect="1"/>
-          </p:cNvPicPr>
-          <p:nvPr/>
-        </p:nvPicPr>
-        <p:blipFill>
-          <a:blip r:embed="rId2"/>
-          <a:stretch>
-            <a:fillRect/>
-          </a:stretch>
-        </p:blipFill>
-        <p:spPr>
-          <a:xfrm>
-            <a:off x="0" y="1711434"/>
-            <a:ext cx="8735483" cy="3648913"/>
-          </a:xfrm>
-          <a:prstGeom prst="rect">
-            <a:avLst/>
-          </a:prstGeom>
-          <a:ln>
-            <a:solidFill>
-              <a:schemeClr val="tx1"/>
-            </a:solidFill>
-          </a:ln>
-        </p:spPr>
-      </p:pic>
-      <p:cxnSp>
-        <p:nvCxnSpPr>
-          <p:cNvPr id="9" name="Connecteur en angle 8"/>
-          <p:cNvCxnSpPr/>
-          <p:nvPr/>
-        </p:nvCxnSpPr>
-        <p:spPr>
-          <a:xfrm>
-            <a:off x="5994400" y="3416300"/>
-            <a:ext cx="3327400" cy="1171439"/>
-          </a:xfrm>
-          <a:prstGeom prst="bentConnector3">
-            <a:avLst>
-              <a:gd name="adj1" fmla="val 99237"/>
-            </a:avLst>
-          </a:prstGeom>
-          <a:ln w="28575">
-            <a:solidFill>
-              <a:schemeClr val="tx1"/>
-            </a:solidFill>
-            <a:tailEnd type="triangle"/>
-          </a:ln>
-        </p:spPr>
-        <p:style>
-          <a:lnRef idx="1">
-            <a:schemeClr val="accent1"/>
-          </a:lnRef>
-          <a:fillRef idx="0">
-            <a:schemeClr val="accent1"/>
-          </a:fillRef>
-          <a:effectRef idx="0">
-            <a:schemeClr val="accent1"/>
-          </a:effectRef>
-          <a:fontRef idx="minor">
-            <a:schemeClr val="tx1"/>
-          </a:fontRef>
-        </p:style>
-      </p:cxnSp>
-      <p:pic>
-        <p:nvPicPr>
-          <p:cNvPr id="11" name="Image 10"/>
-          <p:cNvPicPr>
-            <a:picLocks noChangeAspect="1"/>
-          </p:cNvPicPr>
-          <p:nvPr/>
-        </p:nvPicPr>
-        <p:blipFill>
-          <a:blip r:embed="rId3"/>
-          <a:stretch>
-            <a:fillRect/>
-          </a:stretch>
-        </p:blipFill>
-        <p:spPr>
-          <a:xfrm>
-            <a:off x="6078852" y="4587739"/>
-            <a:ext cx="6113148" cy="2183614"/>
-          </a:xfrm>
-          <a:prstGeom prst="rect">
-            <a:avLst/>
-          </a:prstGeom>
-          <a:ln>
-            <a:solidFill>
-              <a:schemeClr val="tx1"/>
-            </a:solidFill>
-          </a:ln>
-        </p:spPr>
-      </p:pic>
-    </p:spTree>
-    <p:extLst>
-      <p:ext uri="{BB962C8B-B14F-4D97-AF65-F5344CB8AC3E}">
-        <p14:creationId xmlns:p14="http://schemas.microsoft.com/office/powerpoint/2010/main" val="1378456716"/>
-      </p:ext>
-    </p:extLst>
-  </p:cSld>
-  <p:clrMapOvr>
-    <a:masterClrMapping/>
-  </p:clrMapOvr>
-</p:sld>
-</file>
-
-<file path=ppt/slides/slide21.xml><?xml version="1.0" encoding="utf-8"?>
-<p:sld xmlns:a="http://schemas.openxmlformats.org/drawingml/2006/main" xmlns:r="http://schemas.openxmlformats.org/officeDocument/2006/relationships" xmlns:p="http://schemas.openxmlformats.org/presentationml/2006/main">
-  <p:cSld>
-    <p:spTree>
-      <p:nvGrpSpPr>
-        <p:cNvPr id="1" name=""/>
-        <p:cNvGrpSpPr/>
-        <p:nvPr/>
-      </p:nvGrpSpPr>
-      <p:grpSpPr>
-        <a:xfrm>
-          <a:off x="0" y="0"/>
-          <a:ext cx="0" cy="0"/>
-          <a:chOff x="0" y="0"/>
-          <a:chExt cx="0" cy="0"/>
-        </a:xfrm>
-      </p:grpSpPr>
-      <p:sp>
-        <p:nvSpPr>
-          <p:cNvPr id="2" name="Espace réservé du numéro de diapositive 1"/>
-          <p:cNvSpPr>
-            <a:spLocks noGrp="1"/>
-          </p:cNvSpPr>
-          <p:nvPr>
-            <p:ph type="sldNum" sz="quarter" idx="4"/>
-          </p:nvPr>
-        </p:nvSpPr>
-        <p:spPr/>
-        <p:txBody>
-          <a:bodyPr/>
-          <a:lstStyle/>
-          <a:p>
-            <a:fld id="{813506F1-DB5F-4FC9-88BA-B486F30FE4BF}" type="slidenum">
-              <a:rPr lang="fr-FR" smtClean="0"/>
-              <a:pPr/>
-              <a:t>20</a:t>
-            </a:fld>
-            <a:endParaRPr lang="fr-FR" dirty="0"/>
-          </a:p>
-        </p:txBody>
-      </p:sp>
-      <p:pic>
-        <p:nvPicPr>
-          <p:cNvPr id="8" name="Image 7"/>
-          <p:cNvPicPr>
-            <a:picLocks noChangeAspect="1"/>
-          </p:cNvPicPr>
-          <p:nvPr/>
-        </p:nvPicPr>
-        <p:blipFill>
-          <a:blip r:embed="rId2"/>
-          <a:stretch>
-            <a:fillRect/>
-          </a:stretch>
-        </p:blipFill>
-        <p:spPr>
-          <a:xfrm>
-            <a:off x="2959100" y="1721325"/>
-            <a:ext cx="6934200" cy="2896496"/>
-          </a:xfrm>
-          <a:prstGeom prst="rect">
-            <a:avLst/>
-          </a:prstGeom>
-          <a:ln>
-            <a:solidFill>
-              <a:schemeClr val="tx1"/>
-            </a:solidFill>
-          </a:ln>
-        </p:spPr>
-      </p:pic>
-      <p:pic>
-        <p:nvPicPr>
-          <p:cNvPr id="6" name="Image 5"/>
-          <p:cNvPicPr>
-            <a:picLocks noChangeAspect="1"/>
-          </p:cNvPicPr>
-          <p:nvPr/>
-        </p:nvPicPr>
-        <p:blipFill>
-          <a:blip r:embed="rId3"/>
-          <a:stretch>
-            <a:fillRect/>
-          </a:stretch>
-        </p:blipFill>
-        <p:spPr>
-          <a:xfrm>
-            <a:off x="0" y="4241800"/>
-            <a:ext cx="5274760" cy="2164428"/>
-          </a:xfrm>
-          <a:prstGeom prst="rect">
-            <a:avLst/>
-          </a:prstGeom>
-          <a:ln>
-            <a:solidFill>
-              <a:schemeClr val="tx1"/>
-            </a:solidFill>
-          </a:ln>
-        </p:spPr>
-      </p:pic>
-      <p:cxnSp>
-        <p:nvCxnSpPr>
-          <p:cNvPr id="10" name="Connecteur en angle 9"/>
-          <p:cNvCxnSpPr>
-            <a:endCxn id="6" idx="0"/>
-          </p:cNvCxnSpPr>
-          <p:nvPr/>
-        </p:nvCxnSpPr>
-        <p:spPr>
-          <a:xfrm rot="10800000" flipV="1">
-            <a:off x="2637380" y="3035300"/>
-            <a:ext cx="2645820" cy="1206500"/>
-          </a:xfrm>
-          <a:prstGeom prst="bentConnector2">
-            <a:avLst/>
-          </a:prstGeom>
-          <a:ln w="28575">
-            <a:solidFill>
-              <a:schemeClr val="tx1"/>
-            </a:solidFill>
-            <a:tailEnd type="triangle"/>
-          </a:ln>
-        </p:spPr>
-        <p:style>
-          <a:lnRef idx="1">
-            <a:schemeClr val="accent1"/>
-          </a:lnRef>
-          <a:fillRef idx="0">
-            <a:schemeClr val="accent1"/>
-          </a:fillRef>
-          <a:effectRef idx="0">
-            <a:schemeClr val="accent1"/>
-          </a:effectRef>
-          <a:fontRef idx="minor">
-            <a:schemeClr val="tx1"/>
-          </a:fontRef>
-        </p:style>
-      </p:cxnSp>
-      <p:pic>
-        <p:nvPicPr>
-          <p:cNvPr id="12" name="Image 11"/>
-          <p:cNvPicPr>
-            <a:picLocks noChangeAspect="1"/>
-          </p:cNvPicPr>
-          <p:nvPr/>
-        </p:nvPicPr>
-        <p:blipFill>
-          <a:blip r:embed="rId4"/>
-          <a:stretch>
-            <a:fillRect/>
-          </a:stretch>
-        </p:blipFill>
-        <p:spPr>
-          <a:xfrm>
-            <a:off x="8233860" y="4082898"/>
-            <a:ext cx="3459162" cy="2482231"/>
-          </a:xfrm>
-          <a:prstGeom prst="rect">
-            <a:avLst/>
-          </a:prstGeom>
-          <a:ln>
-            <a:solidFill>
-              <a:schemeClr val="tx1"/>
-            </a:solidFill>
-          </a:ln>
-        </p:spPr>
-      </p:pic>
-      <p:cxnSp>
-        <p:nvCxnSpPr>
-          <p:cNvPr id="14" name="Connecteur droit avec flèche 13"/>
-          <p:cNvCxnSpPr/>
-          <p:nvPr/>
-        </p:nvCxnSpPr>
-        <p:spPr>
-          <a:xfrm>
-            <a:off x="4152900" y="5143500"/>
-            <a:ext cx="4787900" cy="0"/>
-          </a:xfrm>
-          <a:prstGeom prst="straightConnector1">
-            <a:avLst/>
-          </a:prstGeom>
-          <a:ln w="28575">
-            <a:solidFill>
-              <a:schemeClr val="tx1"/>
-            </a:solidFill>
-            <a:tailEnd type="triangle"/>
-          </a:ln>
-        </p:spPr>
-        <p:style>
-          <a:lnRef idx="1">
-            <a:schemeClr val="accent1"/>
-          </a:lnRef>
-          <a:fillRef idx="0">
-            <a:schemeClr val="accent1"/>
-          </a:fillRef>
-          <a:effectRef idx="0">
-            <a:schemeClr val="accent1"/>
-          </a:effectRef>
-          <a:fontRef idx="minor">
-            <a:schemeClr val="tx1"/>
-          </a:fontRef>
-        </p:style>
-      </p:cxnSp>
-    </p:spTree>
-    <p:extLst>
-      <p:ext uri="{BB962C8B-B14F-4D97-AF65-F5344CB8AC3E}">
-        <p14:creationId xmlns:p14="http://schemas.microsoft.com/office/powerpoint/2010/main" val="989796718"/>
-      </p:ext>
-    </p:extLst>
-  </p:cSld>
-  <p:clrMapOvr>
-    <a:masterClrMapping/>
-  </p:clrMapOvr>
-</p:sld>
-</file>
-
-<file path=ppt/slides/slide22.xml><?xml version="1.0" encoding="utf-8"?>
 <p:sld xmlns:a="http://schemas.openxmlformats.org/drawingml/2006/main" xmlns:r="http://schemas.openxmlformats.org/officeDocument/2006/relationships" xmlns:p="http://schemas.openxmlformats.org/presentationml/2006/main">
   <p:cSld>
     <p:spTree>
@@ -25394,6 +30710,13 @@
   <p:clrMapOvr>
     <a:masterClrMapping/>
   </p:clrMapOvr>
+  <p:timing>
+    <p:tnLst>
+      <p:par>
+        <p:cTn id="1" dur="indefinite" restart="never" nodeType="tmRoot"/>
+      </p:par>
+    </p:tnLst>
+  </p:timing>
 </p:sld>
 </file>
 

--- a/Slides/Soutenance_Final.pptx
+++ b/Slides/Soutenance_Final.pptx
@@ -4149,21 +4149,21 @@
     </dgm:pt>
   </dgm:ptLst>
   <dgm:cxnLst>
+    <dgm:cxn modelId="{CE2AF7AB-2949-4DCD-9C29-6B60E91D8468}" srcId="{0916D3E2-7950-4B1E-A80A-B1A0DFE4D7BE}" destId="{B8F4B4B5-48BB-4436-A4C8-0772D59377AC}" srcOrd="2" destOrd="0" parTransId="{EEB7DF95-B1E1-4355-BDED-67254F3A40BF}" sibTransId="{07F8EC93-687D-4C25-BBFA-77894EDF7DA2}"/>
+    <dgm:cxn modelId="{D7CE5B38-4681-488A-875C-5BC6D4608B17}" type="presOf" srcId="{B8F4B4B5-48BB-4436-A4C8-0772D59377AC}" destId="{B8775ABA-3037-409F-B1F5-5479D38AC897}" srcOrd="0" destOrd="0" presId="urn:microsoft.com/office/officeart/2005/8/layout/radial1"/>
+    <dgm:cxn modelId="{08978BA1-AE5A-4DFF-A0C3-92D4A0078A98}" srcId="{0916D3E2-7950-4B1E-A80A-B1A0DFE4D7BE}" destId="{9B35DA45-8824-4EE3-89F0-3F4E07F980E3}" srcOrd="0" destOrd="0" parTransId="{F26E0BCB-616E-4F5C-9212-B89461307743}" sibTransId="{6FFF208B-A136-4388-9736-DE2BA4AFD5AF}"/>
+    <dgm:cxn modelId="{8C318C29-2BA6-4073-9DC3-993B41DBBD97}" type="presOf" srcId="{F26E0BCB-616E-4F5C-9212-B89461307743}" destId="{B26CA117-7877-4BBB-8697-7BAA6B4D1769}" srcOrd="1" destOrd="0" presId="urn:microsoft.com/office/officeart/2005/8/layout/radial1"/>
     <dgm:cxn modelId="{BFE5F03E-99EE-488D-A25F-FA4A305398F3}" type="presOf" srcId="{EEB7DF95-B1E1-4355-BDED-67254F3A40BF}" destId="{156A4B50-5EBB-4BD2-8AF0-C722439DBC8D}" srcOrd="0" destOrd="0" presId="urn:microsoft.com/office/officeart/2005/8/layout/radial1"/>
-    <dgm:cxn modelId="{CE2AF7AB-2949-4DCD-9C29-6B60E91D8468}" srcId="{0916D3E2-7950-4B1E-A80A-B1A0DFE4D7BE}" destId="{B8F4B4B5-48BB-4436-A4C8-0772D59377AC}" srcOrd="2" destOrd="0" parTransId="{EEB7DF95-B1E1-4355-BDED-67254F3A40BF}" sibTransId="{07F8EC93-687D-4C25-BBFA-77894EDF7DA2}"/>
+    <dgm:cxn modelId="{4F76CFC7-AC86-4FD6-BD3B-3B31C6A8EDDA}" type="presOf" srcId="{F26E0BCB-616E-4F5C-9212-B89461307743}" destId="{FB6E935B-AB56-4686-BAF4-89171D311D48}" srcOrd="0" destOrd="0" presId="urn:microsoft.com/office/officeart/2005/8/layout/radial1"/>
+    <dgm:cxn modelId="{7470EB8E-365B-4C7B-B345-F3A82F2BDE86}" type="presOf" srcId="{EEB7DF95-B1E1-4355-BDED-67254F3A40BF}" destId="{0FA48441-B5ED-464B-AB5B-44DAB679EE64}" srcOrd="1" destOrd="0" presId="urn:microsoft.com/office/officeart/2005/8/layout/radial1"/>
+    <dgm:cxn modelId="{2E6F4476-BF79-4C90-823B-71099E5FD8D3}" type="presOf" srcId="{DD81B84C-4525-4615-9233-87E402AFBABC}" destId="{9CD455AE-EC69-44E0-B929-B59BCD7E9894}" srcOrd="1" destOrd="0" presId="urn:microsoft.com/office/officeart/2005/8/layout/radial1"/>
     <dgm:cxn modelId="{2D7DE33D-C3DB-49E5-ADF6-52C214CF1C59}" srcId="{0916D3E2-7950-4B1E-A80A-B1A0DFE4D7BE}" destId="{7F397B27-ED42-4C0B-84EB-F42483A443DB}" srcOrd="1" destOrd="0" parTransId="{DD81B84C-4525-4615-9233-87E402AFBABC}" sibTransId="{97EBF3C2-DAC2-40A4-AE80-264E3F21FCCC}"/>
-    <dgm:cxn modelId="{7470EB8E-365B-4C7B-B345-F3A82F2BDE86}" type="presOf" srcId="{EEB7DF95-B1E1-4355-BDED-67254F3A40BF}" destId="{0FA48441-B5ED-464B-AB5B-44DAB679EE64}" srcOrd="1" destOrd="0" presId="urn:microsoft.com/office/officeart/2005/8/layout/radial1"/>
-    <dgm:cxn modelId="{D7CE5B38-4681-488A-875C-5BC6D4608B17}" type="presOf" srcId="{B8F4B4B5-48BB-4436-A4C8-0772D59377AC}" destId="{B8775ABA-3037-409F-B1F5-5479D38AC897}" srcOrd="0" destOrd="0" presId="urn:microsoft.com/office/officeart/2005/8/layout/radial1"/>
     <dgm:cxn modelId="{A9B36F8A-C74B-47A9-B539-806F6BB77A1A}" srcId="{CC293B1C-4CF8-4FF0-BBC7-4942ED2D7F88}" destId="{0916D3E2-7950-4B1E-A80A-B1A0DFE4D7BE}" srcOrd="0" destOrd="0" parTransId="{78ED7DF1-7D14-4D64-A8E3-CBD6C30B03FB}" sibTransId="{402F8436-663D-4DB8-A22F-0A8F501EB425}"/>
-    <dgm:cxn modelId="{4F76CFC7-AC86-4FD6-BD3B-3B31C6A8EDDA}" type="presOf" srcId="{F26E0BCB-616E-4F5C-9212-B89461307743}" destId="{FB6E935B-AB56-4686-BAF4-89171D311D48}" srcOrd="0" destOrd="0" presId="urn:microsoft.com/office/officeart/2005/8/layout/radial1"/>
+    <dgm:cxn modelId="{4E83842D-6898-45A2-8C76-AC263926CE66}" type="presOf" srcId="{CC293B1C-4CF8-4FF0-BBC7-4942ED2D7F88}" destId="{05AAFE4B-4748-4F9C-AA5B-DEC71FC73E20}" srcOrd="0" destOrd="0" presId="urn:microsoft.com/office/officeart/2005/8/layout/radial1"/>
     <dgm:cxn modelId="{53089D63-12EB-40F9-92A2-F39B07E20E6B}" type="presOf" srcId="{0916D3E2-7950-4B1E-A80A-B1A0DFE4D7BE}" destId="{334F0DA9-4D69-40E7-AE37-8BB2E71C3ACD}" srcOrd="0" destOrd="0" presId="urn:microsoft.com/office/officeart/2005/8/layout/radial1"/>
-    <dgm:cxn modelId="{2E6F4476-BF79-4C90-823B-71099E5FD8D3}" type="presOf" srcId="{DD81B84C-4525-4615-9233-87E402AFBABC}" destId="{9CD455AE-EC69-44E0-B929-B59BCD7E9894}" srcOrd="1" destOrd="0" presId="urn:microsoft.com/office/officeart/2005/8/layout/radial1"/>
+    <dgm:cxn modelId="{EE79DC2E-EE32-4B0A-ADFD-E11D61A99647}" type="presOf" srcId="{DD81B84C-4525-4615-9233-87E402AFBABC}" destId="{3134C74D-D45F-4D44-8DA9-5DD9ACC7028A}" srcOrd="0" destOrd="0" presId="urn:microsoft.com/office/officeart/2005/8/layout/radial1"/>
+    <dgm:cxn modelId="{1173F0C1-237A-44C5-81A9-6289AFEB7E80}" type="presOf" srcId="{7F397B27-ED42-4C0B-84EB-F42483A443DB}" destId="{FC75532D-1A75-4D81-A458-80C91B398F9D}" srcOrd="0" destOrd="0" presId="urn:microsoft.com/office/officeart/2005/8/layout/radial1"/>
     <dgm:cxn modelId="{6037BACF-1495-4D63-973A-E9906686C9EC}" type="presOf" srcId="{9B35DA45-8824-4EE3-89F0-3F4E07F980E3}" destId="{51D4E2D9-6364-4FE7-BE7F-89898165258A}" srcOrd="0" destOrd="0" presId="urn:microsoft.com/office/officeart/2005/8/layout/radial1"/>
-    <dgm:cxn modelId="{4E83842D-6898-45A2-8C76-AC263926CE66}" type="presOf" srcId="{CC293B1C-4CF8-4FF0-BBC7-4942ED2D7F88}" destId="{05AAFE4B-4748-4F9C-AA5B-DEC71FC73E20}" srcOrd="0" destOrd="0" presId="urn:microsoft.com/office/officeart/2005/8/layout/radial1"/>
-    <dgm:cxn modelId="{EE79DC2E-EE32-4B0A-ADFD-E11D61A99647}" type="presOf" srcId="{DD81B84C-4525-4615-9233-87E402AFBABC}" destId="{3134C74D-D45F-4D44-8DA9-5DD9ACC7028A}" srcOrd="0" destOrd="0" presId="urn:microsoft.com/office/officeart/2005/8/layout/radial1"/>
-    <dgm:cxn modelId="{08978BA1-AE5A-4DFF-A0C3-92D4A0078A98}" srcId="{0916D3E2-7950-4B1E-A80A-B1A0DFE4D7BE}" destId="{9B35DA45-8824-4EE3-89F0-3F4E07F980E3}" srcOrd="0" destOrd="0" parTransId="{F26E0BCB-616E-4F5C-9212-B89461307743}" sibTransId="{6FFF208B-A136-4388-9736-DE2BA4AFD5AF}"/>
-    <dgm:cxn modelId="{1173F0C1-237A-44C5-81A9-6289AFEB7E80}" type="presOf" srcId="{7F397B27-ED42-4C0B-84EB-F42483A443DB}" destId="{FC75532D-1A75-4D81-A458-80C91B398F9D}" srcOrd="0" destOrd="0" presId="urn:microsoft.com/office/officeart/2005/8/layout/radial1"/>
-    <dgm:cxn modelId="{8C318C29-2BA6-4073-9DC3-993B41DBBD97}" type="presOf" srcId="{F26E0BCB-616E-4F5C-9212-B89461307743}" destId="{B26CA117-7877-4BBB-8697-7BAA6B4D1769}" srcOrd="1" destOrd="0" presId="urn:microsoft.com/office/officeart/2005/8/layout/radial1"/>
     <dgm:cxn modelId="{772C3BB5-DF35-42DE-A439-0DCB31D63FB8}" type="presParOf" srcId="{05AAFE4B-4748-4F9C-AA5B-DEC71FC73E20}" destId="{334F0DA9-4D69-40E7-AE37-8BB2E71C3ACD}" srcOrd="0" destOrd="0" presId="urn:microsoft.com/office/officeart/2005/8/layout/radial1"/>
     <dgm:cxn modelId="{20FC6565-C496-4E94-8CCE-904149940058}" type="presParOf" srcId="{05AAFE4B-4748-4F9C-AA5B-DEC71FC73E20}" destId="{FB6E935B-AB56-4686-BAF4-89171D311D48}" srcOrd="1" destOrd="0" presId="urn:microsoft.com/office/officeart/2005/8/layout/radial1"/>
     <dgm:cxn modelId="{1BDA0C39-DB3E-4726-AC03-ECA79335B44E}" type="presParOf" srcId="{FB6E935B-AB56-4686-BAF4-89171D311D48}" destId="{B26CA117-7877-4BBB-8697-7BAA6B4D1769}" srcOrd="0" destOrd="0" presId="urn:microsoft.com/office/officeart/2005/8/layout/radial1"/>
@@ -4575,22 +4575,22 @@
     </dgm:pt>
   </dgm:ptLst>
   <dgm:cxnLst>
+    <dgm:cxn modelId="{C645A4BB-EDB6-4E76-AB82-9AD72E6BF557}" type="presOf" srcId="{BA786E09-868C-446C-BCAD-1B9A337A2314}" destId="{31F77346-6636-44FE-8237-42E5F75F0855}" srcOrd="1" destOrd="0" presId="urn:microsoft.com/office/officeart/2005/8/layout/hList7"/>
+    <dgm:cxn modelId="{57921F95-0423-45E7-AE0D-672371E39D53}" type="presOf" srcId="{5EE301F9-AA62-4FDD-BBD4-EB5F68D85FEC}" destId="{6B2B5E85-AAEA-413B-89EF-96FC0B61D0DB}" srcOrd="1" destOrd="0" presId="urn:microsoft.com/office/officeart/2005/8/layout/hList7"/>
+    <dgm:cxn modelId="{F6F9661A-BC21-475D-819D-50626DE6BCFB}" type="presOf" srcId="{2F25E3F7-E9EB-4C08-9116-69D5C4FD6E2A}" destId="{2845AC54-25A9-480C-BA9C-51BB56258253}" srcOrd="0" destOrd="0" presId="urn:microsoft.com/office/officeart/2005/8/layout/hList7"/>
+    <dgm:cxn modelId="{CF0035A1-5E18-4F9A-AAAD-C4F8302A689F}" type="presOf" srcId="{81607F9D-ACA8-4EBC-97F3-AE620D537126}" destId="{FCBD48AD-6356-4016-B622-1476036943D2}" srcOrd="1" destOrd="0" presId="urn:microsoft.com/office/officeart/2005/8/layout/hList7"/>
     <dgm:cxn modelId="{AFAAAFAD-A0DE-47C1-9249-77B5BDE05E36}" type="presOf" srcId="{81607F9D-ACA8-4EBC-97F3-AE620D537126}" destId="{AECDF339-533B-4319-9DD1-FE0312AA5FE7}" srcOrd="0" destOrd="0" presId="urn:microsoft.com/office/officeart/2005/8/layout/hList7"/>
-    <dgm:cxn modelId="{38CD83C8-6796-4198-B7C8-EFF34EC9AA55}" type="presOf" srcId="{BA786E09-868C-446C-BCAD-1B9A337A2314}" destId="{9B6DBF9B-EFA6-45E8-AAE9-1FBCC2922B5E}" srcOrd="0" destOrd="0" presId="urn:microsoft.com/office/officeart/2005/8/layout/hList7"/>
-    <dgm:cxn modelId="{2E016A71-4A74-45F5-AD15-07D3B1D0466D}" srcId="{95C89F30-E4C0-41F0-9F78-CFBA2BC6B6E7}" destId="{47253CFC-4569-4709-81D3-DEEB42841B34}" srcOrd="2" destOrd="0" parTransId="{790D9CA9-D5EB-4ABB-B3FF-C076CA534420}" sibTransId="{2F25E3F7-E9EB-4C08-9116-69D5C4FD6E2A}"/>
-    <dgm:cxn modelId="{F6F9661A-BC21-475D-819D-50626DE6BCFB}" type="presOf" srcId="{2F25E3F7-E9EB-4C08-9116-69D5C4FD6E2A}" destId="{2845AC54-25A9-480C-BA9C-51BB56258253}" srcOrd="0" destOrd="0" presId="urn:microsoft.com/office/officeart/2005/8/layout/hList7"/>
-    <dgm:cxn modelId="{C645A4BB-EDB6-4E76-AB82-9AD72E6BF557}" type="presOf" srcId="{BA786E09-868C-446C-BCAD-1B9A337A2314}" destId="{31F77346-6636-44FE-8237-42E5F75F0855}" srcOrd="1" destOrd="0" presId="urn:microsoft.com/office/officeart/2005/8/layout/hList7"/>
-    <dgm:cxn modelId="{194860A3-1900-4650-B671-CEC4587BA924}" type="presOf" srcId="{94CA40FB-60B0-465C-89DE-37B57251E362}" destId="{6A4D6A8E-A18C-499A-84BC-74FED5388C93}" srcOrd="0" destOrd="0" presId="urn:microsoft.com/office/officeart/2005/8/layout/hList7"/>
-    <dgm:cxn modelId="{57921F95-0423-45E7-AE0D-672371E39D53}" type="presOf" srcId="{5EE301F9-AA62-4FDD-BBD4-EB5F68D85FEC}" destId="{6B2B5E85-AAEA-413B-89EF-96FC0B61D0DB}" srcOrd="1" destOrd="0" presId="urn:microsoft.com/office/officeart/2005/8/layout/hList7"/>
-    <dgm:cxn modelId="{4E004507-C92D-4D0B-9DBB-DB4591A9B903}" srcId="{95C89F30-E4C0-41F0-9F78-CFBA2BC6B6E7}" destId="{BA786E09-868C-446C-BCAD-1B9A337A2314}" srcOrd="3" destOrd="0" parTransId="{59BE49D1-A09D-46A0-A218-5983A849445B}" sibTransId="{870FB8E6-A3E1-4439-9131-142A0512FE32}"/>
-    <dgm:cxn modelId="{1AE06204-B328-4A88-90DE-47487907D919}" type="presOf" srcId="{47253CFC-4569-4709-81D3-DEEB42841B34}" destId="{65C1CC62-47DD-4AE0-BB4E-E1AA4210EAD1}" srcOrd="1" destOrd="0" presId="urn:microsoft.com/office/officeart/2005/8/layout/hList7"/>
-    <dgm:cxn modelId="{F309A241-CAAA-4CAA-89A7-3EF413DFED5F}" type="presOf" srcId="{47253CFC-4569-4709-81D3-DEEB42841B34}" destId="{18E220CA-4E07-4273-9F20-D66E44D1CC15}" srcOrd="0" destOrd="0" presId="urn:microsoft.com/office/officeart/2005/8/layout/hList7"/>
+    <dgm:cxn modelId="{BDD1CA52-8007-48A8-B091-1E74889DEE99}" type="presOf" srcId="{95C89F30-E4C0-41F0-9F78-CFBA2BC6B6E7}" destId="{68497B09-3716-4EBD-AC6B-8AE2BDCC8972}" srcOrd="0" destOrd="0" presId="urn:microsoft.com/office/officeart/2005/8/layout/hList7"/>
     <dgm:cxn modelId="{E53B2165-E749-413E-9F1A-C9CC76DA6A5C}" srcId="{95C89F30-E4C0-41F0-9F78-CFBA2BC6B6E7}" destId="{5EE301F9-AA62-4FDD-BBD4-EB5F68D85FEC}" srcOrd="0" destOrd="0" parTransId="{752A3FC9-4F42-4B45-864D-D48201C144BC}" sibTransId="{7A2D0BBB-4796-4683-A258-869CCE2EFDEE}"/>
-    <dgm:cxn modelId="{CF0035A1-5E18-4F9A-AAAD-C4F8302A689F}" type="presOf" srcId="{81607F9D-ACA8-4EBC-97F3-AE620D537126}" destId="{FCBD48AD-6356-4016-B622-1476036943D2}" srcOrd="1" destOrd="0" presId="urn:microsoft.com/office/officeart/2005/8/layout/hList7"/>
-    <dgm:cxn modelId="{BDD1CA52-8007-48A8-B091-1E74889DEE99}" type="presOf" srcId="{95C89F30-E4C0-41F0-9F78-CFBA2BC6B6E7}" destId="{68497B09-3716-4EBD-AC6B-8AE2BDCC8972}" srcOrd="0" destOrd="0" presId="urn:microsoft.com/office/officeart/2005/8/layout/hList7"/>
     <dgm:cxn modelId="{B6D21F72-7318-4B23-BC86-23B4E85AD610}" type="presOf" srcId="{5EE301F9-AA62-4FDD-BBD4-EB5F68D85FEC}" destId="{90FFEDE6-D24B-46AA-AC61-5A2CA3E513CC}" srcOrd="0" destOrd="0" presId="urn:microsoft.com/office/officeart/2005/8/layout/hList7"/>
     <dgm:cxn modelId="{C503CDFC-F7CF-4B5B-9CB9-D0B888450B80}" srcId="{95C89F30-E4C0-41F0-9F78-CFBA2BC6B6E7}" destId="{81607F9D-ACA8-4EBC-97F3-AE620D537126}" srcOrd="1" destOrd="0" parTransId="{5614C387-4578-47E1-B8ED-4C19C139B6D6}" sibTransId="{94CA40FB-60B0-465C-89DE-37B57251E362}"/>
+    <dgm:cxn modelId="{2E016A71-4A74-45F5-AD15-07D3B1D0466D}" srcId="{95C89F30-E4C0-41F0-9F78-CFBA2BC6B6E7}" destId="{47253CFC-4569-4709-81D3-DEEB42841B34}" srcOrd="2" destOrd="0" parTransId="{790D9CA9-D5EB-4ABB-B3FF-C076CA534420}" sibTransId="{2F25E3F7-E9EB-4C08-9116-69D5C4FD6E2A}"/>
+    <dgm:cxn modelId="{1AE06204-B328-4A88-90DE-47487907D919}" type="presOf" srcId="{47253CFC-4569-4709-81D3-DEEB42841B34}" destId="{65C1CC62-47DD-4AE0-BB4E-E1AA4210EAD1}" srcOrd="1" destOrd="0" presId="urn:microsoft.com/office/officeart/2005/8/layout/hList7"/>
     <dgm:cxn modelId="{2EC55B3D-BFE3-4C06-B5CF-4DA8F00E7DD6}" type="presOf" srcId="{7A2D0BBB-4796-4683-A258-869CCE2EFDEE}" destId="{46B8E31D-92A9-4F7C-AC64-291B22E56C19}" srcOrd="0" destOrd="0" presId="urn:microsoft.com/office/officeart/2005/8/layout/hList7"/>
+    <dgm:cxn modelId="{194860A3-1900-4650-B671-CEC4587BA924}" type="presOf" srcId="{94CA40FB-60B0-465C-89DE-37B57251E362}" destId="{6A4D6A8E-A18C-499A-84BC-74FED5388C93}" srcOrd="0" destOrd="0" presId="urn:microsoft.com/office/officeart/2005/8/layout/hList7"/>
+    <dgm:cxn modelId="{F309A241-CAAA-4CAA-89A7-3EF413DFED5F}" type="presOf" srcId="{47253CFC-4569-4709-81D3-DEEB42841B34}" destId="{18E220CA-4E07-4273-9F20-D66E44D1CC15}" srcOrd="0" destOrd="0" presId="urn:microsoft.com/office/officeart/2005/8/layout/hList7"/>
+    <dgm:cxn modelId="{4E004507-C92D-4D0B-9DBB-DB4591A9B903}" srcId="{95C89F30-E4C0-41F0-9F78-CFBA2BC6B6E7}" destId="{BA786E09-868C-446C-BCAD-1B9A337A2314}" srcOrd="3" destOrd="0" parTransId="{59BE49D1-A09D-46A0-A218-5983A849445B}" sibTransId="{870FB8E6-A3E1-4439-9131-142A0512FE32}"/>
+    <dgm:cxn modelId="{38CD83C8-6796-4198-B7C8-EFF34EC9AA55}" type="presOf" srcId="{BA786E09-868C-446C-BCAD-1B9A337A2314}" destId="{9B6DBF9B-EFA6-45E8-AAE9-1FBCC2922B5E}" srcOrd="0" destOrd="0" presId="urn:microsoft.com/office/officeart/2005/8/layout/hList7"/>
     <dgm:cxn modelId="{4D0448AB-072A-4D18-810D-2383F44A3112}" type="presParOf" srcId="{68497B09-3716-4EBD-AC6B-8AE2BDCC8972}" destId="{5C007895-D27B-4555-8633-C9BBD58A106D}" srcOrd="0" destOrd="0" presId="urn:microsoft.com/office/officeart/2005/8/layout/hList7"/>
     <dgm:cxn modelId="{EB40CABA-D7D8-449B-A3EF-706C96A2B35D}" type="presParOf" srcId="{68497B09-3716-4EBD-AC6B-8AE2BDCC8972}" destId="{851E5CC9-679F-4CF6-B00F-A025B4DEF2B3}" srcOrd="1" destOrd="0" presId="urn:microsoft.com/office/officeart/2005/8/layout/hList7"/>
     <dgm:cxn modelId="{E6D0BBE2-1389-41E3-A561-EB44452418BA}" type="presParOf" srcId="{851E5CC9-679F-4CF6-B00F-A025B4DEF2B3}" destId="{02F5FF00-4C9F-4B29-8EE7-22E5EFD6E9BE}" srcOrd="0" destOrd="0" presId="urn:microsoft.com/office/officeart/2005/8/layout/hList7"/>
@@ -13222,11 +13222,7 @@
           <a:p>
             <a:r>
               <a:rPr lang="fr-FR" dirty="0" smtClean="0"/>
-              <a:t>App – </a:t>
-            </a:r>
-            <a:r>
-              <a:rPr lang="fr-FR" dirty="0" smtClean="0"/>
-              <a:t>User </a:t>
+              <a:t>App – User </a:t>
             </a:r>
             <a:r>
               <a:rPr lang="fr-FR" dirty="0" err="1" smtClean="0"/>
@@ -13490,7 +13486,6 @@
               <a:rPr lang="fr-FR" sz="2000" dirty="0" smtClean="0"/>
               <a:t> for the client</a:t>
             </a:r>
-            <a:endParaRPr lang="fr-FR" sz="2000" dirty="0" smtClean="0"/>
           </a:p>
           <a:p>
             <a:pPr marL="0" indent="0" algn="just">
@@ -18592,13 +18587,8 @@
             </a:r>
             <a:r>
               <a:rPr lang="fr-FR" sz="2000" dirty="0" smtClean="0"/>
-              <a:t> KEGG </a:t>
+              <a:t> KEGG Mapper</a:t>
             </a:r>
-            <a:r>
-              <a:rPr lang="fr-FR" sz="2000" dirty="0" smtClean="0"/>
-              <a:t>Mapper</a:t>
-            </a:r>
-            <a:endParaRPr lang="fr-FR" sz="2000" dirty="0" smtClean="0"/>
           </a:p>
           <a:p>
             <a:pPr algn="just"/>
@@ -20102,11 +20092,7 @@
           <a:p>
             <a:r>
               <a:rPr lang="fr-FR" dirty="0" smtClean="0"/>
-              <a:t>App – Custom </a:t>
-            </a:r>
-            <a:r>
-              <a:rPr lang="fr-FR" dirty="0" smtClean="0"/>
-              <a:t>fig.</a:t>
+              <a:t>App – Custom fig.</a:t>
             </a:r>
             <a:endParaRPr lang="fr-FR" dirty="0"/>
           </a:p>
@@ -31160,9 +31146,9 @@
       </p:sp>
       <p:pic>
         <p:nvPicPr>
-          <p:cNvPr id="5" name="Picture 4"/>
+          <p:cNvPr id="6" name="Picture 2" descr="Résultat de recherche d'images pour &quot;project&quot;&quot;"/>
           <p:cNvPicPr>
-            <a:picLocks noChangeAspect="1"/>
+            <a:picLocks noChangeAspect="1" noChangeArrowheads="1"/>
           </p:cNvPicPr>
           <p:nvPr/>
         </p:nvPicPr>
@@ -31174,18 +31160,29 @@
               </a:ext>
             </a:extLst>
           </a:blip>
+          <a:srcRect/>
           <a:stretch>
             <a:fillRect/>
           </a:stretch>
         </p:blipFill>
-        <p:spPr>
+        <p:spPr bwMode="auto">
           <a:xfrm>
-            <a:off x="6494350" y="2390862"/>
-            <a:ext cx="3938212" cy="3842158"/>
+            <a:off x="7285500" y="2835479"/>
+            <a:ext cx="2940047" cy="3449031"/>
           </a:xfrm>
           <a:prstGeom prst="rect">
             <a:avLst/>
           </a:prstGeom>
+          <a:noFill/>
+          <a:extLst>
+            <a:ext uri="{909E8E84-426E-40DD-AFC4-6F175D3DCCD1}">
+              <a14:hiddenFill xmlns:a14="http://schemas.microsoft.com/office/drawing/2010/main">
+                <a:solidFill>
+                  <a:srgbClr val="FFFFFF"/>
+                </a:solidFill>
+              </a14:hiddenFill>
+            </a:ext>
+          </a:extLst>
         </p:spPr>
       </p:pic>
     </p:spTree>
@@ -39879,13 +39876,13 @@
           <p:nvPr>
             <p:extLst>
               <p:ext uri="{D42A27DB-BD31-4B8C-83A1-F6EECF244321}">
-                <p14:modId xmlns:p14="http://schemas.microsoft.com/office/powerpoint/2010/main" val="1044012481"/>
+                <p14:modId xmlns:p14="http://schemas.microsoft.com/office/powerpoint/2010/main" val="824564919"/>
               </p:ext>
             </p:extLst>
           </p:nvPr>
         </p:nvGraphicFramePr>
         <p:xfrm>
-          <a:off x="2265149" y="1829006"/>
+          <a:off x="3690827" y="1829006"/>
           <a:ext cx="8363522" cy="4863689"/>
         </p:xfrm>
         <a:graphic>
@@ -39916,7 +39913,7 @@
         </p:blipFill>
         <p:spPr>
           <a:xfrm>
-            <a:off x="4974212" y="3868863"/>
+            <a:off x="6399890" y="3868863"/>
             <a:ext cx="818055" cy="948943"/>
           </a:xfrm>
           <a:prstGeom prst="rect">
@@ -39946,7 +39943,7 @@
         </p:blipFill>
         <p:spPr>
           <a:xfrm>
-            <a:off x="4961408" y="4956862"/>
+            <a:off x="6387086" y="4956862"/>
             <a:ext cx="843661" cy="977214"/>
           </a:xfrm>
           <a:prstGeom prst="rect">
@@ -39976,7 +39973,7 @@
         </p:blipFill>
         <p:spPr>
           <a:xfrm>
-            <a:off x="2779030" y="3868863"/>
+            <a:off x="4204708" y="3868863"/>
             <a:ext cx="970817" cy="970817"/>
           </a:xfrm>
           <a:prstGeom prst="rect">
@@ -40006,7 +40003,7 @@
         </p:blipFill>
         <p:spPr>
           <a:xfrm>
-            <a:off x="2597688" y="4956862"/>
+            <a:off x="4023366" y="4956862"/>
             <a:ext cx="1333500" cy="1333500"/>
           </a:xfrm>
           <a:prstGeom prst="rect">
@@ -40036,7 +40033,7 @@
         </p:blipFill>
         <p:spPr>
           <a:xfrm>
-            <a:off x="9122502" y="3881525"/>
+            <a:off x="10548180" y="3881525"/>
             <a:ext cx="916402" cy="923618"/>
           </a:xfrm>
           <a:prstGeom prst="rect">
@@ -40066,7 +40063,7 @@
         </p:blipFill>
         <p:spPr>
           <a:xfrm>
-            <a:off x="8986608" y="4894048"/>
+            <a:off x="10412286" y="4894048"/>
             <a:ext cx="1195326" cy="1195326"/>
           </a:xfrm>
           <a:prstGeom prst="rect">
@@ -40096,7 +40093,7 @@
         </p:blipFill>
         <p:spPr>
           <a:xfrm>
-            <a:off x="6756519" y="3968875"/>
+            <a:off x="8182197" y="3968875"/>
             <a:ext cx="1490778" cy="1469899"/>
           </a:xfrm>
           <a:prstGeom prst="rect">
@@ -40104,6 +40101,260 @@
           </a:prstGeom>
         </p:spPr>
       </p:pic>
+      <p:sp>
+        <p:nvSpPr>
+          <p:cNvPr id="13" name="Content Placeholder 2"/>
+          <p:cNvSpPr txBox="1">
+            <a:spLocks/>
+          </p:cNvSpPr>
+          <p:nvPr/>
+        </p:nvSpPr>
+        <p:spPr>
+          <a:xfrm>
+            <a:off x="1236683" y="2835479"/>
+            <a:ext cx="2454143" cy="3842158"/>
+          </a:xfrm>
+          <a:prstGeom prst="rect">
+            <a:avLst/>
+          </a:prstGeom>
+        </p:spPr>
+        <p:txBody>
+          <a:bodyPr>
+            <a:normAutofit/>
+          </a:bodyPr>
+          <a:lstStyle>
+            <a:lvl1pPr marL="228600" indent="-228600" algn="l" defTabSz="914400" rtl="0" eaLnBrk="1" latinLnBrk="0" hangingPunct="1">
+              <a:lnSpc>
+                <a:spcPct val="90000"/>
+              </a:lnSpc>
+              <a:spcBef>
+                <a:spcPts val="1000"/>
+              </a:spcBef>
+              <a:buFont typeface="Arial" panose="020B0604020202020204" pitchFamily="34" charset="0"/>
+              <a:buChar char="•"/>
+              <a:defRPr sz="2800" kern="1200">
+                <a:solidFill>
+                  <a:schemeClr val="tx1"/>
+                </a:solidFill>
+                <a:latin typeface="+mn-lt"/>
+                <a:ea typeface="+mn-ea"/>
+                <a:cs typeface="+mn-cs"/>
+              </a:defRPr>
+            </a:lvl1pPr>
+            <a:lvl2pPr marL="685800" indent="-228600" algn="l" defTabSz="914400" rtl="0" eaLnBrk="1" latinLnBrk="0" hangingPunct="1">
+              <a:lnSpc>
+                <a:spcPct val="90000"/>
+              </a:lnSpc>
+              <a:spcBef>
+                <a:spcPts val="500"/>
+              </a:spcBef>
+              <a:buFont typeface="Arial" panose="020B0604020202020204" pitchFamily="34" charset="0"/>
+              <a:buChar char="•"/>
+              <a:defRPr sz="2400" kern="1200">
+                <a:solidFill>
+                  <a:schemeClr val="tx1"/>
+                </a:solidFill>
+                <a:latin typeface="+mn-lt"/>
+                <a:ea typeface="+mn-ea"/>
+                <a:cs typeface="+mn-cs"/>
+              </a:defRPr>
+            </a:lvl2pPr>
+            <a:lvl3pPr marL="1143000" indent="-228600" algn="l" defTabSz="914400" rtl="0" eaLnBrk="1" latinLnBrk="0" hangingPunct="1">
+              <a:lnSpc>
+                <a:spcPct val="90000"/>
+              </a:lnSpc>
+              <a:spcBef>
+                <a:spcPts val="500"/>
+              </a:spcBef>
+              <a:buFont typeface="Arial" panose="020B0604020202020204" pitchFamily="34" charset="0"/>
+              <a:buChar char="•"/>
+              <a:defRPr sz="2000" kern="1200">
+                <a:solidFill>
+                  <a:schemeClr val="tx1"/>
+                </a:solidFill>
+                <a:latin typeface="+mn-lt"/>
+                <a:ea typeface="+mn-ea"/>
+                <a:cs typeface="+mn-cs"/>
+              </a:defRPr>
+            </a:lvl3pPr>
+            <a:lvl4pPr marL="1600200" indent="-228600" algn="l" defTabSz="914400" rtl="0" eaLnBrk="1" latinLnBrk="0" hangingPunct="1">
+              <a:lnSpc>
+                <a:spcPct val="90000"/>
+              </a:lnSpc>
+              <a:spcBef>
+                <a:spcPts val="500"/>
+              </a:spcBef>
+              <a:buFont typeface="Arial" panose="020B0604020202020204" pitchFamily="34" charset="0"/>
+              <a:buChar char="•"/>
+              <a:defRPr sz="1800" kern="1200">
+                <a:solidFill>
+                  <a:schemeClr val="tx1"/>
+                </a:solidFill>
+                <a:latin typeface="+mn-lt"/>
+                <a:ea typeface="+mn-ea"/>
+                <a:cs typeface="+mn-cs"/>
+              </a:defRPr>
+            </a:lvl4pPr>
+            <a:lvl5pPr marL="2057400" indent="-228600" algn="l" defTabSz="914400" rtl="0" eaLnBrk="1" latinLnBrk="0" hangingPunct="1">
+              <a:lnSpc>
+                <a:spcPct val="90000"/>
+              </a:lnSpc>
+              <a:spcBef>
+                <a:spcPts val="500"/>
+              </a:spcBef>
+              <a:buFont typeface="Arial" panose="020B0604020202020204" pitchFamily="34" charset="0"/>
+              <a:buChar char="•"/>
+              <a:defRPr sz="1800" kern="1200">
+                <a:solidFill>
+                  <a:schemeClr val="tx1"/>
+                </a:solidFill>
+                <a:latin typeface="+mn-lt"/>
+                <a:ea typeface="+mn-ea"/>
+                <a:cs typeface="+mn-cs"/>
+              </a:defRPr>
+            </a:lvl5pPr>
+            <a:lvl6pPr marL="2514600" indent="-228600" algn="l" defTabSz="914400" rtl="0" eaLnBrk="1" latinLnBrk="0" hangingPunct="1">
+              <a:lnSpc>
+                <a:spcPct val="90000"/>
+              </a:lnSpc>
+              <a:spcBef>
+                <a:spcPts val="500"/>
+              </a:spcBef>
+              <a:buFont typeface="Arial" panose="020B0604020202020204" pitchFamily="34" charset="0"/>
+              <a:buChar char="•"/>
+              <a:defRPr sz="1800" kern="1200">
+                <a:solidFill>
+                  <a:schemeClr val="tx1"/>
+                </a:solidFill>
+                <a:latin typeface="+mn-lt"/>
+                <a:ea typeface="+mn-ea"/>
+                <a:cs typeface="+mn-cs"/>
+              </a:defRPr>
+            </a:lvl6pPr>
+            <a:lvl7pPr marL="2971800" indent="-228600" algn="l" defTabSz="914400" rtl="0" eaLnBrk="1" latinLnBrk="0" hangingPunct="1">
+              <a:lnSpc>
+                <a:spcPct val="90000"/>
+              </a:lnSpc>
+              <a:spcBef>
+                <a:spcPts val="500"/>
+              </a:spcBef>
+              <a:buFont typeface="Arial" panose="020B0604020202020204" pitchFamily="34" charset="0"/>
+              <a:buChar char="•"/>
+              <a:defRPr sz="1800" kern="1200">
+                <a:solidFill>
+                  <a:schemeClr val="tx1"/>
+                </a:solidFill>
+                <a:latin typeface="+mn-lt"/>
+                <a:ea typeface="+mn-ea"/>
+                <a:cs typeface="+mn-cs"/>
+              </a:defRPr>
+            </a:lvl7pPr>
+            <a:lvl8pPr marL="3429000" indent="-228600" algn="l" defTabSz="914400" rtl="0" eaLnBrk="1" latinLnBrk="0" hangingPunct="1">
+              <a:lnSpc>
+                <a:spcPct val="90000"/>
+              </a:lnSpc>
+              <a:spcBef>
+                <a:spcPts val="500"/>
+              </a:spcBef>
+              <a:buFont typeface="Arial" panose="020B0604020202020204" pitchFamily="34" charset="0"/>
+              <a:buChar char="•"/>
+              <a:defRPr sz="1800" kern="1200">
+                <a:solidFill>
+                  <a:schemeClr val="tx1"/>
+                </a:solidFill>
+                <a:latin typeface="+mn-lt"/>
+                <a:ea typeface="+mn-ea"/>
+                <a:cs typeface="+mn-cs"/>
+              </a:defRPr>
+            </a:lvl8pPr>
+            <a:lvl9pPr marL="3886200" indent="-228600" algn="l" defTabSz="914400" rtl="0" eaLnBrk="1" latinLnBrk="0" hangingPunct="1">
+              <a:lnSpc>
+                <a:spcPct val="90000"/>
+              </a:lnSpc>
+              <a:spcBef>
+                <a:spcPts val="500"/>
+              </a:spcBef>
+              <a:buFont typeface="Arial" panose="020B0604020202020204" pitchFamily="34" charset="0"/>
+              <a:buChar char="•"/>
+              <a:defRPr sz="1800" kern="1200">
+                <a:solidFill>
+                  <a:schemeClr val="tx1"/>
+                </a:solidFill>
+                <a:latin typeface="+mn-lt"/>
+                <a:ea typeface="+mn-ea"/>
+                <a:cs typeface="+mn-cs"/>
+              </a:defRPr>
+            </a:lvl9pPr>
+          </a:lstStyle>
+          <a:p>
+            <a:r>
+              <a:rPr lang="fr-FR" sz="2000" dirty="0" err="1" smtClean="0"/>
+              <a:t>GitKraken</a:t>
+            </a:r>
+            <a:endParaRPr lang="fr-FR" sz="2000" dirty="0"/>
+          </a:p>
+          <a:p>
+            <a:pPr marL="0" indent="0">
+              <a:buNone/>
+            </a:pPr>
+            <a:endParaRPr lang="fr-FR" sz="2000" dirty="0"/>
+          </a:p>
+          <a:p>
+            <a:r>
+              <a:rPr lang="fr-FR" sz="2000" dirty="0" smtClean="0"/>
+              <a:t>R </a:t>
+            </a:r>
+            <a:r>
+              <a:rPr lang="fr-FR" sz="2000" dirty="0" err="1" smtClean="0"/>
+              <a:t>statistical</a:t>
+            </a:r>
+            <a:r>
+              <a:rPr lang="fr-FR" sz="2000" dirty="0" smtClean="0"/>
+              <a:t> </a:t>
+            </a:r>
+            <a:r>
+              <a:rPr lang="fr-FR" sz="2000" dirty="0" err="1" smtClean="0"/>
+              <a:t>programming</a:t>
+            </a:r>
+            <a:endParaRPr lang="fr-FR" sz="2000" dirty="0"/>
+          </a:p>
+          <a:p>
+            <a:endParaRPr lang="fr-FR" sz="2000" dirty="0"/>
+          </a:p>
+          <a:p>
+            <a:r>
+              <a:rPr lang="fr-FR" sz="2000" dirty="0" err="1" smtClean="0"/>
+              <a:t>Nuxit</a:t>
+            </a:r>
+            <a:r>
+              <a:rPr lang="fr-FR" sz="2000" dirty="0" smtClean="0"/>
+              <a:t> </a:t>
+            </a:r>
+            <a:r>
+              <a:rPr lang="fr-FR" sz="2000" dirty="0" err="1" smtClean="0"/>
+              <a:t>environment</a:t>
+            </a:r>
+            <a:endParaRPr lang="fr-FR" sz="2000" dirty="0" smtClean="0"/>
+          </a:p>
+          <a:p>
+            <a:endParaRPr lang="fr-FR" sz="2000" dirty="0"/>
+          </a:p>
+          <a:p>
+            <a:r>
+              <a:rPr lang="fr-FR" sz="2000" dirty="0" smtClean="0"/>
+              <a:t>Web design</a:t>
+            </a:r>
+            <a:endParaRPr lang="fr-FR" sz="2000" dirty="0"/>
+          </a:p>
+          <a:p>
+            <a:pPr marL="0" indent="0" algn="just">
+              <a:buFont typeface="Arial" panose="020B0604020202020204" pitchFamily="34" charset="0"/>
+              <a:buNone/>
+            </a:pPr>
+            <a:endParaRPr lang="fr-FR" sz="2000" dirty="0"/>
+          </a:p>
+        </p:txBody>
+      </p:sp>
     </p:spTree>
     <p:extLst>
       <p:ext uri="{BB962C8B-B14F-4D97-AF65-F5344CB8AC3E}">

--- a/Slides/Soutenance_Final.pptx
+++ b/Slides/Soutenance_Final.pptx
@@ -4149,21 +4149,21 @@
     </dgm:pt>
   </dgm:ptLst>
   <dgm:cxnLst>
+    <dgm:cxn modelId="{BFE5F03E-99EE-488D-A25F-FA4A305398F3}" type="presOf" srcId="{EEB7DF95-B1E1-4355-BDED-67254F3A40BF}" destId="{156A4B50-5EBB-4BD2-8AF0-C722439DBC8D}" srcOrd="0" destOrd="0" presId="urn:microsoft.com/office/officeart/2005/8/layout/radial1"/>
     <dgm:cxn modelId="{CE2AF7AB-2949-4DCD-9C29-6B60E91D8468}" srcId="{0916D3E2-7950-4B1E-A80A-B1A0DFE4D7BE}" destId="{B8F4B4B5-48BB-4436-A4C8-0772D59377AC}" srcOrd="2" destOrd="0" parTransId="{EEB7DF95-B1E1-4355-BDED-67254F3A40BF}" sibTransId="{07F8EC93-687D-4C25-BBFA-77894EDF7DA2}"/>
+    <dgm:cxn modelId="{2D7DE33D-C3DB-49E5-ADF6-52C214CF1C59}" srcId="{0916D3E2-7950-4B1E-A80A-B1A0DFE4D7BE}" destId="{7F397B27-ED42-4C0B-84EB-F42483A443DB}" srcOrd="1" destOrd="0" parTransId="{DD81B84C-4525-4615-9233-87E402AFBABC}" sibTransId="{97EBF3C2-DAC2-40A4-AE80-264E3F21FCCC}"/>
+    <dgm:cxn modelId="{7470EB8E-365B-4C7B-B345-F3A82F2BDE86}" type="presOf" srcId="{EEB7DF95-B1E1-4355-BDED-67254F3A40BF}" destId="{0FA48441-B5ED-464B-AB5B-44DAB679EE64}" srcOrd="1" destOrd="0" presId="urn:microsoft.com/office/officeart/2005/8/layout/radial1"/>
     <dgm:cxn modelId="{D7CE5B38-4681-488A-875C-5BC6D4608B17}" type="presOf" srcId="{B8F4B4B5-48BB-4436-A4C8-0772D59377AC}" destId="{B8775ABA-3037-409F-B1F5-5479D38AC897}" srcOrd="0" destOrd="0" presId="urn:microsoft.com/office/officeart/2005/8/layout/radial1"/>
+    <dgm:cxn modelId="{A9B36F8A-C74B-47A9-B539-806F6BB77A1A}" srcId="{CC293B1C-4CF8-4FF0-BBC7-4942ED2D7F88}" destId="{0916D3E2-7950-4B1E-A80A-B1A0DFE4D7BE}" srcOrd="0" destOrd="0" parTransId="{78ED7DF1-7D14-4D64-A8E3-CBD6C30B03FB}" sibTransId="{402F8436-663D-4DB8-A22F-0A8F501EB425}"/>
+    <dgm:cxn modelId="{4F76CFC7-AC86-4FD6-BD3B-3B31C6A8EDDA}" type="presOf" srcId="{F26E0BCB-616E-4F5C-9212-B89461307743}" destId="{FB6E935B-AB56-4686-BAF4-89171D311D48}" srcOrd="0" destOrd="0" presId="urn:microsoft.com/office/officeart/2005/8/layout/radial1"/>
+    <dgm:cxn modelId="{53089D63-12EB-40F9-92A2-F39B07E20E6B}" type="presOf" srcId="{0916D3E2-7950-4B1E-A80A-B1A0DFE4D7BE}" destId="{334F0DA9-4D69-40E7-AE37-8BB2E71C3ACD}" srcOrd="0" destOrd="0" presId="urn:microsoft.com/office/officeart/2005/8/layout/radial1"/>
+    <dgm:cxn modelId="{2E6F4476-BF79-4C90-823B-71099E5FD8D3}" type="presOf" srcId="{DD81B84C-4525-4615-9233-87E402AFBABC}" destId="{9CD455AE-EC69-44E0-B929-B59BCD7E9894}" srcOrd="1" destOrd="0" presId="urn:microsoft.com/office/officeart/2005/8/layout/radial1"/>
+    <dgm:cxn modelId="{6037BACF-1495-4D63-973A-E9906686C9EC}" type="presOf" srcId="{9B35DA45-8824-4EE3-89F0-3F4E07F980E3}" destId="{51D4E2D9-6364-4FE7-BE7F-89898165258A}" srcOrd="0" destOrd="0" presId="urn:microsoft.com/office/officeart/2005/8/layout/radial1"/>
+    <dgm:cxn modelId="{4E83842D-6898-45A2-8C76-AC263926CE66}" type="presOf" srcId="{CC293B1C-4CF8-4FF0-BBC7-4942ED2D7F88}" destId="{05AAFE4B-4748-4F9C-AA5B-DEC71FC73E20}" srcOrd="0" destOrd="0" presId="urn:microsoft.com/office/officeart/2005/8/layout/radial1"/>
+    <dgm:cxn modelId="{EE79DC2E-EE32-4B0A-ADFD-E11D61A99647}" type="presOf" srcId="{DD81B84C-4525-4615-9233-87E402AFBABC}" destId="{3134C74D-D45F-4D44-8DA9-5DD9ACC7028A}" srcOrd="0" destOrd="0" presId="urn:microsoft.com/office/officeart/2005/8/layout/radial1"/>
     <dgm:cxn modelId="{08978BA1-AE5A-4DFF-A0C3-92D4A0078A98}" srcId="{0916D3E2-7950-4B1E-A80A-B1A0DFE4D7BE}" destId="{9B35DA45-8824-4EE3-89F0-3F4E07F980E3}" srcOrd="0" destOrd="0" parTransId="{F26E0BCB-616E-4F5C-9212-B89461307743}" sibTransId="{6FFF208B-A136-4388-9736-DE2BA4AFD5AF}"/>
+    <dgm:cxn modelId="{1173F0C1-237A-44C5-81A9-6289AFEB7E80}" type="presOf" srcId="{7F397B27-ED42-4C0B-84EB-F42483A443DB}" destId="{FC75532D-1A75-4D81-A458-80C91B398F9D}" srcOrd="0" destOrd="0" presId="urn:microsoft.com/office/officeart/2005/8/layout/radial1"/>
     <dgm:cxn modelId="{8C318C29-2BA6-4073-9DC3-993B41DBBD97}" type="presOf" srcId="{F26E0BCB-616E-4F5C-9212-B89461307743}" destId="{B26CA117-7877-4BBB-8697-7BAA6B4D1769}" srcOrd="1" destOrd="0" presId="urn:microsoft.com/office/officeart/2005/8/layout/radial1"/>
-    <dgm:cxn modelId="{BFE5F03E-99EE-488D-A25F-FA4A305398F3}" type="presOf" srcId="{EEB7DF95-B1E1-4355-BDED-67254F3A40BF}" destId="{156A4B50-5EBB-4BD2-8AF0-C722439DBC8D}" srcOrd="0" destOrd="0" presId="urn:microsoft.com/office/officeart/2005/8/layout/radial1"/>
-    <dgm:cxn modelId="{4F76CFC7-AC86-4FD6-BD3B-3B31C6A8EDDA}" type="presOf" srcId="{F26E0BCB-616E-4F5C-9212-B89461307743}" destId="{FB6E935B-AB56-4686-BAF4-89171D311D48}" srcOrd="0" destOrd="0" presId="urn:microsoft.com/office/officeart/2005/8/layout/radial1"/>
-    <dgm:cxn modelId="{7470EB8E-365B-4C7B-B345-F3A82F2BDE86}" type="presOf" srcId="{EEB7DF95-B1E1-4355-BDED-67254F3A40BF}" destId="{0FA48441-B5ED-464B-AB5B-44DAB679EE64}" srcOrd="1" destOrd="0" presId="urn:microsoft.com/office/officeart/2005/8/layout/radial1"/>
-    <dgm:cxn modelId="{2E6F4476-BF79-4C90-823B-71099E5FD8D3}" type="presOf" srcId="{DD81B84C-4525-4615-9233-87E402AFBABC}" destId="{9CD455AE-EC69-44E0-B929-B59BCD7E9894}" srcOrd="1" destOrd="0" presId="urn:microsoft.com/office/officeart/2005/8/layout/radial1"/>
-    <dgm:cxn modelId="{2D7DE33D-C3DB-49E5-ADF6-52C214CF1C59}" srcId="{0916D3E2-7950-4B1E-A80A-B1A0DFE4D7BE}" destId="{7F397B27-ED42-4C0B-84EB-F42483A443DB}" srcOrd="1" destOrd="0" parTransId="{DD81B84C-4525-4615-9233-87E402AFBABC}" sibTransId="{97EBF3C2-DAC2-40A4-AE80-264E3F21FCCC}"/>
-    <dgm:cxn modelId="{A9B36F8A-C74B-47A9-B539-806F6BB77A1A}" srcId="{CC293B1C-4CF8-4FF0-BBC7-4942ED2D7F88}" destId="{0916D3E2-7950-4B1E-A80A-B1A0DFE4D7BE}" srcOrd="0" destOrd="0" parTransId="{78ED7DF1-7D14-4D64-A8E3-CBD6C30B03FB}" sibTransId="{402F8436-663D-4DB8-A22F-0A8F501EB425}"/>
-    <dgm:cxn modelId="{4E83842D-6898-45A2-8C76-AC263926CE66}" type="presOf" srcId="{CC293B1C-4CF8-4FF0-BBC7-4942ED2D7F88}" destId="{05AAFE4B-4748-4F9C-AA5B-DEC71FC73E20}" srcOrd="0" destOrd="0" presId="urn:microsoft.com/office/officeart/2005/8/layout/radial1"/>
-    <dgm:cxn modelId="{53089D63-12EB-40F9-92A2-F39B07E20E6B}" type="presOf" srcId="{0916D3E2-7950-4B1E-A80A-B1A0DFE4D7BE}" destId="{334F0DA9-4D69-40E7-AE37-8BB2E71C3ACD}" srcOrd="0" destOrd="0" presId="urn:microsoft.com/office/officeart/2005/8/layout/radial1"/>
-    <dgm:cxn modelId="{EE79DC2E-EE32-4B0A-ADFD-E11D61A99647}" type="presOf" srcId="{DD81B84C-4525-4615-9233-87E402AFBABC}" destId="{3134C74D-D45F-4D44-8DA9-5DD9ACC7028A}" srcOrd="0" destOrd="0" presId="urn:microsoft.com/office/officeart/2005/8/layout/radial1"/>
-    <dgm:cxn modelId="{1173F0C1-237A-44C5-81A9-6289AFEB7E80}" type="presOf" srcId="{7F397B27-ED42-4C0B-84EB-F42483A443DB}" destId="{FC75532D-1A75-4D81-A458-80C91B398F9D}" srcOrd="0" destOrd="0" presId="urn:microsoft.com/office/officeart/2005/8/layout/radial1"/>
-    <dgm:cxn modelId="{6037BACF-1495-4D63-973A-E9906686C9EC}" type="presOf" srcId="{9B35DA45-8824-4EE3-89F0-3F4E07F980E3}" destId="{51D4E2D9-6364-4FE7-BE7F-89898165258A}" srcOrd="0" destOrd="0" presId="urn:microsoft.com/office/officeart/2005/8/layout/radial1"/>
     <dgm:cxn modelId="{772C3BB5-DF35-42DE-A439-0DCB31D63FB8}" type="presParOf" srcId="{05AAFE4B-4748-4F9C-AA5B-DEC71FC73E20}" destId="{334F0DA9-4D69-40E7-AE37-8BB2E71C3ACD}" srcOrd="0" destOrd="0" presId="urn:microsoft.com/office/officeart/2005/8/layout/radial1"/>
     <dgm:cxn modelId="{20FC6565-C496-4E94-8CCE-904149940058}" type="presParOf" srcId="{05AAFE4B-4748-4F9C-AA5B-DEC71FC73E20}" destId="{FB6E935B-AB56-4686-BAF4-89171D311D48}" srcOrd="1" destOrd="0" presId="urn:microsoft.com/office/officeart/2005/8/layout/radial1"/>
     <dgm:cxn modelId="{1BDA0C39-DB3E-4726-AC03-ECA79335B44E}" type="presParOf" srcId="{FB6E935B-AB56-4686-BAF4-89171D311D48}" destId="{B26CA117-7877-4BBB-8697-7BAA6B4D1769}" srcOrd="0" destOrd="0" presId="urn:microsoft.com/office/officeart/2005/8/layout/radial1"/>
@@ -4575,22 +4575,22 @@
     </dgm:pt>
   </dgm:ptLst>
   <dgm:cxnLst>
+    <dgm:cxn modelId="{AFAAAFAD-A0DE-47C1-9249-77B5BDE05E36}" type="presOf" srcId="{81607F9D-ACA8-4EBC-97F3-AE620D537126}" destId="{AECDF339-533B-4319-9DD1-FE0312AA5FE7}" srcOrd="0" destOrd="0" presId="urn:microsoft.com/office/officeart/2005/8/layout/hList7"/>
+    <dgm:cxn modelId="{38CD83C8-6796-4198-B7C8-EFF34EC9AA55}" type="presOf" srcId="{BA786E09-868C-446C-BCAD-1B9A337A2314}" destId="{9B6DBF9B-EFA6-45E8-AAE9-1FBCC2922B5E}" srcOrd="0" destOrd="0" presId="urn:microsoft.com/office/officeart/2005/8/layout/hList7"/>
+    <dgm:cxn modelId="{2E016A71-4A74-45F5-AD15-07D3B1D0466D}" srcId="{95C89F30-E4C0-41F0-9F78-CFBA2BC6B6E7}" destId="{47253CFC-4569-4709-81D3-DEEB42841B34}" srcOrd="2" destOrd="0" parTransId="{790D9CA9-D5EB-4ABB-B3FF-C076CA534420}" sibTransId="{2F25E3F7-E9EB-4C08-9116-69D5C4FD6E2A}"/>
+    <dgm:cxn modelId="{F6F9661A-BC21-475D-819D-50626DE6BCFB}" type="presOf" srcId="{2F25E3F7-E9EB-4C08-9116-69D5C4FD6E2A}" destId="{2845AC54-25A9-480C-BA9C-51BB56258253}" srcOrd="0" destOrd="0" presId="urn:microsoft.com/office/officeart/2005/8/layout/hList7"/>
     <dgm:cxn modelId="{C645A4BB-EDB6-4E76-AB82-9AD72E6BF557}" type="presOf" srcId="{BA786E09-868C-446C-BCAD-1B9A337A2314}" destId="{31F77346-6636-44FE-8237-42E5F75F0855}" srcOrd="1" destOrd="0" presId="urn:microsoft.com/office/officeart/2005/8/layout/hList7"/>
+    <dgm:cxn modelId="{194860A3-1900-4650-B671-CEC4587BA924}" type="presOf" srcId="{94CA40FB-60B0-465C-89DE-37B57251E362}" destId="{6A4D6A8E-A18C-499A-84BC-74FED5388C93}" srcOrd="0" destOrd="0" presId="urn:microsoft.com/office/officeart/2005/8/layout/hList7"/>
     <dgm:cxn modelId="{57921F95-0423-45E7-AE0D-672371E39D53}" type="presOf" srcId="{5EE301F9-AA62-4FDD-BBD4-EB5F68D85FEC}" destId="{6B2B5E85-AAEA-413B-89EF-96FC0B61D0DB}" srcOrd="1" destOrd="0" presId="urn:microsoft.com/office/officeart/2005/8/layout/hList7"/>
-    <dgm:cxn modelId="{F6F9661A-BC21-475D-819D-50626DE6BCFB}" type="presOf" srcId="{2F25E3F7-E9EB-4C08-9116-69D5C4FD6E2A}" destId="{2845AC54-25A9-480C-BA9C-51BB56258253}" srcOrd="0" destOrd="0" presId="urn:microsoft.com/office/officeart/2005/8/layout/hList7"/>
+    <dgm:cxn modelId="{4E004507-C92D-4D0B-9DBB-DB4591A9B903}" srcId="{95C89F30-E4C0-41F0-9F78-CFBA2BC6B6E7}" destId="{BA786E09-868C-446C-BCAD-1B9A337A2314}" srcOrd="3" destOrd="0" parTransId="{59BE49D1-A09D-46A0-A218-5983A849445B}" sibTransId="{870FB8E6-A3E1-4439-9131-142A0512FE32}"/>
+    <dgm:cxn modelId="{1AE06204-B328-4A88-90DE-47487907D919}" type="presOf" srcId="{47253CFC-4569-4709-81D3-DEEB42841B34}" destId="{65C1CC62-47DD-4AE0-BB4E-E1AA4210EAD1}" srcOrd="1" destOrd="0" presId="urn:microsoft.com/office/officeart/2005/8/layout/hList7"/>
+    <dgm:cxn modelId="{F309A241-CAAA-4CAA-89A7-3EF413DFED5F}" type="presOf" srcId="{47253CFC-4569-4709-81D3-DEEB42841B34}" destId="{18E220CA-4E07-4273-9F20-D66E44D1CC15}" srcOrd="0" destOrd="0" presId="urn:microsoft.com/office/officeart/2005/8/layout/hList7"/>
+    <dgm:cxn modelId="{E53B2165-E749-413E-9F1A-C9CC76DA6A5C}" srcId="{95C89F30-E4C0-41F0-9F78-CFBA2BC6B6E7}" destId="{5EE301F9-AA62-4FDD-BBD4-EB5F68D85FEC}" srcOrd="0" destOrd="0" parTransId="{752A3FC9-4F42-4B45-864D-D48201C144BC}" sibTransId="{7A2D0BBB-4796-4683-A258-869CCE2EFDEE}"/>
     <dgm:cxn modelId="{CF0035A1-5E18-4F9A-AAAD-C4F8302A689F}" type="presOf" srcId="{81607F9D-ACA8-4EBC-97F3-AE620D537126}" destId="{FCBD48AD-6356-4016-B622-1476036943D2}" srcOrd="1" destOrd="0" presId="urn:microsoft.com/office/officeart/2005/8/layout/hList7"/>
-    <dgm:cxn modelId="{AFAAAFAD-A0DE-47C1-9249-77B5BDE05E36}" type="presOf" srcId="{81607F9D-ACA8-4EBC-97F3-AE620D537126}" destId="{AECDF339-533B-4319-9DD1-FE0312AA5FE7}" srcOrd="0" destOrd="0" presId="urn:microsoft.com/office/officeart/2005/8/layout/hList7"/>
     <dgm:cxn modelId="{BDD1CA52-8007-48A8-B091-1E74889DEE99}" type="presOf" srcId="{95C89F30-E4C0-41F0-9F78-CFBA2BC6B6E7}" destId="{68497B09-3716-4EBD-AC6B-8AE2BDCC8972}" srcOrd="0" destOrd="0" presId="urn:microsoft.com/office/officeart/2005/8/layout/hList7"/>
-    <dgm:cxn modelId="{E53B2165-E749-413E-9F1A-C9CC76DA6A5C}" srcId="{95C89F30-E4C0-41F0-9F78-CFBA2BC6B6E7}" destId="{5EE301F9-AA62-4FDD-BBD4-EB5F68D85FEC}" srcOrd="0" destOrd="0" parTransId="{752A3FC9-4F42-4B45-864D-D48201C144BC}" sibTransId="{7A2D0BBB-4796-4683-A258-869CCE2EFDEE}"/>
     <dgm:cxn modelId="{B6D21F72-7318-4B23-BC86-23B4E85AD610}" type="presOf" srcId="{5EE301F9-AA62-4FDD-BBD4-EB5F68D85FEC}" destId="{90FFEDE6-D24B-46AA-AC61-5A2CA3E513CC}" srcOrd="0" destOrd="0" presId="urn:microsoft.com/office/officeart/2005/8/layout/hList7"/>
     <dgm:cxn modelId="{C503CDFC-F7CF-4B5B-9CB9-D0B888450B80}" srcId="{95C89F30-E4C0-41F0-9F78-CFBA2BC6B6E7}" destId="{81607F9D-ACA8-4EBC-97F3-AE620D537126}" srcOrd="1" destOrd="0" parTransId="{5614C387-4578-47E1-B8ED-4C19C139B6D6}" sibTransId="{94CA40FB-60B0-465C-89DE-37B57251E362}"/>
-    <dgm:cxn modelId="{2E016A71-4A74-45F5-AD15-07D3B1D0466D}" srcId="{95C89F30-E4C0-41F0-9F78-CFBA2BC6B6E7}" destId="{47253CFC-4569-4709-81D3-DEEB42841B34}" srcOrd="2" destOrd="0" parTransId="{790D9CA9-D5EB-4ABB-B3FF-C076CA534420}" sibTransId="{2F25E3F7-E9EB-4C08-9116-69D5C4FD6E2A}"/>
-    <dgm:cxn modelId="{1AE06204-B328-4A88-90DE-47487907D919}" type="presOf" srcId="{47253CFC-4569-4709-81D3-DEEB42841B34}" destId="{65C1CC62-47DD-4AE0-BB4E-E1AA4210EAD1}" srcOrd="1" destOrd="0" presId="urn:microsoft.com/office/officeart/2005/8/layout/hList7"/>
     <dgm:cxn modelId="{2EC55B3D-BFE3-4C06-B5CF-4DA8F00E7DD6}" type="presOf" srcId="{7A2D0BBB-4796-4683-A258-869CCE2EFDEE}" destId="{46B8E31D-92A9-4F7C-AC64-291B22E56C19}" srcOrd="0" destOrd="0" presId="urn:microsoft.com/office/officeart/2005/8/layout/hList7"/>
-    <dgm:cxn modelId="{194860A3-1900-4650-B671-CEC4587BA924}" type="presOf" srcId="{94CA40FB-60B0-465C-89DE-37B57251E362}" destId="{6A4D6A8E-A18C-499A-84BC-74FED5388C93}" srcOrd="0" destOrd="0" presId="urn:microsoft.com/office/officeart/2005/8/layout/hList7"/>
-    <dgm:cxn modelId="{F309A241-CAAA-4CAA-89A7-3EF413DFED5F}" type="presOf" srcId="{47253CFC-4569-4709-81D3-DEEB42841B34}" destId="{18E220CA-4E07-4273-9F20-D66E44D1CC15}" srcOrd="0" destOrd="0" presId="urn:microsoft.com/office/officeart/2005/8/layout/hList7"/>
-    <dgm:cxn modelId="{4E004507-C92D-4D0B-9DBB-DB4591A9B903}" srcId="{95C89F30-E4C0-41F0-9F78-CFBA2BC6B6E7}" destId="{BA786E09-868C-446C-BCAD-1B9A337A2314}" srcOrd="3" destOrd="0" parTransId="{59BE49D1-A09D-46A0-A218-5983A849445B}" sibTransId="{870FB8E6-A3E1-4439-9131-142A0512FE32}"/>
-    <dgm:cxn modelId="{38CD83C8-6796-4198-B7C8-EFF34EC9AA55}" type="presOf" srcId="{BA786E09-868C-446C-BCAD-1B9A337A2314}" destId="{9B6DBF9B-EFA6-45E8-AAE9-1FBCC2922B5E}" srcOrd="0" destOrd="0" presId="urn:microsoft.com/office/officeart/2005/8/layout/hList7"/>
     <dgm:cxn modelId="{4D0448AB-072A-4D18-810D-2383F44A3112}" type="presParOf" srcId="{68497B09-3716-4EBD-AC6B-8AE2BDCC8972}" destId="{5C007895-D27B-4555-8633-C9BBD58A106D}" srcOrd="0" destOrd="0" presId="urn:microsoft.com/office/officeart/2005/8/layout/hList7"/>
     <dgm:cxn modelId="{EB40CABA-D7D8-449B-A3EF-706C96A2B35D}" type="presParOf" srcId="{68497B09-3716-4EBD-AC6B-8AE2BDCC8972}" destId="{851E5CC9-679F-4CF6-B00F-A025B4DEF2B3}" srcOrd="1" destOrd="0" presId="urn:microsoft.com/office/officeart/2005/8/layout/hList7"/>
     <dgm:cxn modelId="{E6D0BBE2-1389-41E3-A561-EB44452418BA}" type="presParOf" srcId="{851E5CC9-679F-4CF6-B00F-A025B4DEF2B3}" destId="{02F5FF00-4C9F-4B29-8EE7-22E5EFD6E9BE}" srcOrd="0" destOrd="0" presId="urn:microsoft.com/office/officeart/2005/8/layout/hList7"/>
@@ -11361,7 +11361,7 @@
           <a:p>
             <a:fld id="{EC83963A-FCD1-4BA3-8F52-F2285ACE2A6A}" type="datetimeFigureOut">
               <a:rPr lang="fr-FR" smtClean="0"/>
-              <a:t>04/02/2020</a:t>
+              <a:t>08/02/2020</a:t>
             </a:fld>
             <a:endParaRPr lang="fr-FR"/>
           </a:p>
@@ -11526,7 +11526,7 @@
           <a:p>
             <a:fld id="{12D3AF9D-FD63-43BA-9EB6-902B12D2DD5D}" type="datetimeFigureOut">
               <a:rPr lang="fr-FR" smtClean="0"/>
-              <a:t>04/02/2020</a:t>
+              <a:t>08/02/2020</a:t>
             </a:fld>
             <a:endParaRPr lang="fr-FR"/>
           </a:p>
@@ -40482,7 +40482,7 @@
         </p:spPr>
         <p:txBody>
           <a:bodyPr>
-            <a:normAutofit/>
+            <a:normAutofit lnSpcReduction="10000"/>
           </a:bodyPr>
           <a:lstStyle>
             <a:lvl1pPr marL="228600" indent="-228600" algn="l" defTabSz="914400" rtl="0" eaLnBrk="1" latinLnBrk="0" hangingPunct="1">
@@ -40649,7 +40649,6 @@
             </a:lvl9pPr>
           </a:lstStyle>
           <a:p>
-            <a:pPr algn="just"/>
             <a:r>
               <a:rPr lang="fr-FR" sz="2000" dirty="0" err="1" smtClean="0"/>
               <a:t>Strong</a:t>
@@ -40670,16 +40669,49 @@
               <a:rPr lang="fr-FR" sz="2000" dirty="0" err="1" smtClean="0"/>
               <a:t>KanBan</a:t>
             </a:r>
+            <a:endParaRPr lang="fr-FR" sz="2000" dirty="0" smtClean="0"/>
+          </a:p>
+          <a:p>
             <a:endParaRPr lang="fr-FR" sz="2000" dirty="0"/>
           </a:p>
           <a:p>
-            <a:pPr marL="0" indent="0" algn="just">
+            <a:r>
+              <a:rPr lang="fr-FR" sz="2000" dirty="0" err="1" smtClean="0"/>
+              <a:t>Established</a:t>
+            </a:r>
+            <a:r>
+              <a:rPr lang="fr-FR" sz="2000" dirty="0" smtClean="0"/>
+              <a:t> </a:t>
+            </a:r>
+            <a:r>
+              <a:rPr lang="fr-FR" sz="2000" dirty="0" err="1" smtClean="0"/>
+              <a:t>project</a:t>
+            </a:r>
+            <a:r>
+              <a:rPr lang="fr-FR" sz="2000" dirty="0" smtClean="0"/>
+              <a:t> </a:t>
+            </a:r>
+            <a:r>
+              <a:rPr lang="fr-FR" sz="2000" dirty="0" err="1" smtClean="0"/>
+              <a:t>specifications</a:t>
+            </a:r>
+            <a:r>
+              <a:rPr lang="fr-FR" sz="2000" dirty="0"/>
+              <a:t> </a:t>
+            </a:r>
+            <a:r>
+              <a:rPr lang="fr-FR" sz="2000" dirty="0" smtClean="0"/>
+              <a:t>(cahiers des charges)</a:t>
+            </a:r>
+            <a:endParaRPr lang="fr-FR" sz="2000" dirty="0"/>
+          </a:p>
+          <a:p>
+            <a:pPr marL="0" indent="0">
               <a:buNone/>
             </a:pPr>
             <a:endParaRPr lang="fr-FR" sz="2000" dirty="0"/>
           </a:p>
           <a:p>
-            <a:pPr algn="just"/>
             <a:r>
               <a:rPr lang="fr-FR" sz="2000" dirty="0" smtClean="0"/>
               <a:t>Meeting </a:t>
@@ -40699,11 +40731,9 @@
             <a:endParaRPr lang="fr-FR" sz="2000" dirty="0"/>
           </a:p>
           <a:p>
-            <a:pPr algn="just"/>
             <a:endParaRPr lang="fr-FR" sz="2000" dirty="0"/>
           </a:p>
           <a:p>
-            <a:pPr algn="just"/>
             <a:r>
               <a:rPr lang="fr-FR" sz="2000" dirty="0" smtClean="0"/>
               <a:t>Close </a:t>
@@ -40731,11 +40761,9 @@
             <a:endParaRPr lang="fr-FR" sz="2000" dirty="0" smtClean="0"/>
           </a:p>
           <a:p>
-            <a:pPr algn="just"/>
             <a:endParaRPr lang="fr-FR" sz="2000" dirty="0"/>
           </a:p>
           <a:p>
-            <a:pPr algn="just"/>
             <a:r>
               <a:rPr lang="fr-FR" sz="2000" dirty="0" err="1" smtClean="0"/>
               <a:t>Independant</a:t>
@@ -40748,23 +40776,6 @@
               <a:rPr lang="fr-FR" sz="2000" dirty="0" err="1" smtClean="0"/>
               <a:t>reactive</a:t>
             </a:r>
-            <a:endParaRPr lang="fr-FR" sz="2000" dirty="0"/>
-          </a:p>
-          <a:p>
-            <a:pPr algn="just"/>
-            <a:endParaRPr lang="fr-FR" sz="2000" dirty="0"/>
-          </a:p>
-          <a:p>
-            <a:pPr marL="0" indent="0" algn="just">
-              <a:buNone/>
-            </a:pPr>
-            <a:endParaRPr lang="fr-FR" sz="2000" dirty="0"/>
-          </a:p>
-          <a:p>
-            <a:pPr marL="0" indent="0" algn="just">
-              <a:buFont typeface="Arial" panose="020B0604020202020204" pitchFamily="34" charset="0"/>
-              <a:buNone/>
-            </a:pPr>
             <a:endParaRPr lang="fr-FR" sz="2000" dirty="0"/>
           </a:p>
         </p:txBody>

--- a/Slides/Soutenance_Final.pptx
+++ b/Slides/Soutenance_Final.pptx
@@ -5069,21 +5069,21 @@
     </dgm:pt>
   </dgm:ptLst>
   <dgm:cxnLst>
+    <dgm:cxn modelId="{BFE5F03E-99EE-488D-A25F-FA4A305398F3}" type="presOf" srcId="{EEB7DF95-B1E1-4355-BDED-67254F3A40BF}" destId="{156A4B50-5EBB-4BD2-8AF0-C722439DBC8D}" srcOrd="0" destOrd="0" presId="urn:microsoft.com/office/officeart/2005/8/layout/radial1"/>
     <dgm:cxn modelId="{CE2AF7AB-2949-4DCD-9C29-6B60E91D8468}" srcId="{0916D3E2-7950-4B1E-A80A-B1A0DFE4D7BE}" destId="{B8F4B4B5-48BB-4436-A4C8-0772D59377AC}" srcOrd="2" destOrd="0" parTransId="{EEB7DF95-B1E1-4355-BDED-67254F3A40BF}" sibTransId="{07F8EC93-687D-4C25-BBFA-77894EDF7DA2}"/>
+    <dgm:cxn modelId="{2D7DE33D-C3DB-49E5-ADF6-52C214CF1C59}" srcId="{0916D3E2-7950-4B1E-A80A-B1A0DFE4D7BE}" destId="{7F397B27-ED42-4C0B-84EB-F42483A443DB}" srcOrd="1" destOrd="0" parTransId="{DD81B84C-4525-4615-9233-87E402AFBABC}" sibTransId="{97EBF3C2-DAC2-40A4-AE80-264E3F21FCCC}"/>
+    <dgm:cxn modelId="{7470EB8E-365B-4C7B-B345-F3A82F2BDE86}" type="presOf" srcId="{EEB7DF95-B1E1-4355-BDED-67254F3A40BF}" destId="{0FA48441-B5ED-464B-AB5B-44DAB679EE64}" srcOrd="1" destOrd="0" presId="urn:microsoft.com/office/officeart/2005/8/layout/radial1"/>
     <dgm:cxn modelId="{D7CE5B38-4681-488A-875C-5BC6D4608B17}" type="presOf" srcId="{B8F4B4B5-48BB-4436-A4C8-0772D59377AC}" destId="{B8775ABA-3037-409F-B1F5-5479D38AC897}" srcOrd="0" destOrd="0" presId="urn:microsoft.com/office/officeart/2005/8/layout/radial1"/>
+    <dgm:cxn modelId="{A9B36F8A-C74B-47A9-B539-806F6BB77A1A}" srcId="{CC293B1C-4CF8-4FF0-BBC7-4942ED2D7F88}" destId="{0916D3E2-7950-4B1E-A80A-B1A0DFE4D7BE}" srcOrd="0" destOrd="0" parTransId="{78ED7DF1-7D14-4D64-A8E3-CBD6C30B03FB}" sibTransId="{402F8436-663D-4DB8-A22F-0A8F501EB425}"/>
+    <dgm:cxn modelId="{4F76CFC7-AC86-4FD6-BD3B-3B31C6A8EDDA}" type="presOf" srcId="{F26E0BCB-616E-4F5C-9212-B89461307743}" destId="{FB6E935B-AB56-4686-BAF4-89171D311D48}" srcOrd="0" destOrd="0" presId="urn:microsoft.com/office/officeart/2005/8/layout/radial1"/>
+    <dgm:cxn modelId="{53089D63-12EB-40F9-92A2-F39B07E20E6B}" type="presOf" srcId="{0916D3E2-7950-4B1E-A80A-B1A0DFE4D7BE}" destId="{334F0DA9-4D69-40E7-AE37-8BB2E71C3ACD}" srcOrd="0" destOrd="0" presId="urn:microsoft.com/office/officeart/2005/8/layout/radial1"/>
+    <dgm:cxn modelId="{2E6F4476-BF79-4C90-823B-71099E5FD8D3}" type="presOf" srcId="{DD81B84C-4525-4615-9233-87E402AFBABC}" destId="{9CD455AE-EC69-44E0-B929-B59BCD7E9894}" srcOrd="1" destOrd="0" presId="urn:microsoft.com/office/officeart/2005/8/layout/radial1"/>
+    <dgm:cxn modelId="{6037BACF-1495-4D63-973A-E9906686C9EC}" type="presOf" srcId="{9B35DA45-8824-4EE3-89F0-3F4E07F980E3}" destId="{51D4E2D9-6364-4FE7-BE7F-89898165258A}" srcOrd="0" destOrd="0" presId="urn:microsoft.com/office/officeart/2005/8/layout/radial1"/>
+    <dgm:cxn modelId="{4E83842D-6898-45A2-8C76-AC263926CE66}" type="presOf" srcId="{CC293B1C-4CF8-4FF0-BBC7-4942ED2D7F88}" destId="{05AAFE4B-4748-4F9C-AA5B-DEC71FC73E20}" srcOrd="0" destOrd="0" presId="urn:microsoft.com/office/officeart/2005/8/layout/radial1"/>
+    <dgm:cxn modelId="{EE79DC2E-EE32-4B0A-ADFD-E11D61A99647}" type="presOf" srcId="{DD81B84C-4525-4615-9233-87E402AFBABC}" destId="{3134C74D-D45F-4D44-8DA9-5DD9ACC7028A}" srcOrd="0" destOrd="0" presId="urn:microsoft.com/office/officeart/2005/8/layout/radial1"/>
     <dgm:cxn modelId="{08978BA1-AE5A-4DFF-A0C3-92D4A0078A98}" srcId="{0916D3E2-7950-4B1E-A80A-B1A0DFE4D7BE}" destId="{9B35DA45-8824-4EE3-89F0-3F4E07F980E3}" srcOrd="0" destOrd="0" parTransId="{F26E0BCB-616E-4F5C-9212-B89461307743}" sibTransId="{6FFF208B-A136-4388-9736-DE2BA4AFD5AF}"/>
+    <dgm:cxn modelId="{1173F0C1-237A-44C5-81A9-6289AFEB7E80}" type="presOf" srcId="{7F397B27-ED42-4C0B-84EB-F42483A443DB}" destId="{FC75532D-1A75-4D81-A458-80C91B398F9D}" srcOrd="0" destOrd="0" presId="urn:microsoft.com/office/officeart/2005/8/layout/radial1"/>
     <dgm:cxn modelId="{8C318C29-2BA6-4073-9DC3-993B41DBBD97}" type="presOf" srcId="{F26E0BCB-616E-4F5C-9212-B89461307743}" destId="{B26CA117-7877-4BBB-8697-7BAA6B4D1769}" srcOrd="1" destOrd="0" presId="urn:microsoft.com/office/officeart/2005/8/layout/radial1"/>
-    <dgm:cxn modelId="{BFE5F03E-99EE-488D-A25F-FA4A305398F3}" type="presOf" srcId="{EEB7DF95-B1E1-4355-BDED-67254F3A40BF}" destId="{156A4B50-5EBB-4BD2-8AF0-C722439DBC8D}" srcOrd="0" destOrd="0" presId="urn:microsoft.com/office/officeart/2005/8/layout/radial1"/>
-    <dgm:cxn modelId="{4F76CFC7-AC86-4FD6-BD3B-3B31C6A8EDDA}" type="presOf" srcId="{F26E0BCB-616E-4F5C-9212-B89461307743}" destId="{FB6E935B-AB56-4686-BAF4-89171D311D48}" srcOrd="0" destOrd="0" presId="urn:microsoft.com/office/officeart/2005/8/layout/radial1"/>
-    <dgm:cxn modelId="{7470EB8E-365B-4C7B-B345-F3A82F2BDE86}" type="presOf" srcId="{EEB7DF95-B1E1-4355-BDED-67254F3A40BF}" destId="{0FA48441-B5ED-464B-AB5B-44DAB679EE64}" srcOrd="1" destOrd="0" presId="urn:microsoft.com/office/officeart/2005/8/layout/radial1"/>
-    <dgm:cxn modelId="{2E6F4476-BF79-4C90-823B-71099E5FD8D3}" type="presOf" srcId="{DD81B84C-4525-4615-9233-87E402AFBABC}" destId="{9CD455AE-EC69-44E0-B929-B59BCD7E9894}" srcOrd="1" destOrd="0" presId="urn:microsoft.com/office/officeart/2005/8/layout/radial1"/>
-    <dgm:cxn modelId="{2D7DE33D-C3DB-49E5-ADF6-52C214CF1C59}" srcId="{0916D3E2-7950-4B1E-A80A-B1A0DFE4D7BE}" destId="{7F397B27-ED42-4C0B-84EB-F42483A443DB}" srcOrd="1" destOrd="0" parTransId="{DD81B84C-4525-4615-9233-87E402AFBABC}" sibTransId="{97EBF3C2-DAC2-40A4-AE80-264E3F21FCCC}"/>
-    <dgm:cxn modelId="{A9B36F8A-C74B-47A9-B539-806F6BB77A1A}" srcId="{CC293B1C-4CF8-4FF0-BBC7-4942ED2D7F88}" destId="{0916D3E2-7950-4B1E-A80A-B1A0DFE4D7BE}" srcOrd="0" destOrd="0" parTransId="{78ED7DF1-7D14-4D64-A8E3-CBD6C30B03FB}" sibTransId="{402F8436-663D-4DB8-A22F-0A8F501EB425}"/>
-    <dgm:cxn modelId="{4E83842D-6898-45A2-8C76-AC263926CE66}" type="presOf" srcId="{CC293B1C-4CF8-4FF0-BBC7-4942ED2D7F88}" destId="{05AAFE4B-4748-4F9C-AA5B-DEC71FC73E20}" srcOrd="0" destOrd="0" presId="urn:microsoft.com/office/officeart/2005/8/layout/radial1"/>
-    <dgm:cxn modelId="{53089D63-12EB-40F9-92A2-F39B07E20E6B}" type="presOf" srcId="{0916D3E2-7950-4B1E-A80A-B1A0DFE4D7BE}" destId="{334F0DA9-4D69-40E7-AE37-8BB2E71C3ACD}" srcOrd="0" destOrd="0" presId="urn:microsoft.com/office/officeart/2005/8/layout/radial1"/>
-    <dgm:cxn modelId="{EE79DC2E-EE32-4B0A-ADFD-E11D61A99647}" type="presOf" srcId="{DD81B84C-4525-4615-9233-87E402AFBABC}" destId="{3134C74D-D45F-4D44-8DA9-5DD9ACC7028A}" srcOrd="0" destOrd="0" presId="urn:microsoft.com/office/officeart/2005/8/layout/radial1"/>
-    <dgm:cxn modelId="{1173F0C1-237A-44C5-81A9-6289AFEB7E80}" type="presOf" srcId="{7F397B27-ED42-4C0B-84EB-F42483A443DB}" destId="{FC75532D-1A75-4D81-A458-80C91B398F9D}" srcOrd="0" destOrd="0" presId="urn:microsoft.com/office/officeart/2005/8/layout/radial1"/>
-    <dgm:cxn modelId="{6037BACF-1495-4D63-973A-E9906686C9EC}" type="presOf" srcId="{9B35DA45-8824-4EE3-89F0-3F4E07F980E3}" destId="{51D4E2D9-6364-4FE7-BE7F-89898165258A}" srcOrd="0" destOrd="0" presId="urn:microsoft.com/office/officeart/2005/8/layout/radial1"/>
     <dgm:cxn modelId="{772C3BB5-DF35-42DE-A439-0DCB31D63FB8}" type="presParOf" srcId="{05AAFE4B-4748-4F9C-AA5B-DEC71FC73E20}" destId="{334F0DA9-4D69-40E7-AE37-8BB2E71C3ACD}" srcOrd="0" destOrd="0" presId="urn:microsoft.com/office/officeart/2005/8/layout/radial1"/>
     <dgm:cxn modelId="{20FC6565-C496-4E94-8CCE-904149940058}" type="presParOf" srcId="{05AAFE4B-4748-4F9C-AA5B-DEC71FC73E20}" destId="{FB6E935B-AB56-4686-BAF4-89171D311D48}" srcOrd="1" destOrd="0" presId="urn:microsoft.com/office/officeart/2005/8/layout/radial1"/>
     <dgm:cxn modelId="{1BDA0C39-DB3E-4726-AC03-ECA79335B44E}" type="presParOf" srcId="{FB6E935B-AB56-4686-BAF4-89171D311D48}" destId="{B26CA117-7877-4BBB-8697-7BAA6B4D1769}" srcOrd="0" destOrd="0" presId="urn:microsoft.com/office/officeart/2005/8/layout/radial1"/>
@@ -5433,9 +5433,9 @@
     </dgm:pt>
   </dgm:ptLst>
   <dgm:cxnLst>
-    <dgm:cxn modelId="{C733E324-6F5E-492F-A741-6946696BE088}" type="presOf" srcId="{F26E0BCB-616E-4F5C-9212-B89461307743}" destId="{B26CA117-7877-4BBB-8697-7BAA6B4D1769}" srcOrd="1" destOrd="0" presId="urn:microsoft.com/office/officeart/2005/8/layout/radial1"/>
     <dgm:cxn modelId="{4B4CD6A5-ED0B-40DA-A882-1A5980463F8A}" type="presOf" srcId="{B8F4B4B5-48BB-4436-A4C8-0772D59377AC}" destId="{B8775ABA-3037-409F-B1F5-5479D38AC897}" srcOrd="0" destOrd="0" presId="urn:microsoft.com/office/officeart/2005/8/layout/radial1"/>
     <dgm:cxn modelId="{3DAB01EC-F5E2-4AA9-B8A1-6EF8C9084800}" type="presOf" srcId="{EEB7DF95-B1E1-4355-BDED-67254F3A40BF}" destId="{156A4B50-5EBB-4BD2-8AF0-C722439DBC8D}" srcOrd="0" destOrd="0" presId="urn:microsoft.com/office/officeart/2005/8/layout/radial1"/>
+    <dgm:cxn modelId="{C733E324-6F5E-492F-A741-6946696BE088}" type="presOf" srcId="{F26E0BCB-616E-4F5C-9212-B89461307743}" destId="{B26CA117-7877-4BBB-8697-7BAA6B4D1769}" srcOrd="1" destOrd="0" presId="urn:microsoft.com/office/officeart/2005/8/layout/radial1"/>
     <dgm:cxn modelId="{A319068F-7BA0-4580-81B9-140BA7B90009}" type="presOf" srcId="{EEB7DF95-B1E1-4355-BDED-67254F3A40BF}" destId="{0FA48441-B5ED-464B-AB5B-44DAB679EE64}" srcOrd="1" destOrd="0" presId="urn:microsoft.com/office/officeart/2005/8/layout/radial1"/>
     <dgm:cxn modelId="{CE2AF7AB-2949-4DCD-9C29-6B60E91D8468}" srcId="{0916D3E2-7950-4B1E-A80A-B1A0DFE4D7BE}" destId="{B8F4B4B5-48BB-4436-A4C8-0772D59377AC}" srcOrd="2" destOrd="0" parTransId="{EEB7DF95-B1E1-4355-BDED-67254F3A40BF}" sibTransId="{07F8EC93-687D-4C25-BBFA-77894EDF7DA2}"/>
     <dgm:cxn modelId="{2D7DE33D-C3DB-49E5-ADF6-52C214CF1C59}" srcId="{0916D3E2-7950-4B1E-A80A-B1A0DFE4D7BE}" destId="{7F397B27-ED42-4C0B-84EB-F42483A443DB}" srcOrd="1" destOrd="0" parTransId="{DD81B84C-4525-4615-9233-87E402AFBABC}" sibTransId="{97EBF3C2-DAC2-40A4-AE80-264E3F21FCCC}"/>
@@ -5859,22 +5859,22 @@
     </dgm:pt>
   </dgm:ptLst>
   <dgm:cxnLst>
+    <dgm:cxn modelId="{AFAAAFAD-A0DE-47C1-9249-77B5BDE05E36}" type="presOf" srcId="{81607F9D-ACA8-4EBC-97F3-AE620D537126}" destId="{AECDF339-533B-4319-9DD1-FE0312AA5FE7}" srcOrd="0" destOrd="0" presId="urn:microsoft.com/office/officeart/2005/8/layout/hList7"/>
+    <dgm:cxn modelId="{38CD83C8-6796-4198-B7C8-EFF34EC9AA55}" type="presOf" srcId="{BA786E09-868C-446C-BCAD-1B9A337A2314}" destId="{9B6DBF9B-EFA6-45E8-AAE9-1FBCC2922B5E}" srcOrd="0" destOrd="0" presId="urn:microsoft.com/office/officeart/2005/8/layout/hList7"/>
+    <dgm:cxn modelId="{2E016A71-4A74-45F5-AD15-07D3B1D0466D}" srcId="{95C89F30-E4C0-41F0-9F78-CFBA2BC6B6E7}" destId="{47253CFC-4569-4709-81D3-DEEB42841B34}" srcOrd="2" destOrd="0" parTransId="{790D9CA9-D5EB-4ABB-B3FF-C076CA534420}" sibTransId="{2F25E3F7-E9EB-4C08-9116-69D5C4FD6E2A}"/>
+    <dgm:cxn modelId="{F6F9661A-BC21-475D-819D-50626DE6BCFB}" type="presOf" srcId="{2F25E3F7-E9EB-4C08-9116-69D5C4FD6E2A}" destId="{2845AC54-25A9-480C-BA9C-51BB56258253}" srcOrd="0" destOrd="0" presId="urn:microsoft.com/office/officeart/2005/8/layout/hList7"/>
     <dgm:cxn modelId="{C645A4BB-EDB6-4E76-AB82-9AD72E6BF557}" type="presOf" srcId="{BA786E09-868C-446C-BCAD-1B9A337A2314}" destId="{31F77346-6636-44FE-8237-42E5F75F0855}" srcOrd="1" destOrd="0" presId="urn:microsoft.com/office/officeart/2005/8/layout/hList7"/>
+    <dgm:cxn modelId="{194860A3-1900-4650-B671-CEC4587BA924}" type="presOf" srcId="{94CA40FB-60B0-465C-89DE-37B57251E362}" destId="{6A4D6A8E-A18C-499A-84BC-74FED5388C93}" srcOrd="0" destOrd="0" presId="urn:microsoft.com/office/officeart/2005/8/layout/hList7"/>
     <dgm:cxn modelId="{57921F95-0423-45E7-AE0D-672371E39D53}" type="presOf" srcId="{5EE301F9-AA62-4FDD-BBD4-EB5F68D85FEC}" destId="{6B2B5E85-AAEA-413B-89EF-96FC0B61D0DB}" srcOrd="1" destOrd="0" presId="urn:microsoft.com/office/officeart/2005/8/layout/hList7"/>
-    <dgm:cxn modelId="{F6F9661A-BC21-475D-819D-50626DE6BCFB}" type="presOf" srcId="{2F25E3F7-E9EB-4C08-9116-69D5C4FD6E2A}" destId="{2845AC54-25A9-480C-BA9C-51BB56258253}" srcOrd="0" destOrd="0" presId="urn:microsoft.com/office/officeart/2005/8/layout/hList7"/>
+    <dgm:cxn modelId="{4E004507-C92D-4D0B-9DBB-DB4591A9B903}" srcId="{95C89F30-E4C0-41F0-9F78-CFBA2BC6B6E7}" destId="{BA786E09-868C-446C-BCAD-1B9A337A2314}" srcOrd="3" destOrd="0" parTransId="{59BE49D1-A09D-46A0-A218-5983A849445B}" sibTransId="{870FB8E6-A3E1-4439-9131-142A0512FE32}"/>
+    <dgm:cxn modelId="{1AE06204-B328-4A88-90DE-47487907D919}" type="presOf" srcId="{47253CFC-4569-4709-81D3-DEEB42841B34}" destId="{65C1CC62-47DD-4AE0-BB4E-E1AA4210EAD1}" srcOrd="1" destOrd="0" presId="urn:microsoft.com/office/officeart/2005/8/layout/hList7"/>
+    <dgm:cxn modelId="{F309A241-CAAA-4CAA-89A7-3EF413DFED5F}" type="presOf" srcId="{47253CFC-4569-4709-81D3-DEEB42841B34}" destId="{18E220CA-4E07-4273-9F20-D66E44D1CC15}" srcOrd="0" destOrd="0" presId="urn:microsoft.com/office/officeart/2005/8/layout/hList7"/>
+    <dgm:cxn modelId="{E53B2165-E749-413E-9F1A-C9CC76DA6A5C}" srcId="{95C89F30-E4C0-41F0-9F78-CFBA2BC6B6E7}" destId="{5EE301F9-AA62-4FDD-BBD4-EB5F68D85FEC}" srcOrd="0" destOrd="0" parTransId="{752A3FC9-4F42-4B45-864D-D48201C144BC}" sibTransId="{7A2D0BBB-4796-4683-A258-869CCE2EFDEE}"/>
     <dgm:cxn modelId="{CF0035A1-5E18-4F9A-AAAD-C4F8302A689F}" type="presOf" srcId="{81607F9D-ACA8-4EBC-97F3-AE620D537126}" destId="{FCBD48AD-6356-4016-B622-1476036943D2}" srcOrd="1" destOrd="0" presId="urn:microsoft.com/office/officeart/2005/8/layout/hList7"/>
-    <dgm:cxn modelId="{AFAAAFAD-A0DE-47C1-9249-77B5BDE05E36}" type="presOf" srcId="{81607F9D-ACA8-4EBC-97F3-AE620D537126}" destId="{AECDF339-533B-4319-9DD1-FE0312AA5FE7}" srcOrd="0" destOrd="0" presId="urn:microsoft.com/office/officeart/2005/8/layout/hList7"/>
     <dgm:cxn modelId="{BDD1CA52-8007-48A8-B091-1E74889DEE99}" type="presOf" srcId="{95C89F30-E4C0-41F0-9F78-CFBA2BC6B6E7}" destId="{68497B09-3716-4EBD-AC6B-8AE2BDCC8972}" srcOrd="0" destOrd="0" presId="urn:microsoft.com/office/officeart/2005/8/layout/hList7"/>
-    <dgm:cxn modelId="{E53B2165-E749-413E-9F1A-C9CC76DA6A5C}" srcId="{95C89F30-E4C0-41F0-9F78-CFBA2BC6B6E7}" destId="{5EE301F9-AA62-4FDD-BBD4-EB5F68D85FEC}" srcOrd="0" destOrd="0" parTransId="{752A3FC9-4F42-4B45-864D-D48201C144BC}" sibTransId="{7A2D0BBB-4796-4683-A258-869CCE2EFDEE}"/>
     <dgm:cxn modelId="{B6D21F72-7318-4B23-BC86-23B4E85AD610}" type="presOf" srcId="{5EE301F9-AA62-4FDD-BBD4-EB5F68D85FEC}" destId="{90FFEDE6-D24B-46AA-AC61-5A2CA3E513CC}" srcOrd="0" destOrd="0" presId="urn:microsoft.com/office/officeart/2005/8/layout/hList7"/>
     <dgm:cxn modelId="{C503CDFC-F7CF-4B5B-9CB9-D0B888450B80}" srcId="{95C89F30-E4C0-41F0-9F78-CFBA2BC6B6E7}" destId="{81607F9D-ACA8-4EBC-97F3-AE620D537126}" srcOrd="1" destOrd="0" parTransId="{5614C387-4578-47E1-B8ED-4C19C139B6D6}" sibTransId="{94CA40FB-60B0-465C-89DE-37B57251E362}"/>
-    <dgm:cxn modelId="{2E016A71-4A74-45F5-AD15-07D3B1D0466D}" srcId="{95C89F30-E4C0-41F0-9F78-CFBA2BC6B6E7}" destId="{47253CFC-4569-4709-81D3-DEEB42841B34}" srcOrd="2" destOrd="0" parTransId="{790D9CA9-D5EB-4ABB-B3FF-C076CA534420}" sibTransId="{2F25E3F7-E9EB-4C08-9116-69D5C4FD6E2A}"/>
-    <dgm:cxn modelId="{1AE06204-B328-4A88-90DE-47487907D919}" type="presOf" srcId="{47253CFC-4569-4709-81D3-DEEB42841B34}" destId="{65C1CC62-47DD-4AE0-BB4E-E1AA4210EAD1}" srcOrd="1" destOrd="0" presId="urn:microsoft.com/office/officeart/2005/8/layout/hList7"/>
     <dgm:cxn modelId="{2EC55B3D-BFE3-4C06-B5CF-4DA8F00E7DD6}" type="presOf" srcId="{7A2D0BBB-4796-4683-A258-869CCE2EFDEE}" destId="{46B8E31D-92A9-4F7C-AC64-291B22E56C19}" srcOrd="0" destOrd="0" presId="urn:microsoft.com/office/officeart/2005/8/layout/hList7"/>
-    <dgm:cxn modelId="{194860A3-1900-4650-B671-CEC4587BA924}" type="presOf" srcId="{94CA40FB-60B0-465C-89DE-37B57251E362}" destId="{6A4D6A8E-A18C-499A-84BC-74FED5388C93}" srcOrd="0" destOrd="0" presId="urn:microsoft.com/office/officeart/2005/8/layout/hList7"/>
-    <dgm:cxn modelId="{F309A241-CAAA-4CAA-89A7-3EF413DFED5F}" type="presOf" srcId="{47253CFC-4569-4709-81D3-DEEB42841B34}" destId="{18E220CA-4E07-4273-9F20-D66E44D1CC15}" srcOrd="0" destOrd="0" presId="urn:microsoft.com/office/officeart/2005/8/layout/hList7"/>
-    <dgm:cxn modelId="{4E004507-C92D-4D0B-9DBB-DB4591A9B903}" srcId="{95C89F30-E4C0-41F0-9F78-CFBA2BC6B6E7}" destId="{BA786E09-868C-446C-BCAD-1B9A337A2314}" srcOrd="3" destOrd="0" parTransId="{59BE49D1-A09D-46A0-A218-5983A849445B}" sibTransId="{870FB8E6-A3E1-4439-9131-142A0512FE32}"/>
-    <dgm:cxn modelId="{38CD83C8-6796-4198-B7C8-EFF34EC9AA55}" type="presOf" srcId="{BA786E09-868C-446C-BCAD-1B9A337A2314}" destId="{9B6DBF9B-EFA6-45E8-AAE9-1FBCC2922B5E}" srcOrd="0" destOrd="0" presId="urn:microsoft.com/office/officeart/2005/8/layout/hList7"/>
     <dgm:cxn modelId="{4D0448AB-072A-4D18-810D-2383F44A3112}" type="presParOf" srcId="{68497B09-3716-4EBD-AC6B-8AE2BDCC8972}" destId="{5C007895-D27B-4555-8633-C9BBD58A106D}" srcOrd="0" destOrd="0" presId="urn:microsoft.com/office/officeart/2005/8/layout/hList7"/>
     <dgm:cxn modelId="{EB40CABA-D7D8-449B-A3EF-706C96A2B35D}" type="presParOf" srcId="{68497B09-3716-4EBD-AC6B-8AE2BDCC8972}" destId="{851E5CC9-679F-4CF6-B00F-A025B4DEF2B3}" srcOrd="1" destOrd="0" presId="urn:microsoft.com/office/officeart/2005/8/layout/hList7"/>
     <dgm:cxn modelId="{E6D0BBE2-1389-41E3-A561-EB44452418BA}" type="presParOf" srcId="{851E5CC9-679F-4CF6-B00F-A025B4DEF2B3}" destId="{02F5FF00-4C9F-4B29-8EE7-22E5EFD6E9BE}" srcOrd="0" destOrd="0" presId="urn:microsoft.com/office/officeart/2005/8/layout/hList7"/>
@@ -14550,7 +14550,7 @@
           <a:p>
             <a:fld id="{EC83963A-FCD1-4BA3-8F52-F2285ACE2A6A}" type="datetimeFigureOut">
               <a:rPr lang="fr-FR" smtClean="0"/>
-              <a:t>10/02/2020</a:t>
+              <a:t>11/02/2020</a:t>
             </a:fld>
             <a:endParaRPr lang="fr-FR"/>
           </a:p>
@@ -14715,7 +14715,7 @@
           <a:p>
             <a:fld id="{12D3AF9D-FD63-43BA-9EB6-902B12D2DD5D}" type="datetimeFigureOut">
               <a:rPr lang="fr-FR" smtClean="0"/>
-              <a:t>10/02/2020</a:t>
+              <a:t>11/02/2020</a:t>
             </a:fld>
             <a:endParaRPr lang="fr-FR"/>
           </a:p>
@@ -20904,6 +20904,836 @@
           </a:p>
         </p:txBody>
       </p:sp>
+      <p:sp>
+        <p:nvSpPr>
+          <p:cNvPr id="6" name="Content Placeholder 2"/>
+          <p:cNvSpPr txBox="1">
+            <a:spLocks/>
+          </p:cNvSpPr>
+          <p:nvPr/>
+        </p:nvSpPr>
+        <p:spPr>
+          <a:xfrm>
+            <a:off x="1236684" y="2835479"/>
+            <a:ext cx="3241048" cy="3765346"/>
+          </a:xfrm>
+          <a:prstGeom prst="rect">
+            <a:avLst/>
+          </a:prstGeom>
+        </p:spPr>
+        <p:txBody>
+          <a:bodyPr>
+            <a:normAutofit/>
+          </a:bodyPr>
+          <a:lstStyle>
+            <a:lvl1pPr marL="228600" indent="-228600" algn="l" defTabSz="914400" rtl="0" eaLnBrk="1" latinLnBrk="0" hangingPunct="1">
+              <a:lnSpc>
+                <a:spcPct val="90000"/>
+              </a:lnSpc>
+              <a:spcBef>
+                <a:spcPts val="1000"/>
+              </a:spcBef>
+              <a:buFont typeface="Arial" panose="020B0604020202020204" pitchFamily="34" charset="0"/>
+              <a:buChar char="•"/>
+              <a:defRPr sz="2800" kern="1200">
+                <a:solidFill>
+                  <a:schemeClr val="tx1"/>
+                </a:solidFill>
+                <a:latin typeface="+mn-lt"/>
+                <a:ea typeface="+mn-ea"/>
+                <a:cs typeface="+mn-cs"/>
+              </a:defRPr>
+            </a:lvl1pPr>
+            <a:lvl2pPr marL="685800" indent="-228600" algn="l" defTabSz="914400" rtl="0" eaLnBrk="1" latinLnBrk="0" hangingPunct="1">
+              <a:lnSpc>
+                <a:spcPct val="90000"/>
+              </a:lnSpc>
+              <a:spcBef>
+                <a:spcPts val="500"/>
+              </a:spcBef>
+              <a:buFont typeface="Arial" panose="020B0604020202020204" pitchFamily="34" charset="0"/>
+              <a:buChar char="•"/>
+              <a:defRPr sz="2400" kern="1200">
+                <a:solidFill>
+                  <a:schemeClr val="tx1"/>
+                </a:solidFill>
+                <a:latin typeface="+mn-lt"/>
+                <a:ea typeface="+mn-ea"/>
+                <a:cs typeface="+mn-cs"/>
+              </a:defRPr>
+            </a:lvl2pPr>
+            <a:lvl3pPr marL="1143000" indent="-228600" algn="l" defTabSz="914400" rtl="0" eaLnBrk="1" latinLnBrk="0" hangingPunct="1">
+              <a:lnSpc>
+                <a:spcPct val="90000"/>
+              </a:lnSpc>
+              <a:spcBef>
+                <a:spcPts val="500"/>
+              </a:spcBef>
+              <a:buFont typeface="Arial" panose="020B0604020202020204" pitchFamily="34" charset="0"/>
+              <a:buChar char="•"/>
+              <a:defRPr sz="2000" kern="1200">
+                <a:solidFill>
+                  <a:schemeClr val="tx1"/>
+                </a:solidFill>
+                <a:latin typeface="+mn-lt"/>
+                <a:ea typeface="+mn-ea"/>
+                <a:cs typeface="+mn-cs"/>
+              </a:defRPr>
+            </a:lvl3pPr>
+            <a:lvl4pPr marL="1600200" indent="-228600" algn="l" defTabSz="914400" rtl="0" eaLnBrk="1" latinLnBrk="0" hangingPunct="1">
+              <a:lnSpc>
+                <a:spcPct val="90000"/>
+              </a:lnSpc>
+              <a:spcBef>
+                <a:spcPts val="500"/>
+              </a:spcBef>
+              <a:buFont typeface="Arial" panose="020B0604020202020204" pitchFamily="34" charset="0"/>
+              <a:buChar char="•"/>
+              <a:defRPr sz="1800" kern="1200">
+                <a:solidFill>
+                  <a:schemeClr val="tx1"/>
+                </a:solidFill>
+                <a:latin typeface="+mn-lt"/>
+                <a:ea typeface="+mn-ea"/>
+                <a:cs typeface="+mn-cs"/>
+              </a:defRPr>
+            </a:lvl4pPr>
+            <a:lvl5pPr marL="2057400" indent="-228600" algn="l" defTabSz="914400" rtl="0" eaLnBrk="1" latinLnBrk="0" hangingPunct="1">
+              <a:lnSpc>
+                <a:spcPct val="90000"/>
+              </a:lnSpc>
+              <a:spcBef>
+                <a:spcPts val="500"/>
+              </a:spcBef>
+              <a:buFont typeface="Arial" panose="020B0604020202020204" pitchFamily="34" charset="0"/>
+              <a:buChar char="•"/>
+              <a:defRPr sz="1800" kern="1200">
+                <a:solidFill>
+                  <a:schemeClr val="tx1"/>
+                </a:solidFill>
+                <a:latin typeface="+mn-lt"/>
+                <a:ea typeface="+mn-ea"/>
+                <a:cs typeface="+mn-cs"/>
+              </a:defRPr>
+            </a:lvl5pPr>
+            <a:lvl6pPr marL="2514600" indent="-228600" algn="l" defTabSz="914400" rtl="0" eaLnBrk="1" latinLnBrk="0" hangingPunct="1">
+              <a:lnSpc>
+                <a:spcPct val="90000"/>
+              </a:lnSpc>
+              <a:spcBef>
+                <a:spcPts val="500"/>
+              </a:spcBef>
+              <a:buFont typeface="Arial" panose="020B0604020202020204" pitchFamily="34" charset="0"/>
+              <a:buChar char="•"/>
+              <a:defRPr sz="1800" kern="1200">
+                <a:solidFill>
+                  <a:schemeClr val="tx1"/>
+                </a:solidFill>
+                <a:latin typeface="+mn-lt"/>
+                <a:ea typeface="+mn-ea"/>
+                <a:cs typeface="+mn-cs"/>
+              </a:defRPr>
+            </a:lvl6pPr>
+            <a:lvl7pPr marL="2971800" indent="-228600" algn="l" defTabSz="914400" rtl="0" eaLnBrk="1" latinLnBrk="0" hangingPunct="1">
+              <a:lnSpc>
+                <a:spcPct val="90000"/>
+              </a:lnSpc>
+              <a:spcBef>
+                <a:spcPts val="500"/>
+              </a:spcBef>
+              <a:buFont typeface="Arial" panose="020B0604020202020204" pitchFamily="34" charset="0"/>
+              <a:buChar char="•"/>
+              <a:defRPr sz="1800" kern="1200">
+                <a:solidFill>
+                  <a:schemeClr val="tx1"/>
+                </a:solidFill>
+                <a:latin typeface="+mn-lt"/>
+                <a:ea typeface="+mn-ea"/>
+                <a:cs typeface="+mn-cs"/>
+              </a:defRPr>
+            </a:lvl7pPr>
+            <a:lvl8pPr marL="3429000" indent="-228600" algn="l" defTabSz="914400" rtl="0" eaLnBrk="1" latinLnBrk="0" hangingPunct="1">
+              <a:lnSpc>
+                <a:spcPct val="90000"/>
+              </a:lnSpc>
+              <a:spcBef>
+                <a:spcPts val="500"/>
+              </a:spcBef>
+              <a:buFont typeface="Arial" panose="020B0604020202020204" pitchFamily="34" charset="0"/>
+              <a:buChar char="•"/>
+              <a:defRPr sz="1800" kern="1200">
+                <a:solidFill>
+                  <a:schemeClr val="tx1"/>
+                </a:solidFill>
+                <a:latin typeface="+mn-lt"/>
+                <a:ea typeface="+mn-ea"/>
+                <a:cs typeface="+mn-cs"/>
+              </a:defRPr>
+            </a:lvl8pPr>
+            <a:lvl9pPr marL="3886200" indent="-228600" algn="l" defTabSz="914400" rtl="0" eaLnBrk="1" latinLnBrk="0" hangingPunct="1">
+              <a:lnSpc>
+                <a:spcPct val="90000"/>
+              </a:lnSpc>
+              <a:spcBef>
+                <a:spcPts val="500"/>
+              </a:spcBef>
+              <a:buFont typeface="Arial" panose="020B0604020202020204" pitchFamily="34" charset="0"/>
+              <a:buChar char="•"/>
+              <a:defRPr sz="1800" kern="1200">
+                <a:solidFill>
+                  <a:schemeClr val="tx1"/>
+                </a:solidFill>
+                <a:latin typeface="+mn-lt"/>
+                <a:ea typeface="+mn-ea"/>
+                <a:cs typeface="+mn-cs"/>
+              </a:defRPr>
+            </a:lvl9pPr>
+          </a:lstStyle>
+          <a:p>
+            <a:r>
+              <a:rPr lang="fr-FR" sz="2000" dirty="0" smtClean="0"/>
+              <a:t>Simplifies the </a:t>
+            </a:r>
+            <a:r>
+              <a:rPr lang="fr-FR" sz="2000" dirty="0" err="1" smtClean="0"/>
+              <a:t>launch</a:t>
+            </a:r>
+            <a:endParaRPr lang="fr-FR" sz="2000" dirty="0" smtClean="0"/>
+          </a:p>
+          <a:p>
+            <a:endParaRPr lang="fr-FR" sz="2000" dirty="0" smtClean="0"/>
+          </a:p>
+          <a:p>
+            <a:r>
+              <a:rPr lang="fr-FR" sz="2000" dirty="0" smtClean="0"/>
+              <a:t>Calls all </a:t>
+            </a:r>
+            <a:r>
+              <a:rPr lang="fr-FR" sz="2000" dirty="0" err="1" smtClean="0"/>
+              <a:t>libraries</a:t>
+            </a:r>
+            <a:r>
+              <a:rPr lang="fr-FR" sz="2000" dirty="0" smtClean="0"/>
+              <a:t> and source files</a:t>
+            </a:r>
+            <a:endParaRPr lang="fr-FR" sz="2000" dirty="0" smtClean="0"/>
+          </a:p>
+          <a:p>
+            <a:endParaRPr lang="fr-FR" sz="2000" dirty="0" smtClean="0"/>
+          </a:p>
+          <a:p>
+            <a:r>
+              <a:rPr lang="fr-FR" sz="2000" dirty="0" smtClean="0"/>
+              <a:t>UI, </a:t>
+            </a:r>
+            <a:r>
+              <a:rPr lang="fr-FR" sz="2000" dirty="0" err="1" smtClean="0"/>
+              <a:t>functions</a:t>
+            </a:r>
+            <a:r>
+              <a:rPr lang="fr-FR" sz="2000" dirty="0" smtClean="0"/>
+              <a:t>, and actions </a:t>
+            </a:r>
+            <a:r>
+              <a:rPr lang="fr-FR" sz="2000" dirty="0" err="1" smtClean="0"/>
+              <a:t>handled</a:t>
+            </a:r>
+            <a:r>
+              <a:rPr lang="fr-FR" sz="2000" dirty="0" smtClean="0"/>
+              <a:t> </a:t>
+            </a:r>
+            <a:r>
+              <a:rPr lang="fr-FR" sz="2000" dirty="0" err="1" smtClean="0"/>
+              <a:t>seperately</a:t>
+            </a:r>
+            <a:endParaRPr lang="fr-FR" sz="2000" dirty="0" smtClean="0"/>
+          </a:p>
+          <a:p>
+            <a:endParaRPr lang="fr-FR" sz="2000" dirty="0" smtClean="0"/>
+          </a:p>
+          <a:p>
+            <a:r>
+              <a:rPr lang="fr-FR" sz="2000" dirty="0" smtClean="0"/>
+              <a:t>Images </a:t>
+            </a:r>
+            <a:r>
+              <a:rPr lang="fr-FR" sz="2000" dirty="0" err="1" smtClean="0"/>
+              <a:t>gifs</a:t>
+            </a:r>
+            <a:r>
+              <a:rPr lang="fr-FR" sz="2000" dirty="0" smtClean="0"/>
+              <a:t> and </a:t>
+            </a:r>
+            <a:r>
+              <a:rPr lang="fr-FR" sz="2000" dirty="0" err="1" smtClean="0"/>
+              <a:t>pdfs</a:t>
+            </a:r>
+            <a:r>
+              <a:rPr lang="fr-FR" sz="2000" dirty="0" smtClean="0"/>
+              <a:t> </a:t>
+            </a:r>
+            <a:r>
+              <a:rPr lang="fr-FR" sz="2000" dirty="0" err="1" smtClean="0"/>
+              <a:t>located</a:t>
+            </a:r>
+            <a:r>
+              <a:rPr lang="fr-FR" sz="2000" dirty="0" smtClean="0"/>
+              <a:t> in </a:t>
+            </a:r>
+            <a:r>
+              <a:rPr lang="fr-FR" sz="2000" dirty="0" err="1" smtClean="0"/>
+              <a:t>seperate</a:t>
+            </a:r>
+            <a:r>
+              <a:rPr lang="fr-FR" sz="2000" dirty="0" smtClean="0"/>
+              <a:t> </a:t>
+            </a:r>
+            <a:r>
+              <a:rPr lang="fr-FR" sz="2000" dirty="0" err="1" smtClean="0"/>
+              <a:t>folder</a:t>
+            </a:r>
+            <a:endParaRPr lang="fr-FR" sz="2000" dirty="0" smtClean="0"/>
+          </a:p>
+          <a:p>
+            <a:pPr marL="0" indent="0" algn="just">
+              <a:buNone/>
+            </a:pPr>
+            <a:endParaRPr lang="fr-FR" sz="2000" dirty="0" smtClean="0"/>
+          </a:p>
+          <a:p>
+            <a:pPr marL="0" indent="0" algn="just">
+              <a:buNone/>
+            </a:pPr>
+            <a:endParaRPr lang="fr-FR" sz="2000" dirty="0"/>
+          </a:p>
+          <a:p>
+            <a:pPr marL="0" indent="0" algn="just">
+              <a:buFont typeface="Arial" panose="020B0604020202020204" pitchFamily="34" charset="0"/>
+              <a:buNone/>
+            </a:pPr>
+            <a:endParaRPr lang="fr-FR" sz="2000" dirty="0"/>
+          </a:p>
+        </p:txBody>
+      </p:sp>
+      <p:sp>
+        <p:nvSpPr>
+          <p:cNvPr id="7" name="Rounded Rectangle 6"/>
+          <p:cNvSpPr/>
+          <p:nvPr/>
+        </p:nvSpPr>
+        <p:spPr>
+          <a:xfrm>
+            <a:off x="8101781" y="2349910"/>
+            <a:ext cx="1376516" cy="485569"/>
+          </a:xfrm>
+          <a:prstGeom prst="roundRect">
+            <a:avLst/>
+          </a:prstGeom>
+          <a:noFill/>
+          <a:ln w="28575"/>
+        </p:spPr>
+        <p:style>
+          <a:lnRef idx="2">
+            <a:schemeClr val="accent1">
+              <a:shade val="50000"/>
+            </a:schemeClr>
+          </a:lnRef>
+          <a:fillRef idx="1">
+            <a:schemeClr val="accent1"/>
+          </a:fillRef>
+          <a:effectRef idx="0">
+            <a:schemeClr val="accent1"/>
+          </a:effectRef>
+          <a:fontRef idx="minor">
+            <a:schemeClr val="lt1"/>
+          </a:fontRef>
+        </p:style>
+        <p:txBody>
+          <a:bodyPr rtlCol="0" anchor="ctr"/>
+          <a:lstStyle/>
+          <a:p>
+            <a:pPr algn="ctr"/>
+            <a:r>
+              <a:rPr lang="en-CA" dirty="0" err="1" smtClean="0">
+                <a:solidFill>
+                  <a:schemeClr val="tx1"/>
+                </a:solidFill>
+              </a:rPr>
+              <a:t>Launcher.R</a:t>
+            </a:r>
+            <a:endParaRPr lang="en-CA" dirty="0">
+              <a:solidFill>
+                <a:schemeClr val="tx1"/>
+              </a:solidFill>
+            </a:endParaRPr>
+          </a:p>
+        </p:txBody>
+      </p:sp>
+      <p:sp>
+        <p:nvSpPr>
+          <p:cNvPr id="9" name="Rounded Rectangle 8"/>
+          <p:cNvSpPr/>
+          <p:nvPr/>
+        </p:nvSpPr>
+        <p:spPr>
+          <a:xfrm>
+            <a:off x="8101781" y="3249562"/>
+            <a:ext cx="1376516" cy="485569"/>
+          </a:xfrm>
+          <a:prstGeom prst="roundRect">
+            <a:avLst/>
+          </a:prstGeom>
+          <a:noFill/>
+          <a:ln w="28575"/>
+        </p:spPr>
+        <p:style>
+          <a:lnRef idx="2">
+            <a:schemeClr val="accent1">
+              <a:shade val="50000"/>
+            </a:schemeClr>
+          </a:lnRef>
+          <a:fillRef idx="1">
+            <a:schemeClr val="accent1"/>
+          </a:fillRef>
+          <a:effectRef idx="0">
+            <a:schemeClr val="accent1"/>
+          </a:effectRef>
+          <a:fontRef idx="minor">
+            <a:schemeClr val="lt1"/>
+          </a:fontRef>
+        </p:style>
+        <p:txBody>
+          <a:bodyPr rtlCol="0" anchor="ctr"/>
+          <a:lstStyle/>
+          <a:p>
+            <a:pPr algn="ctr"/>
+            <a:r>
+              <a:rPr lang="en-CA" dirty="0" err="1" smtClean="0">
+                <a:solidFill>
+                  <a:schemeClr val="tx1"/>
+                </a:solidFill>
+              </a:rPr>
+              <a:t>App.R</a:t>
+            </a:r>
+            <a:endParaRPr lang="en-CA" dirty="0">
+              <a:solidFill>
+                <a:schemeClr val="tx1"/>
+              </a:solidFill>
+            </a:endParaRPr>
+          </a:p>
+        </p:txBody>
+      </p:sp>
+      <p:sp>
+        <p:nvSpPr>
+          <p:cNvPr id="10" name="Rounded Rectangle 9"/>
+          <p:cNvSpPr/>
+          <p:nvPr/>
+        </p:nvSpPr>
+        <p:spPr>
+          <a:xfrm>
+            <a:off x="6444613" y="4149214"/>
+            <a:ext cx="1381863" cy="485569"/>
+          </a:xfrm>
+          <a:prstGeom prst="roundRect">
+            <a:avLst/>
+          </a:prstGeom>
+          <a:noFill/>
+          <a:ln w="28575"/>
+        </p:spPr>
+        <p:style>
+          <a:lnRef idx="2">
+            <a:schemeClr val="accent1">
+              <a:shade val="50000"/>
+            </a:schemeClr>
+          </a:lnRef>
+          <a:fillRef idx="1">
+            <a:schemeClr val="accent1"/>
+          </a:fillRef>
+          <a:effectRef idx="0">
+            <a:schemeClr val="accent1"/>
+          </a:effectRef>
+          <a:fontRef idx="minor">
+            <a:schemeClr val="lt1"/>
+          </a:fontRef>
+        </p:style>
+        <p:txBody>
+          <a:bodyPr rtlCol="0" anchor="ctr"/>
+          <a:lstStyle/>
+          <a:p>
+            <a:pPr algn="ctr"/>
+            <a:r>
+              <a:rPr lang="en-CA" dirty="0" err="1" smtClean="0">
+                <a:solidFill>
+                  <a:schemeClr val="tx1"/>
+                </a:solidFill>
+              </a:rPr>
+              <a:t>Functions.R</a:t>
+            </a:r>
+            <a:endParaRPr lang="en-CA" dirty="0">
+              <a:solidFill>
+                <a:schemeClr val="tx1"/>
+              </a:solidFill>
+            </a:endParaRPr>
+          </a:p>
+        </p:txBody>
+      </p:sp>
+      <p:sp>
+        <p:nvSpPr>
+          <p:cNvPr id="11" name="Rounded Rectangle 10"/>
+          <p:cNvSpPr/>
+          <p:nvPr/>
+        </p:nvSpPr>
+        <p:spPr>
+          <a:xfrm>
+            <a:off x="8101781" y="4149214"/>
+            <a:ext cx="1376516" cy="485569"/>
+          </a:xfrm>
+          <a:prstGeom prst="roundRect">
+            <a:avLst/>
+          </a:prstGeom>
+          <a:noFill/>
+          <a:ln w="28575"/>
+        </p:spPr>
+        <p:style>
+          <a:lnRef idx="2">
+            <a:schemeClr val="accent1">
+              <a:shade val="50000"/>
+            </a:schemeClr>
+          </a:lnRef>
+          <a:fillRef idx="1">
+            <a:schemeClr val="accent1"/>
+          </a:fillRef>
+          <a:effectRef idx="0">
+            <a:schemeClr val="accent1"/>
+          </a:effectRef>
+          <a:fontRef idx="minor">
+            <a:schemeClr val="lt1"/>
+          </a:fontRef>
+        </p:style>
+        <p:txBody>
+          <a:bodyPr rtlCol="0" anchor="ctr"/>
+          <a:lstStyle/>
+          <a:p>
+            <a:pPr algn="ctr"/>
+            <a:r>
+              <a:rPr lang="en-CA" dirty="0" err="1" smtClean="0">
+                <a:solidFill>
+                  <a:schemeClr val="tx1"/>
+                </a:solidFill>
+              </a:rPr>
+              <a:t>App.R</a:t>
+            </a:r>
+            <a:endParaRPr lang="en-CA" dirty="0">
+              <a:solidFill>
+                <a:schemeClr val="tx1"/>
+              </a:solidFill>
+            </a:endParaRPr>
+          </a:p>
+        </p:txBody>
+      </p:sp>
+      <p:sp>
+        <p:nvSpPr>
+          <p:cNvPr id="12" name="Rounded Rectangle 11"/>
+          <p:cNvSpPr/>
+          <p:nvPr/>
+        </p:nvSpPr>
+        <p:spPr>
+          <a:xfrm>
+            <a:off x="9758948" y="4162836"/>
+            <a:ext cx="1376516" cy="485569"/>
+          </a:xfrm>
+          <a:prstGeom prst="roundRect">
+            <a:avLst/>
+          </a:prstGeom>
+          <a:noFill/>
+          <a:ln w="28575"/>
+        </p:spPr>
+        <p:style>
+          <a:lnRef idx="2">
+            <a:schemeClr val="accent1">
+              <a:shade val="50000"/>
+            </a:schemeClr>
+          </a:lnRef>
+          <a:fillRef idx="1">
+            <a:schemeClr val="accent1"/>
+          </a:fillRef>
+          <a:effectRef idx="0">
+            <a:schemeClr val="accent1"/>
+          </a:effectRef>
+          <a:fontRef idx="minor">
+            <a:schemeClr val="lt1"/>
+          </a:fontRef>
+        </p:style>
+        <p:txBody>
+          <a:bodyPr rtlCol="0" anchor="ctr"/>
+          <a:lstStyle/>
+          <a:p>
+            <a:pPr algn="ctr"/>
+            <a:r>
+              <a:rPr lang="en-CA" dirty="0" err="1" smtClean="0">
+                <a:solidFill>
+                  <a:schemeClr val="tx1"/>
+                </a:solidFill>
+              </a:rPr>
+              <a:t>Server.R</a:t>
+            </a:r>
+            <a:endParaRPr lang="en-CA" dirty="0">
+              <a:solidFill>
+                <a:schemeClr val="tx1"/>
+              </a:solidFill>
+            </a:endParaRPr>
+          </a:p>
+        </p:txBody>
+      </p:sp>
+      <p:sp>
+        <p:nvSpPr>
+          <p:cNvPr id="13" name="Rounded Rectangle 12"/>
+          <p:cNvSpPr/>
+          <p:nvPr/>
+        </p:nvSpPr>
+        <p:spPr>
+          <a:xfrm>
+            <a:off x="9619054" y="5235678"/>
+            <a:ext cx="1675968" cy="565354"/>
+          </a:xfrm>
+          <a:prstGeom prst="roundRect">
+            <a:avLst/>
+          </a:prstGeom>
+          <a:noFill/>
+          <a:ln w="28575">
+            <a:solidFill>
+              <a:srgbClr val="00B050"/>
+            </a:solidFill>
+          </a:ln>
+        </p:spPr>
+        <p:style>
+          <a:lnRef idx="2">
+            <a:schemeClr val="accent1">
+              <a:shade val="50000"/>
+            </a:schemeClr>
+          </a:lnRef>
+          <a:fillRef idx="1">
+            <a:schemeClr val="accent1"/>
+          </a:fillRef>
+          <a:effectRef idx="0">
+            <a:schemeClr val="accent1"/>
+          </a:effectRef>
+          <a:fontRef idx="minor">
+            <a:schemeClr val="lt1"/>
+          </a:fontRef>
+        </p:style>
+        <p:txBody>
+          <a:bodyPr rtlCol="0" anchor="ctr"/>
+          <a:lstStyle/>
+          <a:p>
+            <a:pPr algn="ctr"/>
+            <a:r>
+              <a:rPr lang="en-CA" dirty="0" smtClean="0">
+                <a:solidFill>
+                  <a:schemeClr val="tx1"/>
+                </a:solidFill>
+              </a:rPr>
+              <a:t>WWW</a:t>
+            </a:r>
+          </a:p>
+          <a:p>
+            <a:pPr algn="ctr"/>
+            <a:r>
+              <a:rPr lang="en-CA" dirty="0" smtClean="0">
+                <a:solidFill>
+                  <a:schemeClr val="tx1"/>
+                </a:solidFill>
+              </a:rPr>
+              <a:t>(image/gif/pdf)</a:t>
+            </a:r>
+            <a:endParaRPr lang="en-CA" dirty="0">
+              <a:solidFill>
+                <a:schemeClr val="tx1"/>
+              </a:solidFill>
+            </a:endParaRPr>
+          </a:p>
+        </p:txBody>
+      </p:sp>
+      <p:cxnSp>
+        <p:nvCxnSpPr>
+          <p:cNvPr id="22" name="Straight Arrow Connector 21"/>
+          <p:cNvCxnSpPr>
+            <a:stCxn id="7" idx="2"/>
+            <a:endCxn id="9" idx="0"/>
+          </p:cNvCxnSpPr>
+          <p:nvPr/>
+        </p:nvCxnSpPr>
+        <p:spPr>
+          <a:xfrm>
+            <a:off x="8790039" y="2835479"/>
+            <a:ext cx="0" cy="414083"/>
+          </a:xfrm>
+          <a:prstGeom prst="straightConnector1">
+            <a:avLst/>
+          </a:prstGeom>
+          <a:ln w="28575">
+            <a:tailEnd type="triangle"/>
+          </a:ln>
+        </p:spPr>
+        <p:style>
+          <a:lnRef idx="1">
+            <a:schemeClr val="accent1"/>
+          </a:lnRef>
+          <a:fillRef idx="0">
+            <a:schemeClr val="accent1"/>
+          </a:fillRef>
+          <a:effectRef idx="0">
+            <a:schemeClr val="accent1"/>
+          </a:effectRef>
+          <a:fontRef idx="minor">
+            <a:schemeClr val="tx1"/>
+          </a:fontRef>
+        </p:style>
+      </p:cxnSp>
+      <p:cxnSp>
+        <p:nvCxnSpPr>
+          <p:cNvPr id="26" name="Straight Arrow Connector 25"/>
+          <p:cNvCxnSpPr>
+            <a:stCxn id="9" idx="2"/>
+            <a:endCxn id="11" idx="0"/>
+          </p:cNvCxnSpPr>
+          <p:nvPr/>
+        </p:nvCxnSpPr>
+        <p:spPr>
+          <a:xfrm>
+            <a:off x="8790039" y="3735131"/>
+            <a:ext cx="0" cy="414083"/>
+          </a:xfrm>
+          <a:prstGeom prst="straightConnector1">
+            <a:avLst/>
+          </a:prstGeom>
+          <a:ln w="28575">
+            <a:tailEnd type="triangle"/>
+          </a:ln>
+        </p:spPr>
+        <p:style>
+          <a:lnRef idx="1">
+            <a:schemeClr val="accent1"/>
+          </a:lnRef>
+          <a:fillRef idx="0">
+            <a:schemeClr val="accent1"/>
+          </a:fillRef>
+          <a:effectRef idx="0">
+            <a:schemeClr val="accent1"/>
+          </a:effectRef>
+          <a:fontRef idx="minor">
+            <a:schemeClr val="tx1"/>
+          </a:fontRef>
+        </p:style>
+      </p:cxnSp>
+      <p:cxnSp>
+        <p:nvCxnSpPr>
+          <p:cNvPr id="28" name="Elbow Connector 27"/>
+          <p:cNvCxnSpPr>
+            <a:stCxn id="9" idx="2"/>
+            <a:endCxn id="12" idx="0"/>
+          </p:cNvCxnSpPr>
+          <p:nvPr/>
+        </p:nvCxnSpPr>
+        <p:spPr>
+          <a:xfrm rot="16200000" flipH="1">
+            <a:off x="9404770" y="3120399"/>
+            <a:ext cx="427705" cy="1657167"/>
+          </a:xfrm>
+          <a:prstGeom prst="bentConnector3">
+            <a:avLst/>
+          </a:prstGeom>
+          <a:ln w="28575">
+            <a:tailEnd type="triangle"/>
+          </a:ln>
+        </p:spPr>
+        <p:style>
+          <a:lnRef idx="1">
+            <a:schemeClr val="accent1"/>
+          </a:lnRef>
+          <a:fillRef idx="0">
+            <a:schemeClr val="accent1"/>
+          </a:fillRef>
+          <a:effectRef idx="0">
+            <a:schemeClr val="accent1"/>
+          </a:effectRef>
+          <a:fontRef idx="minor">
+            <a:schemeClr val="tx1"/>
+          </a:fontRef>
+        </p:style>
+      </p:cxnSp>
+      <p:cxnSp>
+        <p:nvCxnSpPr>
+          <p:cNvPr id="31" name="Elbow Connector 30"/>
+          <p:cNvCxnSpPr>
+            <a:stCxn id="9" idx="2"/>
+            <a:endCxn id="10" idx="0"/>
+          </p:cNvCxnSpPr>
+          <p:nvPr/>
+        </p:nvCxnSpPr>
+        <p:spPr>
+          <a:xfrm rot="5400000">
+            <a:off x="7755751" y="3114925"/>
+            <a:ext cx="414083" cy="1654494"/>
+          </a:xfrm>
+          <a:prstGeom prst="bentConnector3">
+            <a:avLst/>
+          </a:prstGeom>
+          <a:ln w="28575">
+            <a:tailEnd type="triangle"/>
+          </a:ln>
+        </p:spPr>
+        <p:style>
+          <a:lnRef idx="1">
+            <a:schemeClr val="accent1"/>
+          </a:lnRef>
+          <a:fillRef idx="0">
+            <a:schemeClr val="accent1"/>
+          </a:fillRef>
+          <a:effectRef idx="0">
+            <a:schemeClr val="accent1"/>
+          </a:effectRef>
+          <a:fontRef idx="minor">
+            <a:schemeClr val="tx1"/>
+          </a:fontRef>
+        </p:style>
+      </p:cxnSp>
+      <p:cxnSp>
+        <p:nvCxnSpPr>
+          <p:cNvPr id="35" name="Straight Arrow Connector 34"/>
+          <p:cNvCxnSpPr>
+            <a:stCxn id="12" idx="2"/>
+            <a:endCxn id="13" idx="0"/>
+          </p:cNvCxnSpPr>
+          <p:nvPr/>
+        </p:nvCxnSpPr>
+        <p:spPr>
+          <a:xfrm>
+            <a:off x="10447206" y="4648405"/>
+            <a:ext cx="9832" cy="587273"/>
+          </a:xfrm>
+          <a:prstGeom prst="straightConnector1">
+            <a:avLst/>
+          </a:prstGeom>
+          <a:ln w="28575">
+            <a:tailEnd type="triangle"/>
+          </a:ln>
+        </p:spPr>
+        <p:style>
+          <a:lnRef idx="1">
+            <a:schemeClr val="accent1"/>
+          </a:lnRef>
+          <a:fillRef idx="0">
+            <a:schemeClr val="accent1"/>
+          </a:fillRef>
+          <a:effectRef idx="0">
+            <a:schemeClr val="accent1"/>
+          </a:effectRef>
+          <a:fontRef idx="minor">
+            <a:schemeClr val="tx1"/>
+          </a:fontRef>
+        </p:style>
+      </p:cxnSp>
     </p:spTree>
     <p:extLst>
       <p:ext uri="{BB962C8B-B14F-4D97-AF65-F5344CB8AC3E}">
@@ -24543,7 +25373,6 @@
             <a:endParaRPr lang="fr-FR" sz="2000" dirty="0"/>
           </a:p>
           <a:p>
-            <a:pPr algn="just"/>
             <a:r>
               <a:rPr lang="fr-FR" sz="2000" dirty="0" err="1" smtClean="0"/>
               <a:t>Clear</a:t>

--- a/Slides/Soutenance_Final.pptx
+++ b/Slides/Soutenance_Final.pptx
@@ -16,8 +16,8 @@
     <p:sldId id="270" r:id="rId4"/>
     <p:sldId id="276" r:id="rId5"/>
     <p:sldId id="287" r:id="rId6"/>
-    <p:sldId id="271" r:id="rId7"/>
-    <p:sldId id="288" r:id="rId8"/>
+    <p:sldId id="288" r:id="rId7"/>
+    <p:sldId id="271" r:id="rId8"/>
     <p:sldId id="289" r:id="rId9"/>
     <p:sldId id="290" r:id="rId10"/>
     <p:sldId id="279" r:id="rId11"/>
@@ -5069,21 +5069,21 @@
     </dgm:pt>
   </dgm:ptLst>
   <dgm:cxnLst>
+    <dgm:cxn modelId="{CE2AF7AB-2949-4DCD-9C29-6B60E91D8468}" srcId="{0916D3E2-7950-4B1E-A80A-B1A0DFE4D7BE}" destId="{B8F4B4B5-48BB-4436-A4C8-0772D59377AC}" srcOrd="2" destOrd="0" parTransId="{EEB7DF95-B1E1-4355-BDED-67254F3A40BF}" sibTransId="{07F8EC93-687D-4C25-BBFA-77894EDF7DA2}"/>
+    <dgm:cxn modelId="{D7CE5B38-4681-488A-875C-5BC6D4608B17}" type="presOf" srcId="{B8F4B4B5-48BB-4436-A4C8-0772D59377AC}" destId="{B8775ABA-3037-409F-B1F5-5479D38AC897}" srcOrd="0" destOrd="0" presId="urn:microsoft.com/office/officeart/2005/8/layout/radial1"/>
+    <dgm:cxn modelId="{08978BA1-AE5A-4DFF-A0C3-92D4A0078A98}" srcId="{0916D3E2-7950-4B1E-A80A-B1A0DFE4D7BE}" destId="{9B35DA45-8824-4EE3-89F0-3F4E07F980E3}" srcOrd="0" destOrd="0" parTransId="{F26E0BCB-616E-4F5C-9212-B89461307743}" sibTransId="{6FFF208B-A136-4388-9736-DE2BA4AFD5AF}"/>
+    <dgm:cxn modelId="{8C318C29-2BA6-4073-9DC3-993B41DBBD97}" type="presOf" srcId="{F26E0BCB-616E-4F5C-9212-B89461307743}" destId="{B26CA117-7877-4BBB-8697-7BAA6B4D1769}" srcOrd="1" destOrd="0" presId="urn:microsoft.com/office/officeart/2005/8/layout/radial1"/>
     <dgm:cxn modelId="{BFE5F03E-99EE-488D-A25F-FA4A305398F3}" type="presOf" srcId="{EEB7DF95-B1E1-4355-BDED-67254F3A40BF}" destId="{156A4B50-5EBB-4BD2-8AF0-C722439DBC8D}" srcOrd="0" destOrd="0" presId="urn:microsoft.com/office/officeart/2005/8/layout/radial1"/>
-    <dgm:cxn modelId="{CE2AF7AB-2949-4DCD-9C29-6B60E91D8468}" srcId="{0916D3E2-7950-4B1E-A80A-B1A0DFE4D7BE}" destId="{B8F4B4B5-48BB-4436-A4C8-0772D59377AC}" srcOrd="2" destOrd="0" parTransId="{EEB7DF95-B1E1-4355-BDED-67254F3A40BF}" sibTransId="{07F8EC93-687D-4C25-BBFA-77894EDF7DA2}"/>
+    <dgm:cxn modelId="{4F76CFC7-AC86-4FD6-BD3B-3B31C6A8EDDA}" type="presOf" srcId="{F26E0BCB-616E-4F5C-9212-B89461307743}" destId="{FB6E935B-AB56-4686-BAF4-89171D311D48}" srcOrd="0" destOrd="0" presId="urn:microsoft.com/office/officeart/2005/8/layout/radial1"/>
+    <dgm:cxn modelId="{7470EB8E-365B-4C7B-B345-F3A82F2BDE86}" type="presOf" srcId="{EEB7DF95-B1E1-4355-BDED-67254F3A40BF}" destId="{0FA48441-B5ED-464B-AB5B-44DAB679EE64}" srcOrd="1" destOrd="0" presId="urn:microsoft.com/office/officeart/2005/8/layout/radial1"/>
+    <dgm:cxn modelId="{2E6F4476-BF79-4C90-823B-71099E5FD8D3}" type="presOf" srcId="{DD81B84C-4525-4615-9233-87E402AFBABC}" destId="{9CD455AE-EC69-44E0-B929-B59BCD7E9894}" srcOrd="1" destOrd="0" presId="urn:microsoft.com/office/officeart/2005/8/layout/radial1"/>
     <dgm:cxn modelId="{2D7DE33D-C3DB-49E5-ADF6-52C214CF1C59}" srcId="{0916D3E2-7950-4B1E-A80A-B1A0DFE4D7BE}" destId="{7F397B27-ED42-4C0B-84EB-F42483A443DB}" srcOrd="1" destOrd="0" parTransId="{DD81B84C-4525-4615-9233-87E402AFBABC}" sibTransId="{97EBF3C2-DAC2-40A4-AE80-264E3F21FCCC}"/>
-    <dgm:cxn modelId="{7470EB8E-365B-4C7B-B345-F3A82F2BDE86}" type="presOf" srcId="{EEB7DF95-B1E1-4355-BDED-67254F3A40BF}" destId="{0FA48441-B5ED-464B-AB5B-44DAB679EE64}" srcOrd="1" destOrd="0" presId="urn:microsoft.com/office/officeart/2005/8/layout/radial1"/>
-    <dgm:cxn modelId="{D7CE5B38-4681-488A-875C-5BC6D4608B17}" type="presOf" srcId="{B8F4B4B5-48BB-4436-A4C8-0772D59377AC}" destId="{B8775ABA-3037-409F-B1F5-5479D38AC897}" srcOrd="0" destOrd="0" presId="urn:microsoft.com/office/officeart/2005/8/layout/radial1"/>
     <dgm:cxn modelId="{A9B36F8A-C74B-47A9-B539-806F6BB77A1A}" srcId="{CC293B1C-4CF8-4FF0-BBC7-4942ED2D7F88}" destId="{0916D3E2-7950-4B1E-A80A-B1A0DFE4D7BE}" srcOrd="0" destOrd="0" parTransId="{78ED7DF1-7D14-4D64-A8E3-CBD6C30B03FB}" sibTransId="{402F8436-663D-4DB8-A22F-0A8F501EB425}"/>
-    <dgm:cxn modelId="{4F76CFC7-AC86-4FD6-BD3B-3B31C6A8EDDA}" type="presOf" srcId="{F26E0BCB-616E-4F5C-9212-B89461307743}" destId="{FB6E935B-AB56-4686-BAF4-89171D311D48}" srcOrd="0" destOrd="0" presId="urn:microsoft.com/office/officeart/2005/8/layout/radial1"/>
+    <dgm:cxn modelId="{4E83842D-6898-45A2-8C76-AC263926CE66}" type="presOf" srcId="{CC293B1C-4CF8-4FF0-BBC7-4942ED2D7F88}" destId="{05AAFE4B-4748-4F9C-AA5B-DEC71FC73E20}" srcOrd="0" destOrd="0" presId="urn:microsoft.com/office/officeart/2005/8/layout/radial1"/>
     <dgm:cxn modelId="{53089D63-12EB-40F9-92A2-F39B07E20E6B}" type="presOf" srcId="{0916D3E2-7950-4B1E-A80A-B1A0DFE4D7BE}" destId="{334F0DA9-4D69-40E7-AE37-8BB2E71C3ACD}" srcOrd="0" destOrd="0" presId="urn:microsoft.com/office/officeart/2005/8/layout/radial1"/>
-    <dgm:cxn modelId="{2E6F4476-BF79-4C90-823B-71099E5FD8D3}" type="presOf" srcId="{DD81B84C-4525-4615-9233-87E402AFBABC}" destId="{9CD455AE-EC69-44E0-B929-B59BCD7E9894}" srcOrd="1" destOrd="0" presId="urn:microsoft.com/office/officeart/2005/8/layout/radial1"/>
+    <dgm:cxn modelId="{EE79DC2E-EE32-4B0A-ADFD-E11D61A99647}" type="presOf" srcId="{DD81B84C-4525-4615-9233-87E402AFBABC}" destId="{3134C74D-D45F-4D44-8DA9-5DD9ACC7028A}" srcOrd="0" destOrd="0" presId="urn:microsoft.com/office/officeart/2005/8/layout/radial1"/>
+    <dgm:cxn modelId="{1173F0C1-237A-44C5-81A9-6289AFEB7E80}" type="presOf" srcId="{7F397B27-ED42-4C0B-84EB-F42483A443DB}" destId="{FC75532D-1A75-4D81-A458-80C91B398F9D}" srcOrd="0" destOrd="0" presId="urn:microsoft.com/office/officeart/2005/8/layout/radial1"/>
     <dgm:cxn modelId="{6037BACF-1495-4D63-973A-E9906686C9EC}" type="presOf" srcId="{9B35DA45-8824-4EE3-89F0-3F4E07F980E3}" destId="{51D4E2D9-6364-4FE7-BE7F-89898165258A}" srcOrd="0" destOrd="0" presId="urn:microsoft.com/office/officeart/2005/8/layout/radial1"/>
-    <dgm:cxn modelId="{4E83842D-6898-45A2-8C76-AC263926CE66}" type="presOf" srcId="{CC293B1C-4CF8-4FF0-BBC7-4942ED2D7F88}" destId="{05AAFE4B-4748-4F9C-AA5B-DEC71FC73E20}" srcOrd="0" destOrd="0" presId="urn:microsoft.com/office/officeart/2005/8/layout/radial1"/>
-    <dgm:cxn modelId="{EE79DC2E-EE32-4B0A-ADFD-E11D61A99647}" type="presOf" srcId="{DD81B84C-4525-4615-9233-87E402AFBABC}" destId="{3134C74D-D45F-4D44-8DA9-5DD9ACC7028A}" srcOrd="0" destOrd="0" presId="urn:microsoft.com/office/officeart/2005/8/layout/radial1"/>
-    <dgm:cxn modelId="{08978BA1-AE5A-4DFF-A0C3-92D4A0078A98}" srcId="{0916D3E2-7950-4B1E-A80A-B1A0DFE4D7BE}" destId="{9B35DA45-8824-4EE3-89F0-3F4E07F980E3}" srcOrd="0" destOrd="0" parTransId="{F26E0BCB-616E-4F5C-9212-B89461307743}" sibTransId="{6FFF208B-A136-4388-9736-DE2BA4AFD5AF}"/>
-    <dgm:cxn modelId="{1173F0C1-237A-44C5-81A9-6289AFEB7E80}" type="presOf" srcId="{7F397B27-ED42-4C0B-84EB-F42483A443DB}" destId="{FC75532D-1A75-4D81-A458-80C91B398F9D}" srcOrd="0" destOrd="0" presId="urn:microsoft.com/office/officeart/2005/8/layout/radial1"/>
-    <dgm:cxn modelId="{8C318C29-2BA6-4073-9DC3-993B41DBBD97}" type="presOf" srcId="{F26E0BCB-616E-4F5C-9212-B89461307743}" destId="{B26CA117-7877-4BBB-8697-7BAA6B4D1769}" srcOrd="1" destOrd="0" presId="urn:microsoft.com/office/officeart/2005/8/layout/radial1"/>
     <dgm:cxn modelId="{772C3BB5-DF35-42DE-A439-0DCB31D63FB8}" type="presParOf" srcId="{05AAFE4B-4748-4F9C-AA5B-DEC71FC73E20}" destId="{334F0DA9-4D69-40E7-AE37-8BB2E71C3ACD}" srcOrd="0" destOrd="0" presId="urn:microsoft.com/office/officeart/2005/8/layout/radial1"/>
     <dgm:cxn modelId="{20FC6565-C496-4E94-8CCE-904149940058}" type="presParOf" srcId="{05AAFE4B-4748-4F9C-AA5B-DEC71FC73E20}" destId="{FB6E935B-AB56-4686-BAF4-89171D311D48}" srcOrd="1" destOrd="0" presId="urn:microsoft.com/office/officeart/2005/8/layout/radial1"/>
     <dgm:cxn modelId="{1BDA0C39-DB3E-4726-AC03-ECA79335B44E}" type="presParOf" srcId="{FB6E935B-AB56-4686-BAF4-89171D311D48}" destId="{B26CA117-7877-4BBB-8697-7BAA6B4D1769}" srcOrd="0" destOrd="0" presId="urn:microsoft.com/office/officeart/2005/8/layout/radial1"/>
@@ -5859,22 +5859,22 @@
     </dgm:pt>
   </dgm:ptLst>
   <dgm:cxnLst>
+    <dgm:cxn modelId="{C645A4BB-EDB6-4E76-AB82-9AD72E6BF557}" type="presOf" srcId="{BA786E09-868C-446C-BCAD-1B9A337A2314}" destId="{31F77346-6636-44FE-8237-42E5F75F0855}" srcOrd="1" destOrd="0" presId="urn:microsoft.com/office/officeart/2005/8/layout/hList7"/>
+    <dgm:cxn modelId="{57921F95-0423-45E7-AE0D-672371E39D53}" type="presOf" srcId="{5EE301F9-AA62-4FDD-BBD4-EB5F68D85FEC}" destId="{6B2B5E85-AAEA-413B-89EF-96FC0B61D0DB}" srcOrd="1" destOrd="0" presId="urn:microsoft.com/office/officeart/2005/8/layout/hList7"/>
+    <dgm:cxn modelId="{F6F9661A-BC21-475D-819D-50626DE6BCFB}" type="presOf" srcId="{2F25E3F7-E9EB-4C08-9116-69D5C4FD6E2A}" destId="{2845AC54-25A9-480C-BA9C-51BB56258253}" srcOrd="0" destOrd="0" presId="urn:microsoft.com/office/officeart/2005/8/layout/hList7"/>
+    <dgm:cxn modelId="{CF0035A1-5E18-4F9A-AAAD-C4F8302A689F}" type="presOf" srcId="{81607F9D-ACA8-4EBC-97F3-AE620D537126}" destId="{FCBD48AD-6356-4016-B622-1476036943D2}" srcOrd="1" destOrd="0" presId="urn:microsoft.com/office/officeart/2005/8/layout/hList7"/>
     <dgm:cxn modelId="{AFAAAFAD-A0DE-47C1-9249-77B5BDE05E36}" type="presOf" srcId="{81607F9D-ACA8-4EBC-97F3-AE620D537126}" destId="{AECDF339-533B-4319-9DD1-FE0312AA5FE7}" srcOrd="0" destOrd="0" presId="urn:microsoft.com/office/officeart/2005/8/layout/hList7"/>
-    <dgm:cxn modelId="{38CD83C8-6796-4198-B7C8-EFF34EC9AA55}" type="presOf" srcId="{BA786E09-868C-446C-BCAD-1B9A337A2314}" destId="{9B6DBF9B-EFA6-45E8-AAE9-1FBCC2922B5E}" srcOrd="0" destOrd="0" presId="urn:microsoft.com/office/officeart/2005/8/layout/hList7"/>
-    <dgm:cxn modelId="{2E016A71-4A74-45F5-AD15-07D3B1D0466D}" srcId="{95C89F30-E4C0-41F0-9F78-CFBA2BC6B6E7}" destId="{47253CFC-4569-4709-81D3-DEEB42841B34}" srcOrd="2" destOrd="0" parTransId="{790D9CA9-D5EB-4ABB-B3FF-C076CA534420}" sibTransId="{2F25E3F7-E9EB-4C08-9116-69D5C4FD6E2A}"/>
-    <dgm:cxn modelId="{F6F9661A-BC21-475D-819D-50626DE6BCFB}" type="presOf" srcId="{2F25E3F7-E9EB-4C08-9116-69D5C4FD6E2A}" destId="{2845AC54-25A9-480C-BA9C-51BB56258253}" srcOrd="0" destOrd="0" presId="urn:microsoft.com/office/officeart/2005/8/layout/hList7"/>
-    <dgm:cxn modelId="{C645A4BB-EDB6-4E76-AB82-9AD72E6BF557}" type="presOf" srcId="{BA786E09-868C-446C-BCAD-1B9A337A2314}" destId="{31F77346-6636-44FE-8237-42E5F75F0855}" srcOrd="1" destOrd="0" presId="urn:microsoft.com/office/officeart/2005/8/layout/hList7"/>
-    <dgm:cxn modelId="{194860A3-1900-4650-B671-CEC4587BA924}" type="presOf" srcId="{94CA40FB-60B0-465C-89DE-37B57251E362}" destId="{6A4D6A8E-A18C-499A-84BC-74FED5388C93}" srcOrd="0" destOrd="0" presId="urn:microsoft.com/office/officeart/2005/8/layout/hList7"/>
-    <dgm:cxn modelId="{57921F95-0423-45E7-AE0D-672371E39D53}" type="presOf" srcId="{5EE301F9-AA62-4FDD-BBD4-EB5F68D85FEC}" destId="{6B2B5E85-AAEA-413B-89EF-96FC0B61D0DB}" srcOrd="1" destOrd="0" presId="urn:microsoft.com/office/officeart/2005/8/layout/hList7"/>
-    <dgm:cxn modelId="{4E004507-C92D-4D0B-9DBB-DB4591A9B903}" srcId="{95C89F30-E4C0-41F0-9F78-CFBA2BC6B6E7}" destId="{BA786E09-868C-446C-BCAD-1B9A337A2314}" srcOrd="3" destOrd="0" parTransId="{59BE49D1-A09D-46A0-A218-5983A849445B}" sibTransId="{870FB8E6-A3E1-4439-9131-142A0512FE32}"/>
-    <dgm:cxn modelId="{1AE06204-B328-4A88-90DE-47487907D919}" type="presOf" srcId="{47253CFC-4569-4709-81D3-DEEB42841B34}" destId="{65C1CC62-47DD-4AE0-BB4E-E1AA4210EAD1}" srcOrd="1" destOrd="0" presId="urn:microsoft.com/office/officeart/2005/8/layout/hList7"/>
-    <dgm:cxn modelId="{F309A241-CAAA-4CAA-89A7-3EF413DFED5F}" type="presOf" srcId="{47253CFC-4569-4709-81D3-DEEB42841B34}" destId="{18E220CA-4E07-4273-9F20-D66E44D1CC15}" srcOrd="0" destOrd="0" presId="urn:microsoft.com/office/officeart/2005/8/layout/hList7"/>
+    <dgm:cxn modelId="{BDD1CA52-8007-48A8-B091-1E74889DEE99}" type="presOf" srcId="{95C89F30-E4C0-41F0-9F78-CFBA2BC6B6E7}" destId="{68497B09-3716-4EBD-AC6B-8AE2BDCC8972}" srcOrd="0" destOrd="0" presId="urn:microsoft.com/office/officeart/2005/8/layout/hList7"/>
     <dgm:cxn modelId="{E53B2165-E749-413E-9F1A-C9CC76DA6A5C}" srcId="{95C89F30-E4C0-41F0-9F78-CFBA2BC6B6E7}" destId="{5EE301F9-AA62-4FDD-BBD4-EB5F68D85FEC}" srcOrd="0" destOrd="0" parTransId="{752A3FC9-4F42-4B45-864D-D48201C144BC}" sibTransId="{7A2D0BBB-4796-4683-A258-869CCE2EFDEE}"/>
-    <dgm:cxn modelId="{CF0035A1-5E18-4F9A-AAAD-C4F8302A689F}" type="presOf" srcId="{81607F9D-ACA8-4EBC-97F3-AE620D537126}" destId="{FCBD48AD-6356-4016-B622-1476036943D2}" srcOrd="1" destOrd="0" presId="urn:microsoft.com/office/officeart/2005/8/layout/hList7"/>
-    <dgm:cxn modelId="{BDD1CA52-8007-48A8-B091-1E74889DEE99}" type="presOf" srcId="{95C89F30-E4C0-41F0-9F78-CFBA2BC6B6E7}" destId="{68497B09-3716-4EBD-AC6B-8AE2BDCC8972}" srcOrd="0" destOrd="0" presId="urn:microsoft.com/office/officeart/2005/8/layout/hList7"/>
     <dgm:cxn modelId="{B6D21F72-7318-4B23-BC86-23B4E85AD610}" type="presOf" srcId="{5EE301F9-AA62-4FDD-BBD4-EB5F68D85FEC}" destId="{90FFEDE6-D24B-46AA-AC61-5A2CA3E513CC}" srcOrd="0" destOrd="0" presId="urn:microsoft.com/office/officeart/2005/8/layout/hList7"/>
     <dgm:cxn modelId="{C503CDFC-F7CF-4B5B-9CB9-D0B888450B80}" srcId="{95C89F30-E4C0-41F0-9F78-CFBA2BC6B6E7}" destId="{81607F9D-ACA8-4EBC-97F3-AE620D537126}" srcOrd="1" destOrd="0" parTransId="{5614C387-4578-47E1-B8ED-4C19C139B6D6}" sibTransId="{94CA40FB-60B0-465C-89DE-37B57251E362}"/>
+    <dgm:cxn modelId="{2E016A71-4A74-45F5-AD15-07D3B1D0466D}" srcId="{95C89F30-E4C0-41F0-9F78-CFBA2BC6B6E7}" destId="{47253CFC-4569-4709-81D3-DEEB42841B34}" srcOrd="2" destOrd="0" parTransId="{790D9CA9-D5EB-4ABB-B3FF-C076CA534420}" sibTransId="{2F25E3F7-E9EB-4C08-9116-69D5C4FD6E2A}"/>
+    <dgm:cxn modelId="{1AE06204-B328-4A88-90DE-47487907D919}" type="presOf" srcId="{47253CFC-4569-4709-81D3-DEEB42841B34}" destId="{65C1CC62-47DD-4AE0-BB4E-E1AA4210EAD1}" srcOrd="1" destOrd="0" presId="urn:microsoft.com/office/officeart/2005/8/layout/hList7"/>
     <dgm:cxn modelId="{2EC55B3D-BFE3-4C06-B5CF-4DA8F00E7DD6}" type="presOf" srcId="{7A2D0BBB-4796-4683-A258-869CCE2EFDEE}" destId="{46B8E31D-92A9-4F7C-AC64-291B22E56C19}" srcOrd="0" destOrd="0" presId="urn:microsoft.com/office/officeart/2005/8/layout/hList7"/>
+    <dgm:cxn modelId="{194860A3-1900-4650-B671-CEC4587BA924}" type="presOf" srcId="{94CA40FB-60B0-465C-89DE-37B57251E362}" destId="{6A4D6A8E-A18C-499A-84BC-74FED5388C93}" srcOrd="0" destOrd="0" presId="urn:microsoft.com/office/officeart/2005/8/layout/hList7"/>
+    <dgm:cxn modelId="{F309A241-CAAA-4CAA-89A7-3EF413DFED5F}" type="presOf" srcId="{47253CFC-4569-4709-81D3-DEEB42841B34}" destId="{18E220CA-4E07-4273-9F20-D66E44D1CC15}" srcOrd="0" destOrd="0" presId="urn:microsoft.com/office/officeart/2005/8/layout/hList7"/>
+    <dgm:cxn modelId="{4E004507-C92D-4D0B-9DBB-DB4591A9B903}" srcId="{95C89F30-E4C0-41F0-9F78-CFBA2BC6B6E7}" destId="{BA786E09-868C-446C-BCAD-1B9A337A2314}" srcOrd="3" destOrd="0" parTransId="{59BE49D1-A09D-46A0-A218-5983A849445B}" sibTransId="{870FB8E6-A3E1-4439-9131-142A0512FE32}"/>
+    <dgm:cxn modelId="{38CD83C8-6796-4198-B7C8-EFF34EC9AA55}" type="presOf" srcId="{BA786E09-868C-446C-BCAD-1B9A337A2314}" destId="{9B6DBF9B-EFA6-45E8-AAE9-1FBCC2922B5E}" srcOrd="0" destOrd="0" presId="urn:microsoft.com/office/officeart/2005/8/layout/hList7"/>
     <dgm:cxn modelId="{4D0448AB-072A-4D18-810D-2383F44A3112}" type="presParOf" srcId="{68497B09-3716-4EBD-AC6B-8AE2BDCC8972}" destId="{5C007895-D27B-4555-8633-C9BBD58A106D}" srcOrd="0" destOrd="0" presId="urn:microsoft.com/office/officeart/2005/8/layout/hList7"/>
     <dgm:cxn modelId="{EB40CABA-D7D8-449B-A3EF-706C96A2B35D}" type="presParOf" srcId="{68497B09-3716-4EBD-AC6B-8AE2BDCC8972}" destId="{851E5CC9-679F-4CF6-B00F-A025B4DEF2B3}" srcOrd="1" destOrd="0" presId="urn:microsoft.com/office/officeart/2005/8/layout/hList7"/>
     <dgm:cxn modelId="{E6D0BBE2-1389-41E3-A561-EB44452418BA}" type="presParOf" srcId="{851E5CC9-679F-4CF6-B00F-A025B4DEF2B3}" destId="{02F5FF00-4C9F-4B29-8EE7-22E5EFD6E9BE}" srcOrd="0" destOrd="0" presId="urn:microsoft.com/office/officeart/2005/8/layout/hList7"/>
@@ -5919,1122 +5919,6 @@
       <dsp:cNvGrpSpPr/>
     </dsp:nvGrpSpPr>
     <dsp:grpSpPr/>
-    <dsp:sp modelId="{68AC0C8C-6683-4490-8F38-983C8CB47C3F}">
-      <dsp:nvSpPr>
-        <dsp:cNvPr id="0" name=""/>
-        <dsp:cNvSpPr/>
-      </dsp:nvSpPr>
-      <dsp:spPr>
-        <a:xfrm>
-          <a:off x="4124889" y="2973665"/>
-          <a:ext cx="2160280" cy="1399372"/>
-        </a:xfrm>
-        <a:prstGeom prst="roundRect">
-          <a:avLst>
-            <a:gd name="adj" fmla="val 10000"/>
-          </a:avLst>
-        </a:prstGeom>
-        <a:solidFill>
-          <a:schemeClr val="lt1">
-            <a:alpha val="90000"/>
-            <a:hueOff val="0"/>
-            <a:satOff val="0"/>
-            <a:lumOff val="0"/>
-            <a:alphaOff val="0"/>
-          </a:schemeClr>
-        </a:solidFill>
-        <a:ln w="6350" cap="flat" cmpd="sng" algn="ctr">
-          <a:solidFill>
-            <a:schemeClr val="accent4">
-              <a:hueOff val="0"/>
-              <a:satOff val="0"/>
-              <a:lumOff val="0"/>
-              <a:alphaOff val="0"/>
-            </a:schemeClr>
-          </a:solidFill>
-          <a:prstDash val="solid"/>
-          <a:miter lim="800000"/>
-        </a:ln>
-        <a:effectLst/>
-        <a:scene3d>
-          <a:camera prst="orthographicFront"/>
-          <a:lightRig rig="flat" dir="t"/>
-        </a:scene3d>
-        <a:sp3d z="-190500" extrusionH="12700" prstMaterial="plastic">
-          <a:bevelT w="50800" h="50800"/>
-        </a:sp3d>
-      </dsp:spPr>
-      <dsp:style>
-        <a:lnRef idx="1">
-          <a:scrgbClr r="0" g="0" b="0"/>
-        </a:lnRef>
-        <a:fillRef idx="1">
-          <a:scrgbClr r="0" g="0" b="0"/>
-        </a:fillRef>
-        <a:effectRef idx="2">
-          <a:scrgbClr r="0" g="0" b="0"/>
-        </a:effectRef>
-        <a:fontRef idx="minor"/>
-      </dsp:style>
-      <dsp:txBody>
-        <a:bodyPr spcFirstLastPara="0" vert="horz" wrap="square" lIns="53340" tIns="53340" rIns="53340" bIns="53340" numCol="1" spcCol="1270" anchor="t" anchorCtr="0">
-          <a:noAutofit/>
-        </a:bodyPr>
-        <a:lstStyle/>
-        <a:p>
-          <a:pPr marL="57150" lvl="1" indent="-57150" algn="l" defTabSz="488950">
-            <a:lnSpc>
-              <a:spcPct val="90000"/>
-            </a:lnSpc>
-            <a:spcBef>
-              <a:spcPct val="0"/>
-            </a:spcBef>
-            <a:spcAft>
-              <a:spcPct val="15000"/>
-            </a:spcAft>
-            <a:buChar char="••"/>
-          </a:pPr>
-          <a:r>
-            <a:rPr lang="fr-FR" sz="1100" kern="1200" dirty="0" err="1"/>
-            <a:t>Risk</a:t>
-          </a:r>
-          <a:r>
-            <a:rPr lang="fr-FR" sz="1100" kern="1200" dirty="0"/>
-            <a:t> of high </a:t>
-          </a:r>
-          <a:r>
-            <a:rPr lang="fr-FR" sz="1100" kern="1200" dirty="0" err="1"/>
-            <a:t>demand</a:t>
-          </a:r>
-          <a:r>
-            <a:rPr lang="fr-FR" sz="1100" kern="1200" dirty="0"/>
-            <a:t> (server)</a:t>
-          </a:r>
-        </a:p>
-        <a:p>
-          <a:pPr marL="57150" lvl="1" indent="-57150" algn="l" defTabSz="488950">
-            <a:lnSpc>
-              <a:spcPct val="90000"/>
-            </a:lnSpc>
-            <a:spcBef>
-              <a:spcPct val="0"/>
-            </a:spcBef>
-            <a:spcAft>
-              <a:spcPct val="15000"/>
-            </a:spcAft>
-            <a:buChar char="••"/>
-          </a:pPr>
-          <a:r>
-            <a:rPr lang="fr-FR" sz="1100" kern="1200" dirty="0" err="1" smtClean="0"/>
-            <a:t>Portability</a:t>
-          </a:r>
-          <a:r>
-            <a:rPr lang="fr-FR" sz="1100" kern="1200" dirty="0" smtClean="0"/>
-            <a:t> to Mac</a:t>
-          </a:r>
-          <a:endParaRPr lang="fr-FR" sz="1100" kern="1200" dirty="0"/>
-        </a:p>
-        <a:p>
-          <a:pPr marL="57150" lvl="1" indent="-57150" algn="l" defTabSz="488950">
-            <a:lnSpc>
-              <a:spcPct val="90000"/>
-            </a:lnSpc>
-            <a:spcBef>
-              <a:spcPct val="0"/>
-            </a:spcBef>
-            <a:spcAft>
-              <a:spcPct val="15000"/>
-            </a:spcAft>
-            <a:buChar char="••"/>
-          </a:pPr>
-          <a:r>
-            <a:rPr lang="fr-FR" sz="1100" kern="1200" dirty="0" err="1" smtClean="0"/>
-            <a:t>Lack</a:t>
-          </a:r>
-          <a:r>
-            <a:rPr lang="fr-FR" sz="1100" kern="1200" dirty="0" smtClean="0"/>
-            <a:t> of control on </a:t>
-          </a:r>
-          <a:r>
-            <a:rPr lang="fr-FR" sz="1100" kern="1200" dirty="0" err="1" smtClean="0"/>
-            <a:t>database</a:t>
-          </a:r>
-          <a:endParaRPr lang="fr-FR" sz="1100" kern="1200" dirty="0"/>
-        </a:p>
-      </dsp:txBody>
-      <dsp:txXfrm>
-        <a:off x="4803713" y="3354248"/>
-        <a:ext cx="1450716" cy="988049"/>
-      </dsp:txXfrm>
-    </dsp:sp>
-    <dsp:sp modelId="{431C4C2F-7F42-4D62-8EEF-918E7AD22EA0}">
-      <dsp:nvSpPr>
-        <dsp:cNvPr id="0" name=""/>
-        <dsp:cNvSpPr/>
-      </dsp:nvSpPr>
-      <dsp:spPr>
-        <a:xfrm>
-          <a:off x="562523" y="2973665"/>
-          <a:ext cx="2160280" cy="1399372"/>
-        </a:xfrm>
-        <a:prstGeom prst="roundRect">
-          <a:avLst>
-            <a:gd name="adj" fmla="val 10000"/>
-          </a:avLst>
-        </a:prstGeom>
-        <a:solidFill>
-          <a:schemeClr val="lt1">
-            <a:alpha val="90000"/>
-            <a:hueOff val="0"/>
-            <a:satOff val="0"/>
-            <a:lumOff val="0"/>
-            <a:alphaOff val="0"/>
-          </a:schemeClr>
-        </a:solidFill>
-        <a:ln w="6350" cap="flat" cmpd="sng" algn="ctr">
-          <a:solidFill>
-            <a:schemeClr val="accent5">
-              <a:hueOff val="0"/>
-              <a:satOff val="0"/>
-              <a:lumOff val="0"/>
-              <a:alphaOff val="0"/>
-            </a:schemeClr>
-          </a:solidFill>
-          <a:prstDash val="solid"/>
-          <a:miter lim="800000"/>
-        </a:ln>
-        <a:effectLst/>
-        <a:scene3d>
-          <a:camera prst="orthographicFront"/>
-          <a:lightRig rig="flat" dir="t"/>
-        </a:scene3d>
-        <a:sp3d z="-190500" extrusionH="12700" prstMaterial="plastic">
-          <a:bevelT w="50800" h="50800"/>
-        </a:sp3d>
-      </dsp:spPr>
-      <dsp:style>
-        <a:lnRef idx="1">
-          <a:scrgbClr r="0" g="0" b="0"/>
-        </a:lnRef>
-        <a:fillRef idx="1">
-          <a:scrgbClr r="0" g="0" b="0"/>
-        </a:fillRef>
-        <a:effectRef idx="2">
-          <a:scrgbClr r="0" g="0" b="0"/>
-        </a:effectRef>
-        <a:fontRef idx="minor"/>
-      </dsp:style>
-      <dsp:txBody>
-        <a:bodyPr spcFirstLastPara="0" vert="horz" wrap="square" lIns="53340" tIns="53340" rIns="53340" bIns="53340" numCol="1" spcCol="1270" anchor="t" anchorCtr="0">
-          <a:noAutofit/>
-        </a:bodyPr>
-        <a:lstStyle/>
-        <a:p>
-          <a:pPr marL="57150" lvl="1" indent="-57150" algn="l" defTabSz="488950">
-            <a:lnSpc>
-              <a:spcPct val="90000"/>
-            </a:lnSpc>
-            <a:spcBef>
-              <a:spcPct val="0"/>
-            </a:spcBef>
-            <a:spcAft>
-              <a:spcPct val="15000"/>
-            </a:spcAft>
-            <a:buChar char="••"/>
-          </a:pPr>
-          <a:r>
-            <a:rPr lang="fr-FR" sz="1100" kern="1200" dirty="0"/>
-            <a:t>No </a:t>
-          </a:r>
-          <a:r>
-            <a:rPr lang="fr-FR" sz="1100" kern="1200" dirty="0" err="1"/>
-            <a:t>competition</a:t>
-          </a:r>
-          <a:endParaRPr lang="fr-FR" sz="1100" kern="1200" dirty="0"/>
-        </a:p>
-        <a:p>
-          <a:pPr marL="57150" lvl="1" indent="-57150" algn="l" defTabSz="488950">
-            <a:lnSpc>
-              <a:spcPct val="90000"/>
-            </a:lnSpc>
-            <a:spcBef>
-              <a:spcPct val="0"/>
-            </a:spcBef>
-            <a:spcAft>
-              <a:spcPct val="15000"/>
-            </a:spcAft>
-            <a:buChar char="••"/>
-          </a:pPr>
-          <a:r>
-            <a:rPr lang="fr-FR" sz="1100" kern="1200" dirty="0"/>
-            <a:t>High utility</a:t>
-          </a:r>
-        </a:p>
-        <a:p>
-          <a:pPr marL="57150" lvl="1" indent="-57150" algn="l" defTabSz="488950">
-            <a:lnSpc>
-              <a:spcPct val="90000"/>
-            </a:lnSpc>
-            <a:spcBef>
-              <a:spcPct val="0"/>
-            </a:spcBef>
-            <a:spcAft>
-              <a:spcPct val="15000"/>
-            </a:spcAft>
-            <a:buChar char="••"/>
-          </a:pPr>
-          <a:r>
-            <a:rPr lang="fr-FR" sz="1100" kern="1200" dirty="0" err="1" smtClean="0"/>
-            <a:t>Easy</a:t>
-          </a:r>
-          <a:r>
-            <a:rPr lang="fr-FR" sz="1100" kern="1200" dirty="0" smtClean="0"/>
-            <a:t> to use</a:t>
-          </a:r>
-          <a:endParaRPr lang="fr-FR" sz="1100" kern="1200" dirty="0"/>
-        </a:p>
-      </dsp:txBody>
-      <dsp:txXfrm>
-        <a:off x="593263" y="3354248"/>
-        <a:ext cx="1450716" cy="988049"/>
-      </dsp:txXfrm>
-    </dsp:sp>
-    <dsp:sp modelId="{05478942-E273-4856-8553-F0FD8F015AA2}">
-      <dsp:nvSpPr>
-        <dsp:cNvPr id="0" name=""/>
-        <dsp:cNvSpPr/>
-      </dsp:nvSpPr>
-      <dsp:spPr>
-        <a:xfrm>
-          <a:off x="4124889" y="0"/>
-          <a:ext cx="2160280" cy="1399372"/>
-        </a:xfrm>
-        <a:prstGeom prst="roundRect">
-          <a:avLst>
-            <a:gd name="adj" fmla="val 10000"/>
-          </a:avLst>
-        </a:prstGeom>
-        <a:solidFill>
-          <a:schemeClr val="lt1">
-            <a:alpha val="90000"/>
-            <a:hueOff val="0"/>
-            <a:satOff val="0"/>
-            <a:lumOff val="0"/>
-            <a:alphaOff val="0"/>
-          </a:schemeClr>
-        </a:solidFill>
-        <a:ln w="6350" cap="flat" cmpd="sng" algn="ctr">
-          <a:solidFill>
-            <a:schemeClr val="accent3">
-              <a:hueOff val="0"/>
-              <a:satOff val="0"/>
-              <a:lumOff val="0"/>
-              <a:alphaOff val="0"/>
-            </a:schemeClr>
-          </a:solidFill>
-          <a:prstDash val="solid"/>
-          <a:miter lim="800000"/>
-        </a:ln>
-        <a:effectLst/>
-        <a:scene3d>
-          <a:camera prst="orthographicFront"/>
-          <a:lightRig rig="flat" dir="t"/>
-        </a:scene3d>
-        <a:sp3d z="-190500" extrusionH="12700" prstMaterial="plastic">
-          <a:bevelT w="50800" h="50800"/>
-        </a:sp3d>
-      </dsp:spPr>
-      <dsp:style>
-        <a:lnRef idx="1">
-          <a:scrgbClr r="0" g="0" b="0"/>
-        </a:lnRef>
-        <a:fillRef idx="1">
-          <a:scrgbClr r="0" g="0" b="0"/>
-        </a:fillRef>
-        <a:effectRef idx="2">
-          <a:scrgbClr r="0" g="0" b="0"/>
-        </a:effectRef>
-        <a:fontRef idx="minor"/>
-      </dsp:style>
-      <dsp:txBody>
-        <a:bodyPr spcFirstLastPara="0" vert="horz" wrap="square" lIns="53340" tIns="53340" rIns="53340" bIns="53340" numCol="1" spcCol="1270" anchor="t" anchorCtr="0">
-          <a:noAutofit/>
-        </a:bodyPr>
-        <a:lstStyle/>
-        <a:p>
-          <a:pPr marL="57150" lvl="1" indent="-57150" algn="l" defTabSz="488950">
-            <a:lnSpc>
-              <a:spcPct val="90000"/>
-            </a:lnSpc>
-            <a:spcBef>
-              <a:spcPct val="0"/>
-            </a:spcBef>
-            <a:spcAft>
-              <a:spcPct val="15000"/>
-            </a:spcAft>
-            <a:buChar char="••"/>
-          </a:pPr>
-          <a:r>
-            <a:rPr lang="fr-FR" sz="1100" kern="1200" dirty="0"/>
-            <a:t>Short deadlines</a:t>
-          </a:r>
-        </a:p>
-        <a:p>
-          <a:pPr marL="57150" lvl="1" indent="-57150" algn="l" defTabSz="488950">
-            <a:lnSpc>
-              <a:spcPct val="90000"/>
-            </a:lnSpc>
-            <a:spcBef>
-              <a:spcPct val="0"/>
-            </a:spcBef>
-            <a:spcAft>
-              <a:spcPct val="15000"/>
-            </a:spcAft>
-            <a:buChar char="••"/>
-          </a:pPr>
-          <a:r>
-            <a:rPr lang="fr-FR" sz="1100" kern="1200" dirty="0" err="1" smtClean="0"/>
-            <a:t>Emerging</a:t>
-          </a:r>
-          <a:r>
-            <a:rPr lang="fr-FR" sz="1100" kern="1200" dirty="0" smtClean="0"/>
-            <a:t> </a:t>
-          </a:r>
-          <a:r>
-            <a:rPr lang="fr-FR" sz="1100" kern="1200" dirty="0" err="1" smtClean="0"/>
-            <a:t>scientific</a:t>
-          </a:r>
-          <a:r>
-            <a:rPr lang="fr-FR" sz="1100" kern="1200" dirty="0" smtClean="0"/>
-            <a:t> </a:t>
-          </a:r>
-          <a:r>
-            <a:rPr lang="fr-FR" sz="1100" kern="1200" dirty="0" err="1" smtClean="0"/>
-            <a:t>field</a:t>
-          </a:r>
-          <a:endParaRPr lang="fr-FR" sz="1100" kern="1200" dirty="0"/>
-        </a:p>
-        <a:p>
-          <a:pPr marL="57150" lvl="1" indent="-57150" algn="l" defTabSz="488950">
-            <a:lnSpc>
-              <a:spcPct val="90000"/>
-            </a:lnSpc>
-            <a:spcBef>
-              <a:spcPct val="0"/>
-            </a:spcBef>
-            <a:spcAft>
-              <a:spcPct val="15000"/>
-            </a:spcAft>
-            <a:buChar char="••"/>
-          </a:pPr>
-          <a:r>
-            <a:rPr lang="fr-FR" sz="1100" kern="1200" dirty="0" smtClean="0"/>
-            <a:t>Client </a:t>
-          </a:r>
-          <a:r>
-            <a:rPr lang="fr-FR" sz="1100" kern="1200" dirty="0" err="1" smtClean="0"/>
-            <a:t>infrequently</a:t>
-          </a:r>
-          <a:r>
-            <a:rPr lang="fr-FR" sz="1100" kern="1200" dirty="0" smtClean="0"/>
-            <a:t> </a:t>
-          </a:r>
-          <a:r>
-            <a:rPr lang="fr-FR" sz="1100" kern="1200" dirty="0" err="1" smtClean="0"/>
-            <a:t>available</a:t>
-          </a:r>
-          <a:endParaRPr lang="fr-FR" sz="1100" kern="1200" dirty="0"/>
-        </a:p>
-      </dsp:txBody>
-      <dsp:txXfrm>
-        <a:off x="4803713" y="30740"/>
-        <a:ext cx="1450716" cy="988049"/>
-      </dsp:txXfrm>
-    </dsp:sp>
-    <dsp:sp modelId="{BC6F0824-1351-49BA-BADB-F02B71A91728}">
-      <dsp:nvSpPr>
-        <dsp:cNvPr id="0" name=""/>
-        <dsp:cNvSpPr/>
-      </dsp:nvSpPr>
-      <dsp:spPr>
-        <a:xfrm>
-          <a:off x="562523" y="0"/>
-          <a:ext cx="2160280" cy="1399372"/>
-        </a:xfrm>
-        <a:prstGeom prst="roundRect">
-          <a:avLst>
-            <a:gd name="adj" fmla="val 10000"/>
-          </a:avLst>
-        </a:prstGeom>
-        <a:solidFill>
-          <a:schemeClr val="lt1">
-            <a:alpha val="90000"/>
-            <a:hueOff val="0"/>
-            <a:satOff val="0"/>
-            <a:lumOff val="0"/>
-            <a:alphaOff val="0"/>
-          </a:schemeClr>
-        </a:solidFill>
-        <a:ln w="6350" cap="flat" cmpd="sng" algn="ctr">
-          <a:solidFill>
-            <a:schemeClr val="accent2">
-              <a:hueOff val="0"/>
-              <a:satOff val="0"/>
-              <a:lumOff val="0"/>
-              <a:alphaOff val="0"/>
-            </a:schemeClr>
-          </a:solidFill>
-          <a:prstDash val="solid"/>
-          <a:miter lim="800000"/>
-        </a:ln>
-        <a:effectLst/>
-        <a:scene3d>
-          <a:camera prst="orthographicFront"/>
-          <a:lightRig rig="flat" dir="t"/>
-        </a:scene3d>
-        <a:sp3d z="-190500" extrusionH="12700" prstMaterial="plastic">
-          <a:bevelT w="50800" h="50800"/>
-        </a:sp3d>
-      </dsp:spPr>
-      <dsp:style>
-        <a:lnRef idx="1">
-          <a:scrgbClr r="0" g="0" b="0"/>
-        </a:lnRef>
-        <a:fillRef idx="1">
-          <a:scrgbClr r="0" g="0" b="0"/>
-        </a:fillRef>
-        <a:effectRef idx="2">
-          <a:scrgbClr r="0" g="0" b="0"/>
-        </a:effectRef>
-        <a:fontRef idx="minor"/>
-      </dsp:style>
-      <dsp:txBody>
-        <a:bodyPr spcFirstLastPara="0" vert="horz" wrap="square" lIns="53340" tIns="53340" rIns="53340" bIns="53340" numCol="1" spcCol="1270" anchor="t" anchorCtr="0">
-          <a:noAutofit/>
-        </a:bodyPr>
-        <a:lstStyle/>
-        <a:p>
-          <a:pPr marL="57150" lvl="1" indent="-57150" algn="l" defTabSz="488950">
-            <a:lnSpc>
-              <a:spcPct val="90000"/>
-            </a:lnSpc>
-            <a:spcBef>
-              <a:spcPct val="0"/>
-            </a:spcBef>
-            <a:spcAft>
-              <a:spcPct val="15000"/>
-            </a:spcAft>
-            <a:buChar char="••"/>
-          </a:pPr>
-          <a:r>
-            <a:rPr lang="fr-FR" sz="1100" kern="1200" dirty="0"/>
-            <a:t>Diverse </a:t>
-          </a:r>
-          <a:r>
-            <a:rPr lang="fr-FR" sz="1100" kern="1200" dirty="0" err="1"/>
-            <a:t>skill</a:t>
-          </a:r>
-          <a:r>
-            <a:rPr lang="fr-FR" sz="1100" kern="1200" dirty="0"/>
-            <a:t> set</a:t>
-          </a:r>
-        </a:p>
-        <a:p>
-          <a:pPr marL="57150" lvl="1" indent="-57150" algn="l" defTabSz="488950">
-            <a:lnSpc>
-              <a:spcPct val="90000"/>
-            </a:lnSpc>
-            <a:spcBef>
-              <a:spcPct val="0"/>
-            </a:spcBef>
-            <a:spcAft>
-              <a:spcPct val="15000"/>
-            </a:spcAft>
-            <a:buChar char="••"/>
-          </a:pPr>
-          <a:r>
-            <a:rPr lang="fr-FR" sz="1100" kern="1200" dirty="0"/>
-            <a:t>Access to expert </a:t>
-          </a:r>
-          <a:r>
-            <a:rPr lang="fr-FR" sz="1100" kern="1200" dirty="0" err="1"/>
-            <a:t>advise</a:t>
-          </a:r>
-          <a:endParaRPr lang="fr-FR" sz="1100" kern="1200" dirty="0"/>
-        </a:p>
-        <a:p>
-          <a:pPr marL="57150" lvl="1" indent="-57150" algn="l" defTabSz="488950">
-            <a:lnSpc>
-              <a:spcPct val="90000"/>
-            </a:lnSpc>
-            <a:spcBef>
-              <a:spcPct val="0"/>
-            </a:spcBef>
-            <a:spcAft>
-              <a:spcPct val="15000"/>
-            </a:spcAft>
-            <a:buChar char="••"/>
-          </a:pPr>
-          <a:r>
-            <a:rPr lang="fr-FR" sz="1100" kern="1200" dirty="0"/>
-            <a:t>Open source </a:t>
-          </a:r>
-          <a:r>
-            <a:rPr lang="fr-FR" sz="1100" kern="1200" dirty="0" smtClean="0"/>
-            <a:t>packages (no budget </a:t>
-          </a:r>
-          <a:r>
-            <a:rPr lang="fr-FR" sz="1100" kern="1200" dirty="0" err="1" smtClean="0"/>
-            <a:t>needed</a:t>
-          </a:r>
-          <a:r>
-            <a:rPr lang="fr-FR" sz="1100" kern="1200" dirty="0" smtClean="0"/>
-            <a:t>)</a:t>
-          </a:r>
-          <a:endParaRPr lang="fr-FR" sz="1100" kern="1200" dirty="0"/>
-        </a:p>
-      </dsp:txBody>
-      <dsp:txXfrm>
-        <a:off x="593263" y="30740"/>
-        <a:ext cx="1450716" cy="988049"/>
-      </dsp:txXfrm>
-    </dsp:sp>
-    <dsp:sp modelId="{E72BDFA6-376E-4614-9D7C-A68241E884D9}">
-      <dsp:nvSpPr>
-        <dsp:cNvPr id="0" name=""/>
-        <dsp:cNvSpPr/>
-      </dsp:nvSpPr>
-      <dsp:spPr>
-        <a:xfrm>
-          <a:off x="1467742" y="249263"/>
-          <a:ext cx="1893525" cy="1893525"/>
-        </a:xfrm>
-        <a:prstGeom prst="pieWedge">
-          <a:avLst/>
-        </a:prstGeom>
-        <a:gradFill rotWithShape="0">
-          <a:gsLst>
-            <a:gs pos="0">
-              <a:schemeClr val="accent2">
-                <a:hueOff val="0"/>
-                <a:satOff val="0"/>
-                <a:lumOff val="0"/>
-                <a:alphaOff val="0"/>
-                <a:satMod val="103000"/>
-                <a:lumMod val="102000"/>
-                <a:tint val="94000"/>
-              </a:schemeClr>
-            </a:gs>
-            <a:gs pos="50000">
-              <a:schemeClr val="accent2">
-                <a:hueOff val="0"/>
-                <a:satOff val="0"/>
-                <a:lumOff val="0"/>
-                <a:alphaOff val="0"/>
-                <a:satMod val="110000"/>
-                <a:lumMod val="100000"/>
-                <a:shade val="100000"/>
-              </a:schemeClr>
-            </a:gs>
-            <a:gs pos="100000">
-              <a:schemeClr val="accent2">
-                <a:hueOff val="0"/>
-                <a:satOff val="0"/>
-                <a:lumOff val="0"/>
-                <a:alphaOff val="0"/>
-                <a:lumMod val="99000"/>
-                <a:satMod val="120000"/>
-                <a:shade val="78000"/>
-              </a:schemeClr>
-            </a:gs>
-          </a:gsLst>
-          <a:lin ang="5400000" scaled="0"/>
-        </a:gradFill>
-        <a:ln>
-          <a:noFill/>
-        </a:ln>
-        <a:effectLst/>
-        <a:scene3d>
-          <a:camera prst="orthographicFront"/>
-          <a:lightRig rig="flat" dir="t"/>
-        </a:scene3d>
-        <a:sp3d prstMaterial="plastic">
-          <a:bevelT w="120900" h="88900"/>
-          <a:bevelB w="88900" h="31750" prst="angle"/>
-        </a:sp3d>
-      </dsp:spPr>
-      <dsp:style>
-        <a:lnRef idx="0">
-          <a:scrgbClr r="0" g="0" b="0"/>
-        </a:lnRef>
-        <a:fillRef idx="3">
-          <a:scrgbClr r="0" g="0" b="0"/>
-        </a:fillRef>
-        <a:effectRef idx="2">
-          <a:scrgbClr r="0" g="0" b="0"/>
-        </a:effectRef>
-        <a:fontRef idx="minor">
-          <a:schemeClr val="lt1"/>
-        </a:fontRef>
-      </dsp:style>
-      <dsp:txBody>
-        <a:bodyPr spcFirstLastPara="0" vert="horz" wrap="square" lIns="334264" tIns="334264" rIns="334264" bIns="334264" numCol="1" spcCol="1270" anchor="ctr" anchorCtr="0">
-          <a:noAutofit/>
-        </a:bodyPr>
-        <a:lstStyle/>
-        <a:p>
-          <a:pPr lvl="0" algn="ctr" defTabSz="2089150">
-            <a:lnSpc>
-              <a:spcPct val="90000"/>
-            </a:lnSpc>
-            <a:spcBef>
-              <a:spcPct val="0"/>
-            </a:spcBef>
-            <a:spcAft>
-              <a:spcPct val="35000"/>
-            </a:spcAft>
-          </a:pPr>
-          <a:r>
-            <a:rPr lang="fr-FR" sz="4700" kern="1200" dirty="0"/>
-            <a:t>S</a:t>
-          </a:r>
-        </a:p>
-      </dsp:txBody>
-      <dsp:txXfrm>
-        <a:off x="2022343" y="803864"/>
-        <a:ext cx="1338924" cy="1338924"/>
-      </dsp:txXfrm>
-    </dsp:sp>
-    <dsp:sp modelId="{A67A60E5-5291-49E4-B3E5-53A58B528285}">
-      <dsp:nvSpPr>
-        <dsp:cNvPr id="0" name=""/>
-        <dsp:cNvSpPr/>
-      </dsp:nvSpPr>
-      <dsp:spPr>
-        <a:xfrm rot="5400000">
-          <a:off x="3448728" y="249263"/>
-          <a:ext cx="1893525" cy="1893525"/>
-        </a:xfrm>
-        <a:prstGeom prst="pieWedge">
-          <a:avLst/>
-        </a:prstGeom>
-        <a:gradFill rotWithShape="0">
-          <a:gsLst>
-            <a:gs pos="0">
-              <a:schemeClr val="accent3">
-                <a:hueOff val="0"/>
-                <a:satOff val="0"/>
-                <a:lumOff val="0"/>
-                <a:alphaOff val="0"/>
-                <a:satMod val="103000"/>
-                <a:lumMod val="102000"/>
-                <a:tint val="94000"/>
-              </a:schemeClr>
-            </a:gs>
-            <a:gs pos="50000">
-              <a:schemeClr val="accent3">
-                <a:hueOff val="0"/>
-                <a:satOff val="0"/>
-                <a:lumOff val="0"/>
-                <a:alphaOff val="0"/>
-                <a:satMod val="110000"/>
-                <a:lumMod val="100000"/>
-                <a:shade val="100000"/>
-              </a:schemeClr>
-            </a:gs>
-            <a:gs pos="100000">
-              <a:schemeClr val="accent3">
-                <a:hueOff val="0"/>
-                <a:satOff val="0"/>
-                <a:lumOff val="0"/>
-                <a:alphaOff val="0"/>
-                <a:lumMod val="99000"/>
-                <a:satMod val="120000"/>
-                <a:shade val="78000"/>
-              </a:schemeClr>
-            </a:gs>
-          </a:gsLst>
-          <a:lin ang="5400000" scaled="0"/>
-        </a:gradFill>
-        <a:ln>
-          <a:noFill/>
-        </a:ln>
-        <a:effectLst/>
-        <a:scene3d>
-          <a:camera prst="orthographicFront"/>
-          <a:lightRig rig="flat" dir="t"/>
-        </a:scene3d>
-        <a:sp3d prstMaterial="plastic">
-          <a:bevelT w="120900" h="88900"/>
-          <a:bevelB w="88900" h="31750" prst="angle"/>
-        </a:sp3d>
-      </dsp:spPr>
-      <dsp:style>
-        <a:lnRef idx="0">
-          <a:scrgbClr r="0" g="0" b="0"/>
-        </a:lnRef>
-        <a:fillRef idx="3">
-          <a:scrgbClr r="0" g="0" b="0"/>
-        </a:fillRef>
-        <a:effectRef idx="2">
-          <a:scrgbClr r="0" g="0" b="0"/>
-        </a:effectRef>
-        <a:fontRef idx="minor">
-          <a:schemeClr val="lt1"/>
-        </a:fontRef>
-      </dsp:style>
-      <dsp:txBody>
-        <a:bodyPr spcFirstLastPara="0" vert="horz" wrap="square" lIns="334264" tIns="334264" rIns="334264" bIns="334264" numCol="1" spcCol="1270" anchor="ctr" anchorCtr="0">
-          <a:noAutofit/>
-        </a:bodyPr>
-        <a:lstStyle/>
-        <a:p>
-          <a:pPr lvl="0" algn="ctr" defTabSz="2089150">
-            <a:lnSpc>
-              <a:spcPct val="90000"/>
-            </a:lnSpc>
-            <a:spcBef>
-              <a:spcPct val="0"/>
-            </a:spcBef>
-            <a:spcAft>
-              <a:spcPct val="35000"/>
-            </a:spcAft>
-          </a:pPr>
-          <a:r>
-            <a:rPr lang="fr-FR" sz="4700" kern="1200" dirty="0"/>
-            <a:t>W</a:t>
-          </a:r>
-        </a:p>
-      </dsp:txBody>
-      <dsp:txXfrm rot="-5400000">
-        <a:off x="3448728" y="803864"/>
-        <a:ext cx="1338924" cy="1338924"/>
-      </dsp:txXfrm>
-    </dsp:sp>
-    <dsp:sp modelId="{CF4FC7F6-A89C-4633-A10E-BFE92B369DCD}">
-      <dsp:nvSpPr>
-        <dsp:cNvPr id="0" name=""/>
-        <dsp:cNvSpPr/>
-      </dsp:nvSpPr>
-      <dsp:spPr>
-        <a:xfrm rot="10800000">
-          <a:off x="3448728" y="2230249"/>
-          <a:ext cx="1893525" cy="1893525"/>
-        </a:xfrm>
-        <a:prstGeom prst="pieWedge">
-          <a:avLst/>
-        </a:prstGeom>
-        <a:gradFill rotWithShape="0">
-          <a:gsLst>
-            <a:gs pos="0">
-              <a:schemeClr val="accent4">
-                <a:hueOff val="0"/>
-                <a:satOff val="0"/>
-                <a:lumOff val="0"/>
-                <a:alphaOff val="0"/>
-                <a:satMod val="103000"/>
-                <a:lumMod val="102000"/>
-                <a:tint val="94000"/>
-              </a:schemeClr>
-            </a:gs>
-            <a:gs pos="50000">
-              <a:schemeClr val="accent4">
-                <a:hueOff val="0"/>
-                <a:satOff val="0"/>
-                <a:lumOff val="0"/>
-                <a:alphaOff val="0"/>
-                <a:satMod val="110000"/>
-                <a:lumMod val="100000"/>
-                <a:shade val="100000"/>
-              </a:schemeClr>
-            </a:gs>
-            <a:gs pos="100000">
-              <a:schemeClr val="accent4">
-                <a:hueOff val="0"/>
-                <a:satOff val="0"/>
-                <a:lumOff val="0"/>
-                <a:alphaOff val="0"/>
-                <a:lumMod val="99000"/>
-                <a:satMod val="120000"/>
-                <a:shade val="78000"/>
-              </a:schemeClr>
-            </a:gs>
-          </a:gsLst>
-          <a:lin ang="5400000" scaled="0"/>
-        </a:gradFill>
-        <a:ln>
-          <a:noFill/>
-        </a:ln>
-        <a:effectLst/>
-        <a:scene3d>
-          <a:camera prst="orthographicFront"/>
-          <a:lightRig rig="flat" dir="t"/>
-        </a:scene3d>
-        <a:sp3d prstMaterial="plastic">
-          <a:bevelT w="120900" h="88900"/>
-          <a:bevelB w="88900" h="31750" prst="angle"/>
-        </a:sp3d>
-      </dsp:spPr>
-      <dsp:style>
-        <a:lnRef idx="0">
-          <a:scrgbClr r="0" g="0" b="0"/>
-        </a:lnRef>
-        <a:fillRef idx="3">
-          <a:scrgbClr r="0" g="0" b="0"/>
-        </a:fillRef>
-        <a:effectRef idx="2">
-          <a:scrgbClr r="0" g="0" b="0"/>
-        </a:effectRef>
-        <a:fontRef idx="minor">
-          <a:schemeClr val="lt1"/>
-        </a:fontRef>
-      </dsp:style>
-      <dsp:txBody>
-        <a:bodyPr spcFirstLastPara="0" vert="horz" wrap="square" lIns="334264" tIns="334264" rIns="334264" bIns="334264" numCol="1" spcCol="1270" anchor="ctr" anchorCtr="0">
-          <a:noAutofit/>
-        </a:bodyPr>
-        <a:lstStyle/>
-        <a:p>
-          <a:pPr lvl="0" algn="ctr" defTabSz="2089150">
-            <a:lnSpc>
-              <a:spcPct val="90000"/>
-            </a:lnSpc>
-            <a:spcBef>
-              <a:spcPct val="0"/>
-            </a:spcBef>
-            <a:spcAft>
-              <a:spcPct val="35000"/>
-            </a:spcAft>
-          </a:pPr>
-          <a:r>
-            <a:rPr lang="fr-FR" sz="4700" kern="1200" dirty="0"/>
-            <a:t>T</a:t>
-          </a:r>
-        </a:p>
-      </dsp:txBody>
-      <dsp:txXfrm rot="10800000">
-        <a:off x="3448728" y="2230249"/>
-        <a:ext cx="1338924" cy="1338924"/>
-      </dsp:txXfrm>
-    </dsp:sp>
-    <dsp:sp modelId="{C0852406-3DC0-4222-A1F8-184593FC4596}">
-      <dsp:nvSpPr>
-        <dsp:cNvPr id="0" name=""/>
-        <dsp:cNvSpPr/>
-      </dsp:nvSpPr>
-      <dsp:spPr>
-        <a:xfrm rot="16200000">
-          <a:off x="1467742" y="2230249"/>
-          <a:ext cx="1893525" cy="1893525"/>
-        </a:xfrm>
-        <a:prstGeom prst="pieWedge">
-          <a:avLst/>
-        </a:prstGeom>
-        <a:gradFill rotWithShape="0">
-          <a:gsLst>
-            <a:gs pos="0">
-              <a:schemeClr val="accent5">
-                <a:hueOff val="0"/>
-                <a:satOff val="0"/>
-                <a:lumOff val="0"/>
-                <a:alphaOff val="0"/>
-                <a:satMod val="103000"/>
-                <a:lumMod val="102000"/>
-                <a:tint val="94000"/>
-              </a:schemeClr>
-            </a:gs>
-            <a:gs pos="50000">
-              <a:schemeClr val="accent5">
-                <a:hueOff val="0"/>
-                <a:satOff val="0"/>
-                <a:lumOff val="0"/>
-                <a:alphaOff val="0"/>
-                <a:satMod val="110000"/>
-                <a:lumMod val="100000"/>
-                <a:shade val="100000"/>
-              </a:schemeClr>
-            </a:gs>
-            <a:gs pos="100000">
-              <a:schemeClr val="accent5">
-                <a:hueOff val="0"/>
-                <a:satOff val="0"/>
-                <a:lumOff val="0"/>
-                <a:alphaOff val="0"/>
-                <a:lumMod val="99000"/>
-                <a:satMod val="120000"/>
-                <a:shade val="78000"/>
-              </a:schemeClr>
-            </a:gs>
-          </a:gsLst>
-          <a:lin ang="5400000" scaled="0"/>
-        </a:gradFill>
-        <a:ln>
-          <a:noFill/>
-        </a:ln>
-        <a:effectLst/>
-        <a:scene3d>
-          <a:camera prst="orthographicFront"/>
-          <a:lightRig rig="flat" dir="t"/>
-        </a:scene3d>
-        <a:sp3d prstMaterial="plastic">
-          <a:bevelT w="120900" h="88900"/>
-          <a:bevelB w="88900" h="31750" prst="angle"/>
-        </a:sp3d>
-      </dsp:spPr>
-      <dsp:style>
-        <a:lnRef idx="0">
-          <a:scrgbClr r="0" g="0" b="0"/>
-        </a:lnRef>
-        <a:fillRef idx="3">
-          <a:scrgbClr r="0" g="0" b="0"/>
-        </a:fillRef>
-        <a:effectRef idx="2">
-          <a:scrgbClr r="0" g="0" b="0"/>
-        </a:effectRef>
-        <a:fontRef idx="minor">
-          <a:schemeClr val="lt1"/>
-        </a:fontRef>
-      </dsp:style>
-      <dsp:txBody>
-        <a:bodyPr spcFirstLastPara="0" vert="horz" wrap="square" lIns="334264" tIns="334264" rIns="334264" bIns="334264" numCol="1" spcCol="1270" anchor="ctr" anchorCtr="0">
-          <a:noAutofit/>
-        </a:bodyPr>
-        <a:lstStyle/>
-        <a:p>
-          <a:pPr lvl="0" algn="ctr" defTabSz="2089150">
-            <a:lnSpc>
-              <a:spcPct val="90000"/>
-            </a:lnSpc>
-            <a:spcBef>
-              <a:spcPct val="0"/>
-            </a:spcBef>
-            <a:spcAft>
-              <a:spcPct val="35000"/>
-            </a:spcAft>
-          </a:pPr>
-          <a:r>
-            <a:rPr lang="fr-FR" sz="4700" kern="1200" dirty="0"/>
-            <a:t>O</a:t>
-          </a:r>
-        </a:p>
-      </dsp:txBody>
-      <dsp:txXfrm rot="5400000">
-        <a:off x="2022343" y="2230249"/>
-        <a:ext cx="1338924" cy="1338924"/>
-      </dsp:txXfrm>
-    </dsp:sp>
-    <dsp:sp modelId="{3B6382B4-DDDF-482E-9E6A-38E6F7DB930C}">
-      <dsp:nvSpPr>
-        <dsp:cNvPr id="0" name=""/>
-        <dsp:cNvSpPr/>
-      </dsp:nvSpPr>
-      <dsp:spPr>
-        <a:xfrm>
-          <a:off x="5778076" y="1808005"/>
-          <a:ext cx="653769" cy="568494"/>
-        </a:xfrm>
-        <a:prstGeom prst="circularArrow">
-          <a:avLst/>
-        </a:prstGeom>
-        <a:solidFill>
-          <a:schemeClr val="accent2">
-            <a:tint val="40000"/>
-            <a:hueOff val="0"/>
-            <a:satOff val="0"/>
-            <a:lumOff val="0"/>
-            <a:alpha val="0"/>
-          </a:schemeClr>
-        </a:solidFill>
-        <a:ln>
-          <a:noFill/>
-        </a:ln>
-        <a:effectLst>
-          <a:outerShdw blurRad="57150" dist="19050" dir="5400000" algn="ctr" rotWithShape="0">
-            <a:srgbClr val="000000">
-              <a:alpha val="63000"/>
-            </a:srgbClr>
-          </a:outerShdw>
-        </a:effectLst>
-        <a:scene3d>
-          <a:camera prst="orthographicFront"/>
-          <a:lightRig rig="flat" dir="t"/>
-        </a:scene3d>
-        <a:sp3d z="190500" prstMaterial="plastic">
-          <a:bevelT w="120900" h="88900"/>
-          <a:bevelB w="88900" h="31750" prst="angle"/>
-        </a:sp3d>
-      </dsp:spPr>
-      <dsp:style>
-        <a:lnRef idx="0">
-          <a:scrgbClr r="0" g="0" b="0"/>
-        </a:lnRef>
-        <a:fillRef idx="1">
-          <a:scrgbClr r="0" g="0" b="0"/>
-        </a:fillRef>
-        <a:effectRef idx="3">
-          <a:scrgbClr r="0" g="0" b="0"/>
-        </a:effectRef>
-        <a:fontRef idx="minor">
-          <a:schemeClr val="lt1"/>
-        </a:fontRef>
-      </dsp:style>
-    </dsp:sp>
-    <dsp:sp modelId="{72B333DC-EBE8-4650-A713-61338E0F2C2D}">
-      <dsp:nvSpPr>
-        <dsp:cNvPr id="0" name=""/>
-        <dsp:cNvSpPr/>
-      </dsp:nvSpPr>
-      <dsp:spPr>
-        <a:xfrm rot="10800000">
-          <a:off x="5778076" y="1891116"/>
-          <a:ext cx="653769" cy="568494"/>
-        </a:xfrm>
-        <a:prstGeom prst="circularArrow">
-          <a:avLst/>
-        </a:prstGeom>
-        <a:solidFill>
-          <a:schemeClr val="accent2">
-            <a:tint val="40000"/>
-            <a:hueOff val="0"/>
-            <a:satOff val="0"/>
-            <a:lumOff val="0"/>
-            <a:alpha val="0"/>
-          </a:schemeClr>
-        </a:solidFill>
-        <a:ln>
-          <a:noFill/>
-        </a:ln>
-        <a:effectLst>
-          <a:outerShdw blurRad="57150" dist="19050" dir="5400000" algn="ctr" rotWithShape="0">
-            <a:srgbClr val="000000">
-              <a:alpha val="63000"/>
-            </a:srgbClr>
-          </a:outerShdw>
-        </a:effectLst>
-        <a:scene3d>
-          <a:camera prst="orthographicFront"/>
-          <a:lightRig rig="flat" dir="t"/>
-        </a:scene3d>
-        <a:sp3d z="190500" prstMaterial="plastic">
-          <a:bevelT w="120900" h="88900"/>
-          <a:bevelB w="88900" h="31750" prst="angle"/>
-        </a:sp3d>
-      </dsp:spPr>
-      <dsp:style>
-        <a:lnRef idx="0">
-          <a:scrgbClr r="0" g="0" b="0"/>
-        </a:lnRef>
-        <a:fillRef idx="1">
-          <a:scrgbClr r="0" g="0" b="0"/>
-        </a:fillRef>
-        <a:effectRef idx="3">
-          <a:scrgbClr r="0" g="0" b="0"/>
-        </a:effectRef>
-        <a:fontRef idx="minor">
-          <a:schemeClr val="lt1"/>
-        </a:fontRef>
-      </dsp:style>
-    </dsp:sp>
   </dsp:spTree>
 </dsp:drawing>
 </file>
@@ -7047,568 +5931,6 @@
       <dsp:cNvGrpSpPr/>
     </dsp:nvGrpSpPr>
     <dsp:grpSpPr/>
-    <dsp:sp modelId="{334F0DA9-4D69-40E7-AE37-8BB2E71C3ACD}">
-      <dsp:nvSpPr>
-        <dsp:cNvPr id="0" name=""/>
-        <dsp:cNvSpPr/>
-      </dsp:nvSpPr>
-      <dsp:spPr>
-        <a:xfrm>
-          <a:off x="2161156" y="1846422"/>
-          <a:ext cx="1405505" cy="1405505"/>
-        </a:xfrm>
-        <a:prstGeom prst="ellipse">
-          <a:avLst/>
-        </a:prstGeom>
-        <a:solidFill>
-          <a:srgbClr val="FFC000"/>
-        </a:solidFill>
-        <a:ln>
-          <a:noFill/>
-        </a:ln>
-        <a:effectLst/>
-        <a:scene3d>
-          <a:camera prst="orthographicFront"/>
-          <a:lightRig rig="flat" dir="t"/>
-        </a:scene3d>
-        <a:sp3d prstMaterial="plastic">
-          <a:bevelT w="120900" h="88900"/>
-          <a:bevelB w="88900" h="31750" prst="angle"/>
-        </a:sp3d>
-      </dsp:spPr>
-      <dsp:style>
-        <a:lnRef idx="0">
-          <a:scrgbClr r="0" g="0" b="0"/>
-        </a:lnRef>
-        <a:fillRef idx="3">
-          <a:scrgbClr r="0" g="0" b="0"/>
-        </a:fillRef>
-        <a:effectRef idx="2">
-          <a:scrgbClr r="0" g="0" b="0"/>
-        </a:effectRef>
-        <a:fontRef idx="minor">
-          <a:schemeClr val="lt1"/>
-        </a:fontRef>
-      </dsp:style>
-      <dsp:txBody>
-        <a:bodyPr spcFirstLastPara="0" vert="horz" wrap="square" lIns="41275" tIns="41275" rIns="41275" bIns="41275" numCol="1" spcCol="1270" anchor="ctr" anchorCtr="0">
-          <a:noAutofit/>
-        </a:bodyPr>
-        <a:lstStyle/>
-        <a:p>
-          <a:pPr lvl="0" algn="ctr" defTabSz="2889250">
-            <a:lnSpc>
-              <a:spcPct val="90000"/>
-            </a:lnSpc>
-            <a:spcBef>
-              <a:spcPct val="0"/>
-            </a:spcBef>
-            <a:spcAft>
-              <a:spcPct val="35000"/>
-            </a:spcAft>
-          </a:pPr>
-          <a:r>
-            <a:rPr lang="fr-FR" sz="6500" kern="1200" dirty="0"/>
-            <a:t>T</a:t>
-          </a:r>
-        </a:p>
-      </dsp:txBody>
-      <dsp:txXfrm>
-        <a:off x="2366987" y="2052253"/>
-        <a:ext cx="993843" cy="993843"/>
-      </dsp:txXfrm>
-    </dsp:sp>
-    <dsp:sp modelId="{FB6E935B-AB56-4686-BAF4-89171D311D48}">
-      <dsp:nvSpPr>
-        <dsp:cNvPr id="0" name=""/>
-        <dsp:cNvSpPr/>
-      </dsp:nvSpPr>
-      <dsp:spPr>
-        <a:xfrm rot="16200000">
-          <a:off x="2651363" y="1611792"/>
-          <a:ext cx="425090" cy="44168"/>
-        </a:xfrm>
-        <a:custGeom>
-          <a:avLst/>
-          <a:gdLst/>
-          <a:ahLst/>
-          <a:cxnLst/>
-          <a:rect l="0" t="0" r="0" b="0"/>
-          <a:pathLst>
-            <a:path>
-              <a:moveTo>
-                <a:pt x="0" y="22084"/>
-              </a:moveTo>
-              <a:lnTo>
-                <a:pt x="425090" y="22084"/>
-              </a:lnTo>
-            </a:path>
-          </a:pathLst>
-        </a:custGeom>
-        <a:noFill/>
-        <a:ln w="12700" cap="flat" cmpd="sng" algn="ctr">
-          <a:solidFill>
-            <a:schemeClr val="accent2">
-              <a:hueOff val="0"/>
-              <a:satOff val="0"/>
-              <a:lumOff val="0"/>
-              <a:alphaOff val="0"/>
-            </a:schemeClr>
-          </a:solidFill>
-          <a:prstDash val="solid"/>
-          <a:miter lim="800000"/>
-        </a:ln>
-        <a:effectLst/>
-        <a:scene3d>
-          <a:camera prst="orthographicFront"/>
-          <a:lightRig rig="flat" dir="t"/>
-        </a:scene3d>
-        <a:sp3d prstMaterial="matte"/>
-      </dsp:spPr>
-      <dsp:style>
-        <a:lnRef idx="2">
-          <a:scrgbClr r="0" g="0" b="0"/>
-        </a:lnRef>
-        <a:fillRef idx="0">
-          <a:scrgbClr r="0" g="0" b="0"/>
-        </a:fillRef>
-        <a:effectRef idx="0">
-          <a:scrgbClr r="0" g="0" b="0"/>
-        </a:effectRef>
-        <a:fontRef idx="minor"/>
-      </dsp:style>
-      <dsp:txBody>
-        <a:bodyPr spcFirstLastPara="0" vert="horz" wrap="square" lIns="12700" tIns="0" rIns="12700" bIns="0" numCol="1" spcCol="1270" anchor="ctr" anchorCtr="0">
-          <a:noAutofit/>
-        </a:bodyPr>
-        <a:lstStyle/>
-        <a:p>
-          <a:pPr lvl="0" algn="ctr" defTabSz="222250">
-            <a:lnSpc>
-              <a:spcPct val="90000"/>
-            </a:lnSpc>
-            <a:spcBef>
-              <a:spcPct val="0"/>
-            </a:spcBef>
-            <a:spcAft>
-              <a:spcPct val="35000"/>
-            </a:spcAft>
-          </a:pPr>
-          <a:endParaRPr lang="fr-FR" sz="500" kern="1200"/>
-        </a:p>
-      </dsp:txBody>
-      <dsp:txXfrm>
-        <a:off x="2853281" y="1623249"/>
-        <a:ext cx="21254" cy="21254"/>
-      </dsp:txXfrm>
-    </dsp:sp>
-    <dsp:sp modelId="{51D4E2D9-6364-4FE7-BE7F-89898165258A}">
-      <dsp:nvSpPr>
-        <dsp:cNvPr id="0" name=""/>
-        <dsp:cNvSpPr/>
-      </dsp:nvSpPr>
-      <dsp:spPr>
-        <a:xfrm>
-          <a:off x="2161156" y="15826"/>
-          <a:ext cx="1405505" cy="1405505"/>
-        </a:xfrm>
-        <a:prstGeom prst="ellipse">
-          <a:avLst/>
-        </a:prstGeom>
-        <a:solidFill>
-          <a:srgbClr val="00B050"/>
-        </a:solidFill>
-        <a:ln>
-          <a:noFill/>
-        </a:ln>
-        <a:effectLst/>
-        <a:scene3d>
-          <a:camera prst="orthographicFront"/>
-          <a:lightRig rig="flat" dir="t"/>
-        </a:scene3d>
-        <a:sp3d prstMaterial="plastic">
-          <a:bevelT w="120900" h="88900"/>
-          <a:bevelB w="88900" h="31750" prst="angle"/>
-        </a:sp3d>
-      </dsp:spPr>
-      <dsp:style>
-        <a:lnRef idx="0">
-          <a:scrgbClr r="0" g="0" b="0"/>
-        </a:lnRef>
-        <a:fillRef idx="3">
-          <a:scrgbClr r="0" g="0" b="0"/>
-        </a:fillRef>
-        <a:effectRef idx="2">
-          <a:scrgbClr r="0" g="0" b="0"/>
-        </a:effectRef>
-        <a:fontRef idx="minor">
-          <a:schemeClr val="lt1"/>
-        </a:fontRef>
-      </dsp:style>
-      <dsp:txBody>
-        <a:bodyPr spcFirstLastPara="0" vert="horz" wrap="square" lIns="10795" tIns="10795" rIns="10795" bIns="10795" numCol="1" spcCol="1270" anchor="ctr" anchorCtr="0">
-          <a:noAutofit/>
-        </a:bodyPr>
-        <a:lstStyle/>
-        <a:p>
-          <a:pPr lvl="0" algn="ctr" defTabSz="755650">
-            <a:lnSpc>
-              <a:spcPct val="90000"/>
-            </a:lnSpc>
-            <a:spcBef>
-              <a:spcPct val="0"/>
-            </a:spcBef>
-            <a:spcAft>
-              <a:spcPct val="35000"/>
-            </a:spcAft>
-          </a:pPr>
-          <a:r>
-            <a:rPr lang="fr-FR" sz="1700" kern="1200" dirty="0" err="1"/>
-            <a:t>Risk</a:t>
-          </a:r>
-          <a:r>
-            <a:rPr lang="fr-FR" sz="1700" kern="1200" dirty="0"/>
-            <a:t> of high </a:t>
-          </a:r>
-          <a:r>
-            <a:rPr lang="fr-FR" sz="1700" kern="1200" dirty="0" err="1"/>
-            <a:t>demand</a:t>
-          </a:r>
-          <a:r>
-            <a:rPr lang="fr-FR" sz="1700" kern="1200" dirty="0"/>
-            <a:t> (server)</a:t>
-          </a:r>
-        </a:p>
-      </dsp:txBody>
-      <dsp:txXfrm>
-        <a:off x="2366987" y="221657"/>
-        <a:ext cx="993843" cy="993843"/>
-      </dsp:txXfrm>
-    </dsp:sp>
-    <dsp:sp modelId="{3134C74D-D45F-4D44-8DA9-5DD9ACC7028A}">
-      <dsp:nvSpPr>
-        <dsp:cNvPr id="0" name=""/>
-        <dsp:cNvSpPr/>
-      </dsp:nvSpPr>
-      <dsp:spPr>
-        <a:xfrm rot="1800000">
-          <a:off x="3444034" y="2984739"/>
-          <a:ext cx="425090" cy="44168"/>
-        </a:xfrm>
-        <a:custGeom>
-          <a:avLst/>
-          <a:gdLst/>
-          <a:ahLst/>
-          <a:cxnLst/>
-          <a:rect l="0" t="0" r="0" b="0"/>
-          <a:pathLst>
-            <a:path>
-              <a:moveTo>
-                <a:pt x="0" y="22084"/>
-              </a:moveTo>
-              <a:lnTo>
-                <a:pt x="425090" y="22084"/>
-              </a:lnTo>
-            </a:path>
-          </a:pathLst>
-        </a:custGeom>
-        <a:noFill/>
-        <a:ln w="12700" cap="flat" cmpd="sng" algn="ctr">
-          <a:solidFill>
-            <a:schemeClr val="accent2">
-              <a:hueOff val="0"/>
-              <a:satOff val="0"/>
-              <a:lumOff val="0"/>
-              <a:alphaOff val="0"/>
-            </a:schemeClr>
-          </a:solidFill>
-          <a:prstDash val="solid"/>
-          <a:miter lim="800000"/>
-        </a:ln>
-        <a:effectLst/>
-        <a:scene3d>
-          <a:camera prst="orthographicFront"/>
-          <a:lightRig rig="flat" dir="t"/>
-        </a:scene3d>
-        <a:sp3d prstMaterial="matte"/>
-      </dsp:spPr>
-      <dsp:style>
-        <a:lnRef idx="2">
-          <a:scrgbClr r="0" g="0" b="0"/>
-        </a:lnRef>
-        <a:fillRef idx="0">
-          <a:scrgbClr r="0" g="0" b="0"/>
-        </a:fillRef>
-        <a:effectRef idx="0">
-          <a:scrgbClr r="0" g="0" b="0"/>
-        </a:effectRef>
-        <a:fontRef idx="minor"/>
-      </dsp:style>
-      <dsp:txBody>
-        <a:bodyPr spcFirstLastPara="0" vert="horz" wrap="square" lIns="12700" tIns="0" rIns="12700" bIns="0" numCol="1" spcCol="1270" anchor="ctr" anchorCtr="0">
-          <a:noAutofit/>
-        </a:bodyPr>
-        <a:lstStyle/>
-        <a:p>
-          <a:pPr lvl="0" algn="ctr" defTabSz="222250">
-            <a:lnSpc>
-              <a:spcPct val="90000"/>
-            </a:lnSpc>
-            <a:spcBef>
-              <a:spcPct val="0"/>
-            </a:spcBef>
-            <a:spcAft>
-              <a:spcPct val="35000"/>
-            </a:spcAft>
-          </a:pPr>
-          <a:endParaRPr lang="en-CA" sz="500" kern="1200"/>
-        </a:p>
-      </dsp:txBody>
-      <dsp:txXfrm>
-        <a:off x="3645952" y="2996196"/>
-        <a:ext cx="21254" cy="21254"/>
-      </dsp:txXfrm>
-    </dsp:sp>
-    <dsp:sp modelId="{FC75532D-1A75-4D81-A458-80C91B398F9D}">
-      <dsp:nvSpPr>
-        <dsp:cNvPr id="0" name=""/>
-        <dsp:cNvSpPr/>
-      </dsp:nvSpPr>
-      <dsp:spPr>
-        <a:xfrm>
-          <a:off x="3746498" y="2761719"/>
-          <a:ext cx="1405505" cy="1405505"/>
-        </a:xfrm>
-        <a:prstGeom prst="ellipse">
-          <a:avLst/>
-        </a:prstGeom>
-        <a:solidFill>
-          <a:srgbClr val="00B050"/>
-        </a:solidFill>
-        <a:ln>
-          <a:noFill/>
-        </a:ln>
-        <a:effectLst/>
-        <a:scene3d>
-          <a:camera prst="orthographicFront"/>
-          <a:lightRig rig="flat" dir="t"/>
-        </a:scene3d>
-        <a:sp3d prstMaterial="plastic">
-          <a:bevelT w="120900" h="88900"/>
-          <a:bevelB w="88900" h="31750" prst="angle"/>
-        </a:sp3d>
-      </dsp:spPr>
-      <dsp:style>
-        <a:lnRef idx="0">
-          <a:scrgbClr r="0" g="0" b="0"/>
-        </a:lnRef>
-        <a:fillRef idx="3">
-          <a:scrgbClr r="0" g="0" b="0"/>
-        </a:fillRef>
-        <a:effectRef idx="2">
-          <a:scrgbClr r="0" g="0" b="0"/>
-        </a:effectRef>
-        <a:fontRef idx="minor">
-          <a:schemeClr val="lt1"/>
-        </a:fontRef>
-      </dsp:style>
-      <dsp:txBody>
-        <a:bodyPr spcFirstLastPara="0" vert="horz" wrap="square" lIns="10795" tIns="10795" rIns="10795" bIns="10795" numCol="1" spcCol="1270" anchor="ctr" anchorCtr="0">
-          <a:noAutofit/>
-        </a:bodyPr>
-        <a:lstStyle/>
-        <a:p>
-          <a:pPr lvl="0" algn="ctr" defTabSz="755650">
-            <a:lnSpc>
-              <a:spcPct val="90000"/>
-            </a:lnSpc>
-            <a:spcBef>
-              <a:spcPct val="0"/>
-            </a:spcBef>
-            <a:spcAft>
-              <a:spcPct val="35000"/>
-            </a:spcAft>
-          </a:pPr>
-          <a:r>
-            <a:rPr lang="fr-FR" sz="1700" kern="1200" dirty="0" err="1" smtClean="0"/>
-            <a:t>Portability</a:t>
-          </a:r>
-          <a:r>
-            <a:rPr lang="fr-FR" sz="1700" kern="1200" dirty="0" smtClean="0"/>
-            <a:t> to Mac</a:t>
-          </a:r>
-          <a:endParaRPr lang="fr-FR" sz="1700" kern="1200" dirty="0"/>
-        </a:p>
-      </dsp:txBody>
-      <dsp:txXfrm>
-        <a:off x="3952329" y="2967550"/>
-        <a:ext cx="993843" cy="993843"/>
-      </dsp:txXfrm>
-    </dsp:sp>
-    <dsp:sp modelId="{156A4B50-5EBB-4BD2-8AF0-C722439DBC8D}">
-      <dsp:nvSpPr>
-        <dsp:cNvPr id="0" name=""/>
-        <dsp:cNvSpPr/>
-      </dsp:nvSpPr>
-      <dsp:spPr>
-        <a:xfrm rot="9000000">
-          <a:off x="1858692" y="2984739"/>
-          <a:ext cx="425090" cy="44168"/>
-        </a:xfrm>
-        <a:custGeom>
-          <a:avLst/>
-          <a:gdLst/>
-          <a:ahLst/>
-          <a:cxnLst/>
-          <a:rect l="0" t="0" r="0" b="0"/>
-          <a:pathLst>
-            <a:path>
-              <a:moveTo>
-                <a:pt x="0" y="22084"/>
-              </a:moveTo>
-              <a:lnTo>
-                <a:pt x="425090" y="22084"/>
-              </a:lnTo>
-            </a:path>
-          </a:pathLst>
-        </a:custGeom>
-        <a:noFill/>
-        <a:ln w="12700" cap="flat" cmpd="sng" algn="ctr">
-          <a:solidFill>
-            <a:schemeClr val="accent2">
-              <a:hueOff val="0"/>
-              <a:satOff val="0"/>
-              <a:lumOff val="0"/>
-              <a:alphaOff val="0"/>
-            </a:schemeClr>
-          </a:solidFill>
-          <a:prstDash val="solid"/>
-          <a:miter lim="800000"/>
-        </a:ln>
-        <a:effectLst/>
-        <a:scene3d>
-          <a:camera prst="orthographicFront"/>
-          <a:lightRig rig="flat" dir="t"/>
-        </a:scene3d>
-        <a:sp3d prstMaterial="matte"/>
-      </dsp:spPr>
-      <dsp:style>
-        <a:lnRef idx="2">
-          <a:scrgbClr r="0" g="0" b="0"/>
-        </a:lnRef>
-        <a:fillRef idx="0">
-          <a:scrgbClr r="0" g="0" b="0"/>
-        </a:fillRef>
-        <a:effectRef idx="0">
-          <a:scrgbClr r="0" g="0" b="0"/>
-        </a:effectRef>
-        <a:fontRef idx="minor"/>
-      </dsp:style>
-      <dsp:txBody>
-        <a:bodyPr spcFirstLastPara="0" vert="horz" wrap="square" lIns="12700" tIns="0" rIns="12700" bIns="0" numCol="1" spcCol="1270" anchor="ctr" anchorCtr="0">
-          <a:noAutofit/>
-        </a:bodyPr>
-        <a:lstStyle/>
-        <a:p>
-          <a:pPr lvl="0" algn="ctr" defTabSz="222250">
-            <a:lnSpc>
-              <a:spcPct val="90000"/>
-            </a:lnSpc>
-            <a:spcBef>
-              <a:spcPct val="0"/>
-            </a:spcBef>
-            <a:spcAft>
-              <a:spcPct val="35000"/>
-            </a:spcAft>
-          </a:pPr>
-          <a:endParaRPr lang="en-CA" sz="500" kern="1200"/>
-        </a:p>
-      </dsp:txBody>
-      <dsp:txXfrm rot="10800000">
-        <a:off x="2060610" y="2996196"/>
-        <a:ext cx="21254" cy="21254"/>
-      </dsp:txXfrm>
-    </dsp:sp>
-    <dsp:sp modelId="{B8775ABA-3037-409F-B1F5-5479D38AC897}">
-      <dsp:nvSpPr>
-        <dsp:cNvPr id="0" name=""/>
-        <dsp:cNvSpPr/>
-      </dsp:nvSpPr>
-      <dsp:spPr>
-        <a:xfrm>
-          <a:off x="575814" y="2761719"/>
-          <a:ext cx="1405505" cy="1405505"/>
-        </a:xfrm>
-        <a:prstGeom prst="ellipse">
-          <a:avLst/>
-        </a:prstGeom>
-        <a:solidFill>
-          <a:srgbClr val="00B050"/>
-        </a:solidFill>
-        <a:ln>
-          <a:noFill/>
-        </a:ln>
-        <a:effectLst/>
-        <a:scene3d>
-          <a:camera prst="orthographicFront"/>
-          <a:lightRig rig="flat" dir="t"/>
-        </a:scene3d>
-        <a:sp3d prstMaterial="plastic">
-          <a:bevelT w="120900" h="88900"/>
-          <a:bevelB w="88900" h="31750" prst="angle"/>
-        </a:sp3d>
-      </dsp:spPr>
-      <dsp:style>
-        <a:lnRef idx="0">
-          <a:scrgbClr r="0" g="0" b="0"/>
-        </a:lnRef>
-        <a:fillRef idx="3">
-          <a:scrgbClr r="0" g="0" b="0"/>
-        </a:fillRef>
-        <a:effectRef idx="2">
-          <a:scrgbClr r="0" g="0" b="0"/>
-        </a:effectRef>
-        <a:fontRef idx="minor">
-          <a:schemeClr val="lt1"/>
-        </a:fontRef>
-      </dsp:style>
-      <dsp:txBody>
-        <a:bodyPr spcFirstLastPara="0" vert="horz" wrap="square" lIns="10795" tIns="10795" rIns="10795" bIns="10795" numCol="1" spcCol="1270" anchor="ctr" anchorCtr="0">
-          <a:noAutofit/>
-        </a:bodyPr>
-        <a:lstStyle/>
-        <a:p>
-          <a:pPr lvl="0" algn="ctr" defTabSz="755650">
-            <a:lnSpc>
-              <a:spcPct val="90000"/>
-            </a:lnSpc>
-            <a:spcBef>
-              <a:spcPct val="0"/>
-            </a:spcBef>
-            <a:spcAft>
-              <a:spcPct val="35000"/>
-            </a:spcAft>
-          </a:pPr>
-          <a:r>
-            <a:rPr lang="fr-FR" sz="1700" kern="1200" dirty="0" err="1" smtClean="0"/>
-            <a:t>Lack</a:t>
-          </a:r>
-          <a:r>
-            <a:rPr lang="fr-FR" sz="1700" kern="1200" dirty="0" smtClean="0"/>
-            <a:t> of control on </a:t>
-          </a:r>
-          <a:r>
-            <a:rPr lang="fr-FR" sz="1700" kern="1200" dirty="0" err="1" smtClean="0"/>
-            <a:t>database</a:t>
-          </a:r>
-          <a:endParaRPr lang="fr-FR" sz="1700" kern="1200" dirty="0"/>
-        </a:p>
-      </dsp:txBody>
-      <dsp:txXfrm>
-        <a:off x="781645" y="2967550"/>
-        <a:ext cx="993843" cy="993843"/>
-      </dsp:txXfrm>
-    </dsp:sp>
   </dsp:spTree>
 </dsp:drawing>
 </file>
@@ -7621,554 +5943,6 @@
       <dsp:cNvGrpSpPr/>
     </dsp:nvGrpSpPr>
     <dsp:grpSpPr/>
-    <dsp:sp modelId="{334F0DA9-4D69-40E7-AE37-8BB2E71C3ACD}">
-      <dsp:nvSpPr>
-        <dsp:cNvPr id="0" name=""/>
-        <dsp:cNvSpPr/>
-      </dsp:nvSpPr>
-      <dsp:spPr>
-        <a:xfrm>
-          <a:off x="2161156" y="1846422"/>
-          <a:ext cx="1405505" cy="1405505"/>
-        </a:xfrm>
-        <a:prstGeom prst="ellipse">
-          <a:avLst/>
-        </a:prstGeom>
-        <a:solidFill>
-          <a:srgbClr val="0070C0"/>
-        </a:solidFill>
-        <a:ln>
-          <a:noFill/>
-        </a:ln>
-        <a:effectLst/>
-        <a:scene3d>
-          <a:camera prst="orthographicFront"/>
-          <a:lightRig rig="flat" dir="t"/>
-        </a:scene3d>
-        <a:sp3d prstMaterial="plastic">
-          <a:bevelT w="120900" h="88900"/>
-          <a:bevelB w="88900" h="31750" prst="angle"/>
-        </a:sp3d>
-      </dsp:spPr>
-      <dsp:style>
-        <a:lnRef idx="0">
-          <a:scrgbClr r="0" g="0" b="0"/>
-        </a:lnRef>
-        <a:fillRef idx="3">
-          <a:scrgbClr r="0" g="0" b="0"/>
-        </a:fillRef>
-        <a:effectRef idx="2">
-          <a:scrgbClr r="0" g="0" b="0"/>
-        </a:effectRef>
-        <a:fontRef idx="minor">
-          <a:schemeClr val="lt1"/>
-        </a:fontRef>
-      </dsp:style>
-      <dsp:txBody>
-        <a:bodyPr spcFirstLastPara="0" vert="horz" wrap="square" lIns="41275" tIns="41275" rIns="41275" bIns="41275" numCol="1" spcCol="1270" anchor="ctr" anchorCtr="0">
-          <a:noAutofit/>
-        </a:bodyPr>
-        <a:lstStyle/>
-        <a:p>
-          <a:pPr lvl="0" algn="ctr" defTabSz="2889250">
-            <a:lnSpc>
-              <a:spcPct val="90000"/>
-            </a:lnSpc>
-            <a:spcBef>
-              <a:spcPct val="0"/>
-            </a:spcBef>
-            <a:spcAft>
-              <a:spcPct val="35000"/>
-            </a:spcAft>
-          </a:pPr>
-          <a:r>
-            <a:rPr lang="fr-FR" sz="6500" kern="1200" dirty="0" smtClean="0"/>
-            <a:t>O</a:t>
-          </a:r>
-          <a:endParaRPr lang="fr-FR" sz="6500" kern="1200" dirty="0"/>
-        </a:p>
-      </dsp:txBody>
-      <dsp:txXfrm>
-        <a:off x="2366987" y="2052253"/>
-        <a:ext cx="993843" cy="993843"/>
-      </dsp:txXfrm>
-    </dsp:sp>
-    <dsp:sp modelId="{FB6E935B-AB56-4686-BAF4-89171D311D48}">
-      <dsp:nvSpPr>
-        <dsp:cNvPr id="0" name=""/>
-        <dsp:cNvSpPr/>
-      </dsp:nvSpPr>
-      <dsp:spPr>
-        <a:xfrm rot="16200000">
-          <a:off x="2651363" y="1611792"/>
-          <a:ext cx="425090" cy="44168"/>
-        </a:xfrm>
-        <a:custGeom>
-          <a:avLst/>
-          <a:gdLst/>
-          <a:ahLst/>
-          <a:cxnLst/>
-          <a:rect l="0" t="0" r="0" b="0"/>
-          <a:pathLst>
-            <a:path>
-              <a:moveTo>
-                <a:pt x="0" y="22084"/>
-              </a:moveTo>
-              <a:lnTo>
-                <a:pt x="425090" y="22084"/>
-              </a:lnTo>
-            </a:path>
-          </a:pathLst>
-        </a:custGeom>
-        <a:noFill/>
-        <a:ln w="12700" cap="flat" cmpd="sng" algn="ctr">
-          <a:solidFill>
-            <a:schemeClr val="accent2">
-              <a:hueOff val="0"/>
-              <a:satOff val="0"/>
-              <a:lumOff val="0"/>
-              <a:alphaOff val="0"/>
-            </a:schemeClr>
-          </a:solidFill>
-          <a:prstDash val="solid"/>
-          <a:miter lim="800000"/>
-        </a:ln>
-        <a:effectLst/>
-        <a:scene3d>
-          <a:camera prst="orthographicFront"/>
-          <a:lightRig rig="flat" dir="t"/>
-        </a:scene3d>
-        <a:sp3d prstMaterial="matte"/>
-      </dsp:spPr>
-      <dsp:style>
-        <a:lnRef idx="2">
-          <a:scrgbClr r="0" g="0" b="0"/>
-        </a:lnRef>
-        <a:fillRef idx="0">
-          <a:scrgbClr r="0" g="0" b="0"/>
-        </a:fillRef>
-        <a:effectRef idx="0">
-          <a:scrgbClr r="0" g="0" b="0"/>
-        </a:effectRef>
-        <a:fontRef idx="minor"/>
-      </dsp:style>
-      <dsp:txBody>
-        <a:bodyPr spcFirstLastPara="0" vert="horz" wrap="square" lIns="12700" tIns="0" rIns="12700" bIns="0" numCol="1" spcCol="1270" anchor="ctr" anchorCtr="0">
-          <a:noAutofit/>
-        </a:bodyPr>
-        <a:lstStyle/>
-        <a:p>
-          <a:pPr lvl="0" algn="ctr" defTabSz="222250">
-            <a:lnSpc>
-              <a:spcPct val="90000"/>
-            </a:lnSpc>
-            <a:spcBef>
-              <a:spcPct val="0"/>
-            </a:spcBef>
-            <a:spcAft>
-              <a:spcPct val="35000"/>
-            </a:spcAft>
-          </a:pPr>
-          <a:endParaRPr lang="fr-FR" sz="500" kern="1200"/>
-        </a:p>
-      </dsp:txBody>
-      <dsp:txXfrm>
-        <a:off x="2853281" y="1623249"/>
-        <a:ext cx="21254" cy="21254"/>
-      </dsp:txXfrm>
-    </dsp:sp>
-    <dsp:sp modelId="{51D4E2D9-6364-4FE7-BE7F-89898165258A}">
-      <dsp:nvSpPr>
-        <dsp:cNvPr id="0" name=""/>
-        <dsp:cNvSpPr/>
-      </dsp:nvSpPr>
-      <dsp:spPr>
-        <a:xfrm>
-          <a:off x="2161156" y="15826"/>
-          <a:ext cx="1405505" cy="1405505"/>
-        </a:xfrm>
-        <a:prstGeom prst="ellipse">
-          <a:avLst/>
-        </a:prstGeom>
-        <a:solidFill>
-          <a:srgbClr val="00B050"/>
-        </a:solidFill>
-        <a:ln>
-          <a:noFill/>
-        </a:ln>
-        <a:effectLst/>
-        <a:scene3d>
-          <a:camera prst="orthographicFront"/>
-          <a:lightRig rig="flat" dir="t"/>
-        </a:scene3d>
-        <a:sp3d prstMaterial="plastic">
-          <a:bevelT w="120900" h="88900"/>
-          <a:bevelB w="88900" h="31750" prst="angle"/>
-        </a:sp3d>
-      </dsp:spPr>
-      <dsp:style>
-        <a:lnRef idx="0">
-          <a:scrgbClr r="0" g="0" b="0"/>
-        </a:lnRef>
-        <a:fillRef idx="3">
-          <a:scrgbClr r="0" g="0" b="0"/>
-        </a:fillRef>
-        <a:effectRef idx="2">
-          <a:scrgbClr r="0" g="0" b="0"/>
-        </a:effectRef>
-        <a:fontRef idx="minor">
-          <a:schemeClr val="lt1"/>
-        </a:fontRef>
-      </dsp:style>
-      <dsp:txBody>
-        <a:bodyPr spcFirstLastPara="0" vert="horz" wrap="square" lIns="9525" tIns="9525" rIns="9525" bIns="9525" numCol="1" spcCol="1270" anchor="ctr" anchorCtr="0">
-          <a:noAutofit/>
-        </a:bodyPr>
-        <a:lstStyle/>
-        <a:p>
-          <a:pPr lvl="0" algn="ctr" defTabSz="666750">
-            <a:lnSpc>
-              <a:spcPct val="90000"/>
-            </a:lnSpc>
-            <a:spcBef>
-              <a:spcPct val="0"/>
-            </a:spcBef>
-            <a:spcAft>
-              <a:spcPct val="35000"/>
-            </a:spcAft>
-          </a:pPr>
-          <a:r>
-            <a:rPr lang="fr-FR" sz="1500" kern="1200" dirty="0" smtClean="0"/>
-            <a:t>No </a:t>
-          </a:r>
-          <a:r>
-            <a:rPr lang="fr-FR" sz="1500" kern="1200" dirty="0" err="1" smtClean="0"/>
-            <a:t>competition</a:t>
-          </a:r>
-          <a:endParaRPr lang="fr-FR" sz="1500" kern="1200" dirty="0"/>
-        </a:p>
-      </dsp:txBody>
-      <dsp:txXfrm>
-        <a:off x="2366987" y="221657"/>
-        <a:ext cx="993843" cy="993843"/>
-      </dsp:txXfrm>
-    </dsp:sp>
-    <dsp:sp modelId="{3134C74D-D45F-4D44-8DA9-5DD9ACC7028A}">
-      <dsp:nvSpPr>
-        <dsp:cNvPr id="0" name=""/>
-        <dsp:cNvSpPr/>
-      </dsp:nvSpPr>
-      <dsp:spPr>
-        <a:xfrm rot="1800000">
-          <a:off x="3444034" y="2984739"/>
-          <a:ext cx="425090" cy="44168"/>
-        </a:xfrm>
-        <a:custGeom>
-          <a:avLst/>
-          <a:gdLst/>
-          <a:ahLst/>
-          <a:cxnLst/>
-          <a:rect l="0" t="0" r="0" b="0"/>
-          <a:pathLst>
-            <a:path>
-              <a:moveTo>
-                <a:pt x="0" y="22084"/>
-              </a:moveTo>
-              <a:lnTo>
-                <a:pt x="425090" y="22084"/>
-              </a:lnTo>
-            </a:path>
-          </a:pathLst>
-        </a:custGeom>
-        <a:noFill/>
-        <a:ln w="12700" cap="flat" cmpd="sng" algn="ctr">
-          <a:solidFill>
-            <a:schemeClr val="accent2">
-              <a:hueOff val="0"/>
-              <a:satOff val="0"/>
-              <a:lumOff val="0"/>
-              <a:alphaOff val="0"/>
-            </a:schemeClr>
-          </a:solidFill>
-          <a:prstDash val="solid"/>
-          <a:miter lim="800000"/>
-        </a:ln>
-        <a:effectLst/>
-        <a:scene3d>
-          <a:camera prst="orthographicFront"/>
-          <a:lightRig rig="flat" dir="t"/>
-        </a:scene3d>
-        <a:sp3d prstMaterial="matte"/>
-      </dsp:spPr>
-      <dsp:style>
-        <a:lnRef idx="2">
-          <a:scrgbClr r="0" g="0" b="0"/>
-        </a:lnRef>
-        <a:fillRef idx="0">
-          <a:scrgbClr r="0" g="0" b="0"/>
-        </a:fillRef>
-        <a:effectRef idx="0">
-          <a:scrgbClr r="0" g="0" b="0"/>
-        </a:effectRef>
-        <a:fontRef idx="minor"/>
-      </dsp:style>
-      <dsp:txBody>
-        <a:bodyPr spcFirstLastPara="0" vert="horz" wrap="square" lIns="12700" tIns="0" rIns="12700" bIns="0" numCol="1" spcCol="1270" anchor="ctr" anchorCtr="0">
-          <a:noAutofit/>
-        </a:bodyPr>
-        <a:lstStyle/>
-        <a:p>
-          <a:pPr lvl="0" algn="ctr" defTabSz="222250">
-            <a:lnSpc>
-              <a:spcPct val="90000"/>
-            </a:lnSpc>
-            <a:spcBef>
-              <a:spcPct val="0"/>
-            </a:spcBef>
-            <a:spcAft>
-              <a:spcPct val="35000"/>
-            </a:spcAft>
-          </a:pPr>
-          <a:endParaRPr lang="en-CA" sz="500" kern="1200"/>
-        </a:p>
-      </dsp:txBody>
-      <dsp:txXfrm>
-        <a:off x="3645952" y="2996196"/>
-        <a:ext cx="21254" cy="21254"/>
-      </dsp:txXfrm>
-    </dsp:sp>
-    <dsp:sp modelId="{FC75532D-1A75-4D81-A458-80C91B398F9D}">
-      <dsp:nvSpPr>
-        <dsp:cNvPr id="0" name=""/>
-        <dsp:cNvSpPr/>
-      </dsp:nvSpPr>
-      <dsp:spPr>
-        <a:xfrm>
-          <a:off x="3746498" y="2761719"/>
-          <a:ext cx="1405505" cy="1405505"/>
-        </a:xfrm>
-        <a:prstGeom prst="ellipse">
-          <a:avLst/>
-        </a:prstGeom>
-        <a:solidFill>
-          <a:srgbClr val="00B050"/>
-        </a:solidFill>
-        <a:ln>
-          <a:noFill/>
-        </a:ln>
-        <a:effectLst/>
-        <a:scene3d>
-          <a:camera prst="orthographicFront"/>
-          <a:lightRig rig="flat" dir="t"/>
-        </a:scene3d>
-        <a:sp3d prstMaterial="plastic">
-          <a:bevelT w="120900" h="88900"/>
-          <a:bevelB w="88900" h="31750" prst="angle"/>
-        </a:sp3d>
-      </dsp:spPr>
-      <dsp:style>
-        <a:lnRef idx="0">
-          <a:scrgbClr r="0" g="0" b="0"/>
-        </a:lnRef>
-        <a:fillRef idx="3">
-          <a:scrgbClr r="0" g="0" b="0"/>
-        </a:fillRef>
-        <a:effectRef idx="2">
-          <a:scrgbClr r="0" g="0" b="0"/>
-        </a:effectRef>
-        <a:fontRef idx="minor">
-          <a:schemeClr val="lt1"/>
-        </a:fontRef>
-      </dsp:style>
-      <dsp:txBody>
-        <a:bodyPr spcFirstLastPara="0" vert="horz" wrap="square" lIns="9525" tIns="9525" rIns="9525" bIns="9525" numCol="1" spcCol="1270" anchor="ctr" anchorCtr="0">
-          <a:noAutofit/>
-        </a:bodyPr>
-        <a:lstStyle/>
-        <a:p>
-          <a:pPr lvl="0" algn="ctr" defTabSz="666750">
-            <a:lnSpc>
-              <a:spcPct val="90000"/>
-            </a:lnSpc>
-            <a:spcBef>
-              <a:spcPct val="0"/>
-            </a:spcBef>
-            <a:spcAft>
-              <a:spcPct val="35000"/>
-            </a:spcAft>
-          </a:pPr>
-          <a:r>
-            <a:rPr lang="fr-FR" sz="1500" kern="1200" dirty="0" smtClean="0"/>
-            <a:t>High utility</a:t>
-          </a:r>
-          <a:endParaRPr lang="fr-FR" sz="1500" kern="1200" dirty="0"/>
-        </a:p>
-      </dsp:txBody>
-      <dsp:txXfrm>
-        <a:off x="3952329" y="2967550"/>
-        <a:ext cx="993843" cy="993843"/>
-      </dsp:txXfrm>
-    </dsp:sp>
-    <dsp:sp modelId="{156A4B50-5EBB-4BD2-8AF0-C722439DBC8D}">
-      <dsp:nvSpPr>
-        <dsp:cNvPr id="0" name=""/>
-        <dsp:cNvSpPr/>
-      </dsp:nvSpPr>
-      <dsp:spPr>
-        <a:xfrm rot="9000000">
-          <a:off x="1858692" y="2984739"/>
-          <a:ext cx="425090" cy="44168"/>
-        </a:xfrm>
-        <a:custGeom>
-          <a:avLst/>
-          <a:gdLst/>
-          <a:ahLst/>
-          <a:cxnLst/>
-          <a:rect l="0" t="0" r="0" b="0"/>
-          <a:pathLst>
-            <a:path>
-              <a:moveTo>
-                <a:pt x="0" y="22084"/>
-              </a:moveTo>
-              <a:lnTo>
-                <a:pt x="425090" y="22084"/>
-              </a:lnTo>
-            </a:path>
-          </a:pathLst>
-        </a:custGeom>
-        <a:noFill/>
-        <a:ln w="12700" cap="flat" cmpd="sng" algn="ctr">
-          <a:solidFill>
-            <a:schemeClr val="accent2">
-              <a:hueOff val="0"/>
-              <a:satOff val="0"/>
-              <a:lumOff val="0"/>
-              <a:alphaOff val="0"/>
-            </a:schemeClr>
-          </a:solidFill>
-          <a:prstDash val="solid"/>
-          <a:miter lim="800000"/>
-        </a:ln>
-        <a:effectLst/>
-        <a:scene3d>
-          <a:camera prst="orthographicFront"/>
-          <a:lightRig rig="flat" dir="t"/>
-        </a:scene3d>
-        <a:sp3d prstMaterial="matte"/>
-      </dsp:spPr>
-      <dsp:style>
-        <a:lnRef idx="2">
-          <a:scrgbClr r="0" g="0" b="0"/>
-        </a:lnRef>
-        <a:fillRef idx="0">
-          <a:scrgbClr r="0" g="0" b="0"/>
-        </a:fillRef>
-        <a:effectRef idx="0">
-          <a:scrgbClr r="0" g="0" b="0"/>
-        </a:effectRef>
-        <a:fontRef idx="minor"/>
-      </dsp:style>
-      <dsp:txBody>
-        <a:bodyPr spcFirstLastPara="0" vert="horz" wrap="square" lIns="12700" tIns="0" rIns="12700" bIns="0" numCol="1" spcCol="1270" anchor="ctr" anchorCtr="0">
-          <a:noAutofit/>
-        </a:bodyPr>
-        <a:lstStyle/>
-        <a:p>
-          <a:pPr lvl="0" algn="ctr" defTabSz="222250">
-            <a:lnSpc>
-              <a:spcPct val="90000"/>
-            </a:lnSpc>
-            <a:spcBef>
-              <a:spcPct val="0"/>
-            </a:spcBef>
-            <a:spcAft>
-              <a:spcPct val="35000"/>
-            </a:spcAft>
-          </a:pPr>
-          <a:endParaRPr lang="en-CA" sz="500" kern="1200"/>
-        </a:p>
-      </dsp:txBody>
-      <dsp:txXfrm rot="10800000">
-        <a:off x="2060610" y="2996196"/>
-        <a:ext cx="21254" cy="21254"/>
-      </dsp:txXfrm>
-    </dsp:sp>
-    <dsp:sp modelId="{B8775ABA-3037-409F-B1F5-5479D38AC897}">
-      <dsp:nvSpPr>
-        <dsp:cNvPr id="0" name=""/>
-        <dsp:cNvSpPr/>
-      </dsp:nvSpPr>
-      <dsp:spPr>
-        <a:xfrm>
-          <a:off x="575814" y="2761719"/>
-          <a:ext cx="1405505" cy="1405505"/>
-        </a:xfrm>
-        <a:prstGeom prst="ellipse">
-          <a:avLst/>
-        </a:prstGeom>
-        <a:solidFill>
-          <a:srgbClr val="00B050"/>
-        </a:solidFill>
-        <a:ln>
-          <a:noFill/>
-        </a:ln>
-        <a:effectLst/>
-        <a:scene3d>
-          <a:camera prst="orthographicFront"/>
-          <a:lightRig rig="flat" dir="t"/>
-        </a:scene3d>
-        <a:sp3d prstMaterial="plastic">
-          <a:bevelT w="120900" h="88900"/>
-          <a:bevelB w="88900" h="31750" prst="angle"/>
-        </a:sp3d>
-      </dsp:spPr>
-      <dsp:style>
-        <a:lnRef idx="0">
-          <a:scrgbClr r="0" g="0" b="0"/>
-        </a:lnRef>
-        <a:fillRef idx="3">
-          <a:scrgbClr r="0" g="0" b="0"/>
-        </a:fillRef>
-        <a:effectRef idx="2">
-          <a:scrgbClr r="0" g="0" b="0"/>
-        </a:effectRef>
-        <a:fontRef idx="minor">
-          <a:schemeClr val="lt1"/>
-        </a:fontRef>
-      </dsp:style>
-      <dsp:txBody>
-        <a:bodyPr spcFirstLastPara="0" vert="horz" wrap="square" lIns="9525" tIns="9525" rIns="9525" bIns="9525" numCol="1" spcCol="1270" anchor="ctr" anchorCtr="0">
-          <a:noAutofit/>
-        </a:bodyPr>
-        <a:lstStyle/>
-        <a:p>
-          <a:pPr lvl="0" algn="ctr" defTabSz="666750">
-            <a:lnSpc>
-              <a:spcPct val="90000"/>
-            </a:lnSpc>
-            <a:spcBef>
-              <a:spcPct val="0"/>
-            </a:spcBef>
-            <a:spcAft>
-              <a:spcPct val="35000"/>
-            </a:spcAft>
-          </a:pPr>
-          <a:r>
-            <a:rPr lang="fr-FR" sz="1500" kern="1200" dirty="0" err="1" smtClean="0"/>
-            <a:t>Easy</a:t>
-          </a:r>
-          <a:r>
-            <a:rPr lang="fr-FR" sz="1500" kern="1200" dirty="0" smtClean="0"/>
-            <a:t> to use</a:t>
-          </a:r>
-          <a:endParaRPr lang="fr-FR" sz="1500" kern="1200" dirty="0"/>
-        </a:p>
-      </dsp:txBody>
-      <dsp:txXfrm>
-        <a:off x="781645" y="2967550"/>
-        <a:ext cx="993843" cy="993843"/>
-      </dsp:txXfrm>
-    </dsp:sp>
   </dsp:spTree>
 </dsp:drawing>
 </file>
@@ -8181,528 +5955,6 @@
       <dsp:cNvGrpSpPr/>
     </dsp:nvGrpSpPr>
     <dsp:grpSpPr/>
-    <dsp:sp modelId="{90FFEDE6-D24B-46AA-AC61-5A2CA3E513CC}">
-      <dsp:nvSpPr>
-        <dsp:cNvPr id="0" name=""/>
-        <dsp:cNvSpPr/>
-      </dsp:nvSpPr>
-      <dsp:spPr>
-        <a:xfrm>
-          <a:off x="1949" y="0"/>
-          <a:ext cx="2043917" cy="4863689"/>
-        </a:xfrm>
-        <a:prstGeom prst="roundRect">
-          <a:avLst>
-            <a:gd name="adj" fmla="val 10000"/>
-          </a:avLst>
-        </a:prstGeom>
-        <a:solidFill>
-          <a:schemeClr val="dk2">
-            <a:hueOff val="0"/>
-            <a:satOff val="0"/>
-            <a:lumOff val="0"/>
-            <a:alphaOff val="0"/>
-          </a:schemeClr>
-        </a:solidFill>
-        <a:ln w="19050" cap="flat" cmpd="sng" algn="ctr">
-          <a:solidFill>
-            <a:schemeClr val="lt2">
-              <a:hueOff val="0"/>
-              <a:satOff val="0"/>
-              <a:lumOff val="0"/>
-              <a:alphaOff val="0"/>
-            </a:schemeClr>
-          </a:solidFill>
-          <a:prstDash val="solid"/>
-          <a:miter lim="800000"/>
-        </a:ln>
-        <a:effectLst/>
-      </dsp:spPr>
-      <dsp:style>
-        <a:lnRef idx="3">
-          <a:scrgbClr r="0" g="0" b="0"/>
-        </a:lnRef>
-        <a:fillRef idx="1">
-          <a:scrgbClr r="0" g="0" b="0"/>
-        </a:fillRef>
-        <a:effectRef idx="1">
-          <a:scrgbClr r="0" g="0" b="0"/>
-        </a:effectRef>
-        <a:fontRef idx="minor">
-          <a:schemeClr val="lt1"/>
-        </a:fontRef>
-      </dsp:style>
-      <dsp:txBody>
-        <a:bodyPr spcFirstLastPara="0" vert="horz" wrap="square" lIns="462280" tIns="462280" rIns="462280" bIns="462280" numCol="1" spcCol="1270" anchor="ctr" anchorCtr="0">
-          <a:noAutofit/>
-        </a:bodyPr>
-        <a:lstStyle/>
-        <a:p>
-          <a:pPr lvl="0" algn="ctr" defTabSz="2889250">
-            <a:lnSpc>
-              <a:spcPct val="90000"/>
-            </a:lnSpc>
-            <a:spcBef>
-              <a:spcPct val="0"/>
-            </a:spcBef>
-            <a:spcAft>
-              <a:spcPct val="35000"/>
-            </a:spcAft>
-          </a:pPr>
-          <a:endParaRPr lang="en-CA" sz="6500" kern="1200" dirty="0"/>
-        </a:p>
-      </dsp:txBody>
-      <dsp:txXfrm>
-        <a:off x="1949" y="1945475"/>
-        <a:ext cx="2043917" cy="1945475"/>
-      </dsp:txXfrm>
-    </dsp:sp>
-    <dsp:sp modelId="{BC5035FA-FF8E-421C-9C1A-CC3F16C8A221}">
-      <dsp:nvSpPr>
-        <dsp:cNvPr id="0" name=""/>
-        <dsp:cNvSpPr/>
-      </dsp:nvSpPr>
-      <dsp:spPr>
-        <a:xfrm>
-          <a:off x="214104" y="291821"/>
-          <a:ext cx="1619608" cy="1619608"/>
-        </a:xfrm>
-        <a:prstGeom prst="ellipse">
-          <a:avLst/>
-        </a:prstGeom>
-        <a:blipFill rotWithShape="1">
-          <a:blip xmlns:r="http://schemas.openxmlformats.org/officeDocument/2006/relationships" r:embed="rId1"/>
-          <a:stretch>
-            <a:fillRect/>
-          </a:stretch>
-        </a:blipFill>
-        <a:ln w="19050" cap="flat" cmpd="sng" algn="ctr">
-          <a:solidFill>
-            <a:schemeClr val="lt2">
-              <a:hueOff val="0"/>
-              <a:satOff val="0"/>
-              <a:lumOff val="0"/>
-              <a:alphaOff val="0"/>
-            </a:schemeClr>
-          </a:solidFill>
-          <a:prstDash val="solid"/>
-          <a:miter lim="800000"/>
-        </a:ln>
-        <a:effectLst/>
-      </dsp:spPr>
-      <dsp:style>
-        <a:lnRef idx="3">
-          <a:scrgbClr r="0" g="0" b="0"/>
-        </a:lnRef>
-        <a:fillRef idx="1">
-          <a:scrgbClr r="0" g="0" b="0"/>
-        </a:fillRef>
-        <a:effectRef idx="1">
-          <a:scrgbClr r="0" g="0" b="0"/>
-        </a:effectRef>
-        <a:fontRef idx="minor"/>
-      </dsp:style>
-    </dsp:sp>
-    <dsp:sp modelId="{AECDF339-533B-4319-9DD1-FE0312AA5FE7}">
-      <dsp:nvSpPr>
-        <dsp:cNvPr id="0" name=""/>
-        <dsp:cNvSpPr/>
-      </dsp:nvSpPr>
-      <dsp:spPr>
-        <a:xfrm>
-          <a:off x="2107184" y="0"/>
-          <a:ext cx="2043917" cy="4863689"/>
-        </a:xfrm>
-        <a:prstGeom prst="roundRect">
-          <a:avLst>
-            <a:gd name="adj" fmla="val 10000"/>
-          </a:avLst>
-        </a:prstGeom>
-        <a:solidFill>
-          <a:schemeClr val="dk2">
-            <a:hueOff val="0"/>
-            <a:satOff val="0"/>
-            <a:lumOff val="0"/>
-            <a:alphaOff val="0"/>
-          </a:schemeClr>
-        </a:solidFill>
-        <a:ln w="19050" cap="flat" cmpd="sng" algn="ctr">
-          <a:solidFill>
-            <a:schemeClr val="lt2">
-              <a:hueOff val="0"/>
-              <a:satOff val="0"/>
-              <a:lumOff val="0"/>
-              <a:alphaOff val="0"/>
-            </a:schemeClr>
-          </a:solidFill>
-          <a:prstDash val="solid"/>
-          <a:miter lim="800000"/>
-        </a:ln>
-        <a:effectLst/>
-      </dsp:spPr>
-      <dsp:style>
-        <a:lnRef idx="3">
-          <a:scrgbClr r="0" g="0" b="0"/>
-        </a:lnRef>
-        <a:fillRef idx="1">
-          <a:scrgbClr r="0" g="0" b="0"/>
-        </a:fillRef>
-        <a:effectRef idx="1">
-          <a:scrgbClr r="0" g="0" b="0"/>
-        </a:effectRef>
-        <a:fontRef idx="minor">
-          <a:schemeClr val="lt1"/>
-        </a:fontRef>
-      </dsp:style>
-      <dsp:txBody>
-        <a:bodyPr spcFirstLastPara="0" vert="horz" wrap="square" lIns="462280" tIns="462280" rIns="462280" bIns="462280" numCol="1" spcCol="1270" anchor="ctr" anchorCtr="0">
-          <a:noAutofit/>
-        </a:bodyPr>
-        <a:lstStyle/>
-        <a:p>
-          <a:pPr lvl="0" algn="ctr" defTabSz="2889250">
-            <a:lnSpc>
-              <a:spcPct val="90000"/>
-            </a:lnSpc>
-            <a:spcBef>
-              <a:spcPct val="0"/>
-            </a:spcBef>
-            <a:spcAft>
-              <a:spcPct val="35000"/>
-            </a:spcAft>
-          </a:pPr>
-          <a:endParaRPr lang="en-CA" sz="6500" kern="1200" dirty="0"/>
-        </a:p>
-      </dsp:txBody>
-      <dsp:txXfrm>
-        <a:off x="2107184" y="1945475"/>
-        <a:ext cx="2043917" cy="1945475"/>
-      </dsp:txXfrm>
-    </dsp:sp>
-    <dsp:sp modelId="{78D9365F-3E8A-4A62-874D-E842D8E395C6}">
-      <dsp:nvSpPr>
-        <dsp:cNvPr id="0" name=""/>
-        <dsp:cNvSpPr/>
-      </dsp:nvSpPr>
-      <dsp:spPr>
-        <a:xfrm>
-          <a:off x="2319339" y="291821"/>
-          <a:ext cx="1619608" cy="1619608"/>
-        </a:xfrm>
-        <a:prstGeom prst="ellipse">
-          <a:avLst/>
-        </a:prstGeom>
-        <a:blipFill rotWithShape="1">
-          <a:blip xmlns:r="http://schemas.openxmlformats.org/officeDocument/2006/relationships" r:embed="rId2"/>
-          <a:stretch>
-            <a:fillRect/>
-          </a:stretch>
-        </a:blipFill>
-        <a:ln w="19050" cap="flat" cmpd="sng" algn="ctr">
-          <a:solidFill>
-            <a:schemeClr val="lt2">
-              <a:hueOff val="0"/>
-              <a:satOff val="0"/>
-              <a:lumOff val="0"/>
-              <a:alphaOff val="0"/>
-            </a:schemeClr>
-          </a:solidFill>
-          <a:prstDash val="solid"/>
-          <a:miter lim="800000"/>
-        </a:ln>
-        <a:effectLst/>
-      </dsp:spPr>
-      <dsp:style>
-        <a:lnRef idx="3">
-          <a:scrgbClr r="0" g="0" b="0"/>
-        </a:lnRef>
-        <a:fillRef idx="1">
-          <a:scrgbClr r="0" g="0" b="0"/>
-        </a:fillRef>
-        <a:effectRef idx="1">
-          <a:scrgbClr r="0" g="0" b="0"/>
-        </a:effectRef>
-        <a:fontRef idx="minor"/>
-      </dsp:style>
-    </dsp:sp>
-    <dsp:sp modelId="{18E220CA-4E07-4273-9F20-D66E44D1CC15}">
-      <dsp:nvSpPr>
-        <dsp:cNvPr id="0" name=""/>
-        <dsp:cNvSpPr/>
-      </dsp:nvSpPr>
-      <dsp:spPr>
-        <a:xfrm>
-          <a:off x="4212419" y="0"/>
-          <a:ext cx="2043917" cy="4863689"/>
-        </a:xfrm>
-        <a:prstGeom prst="roundRect">
-          <a:avLst>
-            <a:gd name="adj" fmla="val 10000"/>
-          </a:avLst>
-        </a:prstGeom>
-        <a:solidFill>
-          <a:schemeClr val="dk2">
-            <a:hueOff val="0"/>
-            <a:satOff val="0"/>
-            <a:lumOff val="0"/>
-            <a:alphaOff val="0"/>
-          </a:schemeClr>
-        </a:solidFill>
-        <a:ln w="19050" cap="flat" cmpd="sng" algn="ctr">
-          <a:solidFill>
-            <a:schemeClr val="lt2">
-              <a:hueOff val="0"/>
-              <a:satOff val="0"/>
-              <a:lumOff val="0"/>
-              <a:alphaOff val="0"/>
-            </a:schemeClr>
-          </a:solidFill>
-          <a:prstDash val="solid"/>
-          <a:miter lim="800000"/>
-        </a:ln>
-        <a:effectLst/>
-      </dsp:spPr>
-      <dsp:style>
-        <a:lnRef idx="3">
-          <a:scrgbClr r="0" g="0" b="0"/>
-        </a:lnRef>
-        <a:fillRef idx="1">
-          <a:scrgbClr r="0" g="0" b="0"/>
-        </a:fillRef>
-        <a:effectRef idx="1">
-          <a:scrgbClr r="0" g="0" b="0"/>
-        </a:effectRef>
-        <a:fontRef idx="minor">
-          <a:schemeClr val="lt1"/>
-        </a:fontRef>
-      </dsp:style>
-      <dsp:txBody>
-        <a:bodyPr spcFirstLastPara="0" vert="horz" wrap="square" lIns="462280" tIns="462280" rIns="462280" bIns="462280" numCol="1" spcCol="1270" anchor="ctr" anchorCtr="0">
-          <a:noAutofit/>
-        </a:bodyPr>
-        <a:lstStyle/>
-        <a:p>
-          <a:pPr lvl="0" algn="ctr" defTabSz="2889250">
-            <a:lnSpc>
-              <a:spcPct val="90000"/>
-            </a:lnSpc>
-            <a:spcBef>
-              <a:spcPct val="0"/>
-            </a:spcBef>
-            <a:spcAft>
-              <a:spcPct val="35000"/>
-            </a:spcAft>
-          </a:pPr>
-          <a:endParaRPr lang="en-CA" sz="6500" kern="1200" dirty="0"/>
-        </a:p>
-      </dsp:txBody>
-      <dsp:txXfrm>
-        <a:off x="4212419" y="1945475"/>
-        <a:ext cx="2043917" cy="1945475"/>
-      </dsp:txXfrm>
-    </dsp:sp>
-    <dsp:sp modelId="{EF6C3C73-EE47-41C6-84F9-732FE297AA13}">
-      <dsp:nvSpPr>
-        <dsp:cNvPr id="0" name=""/>
-        <dsp:cNvSpPr/>
-      </dsp:nvSpPr>
-      <dsp:spPr>
-        <a:xfrm>
-          <a:off x="4424574" y="291821"/>
-          <a:ext cx="1619608" cy="1619608"/>
-        </a:xfrm>
-        <a:prstGeom prst="ellipse">
-          <a:avLst/>
-        </a:prstGeom>
-        <a:blipFill rotWithShape="1">
-          <a:blip xmlns:r="http://schemas.openxmlformats.org/officeDocument/2006/relationships" r:embed="rId3"/>
-          <a:stretch>
-            <a:fillRect/>
-          </a:stretch>
-        </a:blipFill>
-        <a:ln w="19050" cap="flat" cmpd="sng" algn="ctr">
-          <a:solidFill>
-            <a:schemeClr val="lt2">
-              <a:hueOff val="0"/>
-              <a:satOff val="0"/>
-              <a:lumOff val="0"/>
-              <a:alphaOff val="0"/>
-            </a:schemeClr>
-          </a:solidFill>
-          <a:prstDash val="solid"/>
-          <a:miter lim="800000"/>
-        </a:ln>
-        <a:effectLst/>
-      </dsp:spPr>
-      <dsp:style>
-        <a:lnRef idx="3">
-          <a:scrgbClr r="0" g="0" b="0"/>
-        </a:lnRef>
-        <a:fillRef idx="1">
-          <a:scrgbClr r="0" g="0" b="0"/>
-        </a:fillRef>
-        <a:effectRef idx="1">
-          <a:scrgbClr r="0" g="0" b="0"/>
-        </a:effectRef>
-        <a:fontRef idx="minor"/>
-      </dsp:style>
-    </dsp:sp>
-    <dsp:sp modelId="{9B6DBF9B-EFA6-45E8-AAE9-1FBCC2922B5E}">
-      <dsp:nvSpPr>
-        <dsp:cNvPr id="0" name=""/>
-        <dsp:cNvSpPr/>
-      </dsp:nvSpPr>
-      <dsp:spPr>
-        <a:xfrm>
-          <a:off x="6317654" y="0"/>
-          <a:ext cx="2043917" cy="4863689"/>
-        </a:xfrm>
-        <a:prstGeom prst="roundRect">
-          <a:avLst>
-            <a:gd name="adj" fmla="val 10000"/>
-          </a:avLst>
-        </a:prstGeom>
-        <a:solidFill>
-          <a:schemeClr val="dk2">
-            <a:hueOff val="0"/>
-            <a:satOff val="0"/>
-            <a:lumOff val="0"/>
-            <a:alphaOff val="0"/>
-          </a:schemeClr>
-        </a:solidFill>
-        <a:ln w="19050" cap="flat" cmpd="sng" algn="ctr">
-          <a:solidFill>
-            <a:schemeClr val="lt2">
-              <a:hueOff val="0"/>
-              <a:satOff val="0"/>
-              <a:lumOff val="0"/>
-              <a:alphaOff val="0"/>
-            </a:schemeClr>
-          </a:solidFill>
-          <a:prstDash val="solid"/>
-          <a:miter lim="800000"/>
-        </a:ln>
-        <a:effectLst/>
-      </dsp:spPr>
-      <dsp:style>
-        <a:lnRef idx="3">
-          <a:scrgbClr r="0" g="0" b="0"/>
-        </a:lnRef>
-        <a:fillRef idx="1">
-          <a:scrgbClr r="0" g="0" b="0"/>
-        </a:fillRef>
-        <a:effectRef idx="1">
-          <a:scrgbClr r="0" g="0" b="0"/>
-        </a:effectRef>
-        <a:fontRef idx="minor">
-          <a:schemeClr val="lt1"/>
-        </a:fontRef>
-      </dsp:style>
-      <dsp:txBody>
-        <a:bodyPr spcFirstLastPara="0" vert="horz" wrap="square" lIns="462280" tIns="462280" rIns="462280" bIns="462280" numCol="1" spcCol="1270" anchor="ctr" anchorCtr="0">
-          <a:noAutofit/>
-        </a:bodyPr>
-        <a:lstStyle/>
-        <a:p>
-          <a:pPr lvl="0" algn="ctr" defTabSz="2889250">
-            <a:lnSpc>
-              <a:spcPct val="90000"/>
-            </a:lnSpc>
-            <a:spcBef>
-              <a:spcPct val="0"/>
-            </a:spcBef>
-            <a:spcAft>
-              <a:spcPct val="35000"/>
-            </a:spcAft>
-          </a:pPr>
-          <a:endParaRPr lang="en-CA" sz="6500" kern="1200" dirty="0"/>
-        </a:p>
-      </dsp:txBody>
-      <dsp:txXfrm>
-        <a:off x="6317654" y="1945475"/>
-        <a:ext cx="2043917" cy="1945475"/>
-      </dsp:txXfrm>
-    </dsp:sp>
-    <dsp:sp modelId="{E493E5FB-AA9A-42DE-9CCE-474EDF63F26C}">
-      <dsp:nvSpPr>
-        <dsp:cNvPr id="0" name=""/>
-        <dsp:cNvSpPr/>
-      </dsp:nvSpPr>
-      <dsp:spPr>
-        <a:xfrm>
-          <a:off x="6529809" y="291821"/>
-          <a:ext cx="1619608" cy="1619608"/>
-        </a:xfrm>
-        <a:prstGeom prst="ellipse">
-          <a:avLst/>
-        </a:prstGeom>
-        <a:blipFill rotWithShape="1">
-          <a:blip xmlns:r="http://schemas.openxmlformats.org/officeDocument/2006/relationships" r:embed="rId4"/>
-          <a:stretch>
-            <a:fillRect/>
-          </a:stretch>
-        </a:blipFill>
-        <a:ln w="19050" cap="flat" cmpd="sng" algn="ctr">
-          <a:solidFill>
-            <a:schemeClr val="lt2">
-              <a:hueOff val="0"/>
-              <a:satOff val="0"/>
-              <a:lumOff val="0"/>
-              <a:alphaOff val="0"/>
-            </a:schemeClr>
-          </a:solidFill>
-          <a:prstDash val="solid"/>
-          <a:miter lim="800000"/>
-        </a:ln>
-        <a:effectLst/>
-      </dsp:spPr>
-      <dsp:style>
-        <a:lnRef idx="3">
-          <a:scrgbClr r="0" g="0" b="0"/>
-        </a:lnRef>
-        <a:fillRef idx="1">
-          <a:scrgbClr r="0" g="0" b="0"/>
-        </a:fillRef>
-        <a:effectRef idx="1">
-          <a:scrgbClr r="0" g="0" b="0"/>
-        </a:effectRef>
-        <a:fontRef idx="minor"/>
-      </dsp:style>
-    </dsp:sp>
-    <dsp:sp modelId="{5C007895-D27B-4555-8633-C9BBD58A106D}">
-      <dsp:nvSpPr>
-        <dsp:cNvPr id="0" name=""/>
-        <dsp:cNvSpPr/>
-      </dsp:nvSpPr>
-      <dsp:spPr>
-        <a:xfrm flipH="1">
-          <a:off x="4508466" y="3876524"/>
-          <a:ext cx="1553507" cy="525387"/>
-        </a:xfrm>
-        <a:prstGeom prst="leftRightArrow">
-          <a:avLst/>
-        </a:prstGeom>
-        <a:noFill/>
-        <a:ln w="19050" cap="flat" cmpd="sng" algn="ctr">
-          <a:noFill/>
-          <a:prstDash val="solid"/>
-          <a:miter lim="800000"/>
-        </a:ln>
-        <a:effectLst/>
-      </dsp:spPr>
-      <dsp:style>
-        <a:lnRef idx="3">
-          <a:scrgbClr r="0" g="0" b="0"/>
-        </a:lnRef>
-        <a:fillRef idx="1">
-          <a:scrgbClr r="0" g="0" b="0"/>
-        </a:fillRef>
-        <a:effectRef idx="1">
-          <a:scrgbClr r="0" g="0" b="0"/>
-        </a:effectRef>
-        <a:fontRef idx="minor"/>
-      </dsp:style>
-    </dsp:sp>
   </dsp:spTree>
 </dsp:drawing>
 </file>
@@ -14550,7 +11802,7 @@
           <a:p>
             <a:fld id="{EC83963A-FCD1-4BA3-8F52-F2285ACE2A6A}" type="datetimeFigureOut">
               <a:rPr lang="fr-FR" smtClean="0"/>
-              <a:t>11/02/2020</a:t>
+              <a:t>12/02/2020</a:t>
             </a:fld>
             <a:endParaRPr lang="fr-FR"/>
           </a:p>
@@ -14715,7 +11967,7 @@
           <a:p>
             <a:fld id="{12D3AF9D-FD63-43BA-9EB6-902B12D2DD5D}" type="datetimeFigureOut">
               <a:rPr lang="fr-FR" smtClean="0"/>
-              <a:t>11/02/2020</a:t>
+              <a:t>12/02/2020</a:t>
             </a:fld>
             <a:endParaRPr lang="fr-FR"/>
           </a:p>
@@ -21116,7 +18368,6 @@
               <a:rPr lang="fr-FR" sz="2000" dirty="0" smtClean="0"/>
               <a:t> and source files</a:t>
             </a:r>
-            <a:endParaRPr lang="fr-FR" sz="2000" dirty="0" smtClean="0"/>
           </a:p>
           <a:p>
             <a:endParaRPr lang="fr-FR" sz="2000" dirty="0" smtClean="0"/>
@@ -41801,6 +39052,467 @@
       </p:grpSpPr>
       <p:sp>
         <p:nvSpPr>
+          <p:cNvPr id="2" name="Slide Number Placeholder 1"/>
+          <p:cNvSpPr>
+            <a:spLocks noGrp="1"/>
+          </p:cNvSpPr>
+          <p:nvPr>
+            <p:ph type="sldNum" sz="quarter" idx="4"/>
+          </p:nvPr>
+        </p:nvSpPr>
+        <p:spPr/>
+        <p:txBody>
+          <a:bodyPr/>
+          <a:lstStyle/>
+          <a:p>
+            <a:fld id="{813506F1-DB5F-4FC9-88BA-B486F30FE4BF}" type="slidenum">
+              <a:rPr lang="fr-FR" smtClean="0"/>
+              <a:pPr/>
+              <a:t>5</a:t>
+            </a:fld>
+            <a:endParaRPr lang="fr-FR" dirty="0"/>
+          </a:p>
+        </p:txBody>
+      </p:sp>
+      <p:sp>
+        <p:nvSpPr>
+          <p:cNvPr id="3" name="Title 1"/>
+          <p:cNvSpPr txBox="1">
+            <a:spLocks/>
+          </p:cNvSpPr>
+          <p:nvPr/>
+        </p:nvSpPr>
+        <p:spPr>
+          <a:xfrm>
+            <a:off x="648394" y="2101646"/>
+            <a:ext cx="5257456" cy="733833"/>
+          </a:xfrm>
+          <a:prstGeom prst="rect">
+            <a:avLst/>
+          </a:prstGeom>
+        </p:spPr>
+        <p:txBody>
+          <a:bodyPr/>
+          <a:lstStyle>
+            <a:lvl1pPr algn="l" defTabSz="914400" rtl="0" eaLnBrk="1" latinLnBrk="0" hangingPunct="1">
+              <a:lnSpc>
+                <a:spcPct val="90000"/>
+              </a:lnSpc>
+              <a:spcBef>
+                <a:spcPct val="0"/>
+              </a:spcBef>
+              <a:buNone/>
+              <a:defRPr sz="4400" kern="1200">
+                <a:solidFill>
+                  <a:schemeClr val="tx1"/>
+                </a:solidFill>
+                <a:latin typeface="+mj-lt"/>
+                <a:ea typeface="+mj-ea"/>
+                <a:cs typeface="+mj-cs"/>
+              </a:defRPr>
+            </a:lvl1pPr>
+          </a:lstStyle>
+          <a:p>
+            <a:r>
+              <a:rPr lang="fr-FR" dirty="0" smtClean="0"/>
+              <a:t>Project management</a:t>
+            </a:r>
+            <a:endParaRPr lang="fr-FR" dirty="0"/>
+          </a:p>
+        </p:txBody>
+      </p:sp>
+      <p:sp>
+        <p:nvSpPr>
+          <p:cNvPr id="12" name="Content Placeholder 2"/>
+          <p:cNvSpPr txBox="1">
+            <a:spLocks/>
+          </p:cNvSpPr>
+          <p:nvPr/>
+        </p:nvSpPr>
+        <p:spPr>
+          <a:xfrm>
+            <a:off x="1236683" y="2835479"/>
+            <a:ext cx="4669167" cy="3842158"/>
+          </a:xfrm>
+          <a:prstGeom prst="rect">
+            <a:avLst/>
+          </a:prstGeom>
+        </p:spPr>
+        <p:txBody>
+          <a:bodyPr>
+            <a:normAutofit/>
+          </a:bodyPr>
+          <a:lstStyle>
+            <a:lvl1pPr marL="228600" indent="-228600" algn="l" defTabSz="914400" rtl="0" eaLnBrk="1" latinLnBrk="0" hangingPunct="1">
+              <a:lnSpc>
+                <a:spcPct val="90000"/>
+              </a:lnSpc>
+              <a:spcBef>
+                <a:spcPts val="1000"/>
+              </a:spcBef>
+              <a:buFont typeface="Arial" panose="020B0604020202020204" pitchFamily="34" charset="0"/>
+              <a:buChar char="•"/>
+              <a:defRPr sz="2800" kern="1200">
+                <a:solidFill>
+                  <a:schemeClr val="tx1"/>
+                </a:solidFill>
+                <a:latin typeface="+mn-lt"/>
+                <a:ea typeface="+mn-ea"/>
+                <a:cs typeface="+mn-cs"/>
+              </a:defRPr>
+            </a:lvl1pPr>
+            <a:lvl2pPr marL="685800" indent="-228600" algn="l" defTabSz="914400" rtl="0" eaLnBrk="1" latinLnBrk="0" hangingPunct="1">
+              <a:lnSpc>
+                <a:spcPct val="90000"/>
+              </a:lnSpc>
+              <a:spcBef>
+                <a:spcPts val="500"/>
+              </a:spcBef>
+              <a:buFont typeface="Arial" panose="020B0604020202020204" pitchFamily="34" charset="0"/>
+              <a:buChar char="•"/>
+              <a:defRPr sz="2400" kern="1200">
+                <a:solidFill>
+                  <a:schemeClr val="tx1"/>
+                </a:solidFill>
+                <a:latin typeface="+mn-lt"/>
+                <a:ea typeface="+mn-ea"/>
+                <a:cs typeface="+mn-cs"/>
+              </a:defRPr>
+            </a:lvl2pPr>
+            <a:lvl3pPr marL="1143000" indent="-228600" algn="l" defTabSz="914400" rtl="0" eaLnBrk="1" latinLnBrk="0" hangingPunct="1">
+              <a:lnSpc>
+                <a:spcPct val="90000"/>
+              </a:lnSpc>
+              <a:spcBef>
+                <a:spcPts val="500"/>
+              </a:spcBef>
+              <a:buFont typeface="Arial" panose="020B0604020202020204" pitchFamily="34" charset="0"/>
+              <a:buChar char="•"/>
+              <a:defRPr sz="2000" kern="1200">
+                <a:solidFill>
+                  <a:schemeClr val="tx1"/>
+                </a:solidFill>
+                <a:latin typeface="+mn-lt"/>
+                <a:ea typeface="+mn-ea"/>
+                <a:cs typeface="+mn-cs"/>
+              </a:defRPr>
+            </a:lvl3pPr>
+            <a:lvl4pPr marL="1600200" indent="-228600" algn="l" defTabSz="914400" rtl="0" eaLnBrk="1" latinLnBrk="0" hangingPunct="1">
+              <a:lnSpc>
+                <a:spcPct val="90000"/>
+              </a:lnSpc>
+              <a:spcBef>
+                <a:spcPts val="500"/>
+              </a:spcBef>
+              <a:buFont typeface="Arial" panose="020B0604020202020204" pitchFamily="34" charset="0"/>
+              <a:buChar char="•"/>
+              <a:defRPr sz="1800" kern="1200">
+                <a:solidFill>
+                  <a:schemeClr val="tx1"/>
+                </a:solidFill>
+                <a:latin typeface="+mn-lt"/>
+                <a:ea typeface="+mn-ea"/>
+                <a:cs typeface="+mn-cs"/>
+              </a:defRPr>
+            </a:lvl4pPr>
+            <a:lvl5pPr marL="2057400" indent="-228600" algn="l" defTabSz="914400" rtl="0" eaLnBrk="1" latinLnBrk="0" hangingPunct="1">
+              <a:lnSpc>
+                <a:spcPct val="90000"/>
+              </a:lnSpc>
+              <a:spcBef>
+                <a:spcPts val="500"/>
+              </a:spcBef>
+              <a:buFont typeface="Arial" panose="020B0604020202020204" pitchFamily="34" charset="0"/>
+              <a:buChar char="•"/>
+              <a:defRPr sz="1800" kern="1200">
+                <a:solidFill>
+                  <a:schemeClr val="tx1"/>
+                </a:solidFill>
+                <a:latin typeface="+mn-lt"/>
+                <a:ea typeface="+mn-ea"/>
+                <a:cs typeface="+mn-cs"/>
+              </a:defRPr>
+            </a:lvl5pPr>
+            <a:lvl6pPr marL="2514600" indent="-228600" algn="l" defTabSz="914400" rtl="0" eaLnBrk="1" latinLnBrk="0" hangingPunct="1">
+              <a:lnSpc>
+                <a:spcPct val="90000"/>
+              </a:lnSpc>
+              <a:spcBef>
+                <a:spcPts val="500"/>
+              </a:spcBef>
+              <a:buFont typeface="Arial" panose="020B0604020202020204" pitchFamily="34" charset="0"/>
+              <a:buChar char="•"/>
+              <a:defRPr sz="1800" kern="1200">
+                <a:solidFill>
+                  <a:schemeClr val="tx1"/>
+                </a:solidFill>
+                <a:latin typeface="+mn-lt"/>
+                <a:ea typeface="+mn-ea"/>
+                <a:cs typeface="+mn-cs"/>
+              </a:defRPr>
+            </a:lvl6pPr>
+            <a:lvl7pPr marL="2971800" indent="-228600" algn="l" defTabSz="914400" rtl="0" eaLnBrk="1" latinLnBrk="0" hangingPunct="1">
+              <a:lnSpc>
+                <a:spcPct val="90000"/>
+              </a:lnSpc>
+              <a:spcBef>
+                <a:spcPts val="500"/>
+              </a:spcBef>
+              <a:buFont typeface="Arial" panose="020B0604020202020204" pitchFamily="34" charset="0"/>
+              <a:buChar char="•"/>
+              <a:defRPr sz="1800" kern="1200">
+                <a:solidFill>
+                  <a:schemeClr val="tx1"/>
+                </a:solidFill>
+                <a:latin typeface="+mn-lt"/>
+                <a:ea typeface="+mn-ea"/>
+                <a:cs typeface="+mn-cs"/>
+              </a:defRPr>
+            </a:lvl7pPr>
+            <a:lvl8pPr marL="3429000" indent="-228600" algn="l" defTabSz="914400" rtl="0" eaLnBrk="1" latinLnBrk="0" hangingPunct="1">
+              <a:lnSpc>
+                <a:spcPct val="90000"/>
+              </a:lnSpc>
+              <a:spcBef>
+                <a:spcPts val="500"/>
+              </a:spcBef>
+              <a:buFont typeface="Arial" panose="020B0604020202020204" pitchFamily="34" charset="0"/>
+              <a:buChar char="•"/>
+              <a:defRPr sz="1800" kern="1200">
+                <a:solidFill>
+                  <a:schemeClr val="tx1"/>
+                </a:solidFill>
+                <a:latin typeface="+mn-lt"/>
+                <a:ea typeface="+mn-ea"/>
+                <a:cs typeface="+mn-cs"/>
+              </a:defRPr>
+            </a:lvl8pPr>
+            <a:lvl9pPr marL="3886200" indent="-228600" algn="l" defTabSz="914400" rtl="0" eaLnBrk="1" latinLnBrk="0" hangingPunct="1">
+              <a:lnSpc>
+                <a:spcPct val="90000"/>
+              </a:lnSpc>
+              <a:spcBef>
+                <a:spcPts val="500"/>
+              </a:spcBef>
+              <a:buFont typeface="Arial" panose="020B0604020202020204" pitchFamily="34" charset="0"/>
+              <a:buChar char="•"/>
+              <a:defRPr sz="1800" kern="1200">
+                <a:solidFill>
+                  <a:schemeClr val="tx1"/>
+                </a:solidFill>
+                <a:latin typeface="+mn-lt"/>
+                <a:ea typeface="+mn-ea"/>
+                <a:cs typeface="+mn-cs"/>
+              </a:defRPr>
+            </a:lvl9pPr>
+          </a:lstStyle>
+          <a:p>
+            <a:r>
+              <a:rPr lang="fr-FR" sz="2000" dirty="0" err="1"/>
+              <a:t>Established</a:t>
+            </a:r>
+            <a:r>
+              <a:rPr lang="fr-FR" sz="2000" dirty="0"/>
+              <a:t> </a:t>
+            </a:r>
+            <a:r>
+              <a:rPr lang="fr-FR" sz="2000" dirty="0" err="1"/>
+              <a:t>project</a:t>
+            </a:r>
+            <a:r>
+              <a:rPr lang="fr-FR" sz="2000" dirty="0"/>
+              <a:t> </a:t>
+            </a:r>
+            <a:r>
+              <a:rPr lang="fr-FR" sz="2000" dirty="0" err="1"/>
+              <a:t>specifications</a:t>
+            </a:r>
+            <a:r>
+              <a:rPr lang="fr-FR" sz="2000" dirty="0"/>
+              <a:t> (cahiers des charges</a:t>
+            </a:r>
+            <a:r>
+              <a:rPr lang="fr-FR" sz="2000" dirty="0" smtClean="0"/>
+              <a:t>)</a:t>
+            </a:r>
+          </a:p>
+          <a:p>
+            <a:endParaRPr lang="fr-FR" sz="2000" dirty="0"/>
+          </a:p>
+          <a:p>
+            <a:r>
+              <a:rPr lang="fr-FR" sz="2000" dirty="0" smtClean="0"/>
+              <a:t>Team meeting </a:t>
+            </a:r>
+            <a:r>
+              <a:rPr lang="fr-FR" sz="2000" dirty="0" err="1"/>
+              <a:t>every</a:t>
+            </a:r>
+            <a:r>
+              <a:rPr lang="fr-FR" sz="2000" dirty="0"/>
+              <a:t> </a:t>
+            </a:r>
+            <a:r>
+              <a:rPr lang="fr-FR" sz="2000" dirty="0" err="1" smtClean="0"/>
+              <a:t>Monday</a:t>
+            </a:r>
+            <a:endParaRPr lang="fr-FR" sz="2000" dirty="0" smtClean="0"/>
+          </a:p>
+          <a:p>
+            <a:endParaRPr lang="fr-FR" sz="2000" dirty="0"/>
+          </a:p>
+          <a:p>
+            <a:r>
+              <a:rPr lang="fr-FR" sz="2000" dirty="0"/>
+              <a:t>Close </a:t>
+            </a:r>
+            <a:r>
+              <a:rPr lang="fr-FR" sz="2000" dirty="0" err="1"/>
+              <a:t>proximity</a:t>
+            </a:r>
+            <a:r>
+              <a:rPr lang="fr-FR" sz="2000" dirty="0"/>
+              <a:t> in the </a:t>
+            </a:r>
+            <a:r>
+              <a:rPr lang="fr-FR" sz="2000" dirty="0" err="1"/>
+              <a:t>work</a:t>
+            </a:r>
+            <a:r>
+              <a:rPr lang="fr-FR" sz="2000" dirty="0"/>
+              <a:t> </a:t>
+            </a:r>
+            <a:r>
+              <a:rPr lang="fr-FR" sz="2000" dirty="0" err="1" smtClean="0"/>
+              <a:t>environment</a:t>
+            </a:r>
+            <a:endParaRPr lang="fr-FR" sz="2000" dirty="0" smtClean="0"/>
+          </a:p>
+          <a:p>
+            <a:endParaRPr lang="fr-FR" sz="2000" dirty="0" smtClean="0"/>
+          </a:p>
+          <a:p>
+            <a:r>
+              <a:rPr lang="fr-FR" sz="2000" dirty="0" err="1"/>
+              <a:t>Independant</a:t>
+            </a:r>
+            <a:r>
+              <a:rPr lang="fr-FR" sz="2000" dirty="0"/>
+              <a:t> and </a:t>
+            </a:r>
+            <a:r>
+              <a:rPr lang="fr-FR" sz="2000" dirty="0" err="1"/>
+              <a:t>reactive</a:t>
+            </a:r>
+            <a:endParaRPr lang="fr-FR" sz="2000" dirty="0"/>
+          </a:p>
+          <a:p>
+            <a:pPr marL="0" indent="0">
+              <a:buNone/>
+            </a:pPr>
+            <a:endParaRPr lang="fr-FR" sz="2000" dirty="0"/>
+          </a:p>
+        </p:txBody>
+      </p:sp>
+      <p:pic>
+        <p:nvPicPr>
+          <p:cNvPr id="4" name="Picture 3"/>
+          <p:cNvPicPr>
+            <a:picLocks noChangeAspect="1"/>
+          </p:cNvPicPr>
+          <p:nvPr/>
+        </p:nvPicPr>
+        <p:blipFill>
+          <a:blip r:embed="rId2" cstate="print">
+            <a:extLst>
+              <a:ext uri="{28A0092B-C50C-407E-A947-70E740481C1C}">
+                <a14:useLocalDpi xmlns:a14="http://schemas.microsoft.com/office/drawing/2010/main" val="0"/>
+              </a:ext>
+            </a:extLst>
+          </a:blip>
+          <a:stretch>
+            <a:fillRect/>
+          </a:stretch>
+        </p:blipFill>
+        <p:spPr>
+          <a:xfrm>
+            <a:off x="6179585" y="2409778"/>
+            <a:ext cx="2167461" cy="1751784"/>
+          </a:xfrm>
+          <a:prstGeom prst="rect">
+            <a:avLst/>
+          </a:prstGeom>
+        </p:spPr>
+      </p:pic>
+      <p:pic>
+        <p:nvPicPr>
+          <p:cNvPr id="6" name="Picture 5"/>
+          <p:cNvPicPr>
+            <a:picLocks noChangeAspect="1"/>
+          </p:cNvPicPr>
+          <p:nvPr/>
+        </p:nvPicPr>
+        <p:blipFill>
+          <a:blip r:embed="rId3" cstate="print">
+            <a:extLst>
+              <a:ext uri="{28A0092B-C50C-407E-A947-70E740481C1C}">
+                <a14:useLocalDpi xmlns:a14="http://schemas.microsoft.com/office/drawing/2010/main" val="0"/>
+              </a:ext>
+            </a:extLst>
+          </a:blip>
+          <a:stretch>
+            <a:fillRect/>
+          </a:stretch>
+        </p:blipFill>
+        <p:spPr>
+          <a:xfrm>
+            <a:off x="8710288" y="2626377"/>
+            <a:ext cx="2193121" cy="1535185"/>
+          </a:xfrm>
+          <a:prstGeom prst="rect">
+            <a:avLst/>
+          </a:prstGeom>
+        </p:spPr>
+      </p:pic>
+    </p:spTree>
+    <p:extLst>
+      <p:ext uri="{BB962C8B-B14F-4D97-AF65-F5344CB8AC3E}">
+        <p14:creationId xmlns:p14="http://schemas.microsoft.com/office/powerpoint/2010/main" val="1410728689"/>
+      </p:ext>
+    </p:extLst>
+  </p:cSld>
+  <p:clrMapOvr>
+    <a:masterClrMapping/>
+  </p:clrMapOvr>
+  <p:timing>
+    <p:tnLst>
+      <p:par>
+        <p:cTn id="1" dur="indefinite" restart="never" nodeType="tmRoot"/>
+      </p:par>
+    </p:tnLst>
+  </p:timing>
+</p:sld>
+</file>
+
+<file path=ppt/slides/slide7.xml><?xml version="1.0" encoding="utf-8"?>
+<p:sld xmlns:a="http://schemas.openxmlformats.org/drawingml/2006/main" xmlns:r="http://schemas.openxmlformats.org/officeDocument/2006/relationships" xmlns:p="http://schemas.openxmlformats.org/presentationml/2006/main">
+  <p:cSld>
+    <p:spTree>
+      <p:nvGrpSpPr>
+        <p:cNvPr id="1" name=""/>
+        <p:cNvGrpSpPr/>
+        <p:nvPr/>
+      </p:nvGrpSpPr>
+      <p:grpSpPr>
+        <a:xfrm>
+          <a:off x="0" y="0"/>
+          <a:ext cx="0" cy="0"/>
+          <a:chOff x="0" y="0"/>
+          <a:chExt cx="0" cy="0"/>
+        </a:xfrm>
+      </p:grpSpPr>
+      <p:sp>
+        <p:nvSpPr>
           <p:cNvPr id="6" name="Slide Number Placeholder 5"/>
           <p:cNvSpPr>
             <a:spLocks noGrp="1"/>
@@ -41817,7 +39529,7 @@
             <a:fld id="{813506F1-DB5F-4FC9-88BA-B486F30FE4BF}" type="slidenum">
               <a:rPr lang="fr-FR" smtClean="0"/>
               <a:pPr/>
-              <a:t>5</a:t>
+              <a:t>6</a:t>
             </a:fld>
             <a:endParaRPr lang="fr-FR" dirty="0"/>
           </a:p>
@@ -42359,485 +40071,6 @@
     <p:extLst>
       <p:ext uri="{BB962C8B-B14F-4D97-AF65-F5344CB8AC3E}">
         <p14:creationId xmlns:p14="http://schemas.microsoft.com/office/powerpoint/2010/main" val="2585248314"/>
-      </p:ext>
-    </p:extLst>
-  </p:cSld>
-  <p:clrMapOvr>
-    <a:masterClrMapping/>
-  </p:clrMapOvr>
-  <p:timing>
-    <p:tnLst>
-      <p:par>
-        <p:cTn id="1" dur="indefinite" restart="never" nodeType="tmRoot"/>
-      </p:par>
-    </p:tnLst>
-  </p:timing>
-</p:sld>
-</file>
-
-<file path=ppt/slides/slide7.xml><?xml version="1.0" encoding="utf-8"?>
-<p:sld xmlns:a="http://schemas.openxmlformats.org/drawingml/2006/main" xmlns:r="http://schemas.openxmlformats.org/officeDocument/2006/relationships" xmlns:p="http://schemas.openxmlformats.org/presentationml/2006/main">
-  <p:cSld>
-    <p:spTree>
-      <p:nvGrpSpPr>
-        <p:cNvPr id="1" name=""/>
-        <p:cNvGrpSpPr/>
-        <p:nvPr/>
-      </p:nvGrpSpPr>
-      <p:grpSpPr>
-        <a:xfrm>
-          <a:off x="0" y="0"/>
-          <a:ext cx="0" cy="0"/>
-          <a:chOff x="0" y="0"/>
-          <a:chExt cx="0" cy="0"/>
-        </a:xfrm>
-      </p:grpSpPr>
-      <p:sp>
-        <p:nvSpPr>
-          <p:cNvPr id="2" name="Slide Number Placeholder 1"/>
-          <p:cNvSpPr>
-            <a:spLocks noGrp="1"/>
-          </p:cNvSpPr>
-          <p:nvPr>
-            <p:ph type="sldNum" sz="quarter" idx="4"/>
-          </p:nvPr>
-        </p:nvSpPr>
-        <p:spPr/>
-        <p:txBody>
-          <a:bodyPr/>
-          <a:lstStyle/>
-          <a:p>
-            <a:fld id="{813506F1-DB5F-4FC9-88BA-B486F30FE4BF}" type="slidenum">
-              <a:rPr lang="fr-FR" smtClean="0"/>
-              <a:pPr/>
-              <a:t>6</a:t>
-            </a:fld>
-            <a:endParaRPr lang="fr-FR" dirty="0"/>
-          </a:p>
-        </p:txBody>
-      </p:sp>
-      <p:sp>
-        <p:nvSpPr>
-          <p:cNvPr id="3" name="Title 1"/>
-          <p:cNvSpPr txBox="1">
-            <a:spLocks/>
-          </p:cNvSpPr>
-          <p:nvPr/>
-        </p:nvSpPr>
-        <p:spPr>
-          <a:xfrm>
-            <a:off x="648394" y="2101646"/>
-            <a:ext cx="5257456" cy="733833"/>
-          </a:xfrm>
-          <a:prstGeom prst="rect">
-            <a:avLst/>
-          </a:prstGeom>
-        </p:spPr>
-        <p:txBody>
-          <a:bodyPr/>
-          <a:lstStyle>
-            <a:lvl1pPr algn="l" defTabSz="914400" rtl="0" eaLnBrk="1" latinLnBrk="0" hangingPunct="1">
-              <a:lnSpc>
-                <a:spcPct val="90000"/>
-              </a:lnSpc>
-              <a:spcBef>
-                <a:spcPct val="0"/>
-              </a:spcBef>
-              <a:buNone/>
-              <a:defRPr sz="4400" kern="1200">
-                <a:solidFill>
-                  <a:schemeClr val="tx1"/>
-                </a:solidFill>
-                <a:latin typeface="+mj-lt"/>
-                <a:ea typeface="+mj-ea"/>
-                <a:cs typeface="+mj-cs"/>
-              </a:defRPr>
-            </a:lvl1pPr>
-          </a:lstStyle>
-          <a:p>
-            <a:r>
-              <a:rPr lang="fr-FR" dirty="0" smtClean="0"/>
-              <a:t>Project management</a:t>
-            </a:r>
-            <a:endParaRPr lang="fr-FR" dirty="0"/>
-          </a:p>
-        </p:txBody>
-      </p:sp>
-      <p:sp>
-        <p:nvSpPr>
-          <p:cNvPr id="12" name="Content Placeholder 2"/>
-          <p:cNvSpPr txBox="1">
-            <a:spLocks/>
-          </p:cNvSpPr>
-          <p:nvPr/>
-        </p:nvSpPr>
-        <p:spPr>
-          <a:xfrm>
-            <a:off x="1236683" y="2835479"/>
-            <a:ext cx="4669167" cy="3842158"/>
-          </a:xfrm>
-          <a:prstGeom prst="rect">
-            <a:avLst/>
-          </a:prstGeom>
-        </p:spPr>
-        <p:txBody>
-          <a:bodyPr>
-            <a:normAutofit lnSpcReduction="10000"/>
-          </a:bodyPr>
-          <a:lstStyle>
-            <a:lvl1pPr marL="228600" indent="-228600" algn="l" defTabSz="914400" rtl="0" eaLnBrk="1" latinLnBrk="0" hangingPunct="1">
-              <a:lnSpc>
-                <a:spcPct val="90000"/>
-              </a:lnSpc>
-              <a:spcBef>
-                <a:spcPts val="1000"/>
-              </a:spcBef>
-              <a:buFont typeface="Arial" panose="020B0604020202020204" pitchFamily="34" charset="0"/>
-              <a:buChar char="•"/>
-              <a:defRPr sz="2800" kern="1200">
-                <a:solidFill>
-                  <a:schemeClr val="tx1"/>
-                </a:solidFill>
-                <a:latin typeface="+mn-lt"/>
-                <a:ea typeface="+mn-ea"/>
-                <a:cs typeface="+mn-cs"/>
-              </a:defRPr>
-            </a:lvl1pPr>
-            <a:lvl2pPr marL="685800" indent="-228600" algn="l" defTabSz="914400" rtl="0" eaLnBrk="1" latinLnBrk="0" hangingPunct="1">
-              <a:lnSpc>
-                <a:spcPct val="90000"/>
-              </a:lnSpc>
-              <a:spcBef>
-                <a:spcPts val="500"/>
-              </a:spcBef>
-              <a:buFont typeface="Arial" panose="020B0604020202020204" pitchFamily="34" charset="0"/>
-              <a:buChar char="•"/>
-              <a:defRPr sz="2400" kern="1200">
-                <a:solidFill>
-                  <a:schemeClr val="tx1"/>
-                </a:solidFill>
-                <a:latin typeface="+mn-lt"/>
-                <a:ea typeface="+mn-ea"/>
-                <a:cs typeface="+mn-cs"/>
-              </a:defRPr>
-            </a:lvl2pPr>
-            <a:lvl3pPr marL="1143000" indent="-228600" algn="l" defTabSz="914400" rtl="0" eaLnBrk="1" latinLnBrk="0" hangingPunct="1">
-              <a:lnSpc>
-                <a:spcPct val="90000"/>
-              </a:lnSpc>
-              <a:spcBef>
-                <a:spcPts val="500"/>
-              </a:spcBef>
-              <a:buFont typeface="Arial" panose="020B0604020202020204" pitchFamily="34" charset="0"/>
-              <a:buChar char="•"/>
-              <a:defRPr sz="2000" kern="1200">
-                <a:solidFill>
-                  <a:schemeClr val="tx1"/>
-                </a:solidFill>
-                <a:latin typeface="+mn-lt"/>
-                <a:ea typeface="+mn-ea"/>
-                <a:cs typeface="+mn-cs"/>
-              </a:defRPr>
-            </a:lvl3pPr>
-            <a:lvl4pPr marL="1600200" indent="-228600" algn="l" defTabSz="914400" rtl="0" eaLnBrk="1" latinLnBrk="0" hangingPunct="1">
-              <a:lnSpc>
-                <a:spcPct val="90000"/>
-              </a:lnSpc>
-              <a:spcBef>
-                <a:spcPts val="500"/>
-              </a:spcBef>
-              <a:buFont typeface="Arial" panose="020B0604020202020204" pitchFamily="34" charset="0"/>
-              <a:buChar char="•"/>
-              <a:defRPr sz="1800" kern="1200">
-                <a:solidFill>
-                  <a:schemeClr val="tx1"/>
-                </a:solidFill>
-                <a:latin typeface="+mn-lt"/>
-                <a:ea typeface="+mn-ea"/>
-                <a:cs typeface="+mn-cs"/>
-              </a:defRPr>
-            </a:lvl4pPr>
-            <a:lvl5pPr marL="2057400" indent="-228600" algn="l" defTabSz="914400" rtl="0" eaLnBrk="1" latinLnBrk="0" hangingPunct="1">
-              <a:lnSpc>
-                <a:spcPct val="90000"/>
-              </a:lnSpc>
-              <a:spcBef>
-                <a:spcPts val="500"/>
-              </a:spcBef>
-              <a:buFont typeface="Arial" panose="020B0604020202020204" pitchFamily="34" charset="0"/>
-              <a:buChar char="•"/>
-              <a:defRPr sz="1800" kern="1200">
-                <a:solidFill>
-                  <a:schemeClr val="tx1"/>
-                </a:solidFill>
-                <a:latin typeface="+mn-lt"/>
-                <a:ea typeface="+mn-ea"/>
-                <a:cs typeface="+mn-cs"/>
-              </a:defRPr>
-            </a:lvl5pPr>
-            <a:lvl6pPr marL="2514600" indent="-228600" algn="l" defTabSz="914400" rtl="0" eaLnBrk="1" latinLnBrk="0" hangingPunct="1">
-              <a:lnSpc>
-                <a:spcPct val="90000"/>
-              </a:lnSpc>
-              <a:spcBef>
-                <a:spcPts val="500"/>
-              </a:spcBef>
-              <a:buFont typeface="Arial" panose="020B0604020202020204" pitchFamily="34" charset="0"/>
-              <a:buChar char="•"/>
-              <a:defRPr sz="1800" kern="1200">
-                <a:solidFill>
-                  <a:schemeClr val="tx1"/>
-                </a:solidFill>
-                <a:latin typeface="+mn-lt"/>
-                <a:ea typeface="+mn-ea"/>
-                <a:cs typeface="+mn-cs"/>
-              </a:defRPr>
-            </a:lvl6pPr>
-            <a:lvl7pPr marL="2971800" indent="-228600" algn="l" defTabSz="914400" rtl="0" eaLnBrk="1" latinLnBrk="0" hangingPunct="1">
-              <a:lnSpc>
-                <a:spcPct val="90000"/>
-              </a:lnSpc>
-              <a:spcBef>
-                <a:spcPts val="500"/>
-              </a:spcBef>
-              <a:buFont typeface="Arial" panose="020B0604020202020204" pitchFamily="34" charset="0"/>
-              <a:buChar char="•"/>
-              <a:defRPr sz="1800" kern="1200">
-                <a:solidFill>
-                  <a:schemeClr val="tx1"/>
-                </a:solidFill>
-                <a:latin typeface="+mn-lt"/>
-                <a:ea typeface="+mn-ea"/>
-                <a:cs typeface="+mn-cs"/>
-              </a:defRPr>
-            </a:lvl7pPr>
-            <a:lvl8pPr marL="3429000" indent="-228600" algn="l" defTabSz="914400" rtl="0" eaLnBrk="1" latinLnBrk="0" hangingPunct="1">
-              <a:lnSpc>
-                <a:spcPct val="90000"/>
-              </a:lnSpc>
-              <a:spcBef>
-                <a:spcPts val="500"/>
-              </a:spcBef>
-              <a:buFont typeface="Arial" panose="020B0604020202020204" pitchFamily="34" charset="0"/>
-              <a:buChar char="•"/>
-              <a:defRPr sz="1800" kern="1200">
-                <a:solidFill>
-                  <a:schemeClr val="tx1"/>
-                </a:solidFill>
-                <a:latin typeface="+mn-lt"/>
-                <a:ea typeface="+mn-ea"/>
-                <a:cs typeface="+mn-cs"/>
-              </a:defRPr>
-            </a:lvl8pPr>
-            <a:lvl9pPr marL="3886200" indent="-228600" algn="l" defTabSz="914400" rtl="0" eaLnBrk="1" latinLnBrk="0" hangingPunct="1">
-              <a:lnSpc>
-                <a:spcPct val="90000"/>
-              </a:lnSpc>
-              <a:spcBef>
-                <a:spcPts val="500"/>
-              </a:spcBef>
-              <a:buFont typeface="Arial" panose="020B0604020202020204" pitchFamily="34" charset="0"/>
-              <a:buChar char="•"/>
-              <a:defRPr sz="1800" kern="1200">
-                <a:solidFill>
-                  <a:schemeClr val="tx1"/>
-                </a:solidFill>
-                <a:latin typeface="+mn-lt"/>
-                <a:ea typeface="+mn-ea"/>
-                <a:cs typeface="+mn-cs"/>
-              </a:defRPr>
-            </a:lvl9pPr>
-          </a:lstStyle>
-          <a:p>
-            <a:r>
-              <a:rPr lang="fr-FR" sz="2000" dirty="0" err="1" smtClean="0"/>
-              <a:t>Strong</a:t>
-            </a:r>
-            <a:r>
-              <a:rPr lang="fr-FR" sz="2000" dirty="0" smtClean="0"/>
-              <a:t> use of </a:t>
-            </a:r>
-            <a:r>
-              <a:rPr lang="fr-FR" sz="2000" dirty="0" err="1" smtClean="0"/>
-              <a:t>gitKraken’s</a:t>
-            </a:r>
-            <a:r>
-              <a:rPr lang="fr-FR" sz="2000" dirty="0" smtClean="0"/>
-              <a:t> </a:t>
-            </a:r>
-            <a:r>
-              <a:rPr lang="fr-FR" sz="2000" dirty="0" err="1" smtClean="0"/>
-              <a:t>KanBan</a:t>
-            </a:r>
-            <a:endParaRPr lang="fr-FR" sz="2000" dirty="0" smtClean="0"/>
-          </a:p>
-          <a:p>
-            <a:endParaRPr lang="fr-FR" sz="2000" dirty="0"/>
-          </a:p>
-          <a:p>
-            <a:r>
-              <a:rPr lang="fr-FR" sz="2000" dirty="0" err="1" smtClean="0"/>
-              <a:t>Established</a:t>
-            </a:r>
-            <a:r>
-              <a:rPr lang="fr-FR" sz="2000" dirty="0" smtClean="0"/>
-              <a:t> </a:t>
-            </a:r>
-            <a:r>
-              <a:rPr lang="fr-FR" sz="2000" dirty="0" err="1" smtClean="0"/>
-              <a:t>project</a:t>
-            </a:r>
-            <a:r>
-              <a:rPr lang="fr-FR" sz="2000" dirty="0" smtClean="0"/>
-              <a:t> </a:t>
-            </a:r>
-            <a:r>
-              <a:rPr lang="fr-FR" sz="2000" dirty="0" err="1" smtClean="0"/>
-              <a:t>specifications</a:t>
-            </a:r>
-            <a:r>
-              <a:rPr lang="fr-FR" sz="2000" dirty="0"/>
-              <a:t> </a:t>
-            </a:r>
-            <a:r>
-              <a:rPr lang="fr-FR" sz="2000" dirty="0" smtClean="0"/>
-              <a:t>(cahiers des charges)</a:t>
-            </a:r>
-            <a:endParaRPr lang="fr-FR" sz="2000" dirty="0"/>
-          </a:p>
-          <a:p>
-            <a:pPr marL="0" indent="0">
-              <a:buNone/>
-            </a:pPr>
-            <a:endParaRPr lang="fr-FR" sz="2000" dirty="0"/>
-          </a:p>
-          <a:p>
-            <a:r>
-              <a:rPr lang="fr-FR" sz="2000" dirty="0" smtClean="0"/>
-              <a:t>Meeting </a:t>
-            </a:r>
-            <a:r>
-              <a:rPr lang="fr-FR" sz="2000" dirty="0" err="1" smtClean="0"/>
-              <a:t>every</a:t>
-            </a:r>
-            <a:r>
-              <a:rPr lang="fr-FR" sz="2000" dirty="0" smtClean="0"/>
-              <a:t> </a:t>
-            </a:r>
-            <a:r>
-              <a:rPr lang="fr-FR" sz="2000" dirty="0" err="1" smtClean="0"/>
-              <a:t>Monday</a:t>
-            </a:r>
-            <a:endParaRPr lang="fr-FR" sz="2000" dirty="0"/>
-          </a:p>
-          <a:p>
-            <a:endParaRPr lang="fr-FR" sz="2000" dirty="0"/>
-          </a:p>
-          <a:p>
-            <a:r>
-              <a:rPr lang="fr-FR" sz="2000" dirty="0" smtClean="0"/>
-              <a:t>Close </a:t>
-            </a:r>
-            <a:r>
-              <a:rPr lang="fr-FR" sz="2000" dirty="0" err="1" smtClean="0"/>
-              <a:t>proximity</a:t>
-            </a:r>
-            <a:r>
-              <a:rPr lang="fr-FR" sz="2000" dirty="0" smtClean="0"/>
-              <a:t> in the </a:t>
-            </a:r>
-            <a:r>
-              <a:rPr lang="fr-FR" sz="2000" dirty="0" err="1" smtClean="0"/>
-              <a:t>work</a:t>
-            </a:r>
-            <a:r>
-              <a:rPr lang="fr-FR" sz="2000" dirty="0" smtClean="0"/>
-              <a:t> </a:t>
-            </a:r>
-            <a:r>
-              <a:rPr lang="fr-FR" sz="2000" dirty="0" err="1" smtClean="0"/>
-              <a:t>environment</a:t>
-            </a:r>
-            <a:endParaRPr lang="fr-FR" sz="2000" dirty="0" smtClean="0"/>
-          </a:p>
-          <a:p>
-            <a:endParaRPr lang="fr-FR" sz="2000" dirty="0"/>
-          </a:p>
-          <a:p>
-            <a:r>
-              <a:rPr lang="fr-FR" sz="2000" dirty="0" err="1" smtClean="0"/>
-              <a:t>Independant</a:t>
-            </a:r>
-            <a:r>
-              <a:rPr lang="fr-FR" sz="2000" dirty="0" smtClean="0"/>
-              <a:t> and </a:t>
-            </a:r>
-            <a:r>
-              <a:rPr lang="fr-FR" sz="2000" dirty="0" err="1" smtClean="0"/>
-              <a:t>reactive</a:t>
-            </a:r>
-            <a:endParaRPr lang="fr-FR" sz="2000" dirty="0"/>
-          </a:p>
-        </p:txBody>
-      </p:sp>
-      <p:pic>
-        <p:nvPicPr>
-          <p:cNvPr id="9" name="Picture 8"/>
-          <p:cNvPicPr>
-            <a:picLocks noChangeAspect="1"/>
-          </p:cNvPicPr>
-          <p:nvPr/>
-        </p:nvPicPr>
-        <p:blipFill>
-          <a:blip r:embed="rId2">
-            <a:extLst>
-              <a:ext uri="{28A0092B-C50C-407E-A947-70E740481C1C}">
-                <a14:useLocalDpi xmlns:a14="http://schemas.microsoft.com/office/drawing/2010/main" val="0"/>
-              </a:ext>
-            </a:extLst>
-          </a:blip>
-          <a:stretch>
-            <a:fillRect/>
-          </a:stretch>
-        </p:blipFill>
-        <p:spPr>
-          <a:xfrm>
-            <a:off x="6153150" y="2103725"/>
-            <a:ext cx="6026548" cy="4506625"/>
-          </a:xfrm>
-          <a:prstGeom prst="roundRect">
-            <a:avLst>
-              <a:gd name="adj" fmla="val 16667"/>
-            </a:avLst>
-          </a:prstGeom>
-          <a:ln>
-            <a:noFill/>
-          </a:ln>
-          <a:effectLst>
-            <a:outerShdw blurRad="76200" dist="38100" dir="7800000" algn="tl" rotWithShape="0">
-              <a:srgbClr val="000000">
-                <a:alpha val="40000"/>
-              </a:srgbClr>
-            </a:outerShdw>
-          </a:effectLst>
-          <a:scene3d>
-            <a:camera prst="orthographicFront"/>
-            <a:lightRig rig="contrasting" dir="t">
-              <a:rot lat="0" lon="0" rev="4200000"/>
-            </a:lightRig>
-          </a:scene3d>
-          <a:sp3d prstMaterial="plastic">
-            <a:bevelT w="381000" h="114300" prst="relaxedInset"/>
-            <a:contourClr>
-              <a:srgbClr val="969696"/>
-            </a:contourClr>
-          </a:sp3d>
-        </p:spPr>
-      </p:pic>
-    </p:spTree>
-    <p:extLst>
-      <p:ext uri="{BB962C8B-B14F-4D97-AF65-F5344CB8AC3E}">
-        <p14:creationId xmlns:p14="http://schemas.microsoft.com/office/powerpoint/2010/main" val="1410728689"/>
       </p:ext>
     </p:extLst>
   </p:cSld>
